--- a/Slide.pptx
+++ b/Slide.pptx
@@ -5,7 +5,7 @@
     <p:sldMasterId id="2147483648" r:id="rId1"/>
   </p:sldMasterIdLst>
   <p:notesMasterIdLst>
-    <p:notesMasterId r:id="rId22"/>
+    <p:notesMasterId r:id="rId24"/>
   </p:notesMasterIdLst>
   <p:sldIdLst>
     <p:sldId id="256" r:id="rId2"/>
@@ -22,12 +22,14 @@
     <p:sldId id="267" r:id="rId13"/>
     <p:sldId id="272" r:id="rId14"/>
     <p:sldId id="268" r:id="rId15"/>
-    <p:sldId id="269" r:id="rId16"/>
-    <p:sldId id="270" r:id="rId17"/>
-    <p:sldId id="273" r:id="rId18"/>
-    <p:sldId id="274" r:id="rId19"/>
-    <p:sldId id="260" r:id="rId20"/>
-    <p:sldId id="261" r:id="rId21"/>
+    <p:sldId id="276" r:id="rId16"/>
+    <p:sldId id="269" r:id="rId17"/>
+    <p:sldId id="270" r:id="rId18"/>
+    <p:sldId id="277" r:id="rId19"/>
+    <p:sldId id="273" r:id="rId20"/>
+    <p:sldId id="274" r:id="rId21"/>
+    <p:sldId id="260" r:id="rId22"/>
+    <p:sldId id="261" r:id="rId23"/>
   </p:sldIdLst>
   <p:sldSz cx="9144000" cy="6858000" type="screen4x3"/>
   <p:notesSz cx="6858000" cy="9144000"/>
@@ -265,7 +267,7 @@
       <p15:sldGuideLst xmlns:p15="http://schemas.microsoft.com/office/powerpoint/2012/main"/>
     </p:ext>
     <p:ext uri="GoogleSlidesCustomDataVersion2">
-      <go:slidesCustomData xmlns:go="http://customooxmlschemas.google.com/" xmlns:ahyp="http://schemas.microsoft.com/office/drawing/2018/hyperlinkcolor" xmlns:p15="http://schemas.microsoft.com/office/powerpoint/2012/main" xmlns:p14="http://schemas.microsoft.com/office/powerpoint/2010/main" xmlns:com="http://schemas.openxmlformats.org/drawingml/2006/compatibility" xmlns:pvml="urn:schemas-microsoft-com:office:powerpoint" xmlns:v="urn:schemas-microsoft-com:vml" xmlns:o="urn:schemas-microsoft-com:office:office" xmlns:dgm="http://schemas.openxmlformats.org/drawingml/2006/diagram" xmlns:c="http://schemas.openxmlformats.org/drawingml/2006/chart" xmlns:mv="urn:schemas-microsoft-com:mac:vml" xmlns:mc="http://schemas.openxmlformats.org/markup-compatibility/2006" xmlns="" r:id="rId34" roundtripDataSignature="AMtx7mgzalF4DGvfEshU7BVqSP7oz0qtVA=="/>
+      <go:slidesCustomData xmlns="" xmlns:mc="http://schemas.openxmlformats.org/markup-compatibility/2006" xmlns:mv="urn:schemas-microsoft-com:mac:vml" xmlns:c="http://schemas.openxmlformats.org/drawingml/2006/chart" xmlns:dgm="http://schemas.openxmlformats.org/drawingml/2006/diagram" xmlns:o="urn:schemas-microsoft-com:office:office" xmlns:v="urn:schemas-microsoft-com:vml" xmlns:pvml="urn:schemas-microsoft-com:office:powerpoint" xmlns:com="http://schemas.openxmlformats.org/drawingml/2006/compatibility" xmlns:p14="http://schemas.microsoft.com/office/powerpoint/2010/main" xmlns:p15="http://schemas.microsoft.com/office/powerpoint/2012/main" xmlns:ahyp="http://schemas.microsoft.com/office/drawing/2018/hyperlinkcolor" xmlns:go="http://customooxmlschemas.google.com/" r:id="rId34" roundtripDataSignature="AMtx7mgzalF4DGvfEshU7BVqSP7oz0qtVA=="/>
     </p:ext>
   </p:extLst>
 </p:presentation>
@@ -2062,7 +2064,7 @@
                 <a:cs typeface="Arial"/>
                 <a:sym typeface="Arial"/>
               </a:rPr>
-              <a:t>19</a:t>
+              <a:t>21</a:t>
             </a:fld>
             <a:endParaRPr sz="1300">
               <a:solidFill>
@@ -12575,8 +12577,8 @@
         </p:nvSpPr>
         <p:spPr>
           <a:xfrm>
-            <a:off x="0" y="3024553"/>
-            <a:ext cx="6011857" cy="1283677"/>
+            <a:off x="1" y="3024553"/>
+            <a:ext cx="9144000" cy="1283677"/>
           </a:xfrm>
           <a:prstGeom prst="rect">
             <a:avLst/>
@@ -12709,7 +12711,7 @@
         <p:spPr>
           <a:xfrm>
             <a:off x="369278" y="4450080"/>
-            <a:ext cx="4848765" cy="1185790"/>
+            <a:ext cx="5164256" cy="1185790"/>
           </a:xfrm>
           <a:prstGeom prst="rect">
             <a:avLst/>
@@ -12978,7 +12980,7 @@
           <p:cNvPr id="2" name="Title 1">
             <a:extLst>
               <a:ext uri="{FF2B5EF4-FFF2-40B4-BE49-F238E27FC236}">
-                <a16:creationId xmlns:a16="http://schemas.microsoft.com/office/drawing/2014/main" xmlns="" id="{64B95BEF-5974-42F7-A3AF-C837355F8573}"/>
+                <a16:creationId xmlns:a16="http://schemas.microsoft.com/office/drawing/2014/main" id="{64B95BEF-5974-42F7-A3AF-C837355F8573}"/>
               </a:ext>
             </a:extLst>
           </p:cNvPr>
@@ -13063,7 +13065,7 @@
           <p:cNvPr id="3" name="Text Placeholder 2">
             <a:extLst>
               <a:ext uri="{FF2B5EF4-FFF2-40B4-BE49-F238E27FC236}">
-                <a16:creationId xmlns:a16="http://schemas.microsoft.com/office/drawing/2014/main" xmlns="" id="{AB3C6A4E-919D-4DEC-8253-297B1861DCC8}"/>
+                <a16:creationId xmlns:a16="http://schemas.microsoft.com/office/drawing/2014/main" id="{AB3C6A4E-919D-4DEC-8253-297B1861DCC8}"/>
               </a:ext>
             </a:extLst>
           </p:cNvPr>
@@ -13090,13 +13092,8 @@
             </a:pPr>
             <a:r>
               <a:rPr lang="en-US" b="1" i="1" u="sng" dirty="0"/>
-              <a:t>Use </a:t>
-            </a:r>
-            <a:r>
-              <a:rPr lang="en-US" b="1" i="1" u="sng" dirty="0" smtClean="0"/>
-              <a:t>case</a:t>
-            </a:r>
-            <a:endParaRPr lang="en-US" b="1" i="1" u="sng" dirty="0"/>
+              <a:t>Use case</a:t>
+            </a:r>
           </a:p>
         </p:txBody>
       </p:sp>
@@ -13105,7 +13102,7 @@
           <p:cNvPr id="5" name="Text Placeholder 2">
             <a:extLst>
               <a:ext uri="{FF2B5EF4-FFF2-40B4-BE49-F238E27FC236}">
-                <a16:creationId xmlns:a16="http://schemas.microsoft.com/office/drawing/2014/main" xmlns="" id="{B98D1857-0561-411C-BD5D-5E661010EFD7}"/>
+                <a16:creationId xmlns:a16="http://schemas.microsoft.com/office/drawing/2014/main" id="{B98D1857-0561-411C-BD5D-5E661010EFD7}"/>
               </a:ext>
             </a:extLst>
           </p:cNvPr>
@@ -13384,7 +13381,7 @@
               <a:buNone/>
             </a:pPr>
             <a:r>
-              <a:rPr lang="vi-VN" sz="2400" dirty="0" smtClean="0"/>
+              <a:rPr lang="vi-VN" sz="2400" dirty="0"/>
               <a:t>Mô tả một chức năng sử dụng cụ thể của hệ thống bởi một tác nhân, đại diện cho những gì mác tác nhân muốn hệ thống làm.</a:t>
             </a:r>
           </a:p>
@@ -13394,10 +13391,9 @@
               <a:buNone/>
             </a:pPr>
             <a:r>
-              <a:rPr lang="vi-VN" sz="2400" dirty="0" smtClean="0"/>
+              <a:rPr lang="vi-VN" sz="2400" dirty="0"/>
               <a:t>Một ca sử dụng phải là một chuỗi các hoạt động hoàn chỉnh theo góc nhìn của tác nhân mà cung cấp giá trị cho tác nhân</a:t>
             </a:r>
-            <a:endParaRPr lang="vi-VN" sz="2400" dirty="0" smtClean="0"/>
           </a:p>
         </p:txBody>
       </p:sp>
@@ -13447,7 +13443,7 @@
           <p:cNvPr id="9" name="Text Placeholder 2">
             <a:extLst>
               <a:ext uri="{FF2B5EF4-FFF2-40B4-BE49-F238E27FC236}">
-                <a16:creationId xmlns:a16="http://schemas.microsoft.com/office/drawing/2014/main" xmlns="" id="{B98D1857-0561-411C-BD5D-5E661010EFD7}"/>
+                <a16:creationId xmlns:a16="http://schemas.microsoft.com/office/drawing/2014/main" id="{B98D1857-0561-411C-BD5D-5E661010EFD7}"/>
               </a:ext>
             </a:extLst>
           </p:cNvPr>
@@ -13726,10 +13722,9 @@
               <a:buNone/>
             </a:pPr>
             <a:r>
-              <a:rPr lang="vi-VN" sz="2400" dirty="0" smtClean="0"/>
+              <a:rPr lang="vi-VN" sz="2400" dirty="0"/>
               <a:t>Đặt tên: cụm động danh từ (động từ + danh từ)</a:t>
             </a:r>
-            <a:endParaRPr lang="vi-VN" sz="2400" dirty="0" smtClean="0"/>
           </a:p>
         </p:txBody>
       </p:sp>
@@ -13738,7 +13733,7 @@
           <p:cNvPr id="10" name="Text Placeholder 2">
             <a:extLst>
               <a:ext uri="{FF2B5EF4-FFF2-40B4-BE49-F238E27FC236}">
-                <a16:creationId xmlns:a16="http://schemas.microsoft.com/office/drawing/2014/main" xmlns="" id="{B98D1857-0561-411C-BD5D-5E661010EFD7}"/>
+                <a16:creationId xmlns:a16="http://schemas.microsoft.com/office/drawing/2014/main" id="{B98D1857-0561-411C-BD5D-5E661010EFD7}"/>
               </a:ext>
             </a:extLst>
           </p:cNvPr>
@@ -14017,7 +14012,7 @@
               <a:buNone/>
             </a:pPr>
             <a:r>
-              <a:rPr lang="vi-VN" sz="2400" dirty="0" smtClean="0"/>
+              <a:rPr lang="vi-VN" sz="2400" dirty="0"/>
               <a:t>Giữa các actors với usecase: liên kết (association)</a:t>
             </a:r>
           </a:p>
@@ -14026,7 +14021,7 @@
               <a:buNone/>
             </a:pPr>
             <a:r>
-              <a:rPr lang="vi-VN" sz="2400" dirty="0" smtClean="0"/>
+              <a:rPr lang="vi-VN" sz="2400" dirty="0"/>
               <a:t>Giữa usecase với usecase: </a:t>
             </a:r>
             <a:r>
@@ -14093,7 +14088,7 @@
               <a:rPr lang="en-US" sz="2400" dirty="0"/>
               <a:t> (extension)</a:t>
             </a:r>
-            <a:endParaRPr lang="vi-VN" sz="2400" dirty="0" smtClean="0"/>
+            <a:endParaRPr lang="vi-VN" sz="2400" dirty="0"/>
           </a:p>
         </p:txBody>
       </p:sp>
@@ -14132,7 +14127,7 @@
           <p:cNvPr id="2" name="Title 1">
             <a:extLst>
               <a:ext uri="{FF2B5EF4-FFF2-40B4-BE49-F238E27FC236}">
-                <a16:creationId xmlns:a16="http://schemas.microsoft.com/office/drawing/2014/main" xmlns="" id="{21455DAE-BD5C-4A55-8025-75D2C7C7A9FE}"/>
+                <a16:creationId xmlns:a16="http://schemas.microsoft.com/office/drawing/2014/main" id="{21455DAE-BD5C-4A55-8025-75D2C7C7A9FE}"/>
               </a:ext>
             </a:extLst>
           </p:cNvPr>
@@ -14217,7 +14212,7 @@
           <p:cNvPr id="3" name="Text Placeholder 2">
             <a:extLst>
               <a:ext uri="{FF2B5EF4-FFF2-40B4-BE49-F238E27FC236}">
-                <a16:creationId xmlns:a16="http://schemas.microsoft.com/office/drawing/2014/main" xmlns="" id="{8C8E4A19-149C-474C-B372-724710A41EDB}"/>
+                <a16:creationId xmlns:a16="http://schemas.microsoft.com/office/drawing/2014/main" id="{8C8E4A19-149C-474C-B372-724710A41EDB}"/>
               </a:ext>
             </a:extLst>
           </p:cNvPr>
@@ -14245,10 +14240,10 @@
               <a:buChar char="q"/>
             </a:pPr>
             <a:r>
-              <a:rPr lang="vi-VN" sz="2400" b="1" i="1" u="sng" dirty="0" smtClean="0"/>
+              <a:rPr lang="vi-VN" sz="2400" b="1" i="1" u="sng" dirty="0"/>
               <a:t>Boundary of system</a:t>
             </a:r>
-            <a:endParaRPr lang="en-US" sz="2400" b="1" i="1" u="sng" dirty="0" smtClean="0"/>
+            <a:endParaRPr lang="en-US" sz="2400" b="1" i="1" u="sng" dirty="0"/>
           </a:p>
           <a:p>
             <a:pPr>
@@ -14256,11 +14251,11 @@
               <a:buChar char="-"/>
             </a:pPr>
             <a:r>
-              <a:rPr lang="en-US" sz="2400" dirty="0" err="1" smtClean="0"/>
+              <a:rPr lang="en-US" sz="2400" dirty="0" err="1"/>
               <a:t>Thể</a:t>
             </a:r>
             <a:r>
-              <a:rPr lang="en-US" sz="2400" dirty="0" smtClean="0"/>
+              <a:rPr lang="en-US" sz="2400" dirty="0"/>
               <a:t> </a:t>
             </a:r>
             <a:r>
@@ -14424,7 +14419,7 @@
           <p:cNvPr id="2" name="Title 1">
             <a:extLst>
               <a:ext uri="{FF2B5EF4-FFF2-40B4-BE49-F238E27FC236}">
-                <a16:creationId xmlns:a16="http://schemas.microsoft.com/office/drawing/2014/main" xmlns="" id="{D6C95B60-48C6-4F01-A08F-533FC7622445}"/>
+                <a16:creationId xmlns:a16="http://schemas.microsoft.com/office/drawing/2014/main" id="{D6C95B60-48C6-4F01-A08F-533FC7622445}"/>
               </a:ext>
             </a:extLst>
           </p:cNvPr>
@@ -14509,7 +14504,7 @@
           <p:cNvPr id="3" name="Text Placeholder 2">
             <a:extLst>
               <a:ext uri="{FF2B5EF4-FFF2-40B4-BE49-F238E27FC236}">
-                <a16:creationId xmlns:a16="http://schemas.microsoft.com/office/drawing/2014/main" xmlns="" id="{43E4F237-9968-496E-9496-56500A3FC989}"/>
+                <a16:creationId xmlns:a16="http://schemas.microsoft.com/office/drawing/2014/main" id="{43E4F237-9968-496E-9496-56500A3FC989}"/>
               </a:ext>
             </a:extLst>
           </p:cNvPr>
@@ -14533,7 +14528,7 @@
               <a:rPr lang="vi-VN" sz="2400" b="1" dirty="0"/>
               <a:t>Relationship</a:t>
             </a:r>
-            <a:endParaRPr lang="en-US" sz="2400" b="1" dirty="0" smtClean="0"/>
+            <a:endParaRPr lang="en-US" sz="2400" b="1" dirty="0"/>
           </a:p>
           <a:p>
             <a:pPr marL="114300" indent="0">
@@ -14568,9 +14563,27 @@
                 <a:tableStyleId>{5940675A-B579-460E-94D1-54222C63F5DA}</a:tableStyleId>
               </a:tblPr>
               <a:tblGrid>
-                <a:gridCol w="2453055"/>
-                <a:gridCol w="2386149"/>
-                <a:gridCol w="3733296"/>
+                <a:gridCol w="2453055">
+                  <a:extLst>
+                    <a:ext uri="{9D8B030D-6E8A-4147-A177-3AD203B41FA5}">
+                      <a16:colId xmlns:a16="http://schemas.microsoft.com/office/drawing/2014/main" val="20000"/>
+                    </a:ext>
+                  </a:extLst>
+                </a:gridCol>
+                <a:gridCol w="2386149">
+                  <a:extLst>
+                    <a:ext uri="{9D8B030D-6E8A-4147-A177-3AD203B41FA5}">
+                      <a16:colId xmlns:a16="http://schemas.microsoft.com/office/drawing/2014/main" val="20001"/>
+                    </a:ext>
+                  </a:extLst>
+                </a:gridCol>
+                <a:gridCol w="3733296">
+                  <a:extLst>
+                    <a:ext uri="{9D8B030D-6E8A-4147-A177-3AD203B41FA5}">
+                      <a16:colId xmlns:a16="http://schemas.microsoft.com/office/drawing/2014/main" val="20002"/>
+                    </a:ext>
+                  </a:extLst>
+                </a:gridCol>
               </a:tblGrid>
               <a:tr h="693059">
                 <a:tc>
@@ -14584,7 +14597,7 @@
                         </a:lnSpc>
                       </a:pPr>
                       <a:r>
-                        <a:rPr lang="vi-VN" sz="1800" dirty="0" smtClean="0"/>
+                        <a:rPr lang="vi-VN" sz="1800" dirty="0"/>
                         <a:t>Quan hệ</a:t>
                       </a:r>
                       <a:endParaRPr lang="en-US" sz="1800" dirty="0"/>
@@ -14603,7 +14616,7 @@
                         </a:lnSpc>
                       </a:pPr>
                       <a:r>
-                        <a:rPr lang="vi-VN" sz="1800" dirty="0" smtClean="0"/>
+                        <a:rPr lang="vi-VN" sz="1800" dirty="0"/>
                         <a:t>Kí hiệu</a:t>
                       </a:r>
                       <a:endParaRPr lang="en-US" sz="1800" dirty="0"/>
@@ -14622,7 +14635,7 @@
                         </a:lnSpc>
                       </a:pPr>
                       <a:r>
-                        <a:rPr lang="vi-VN" sz="1800" dirty="0" smtClean="0"/>
+                        <a:rPr lang="vi-VN" sz="1800" dirty="0"/>
                         <a:t>Mô tả</a:t>
                       </a:r>
                       <a:endParaRPr lang="en-US" sz="1800" dirty="0"/>
@@ -14630,6 +14643,11 @@
                   </a:txBody>
                   <a:tcPr/>
                 </a:tc>
+                <a:extLst>
+                  <a:ext uri="{0D108BD9-81ED-4DB2-BD59-A6C34878D82A}">
+                    <a16:rowId xmlns:a16="http://schemas.microsoft.com/office/drawing/2014/main" val="10000"/>
+                  </a:ext>
+                </a:extLst>
               </a:tr>
               <a:tr h="809897">
                 <a:tc>
@@ -14643,7 +14661,7 @@
                         </a:lnSpc>
                       </a:pPr>
                       <a:r>
-                        <a:rPr lang="vi-VN" sz="1800" dirty="0" smtClean="0"/>
+                        <a:rPr lang="vi-VN" sz="1800" dirty="0"/>
                         <a:t>Liên kết (Association)</a:t>
                       </a:r>
                       <a:endParaRPr lang="en-US" sz="1800" dirty="0"/>
@@ -14668,7 +14686,7 @@
                     <a:p>
                       <a:pPr algn="just"/>
                       <a:r>
-                        <a:rPr lang="vi-VN" dirty="0" smtClean="0"/>
+                        <a:rPr lang="vi-VN" dirty="0"/>
                         <a:t>Giữa actor với usecase. Thể hiện sự tương tác và giao tiếp. Nếu tương tác và giao tiếp là một chiều thì là liên kết có hướng.</a:t>
                       </a:r>
                       <a:endParaRPr lang="en-US" dirty="0"/>
@@ -14676,6 +14694,11 @@
                   </a:txBody>
                   <a:tcPr/>
                 </a:tc>
+                <a:extLst>
+                  <a:ext uri="{0D108BD9-81ED-4DB2-BD59-A6C34878D82A}">
+                    <a16:rowId xmlns:a16="http://schemas.microsoft.com/office/drawing/2014/main" val="10001"/>
+                  </a:ext>
+                </a:extLst>
               </a:tr>
               <a:tr h="1262743">
                 <a:tc>
@@ -14689,7 +14712,7 @@
                         </a:lnSpc>
                       </a:pPr>
                       <a:r>
-                        <a:rPr lang="vi-VN" sz="1800" dirty="0" smtClean="0"/>
+                        <a:rPr lang="vi-VN" sz="1800" dirty="0"/>
                         <a:t>Kế thừa (Generalization)</a:t>
                       </a:r>
                       <a:endParaRPr lang="en-US" sz="1800" dirty="0"/>
@@ -14714,11 +14737,11 @@
                     <a:p>
                       <a:pPr algn="just"/>
                       <a:r>
-                        <a:rPr lang="vi-VN" dirty="0" smtClean="0"/>
+                        <a:rPr lang="vi-VN" dirty="0"/>
                         <a:t>Giữa actor với actor, usecase với usecase. Tác nhân được kế thừa có thể có tất cả các chức năng</a:t>
                       </a:r>
                       <a:r>
-                        <a:rPr lang="vi-VN" baseline="0" dirty="0" smtClean="0"/>
+                        <a:rPr lang="vi-VN" baseline="0" dirty="0"/>
                         <a:t> được thừa kế từ tác nhân trước. Với usecase được kế thừa có tất cả các hành vi, tính chất và có thể ghi đè, thêm.</a:t>
                       </a:r>
                       <a:endParaRPr lang="en-US" dirty="0"/>
@@ -14726,6 +14749,11 @@
                   </a:txBody>
                   <a:tcPr/>
                 </a:tc>
+                <a:extLst>
+                  <a:ext uri="{0D108BD9-81ED-4DB2-BD59-A6C34878D82A}">
+                    <a16:rowId xmlns:a16="http://schemas.microsoft.com/office/drawing/2014/main" val="10002"/>
+                  </a:ext>
+                </a:extLst>
               </a:tr>
               <a:tr h="984934">
                 <a:tc>
@@ -14739,7 +14767,7 @@
                         </a:lnSpc>
                       </a:pPr>
                       <a:r>
-                        <a:rPr lang="vi-VN" sz="1800" dirty="0" smtClean="0"/>
+                        <a:rPr lang="vi-VN" sz="1800" dirty="0"/>
                         <a:t>Bao gồm (Include)</a:t>
                       </a:r>
                       <a:endParaRPr lang="en-US" sz="1800" dirty="0"/>
@@ -14764,7 +14792,7 @@
                     <a:p>
                       <a:pPr algn="just"/>
                       <a:r>
-                        <a:rPr lang="vi-VN" dirty="0" smtClean="0"/>
+                        <a:rPr lang="vi-VN" dirty="0"/>
                         <a:t>Giữa usecase với usecase. Usecase này chứa hành vi được định nghĩa trong ca sử dụng khác. Có thể chia nhỏ hay tổ chức lại usecase.</a:t>
                       </a:r>
                       <a:endParaRPr lang="en-US" dirty="0"/>
@@ -14772,6 +14800,11 @@
                   </a:txBody>
                   <a:tcPr/>
                 </a:tc>
+                <a:extLst>
+                  <a:ext uri="{0D108BD9-81ED-4DB2-BD59-A6C34878D82A}">
+                    <a16:rowId xmlns:a16="http://schemas.microsoft.com/office/drawing/2014/main" val="10003"/>
+                  </a:ext>
+                </a:extLst>
               </a:tr>
               <a:tr h="984934">
                 <a:tc>
@@ -14785,7 +14818,7 @@
                         </a:lnSpc>
                       </a:pPr>
                       <a:r>
-                        <a:rPr lang="vi-VN" sz="1800" dirty="0" smtClean="0"/>
+                        <a:rPr lang="vi-VN" sz="1800" dirty="0"/>
                         <a:t>Mở rộng (Extend)</a:t>
                       </a:r>
                       <a:endParaRPr lang="en-US" sz="1800" dirty="0"/>
@@ -14810,11 +14843,11 @@
                     <a:p>
                       <a:pPr algn="just"/>
                       <a:r>
-                        <a:rPr lang="vi-VN" dirty="0" smtClean="0"/>
+                        <a:rPr lang="vi-VN" dirty="0"/>
                         <a:t>Giữa usecase với usecase. Mở rộng hành vi của usecase trên</a:t>
                       </a:r>
                       <a:r>
-                        <a:rPr lang="vi-VN" baseline="0" dirty="0" smtClean="0"/>
+                        <a:rPr lang="vi-VN" baseline="0" dirty="0"/>
                         <a:t> usecase khác. Usecase được mở rộng phải độc lập và không dựa vào hành vi của ca sử dụng mở rộng.</a:t>
                       </a:r>
                       <a:endParaRPr lang="en-US" dirty="0"/>
@@ -14822,6 +14855,11 @@
                   </a:txBody>
                   <a:tcPr/>
                 </a:tc>
+                <a:extLst>
+                  <a:ext uri="{0D108BD9-81ED-4DB2-BD59-A6C34878D82A}">
+                    <a16:rowId xmlns:a16="http://schemas.microsoft.com/office/drawing/2014/main" val="10004"/>
+                  </a:ext>
+                </a:extLst>
               </a:tr>
             </a:tbl>
           </a:graphicData>
@@ -14957,7 +14995,7 @@
           <p:cNvPr id="2" name="Title 1">
             <a:extLst>
               <a:ext uri="{FF2B5EF4-FFF2-40B4-BE49-F238E27FC236}">
-                <a16:creationId xmlns:a16="http://schemas.microsoft.com/office/drawing/2014/main" xmlns="" id="{C640EACF-5B41-4EAC-B109-4A0E229C72B9}"/>
+                <a16:creationId xmlns:a16="http://schemas.microsoft.com/office/drawing/2014/main" id="{C640EACF-5B41-4EAC-B109-4A0E229C72B9}"/>
               </a:ext>
             </a:extLst>
           </p:cNvPr>
@@ -14989,7 +15027,7 @@
           <p:cNvPr id="5" name="Google Shape;160;p3">
             <a:extLst>
               <a:ext uri="{FF2B5EF4-FFF2-40B4-BE49-F238E27FC236}">
-                <a16:creationId xmlns:a16="http://schemas.microsoft.com/office/drawing/2014/main" xmlns="" id="{8A27A72E-21CB-41E5-9508-4ED75CFB27B1}"/>
+                <a16:creationId xmlns:a16="http://schemas.microsoft.com/office/drawing/2014/main" id="{8A27A72E-21CB-41E5-9508-4ED75CFB27B1}"/>
               </a:ext>
             </a:extLst>
           </p:cNvPr>
@@ -15173,7 +15211,7 @@
           <p:cNvPr id="6" name="Google Shape;161;p3">
             <a:extLst>
               <a:ext uri="{FF2B5EF4-FFF2-40B4-BE49-F238E27FC236}">
-                <a16:creationId xmlns:a16="http://schemas.microsoft.com/office/drawing/2014/main" xmlns="" id="{6A442AFE-A857-4B15-AD91-CE89C9E14C0F}"/>
+                <a16:creationId xmlns:a16="http://schemas.microsoft.com/office/drawing/2014/main" id="{6A442AFE-A857-4B15-AD91-CE89C9E14C0F}"/>
               </a:ext>
             </a:extLst>
           </p:cNvPr>
@@ -15381,7 +15419,7 @@
           <p:cNvPr id="7" name="Google Shape;162;p3">
             <a:extLst>
               <a:ext uri="{FF2B5EF4-FFF2-40B4-BE49-F238E27FC236}">
-                <a16:creationId xmlns:a16="http://schemas.microsoft.com/office/drawing/2014/main" xmlns="" id="{D08B6B76-09DF-417A-A11D-3AF5C0058E1E}"/>
+                <a16:creationId xmlns:a16="http://schemas.microsoft.com/office/drawing/2014/main" id="{D08B6B76-09DF-417A-A11D-3AF5C0058E1E}"/>
               </a:ext>
             </a:extLst>
           </p:cNvPr>
@@ -15469,7 +15507,7 @@
           <p:cNvPr id="8" name="Google Shape;163;p3">
             <a:extLst>
               <a:ext uri="{FF2B5EF4-FFF2-40B4-BE49-F238E27FC236}">
-                <a16:creationId xmlns:a16="http://schemas.microsoft.com/office/drawing/2014/main" xmlns="" id="{3AF95ED6-E057-494C-BAF9-BA4A987EA999}"/>
+                <a16:creationId xmlns:a16="http://schemas.microsoft.com/office/drawing/2014/main" id="{3AF95ED6-E057-494C-BAF9-BA4A987EA999}"/>
               </a:ext>
             </a:extLst>
           </p:cNvPr>
@@ -15489,7 +15527,7 @@
             <p:cNvPr id="9" name="Google Shape;164;p3">
               <a:extLst>
                 <a:ext uri="{FF2B5EF4-FFF2-40B4-BE49-F238E27FC236}">
-                  <a16:creationId xmlns:a16="http://schemas.microsoft.com/office/drawing/2014/main" xmlns="" id="{DB95E9E9-E075-400D-ADD9-9E13FF178743}"/>
+                  <a16:creationId xmlns:a16="http://schemas.microsoft.com/office/drawing/2014/main" id="{DB95E9E9-E075-400D-ADD9-9E13FF178743}"/>
                 </a:ext>
               </a:extLst>
             </p:cNvPr>
@@ -15554,7 +15592,7 @@
             <p:cNvPr id="10" name="Google Shape;165;p3">
               <a:extLst>
                 <a:ext uri="{FF2B5EF4-FFF2-40B4-BE49-F238E27FC236}">
-                  <a16:creationId xmlns:a16="http://schemas.microsoft.com/office/drawing/2014/main" xmlns="" id="{49F78CF2-B0AA-43A1-8CA0-A014D7E01443}"/>
+                  <a16:creationId xmlns:a16="http://schemas.microsoft.com/office/drawing/2014/main" id="{49F78CF2-B0AA-43A1-8CA0-A014D7E01443}"/>
                 </a:ext>
               </a:extLst>
             </p:cNvPr>
@@ -15619,7 +15657,7 @@
             <p:cNvPr id="11" name="Google Shape;166;p3">
               <a:extLst>
                 <a:ext uri="{FF2B5EF4-FFF2-40B4-BE49-F238E27FC236}">
-                  <a16:creationId xmlns:a16="http://schemas.microsoft.com/office/drawing/2014/main" xmlns="" id="{869802C9-C440-4D81-8DCF-E05E2A05B165}"/>
+                  <a16:creationId xmlns:a16="http://schemas.microsoft.com/office/drawing/2014/main" id="{869802C9-C440-4D81-8DCF-E05E2A05B165}"/>
                 </a:ext>
               </a:extLst>
             </p:cNvPr>
@@ -15684,7 +15722,7 @@
             <p:cNvPr id="12" name="Google Shape;167;p3">
               <a:extLst>
                 <a:ext uri="{FF2B5EF4-FFF2-40B4-BE49-F238E27FC236}">
-                  <a16:creationId xmlns:a16="http://schemas.microsoft.com/office/drawing/2014/main" xmlns="" id="{AE283430-AED0-41CD-8530-A35C59B958F4}"/>
+                  <a16:creationId xmlns:a16="http://schemas.microsoft.com/office/drawing/2014/main" id="{AE283430-AED0-41CD-8530-A35C59B958F4}"/>
                 </a:ext>
               </a:extLst>
             </p:cNvPr>
@@ -15746,7 +15784,7 @@
             <p:cNvPr id="13" name="Google Shape;168;p3">
               <a:extLst>
                 <a:ext uri="{FF2B5EF4-FFF2-40B4-BE49-F238E27FC236}">
-                  <a16:creationId xmlns:a16="http://schemas.microsoft.com/office/drawing/2014/main" xmlns="" id="{73218BA6-1E20-4737-A20E-14D1A03BE459}"/>
+                  <a16:creationId xmlns:a16="http://schemas.microsoft.com/office/drawing/2014/main" id="{73218BA6-1E20-4737-A20E-14D1A03BE459}"/>
                 </a:ext>
               </a:extLst>
             </p:cNvPr>
@@ -15811,7 +15849,7 @@
             <p:cNvPr id="14" name="Google Shape;169;p3">
               <a:extLst>
                 <a:ext uri="{FF2B5EF4-FFF2-40B4-BE49-F238E27FC236}">
-                  <a16:creationId xmlns:a16="http://schemas.microsoft.com/office/drawing/2014/main" xmlns="" id="{8FB95EB2-9389-439C-B647-D222D273FECC}"/>
+                  <a16:creationId xmlns:a16="http://schemas.microsoft.com/office/drawing/2014/main" id="{8FB95EB2-9389-439C-B647-D222D273FECC}"/>
                 </a:ext>
               </a:extLst>
             </p:cNvPr>
@@ -15874,7 +15912,7 @@
           <p:cNvPr id="15" name="Google Shape;170;p3">
             <a:extLst>
               <a:ext uri="{FF2B5EF4-FFF2-40B4-BE49-F238E27FC236}">
-                <a16:creationId xmlns:a16="http://schemas.microsoft.com/office/drawing/2014/main" xmlns="" id="{026C221F-8E70-4C6D-931E-50EB29F5CAE3}"/>
+                <a16:creationId xmlns:a16="http://schemas.microsoft.com/office/drawing/2014/main" id="{026C221F-8E70-4C6D-931E-50EB29F5CAE3}"/>
               </a:ext>
             </a:extLst>
           </p:cNvPr>
@@ -15894,7 +15932,7 @@
             <p:cNvPr id="16" name="Google Shape;171;p3">
               <a:extLst>
                 <a:ext uri="{FF2B5EF4-FFF2-40B4-BE49-F238E27FC236}">
-                  <a16:creationId xmlns:a16="http://schemas.microsoft.com/office/drawing/2014/main" xmlns="" id="{EA12685C-0535-4C21-9B77-13487D252F89}"/>
+                  <a16:creationId xmlns:a16="http://schemas.microsoft.com/office/drawing/2014/main" id="{EA12685C-0535-4C21-9B77-13487D252F89}"/>
                 </a:ext>
               </a:extLst>
             </p:cNvPr>
@@ -15959,7 +15997,7 @@
             <p:cNvPr id="17" name="Google Shape;172;p3">
               <a:extLst>
                 <a:ext uri="{FF2B5EF4-FFF2-40B4-BE49-F238E27FC236}">
-                  <a16:creationId xmlns:a16="http://schemas.microsoft.com/office/drawing/2014/main" xmlns="" id="{D0528977-706F-477D-B1A7-4D73D35C6EFE}"/>
+                  <a16:creationId xmlns:a16="http://schemas.microsoft.com/office/drawing/2014/main" id="{D0528977-706F-477D-B1A7-4D73D35C6EFE}"/>
                 </a:ext>
               </a:extLst>
             </p:cNvPr>
@@ -16024,7 +16062,7 @@
             <p:cNvPr id="18" name="Google Shape;173;p3">
               <a:extLst>
                 <a:ext uri="{FF2B5EF4-FFF2-40B4-BE49-F238E27FC236}">
-                  <a16:creationId xmlns:a16="http://schemas.microsoft.com/office/drawing/2014/main" xmlns="" id="{46C2E202-AC04-4CB0-AB26-B9EC976F2C80}"/>
+                  <a16:creationId xmlns:a16="http://schemas.microsoft.com/office/drawing/2014/main" id="{46C2E202-AC04-4CB0-AB26-B9EC976F2C80}"/>
                 </a:ext>
               </a:extLst>
             </p:cNvPr>
@@ -16089,7 +16127,7 @@
             <p:cNvPr id="19" name="Google Shape;174;p3">
               <a:extLst>
                 <a:ext uri="{FF2B5EF4-FFF2-40B4-BE49-F238E27FC236}">
-                  <a16:creationId xmlns:a16="http://schemas.microsoft.com/office/drawing/2014/main" xmlns="" id="{C5B7D7A3-5BC2-46CC-ADC5-50B2B858EB85}"/>
+                  <a16:creationId xmlns:a16="http://schemas.microsoft.com/office/drawing/2014/main" id="{C5B7D7A3-5BC2-46CC-ADC5-50B2B858EB85}"/>
                 </a:ext>
               </a:extLst>
             </p:cNvPr>
@@ -16151,7 +16189,7 @@
             <p:cNvPr id="20" name="Google Shape;175;p3">
               <a:extLst>
                 <a:ext uri="{FF2B5EF4-FFF2-40B4-BE49-F238E27FC236}">
-                  <a16:creationId xmlns:a16="http://schemas.microsoft.com/office/drawing/2014/main" xmlns="" id="{B5F75C77-FD66-40CD-9962-9671674FFACA}"/>
+                  <a16:creationId xmlns:a16="http://schemas.microsoft.com/office/drawing/2014/main" id="{B5F75C77-FD66-40CD-9962-9671674FFACA}"/>
                 </a:ext>
               </a:extLst>
             </p:cNvPr>
@@ -16216,7 +16254,7 @@
             <p:cNvPr id="21" name="Google Shape;176;p3">
               <a:extLst>
                 <a:ext uri="{FF2B5EF4-FFF2-40B4-BE49-F238E27FC236}">
-                  <a16:creationId xmlns:a16="http://schemas.microsoft.com/office/drawing/2014/main" xmlns="" id="{1FF3FAE7-EE1D-43A2-9D53-031478C9C0E9}"/>
+                  <a16:creationId xmlns:a16="http://schemas.microsoft.com/office/drawing/2014/main" id="{1FF3FAE7-EE1D-43A2-9D53-031478C9C0E9}"/>
                 </a:ext>
               </a:extLst>
             </p:cNvPr>
@@ -16279,7 +16317,7 @@
           <p:cNvPr id="22" name="Google Shape;177;p3">
             <a:extLst>
               <a:ext uri="{FF2B5EF4-FFF2-40B4-BE49-F238E27FC236}">
-                <a16:creationId xmlns:a16="http://schemas.microsoft.com/office/drawing/2014/main" xmlns="" id="{84AC31BD-94DA-4135-8997-406B1A8768EB}"/>
+                <a16:creationId xmlns:a16="http://schemas.microsoft.com/office/drawing/2014/main" id="{84AC31BD-94DA-4135-8997-406B1A8768EB}"/>
               </a:ext>
             </a:extLst>
           </p:cNvPr>
@@ -16299,7 +16337,7 @@
             <p:cNvPr id="23" name="Google Shape;178;p3">
               <a:extLst>
                 <a:ext uri="{FF2B5EF4-FFF2-40B4-BE49-F238E27FC236}">
-                  <a16:creationId xmlns:a16="http://schemas.microsoft.com/office/drawing/2014/main" xmlns="" id="{254A14FF-43D7-422E-A352-C65E7FB17B56}"/>
+                  <a16:creationId xmlns:a16="http://schemas.microsoft.com/office/drawing/2014/main" id="{254A14FF-43D7-422E-A352-C65E7FB17B56}"/>
                 </a:ext>
               </a:extLst>
             </p:cNvPr>
@@ -16364,7 +16402,7 @@
             <p:cNvPr id="24" name="Google Shape;179;p3">
               <a:extLst>
                 <a:ext uri="{FF2B5EF4-FFF2-40B4-BE49-F238E27FC236}">
-                  <a16:creationId xmlns:a16="http://schemas.microsoft.com/office/drawing/2014/main" xmlns="" id="{6D5215C4-D188-46DB-A524-2BBEB1E74D67}"/>
+                  <a16:creationId xmlns:a16="http://schemas.microsoft.com/office/drawing/2014/main" id="{6D5215C4-D188-46DB-A524-2BBEB1E74D67}"/>
                 </a:ext>
               </a:extLst>
             </p:cNvPr>
@@ -16429,7 +16467,7 @@
             <p:cNvPr id="25" name="Google Shape;180;p3">
               <a:extLst>
                 <a:ext uri="{FF2B5EF4-FFF2-40B4-BE49-F238E27FC236}">
-                  <a16:creationId xmlns:a16="http://schemas.microsoft.com/office/drawing/2014/main" xmlns="" id="{66E66CBF-C36E-4559-B774-38FFFC0B750F}"/>
+                  <a16:creationId xmlns:a16="http://schemas.microsoft.com/office/drawing/2014/main" id="{66E66CBF-C36E-4559-B774-38FFFC0B750F}"/>
                 </a:ext>
               </a:extLst>
             </p:cNvPr>
@@ -16494,7 +16532,7 @@
             <p:cNvPr id="26" name="Google Shape;181;p3">
               <a:extLst>
                 <a:ext uri="{FF2B5EF4-FFF2-40B4-BE49-F238E27FC236}">
-                  <a16:creationId xmlns:a16="http://schemas.microsoft.com/office/drawing/2014/main" xmlns="" id="{88A5F05E-B239-49BA-A4F3-1136CDA69D44}"/>
+                  <a16:creationId xmlns:a16="http://schemas.microsoft.com/office/drawing/2014/main" id="{88A5F05E-B239-49BA-A4F3-1136CDA69D44}"/>
                 </a:ext>
               </a:extLst>
             </p:cNvPr>
@@ -16556,7 +16594,7 @@
             <p:cNvPr id="27" name="Google Shape;182;p3">
               <a:extLst>
                 <a:ext uri="{FF2B5EF4-FFF2-40B4-BE49-F238E27FC236}">
-                  <a16:creationId xmlns:a16="http://schemas.microsoft.com/office/drawing/2014/main" xmlns="" id="{69406EFD-AED6-4778-B91E-A9E7D844DDF8}"/>
+                  <a16:creationId xmlns:a16="http://schemas.microsoft.com/office/drawing/2014/main" id="{69406EFD-AED6-4778-B91E-A9E7D844DDF8}"/>
                 </a:ext>
               </a:extLst>
             </p:cNvPr>
@@ -16621,7 +16659,7 @@
             <p:cNvPr id="28" name="Google Shape;183;p3">
               <a:extLst>
                 <a:ext uri="{FF2B5EF4-FFF2-40B4-BE49-F238E27FC236}">
-                  <a16:creationId xmlns:a16="http://schemas.microsoft.com/office/drawing/2014/main" xmlns="" id="{9BBDC2A1-EF58-4B00-80AF-689CB635CCB1}"/>
+                  <a16:creationId xmlns:a16="http://schemas.microsoft.com/office/drawing/2014/main" id="{9BBDC2A1-EF58-4B00-80AF-689CB635CCB1}"/>
                 </a:ext>
               </a:extLst>
             </p:cNvPr>
@@ -16684,7 +16722,7 @@
           <p:cNvPr id="29" name="Google Shape;199;p3">
             <a:extLst>
               <a:ext uri="{FF2B5EF4-FFF2-40B4-BE49-F238E27FC236}">
-                <a16:creationId xmlns:a16="http://schemas.microsoft.com/office/drawing/2014/main" xmlns="" id="{FC3D87FF-5281-4ECD-BE9E-3D87E89DC773}"/>
+                <a16:creationId xmlns:a16="http://schemas.microsoft.com/office/drawing/2014/main" id="{FC3D87FF-5281-4ECD-BE9E-3D87E89DC773}"/>
               </a:ext>
             </a:extLst>
           </p:cNvPr>
@@ -16790,7 +16828,7 @@
           <p:cNvPr id="30" name="Google Shape;200;p3">
             <a:extLst>
               <a:ext uri="{FF2B5EF4-FFF2-40B4-BE49-F238E27FC236}">
-                <a16:creationId xmlns:a16="http://schemas.microsoft.com/office/drawing/2014/main" xmlns="" id="{F4063545-6FCD-4437-BD07-C85F54566E52}"/>
+                <a16:creationId xmlns:a16="http://schemas.microsoft.com/office/drawing/2014/main" id="{F4063545-6FCD-4437-BD07-C85F54566E52}"/>
               </a:ext>
             </a:extLst>
           </p:cNvPr>
@@ -16879,7 +16917,7 @@
           <p:cNvPr id="31" name="Google Shape;202;p3">
             <a:extLst>
               <a:ext uri="{FF2B5EF4-FFF2-40B4-BE49-F238E27FC236}">
-                <a16:creationId xmlns:a16="http://schemas.microsoft.com/office/drawing/2014/main" xmlns="" id="{4CE7BF19-21C2-4342-AB4F-244641422EA7}"/>
+                <a16:creationId xmlns:a16="http://schemas.microsoft.com/office/drawing/2014/main" id="{4CE7BF19-21C2-4342-AB4F-244641422EA7}"/>
               </a:ext>
             </a:extLst>
           </p:cNvPr>
@@ -16947,7 +16985,7 @@
           <p:cNvPr id="32" name="Google Shape;203;p3">
             <a:extLst>
               <a:ext uri="{FF2B5EF4-FFF2-40B4-BE49-F238E27FC236}">
-                <a16:creationId xmlns:a16="http://schemas.microsoft.com/office/drawing/2014/main" xmlns="" id="{D0CFE224-CABA-49AD-BB4F-B6A4F4347AE8}"/>
+                <a16:creationId xmlns:a16="http://schemas.microsoft.com/office/drawing/2014/main" id="{D0CFE224-CABA-49AD-BB4F-B6A4F4347AE8}"/>
               </a:ext>
             </a:extLst>
           </p:cNvPr>
@@ -16967,7 +17005,7 @@
             <p:cNvPr id="33" name="Google Shape;204;p3">
               <a:extLst>
                 <a:ext uri="{FF2B5EF4-FFF2-40B4-BE49-F238E27FC236}">
-                  <a16:creationId xmlns:a16="http://schemas.microsoft.com/office/drawing/2014/main" xmlns="" id="{ADA77C57-B344-43CC-9E82-257EA5707193}"/>
+                  <a16:creationId xmlns:a16="http://schemas.microsoft.com/office/drawing/2014/main" id="{ADA77C57-B344-43CC-9E82-257EA5707193}"/>
                 </a:ext>
               </a:extLst>
             </p:cNvPr>
@@ -17032,7 +17070,7 @@
             <p:cNvPr id="34" name="Google Shape;205;p3">
               <a:extLst>
                 <a:ext uri="{FF2B5EF4-FFF2-40B4-BE49-F238E27FC236}">
-                  <a16:creationId xmlns:a16="http://schemas.microsoft.com/office/drawing/2014/main" xmlns="" id="{FD4FC7CC-69D9-4410-B9C4-AB4335D04A65}"/>
+                  <a16:creationId xmlns:a16="http://schemas.microsoft.com/office/drawing/2014/main" id="{FD4FC7CC-69D9-4410-B9C4-AB4335D04A65}"/>
                 </a:ext>
               </a:extLst>
             </p:cNvPr>
@@ -17097,7 +17135,7 @@
             <p:cNvPr id="35" name="Google Shape;206;p3">
               <a:extLst>
                 <a:ext uri="{FF2B5EF4-FFF2-40B4-BE49-F238E27FC236}">
-                  <a16:creationId xmlns:a16="http://schemas.microsoft.com/office/drawing/2014/main" xmlns="" id="{9AEA99E7-8B39-4104-B7C3-5CCC6B5F9EB8}"/>
+                  <a16:creationId xmlns:a16="http://schemas.microsoft.com/office/drawing/2014/main" id="{9AEA99E7-8B39-4104-B7C3-5CCC6B5F9EB8}"/>
                 </a:ext>
               </a:extLst>
             </p:cNvPr>
@@ -17162,7 +17200,7 @@
             <p:cNvPr id="36" name="Google Shape;207;p3">
               <a:extLst>
                 <a:ext uri="{FF2B5EF4-FFF2-40B4-BE49-F238E27FC236}">
-                  <a16:creationId xmlns:a16="http://schemas.microsoft.com/office/drawing/2014/main" xmlns="" id="{7414FFEC-C057-4B16-966C-A05FF1F93B7A}"/>
+                  <a16:creationId xmlns:a16="http://schemas.microsoft.com/office/drawing/2014/main" id="{7414FFEC-C057-4B16-966C-A05FF1F93B7A}"/>
                 </a:ext>
               </a:extLst>
             </p:cNvPr>
@@ -17224,7 +17262,7 @@
             <p:cNvPr id="37" name="Google Shape;208;p3">
               <a:extLst>
                 <a:ext uri="{FF2B5EF4-FFF2-40B4-BE49-F238E27FC236}">
-                  <a16:creationId xmlns:a16="http://schemas.microsoft.com/office/drawing/2014/main" xmlns="" id="{DC2A015A-C3CD-4B80-81E4-232189F525AB}"/>
+                  <a16:creationId xmlns:a16="http://schemas.microsoft.com/office/drawing/2014/main" id="{DC2A015A-C3CD-4B80-81E4-232189F525AB}"/>
                 </a:ext>
               </a:extLst>
             </p:cNvPr>
@@ -17289,7 +17327,7 @@
             <p:cNvPr id="38" name="Google Shape;209;p3">
               <a:extLst>
                 <a:ext uri="{FF2B5EF4-FFF2-40B4-BE49-F238E27FC236}">
-                  <a16:creationId xmlns:a16="http://schemas.microsoft.com/office/drawing/2014/main" xmlns="" id="{36F55875-6EDF-41F7-8F76-01E3A9490B33}"/>
+                  <a16:creationId xmlns:a16="http://schemas.microsoft.com/office/drawing/2014/main" id="{36F55875-6EDF-41F7-8F76-01E3A9490B33}"/>
                 </a:ext>
               </a:extLst>
             </p:cNvPr>
@@ -17382,7 +17420,7 @@
           <p:cNvPr id="2" name="Title 1">
             <a:extLst>
               <a:ext uri="{FF2B5EF4-FFF2-40B4-BE49-F238E27FC236}">
-                <a16:creationId xmlns:a16="http://schemas.microsoft.com/office/drawing/2014/main" xmlns="" id="{4E9981E3-C5D5-4789-BFD0-B96ED31C3361}"/>
+                <a16:creationId xmlns:a16="http://schemas.microsoft.com/office/drawing/2014/main" id="{4E9981E3-C5D5-4789-BFD0-B96ED31C3361}"/>
               </a:ext>
             </a:extLst>
           </p:cNvPr>
@@ -17471,7 +17509,7 @@
           <p:cNvPr id="3" name="Text Placeholder 2">
             <a:extLst>
               <a:ext uri="{FF2B5EF4-FFF2-40B4-BE49-F238E27FC236}">
-                <a16:creationId xmlns:a16="http://schemas.microsoft.com/office/drawing/2014/main" xmlns="" id="{04E19840-75A0-4F77-8941-BED6C7332C8E}"/>
+                <a16:creationId xmlns:a16="http://schemas.microsoft.com/office/drawing/2014/main" id="{04E19840-75A0-4F77-8941-BED6C7332C8E}"/>
               </a:ext>
             </a:extLst>
           </p:cNvPr>
@@ -17542,7 +17580,7 @@
             </a:r>
             <a:r>
               <a:rPr lang="en-US" dirty="0" err="1"/>
-              <a:t>Trả</a:t>
+              <a:t>Cần</a:t>
             </a:r>
             <a:r>
               <a:rPr lang="en-US" dirty="0"/>
@@ -17550,7 +17588,7 @@
             </a:r>
             <a:r>
               <a:rPr lang="en-US" dirty="0" err="1"/>
-              <a:t>lời</a:t>
+              <a:t>trả</a:t>
             </a:r>
             <a:r>
               <a:rPr lang="en-US" dirty="0"/>
@@ -17558,7 +17596,7 @@
             </a:r>
             <a:r>
               <a:rPr lang="en-US" dirty="0" err="1"/>
-              <a:t>câu</a:t>
+              <a:t>lời</a:t>
             </a:r>
             <a:r>
               <a:rPr lang="en-US" dirty="0"/>
@@ -17566,63 +17604,397 @@
             </a:r>
             <a:r>
               <a:rPr lang="en-US" dirty="0" err="1"/>
+              <a:t>các</a:t>
+            </a:r>
+            <a:r>
+              <a:rPr lang="en-US" dirty="0"/>
+              <a:t> </a:t>
+            </a:r>
+            <a:r>
+              <a:rPr lang="en-US" dirty="0" err="1"/>
+              <a:t>câu</a:t>
+            </a:r>
+            <a:r>
+              <a:rPr lang="en-US" dirty="0"/>
+              <a:t> </a:t>
+            </a:r>
+            <a:r>
+              <a:rPr lang="en-US" dirty="0" err="1"/>
               <a:t>hỏi</a:t>
             </a:r>
             <a:r>
               <a:rPr lang="en-US" dirty="0"/>
-              <a:t> “Ai?”, </a:t>
-            </a:r>
-            <a:r>
-              <a:rPr lang="vi-VN" dirty="0"/>
-              <a:t>ngoài ra xác định rõ hệ thống nào khác bên ngoài cần tương tác với hệ thống</a:t>
-            </a:r>
-            <a:endParaRPr lang="en-US" dirty="0"/>
+              <a:t>:</a:t>
+            </a:r>
           </a:p>
           <a:p>
-            <a:pPr marL="114300" indent="0">
-              <a:buNone/>
+            <a:pPr>
+              <a:buFont typeface="Arial" panose="020B0604020202020204" pitchFamily="34" charset="0"/>
+              <a:buChar char="•"/>
             </a:pPr>
+            <a:r>
+              <a:rPr lang="en-US" dirty="0"/>
+              <a:t>Ai </a:t>
+            </a:r>
+            <a:r>
+              <a:rPr lang="en-US" dirty="0" err="1"/>
+              <a:t>sẽ</a:t>
+            </a:r>
+            <a:r>
+              <a:rPr lang="en-US" dirty="0"/>
+              <a:t> </a:t>
+            </a:r>
+            <a:r>
+              <a:rPr lang="en-US" dirty="0" err="1"/>
+              <a:t>cung</a:t>
+            </a:r>
+            <a:r>
+              <a:rPr lang="en-US" dirty="0"/>
+              <a:t> </a:t>
+            </a:r>
+            <a:r>
+              <a:rPr lang="en-US" dirty="0" err="1"/>
+              <a:t>cấp</a:t>
+            </a:r>
+            <a:r>
+              <a:rPr lang="en-US" dirty="0"/>
+              <a:t>, </a:t>
+            </a:r>
+            <a:r>
+              <a:rPr lang="en-US" dirty="0" err="1"/>
+              <a:t>sử</a:t>
+            </a:r>
+            <a:r>
+              <a:rPr lang="en-US" dirty="0"/>
+              <a:t> </a:t>
+            </a:r>
+            <a:r>
+              <a:rPr lang="en-US" dirty="0" err="1"/>
+              <a:t>dụng</a:t>
+            </a:r>
+            <a:r>
+              <a:rPr lang="en-US" dirty="0"/>
+              <a:t>, </a:t>
+            </a:r>
+            <a:r>
+              <a:rPr lang="en-US" dirty="0" err="1"/>
+              <a:t>hoặc</a:t>
+            </a:r>
+            <a:r>
+              <a:rPr lang="en-US" dirty="0"/>
+              <a:t> </a:t>
+            </a:r>
+            <a:r>
+              <a:rPr lang="en-US" dirty="0" err="1"/>
+              <a:t>loại</a:t>
+            </a:r>
+            <a:r>
+              <a:rPr lang="en-US" dirty="0"/>
+              <a:t> </a:t>
+            </a:r>
+            <a:r>
+              <a:rPr lang="en-US" dirty="0" err="1"/>
+              <a:t>bỏ</a:t>
+            </a:r>
+            <a:r>
+              <a:rPr lang="en-US" dirty="0"/>
+              <a:t> </a:t>
+            </a:r>
+            <a:r>
+              <a:rPr lang="en-US" dirty="0" err="1"/>
+              <a:t>thông</a:t>
+            </a:r>
+            <a:r>
+              <a:rPr lang="en-US" dirty="0"/>
+              <a:t> tin </a:t>
+            </a:r>
+            <a:r>
+              <a:rPr lang="en-US" dirty="0" err="1"/>
+              <a:t>trong</a:t>
+            </a:r>
+            <a:r>
+              <a:rPr lang="en-US" dirty="0"/>
+              <a:t> </a:t>
+            </a:r>
+            <a:r>
+              <a:rPr lang="en-US" dirty="0" err="1"/>
+              <a:t>hệ</a:t>
+            </a:r>
+            <a:r>
+              <a:rPr lang="en-US" dirty="0"/>
+              <a:t> </a:t>
+            </a:r>
+            <a:r>
+              <a:rPr lang="en-US" dirty="0" err="1"/>
+              <a:t>thống</a:t>
+            </a:r>
+            <a:r>
+              <a:rPr lang="en-US" dirty="0"/>
+              <a:t>?</a:t>
+            </a:r>
+          </a:p>
+          <a:p>
+            <a:pPr>
+              <a:buFont typeface="Arial" panose="020B0604020202020204" pitchFamily="34" charset="0"/>
+              <a:buChar char="•"/>
+            </a:pPr>
+            <a:r>
+              <a:rPr lang="en-US" dirty="0"/>
+              <a:t>Ai </a:t>
+            </a:r>
+            <a:r>
+              <a:rPr lang="en-US" dirty="0" err="1"/>
+              <a:t>sẽ</a:t>
+            </a:r>
+            <a:r>
+              <a:rPr lang="en-US" dirty="0"/>
+              <a:t> </a:t>
+            </a:r>
+            <a:r>
+              <a:rPr lang="en-US" dirty="0" err="1"/>
+              <a:t>sử</a:t>
+            </a:r>
+            <a:r>
+              <a:rPr lang="en-US" dirty="0"/>
+              <a:t> </a:t>
+            </a:r>
+            <a:r>
+              <a:rPr lang="en-US" dirty="0" err="1"/>
+              <a:t>dụng</a:t>
+            </a:r>
+            <a:r>
+              <a:rPr lang="en-US" dirty="0"/>
+              <a:t> </a:t>
+            </a:r>
+            <a:r>
+              <a:rPr lang="en-US" dirty="0" err="1"/>
+              <a:t>các</a:t>
+            </a:r>
+            <a:r>
+              <a:rPr lang="en-US" dirty="0"/>
+              <a:t> </a:t>
+            </a:r>
+            <a:r>
+              <a:rPr lang="en-US" dirty="0" err="1"/>
+              <a:t>chức</a:t>
+            </a:r>
+            <a:r>
+              <a:rPr lang="en-US" dirty="0"/>
+              <a:t> </a:t>
+            </a:r>
+            <a:r>
+              <a:rPr lang="en-US" dirty="0" err="1"/>
+              <a:t>năng</a:t>
+            </a:r>
+            <a:r>
+              <a:rPr lang="en-US" dirty="0"/>
+              <a:t> </a:t>
+            </a:r>
+            <a:r>
+              <a:rPr lang="en-US" dirty="0" err="1"/>
+              <a:t>này</a:t>
+            </a:r>
+            <a:r>
+              <a:rPr lang="en-US" dirty="0"/>
+              <a:t> </a:t>
+            </a:r>
+            <a:r>
+              <a:rPr lang="en-US" dirty="0" err="1"/>
+              <a:t>của</a:t>
+            </a:r>
+            <a:r>
+              <a:rPr lang="en-US" dirty="0"/>
+              <a:t> </a:t>
+            </a:r>
+            <a:r>
+              <a:rPr lang="en-US" dirty="0" err="1"/>
+              <a:t>hệ</a:t>
+            </a:r>
+            <a:r>
+              <a:rPr lang="en-US" dirty="0"/>
+              <a:t> </a:t>
+            </a:r>
+            <a:r>
+              <a:rPr lang="en-US" dirty="0" err="1"/>
+              <a:t>thống</a:t>
+            </a:r>
+            <a:r>
+              <a:rPr lang="en-US" dirty="0"/>
+              <a:t>?</a:t>
+            </a:r>
+          </a:p>
+          <a:p>
+            <a:pPr>
+              <a:buFont typeface="Arial" panose="020B0604020202020204" pitchFamily="34" charset="0"/>
+              <a:buChar char="•"/>
+            </a:pPr>
+            <a:r>
+              <a:rPr lang="vi-VN" dirty="0"/>
+              <a:t>Hệ thống được sử dụng ở đâu trong tổ chức?</a:t>
+            </a:r>
             <a:endParaRPr lang="en-US" dirty="0"/>
           </a:p>
           <a:p>
             <a:pPr>
-              <a:buFontTx/>
-              <a:buChar char="-"/>
+              <a:buFont typeface="Arial" panose="020B0604020202020204" pitchFamily="34" charset="0"/>
+              <a:buChar char="•"/>
             </a:pPr>
             <a:r>
-              <a:rPr lang="en-US" b="1" dirty="0"/>
-              <a:t>B</a:t>
-            </a:r>
-            <a:r>
-              <a:rPr lang="vi-VN" b="1" dirty="0"/>
-              <a:t>ư</a:t>
-            </a:r>
-            <a:r>
-              <a:rPr lang="en-US" b="1" dirty="0" err="1"/>
-              <a:t>ớc</a:t>
-            </a:r>
-            <a:r>
-              <a:rPr lang="en-US" b="1" dirty="0"/>
-              <a:t> 2: </a:t>
-            </a:r>
-            <a:r>
-              <a:rPr lang="vi-VN" b="1" dirty="0"/>
-              <a:t>Tìm ca sử dụng</a:t>
-            </a:r>
-            <a:endParaRPr lang="en-US" b="1" dirty="0"/>
+              <a:rPr lang="vi-VN" dirty="0"/>
+              <a:t>Ai là người bảo trì, quản trị và đảm bảo cho hệ thống hoạt động</a:t>
+            </a:r>
+            <a:r>
+              <a:rPr lang="en-US" dirty="0"/>
+              <a:t>?</a:t>
+            </a:r>
           </a:p>
           <a:p>
-            <a:pPr marL="114300" indent="0">
-              <a:buNone/>
+            <a:pPr>
+              <a:buFont typeface="Arial" panose="020B0604020202020204" pitchFamily="34" charset="0"/>
+              <a:buChar char="•"/>
             </a:pPr>
             <a:r>
+              <a:rPr lang="en-US" dirty="0" err="1"/>
+              <a:t>Cần</a:t>
+            </a:r>
+            <a:r>
               <a:rPr lang="en-US" dirty="0"/>
-              <a:t>	H</a:t>
-            </a:r>
-            <a:r>
-              <a:rPr lang="vi-VN" dirty="0"/>
-              <a:t>ành động của tác nhân, hành động của hệ thống, các hành động bên ngoài, các sự kiện có thể được gây ra</a:t>
-            </a:r>
+              <a:t> </a:t>
+            </a:r>
+            <a:r>
+              <a:rPr lang="en-US" dirty="0" err="1"/>
+              <a:t>xác</a:t>
+            </a:r>
+            <a:r>
+              <a:rPr lang="en-US" dirty="0"/>
+              <a:t> </a:t>
+            </a:r>
+            <a:r>
+              <a:rPr lang="en-US" dirty="0" err="1"/>
+              <a:t>định</a:t>
+            </a:r>
+            <a:r>
+              <a:rPr lang="en-US" dirty="0"/>
+              <a:t> </a:t>
+            </a:r>
+            <a:r>
+              <a:rPr lang="en-US" dirty="0" err="1"/>
+              <a:t>rõ</a:t>
+            </a:r>
+            <a:r>
+              <a:rPr lang="en-US" dirty="0"/>
+              <a:t> </a:t>
+            </a:r>
+            <a:r>
+              <a:rPr lang="en-US" dirty="0" err="1"/>
+              <a:t>biên</a:t>
+            </a:r>
+            <a:r>
+              <a:rPr lang="en-US" dirty="0"/>
+              <a:t> </a:t>
+            </a:r>
+            <a:r>
+              <a:rPr lang="en-US" dirty="0" err="1"/>
+              <a:t>giới</a:t>
+            </a:r>
+            <a:r>
+              <a:rPr lang="en-US" dirty="0"/>
+              <a:t> </a:t>
+            </a:r>
+            <a:r>
+              <a:rPr lang="en-US" dirty="0" err="1"/>
+              <a:t>giữa</a:t>
+            </a:r>
+            <a:r>
+              <a:rPr lang="en-US" dirty="0"/>
+              <a:t> </a:t>
+            </a:r>
+            <a:r>
+              <a:rPr lang="en-US" dirty="0" err="1"/>
+              <a:t>hệ</a:t>
+            </a:r>
+            <a:r>
+              <a:rPr lang="en-US" dirty="0"/>
+              <a:t> </a:t>
+            </a:r>
+            <a:r>
+              <a:rPr lang="en-US" dirty="0" err="1"/>
+              <a:t>thống</a:t>
+            </a:r>
+            <a:r>
+              <a:rPr lang="en-US" dirty="0"/>
+              <a:t> </a:t>
+            </a:r>
+            <a:r>
+              <a:rPr lang="en-US" dirty="0" err="1"/>
+              <a:t>yêu</a:t>
+            </a:r>
+            <a:r>
+              <a:rPr lang="en-US" dirty="0"/>
+              <a:t> </a:t>
+            </a:r>
+            <a:r>
+              <a:rPr lang="en-US" dirty="0" err="1"/>
+              <a:t>cầu</a:t>
+            </a:r>
+            <a:r>
+              <a:rPr lang="en-US" dirty="0"/>
+              <a:t> </a:t>
+            </a:r>
+            <a:r>
+              <a:rPr lang="en-US" dirty="0" err="1"/>
+              <a:t>xây</a:t>
+            </a:r>
+            <a:r>
+              <a:rPr lang="en-US" dirty="0"/>
+              <a:t> </a:t>
+            </a:r>
+            <a:r>
+              <a:rPr lang="en-US" dirty="0" err="1"/>
+              <a:t>dựng</a:t>
+            </a:r>
+            <a:r>
+              <a:rPr lang="en-US" dirty="0"/>
+              <a:t> </a:t>
+            </a:r>
+            <a:r>
+              <a:rPr lang="en-US" dirty="0" err="1"/>
+              <a:t>với</a:t>
+            </a:r>
+            <a:r>
+              <a:rPr lang="en-US" dirty="0"/>
+              <a:t> </a:t>
+            </a:r>
+            <a:r>
+              <a:rPr lang="en-US" dirty="0" err="1"/>
+              <a:t>hệ</a:t>
+            </a:r>
+            <a:r>
+              <a:rPr lang="en-US" dirty="0"/>
+              <a:t> </a:t>
+            </a:r>
+            <a:r>
+              <a:rPr lang="en-US" dirty="0" err="1"/>
+              <a:t>thống</a:t>
+            </a:r>
+            <a:r>
+              <a:rPr lang="en-US" dirty="0"/>
+              <a:t> </a:t>
+            </a:r>
+            <a:r>
+              <a:rPr lang="en-US" dirty="0" err="1"/>
+              <a:t>khác</a:t>
+            </a:r>
+            <a:r>
+              <a:rPr lang="en-US" dirty="0"/>
+              <a:t>, … </a:t>
+            </a:r>
+          </a:p>
+          <a:p>
+            <a:pPr>
+              <a:buFont typeface="Arial" panose="020B0604020202020204" pitchFamily="34" charset="0"/>
+              <a:buChar char="•"/>
+            </a:pPr>
             <a:endParaRPr lang="en-US" dirty="0"/>
           </a:p>
         </p:txBody>
@@ -17662,7 +18034,7 @@
           <p:cNvPr id="2" name="Title 1">
             <a:extLst>
               <a:ext uri="{FF2B5EF4-FFF2-40B4-BE49-F238E27FC236}">
-                <a16:creationId xmlns:a16="http://schemas.microsoft.com/office/drawing/2014/main" xmlns="" id="{3A51F162-21A5-4A7E-BEA1-6FC982984606}"/>
+                <a16:creationId xmlns:a16="http://schemas.microsoft.com/office/drawing/2014/main" id="{8FE23AF1-872C-4FE2-BFBC-D179DBCF5E04}"/>
               </a:ext>
             </a:extLst>
           </p:cNvPr>
@@ -17751,7 +18123,7 @@
           <p:cNvPr id="3" name="Text Placeholder 2">
             <a:extLst>
               <a:ext uri="{FF2B5EF4-FFF2-40B4-BE49-F238E27FC236}">
-                <a16:creationId xmlns:a16="http://schemas.microsoft.com/office/drawing/2014/main" xmlns="" id="{18D3A6EF-1462-4B1D-975B-CB4318CBCFAB}"/>
+                <a16:creationId xmlns:a16="http://schemas.microsoft.com/office/drawing/2014/main" id="{19F4FA44-59D8-4B22-BEDB-9734E824297D}"/>
               </a:ext>
             </a:extLst>
           </p:cNvPr>
@@ -17767,105 +18139,16 @@
           <a:bodyPr/>
           <a:lstStyle/>
           <a:p>
-            <a:pPr>
-              <a:buFontTx/>
-              <a:buChar char="-"/>
+            <a:pPr marL="114300" indent="0">
+              <a:buNone/>
             </a:pPr>
             <a:r>
-              <a:rPr lang="en-US" b="1" dirty="0"/>
-              <a:t>B</a:t>
+              <a:rPr lang="en-US" dirty="0"/>
+              <a:t>- </a:t>
             </a:r>
             <a:r>
               <a:rPr lang="vi-VN" b="1" dirty="0"/>
-              <a:t>ư</a:t>
-            </a:r>
-            <a:r>
-              <a:rPr lang="en-US" b="1" dirty="0" err="1"/>
-              <a:t>ớc</a:t>
-            </a:r>
-            <a:r>
-              <a:rPr lang="en-US" b="1" dirty="0"/>
-              <a:t> 3: </a:t>
-            </a:r>
-            <a:r>
-              <a:rPr lang="en-US" b="1" dirty="0" err="1"/>
-              <a:t>Cấu</a:t>
-            </a:r>
-            <a:r>
-              <a:rPr lang="en-US" b="1" dirty="0"/>
-              <a:t> </a:t>
-            </a:r>
-            <a:r>
-              <a:rPr lang="en-US" b="1" dirty="0" err="1"/>
-              <a:t>trúc</a:t>
-            </a:r>
-            <a:r>
-              <a:rPr lang="en-US" b="1" dirty="0"/>
-              <a:t> </a:t>
-            </a:r>
-            <a:r>
-              <a:rPr lang="en-US" b="1" dirty="0" err="1"/>
-              <a:t>hóa</a:t>
-            </a:r>
-            <a:r>
-              <a:rPr lang="en-US" b="1" dirty="0"/>
-              <a:t> </a:t>
-            </a:r>
-            <a:r>
-              <a:rPr lang="en-US" b="1" dirty="0" err="1"/>
-              <a:t>biểu</a:t>
-            </a:r>
-            <a:r>
-              <a:rPr lang="en-US" b="1" dirty="0"/>
-              <a:t> </a:t>
-            </a:r>
-            <a:r>
-              <a:rPr lang="en-US" b="1" dirty="0" err="1"/>
-              <a:t>đồ</a:t>
-            </a:r>
-            <a:r>
-              <a:rPr lang="en-US" b="1" dirty="0"/>
-              <a:t> </a:t>
-            </a:r>
-            <a:r>
-              <a:rPr lang="en-US" b="1" dirty="0" err="1"/>
-              <a:t>bằng</a:t>
-            </a:r>
-            <a:r>
-              <a:rPr lang="en-US" b="1" dirty="0"/>
-              <a:t> </a:t>
-            </a:r>
-            <a:r>
-              <a:rPr lang="en-US" b="1" dirty="0" err="1"/>
-              <a:t>mối</a:t>
-            </a:r>
-            <a:r>
-              <a:rPr lang="en-US" b="1" dirty="0"/>
-              <a:t> </a:t>
-            </a:r>
-            <a:r>
-              <a:rPr lang="en-US" b="1" dirty="0" err="1"/>
-              <a:t>quan</a:t>
-            </a:r>
-            <a:r>
-              <a:rPr lang="en-US" b="1" dirty="0"/>
-              <a:t> </a:t>
-            </a:r>
-            <a:r>
-              <a:rPr lang="en-US" b="1" dirty="0" err="1"/>
-              <a:t>hệ</a:t>
-            </a:r>
-            <a:r>
-              <a:rPr lang="en-US" b="1" dirty="0"/>
-              <a:t> </a:t>
-            </a:r>
-            <a:r>
-              <a:rPr lang="en-US" b="1" dirty="0" err="1"/>
-              <a:t>gồm</a:t>
-            </a:r>
-            <a:r>
-              <a:rPr lang="en-US" b="1" dirty="0"/>
-              <a:t>:</a:t>
+              <a:t>Bước 2: Tìm ca sử dụng</a:t>
             </a:r>
           </a:p>
           <a:p>
@@ -17873,76 +18156,8 @@
               <a:buNone/>
             </a:pPr>
             <a:r>
-              <a:rPr lang="en-US" dirty="0"/>
-              <a:t>	+ </a:t>
-            </a:r>
-            <a:r>
-              <a:rPr lang="en-US" dirty="0" err="1"/>
-              <a:t>Xác</a:t>
-            </a:r>
-            <a:r>
-              <a:rPr lang="en-US" dirty="0"/>
-              <a:t> </a:t>
-            </a:r>
-            <a:r>
-              <a:rPr lang="en-US" dirty="0" err="1"/>
-              <a:t>định</a:t>
-            </a:r>
-            <a:r>
-              <a:rPr lang="en-US" dirty="0"/>
-              <a:t> </a:t>
-            </a:r>
-            <a:r>
-              <a:rPr lang="en-US" dirty="0" err="1"/>
-              <a:t>biểu</a:t>
-            </a:r>
-            <a:r>
-              <a:rPr lang="en-US" dirty="0"/>
-              <a:t> </a:t>
-            </a:r>
-            <a:r>
-              <a:rPr lang="en-US" dirty="0" err="1"/>
-              <a:t>đồ</a:t>
-            </a:r>
-            <a:r>
-              <a:rPr lang="en-US" dirty="0"/>
-              <a:t> ca </a:t>
-            </a:r>
-            <a:r>
-              <a:rPr lang="en-US" dirty="0" err="1"/>
-              <a:t>sử</a:t>
-            </a:r>
-            <a:r>
-              <a:rPr lang="en-US" dirty="0"/>
-              <a:t> </a:t>
-            </a:r>
-            <a:r>
-              <a:rPr lang="en-US" dirty="0" err="1"/>
-              <a:t>dụng</a:t>
-            </a:r>
-            <a:r>
-              <a:rPr lang="en-US" dirty="0"/>
-              <a:t> </a:t>
-            </a:r>
-            <a:r>
-              <a:rPr lang="en-US" dirty="0" err="1"/>
-              <a:t>mức</a:t>
-            </a:r>
-            <a:r>
-              <a:rPr lang="en-US" dirty="0"/>
-              <a:t> </a:t>
-            </a:r>
-            <a:r>
-              <a:rPr lang="en-US" dirty="0" err="1"/>
-              <a:t>tổng</a:t>
-            </a:r>
-            <a:r>
-              <a:rPr lang="en-US" dirty="0"/>
-              <a:t> </a:t>
-            </a:r>
-            <a:r>
-              <a:rPr lang="en-US" dirty="0" err="1"/>
-              <a:t>quát</a:t>
+              <a:rPr lang="vi-VN" dirty="0"/>
+              <a:t>	Hành động của tác nhân, hành động của hệ thống, các hành động bên ngoài, các sự kiện có thể được gây ra</a:t>
             </a:r>
             <a:endParaRPr lang="en-US" dirty="0"/>
           </a:p>
@@ -17952,11 +18167,27 @@
             </a:pPr>
             <a:r>
               <a:rPr lang="en-US" dirty="0"/>
-              <a:t>	+ </a:t>
+              <a:t>	</a:t>
             </a:r>
             <a:r>
               <a:rPr lang="en-US" dirty="0" err="1"/>
-              <a:t>Phân</a:t>
+              <a:t>Lưu</a:t>
+            </a:r>
+            <a:r>
+              <a:rPr lang="en-US" dirty="0"/>
+              <a:t> ý, </a:t>
+            </a:r>
+            <a:r>
+              <a:rPr lang="en-US" dirty="0" err="1"/>
+              <a:t>một</a:t>
+            </a:r>
+            <a:r>
+              <a:rPr lang="en-US" dirty="0"/>
+              <a:t> ca </a:t>
+            </a:r>
+            <a:r>
+              <a:rPr lang="en-US" dirty="0" err="1"/>
+              <a:t>sử</a:t>
             </a:r>
             <a:r>
               <a:rPr lang="en-US" dirty="0"/>
@@ -17964,7 +18195,15 @@
             </a:r>
             <a:r>
               <a:rPr lang="en-US" dirty="0" err="1"/>
-              <a:t>rã</a:t>
+              <a:t>dụng</a:t>
+            </a:r>
+            <a:r>
+              <a:rPr lang="en-US" dirty="0"/>
+              <a:t> bao </a:t>
+            </a:r>
+            <a:r>
+              <a:rPr lang="en-US" dirty="0" err="1"/>
+              <a:t>giờ</a:t>
             </a:r>
             <a:r>
               <a:rPr lang="en-US" dirty="0"/>
@@ -17972,7 +18211,7 @@
             </a:r>
             <a:r>
               <a:rPr lang="en-US" dirty="0" err="1"/>
-              <a:t>mức</a:t>
+              <a:t>cũng</a:t>
             </a:r>
             <a:r>
               <a:rPr lang="en-US" dirty="0"/>
@@ -17980,124 +18219,62 @@
             </a:r>
             <a:r>
               <a:rPr lang="en-US" dirty="0" err="1"/>
-              <a:t>cao</a:t>
-            </a:r>
-            <a:endParaRPr lang="en-US" dirty="0"/>
+              <a:t>phải</a:t>
+            </a:r>
+            <a:r>
+              <a:rPr lang="en-US" dirty="0"/>
+              <a:t> </a:t>
+            </a:r>
+            <a:r>
+              <a:rPr lang="en-US" dirty="0" err="1"/>
+              <a:t>liên</a:t>
+            </a:r>
+            <a:r>
+              <a:rPr lang="en-US" dirty="0"/>
+              <a:t> </a:t>
+            </a:r>
+            <a:r>
+              <a:rPr lang="en-US" dirty="0" err="1"/>
+              <a:t>kết</a:t>
+            </a:r>
+            <a:r>
+              <a:rPr lang="en-US" dirty="0"/>
+              <a:t> </a:t>
+            </a:r>
+            <a:r>
+              <a:rPr lang="en-US" dirty="0" err="1"/>
+              <a:t>với</a:t>
+            </a:r>
+            <a:r>
+              <a:rPr lang="en-US" dirty="0"/>
+              <a:t> </a:t>
+            </a:r>
+            <a:r>
+              <a:rPr lang="en-US" dirty="0" err="1"/>
+              <a:t>một</a:t>
+            </a:r>
+            <a:r>
+              <a:rPr lang="en-US" dirty="0"/>
+              <a:t> </a:t>
+            </a:r>
+            <a:r>
+              <a:rPr lang="en-US" dirty="0" err="1"/>
+              <a:t>tác</a:t>
+            </a:r>
+            <a:r>
+              <a:rPr lang="en-US" dirty="0"/>
+              <a:t> </a:t>
+            </a:r>
+            <a:r>
+              <a:rPr lang="en-US" dirty="0" err="1"/>
+              <a:t>nhân</a:t>
+            </a:r>
+            <a:endParaRPr lang="vi-VN" dirty="0"/>
           </a:p>
           <a:p>
             <a:pPr marL="114300" indent="0">
               <a:buNone/>
             </a:pPr>
-            <a:r>
-              <a:rPr lang="en-US" dirty="0"/>
-              <a:t>	+ </a:t>
-            </a:r>
-            <a:r>
-              <a:rPr lang="en-US" dirty="0" err="1"/>
-              <a:t>Phân</a:t>
-            </a:r>
-            <a:r>
-              <a:rPr lang="en-US" dirty="0"/>
-              <a:t> </a:t>
-            </a:r>
-            <a:r>
-              <a:rPr lang="en-US" dirty="0" err="1"/>
-              <a:t>rã</a:t>
-            </a:r>
-            <a:r>
-              <a:rPr lang="en-US" dirty="0"/>
-              <a:t> </a:t>
-            </a:r>
-            <a:r>
-              <a:rPr lang="en-US" dirty="0" err="1"/>
-              <a:t>đến</a:t>
-            </a:r>
-            <a:r>
-              <a:rPr lang="en-US" dirty="0"/>
-              <a:t> </a:t>
-            </a:r>
-            <a:r>
-              <a:rPr lang="en-US" dirty="0" err="1"/>
-              <a:t>khi</a:t>
-            </a:r>
-            <a:r>
-              <a:rPr lang="en-US" dirty="0"/>
-              <a:t> </a:t>
-            </a:r>
-            <a:r>
-              <a:rPr lang="en-US" dirty="0" err="1"/>
-              <a:t>gặp</a:t>
-            </a:r>
-            <a:r>
-              <a:rPr lang="en-US" dirty="0"/>
-              <a:t> ca </a:t>
-            </a:r>
-            <a:r>
-              <a:rPr lang="en-US" dirty="0" err="1"/>
-              <a:t>sử</a:t>
-            </a:r>
-            <a:r>
-              <a:rPr lang="en-US" dirty="0"/>
-              <a:t> </a:t>
-            </a:r>
-            <a:r>
-              <a:rPr lang="en-US" dirty="0" err="1"/>
-              <a:t>dụng</a:t>
-            </a:r>
-            <a:r>
-              <a:rPr lang="en-US" dirty="0"/>
-              <a:t> ở </a:t>
-            </a:r>
-            <a:r>
-              <a:rPr lang="en-US" dirty="0" err="1"/>
-              <a:t>nút</a:t>
-            </a:r>
-            <a:r>
-              <a:rPr lang="en-US" dirty="0"/>
-              <a:t> </a:t>
-            </a:r>
-            <a:r>
-              <a:rPr lang="en-US" dirty="0" err="1"/>
-              <a:t>lá</a:t>
-            </a:r>
-            <a:endParaRPr lang="en-US" dirty="0"/>
-          </a:p>
-          <a:p>
-            <a:pPr marL="114300" indent="0">
-              <a:buNone/>
-            </a:pPr>
-            <a:r>
-              <a:rPr lang="en-US" dirty="0"/>
-              <a:t>	+ </a:t>
-            </a:r>
-            <a:r>
-              <a:rPr lang="en-US" dirty="0" err="1"/>
-              <a:t>Hoàn</a:t>
-            </a:r>
-            <a:r>
-              <a:rPr lang="en-US" dirty="0"/>
-              <a:t> </a:t>
-            </a:r>
-            <a:r>
-              <a:rPr lang="en-US" dirty="0" err="1"/>
-              <a:t>thiện</a:t>
-            </a:r>
-            <a:r>
-              <a:rPr lang="en-US" dirty="0"/>
-              <a:t> </a:t>
-            </a:r>
-            <a:r>
-              <a:rPr lang="en-US" dirty="0" err="1"/>
-              <a:t>biểu</a:t>
-            </a:r>
-            <a:r>
-              <a:rPr lang="en-US" dirty="0"/>
-              <a:t> </a:t>
-            </a:r>
-            <a:r>
-              <a:rPr lang="en-US" dirty="0" err="1"/>
-              <a:t>đồ</a:t>
-            </a:r>
             <a:endParaRPr lang="en-US" dirty="0"/>
           </a:p>
         </p:txBody>
@@ -18105,7 +18282,7 @@
     </p:spTree>
     <p:extLst>
       <p:ext uri="{BB962C8B-B14F-4D97-AF65-F5344CB8AC3E}">
-        <p14:creationId xmlns:p14="http://schemas.microsoft.com/office/powerpoint/2010/main" val="1975319774"/>
+        <p14:creationId xmlns:p14="http://schemas.microsoft.com/office/powerpoint/2010/main" val="2137168582"/>
       </p:ext>
     </p:extLst>
   </p:cSld>
@@ -18137,7 +18314,7 @@
           <p:cNvPr id="2" name="Title 1">
             <a:extLst>
               <a:ext uri="{FF2B5EF4-FFF2-40B4-BE49-F238E27FC236}">
-                <a16:creationId xmlns:a16="http://schemas.microsoft.com/office/drawing/2014/main" xmlns="" id="{116DFACF-02F6-4DA1-B480-E710AB0CA9BE}"/>
+                <a16:creationId xmlns:a16="http://schemas.microsoft.com/office/drawing/2014/main" id="{3A51F162-21A5-4A7E-BEA1-6FC982984606}"/>
               </a:ext>
             </a:extLst>
           </p:cNvPr>
@@ -18226,7 +18403,7 @@
           <p:cNvPr id="3" name="Text Placeholder 2">
             <a:extLst>
               <a:ext uri="{FF2B5EF4-FFF2-40B4-BE49-F238E27FC236}">
-                <a16:creationId xmlns:a16="http://schemas.microsoft.com/office/drawing/2014/main" xmlns="" id="{39CD1093-197B-4827-8F7B-5396F002D546}"/>
+                <a16:creationId xmlns:a16="http://schemas.microsoft.com/office/drawing/2014/main" id="{18D3A6EF-1462-4B1D-975B-CB4318CBCFAB}"/>
               </a:ext>
             </a:extLst>
           </p:cNvPr>
@@ -18247,16 +18424,24 @@
               <a:buChar char="-"/>
             </a:pPr>
             <a:r>
+              <a:rPr lang="en-US" b="1" dirty="0"/>
+              <a:t>B</a:t>
+            </a:r>
+            <a:r>
+              <a:rPr lang="vi-VN" b="1" dirty="0"/>
+              <a:t>ư</a:t>
+            </a:r>
+            <a:r>
               <a:rPr lang="en-US" b="1" dirty="0" err="1"/>
-              <a:t>Bước</a:t>
+              <a:t>ớc</a:t>
             </a:r>
             <a:r>
               <a:rPr lang="en-US" b="1" dirty="0"/>
-              <a:t> 4: </a:t>
+              <a:t> 3: </a:t>
             </a:r>
             <a:r>
               <a:rPr lang="en-US" b="1" dirty="0" err="1"/>
-              <a:t>Mô</a:t>
+              <a:t>Cấu</a:t>
             </a:r>
             <a:r>
               <a:rPr lang="en-US" b="1" dirty="0"/>
@@ -18264,7 +18449,7 @@
             </a:r>
             <a:r>
               <a:rPr lang="en-US" b="1" dirty="0" err="1"/>
-              <a:t>tả</a:t>
+              <a:t>trúc</a:t>
             </a:r>
             <a:r>
               <a:rPr lang="en-US" b="1" dirty="0"/>
@@ -18272,7 +18457,7 @@
             </a:r>
             <a:r>
               <a:rPr lang="en-US" b="1" dirty="0" err="1"/>
-              <a:t>luồng</a:t>
+              <a:t>hóa</a:t>
             </a:r>
             <a:r>
               <a:rPr lang="en-US" b="1" dirty="0"/>
@@ -18280,7 +18465,7 @@
             </a:r>
             <a:r>
               <a:rPr lang="en-US" b="1" dirty="0" err="1"/>
-              <a:t>sự</a:t>
+              <a:t>biểu</a:t>
             </a:r>
             <a:r>
               <a:rPr lang="en-US" b="1" dirty="0"/>
@@ -18288,11 +18473,51 @@
             </a:r>
             <a:r>
               <a:rPr lang="en-US" b="1" dirty="0" err="1"/>
-              <a:t>kiện</a:t>
+              <a:t>đồ</a:t>
             </a:r>
             <a:r>
               <a:rPr lang="en-US" b="1" dirty="0"/>
-              <a:t>: </a:t>
+              <a:t> </a:t>
+            </a:r>
+            <a:r>
+              <a:rPr lang="en-US" b="1" dirty="0" err="1"/>
+              <a:t>bằng</a:t>
+            </a:r>
+            <a:r>
+              <a:rPr lang="en-US" b="1" dirty="0"/>
+              <a:t> </a:t>
+            </a:r>
+            <a:r>
+              <a:rPr lang="en-US" b="1" dirty="0" err="1"/>
+              <a:t>mối</a:t>
+            </a:r>
+            <a:r>
+              <a:rPr lang="en-US" b="1" dirty="0"/>
+              <a:t> </a:t>
+            </a:r>
+            <a:r>
+              <a:rPr lang="en-US" b="1" dirty="0" err="1"/>
+              <a:t>quan</a:t>
+            </a:r>
+            <a:r>
+              <a:rPr lang="en-US" b="1" dirty="0"/>
+              <a:t> </a:t>
+            </a:r>
+            <a:r>
+              <a:rPr lang="en-US" b="1" dirty="0" err="1"/>
+              <a:t>hệ</a:t>
+            </a:r>
+            <a:r>
+              <a:rPr lang="en-US" b="1" dirty="0"/>
+              <a:t> </a:t>
+            </a:r>
+            <a:r>
+              <a:rPr lang="en-US" b="1" dirty="0" err="1"/>
+              <a:t>gồm</a:t>
+            </a:r>
+            <a:r>
+              <a:rPr lang="en-US" b="1" dirty="0"/>
+              <a:t>:</a:t>
             </a:r>
           </a:p>
           <a:p>
@@ -18301,11 +18526,11 @@
             </a:pPr>
             <a:r>
               <a:rPr lang="en-US" dirty="0"/>
-              <a:t>	</a:t>
+              <a:t>	+ </a:t>
             </a:r>
             <a:r>
               <a:rPr lang="en-US" dirty="0" err="1"/>
-              <a:t>Mục</a:t>
+              <a:t>Xác</a:t>
             </a:r>
             <a:r>
               <a:rPr lang="en-US" dirty="0"/>
@@ -18313,15 +18538,7 @@
             </a:r>
             <a:r>
               <a:rPr lang="en-US" dirty="0" err="1"/>
-              <a:t>đính</a:t>
-            </a:r>
-            <a:r>
-              <a:rPr lang="en-US" dirty="0"/>
-              <a:t>, </a:t>
-            </a:r>
-            <a:r>
-              <a:rPr lang="en-US" dirty="0" err="1"/>
-              <a:t>chạy</a:t>
+              <a:t>định</a:t>
             </a:r>
             <a:r>
               <a:rPr lang="en-US" dirty="0"/>
@@ -18329,15 +18546,7 @@
             </a:r>
             <a:r>
               <a:rPr lang="en-US" dirty="0" err="1"/>
-              <a:t>ntn</a:t>
-            </a:r>
-            <a:r>
-              <a:rPr lang="en-US" dirty="0"/>
-              <a:t>, </a:t>
-            </a:r>
-            <a:r>
-              <a:rPr lang="en-US" dirty="0" err="1"/>
-              <a:t>chuỗi</a:t>
+              <a:t>biểu</a:t>
             </a:r>
             <a:r>
               <a:rPr lang="en-US" dirty="0"/>
@@ -18345,7 +18554,15 @@
             </a:r>
             <a:r>
               <a:rPr lang="en-US" dirty="0" err="1"/>
-              <a:t>thông</a:t>
+              <a:t>đồ</a:t>
+            </a:r>
+            <a:r>
+              <a:rPr lang="en-US" dirty="0"/>
+              <a:t> ca </a:t>
+            </a:r>
+            <a:r>
+              <a:rPr lang="en-US" dirty="0" err="1"/>
+              <a:t>sử</a:t>
             </a:r>
             <a:r>
               <a:rPr lang="en-US" dirty="0"/>
@@ -18353,7 +18570,7 @@
             </a:r>
             <a:r>
               <a:rPr lang="en-US" dirty="0" err="1"/>
-              <a:t>điệp</a:t>
+              <a:t>dụng</a:t>
             </a:r>
             <a:r>
               <a:rPr lang="en-US" dirty="0"/>
@@ -18361,7 +18578,7 @@
             </a:r>
             <a:r>
               <a:rPr lang="en-US" dirty="0" err="1"/>
-              <a:t>tác</a:t>
+              <a:t>mức</a:t>
             </a:r>
             <a:r>
               <a:rPr lang="en-US" dirty="0"/>
@@ -18369,15 +18586,7 @@
             </a:r>
             <a:r>
               <a:rPr lang="en-US" dirty="0" err="1"/>
-              <a:t>nhân</a:t>
-            </a:r>
-            <a:r>
-              <a:rPr lang="en-US" dirty="0"/>
-              <a:t> vs ca </a:t>
-            </a:r>
-            <a:r>
-              <a:rPr lang="en-US" dirty="0" err="1"/>
-              <a:t>sử</a:t>
+              <a:t>tổng</a:t>
             </a:r>
             <a:r>
               <a:rPr lang="en-US" dirty="0"/>
@@ -18385,111 +18594,7 @@
             </a:r>
             <a:r>
               <a:rPr lang="en-US" dirty="0" err="1"/>
-              <a:t>dụng</a:t>
-            </a:r>
-            <a:r>
-              <a:rPr lang="en-US" dirty="0"/>
-              <a:t>,  </a:t>
-            </a:r>
-            <a:r>
-              <a:rPr lang="en-US" dirty="0" err="1"/>
-              <a:t>luồng</a:t>
-            </a:r>
-            <a:r>
-              <a:rPr lang="en-US" dirty="0"/>
-              <a:t> </a:t>
-            </a:r>
-            <a:r>
-              <a:rPr lang="en-US" dirty="0" err="1"/>
-              <a:t>thay</a:t>
-            </a:r>
-            <a:r>
-              <a:rPr lang="en-US" dirty="0"/>
-              <a:t> </a:t>
-            </a:r>
-            <a:r>
-              <a:rPr lang="en-US" dirty="0" err="1"/>
-              <a:t>thế</a:t>
-            </a:r>
-            <a:r>
-              <a:rPr lang="en-US" dirty="0"/>
-              <a:t>, </a:t>
-            </a:r>
-            <a:r>
-              <a:rPr lang="en-US" dirty="0" err="1"/>
-              <a:t>kết</a:t>
-            </a:r>
-            <a:r>
-              <a:rPr lang="en-US" dirty="0"/>
-              <a:t> </a:t>
-            </a:r>
-            <a:r>
-              <a:rPr lang="en-US" dirty="0" err="1"/>
-              <a:t>thúc</a:t>
-            </a:r>
-            <a:r>
-              <a:rPr lang="en-US" dirty="0"/>
-              <a:t> </a:t>
-            </a:r>
-            <a:r>
-              <a:rPr lang="en-US" dirty="0" err="1"/>
-              <a:t>với</a:t>
-            </a:r>
-            <a:r>
-              <a:rPr lang="en-US" dirty="0"/>
-              <a:t> </a:t>
-            </a:r>
-            <a:r>
-              <a:rPr lang="en-US" dirty="0" err="1"/>
-              <a:t>một</a:t>
-            </a:r>
-            <a:r>
-              <a:rPr lang="en-US" dirty="0"/>
-              <a:t> </a:t>
-            </a:r>
-            <a:r>
-              <a:rPr lang="en-US" dirty="0" err="1"/>
-              <a:t>giá</a:t>
-            </a:r>
-            <a:r>
-              <a:rPr lang="en-US" dirty="0"/>
-              <a:t> </a:t>
-            </a:r>
-            <a:r>
-              <a:rPr lang="en-US" dirty="0" err="1"/>
-              <a:t>trị</a:t>
-            </a:r>
-            <a:r>
-              <a:rPr lang="en-US" dirty="0"/>
-              <a:t> </a:t>
-            </a:r>
-            <a:r>
-              <a:rPr lang="en-US" dirty="0" err="1"/>
-              <a:t>đối</a:t>
-            </a:r>
-            <a:r>
-              <a:rPr lang="en-US" dirty="0"/>
-              <a:t> </a:t>
-            </a:r>
-            <a:r>
-              <a:rPr lang="en-US" dirty="0" err="1"/>
-              <a:t>với</a:t>
-            </a:r>
-            <a:r>
-              <a:rPr lang="en-US" dirty="0"/>
-              <a:t> </a:t>
-            </a:r>
-            <a:r>
-              <a:rPr lang="en-US" dirty="0" err="1"/>
-              <a:t>tác</a:t>
-            </a:r>
-            <a:r>
-              <a:rPr lang="en-US" dirty="0"/>
-              <a:t> </a:t>
-            </a:r>
-            <a:r>
-              <a:rPr lang="en-US" dirty="0" err="1"/>
-              <a:t>nhân</a:t>
+              <a:t>quát</a:t>
             </a:r>
             <a:endParaRPr lang="en-US" dirty="0"/>
           </a:p>
@@ -18497,6 +18602,38 @@
             <a:pPr marL="114300" indent="0">
               <a:buNone/>
             </a:pPr>
+            <a:r>
+              <a:rPr lang="en-US" dirty="0"/>
+              <a:t>	+ </a:t>
+            </a:r>
+            <a:r>
+              <a:rPr lang="en-US" dirty="0" err="1"/>
+              <a:t>Phân</a:t>
+            </a:r>
+            <a:r>
+              <a:rPr lang="en-US" dirty="0"/>
+              <a:t> </a:t>
+            </a:r>
+            <a:r>
+              <a:rPr lang="en-US" dirty="0" err="1"/>
+              <a:t>rã</a:t>
+            </a:r>
+            <a:r>
+              <a:rPr lang="en-US" dirty="0"/>
+              <a:t> </a:t>
+            </a:r>
+            <a:r>
+              <a:rPr lang="en-US" dirty="0" err="1"/>
+              <a:t>mức</a:t>
+            </a:r>
+            <a:r>
+              <a:rPr lang="en-US" dirty="0"/>
+              <a:t> </a:t>
+            </a:r>
+            <a:r>
+              <a:rPr lang="en-US" dirty="0" err="1"/>
+              <a:t>cao</a:t>
+            </a:r>
             <a:endParaRPr lang="en-US" dirty="0"/>
           </a:p>
           <a:p>
@@ -18505,36 +18642,122 @@
             </a:pPr>
             <a:r>
               <a:rPr lang="en-US" dirty="0"/>
-              <a:t>- </a:t>
-            </a:r>
-            <a:r>
-              <a:rPr lang="en-US" b="1" dirty="0"/>
-              <a:t>B</a:t>
-            </a:r>
-            <a:r>
-              <a:rPr lang="vi-VN" b="1" dirty="0"/>
-              <a:t>ư</a:t>
-            </a:r>
-            <a:r>
-              <a:rPr lang="en-US" b="1" dirty="0" err="1"/>
-              <a:t>ớc</a:t>
-            </a:r>
-            <a:r>
-              <a:rPr lang="en-US" b="1" dirty="0"/>
-              <a:t> 5: H</a:t>
-            </a:r>
-            <a:r>
-              <a:rPr lang="vi-VN" b="1" dirty="0"/>
-              <a:t>iệu chỉnh mô hình</a:t>
-            </a:r>
-            <a:endParaRPr lang="en-US" b="1" dirty="0"/>
+              <a:t>	+ </a:t>
+            </a:r>
+            <a:r>
+              <a:rPr lang="en-US" dirty="0" err="1"/>
+              <a:t>Phân</a:t>
+            </a:r>
+            <a:r>
+              <a:rPr lang="en-US" dirty="0"/>
+              <a:t> </a:t>
+            </a:r>
+            <a:r>
+              <a:rPr lang="en-US" dirty="0" err="1"/>
+              <a:t>rã</a:t>
+            </a:r>
+            <a:r>
+              <a:rPr lang="en-US" dirty="0"/>
+              <a:t> </a:t>
+            </a:r>
+            <a:r>
+              <a:rPr lang="en-US" dirty="0" err="1"/>
+              <a:t>đến</a:t>
+            </a:r>
+            <a:r>
+              <a:rPr lang="en-US" dirty="0"/>
+              <a:t> </a:t>
+            </a:r>
+            <a:r>
+              <a:rPr lang="en-US" dirty="0" err="1"/>
+              <a:t>khi</a:t>
+            </a:r>
+            <a:r>
+              <a:rPr lang="en-US" dirty="0"/>
+              <a:t> </a:t>
+            </a:r>
+            <a:r>
+              <a:rPr lang="en-US" dirty="0" err="1"/>
+              <a:t>gặp</a:t>
+            </a:r>
+            <a:r>
+              <a:rPr lang="en-US" dirty="0"/>
+              <a:t> ca </a:t>
+            </a:r>
+            <a:r>
+              <a:rPr lang="en-US" dirty="0" err="1"/>
+              <a:t>sử</a:t>
+            </a:r>
+            <a:r>
+              <a:rPr lang="en-US" dirty="0"/>
+              <a:t> </a:t>
+            </a:r>
+            <a:r>
+              <a:rPr lang="en-US" dirty="0" err="1"/>
+              <a:t>dụng</a:t>
+            </a:r>
+            <a:r>
+              <a:rPr lang="en-US" dirty="0"/>
+              <a:t> ở </a:t>
+            </a:r>
+            <a:r>
+              <a:rPr lang="en-US" dirty="0" err="1"/>
+              <a:t>nút</a:t>
+            </a:r>
+            <a:r>
+              <a:rPr lang="en-US" dirty="0"/>
+              <a:t> </a:t>
+            </a:r>
+            <a:r>
+              <a:rPr lang="en-US" dirty="0" err="1"/>
+              <a:t>lá</a:t>
+            </a:r>
+            <a:endParaRPr lang="en-US" dirty="0"/>
+          </a:p>
+          <a:p>
+            <a:pPr marL="114300" indent="0">
+              <a:buNone/>
+            </a:pPr>
+            <a:r>
+              <a:rPr lang="en-US" dirty="0"/>
+              <a:t>	+ </a:t>
+            </a:r>
+            <a:r>
+              <a:rPr lang="en-US" dirty="0" err="1"/>
+              <a:t>Hoàn</a:t>
+            </a:r>
+            <a:r>
+              <a:rPr lang="en-US" dirty="0"/>
+              <a:t> </a:t>
+            </a:r>
+            <a:r>
+              <a:rPr lang="en-US" dirty="0" err="1"/>
+              <a:t>thiện</a:t>
+            </a:r>
+            <a:r>
+              <a:rPr lang="en-US" dirty="0"/>
+              <a:t> </a:t>
+            </a:r>
+            <a:r>
+              <a:rPr lang="en-US" dirty="0" err="1"/>
+              <a:t>biểu</a:t>
+            </a:r>
+            <a:r>
+              <a:rPr lang="en-US" dirty="0"/>
+              <a:t> </a:t>
+            </a:r>
+            <a:r>
+              <a:rPr lang="en-US" dirty="0" err="1"/>
+              <a:t>đồ</a:t>
+            </a:r>
+            <a:endParaRPr lang="en-US" dirty="0"/>
           </a:p>
         </p:txBody>
       </p:sp>
     </p:spTree>
     <p:extLst>
       <p:ext uri="{BB962C8B-B14F-4D97-AF65-F5344CB8AC3E}">
-        <p14:creationId xmlns:p14="http://schemas.microsoft.com/office/powerpoint/2010/main" val="1994838007"/>
+        <p14:creationId xmlns:p14="http://schemas.microsoft.com/office/powerpoint/2010/main" val="1975319774"/>
       </p:ext>
     </p:extLst>
   </p:cSld>
@@ -18566,7 +18789,7 @@
           <p:cNvPr id="2" name="Title 1">
             <a:extLst>
               <a:ext uri="{FF2B5EF4-FFF2-40B4-BE49-F238E27FC236}">
-                <a16:creationId xmlns:a16="http://schemas.microsoft.com/office/drawing/2014/main" xmlns="" id="{F8E5B976-DFB9-4BCF-909B-AD7402CB5834}"/>
+                <a16:creationId xmlns:a16="http://schemas.microsoft.com/office/drawing/2014/main" id="{116DFACF-02F6-4DA1-B480-E710AB0CA9BE}"/>
               </a:ext>
             </a:extLst>
           </p:cNvPr>
@@ -18584,6 +18807,558 @@
           <a:p>
             <a:r>
               <a:rPr lang="en-US" dirty="0" err="1"/>
+              <a:t>Các</a:t>
+            </a:r>
+            <a:r>
+              <a:rPr lang="en-US" dirty="0"/>
+              <a:t> b</a:t>
+            </a:r>
+            <a:r>
+              <a:rPr lang="vi-VN" dirty="0"/>
+              <a:t>ư</a:t>
+            </a:r>
+            <a:r>
+              <a:rPr lang="en-US" dirty="0" err="1"/>
+              <a:t>ớc</a:t>
+            </a:r>
+            <a:r>
+              <a:rPr lang="en-US" dirty="0"/>
+              <a:t> </a:t>
+            </a:r>
+            <a:r>
+              <a:rPr lang="en-US" dirty="0" err="1"/>
+              <a:t>xây</a:t>
+            </a:r>
+            <a:r>
+              <a:rPr lang="en-US" dirty="0"/>
+              <a:t> </a:t>
+            </a:r>
+            <a:r>
+              <a:rPr lang="en-US" dirty="0" err="1"/>
+              <a:t>dựng</a:t>
+            </a:r>
+            <a:r>
+              <a:rPr lang="en-US" dirty="0"/>
+              <a:t> </a:t>
+            </a:r>
+            <a:r>
+              <a:rPr lang="en-US" dirty="0" err="1"/>
+              <a:t>biểu</a:t>
+            </a:r>
+            <a:r>
+              <a:rPr lang="en-US" dirty="0"/>
+              <a:t> </a:t>
+            </a:r>
+            <a:r>
+              <a:rPr lang="en-US" dirty="0" err="1"/>
+              <a:t>đồ</a:t>
+            </a:r>
+            <a:r>
+              <a:rPr lang="en-US" dirty="0"/>
+              <a:t> ca </a:t>
+            </a:r>
+            <a:r>
+              <a:rPr lang="en-US" dirty="0" err="1"/>
+              <a:t>sử</a:t>
+            </a:r>
+            <a:r>
+              <a:rPr lang="en-US" dirty="0"/>
+              <a:t> </a:t>
+            </a:r>
+            <a:r>
+              <a:rPr lang="en-US" dirty="0" err="1"/>
+              <a:t>dụng</a:t>
+            </a:r>
+            <a:endParaRPr lang="en-US" dirty="0"/>
+          </a:p>
+        </p:txBody>
+      </p:sp>
+      <p:sp>
+        <p:nvSpPr>
+          <p:cNvPr id="3" name="Text Placeholder 2">
+            <a:extLst>
+              <a:ext uri="{FF2B5EF4-FFF2-40B4-BE49-F238E27FC236}">
+                <a16:creationId xmlns:a16="http://schemas.microsoft.com/office/drawing/2014/main" id="{39CD1093-197B-4827-8F7B-5396F002D546}"/>
+              </a:ext>
+            </a:extLst>
+          </p:cNvPr>
+          <p:cNvSpPr>
+            <a:spLocks noGrp="1"/>
+          </p:cNvSpPr>
+          <p:nvPr>
+            <p:ph type="body" idx="1"/>
+          </p:nvPr>
+        </p:nvSpPr>
+        <p:spPr/>
+        <p:txBody>
+          <a:bodyPr>
+            <a:normAutofit/>
+          </a:bodyPr>
+          <a:lstStyle/>
+          <a:p>
+            <a:pPr>
+              <a:buFontTx/>
+              <a:buChar char="-"/>
+            </a:pPr>
+            <a:r>
+              <a:rPr lang="en-US" b="1" dirty="0" err="1"/>
+              <a:t>Bước</a:t>
+            </a:r>
+            <a:r>
+              <a:rPr lang="en-US" b="1" dirty="0"/>
+              <a:t> 4: </a:t>
+            </a:r>
+            <a:r>
+              <a:rPr lang="en-US" b="1" dirty="0" err="1"/>
+              <a:t>Mô</a:t>
+            </a:r>
+            <a:r>
+              <a:rPr lang="en-US" b="1" dirty="0"/>
+              <a:t> </a:t>
+            </a:r>
+            <a:r>
+              <a:rPr lang="en-US" b="1" dirty="0" err="1"/>
+              <a:t>tả</a:t>
+            </a:r>
+            <a:r>
+              <a:rPr lang="en-US" b="1" dirty="0"/>
+              <a:t> </a:t>
+            </a:r>
+            <a:r>
+              <a:rPr lang="en-US" b="1" dirty="0" err="1"/>
+              <a:t>luồng</a:t>
+            </a:r>
+            <a:r>
+              <a:rPr lang="en-US" b="1" dirty="0"/>
+              <a:t> </a:t>
+            </a:r>
+            <a:r>
+              <a:rPr lang="en-US" b="1" dirty="0" err="1"/>
+              <a:t>sự</a:t>
+            </a:r>
+            <a:r>
+              <a:rPr lang="en-US" b="1" dirty="0"/>
+              <a:t> </a:t>
+            </a:r>
+            <a:r>
+              <a:rPr lang="en-US" b="1" dirty="0" err="1"/>
+              <a:t>kiện</a:t>
+            </a:r>
+            <a:r>
+              <a:rPr lang="en-US" b="1" dirty="0"/>
+              <a:t>: </a:t>
+            </a:r>
+          </a:p>
+          <a:p>
+            <a:pPr marL="114300" indent="0">
+              <a:buNone/>
+            </a:pPr>
+            <a:r>
+              <a:rPr lang="en-US" dirty="0"/>
+              <a:t>	</a:t>
+            </a:r>
+            <a:r>
+              <a:rPr lang="en-US" dirty="0" err="1"/>
+              <a:t>Một</a:t>
+            </a:r>
+            <a:r>
+              <a:rPr lang="en-US" dirty="0"/>
+              <a:t> </a:t>
+            </a:r>
+            <a:r>
+              <a:rPr lang="en-US" dirty="0" err="1"/>
+              <a:t>mẫu</a:t>
+            </a:r>
+            <a:r>
+              <a:rPr lang="en-US" dirty="0"/>
+              <a:t> </a:t>
+            </a:r>
+            <a:r>
+              <a:rPr lang="en-US" dirty="0" err="1"/>
+              <a:t>mô</a:t>
+            </a:r>
+            <a:r>
+              <a:rPr lang="en-US" dirty="0"/>
+              <a:t> </a:t>
+            </a:r>
+            <a:r>
+              <a:rPr lang="en-US" dirty="0" err="1"/>
+              <a:t>tả</a:t>
+            </a:r>
+            <a:r>
+              <a:rPr lang="en-US" dirty="0"/>
+              <a:t> ca </a:t>
+            </a:r>
+            <a:r>
+              <a:rPr lang="en-US" dirty="0" err="1"/>
+              <a:t>sử</a:t>
+            </a:r>
+            <a:r>
+              <a:rPr lang="en-US" dirty="0"/>
+              <a:t> </a:t>
+            </a:r>
+            <a:r>
+              <a:rPr lang="en-US" dirty="0" err="1"/>
+              <a:t>dụng</a:t>
+            </a:r>
+            <a:r>
+              <a:rPr lang="en-US" dirty="0"/>
+              <a:t> </a:t>
+            </a:r>
+            <a:r>
+              <a:rPr lang="en-US" dirty="0" err="1"/>
+              <a:t>th</a:t>
+            </a:r>
+            <a:r>
+              <a:rPr lang="vi-VN" dirty="0"/>
+              <a:t>ư</a:t>
+            </a:r>
+            <a:r>
+              <a:rPr lang="en-US" dirty="0" err="1"/>
+              <a:t>ờng</a:t>
+            </a:r>
+            <a:r>
+              <a:rPr lang="en-US" dirty="0"/>
+              <a:t> </a:t>
+            </a:r>
+            <a:r>
+              <a:rPr lang="en-US" dirty="0" err="1"/>
+              <a:t>có</a:t>
+            </a:r>
+            <a:r>
+              <a:rPr lang="en-US" dirty="0"/>
+              <a:t> 2 </a:t>
+            </a:r>
+            <a:r>
+              <a:rPr lang="en-US" dirty="0" err="1"/>
+              <a:t>phần</a:t>
+            </a:r>
+            <a:r>
+              <a:rPr lang="en-US" dirty="0"/>
+              <a:t>:</a:t>
+            </a:r>
+          </a:p>
+          <a:p>
+            <a:pPr>
+              <a:buFont typeface="Arial" panose="020B0604020202020204" pitchFamily="34" charset="0"/>
+              <a:buChar char="•"/>
+            </a:pPr>
+            <a:r>
+              <a:rPr lang="en-US" dirty="0"/>
+              <a:t>C</a:t>
+            </a:r>
+            <a:r>
+              <a:rPr lang="vi-VN" dirty="0"/>
+              <a:t>ác trường thông tin</a:t>
+            </a:r>
+            <a:r>
+              <a:rPr lang="en-US" dirty="0"/>
+              <a:t> </a:t>
+            </a:r>
+            <a:r>
+              <a:rPr lang="vi-VN" dirty="0"/>
+              <a:t>mô tả chung của ca sử dụng như tên ca sử dụng (name), tác nhân chính</a:t>
+            </a:r>
+            <a:r>
+              <a:rPr lang="en-US" dirty="0"/>
+              <a:t> </a:t>
+            </a:r>
+            <a:r>
+              <a:rPr lang="vi-VN" dirty="0"/>
+              <a:t>(primary actors), tác nhân phụ (secondary actors), tiền điều kiện</a:t>
+            </a:r>
+            <a:r>
+              <a:rPr lang="en-US" dirty="0"/>
+              <a:t> </a:t>
+            </a:r>
+            <a:r>
+              <a:rPr lang="vi-VN" dirty="0"/>
+              <a:t>(precondition), hậu điều kiện (post condition)</a:t>
+            </a:r>
+            <a:endParaRPr lang="en-US" dirty="0"/>
+          </a:p>
+          <a:p>
+            <a:pPr>
+              <a:buFont typeface="Arial" panose="020B0604020202020204" pitchFamily="34" charset="0"/>
+              <a:buChar char="•"/>
+            </a:pPr>
+            <a:r>
+              <a:rPr lang="en-US" dirty="0"/>
+              <a:t>P</a:t>
+            </a:r>
+            <a:r>
+              <a:rPr lang="vi-VN" dirty="0"/>
+              <a:t>hần mô tả chi tiết của</a:t>
+            </a:r>
+            <a:r>
+              <a:rPr lang="en-US" dirty="0"/>
+              <a:t> </a:t>
+            </a:r>
+            <a:r>
+              <a:rPr lang="vi-VN" dirty="0"/>
+              <a:t>các kịch bản tương tác của ca sử dụng được mô tả trong các luồng sự</a:t>
+            </a:r>
+            <a:r>
+              <a:rPr lang="en-US" dirty="0"/>
+              <a:t> </a:t>
+            </a:r>
+            <a:r>
+              <a:rPr lang="vi-VN" dirty="0"/>
+              <a:t>kiện. </a:t>
+            </a:r>
+            <a:endParaRPr lang="en-US" dirty="0"/>
+          </a:p>
+        </p:txBody>
+      </p:sp>
+    </p:spTree>
+    <p:extLst>
+      <p:ext uri="{BB962C8B-B14F-4D97-AF65-F5344CB8AC3E}">
+        <p14:creationId xmlns:p14="http://schemas.microsoft.com/office/powerpoint/2010/main" val="1994838007"/>
+      </p:ext>
+    </p:extLst>
+  </p:cSld>
+  <p:clrMapOvr>
+    <a:masterClrMapping/>
+  </p:clrMapOvr>
+</p:sld>
+</file>
+
+<file path=ppt/slides/slide18.xml><?xml version="1.0" encoding="utf-8"?>
+<p:sld xmlns:a="http://schemas.openxmlformats.org/drawingml/2006/main" xmlns:r="http://schemas.openxmlformats.org/officeDocument/2006/relationships" xmlns:p="http://schemas.openxmlformats.org/presentationml/2006/main">
+  <p:cSld>
+    <p:spTree>
+      <p:nvGrpSpPr>
+        <p:cNvPr id="1" name=""/>
+        <p:cNvGrpSpPr/>
+        <p:nvPr/>
+      </p:nvGrpSpPr>
+      <p:grpSpPr>
+        <a:xfrm>
+          <a:off x="0" y="0"/>
+          <a:ext cx="0" cy="0"/>
+          <a:chOff x="0" y="0"/>
+          <a:chExt cx="0" cy="0"/>
+        </a:xfrm>
+      </p:grpSpPr>
+      <p:sp>
+        <p:nvSpPr>
+          <p:cNvPr id="2" name="Title 1">
+            <a:extLst>
+              <a:ext uri="{FF2B5EF4-FFF2-40B4-BE49-F238E27FC236}">
+                <a16:creationId xmlns:a16="http://schemas.microsoft.com/office/drawing/2014/main" id="{F13412DA-9DD8-42BD-80F7-CEE06F2AEDE4}"/>
+              </a:ext>
+            </a:extLst>
+          </p:cNvPr>
+          <p:cNvSpPr>
+            <a:spLocks noGrp="1"/>
+          </p:cNvSpPr>
+          <p:nvPr>
+            <p:ph type="title"/>
+          </p:nvPr>
+        </p:nvSpPr>
+        <p:spPr/>
+        <p:txBody>
+          <a:bodyPr/>
+          <a:lstStyle/>
+          <a:p>
+            <a:r>
+              <a:rPr lang="en-US" dirty="0" err="1"/>
+              <a:t>Các</a:t>
+            </a:r>
+            <a:r>
+              <a:rPr lang="en-US" dirty="0"/>
+              <a:t> b</a:t>
+            </a:r>
+            <a:r>
+              <a:rPr lang="vi-VN" dirty="0"/>
+              <a:t>ư</a:t>
+            </a:r>
+            <a:r>
+              <a:rPr lang="en-US" dirty="0" err="1"/>
+              <a:t>ớc</a:t>
+            </a:r>
+            <a:r>
+              <a:rPr lang="en-US" dirty="0"/>
+              <a:t> </a:t>
+            </a:r>
+            <a:r>
+              <a:rPr lang="en-US" dirty="0" err="1"/>
+              <a:t>xây</a:t>
+            </a:r>
+            <a:r>
+              <a:rPr lang="en-US" dirty="0"/>
+              <a:t> </a:t>
+            </a:r>
+            <a:r>
+              <a:rPr lang="en-US" dirty="0" err="1"/>
+              <a:t>dựng</a:t>
+            </a:r>
+            <a:r>
+              <a:rPr lang="en-US" dirty="0"/>
+              <a:t> </a:t>
+            </a:r>
+            <a:r>
+              <a:rPr lang="en-US" dirty="0" err="1"/>
+              <a:t>biểu</a:t>
+            </a:r>
+            <a:r>
+              <a:rPr lang="en-US" dirty="0"/>
+              <a:t> </a:t>
+            </a:r>
+            <a:r>
+              <a:rPr lang="en-US" dirty="0" err="1"/>
+              <a:t>đồ</a:t>
+            </a:r>
+            <a:r>
+              <a:rPr lang="en-US" dirty="0"/>
+              <a:t> ca </a:t>
+            </a:r>
+            <a:r>
+              <a:rPr lang="en-US" dirty="0" err="1"/>
+              <a:t>sử</a:t>
+            </a:r>
+            <a:r>
+              <a:rPr lang="en-US" dirty="0"/>
+              <a:t> </a:t>
+            </a:r>
+            <a:r>
+              <a:rPr lang="en-US" dirty="0" err="1"/>
+              <a:t>dụng</a:t>
+            </a:r>
+            <a:endParaRPr lang="en-US" dirty="0"/>
+          </a:p>
+        </p:txBody>
+      </p:sp>
+      <p:sp>
+        <p:nvSpPr>
+          <p:cNvPr id="3" name="Text Placeholder 2">
+            <a:extLst>
+              <a:ext uri="{FF2B5EF4-FFF2-40B4-BE49-F238E27FC236}">
+                <a16:creationId xmlns:a16="http://schemas.microsoft.com/office/drawing/2014/main" id="{97AFCF44-2518-4527-8BDF-4BEF59ECF669}"/>
+              </a:ext>
+            </a:extLst>
+          </p:cNvPr>
+          <p:cNvSpPr>
+            <a:spLocks noGrp="1"/>
+          </p:cNvSpPr>
+          <p:nvPr>
+            <p:ph type="body" idx="1"/>
+          </p:nvPr>
+        </p:nvSpPr>
+        <p:spPr/>
+        <p:txBody>
+          <a:bodyPr/>
+          <a:lstStyle/>
+          <a:p>
+            <a:pPr>
+              <a:buFontTx/>
+              <a:buChar char="-"/>
+            </a:pPr>
+            <a:r>
+              <a:rPr lang="en-US" b="1" dirty="0"/>
+              <a:t>B</a:t>
+            </a:r>
+            <a:r>
+              <a:rPr lang="vi-VN" b="1" dirty="0"/>
+              <a:t>ư</a:t>
+            </a:r>
+            <a:r>
+              <a:rPr lang="en-US" b="1" dirty="0" err="1"/>
+              <a:t>ớc</a:t>
+            </a:r>
+            <a:r>
+              <a:rPr lang="en-US" b="1" dirty="0"/>
+              <a:t> 5: H</a:t>
+            </a:r>
+            <a:r>
+              <a:rPr lang="vi-VN" b="1" dirty="0"/>
+              <a:t>iệu chỉnh mô hình</a:t>
+            </a:r>
+            <a:endParaRPr lang="en-US" b="1" dirty="0"/>
+          </a:p>
+          <a:p>
+            <a:pPr marL="114300" indent="0">
+              <a:buNone/>
+            </a:pPr>
+            <a:r>
+              <a:rPr lang="en-US" b="1" dirty="0"/>
+              <a:t>	</a:t>
+            </a:r>
+            <a:r>
+              <a:rPr lang="vi-VN" dirty="0"/>
+              <a:t>Bước này thực hiện kiểm tra lại toàn bộ biểu đồ ca sử dụng, bổ sung</a:t>
+            </a:r>
+            <a:r>
+              <a:rPr lang="en-US" dirty="0"/>
+              <a:t> </a:t>
+            </a:r>
+            <a:r>
+              <a:rPr lang="vi-VN" dirty="0"/>
+              <a:t>hoặc thay đổi các thông tin nếu cần thiết.</a:t>
+            </a:r>
+            <a:endParaRPr lang="en-US" dirty="0"/>
+          </a:p>
+          <a:p>
+            <a:pPr marL="114300" indent="0">
+              <a:buNone/>
+            </a:pPr>
+            <a:endParaRPr lang="en-US" dirty="0"/>
+          </a:p>
+        </p:txBody>
+      </p:sp>
+    </p:spTree>
+    <p:extLst>
+      <p:ext uri="{BB962C8B-B14F-4D97-AF65-F5344CB8AC3E}">
+        <p14:creationId xmlns:p14="http://schemas.microsoft.com/office/powerpoint/2010/main" val="375444202"/>
+      </p:ext>
+    </p:extLst>
+  </p:cSld>
+  <p:clrMapOvr>
+    <a:masterClrMapping/>
+  </p:clrMapOvr>
+</p:sld>
+</file>
+
+<file path=ppt/slides/slide19.xml><?xml version="1.0" encoding="utf-8"?>
+<p:sld xmlns:a="http://schemas.openxmlformats.org/drawingml/2006/main" xmlns:r="http://schemas.openxmlformats.org/officeDocument/2006/relationships" xmlns:p="http://schemas.openxmlformats.org/presentationml/2006/main">
+  <p:cSld>
+    <p:spTree>
+      <p:nvGrpSpPr>
+        <p:cNvPr id="1" name=""/>
+        <p:cNvGrpSpPr/>
+        <p:nvPr/>
+      </p:nvGrpSpPr>
+      <p:grpSpPr>
+        <a:xfrm>
+          <a:off x="0" y="0"/>
+          <a:ext cx="0" cy="0"/>
+          <a:chOff x="0" y="0"/>
+          <a:chExt cx="0" cy="0"/>
+        </a:xfrm>
+      </p:grpSpPr>
+      <p:sp>
+        <p:nvSpPr>
+          <p:cNvPr id="2" name="Title 1">
+            <a:extLst>
+              <a:ext uri="{FF2B5EF4-FFF2-40B4-BE49-F238E27FC236}">
+                <a16:creationId xmlns:a16="http://schemas.microsoft.com/office/drawing/2014/main" id="{F8E5B976-DFB9-4BCF-909B-AD7402CB5834}"/>
+              </a:ext>
+            </a:extLst>
+          </p:cNvPr>
+          <p:cNvSpPr>
+            <a:spLocks noGrp="1"/>
+          </p:cNvSpPr>
+          <p:nvPr>
+            <p:ph type="title"/>
+          </p:nvPr>
+        </p:nvSpPr>
+        <p:spPr/>
+        <p:txBody>
+          <a:bodyPr/>
+          <a:lstStyle/>
+          <a:p>
+            <a:r>
+              <a:rPr lang="en-US" dirty="0" err="1"/>
               <a:t>Nội</a:t>
             </a:r>
             <a:r>
@@ -18598,7 +19373,7 @@
           <p:cNvPr id="4" name="Google Shape;160;p3">
             <a:extLst>
               <a:ext uri="{FF2B5EF4-FFF2-40B4-BE49-F238E27FC236}">
-                <a16:creationId xmlns:a16="http://schemas.microsoft.com/office/drawing/2014/main" xmlns="" id="{C3677F29-6316-4C3E-BED2-FCC858D52B85}"/>
+                <a16:creationId xmlns:a16="http://schemas.microsoft.com/office/drawing/2014/main" id="{C3677F29-6316-4C3E-BED2-FCC858D52B85}"/>
               </a:ext>
             </a:extLst>
           </p:cNvPr>
@@ -18778,7 +19553,7 @@
           <p:cNvPr id="5" name="Google Shape;161;p3">
             <a:extLst>
               <a:ext uri="{FF2B5EF4-FFF2-40B4-BE49-F238E27FC236}">
-                <a16:creationId xmlns:a16="http://schemas.microsoft.com/office/drawing/2014/main" xmlns="" id="{928356A9-A7B0-4595-9DD3-4C75ECB6C5C6}"/>
+                <a16:creationId xmlns:a16="http://schemas.microsoft.com/office/drawing/2014/main" id="{928356A9-A7B0-4595-9DD3-4C75ECB6C5C6}"/>
               </a:ext>
             </a:extLst>
           </p:cNvPr>
@@ -18986,7 +19761,7 @@
           <p:cNvPr id="6" name="Google Shape;162;p3">
             <a:extLst>
               <a:ext uri="{FF2B5EF4-FFF2-40B4-BE49-F238E27FC236}">
-                <a16:creationId xmlns:a16="http://schemas.microsoft.com/office/drawing/2014/main" xmlns="" id="{8346D467-0818-4BB1-B738-520AB69689D2}"/>
+                <a16:creationId xmlns:a16="http://schemas.microsoft.com/office/drawing/2014/main" id="{8346D467-0818-4BB1-B738-520AB69689D2}"/>
               </a:ext>
             </a:extLst>
           </p:cNvPr>
@@ -19074,7 +19849,7 @@
           <p:cNvPr id="7" name="Google Shape;163;p3">
             <a:extLst>
               <a:ext uri="{FF2B5EF4-FFF2-40B4-BE49-F238E27FC236}">
-                <a16:creationId xmlns:a16="http://schemas.microsoft.com/office/drawing/2014/main" xmlns="" id="{E6817529-B90C-413A-9AC9-DEF483BD0901}"/>
+                <a16:creationId xmlns:a16="http://schemas.microsoft.com/office/drawing/2014/main" id="{E6817529-B90C-413A-9AC9-DEF483BD0901}"/>
               </a:ext>
             </a:extLst>
           </p:cNvPr>
@@ -19094,7 +19869,7 @@
             <p:cNvPr id="8" name="Google Shape;164;p3">
               <a:extLst>
                 <a:ext uri="{FF2B5EF4-FFF2-40B4-BE49-F238E27FC236}">
-                  <a16:creationId xmlns:a16="http://schemas.microsoft.com/office/drawing/2014/main" xmlns="" id="{CD8DC5DD-3B99-41B2-A229-89BF2B48B3EF}"/>
+                  <a16:creationId xmlns:a16="http://schemas.microsoft.com/office/drawing/2014/main" id="{CD8DC5DD-3B99-41B2-A229-89BF2B48B3EF}"/>
                 </a:ext>
               </a:extLst>
             </p:cNvPr>
@@ -19159,7 +19934,7 @@
             <p:cNvPr id="9" name="Google Shape;165;p3">
               <a:extLst>
                 <a:ext uri="{FF2B5EF4-FFF2-40B4-BE49-F238E27FC236}">
-                  <a16:creationId xmlns:a16="http://schemas.microsoft.com/office/drawing/2014/main" xmlns="" id="{C017C226-E0AD-4882-849A-AA8CC8981B64}"/>
+                  <a16:creationId xmlns:a16="http://schemas.microsoft.com/office/drawing/2014/main" id="{C017C226-E0AD-4882-849A-AA8CC8981B64}"/>
                 </a:ext>
               </a:extLst>
             </p:cNvPr>
@@ -19224,7 +19999,7 @@
             <p:cNvPr id="10" name="Google Shape;166;p3">
               <a:extLst>
                 <a:ext uri="{FF2B5EF4-FFF2-40B4-BE49-F238E27FC236}">
-                  <a16:creationId xmlns:a16="http://schemas.microsoft.com/office/drawing/2014/main" xmlns="" id="{75F9A301-236C-4C49-BCCB-53175FC5D4E5}"/>
+                  <a16:creationId xmlns:a16="http://schemas.microsoft.com/office/drawing/2014/main" id="{75F9A301-236C-4C49-BCCB-53175FC5D4E5}"/>
                 </a:ext>
               </a:extLst>
             </p:cNvPr>
@@ -19289,7 +20064,7 @@
             <p:cNvPr id="11" name="Google Shape;167;p3">
               <a:extLst>
                 <a:ext uri="{FF2B5EF4-FFF2-40B4-BE49-F238E27FC236}">
-                  <a16:creationId xmlns:a16="http://schemas.microsoft.com/office/drawing/2014/main" xmlns="" id="{F77C696C-2CEC-402A-8806-BB4568020B0F}"/>
+                  <a16:creationId xmlns:a16="http://schemas.microsoft.com/office/drawing/2014/main" id="{F77C696C-2CEC-402A-8806-BB4568020B0F}"/>
                 </a:ext>
               </a:extLst>
             </p:cNvPr>
@@ -19351,7 +20126,7 @@
             <p:cNvPr id="12" name="Google Shape;168;p3">
               <a:extLst>
                 <a:ext uri="{FF2B5EF4-FFF2-40B4-BE49-F238E27FC236}">
-                  <a16:creationId xmlns:a16="http://schemas.microsoft.com/office/drawing/2014/main" xmlns="" id="{FC3AA40F-CC6D-443D-AC0B-D1924CDC946A}"/>
+                  <a16:creationId xmlns:a16="http://schemas.microsoft.com/office/drawing/2014/main" id="{FC3AA40F-CC6D-443D-AC0B-D1924CDC946A}"/>
                 </a:ext>
               </a:extLst>
             </p:cNvPr>
@@ -19416,7 +20191,7 @@
             <p:cNvPr id="13" name="Google Shape;169;p3">
               <a:extLst>
                 <a:ext uri="{FF2B5EF4-FFF2-40B4-BE49-F238E27FC236}">
-                  <a16:creationId xmlns:a16="http://schemas.microsoft.com/office/drawing/2014/main" xmlns="" id="{7D710282-E9D5-4F6D-B0AB-FECCD670DAB3}"/>
+                  <a16:creationId xmlns:a16="http://schemas.microsoft.com/office/drawing/2014/main" id="{7D710282-E9D5-4F6D-B0AB-FECCD670DAB3}"/>
                 </a:ext>
               </a:extLst>
             </p:cNvPr>
@@ -19479,7 +20254,7 @@
           <p:cNvPr id="14" name="Google Shape;170;p3">
             <a:extLst>
               <a:ext uri="{FF2B5EF4-FFF2-40B4-BE49-F238E27FC236}">
-                <a16:creationId xmlns:a16="http://schemas.microsoft.com/office/drawing/2014/main" xmlns="" id="{35CBE95F-DF17-4BFB-B9A1-8484F5E5DA71}"/>
+                <a16:creationId xmlns:a16="http://schemas.microsoft.com/office/drawing/2014/main" id="{35CBE95F-DF17-4BFB-B9A1-8484F5E5DA71}"/>
               </a:ext>
             </a:extLst>
           </p:cNvPr>
@@ -19499,7 +20274,7 @@
             <p:cNvPr id="15" name="Google Shape;171;p3">
               <a:extLst>
                 <a:ext uri="{FF2B5EF4-FFF2-40B4-BE49-F238E27FC236}">
-                  <a16:creationId xmlns:a16="http://schemas.microsoft.com/office/drawing/2014/main" xmlns="" id="{97D024F6-9B4B-40B8-B5AB-6A7A00073769}"/>
+                  <a16:creationId xmlns:a16="http://schemas.microsoft.com/office/drawing/2014/main" id="{97D024F6-9B4B-40B8-B5AB-6A7A00073769}"/>
                 </a:ext>
               </a:extLst>
             </p:cNvPr>
@@ -19564,7 +20339,7 @@
             <p:cNvPr id="16" name="Google Shape;172;p3">
               <a:extLst>
                 <a:ext uri="{FF2B5EF4-FFF2-40B4-BE49-F238E27FC236}">
-                  <a16:creationId xmlns:a16="http://schemas.microsoft.com/office/drawing/2014/main" xmlns="" id="{38C7AB3B-C1DA-42E8-B39A-50CEB18A7FD3}"/>
+                  <a16:creationId xmlns:a16="http://schemas.microsoft.com/office/drawing/2014/main" id="{38C7AB3B-C1DA-42E8-B39A-50CEB18A7FD3}"/>
                 </a:ext>
               </a:extLst>
             </p:cNvPr>
@@ -19629,7 +20404,7 @@
             <p:cNvPr id="17" name="Google Shape;173;p3">
               <a:extLst>
                 <a:ext uri="{FF2B5EF4-FFF2-40B4-BE49-F238E27FC236}">
-                  <a16:creationId xmlns:a16="http://schemas.microsoft.com/office/drawing/2014/main" xmlns="" id="{788C0B6D-3B41-4DB0-A5A3-2ECF5752D173}"/>
+                  <a16:creationId xmlns:a16="http://schemas.microsoft.com/office/drawing/2014/main" id="{788C0B6D-3B41-4DB0-A5A3-2ECF5752D173}"/>
                 </a:ext>
               </a:extLst>
             </p:cNvPr>
@@ -19694,7 +20469,7 @@
             <p:cNvPr id="18" name="Google Shape;174;p3">
               <a:extLst>
                 <a:ext uri="{FF2B5EF4-FFF2-40B4-BE49-F238E27FC236}">
-                  <a16:creationId xmlns:a16="http://schemas.microsoft.com/office/drawing/2014/main" xmlns="" id="{F448598D-8D67-49F6-9398-10E03BE88126}"/>
+                  <a16:creationId xmlns:a16="http://schemas.microsoft.com/office/drawing/2014/main" id="{F448598D-8D67-49F6-9398-10E03BE88126}"/>
                 </a:ext>
               </a:extLst>
             </p:cNvPr>
@@ -19756,7 +20531,7 @@
             <p:cNvPr id="19" name="Google Shape;175;p3">
               <a:extLst>
                 <a:ext uri="{FF2B5EF4-FFF2-40B4-BE49-F238E27FC236}">
-                  <a16:creationId xmlns:a16="http://schemas.microsoft.com/office/drawing/2014/main" xmlns="" id="{FE3DB652-DBB6-428F-AF8F-FE4E6E47FCDA}"/>
+                  <a16:creationId xmlns:a16="http://schemas.microsoft.com/office/drawing/2014/main" id="{FE3DB652-DBB6-428F-AF8F-FE4E6E47FCDA}"/>
                 </a:ext>
               </a:extLst>
             </p:cNvPr>
@@ -19821,7 +20596,7 @@
             <p:cNvPr id="20" name="Google Shape;176;p3">
               <a:extLst>
                 <a:ext uri="{FF2B5EF4-FFF2-40B4-BE49-F238E27FC236}">
-                  <a16:creationId xmlns:a16="http://schemas.microsoft.com/office/drawing/2014/main" xmlns="" id="{C63266FA-6470-4ABD-ABB4-CC199C4B6724}"/>
+                  <a16:creationId xmlns:a16="http://schemas.microsoft.com/office/drawing/2014/main" id="{C63266FA-6470-4ABD-ABB4-CC199C4B6724}"/>
                 </a:ext>
               </a:extLst>
             </p:cNvPr>
@@ -19884,7 +20659,7 @@
           <p:cNvPr id="21" name="Google Shape;177;p3">
             <a:extLst>
               <a:ext uri="{FF2B5EF4-FFF2-40B4-BE49-F238E27FC236}">
-                <a16:creationId xmlns:a16="http://schemas.microsoft.com/office/drawing/2014/main" xmlns="" id="{D22B314E-6F17-4411-98CA-618F32D92BB9}"/>
+                <a16:creationId xmlns:a16="http://schemas.microsoft.com/office/drawing/2014/main" id="{D22B314E-6F17-4411-98CA-618F32D92BB9}"/>
               </a:ext>
             </a:extLst>
           </p:cNvPr>
@@ -19904,7 +20679,7 @@
             <p:cNvPr id="22" name="Google Shape;178;p3">
               <a:extLst>
                 <a:ext uri="{FF2B5EF4-FFF2-40B4-BE49-F238E27FC236}">
-                  <a16:creationId xmlns:a16="http://schemas.microsoft.com/office/drawing/2014/main" xmlns="" id="{55CB81FB-1632-4874-819B-EB6190CE7AE1}"/>
+                  <a16:creationId xmlns:a16="http://schemas.microsoft.com/office/drawing/2014/main" id="{55CB81FB-1632-4874-819B-EB6190CE7AE1}"/>
                 </a:ext>
               </a:extLst>
             </p:cNvPr>
@@ -19969,7 +20744,7 @@
             <p:cNvPr id="23" name="Google Shape;179;p3">
               <a:extLst>
                 <a:ext uri="{FF2B5EF4-FFF2-40B4-BE49-F238E27FC236}">
-                  <a16:creationId xmlns:a16="http://schemas.microsoft.com/office/drawing/2014/main" xmlns="" id="{FFB13F36-BE45-4401-90AD-EAB139E228C3}"/>
+                  <a16:creationId xmlns:a16="http://schemas.microsoft.com/office/drawing/2014/main" id="{FFB13F36-BE45-4401-90AD-EAB139E228C3}"/>
                 </a:ext>
               </a:extLst>
             </p:cNvPr>
@@ -20034,7 +20809,7 @@
             <p:cNvPr id="24" name="Google Shape;180;p3">
               <a:extLst>
                 <a:ext uri="{FF2B5EF4-FFF2-40B4-BE49-F238E27FC236}">
-                  <a16:creationId xmlns:a16="http://schemas.microsoft.com/office/drawing/2014/main" xmlns="" id="{167838BC-4629-4DA4-A2EF-7FBE40EF9E33}"/>
+                  <a16:creationId xmlns:a16="http://schemas.microsoft.com/office/drawing/2014/main" id="{167838BC-4629-4DA4-A2EF-7FBE40EF9E33}"/>
                 </a:ext>
               </a:extLst>
             </p:cNvPr>
@@ -20099,7 +20874,7 @@
             <p:cNvPr id="25" name="Google Shape;181;p3">
               <a:extLst>
                 <a:ext uri="{FF2B5EF4-FFF2-40B4-BE49-F238E27FC236}">
-                  <a16:creationId xmlns:a16="http://schemas.microsoft.com/office/drawing/2014/main" xmlns="" id="{90DF401D-45EA-4FA4-B159-3EADC52B144D}"/>
+                  <a16:creationId xmlns:a16="http://schemas.microsoft.com/office/drawing/2014/main" id="{90DF401D-45EA-4FA4-B159-3EADC52B144D}"/>
                 </a:ext>
               </a:extLst>
             </p:cNvPr>
@@ -20161,7 +20936,7 @@
             <p:cNvPr id="26" name="Google Shape;182;p3">
               <a:extLst>
                 <a:ext uri="{FF2B5EF4-FFF2-40B4-BE49-F238E27FC236}">
-                  <a16:creationId xmlns:a16="http://schemas.microsoft.com/office/drawing/2014/main" xmlns="" id="{171CDBCF-F3A3-4965-9EE0-8429AB84555F}"/>
+                  <a16:creationId xmlns:a16="http://schemas.microsoft.com/office/drawing/2014/main" id="{171CDBCF-F3A3-4965-9EE0-8429AB84555F}"/>
                 </a:ext>
               </a:extLst>
             </p:cNvPr>
@@ -20226,7 +21001,7 @@
             <p:cNvPr id="27" name="Google Shape;183;p3">
               <a:extLst>
                 <a:ext uri="{FF2B5EF4-FFF2-40B4-BE49-F238E27FC236}">
-                  <a16:creationId xmlns:a16="http://schemas.microsoft.com/office/drawing/2014/main" xmlns="" id="{23DA7BEE-153D-4848-BA56-48B79E5315C5}"/>
+                  <a16:creationId xmlns:a16="http://schemas.microsoft.com/office/drawing/2014/main" id="{23DA7BEE-153D-4848-BA56-48B79E5315C5}"/>
                 </a:ext>
               </a:extLst>
             </p:cNvPr>
@@ -20289,7 +21064,7 @@
           <p:cNvPr id="28" name="Google Shape;199;p3">
             <a:extLst>
               <a:ext uri="{FF2B5EF4-FFF2-40B4-BE49-F238E27FC236}">
-                <a16:creationId xmlns:a16="http://schemas.microsoft.com/office/drawing/2014/main" xmlns="" id="{37D92122-4633-40DD-958E-272CE043A043}"/>
+                <a16:creationId xmlns:a16="http://schemas.microsoft.com/office/drawing/2014/main" id="{37D92122-4633-40DD-958E-272CE043A043}"/>
               </a:ext>
             </a:extLst>
           </p:cNvPr>
@@ -20395,7 +21170,7 @@
           <p:cNvPr id="29" name="Google Shape;200;p3">
             <a:extLst>
               <a:ext uri="{FF2B5EF4-FFF2-40B4-BE49-F238E27FC236}">
-                <a16:creationId xmlns:a16="http://schemas.microsoft.com/office/drawing/2014/main" xmlns="" id="{3FC5D8DF-CC66-44E6-8FE8-FE3EED0F2244}"/>
+                <a16:creationId xmlns:a16="http://schemas.microsoft.com/office/drawing/2014/main" id="{3FC5D8DF-CC66-44E6-8FE8-FE3EED0F2244}"/>
               </a:ext>
             </a:extLst>
           </p:cNvPr>
@@ -20484,7 +21259,7 @@
           <p:cNvPr id="30" name="Google Shape;202;p3">
             <a:extLst>
               <a:ext uri="{FF2B5EF4-FFF2-40B4-BE49-F238E27FC236}">
-                <a16:creationId xmlns:a16="http://schemas.microsoft.com/office/drawing/2014/main" xmlns="" id="{A58F5BE4-9475-4CCE-A3DE-E52DDB496817}"/>
+                <a16:creationId xmlns:a16="http://schemas.microsoft.com/office/drawing/2014/main" id="{A58F5BE4-9475-4CCE-A3DE-E52DDB496817}"/>
               </a:ext>
             </a:extLst>
           </p:cNvPr>
@@ -20549,7 +21324,7 @@
           <p:cNvPr id="31" name="Google Shape;203;p3">
             <a:extLst>
               <a:ext uri="{FF2B5EF4-FFF2-40B4-BE49-F238E27FC236}">
-                <a16:creationId xmlns:a16="http://schemas.microsoft.com/office/drawing/2014/main" xmlns="" id="{446591B6-1443-41C3-87C2-2552F70D319D}"/>
+                <a16:creationId xmlns:a16="http://schemas.microsoft.com/office/drawing/2014/main" id="{446591B6-1443-41C3-87C2-2552F70D319D}"/>
               </a:ext>
             </a:extLst>
           </p:cNvPr>
@@ -20569,7 +21344,7 @@
             <p:cNvPr id="32" name="Google Shape;204;p3">
               <a:extLst>
                 <a:ext uri="{FF2B5EF4-FFF2-40B4-BE49-F238E27FC236}">
-                  <a16:creationId xmlns:a16="http://schemas.microsoft.com/office/drawing/2014/main" xmlns="" id="{E8858A6C-A42F-4F8A-ACA5-DEB8FCCF31D8}"/>
+                  <a16:creationId xmlns:a16="http://schemas.microsoft.com/office/drawing/2014/main" id="{E8858A6C-A42F-4F8A-ACA5-DEB8FCCF31D8}"/>
                 </a:ext>
               </a:extLst>
             </p:cNvPr>
@@ -20634,7 +21409,7 @@
             <p:cNvPr id="33" name="Google Shape;205;p3">
               <a:extLst>
                 <a:ext uri="{FF2B5EF4-FFF2-40B4-BE49-F238E27FC236}">
-                  <a16:creationId xmlns:a16="http://schemas.microsoft.com/office/drawing/2014/main" xmlns="" id="{F11A9FCB-AF73-453A-8EB6-3768D35994C3}"/>
+                  <a16:creationId xmlns:a16="http://schemas.microsoft.com/office/drawing/2014/main" id="{F11A9FCB-AF73-453A-8EB6-3768D35994C3}"/>
                 </a:ext>
               </a:extLst>
             </p:cNvPr>
@@ -20699,7 +21474,7 @@
             <p:cNvPr id="34" name="Google Shape;206;p3">
               <a:extLst>
                 <a:ext uri="{FF2B5EF4-FFF2-40B4-BE49-F238E27FC236}">
-                  <a16:creationId xmlns:a16="http://schemas.microsoft.com/office/drawing/2014/main" xmlns="" id="{29DEFA5E-63AF-4D0E-B169-7145282F0F9E}"/>
+                  <a16:creationId xmlns:a16="http://schemas.microsoft.com/office/drawing/2014/main" id="{29DEFA5E-63AF-4D0E-B169-7145282F0F9E}"/>
                 </a:ext>
               </a:extLst>
             </p:cNvPr>
@@ -20764,7 +21539,7 @@
             <p:cNvPr id="35" name="Google Shape;207;p3">
               <a:extLst>
                 <a:ext uri="{FF2B5EF4-FFF2-40B4-BE49-F238E27FC236}">
-                  <a16:creationId xmlns:a16="http://schemas.microsoft.com/office/drawing/2014/main" xmlns="" id="{983DDB1E-3C76-4ED6-85A4-2AD91D898644}"/>
+                  <a16:creationId xmlns:a16="http://schemas.microsoft.com/office/drawing/2014/main" id="{983DDB1E-3C76-4ED6-85A4-2AD91D898644}"/>
                 </a:ext>
               </a:extLst>
             </p:cNvPr>
@@ -20826,7 +21601,7 @@
             <p:cNvPr id="36" name="Google Shape;208;p3">
               <a:extLst>
                 <a:ext uri="{FF2B5EF4-FFF2-40B4-BE49-F238E27FC236}">
-                  <a16:creationId xmlns:a16="http://schemas.microsoft.com/office/drawing/2014/main" xmlns="" id="{AC43F410-DCFA-49F1-8174-5698BFADB792}"/>
+                  <a16:creationId xmlns:a16="http://schemas.microsoft.com/office/drawing/2014/main" id="{AC43F410-DCFA-49F1-8174-5698BFADB792}"/>
                 </a:ext>
               </a:extLst>
             </p:cNvPr>
@@ -20891,7 +21666,7 @@
             <p:cNvPr id="37" name="Google Shape;209;p3">
               <a:extLst>
                 <a:ext uri="{FF2B5EF4-FFF2-40B4-BE49-F238E27FC236}">
-                  <a16:creationId xmlns:a16="http://schemas.microsoft.com/office/drawing/2014/main" xmlns="" id="{DBBE192F-4A80-4D5B-B0C9-2A8488FECF79}"/>
+                  <a16:creationId xmlns:a16="http://schemas.microsoft.com/office/drawing/2014/main" id="{DBBE192F-4A80-4D5B-B0C9-2A8488FECF79}"/>
                 </a:ext>
               </a:extLst>
             </p:cNvPr>
@@ -20955,569 +21730,6 @@
         <p14:creationId xmlns:p14="http://schemas.microsoft.com/office/powerpoint/2010/main" val="2701524402"/>
       </p:ext>
     </p:extLst>
-  </p:cSld>
-  <p:clrMapOvr>
-    <a:masterClrMapping/>
-  </p:clrMapOvr>
-</p:sld>
-</file>
-
-<file path=ppt/slides/slide18.xml><?xml version="1.0" encoding="utf-8"?>
-<p:sld xmlns:a="http://schemas.openxmlformats.org/drawingml/2006/main" xmlns:r="http://schemas.openxmlformats.org/officeDocument/2006/relationships" xmlns:p="http://schemas.openxmlformats.org/presentationml/2006/main">
-  <p:cSld>
-    <p:spTree>
-      <p:nvGrpSpPr>
-        <p:cNvPr id="1" name=""/>
-        <p:cNvGrpSpPr/>
-        <p:nvPr/>
-      </p:nvGrpSpPr>
-      <p:grpSpPr>
-        <a:xfrm>
-          <a:off x="0" y="0"/>
-          <a:ext cx="0" cy="0"/>
-          <a:chOff x="0" y="0"/>
-          <a:chExt cx="0" cy="0"/>
-        </a:xfrm>
-      </p:grpSpPr>
-      <p:sp>
-        <p:nvSpPr>
-          <p:cNvPr id="2" name="Title 1">
-            <a:extLst>
-              <a:ext uri="{FF2B5EF4-FFF2-40B4-BE49-F238E27FC236}">
-                <a16:creationId xmlns:a16="http://schemas.microsoft.com/office/drawing/2014/main" xmlns="" id="{BD5D9F2A-405C-4783-8BF2-9B2DAEEB5A11}"/>
-              </a:ext>
-            </a:extLst>
-          </p:cNvPr>
-          <p:cNvSpPr>
-            <a:spLocks noGrp="1"/>
-          </p:cNvSpPr>
-          <p:nvPr>
-            <p:ph type="title"/>
-          </p:nvPr>
-        </p:nvSpPr>
-        <p:spPr/>
-        <p:txBody>
-          <a:bodyPr/>
-          <a:lstStyle/>
-          <a:p>
-            <a:r>
-              <a:rPr lang="en-US" dirty="0"/>
-              <a:t>Demo</a:t>
-            </a:r>
-          </a:p>
-        </p:txBody>
-      </p:sp>
-      <p:sp>
-        <p:nvSpPr>
-          <p:cNvPr id="3" name="Text Placeholder 2">
-            <a:extLst>
-              <a:ext uri="{FF2B5EF4-FFF2-40B4-BE49-F238E27FC236}">
-                <a16:creationId xmlns:a16="http://schemas.microsoft.com/office/drawing/2014/main" xmlns="" id="{FC3107FD-E101-4B2B-B229-5DE38F79634D}"/>
-              </a:ext>
-            </a:extLst>
-          </p:cNvPr>
-          <p:cNvSpPr>
-            <a:spLocks noGrp="1"/>
-          </p:cNvSpPr>
-          <p:nvPr>
-            <p:ph type="body" idx="1"/>
-          </p:nvPr>
-        </p:nvSpPr>
-        <p:spPr/>
-        <p:txBody>
-          <a:bodyPr/>
-          <a:lstStyle/>
-          <a:p>
-            <a:pPr marL="114300" indent="0">
-              <a:buNone/>
-            </a:pPr>
-            <a:r>
-              <a:rPr lang="en-US" dirty="0"/>
-              <a:t>	Demo </a:t>
-            </a:r>
-            <a:r>
-              <a:rPr lang="en-US" dirty="0" err="1"/>
-              <a:t>trên</a:t>
-            </a:r>
-            <a:r>
-              <a:rPr lang="en-US" dirty="0"/>
-              <a:t> </a:t>
-            </a:r>
-            <a:r>
-              <a:rPr lang="en-US" dirty="0" err="1"/>
-              <a:t>bài</a:t>
-            </a:r>
-            <a:r>
-              <a:rPr lang="en-US" dirty="0"/>
-              <a:t> </a:t>
-            </a:r>
-            <a:r>
-              <a:rPr lang="en-US" dirty="0" err="1"/>
-              <a:t>tập</a:t>
-            </a:r>
-            <a:r>
-              <a:rPr lang="en-US" dirty="0"/>
-              <a:t> </a:t>
-            </a:r>
-            <a:r>
-              <a:rPr lang="en-US" dirty="0" err="1"/>
-              <a:t>lớn</a:t>
-            </a:r>
-            <a:r>
-              <a:rPr lang="en-US" dirty="0"/>
-              <a:t> </a:t>
-            </a:r>
-            <a:r>
-              <a:rPr lang="en-US" i="1" dirty="0"/>
-              <a:t>“</a:t>
-            </a:r>
-            <a:r>
-              <a:rPr lang="en-US" i="1" dirty="0" err="1"/>
-              <a:t>Phân</a:t>
-            </a:r>
-            <a:r>
-              <a:rPr lang="en-US" i="1" dirty="0"/>
-              <a:t> </a:t>
-            </a:r>
-            <a:r>
-              <a:rPr lang="en-US" i="1" dirty="0" err="1"/>
-              <a:t>tích</a:t>
-            </a:r>
-            <a:r>
-              <a:rPr lang="en-US" i="1" dirty="0"/>
-              <a:t> </a:t>
-            </a:r>
-            <a:r>
-              <a:rPr lang="en-US" i="1" dirty="0" err="1"/>
-              <a:t>thiết</a:t>
-            </a:r>
-            <a:r>
-              <a:rPr lang="en-US" i="1" dirty="0"/>
-              <a:t> </a:t>
-            </a:r>
-            <a:r>
-              <a:rPr lang="en-US" i="1" dirty="0" err="1"/>
-              <a:t>kế</a:t>
-            </a:r>
-            <a:r>
-              <a:rPr lang="en-US" i="1" dirty="0"/>
-              <a:t> </a:t>
-            </a:r>
-            <a:r>
-              <a:rPr lang="en-US" i="1" dirty="0" err="1"/>
-              <a:t>và</a:t>
-            </a:r>
-            <a:r>
-              <a:rPr lang="en-US" i="1" dirty="0"/>
-              <a:t> </a:t>
-            </a:r>
-            <a:r>
-              <a:rPr lang="en-US" i="1" dirty="0" err="1"/>
-              <a:t>xây</a:t>
-            </a:r>
-            <a:r>
-              <a:rPr lang="en-US" i="1" dirty="0"/>
-              <a:t> </a:t>
-            </a:r>
-            <a:r>
-              <a:rPr lang="en-US" i="1" dirty="0" err="1"/>
-              <a:t>dựng</a:t>
-            </a:r>
-            <a:r>
-              <a:rPr lang="en-US" i="1" dirty="0"/>
-              <a:t> </a:t>
-            </a:r>
-            <a:r>
-              <a:rPr lang="en-US" i="1" dirty="0" err="1"/>
-              <a:t>phần</a:t>
-            </a:r>
-            <a:r>
-              <a:rPr lang="en-US" i="1" dirty="0"/>
-              <a:t> </a:t>
-            </a:r>
-            <a:r>
-              <a:rPr lang="en-US" i="1" dirty="0" err="1"/>
-              <a:t>mềm</a:t>
-            </a:r>
-            <a:r>
-              <a:rPr lang="en-US" i="1" dirty="0"/>
-              <a:t> </a:t>
-            </a:r>
-            <a:r>
-              <a:rPr lang="en-US" i="1" dirty="0" err="1"/>
-              <a:t>quản</a:t>
-            </a:r>
-            <a:r>
-              <a:rPr lang="en-US" i="1" dirty="0"/>
-              <a:t> </a:t>
-            </a:r>
-            <a:r>
-              <a:rPr lang="en-US" i="1" dirty="0" err="1"/>
-              <a:t>lý</a:t>
-            </a:r>
-            <a:r>
-              <a:rPr lang="en-US" i="1" dirty="0"/>
-              <a:t> </a:t>
-            </a:r>
-            <a:r>
-              <a:rPr lang="en-US" i="1" dirty="0" err="1"/>
-              <a:t>cửa</a:t>
-            </a:r>
-            <a:r>
-              <a:rPr lang="en-US" i="1" dirty="0"/>
-              <a:t> </a:t>
-            </a:r>
-            <a:r>
-              <a:rPr lang="en-US" i="1" dirty="0" err="1"/>
-              <a:t>hàng</a:t>
-            </a:r>
-            <a:r>
-              <a:rPr lang="en-US" i="1" dirty="0"/>
-              <a:t> </a:t>
-            </a:r>
-            <a:r>
-              <a:rPr lang="en-US" i="1" dirty="0" err="1"/>
-              <a:t>văn</a:t>
-            </a:r>
-            <a:r>
-              <a:rPr lang="en-US" i="1" dirty="0"/>
-              <a:t> </a:t>
-            </a:r>
-            <a:r>
-              <a:rPr lang="en-US" i="1" dirty="0" err="1"/>
-              <a:t>phòng</a:t>
-            </a:r>
-            <a:r>
-              <a:rPr lang="en-US" i="1" dirty="0"/>
-              <a:t> </a:t>
-            </a:r>
-            <a:r>
-              <a:rPr lang="en-US" i="1" dirty="0" err="1"/>
-              <a:t>văn</a:t>
-            </a:r>
-            <a:r>
-              <a:rPr lang="en-US" i="1" dirty="0"/>
-              <a:t> </a:t>
-            </a:r>
-            <a:r>
-              <a:rPr lang="en-US" i="1" dirty="0" err="1"/>
-              <a:t>phòng</a:t>
-            </a:r>
-            <a:r>
-              <a:rPr lang="en-US" i="1" dirty="0"/>
-              <a:t> </a:t>
-            </a:r>
-            <a:r>
-              <a:rPr lang="en-US" i="1" dirty="0" err="1"/>
-              <a:t>phẩm</a:t>
-            </a:r>
-            <a:r>
-              <a:rPr lang="en-US" i="1" dirty="0"/>
-              <a:t>”</a:t>
-            </a:r>
-          </a:p>
-        </p:txBody>
-      </p:sp>
-    </p:spTree>
-    <p:extLst>
-      <p:ext uri="{BB962C8B-B14F-4D97-AF65-F5344CB8AC3E}">
-        <p14:creationId xmlns:p14="http://schemas.microsoft.com/office/powerpoint/2010/main" val="3539807095"/>
-      </p:ext>
-    </p:extLst>
-  </p:cSld>
-  <p:clrMapOvr>
-    <a:masterClrMapping/>
-  </p:clrMapOvr>
-</p:sld>
-</file>
-
-<file path=ppt/slides/slide19.xml><?xml version="1.0" encoding="utf-8"?>
-<p:sld xmlns:a="http://schemas.openxmlformats.org/drawingml/2006/main" xmlns:r="http://schemas.openxmlformats.org/officeDocument/2006/relationships" xmlns:p="http://schemas.openxmlformats.org/presentationml/2006/main">
-  <p:cSld>
-    <p:spTree>
-      <p:nvGrpSpPr>
-        <p:cNvPr id="1" name="Shape 227"/>
-        <p:cNvGrpSpPr/>
-        <p:nvPr/>
-      </p:nvGrpSpPr>
-      <p:grpSpPr>
-        <a:xfrm>
-          <a:off x="0" y="0"/>
-          <a:ext cx="0" cy="0"/>
-          <a:chOff x="0" y="0"/>
-          <a:chExt cx="0" cy="0"/>
-        </a:xfrm>
-      </p:grpSpPr>
-      <p:sp>
-        <p:nvSpPr>
-          <p:cNvPr id="228" name="Google Shape;228;p5"/>
-          <p:cNvSpPr txBox="1">
-            <a:spLocks noGrp="1"/>
-          </p:cNvSpPr>
-          <p:nvPr>
-            <p:ph type="title"/>
-          </p:nvPr>
-        </p:nvSpPr>
-        <p:spPr>
-          <a:xfrm>
-            <a:off x="290146" y="0"/>
-            <a:ext cx="7658100" cy="589085"/>
-          </a:xfrm>
-          <a:prstGeom prst="rect">
-            <a:avLst/>
-          </a:prstGeom>
-          <a:noFill/>
-          <a:ln>
-            <a:noFill/>
-          </a:ln>
-        </p:spPr>
-        <p:txBody>
-          <a:bodyPr spcFirstLastPara="1" wrap="square" lIns="91425" tIns="45700" rIns="91425" bIns="45700" anchor="ctr" anchorCtr="0">
-            <a:noAutofit/>
-          </a:bodyPr>
-          <a:lstStyle/>
-          <a:p>
-            <a:pPr marL="0" lvl="0" indent="0" algn="l" rtl="0">
-              <a:lnSpc>
-                <a:spcPct val="90000"/>
-              </a:lnSpc>
-              <a:spcBef>
-                <a:spcPts val="0"/>
-              </a:spcBef>
-              <a:spcAft>
-                <a:spcPts val="0"/>
-              </a:spcAft>
-              <a:buClr>
-                <a:schemeClr val="lt1"/>
-              </a:buClr>
-              <a:buSzPts val="3600"/>
-              <a:buFont typeface="Calibri"/>
-              <a:buNone/>
-            </a:pPr>
-            <a:r>
-              <a:rPr lang="en-US"/>
-              <a:t>Tài liệu tham khảo</a:t>
-            </a:r>
-            <a:endParaRPr/>
-          </a:p>
-        </p:txBody>
-      </p:sp>
-      <p:sp>
-        <p:nvSpPr>
-          <p:cNvPr id="229" name="Google Shape;229;p5"/>
-          <p:cNvSpPr txBox="1">
-            <a:spLocks noGrp="1"/>
-          </p:cNvSpPr>
-          <p:nvPr>
-            <p:ph type="sldNum" idx="12"/>
-          </p:nvPr>
-        </p:nvSpPr>
-        <p:spPr>
-          <a:xfrm>
-            <a:off x="8159262" y="6550271"/>
-            <a:ext cx="703384" cy="298937"/>
-          </a:xfrm>
-          <a:prstGeom prst="rect">
-            <a:avLst/>
-          </a:prstGeom>
-          <a:noFill/>
-          <a:ln>
-            <a:noFill/>
-          </a:ln>
-        </p:spPr>
-        <p:txBody>
-          <a:bodyPr spcFirstLastPara="1" wrap="square" lIns="91425" tIns="45700" rIns="91425" bIns="45700" anchor="ctr" anchorCtr="0">
-            <a:noAutofit/>
-          </a:bodyPr>
-          <a:lstStyle/>
-          <a:p>
-            <a:pPr marL="0" marR="0" lvl="0" indent="0" algn="r" rtl="0">
-              <a:spcBef>
-                <a:spcPts val="0"/>
-              </a:spcBef>
-              <a:spcAft>
-                <a:spcPts val="0"/>
-              </a:spcAft>
-              <a:buClr>
-                <a:schemeClr val="dk1"/>
-              </a:buClr>
-              <a:buSzPts val="1108"/>
-              <a:buFont typeface="Noto Sans Symbols"/>
-              <a:buNone/>
-            </a:pPr>
-            <a:fld id="{00000000-1234-1234-1234-123412341234}" type="slidenum">
-              <a:rPr lang="en-US" sz="1108">
-                <a:solidFill>
-                  <a:schemeClr val="dk1"/>
-                </a:solidFill>
-                <a:latin typeface="Garamond"/>
-                <a:ea typeface="Garamond"/>
-                <a:cs typeface="Garamond"/>
-                <a:sym typeface="Garamond"/>
-              </a:rPr>
-              <a:t>19</a:t>
-            </a:fld>
-            <a:endParaRPr sz="1108">
-              <a:solidFill>
-                <a:schemeClr val="dk1"/>
-              </a:solidFill>
-              <a:latin typeface="Garamond"/>
-              <a:ea typeface="Garamond"/>
-              <a:cs typeface="Garamond"/>
-              <a:sym typeface="Garamond"/>
-            </a:endParaRPr>
-          </a:p>
-        </p:txBody>
-      </p:sp>
-      <p:sp>
-        <p:nvSpPr>
-          <p:cNvPr id="230" name="Google Shape;230;p5"/>
-          <p:cNvSpPr txBox="1"/>
-          <p:nvPr/>
-        </p:nvSpPr>
-        <p:spPr>
-          <a:xfrm>
-            <a:off x="562708" y="1600200"/>
-            <a:ext cx="8088923" cy="4472354"/>
-          </a:xfrm>
-          <a:prstGeom prst="rect">
-            <a:avLst/>
-          </a:prstGeom>
-          <a:noFill/>
-          <a:ln>
-            <a:noFill/>
-          </a:ln>
-        </p:spPr>
-        <p:txBody>
-          <a:bodyPr spcFirstLastPara="1" wrap="square" lIns="91425" tIns="45700" rIns="91425" bIns="45700" anchor="t" anchorCtr="0">
-            <a:noAutofit/>
-          </a:bodyPr>
-          <a:lstStyle/>
-          <a:p>
-            <a:pPr marL="457200" marR="0" lvl="0" indent="-457200" algn="just" rtl="0">
-              <a:lnSpc>
-                <a:spcPct val="150000"/>
-              </a:lnSpc>
-              <a:spcBef>
-                <a:spcPts val="0"/>
-              </a:spcBef>
-              <a:spcAft>
-                <a:spcPts val="0"/>
-              </a:spcAft>
-              <a:buClr>
-                <a:schemeClr val="accent1"/>
-              </a:buClr>
-              <a:buSzPts val="1080"/>
-              <a:buFont typeface="Century Schoolbook"/>
-              <a:buAutoNum type="arabicPeriod"/>
-            </a:pPr>
-            <a:r>
-              <a:rPr lang="en-US" sz="1662" u="sng">
-                <a:solidFill>
-                  <a:schemeClr val="dk1"/>
-                </a:solidFill>
-                <a:latin typeface="Arial"/>
-                <a:ea typeface="Arial"/>
-                <a:cs typeface="Arial"/>
-                <a:sym typeface="Arial"/>
-                <a:hlinkClick r:id="rId3">
-                  <a:extLst>
-                    <a:ext uri="{A12FA001-AC4F-418D-AE19-62706E023703}">
-                      <ahyp:hlinkClr xmlns:ahyp="http://schemas.microsoft.com/office/drawing/2018/hyperlinkcolor" xmlns="" val="tx"/>
-                    </a:ext>
-                  </a:extLst>
-                </a:hlinkClick>
-              </a:rPr>
-              <a:t>https://viblo.asia/p/cau-truc-du-lieu-va-giai-thuat-search-924lJYzWZPM</a:t>
-            </a:r>
-            <a:endParaRPr sz="1662">
-              <a:solidFill>
-                <a:schemeClr val="dk1"/>
-              </a:solidFill>
-              <a:latin typeface="Arial"/>
-              <a:ea typeface="Arial"/>
-              <a:cs typeface="Arial"/>
-              <a:sym typeface="Arial"/>
-            </a:endParaRPr>
-          </a:p>
-          <a:p>
-            <a:pPr marL="457200" marR="0" lvl="0" indent="-457200" algn="just" rtl="0">
-              <a:lnSpc>
-                <a:spcPct val="150000"/>
-              </a:lnSpc>
-              <a:spcBef>
-                <a:spcPts val="332"/>
-              </a:spcBef>
-              <a:spcAft>
-                <a:spcPts val="0"/>
-              </a:spcAft>
-              <a:buClr>
-                <a:schemeClr val="accent1"/>
-              </a:buClr>
-              <a:buSzPts val="1080"/>
-              <a:buFont typeface="Century Schoolbook"/>
-              <a:buAutoNum type="arabicPeriod"/>
-            </a:pPr>
-            <a:r>
-              <a:rPr lang="en-US" sz="1662" u="sng">
-                <a:solidFill>
-                  <a:schemeClr val="dk1"/>
-                </a:solidFill>
-                <a:latin typeface="Arial"/>
-                <a:ea typeface="Arial"/>
-                <a:cs typeface="Arial"/>
-                <a:sym typeface="Arial"/>
-                <a:hlinkClick r:id="rId4">
-                  <a:extLst>
-                    <a:ext uri="{A12FA001-AC4F-418D-AE19-62706E023703}">
-                      <ahyp:hlinkClr xmlns:ahyp="http://schemas.microsoft.com/office/drawing/2018/hyperlinkcolor" xmlns="" val="tx"/>
-                    </a:ext>
-                  </a:extLst>
-                </a:hlinkClick>
-              </a:rPr>
-              <a:t>https://github.com/pqhuy87it/MonthlyReport/tree/master/SearchAlgorithms</a:t>
-            </a:r>
-            <a:endParaRPr sz="1662">
-              <a:solidFill>
-                <a:schemeClr val="dk1"/>
-              </a:solidFill>
-              <a:latin typeface="Arial"/>
-              <a:ea typeface="Arial"/>
-              <a:cs typeface="Arial"/>
-              <a:sym typeface="Arial"/>
-            </a:endParaRPr>
-          </a:p>
-          <a:p>
-            <a:pPr marL="457200" marR="0" lvl="0" indent="-388600" algn="just" rtl="0">
-              <a:lnSpc>
-                <a:spcPct val="150000"/>
-              </a:lnSpc>
-              <a:spcBef>
-                <a:spcPts val="332"/>
-              </a:spcBef>
-              <a:spcAft>
-                <a:spcPts val="0"/>
-              </a:spcAft>
-              <a:buClr>
-                <a:schemeClr val="accent1"/>
-              </a:buClr>
-              <a:buSzPts val="1080"/>
-              <a:buFont typeface="Century Schoolbook"/>
-              <a:buNone/>
-            </a:pPr>
-            <a:endParaRPr sz="1662">
-              <a:solidFill>
-                <a:schemeClr val="dk1"/>
-              </a:solidFill>
-              <a:latin typeface="Arial"/>
-              <a:ea typeface="Arial"/>
-              <a:cs typeface="Arial"/>
-              <a:sym typeface="Arial"/>
-            </a:endParaRPr>
-          </a:p>
-        </p:txBody>
-      </p:sp>
-    </p:spTree>
   </p:cSld>
   <p:clrMapOvr>
     <a:masterClrMapping/>
@@ -23716,6 +23928,569 @@
   <p:cSld>
     <p:spTree>
       <p:nvGrpSpPr>
+        <p:cNvPr id="1" name=""/>
+        <p:cNvGrpSpPr/>
+        <p:nvPr/>
+      </p:nvGrpSpPr>
+      <p:grpSpPr>
+        <a:xfrm>
+          <a:off x="0" y="0"/>
+          <a:ext cx="0" cy="0"/>
+          <a:chOff x="0" y="0"/>
+          <a:chExt cx="0" cy="0"/>
+        </a:xfrm>
+      </p:grpSpPr>
+      <p:sp>
+        <p:nvSpPr>
+          <p:cNvPr id="2" name="Title 1">
+            <a:extLst>
+              <a:ext uri="{FF2B5EF4-FFF2-40B4-BE49-F238E27FC236}">
+                <a16:creationId xmlns:a16="http://schemas.microsoft.com/office/drawing/2014/main" id="{BD5D9F2A-405C-4783-8BF2-9B2DAEEB5A11}"/>
+              </a:ext>
+            </a:extLst>
+          </p:cNvPr>
+          <p:cNvSpPr>
+            <a:spLocks noGrp="1"/>
+          </p:cNvSpPr>
+          <p:nvPr>
+            <p:ph type="title"/>
+          </p:nvPr>
+        </p:nvSpPr>
+        <p:spPr/>
+        <p:txBody>
+          <a:bodyPr/>
+          <a:lstStyle/>
+          <a:p>
+            <a:r>
+              <a:rPr lang="en-US" dirty="0"/>
+              <a:t>Demo</a:t>
+            </a:r>
+          </a:p>
+        </p:txBody>
+      </p:sp>
+      <p:sp>
+        <p:nvSpPr>
+          <p:cNvPr id="3" name="Text Placeholder 2">
+            <a:extLst>
+              <a:ext uri="{FF2B5EF4-FFF2-40B4-BE49-F238E27FC236}">
+                <a16:creationId xmlns:a16="http://schemas.microsoft.com/office/drawing/2014/main" id="{FC3107FD-E101-4B2B-B229-5DE38F79634D}"/>
+              </a:ext>
+            </a:extLst>
+          </p:cNvPr>
+          <p:cNvSpPr>
+            <a:spLocks noGrp="1"/>
+          </p:cNvSpPr>
+          <p:nvPr>
+            <p:ph type="body" idx="1"/>
+          </p:nvPr>
+        </p:nvSpPr>
+        <p:spPr/>
+        <p:txBody>
+          <a:bodyPr/>
+          <a:lstStyle/>
+          <a:p>
+            <a:pPr marL="114300" indent="0">
+              <a:buNone/>
+            </a:pPr>
+            <a:r>
+              <a:rPr lang="en-US" dirty="0"/>
+              <a:t>	Demo </a:t>
+            </a:r>
+            <a:r>
+              <a:rPr lang="en-US" dirty="0" err="1"/>
+              <a:t>trên</a:t>
+            </a:r>
+            <a:r>
+              <a:rPr lang="en-US" dirty="0"/>
+              <a:t> </a:t>
+            </a:r>
+            <a:r>
+              <a:rPr lang="en-US" dirty="0" err="1"/>
+              <a:t>bài</a:t>
+            </a:r>
+            <a:r>
+              <a:rPr lang="en-US" dirty="0"/>
+              <a:t> </a:t>
+            </a:r>
+            <a:r>
+              <a:rPr lang="en-US" dirty="0" err="1"/>
+              <a:t>tập</a:t>
+            </a:r>
+            <a:r>
+              <a:rPr lang="en-US" dirty="0"/>
+              <a:t> </a:t>
+            </a:r>
+            <a:r>
+              <a:rPr lang="en-US" dirty="0" err="1"/>
+              <a:t>lớn</a:t>
+            </a:r>
+            <a:r>
+              <a:rPr lang="en-US" dirty="0"/>
+              <a:t> </a:t>
+            </a:r>
+            <a:r>
+              <a:rPr lang="en-US" i="1" dirty="0"/>
+              <a:t>“</a:t>
+            </a:r>
+            <a:r>
+              <a:rPr lang="en-US" i="1" dirty="0" err="1"/>
+              <a:t>Phân</a:t>
+            </a:r>
+            <a:r>
+              <a:rPr lang="en-US" i="1" dirty="0"/>
+              <a:t> </a:t>
+            </a:r>
+            <a:r>
+              <a:rPr lang="en-US" i="1" dirty="0" err="1"/>
+              <a:t>tích</a:t>
+            </a:r>
+            <a:r>
+              <a:rPr lang="en-US" i="1" dirty="0"/>
+              <a:t> </a:t>
+            </a:r>
+            <a:r>
+              <a:rPr lang="en-US" i="1" dirty="0" err="1"/>
+              <a:t>thiết</a:t>
+            </a:r>
+            <a:r>
+              <a:rPr lang="en-US" i="1" dirty="0"/>
+              <a:t> </a:t>
+            </a:r>
+            <a:r>
+              <a:rPr lang="en-US" i="1" dirty="0" err="1"/>
+              <a:t>kế</a:t>
+            </a:r>
+            <a:r>
+              <a:rPr lang="en-US" i="1" dirty="0"/>
+              <a:t> </a:t>
+            </a:r>
+            <a:r>
+              <a:rPr lang="en-US" i="1" dirty="0" err="1"/>
+              <a:t>và</a:t>
+            </a:r>
+            <a:r>
+              <a:rPr lang="en-US" i="1" dirty="0"/>
+              <a:t> </a:t>
+            </a:r>
+            <a:r>
+              <a:rPr lang="en-US" i="1" dirty="0" err="1"/>
+              <a:t>xây</a:t>
+            </a:r>
+            <a:r>
+              <a:rPr lang="en-US" i="1" dirty="0"/>
+              <a:t> </a:t>
+            </a:r>
+            <a:r>
+              <a:rPr lang="en-US" i="1" dirty="0" err="1"/>
+              <a:t>dựng</a:t>
+            </a:r>
+            <a:r>
+              <a:rPr lang="en-US" i="1" dirty="0"/>
+              <a:t> </a:t>
+            </a:r>
+            <a:r>
+              <a:rPr lang="en-US" i="1" dirty="0" err="1"/>
+              <a:t>phần</a:t>
+            </a:r>
+            <a:r>
+              <a:rPr lang="en-US" i="1" dirty="0"/>
+              <a:t> </a:t>
+            </a:r>
+            <a:r>
+              <a:rPr lang="en-US" i="1" dirty="0" err="1"/>
+              <a:t>mềm</a:t>
+            </a:r>
+            <a:r>
+              <a:rPr lang="en-US" i="1" dirty="0"/>
+              <a:t> </a:t>
+            </a:r>
+            <a:r>
+              <a:rPr lang="en-US" i="1" dirty="0" err="1"/>
+              <a:t>quản</a:t>
+            </a:r>
+            <a:r>
+              <a:rPr lang="en-US" i="1" dirty="0"/>
+              <a:t> </a:t>
+            </a:r>
+            <a:r>
+              <a:rPr lang="en-US" i="1" dirty="0" err="1"/>
+              <a:t>lý</a:t>
+            </a:r>
+            <a:r>
+              <a:rPr lang="en-US" i="1" dirty="0"/>
+              <a:t> </a:t>
+            </a:r>
+            <a:r>
+              <a:rPr lang="en-US" i="1" dirty="0" err="1"/>
+              <a:t>cửa</a:t>
+            </a:r>
+            <a:r>
+              <a:rPr lang="en-US" i="1" dirty="0"/>
+              <a:t> </a:t>
+            </a:r>
+            <a:r>
+              <a:rPr lang="en-US" i="1" dirty="0" err="1"/>
+              <a:t>hàng</a:t>
+            </a:r>
+            <a:r>
+              <a:rPr lang="en-US" i="1" dirty="0"/>
+              <a:t> </a:t>
+            </a:r>
+            <a:r>
+              <a:rPr lang="en-US" i="1" dirty="0" err="1"/>
+              <a:t>văn</a:t>
+            </a:r>
+            <a:r>
+              <a:rPr lang="en-US" i="1" dirty="0"/>
+              <a:t> </a:t>
+            </a:r>
+            <a:r>
+              <a:rPr lang="en-US" i="1" dirty="0" err="1"/>
+              <a:t>phòng</a:t>
+            </a:r>
+            <a:r>
+              <a:rPr lang="en-US" i="1" dirty="0"/>
+              <a:t> </a:t>
+            </a:r>
+            <a:r>
+              <a:rPr lang="en-US" i="1" dirty="0" err="1"/>
+              <a:t>văn</a:t>
+            </a:r>
+            <a:r>
+              <a:rPr lang="en-US" i="1" dirty="0"/>
+              <a:t> </a:t>
+            </a:r>
+            <a:r>
+              <a:rPr lang="en-US" i="1" dirty="0" err="1"/>
+              <a:t>phòng</a:t>
+            </a:r>
+            <a:r>
+              <a:rPr lang="en-US" i="1" dirty="0"/>
+              <a:t> </a:t>
+            </a:r>
+            <a:r>
+              <a:rPr lang="en-US" i="1" dirty="0" err="1"/>
+              <a:t>phẩm</a:t>
+            </a:r>
+            <a:r>
+              <a:rPr lang="en-US" i="1" dirty="0"/>
+              <a:t>”</a:t>
+            </a:r>
+          </a:p>
+        </p:txBody>
+      </p:sp>
+    </p:spTree>
+    <p:extLst>
+      <p:ext uri="{BB962C8B-B14F-4D97-AF65-F5344CB8AC3E}">
+        <p14:creationId xmlns:p14="http://schemas.microsoft.com/office/powerpoint/2010/main" val="3539807095"/>
+      </p:ext>
+    </p:extLst>
+  </p:cSld>
+  <p:clrMapOvr>
+    <a:masterClrMapping/>
+  </p:clrMapOvr>
+</p:sld>
+</file>
+
+<file path=ppt/slides/slide21.xml><?xml version="1.0" encoding="utf-8"?>
+<p:sld xmlns:a="http://schemas.openxmlformats.org/drawingml/2006/main" xmlns:r="http://schemas.openxmlformats.org/officeDocument/2006/relationships" xmlns:p="http://schemas.openxmlformats.org/presentationml/2006/main">
+  <p:cSld>
+    <p:spTree>
+      <p:nvGrpSpPr>
+        <p:cNvPr id="1" name="Shape 227"/>
+        <p:cNvGrpSpPr/>
+        <p:nvPr/>
+      </p:nvGrpSpPr>
+      <p:grpSpPr>
+        <a:xfrm>
+          <a:off x="0" y="0"/>
+          <a:ext cx="0" cy="0"/>
+          <a:chOff x="0" y="0"/>
+          <a:chExt cx="0" cy="0"/>
+        </a:xfrm>
+      </p:grpSpPr>
+      <p:sp>
+        <p:nvSpPr>
+          <p:cNvPr id="228" name="Google Shape;228;p5"/>
+          <p:cNvSpPr txBox="1">
+            <a:spLocks noGrp="1"/>
+          </p:cNvSpPr>
+          <p:nvPr>
+            <p:ph type="title"/>
+          </p:nvPr>
+        </p:nvSpPr>
+        <p:spPr>
+          <a:xfrm>
+            <a:off x="290146" y="0"/>
+            <a:ext cx="7658100" cy="589085"/>
+          </a:xfrm>
+          <a:prstGeom prst="rect">
+            <a:avLst/>
+          </a:prstGeom>
+          <a:noFill/>
+          <a:ln>
+            <a:noFill/>
+          </a:ln>
+        </p:spPr>
+        <p:txBody>
+          <a:bodyPr spcFirstLastPara="1" wrap="square" lIns="91425" tIns="45700" rIns="91425" bIns="45700" anchor="ctr" anchorCtr="0">
+            <a:noAutofit/>
+          </a:bodyPr>
+          <a:lstStyle/>
+          <a:p>
+            <a:pPr marL="0" lvl="0" indent="0" algn="l" rtl="0">
+              <a:lnSpc>
+                <a:spcPct val="90000"/>
+              </a:lnSpc>
+              <a:spcBef>
+                <a:spcPts val="0"/>
+              </a:spcBef>
+              <a:spcAft>
+                <a:spcPts val="0"/>
+              </a:spcAft>
+              <a:buClr>
+                <a:schemeClr val="lt1"/>
+              </a:buClr>
+              <a:buSzPts val="3600"/>
+              <a:buFont typeface="Calibri"/>
+              <a:buNone/>
+            </a:pPr>
+            <a:r>
+              <a:rPr lang="en-US"/>
+              <a:t>Tài liệu tham khảo</a:t>
+            </a:r>
+            <a:endParaRPr/>
+          </a:p>
+        </p:txBody>
+      </p:sp>
+      <p:sp>
+        <p:nvSpPr>
+          <p:cNvPr id="229" name="Google Shape;229;p5"/>
+          <p:cNvSpPr txBox="1">
+            <a:spLocks noGrp="1"/>
+          </p:cNvSpPr>
+          <p:nvPr>
+            <p:ph type="sldNum" idx="12"/>
+          </p:nvPr>
+        </p:nvSpPr>
+        <p:spPr>
+          <a:xfrm>
+            <a:off x="8159262" y="6550271"/>
+            <a:ext cx="703384" cy="298937"/>
+          </a:xfrm>
+          <a:prstGeom prst="rect">
+            <a:avLst/>
+          </a:prstGeom>
+          <a:noFill/>
+          <a:ln>
+            <a:noFill/>
+          </a:ln>
+        </p:spPr>
+        <p:txBody>
+          <a:bodyPr spcFirstLastPara="1" wrap="square" lIns="91425" tIns="45700" rIns="91425" bIns="45700" anchor="ctr" anchorCtr="0">
+            <a:noAutofit/>
+          </a:bodyPr>
+          <a:lstStyle/>
+          <a:p>
+            <a:pPr marL="0" marR="0" lvl="0" indent="0" algn="r" rtl="0">
+              <a:spcBef>
+                <a:spcPts val="0"/>
+              </a:spcBef>
+              <a:spcAft>
+                <a:spcPts val="0"/>
+              </a:spcAft>
+              <a:buClr>
+                <a:schemeClr val="dk1"/>
+              </a:buClr>
+              <a:buSzPts val="1108"/>
+              <a:buFont typeface="Noto Sans Symbols"/>
+              <a:buNone/>
+            </a:pPr>
+            <a:fld id="{00000000-1234-1234-1234-123412341234}" type="slidenum">
+              <a:rPr lang="en-US" sz="1108">
+                <a:solidFill>
+                  <a:schemeClr val="dk1"/>
+                </a:solidFill>
+                <a:latin typeface="Garamond"/>
+                <a:ea typeface="Garamond"/>
+                <a:cs typeface="Garamond"/>
+                <a:sym typeface="Garamond"/>
+              </a:rPr>
+              <a:t>21</a:t>
+            </a:fld>
+            <a:endParaRPr sz="1108">
+              <a:solidFill>
+                <a:schemeClr val="dk1"/>
+              </a:solidFill>
+              <a:latin typeface="Garamond"/>
+              <a:ea typeface="Garamond"/>
+              <a:cs typeface="Garamond"/>
+              <a:sym typeface="Garamond"/>
+            </a:endParaRPr>
+          </a:p>
+        </p:txBody>
+      </p:sp>
+      <p:sp>
+        <p:nvSpPr>
+          <p:cNvPr id="230" name="Google Shape;230;p5"/>
+          <p:cNvSpPr txBox="1"/>
+          <p:nvPr/>
+        </p:nvSpPr>
+        <p:spPr>
+          <a:xfrm>
+            <a:off x="562708" y="1600200"/>
+            <a:ext cx="8088923" cy="4472354"/>
+          </a:xfrm>
+          <a:prstGeom prst="rect">
+            <a:avLst/>
+          </a:prstGeom>
+          <a:noFill/>
+          <a:ln>
+            <a:noFill/>
+          </a:ln>
+        </p:spPr>
+        <p:txBody>
+          <a:bodyPr spcFirstLastPara="1" wrap="square" lIns="91425" tIns="45700" rIns="91425" bIns="45700" anchor="t" anchorCtr="0">
+            <a:noAutofit/>
+          </a:bodyPr>
+          <a:lstStyle/>
+          <a:p>
+            <a:pPr marL="457200" marR="0" lvl="0" indent="-457200" algn="just" rtl="0">
+              <a:lnSpc>
+                <a:spcPct val="150000"/>
+              </a:lnSpc>
+              <a:spcBef>
+                <a:spcPts val="0"/>
+              </a:spcBef>
+              <a:spcAft>
+                <a:spcPts val="0"/>
+              </a:spcAft>
+              <a:buClr>
+                <a:schemeClr val="accent1"/>
+              </a:buClr>
+              <a:buSzPts val="1080"/>
+              <a:buFont typeface="Century Schoolbook"/>
+              <a:buAutoNum type="arabicPeriod"/>
+            </a:pPr>
+            <a:r>
+              <a:rPr lang="en-US" sz="1662" u="sng">
+                <a:solidFill>
+                  <a:schemeClr val="dk1"/>
+                </a:solidFill>
+                <a:latin typeface="Arial"/>
+                <a:ea typeface="Arial"/>
+                <a:cs typeface="Arial"/>
+                <a:sym typeface="Arial"/>
+                <a:hlinkClick r:id="rId3">
+                  <a:extLst>
+                    <a:ext uri="{A12FA001-AC4F-418D-AE19-62706E023703}">
+                      <ahyp:hlinkClr xmlns:ahyp="http://schemas.microsoft.com/office/drawing/2018/hyperlinkcolor" val="tx"/>
+                    </a:ext>
+                  </a:extLst>
+                </a:hlinkClick>
+              </a:rPr>
+              <a:t>https://viblo.asia/p/cau-truc-du-lieu-va-giai-thuat-search-924lJYzWZPM</a:t>
+            </a:r>
+            <a:endParaRPr sz="1662">
+              <a:solidFill>
+                <a:schemeClr val="dk1"/>
+              </a:solidFill>
+              <a:latin typeface="Arial"/>
+              <a:ea typeface="Arial"/>
+              <a:cs typeface="Arial"/>
+              <a:sym typeface="Arial"/>
+            </a:endParaRPr>
+          </a:p>
+          <a:p>
+            <a:pPr marL="457200" marR="0" lvl="0" indent="-457200" algn="just" rtl="0">
+              <a:lnSpc>
+                <a:spcPct val="150000"/>
+              </a:lnSpc>
+              <a:spcBef>
+                <a:spcPts val="332"/>
+              </a:spcBef>
+              <a:spcAft>
+                <a:spcPts val="0"/>
+              </a:spcAft>
+              <a:buClr>
+                <a:schemeClr val="accent1"/>
+              </a:buClr>
+              <a:buSzPts val="1080"/>
+              <a:buFont typeface="Century Schoolbook"/>
+              <a:buAutoNum type="arabicPeriod"/>
+            </a:pPr>
+            <a:r>
+              <a:rPr lang="en-US" sz="1662" u="sng">
+                <a:solidFill>
+                  <a:schemeClr val="dk1"/>
+                </a:solidFill>
+                <a:latin typeface="Arial"/>
+                <a:ea typeface="Arial"/>
+                <a:cs typeface="Arial"/>
+                <a:sym typeface="Arial"/>
+                <a:hlinkClick r:id="rId4">
+                  <a:extLst>
+                    <a:ext uri="{A12FA001-AC4F-418D-AE19-62706E023703}">
+                      <ahyp:hlinkClr xmlns:ahyp="http://schemas.microsoft.com/office/drawing/2018/hyperlinkcolor" val="tx"/>
+                    </a:ext>
+                  </a:extLst>
+                </a:hlinkClick>
+              </a:rPr>
+              <a:t>https://github.com/pqhuy87it/MonthlyReport/tree/master/SearchAlgorithms</a:t>
+            </a:r>
+            <a:endParaRPr sz="1662">
+              <a:solidFill>
+                <a:schemeClr val="dk1"/>
+              </a:solidFill>
+              <a:latin typeface="Arial"/>
+              <a:ea typeface="Arial"/>
+              <a:cs typeface="Arial"/>
+              <a:sym typeface="Arial"/>
+            </a:endParaRPr>
+          </a:p>
+          <a:p>
+            <a:pPr marL="457200" marR="0" lvl="0" indent="-388600" algn="just" rtl="0">
+              <a:lnSpc>
+                <a:spcPct val="150000"/>
+              </a:lnSpc>
+              <a:spcBef>
+                <a:spcPts val="332"/>
+              </a:spcBef>
+              <a:spcAft>
+                <a:spcPts val="0"/>
+              </a:spcAft>
+              <a:buClr>
+                <a:schemeClr val="accent1"/>
+              </a:buClr>
+              <a:buSzPts val="1080"/>
+              <a:buFont typeface="Century Schoolbook"/>
+              <a:buNone/>
+            </a:pPr>
+            <a:endParaRPr sz="1662">
+              <a:solidFill>
+                <a:schemeClr val="dk1"/>
+              </a:solidFill>
+              <a:latin typeface="Arial"/>
+              <a:ea typeface="Arial"/>
+              <a:cs typeface="Arial"/>
+              <a:sym typeface="Arial"/>
+            </a:endParaRPr>
+          </a:p>
+        </p:txBody>
+      </p:sp>
+    </p:spTree>
+  </p:cSld>
+  <p:clrMapOvr>
+    <a:masterClrMapping/>
+  </p:clrMapOvr>
+</p:sld>
+</file>
+
+<file path=ppt/slides/slide22.xml><?xml version="1.0" encoding="utf-8"?>
+<p:sld xmlns:a="http://schemas.openxmlformats.org/drawingml/2006/main" xmlns:r="http://schemas.openxmlformats.org/officeDocument/2006/relationships" xmlns:p="http://schemas.openxmlformats.org/presentationml/2006/main">
+  <p:cSld>
+    <p:spTree>
+      <p:nvGrpSpPr>
         <p:cNvPr id="1" name="Shape 234"/>
         <p:cNvGrpSpPr/>
         <p:nvPr/>
@@ -26094,11 +26869,7 @@
             </a:pPr>
             <a:r>
               <a:rPr lang="vi-VN" sz="2400" dirty="0"/>
-              <a:t>Mô tả cách người dùng sử dụng hệ thống để hoàn thành một mục tiêu cụ thể và thường được xây dựng trong giai đoạn ban </a:t>
-            </a:r>
-            <a:r>
-              <a:rPr lang="vi-VN" sz="2400" dirty="0" smtClean="0"/>
-              <a:t>đầu</a:t>
+              <a:t>Mô tả cách người dùng sử dụng hệ thống để hoàn thành một mục tiêu cụ thể và thường được xây dựng trong giai đoạn ban đầu</a:t>
             </a:r>
             <a:endParaRPr lang="en-US" sz="2400" dirty="0"/>
           </a:p>
@@ -26383,7 +27154,7 @@
               <a:buNone/>
             </a:pPr>
             <a:r>
-              <a:rPr lang="vi-VN" sz="2400" dirty="0" smtClean="0"/>
+              <a:rPr lang="vi-VN" sz="2400" dirty="0"/>
               <a:t>Một biểu đồ ca sử dụng gồm: </a:t>
             </a:r>
           </a:p>
@@ -26392,7 +27163,7 @@
               <a:buSzPts val="2400"/>
             </a:pPr>
             <a:r>
-              <a:rPr lang="vi-VN" sz="2400" dirty="0" smtClean="0"/>
+              <a:rPr lang="vi-VN" sz="2400" dirty="0"/>
               <a:t>Hệ thống (System)</a:t>
             </a:r>
           </a:p>
@@ -26401,7 +27172,7 @@
               <a:buSzPts val="2400"/>
             </a:pPr>
             <a:r>
-              <a:rPr lang="vi-VN" sz="2400" dirty="0" smtClean="0"/>
+              <a:rPr lang="vi-VN" sz="2400" dirty="0"/>
               <a:t>Các ca sử dụng (Use case)</a:t>
             </a:r>
           </a:p>
@@ -26410,7 +27181,7 @@
               <a:buSzPts val="2400"/>
             </a:pPr>
             <a:r>
-              <a:rPr lang="vi-VN" sz="2400" dirty="0" smtClean="0"/>
+              <a:rPr lang="vi-VN" sz="2400" dirty="0"/>
               <a:t>Các tác nhân (Actors)</a:t>
             </a:r>
           </a:p>
@@ -26419,7 +27190,7 @@
               <a:buSzPts val="2400"/>
             </a:pPr>
             <a:r>
-              <a:rPr lang="vi-VN" sz="2400" dirty="0" smtClean="0"/>
+              <a:rPr lang="vi-VN" sz="2400" dirty="0"/>
               <a:t>Các mối quan hệ (Relationship)</a:t>
             </a:r>
             <a:endParaRPr lang="en-US" sz="2400" dirty="0"/>
@@ -26486,7 +27257,7 @@
           <p:cNvPr id="2" name="Title 1">
             <a:extLst>
               <a:ext uri="{FF2B5EF4-FFF2-40B4-BE49-F238E27FC236}">
-                <a16:creationId xmlns:a16="http://schemas.microsoft.com/office/drawing/2014/main" xmlns="" id="{E62AEDBE-6551-445D-AAA8-D79B8398BB83}"/>
+                <a16:creationId xmlns:a16="http://schemas.microsoft.com/office/drawing/2014/main" id="{E62AEDBE-6551-445D-AAA8-D79B8398BB83}"/>
               </a:ext>
             </a:extLst>
           </p:cNvPr>
@@ -26523,7 +27294,7 @@
           <p:cNvPr id="3" name="Text Placeholder 2">
             <a:extLst>
               <a:ext uri="{FF2B5EF4-FFF2-40B4-BE49-F238E27FC236}">
-                <a16:creationId xmlns:a16="http://schemas.microsoft.com/office/drawing/2014/main" xmlns="" id="{B98D1857-0561-411C-BD5D-5E661010EFD7}"/>
+                <a16:creationId xmlns:a16="http://schemas.microsoft.com/office/drawing/2014/main" id="{B98D1857-0561-411C-BD5D-5E661010EFD7}"/>
               </a:ext>
             </a:extLst>
           </p:cNvPr>
@@ -26550,16 +27321,8 @@
               <a:buNone/>
             </a:pPr>
             <a:r>
-              <a:rPr lang="vi-VN" sz="2400" dirty="0" smtClean="0"/>
-              <a:t>Đơn giản </a:t>
-            </a:r>
-            <a:r>
               <a:rPr lang="vi-VN" sz="2400" dirty="0"/>
-              <a:t>và không hiển thị chi tiết, cung cấp cái nhìn tổng thể về mô </a:t>
-            </a:r>
-            <a:r>
-              <a:rPr lang="vi-VN" sz="2400" dirty="0" smtClean="0"/>
-              <a:t>hình</a:t>
+              <a:t>Đơn giản và không hiển thị chi tiết, cung cấp cái nhìn tổng thể về mô hình</a:t>
             </a:r>
           </a:p>
         </p:txBody>
@@ -26843,7 +27606,7 @@
               <a:buNone/>
             </a:pPr>
             <a:r>
-              <a:rPr lang="vi-VN" sz="2400" dirty="0" smtClean="0"/>
+              <a:rPr lang="vi-VN" sz="2400" dirty="0"/>
               <a:t>Mục đích: </a:t>
             </a:r>
           </a:p>
@@ -26852,7 +27615,7 @@
               <a:buSzPts val="2400"/>
             </a:pPr>
             <a:r>
-              <a:rPr lang="vi-VN" sz="2400" dirty="0" smtClean="0"/>
+              <a:rPr lang="vi-VN" sz="2400" dirty="0"/>
               <a:t>Xác định ngữ cảnh của hệ thống</a:t>
             </a:r>
           </a:p>
@@ -26861,7 +27624,7 @@
               <a:buSzPts val="2400"/>
             </a:pPr>
             <a:r>
-              <a:rPr lang="vi-VN" sz="2400" dirty="0" smtClean="0"/>
+              <a:rPr lang="vi-VN" sz="2400" dirty="0"/>
               <a:t>Nắm bắt các yêu cầu của một hệ thống</a:t>
             </a:r>
           </a:p>
@@ -26870,7 +27633,7 @@
               <a:buSzPts val="2400"/>
             </a:pPr>
             <a:r>
-              <a:rPr lang="vi-VN" sz="2400" dirty="0" smtClean="0"/>
+              <a:rPr lang="vi-VN" sz="2400" dirty="0"/>
               <a:t>Xác thực kiến trúc hệ thống</a:t>
             </a:r>
           </a:p>
@@ -26879,7 +27642,7 @@
               <a:buSzPts val="2400"/>
             </a:pPr>
             <a:r>
-              <a:rPr lang="vi-VN" sz="2400" dirty="0" smtClean="0"/>
+              <a:rPr lang="vi-VN" sz="2400" dirty="0"/>
               <a:t>Triển khai và xây dựng các ca kiểm thử</a:t>
             </a:r>
           </a:p>
@@ -26888,7 +27651,7 @@
               <a:buSzPts val="2400"/>
             </a:pPr>
             <a:r>
-              <a:rPr lang="vi-VN" sz="2400" dirty="0" smtClean="0"/>
+              <a:rPr lang="vi-VN" sz="2400" dirty="0"/>
               <a:t>Được phát triển bởi các nhà phân tích và các chuyên gia miền</a:t>
             </a:r>
             <a:endParaRPr lang="en-US" sz="2400" dirty="0"/>
@@ -26971,7 +27734,7 @@
           <p:cNvPr id="38" name="Google Shape;160;p3">
             <a:extLst>
               <a:ext uri="{FF2B5EF4-FFF2-40B4-BE49-F238E27FC236}">
-                <a16:creationId xmlns:a16="http://schemas.microsoft.com/office/drawing/2014/main" xmlns="" id="{9CA7A4B2-6E91-4217-92B4-68872B81FC48}"/>
+                <a16:creationId xmlns:a16="http://schemas.microsoft.com/office/drawing/2014/main" id="{9CA7A4B2-6E91-4217-92B4-68872B81FC48}"/>
               </a:ext>
             </a:extLst>
           </p:cNvPr>
@@ -27151,7 +27914,7 @@
           <p:cNvPr id="39" name="Google Shape;161;p3">
             <a:extLst>
               <a:ext uri="{FF2B5EF4-FFF2-40B4-BE49-F238E27FC236}">
-                <a16:creationId xmlns:a16="http://schemas.microsoft.com/office/drawing/2014/main" xmlns="" id="{91A4F115-4525-4C11-A1B3-6973BF1BFFF4}"/>
+                <a16:creationId xmlns:a16="http://schemas.microsoft.com/office/drawing/2014/main" id="{91A4F115-4525-4C11-A1B3-6973BF1BFFF4}"/>
               </a:ext>
             </a:extLst>
           </p:cNvPr>
@@ -27327,7 +28090,7 @@
           <p:cNvPr id="40" name="Google Shape;162;p3">
             <a:extLst>
               <a:ext uri="{FF2B5EF4-FFF2-40B4-BE49-F238E27FC236}">
-                <a16:creationId xmlns:a16="http://schemas.microsoft.com/office/drawing/2014/main" xmlns="" id="{19651886-856A-47EC-AD00-1095ACA104D9}"/>
+                <a16:creationId xmlns:a16="http://schemas.microsoft.com/office/drawing/2014/main" id="{19651886-856A-47EC-AD00-1095ACA104D9}"/>
               </a:ext>
             </a:extLst>
           </p:cNvPr>
@@ -27415,7 +28178,7 @@
           <p:cNvPr id="41" name="Google Shape;163;p3">
             <a:extLst>
               <a:ext uri="{FF2B5EF4-FFF2-40B4-BE49-F238E27FC236}">
-                <a16:creationId xmlns:a16="http://schemas.microsoft.com/office/drawing/2014/main" xmlns="" id="{384739BC-5866-43D5-A9B3-8BF14A8F779C}"/>
+                <a16:creationId xmlns:a16="http://schemas.microsoft.com/office/drawing/2014/main" id="{384739BC-5866-43D5-A9B3-8BF14A8F779C}"/>
               </a:ext>
             </a:extLst>
           </p:cNvPr>
@@ -27435,7 +28198,7 @@
             <p:cNvPr id="42" name="Google Shape;164;p3">
               <a:extLst>
                 <a:ext uri="{FF2B5EF4-FFF2-40B4-BE49-F238E27FC236}">
-                  <a16:creationId xmlns:a16="http://schemas.microsoft.com/office/drawing/2014/main" xmlns="" id="{B1CEF79A-D92A-4C0C-A6C1-586CC7EB9403}"/>
+                  <a16:creationId xmlns:a16="http://schemas.microsoft.com/office/drawing/2014/main" id="{B1CEF79A-D92A-4C0C-A6C1-586CC7EB9403}"/>
                 </a:ext>
               </a:extLst>
             </p:cNvPr>
@@ -27500,7 +28263,7 @@
             <p:cNvPr id="43" name="Google Shape;165;p3">
               <a:extLst>
                 <a:ext uri="{FF2B5EF4-FFF2-40B4-BE49-F238E27FC236}">
-                  <a16:creationId xmlns:a16="http://schemas.microsoft.com/office/drawing/2014/main" xmlns="" id="{0FA55039-D9CF-421E-941B-F62A8A40DE7A}"/>
+                  <a16:creationId xmlns:a16="http://schemas.microsoft.com/office/drawing/2014/main" id="{0FA55039-D9CF-421E-941B-F62A8A40DE7A}"/>
                 </a:ext>
               </a:extLst>
             </p:cNvPr>
@@ -27565,7 +28328,7 @@
             <p:cNvPr id="44" name="Google Shape;166;p3">
               <a:extLst>
                 <a:ext uri="{FF2B5EF4-FFF2-40B4-BE49-F238E27FC236}">
-                  <a16:creationId xmlns:a16="http://schemas.microsoft.com/office/drawing/2014/main" xmlns="" id="{16991CD3-1F1E-430C-8636-C3BD5A642DD0}"/>
+                  <a16:creationId xmlns:a16="http://schemas.microsoft.com/office/drawing/2014/main" id="{16991CD3-1F1E-430C-8636-C3BD5A642DD0}"/>
                 </a:ext>
               </a:extLst>
             </p:cNvPr>
@@ -27630,7 +28393,7 @@
             <p:cNvPr id="45" name="Google Shape;167;p3">
               <a:extLst>
                 <a:ext uri="{FF2B5EF4-FFF2-40B4-BE49-F238E27FC236}">
-                  <a16:creationId xmlns:a16="http://schemas.microsoft.com/office/drawing/2014/main" xmlns="" id="{AD69F6AF-364C-4683-B04E-146EFF43D9BC}"/>
+                  <a16:creationId xmlns:a16="http://schemas.microsoft.com/office/drawing/2014/main" id="{AD69F6AF-364C-4683-B04E-146EFF43D9BC}"/>
                 </a:ext>
               </a:extLst>
             </p:cNvPr>
@@ -27692,7 +28455,7 @@
             <p:cNvPr id="46" name="Google Shape;168;p3">
               <a:extLst>
                 <a:ext uri="{FF2B5EF4-FFF2-40B4-BE49-F238E27FC236}">
-                  <a16:creationId xmlns:a16="http://schemas.microsoft.com/office/drawing/2014/main" xmlns="" id="{9BA2D550-F896-483A-9C84-C2ADD15F7579}"/>
+                  <a16:creationId xmlns:a16="http://schemas.microsoft.com/office/drawing/2014/main" id="{9BA2D550-F896-483A-9C84-C2ADD15F7579}"/>
                 </a:ext>
               </a:extLst>
             </p:cNvPr>
@@ -27757,7 +28520,7 @@
             <p:cNvPr id="47" name="Google Shape;169;p3">
               <a:extLst>
                 <a:ext uri="{FF2B5EF4-FFF2-40B4-BE49-F238E27FC236}">
-                  <a16:creationId xmlns:a16="http://schemas.microsoft.com/office/drawing/2014/main" xmlns="" id="{0F58DF80-0A0E-443F-B975-8DD6DE1A8E2D}"/>
+                  <a16:creationId xmlns:a16="http://schemas.microsoft.com/office/drawing/2014/main" id="{0F58DF80-0A0E-443F-B975-8DD6DE1A8E2D}"/>
                 </a:ext>
               </a:extLst>
             </p:cNvPr>
@@ -27820,7 +28583,7 @@
           <p:cNvPr id="48" name="Google Shape;170;p3">
             <a:extLst>
               <a:ext uri="{FF2B5EF4-FFF2-40B4-BE49-F238E27FC236}">
-                <a16:creationId xmlns:a16="http://schemas.microsoft.com/office/drawing/2014/main" xmlns="" id="{D72014F9-CAEB-41DF-8C25-1FA61A126D97}"/>
+                <a16:creationId xmlns:a16="http://schemas.microsoft.com/office/drawing/2014/main" id="{D72014F9-CAEB-41DF-8C25-1FA61A126D97}"/>
               </a:ext>
             </a:extLst>
           </p:cNvPr>
@@ -27840,7 +28603,7 @@
             <p:cNvPr id="49" name="Google Shape;171;p3">
               <a:extLst>
                 <a:ext uri="{FF2B5EF4-FFF2-40B4-BE49-F238E27FC236}">
-                  <a16:creationId xmlns:a16="http://schemas.microsoft.com/office/drawing/2014/main" xmlns="" id="{29C1CB3E-F7A5-43D1-A177-97F2B8D30819}"/>
+                  <a16:creationId xmlns:a16="http://schemas.microsoft.com/office/drawing/2014/main" id="{29C1CB3E-F7A5-43D1-A177-97F2B8D30819}"/>
                 </a:ext>
               </a:extLst>
             </p:cNvPr>
@@ -27905,7 +28668,7 @@
             <p:cNvPr id="50" name="Google Shape;172;p3">
               <a:extLst>
                 <a:ext uri="{FF2B5EF4-FFF2-40B4-BE49-F238E27FC236}">
-                  <a16:creationId xmlns:a16="http://schemas.microsoft.com/office/drawing/2014/main" xmlns="" id="{4637AF86-1DD4-4678-9981-89AE9098C888}"/>
+                  <a16:creationId xmlns:a16="http://schemas.microsoft.com/office/drawing/2014/main" id="{4637AF86-1DD4-4678-9981-89AE9098C888}"/>
                 </a:ext>
               </a:extLst>
             </p:cNvPr>
@@ -27970,7 +28733,7 @@
             <p:cNvPr id="51" name="Google Shape;173;p3">
               <a:extLst>
                 <a:ext uri="{FF2B5EF4-FFF2-40B4-BE49-F238E27FC236}">
-                  <a16:creationId xmlns:a16="http://schemas.microsoft.com/office/drawing/2014/main" xmlns="" id="{18D0AE4D-EAAF-4488-A66B-9FCA73E65D42}"/>
+                  <a16:creationId xmlns:a16="http://schemas.microsoft.com/office/drawing/2014/main" id="{18D0AE4D-EAAF-4488-A66B-9FCA73E65D42}"/>
                 </a:ext>
               </a:extLst>
             </p:cNvPr>
@@ -28035,7 +28798,7 @@
             <p:cNvPr id="52" name="Google Shape;174;p3">
               <a:extLst>
                 <a:ext uri="{FF2B5EF4-FFF2-40B4-BE49-F238E27FC236}">
-                  <a16:creationId xmlns:a16="http://schemas.microsoft.com/office/drawing/2014/main" xmlns="" id="{7B8E4A56-CCEC-45B3-ACCC-B4A4358EB788}"/>
+                  <a16:creationId xmlns:a16="http://schemas.microsoft.com/office/drawing/2014/main" id="{7B8E4A56-CCEC-45B3-ACCC-B4A4358EB788}"/>
                 </a:ext>
               </a:extLst>
             </p:cNvPr>
@@ -28097,7 +28860,7 @@
             <p:cNvPr id="53" name="Google Shape;175;p3">
               <a:extLst>
                 <a:ext uri="{FF2B5EF4-FFF2-40B4-BE49-F238E27FC236}">
-                  <a16:creationId xmlns:a16="http://schemas.microsoft.com/office/drawing/2014/main" xmlns="" id="{C7A678D3-8080-49E8-89F2-DD3C808AB117}"/>
+                  <a16:creationId xmlns:a16="http://schemas.microsoft.com/office/drawing/2014/main" id="{C7A678D3-8080-49E8-89F2-DD3C808AB117}"/>
                 </a:ext>
               </a:extLst>
             </p:cNvPr>
@@ -28162,7 +28925,7 @@
             <p:cNvPr id="54" name="Google Shape;176;p3">
               <a:extLst>
                 <a:ext uri="{FF2B5EF4-FFF2-40B4-BE49-F238E27FC236}">
-                  <a16:creationId xmlns:a16="http://schemas.microsoft.com/office/drawing/2014/main" xmlns="" id="{294A50A5-B148-404E-B048-85759EEF881A}"/>
+                  <a16:creationId xmlns:a16="http://schemas.microsoft.com/office/drawing/2014/main" id="{294A50A5-B148-404E-B048-85759EEF881A}"/>
                 </a:ext>
               </a:extLst>
             </p:cNvPr>
@@ -28225,7 +28988,7 @@
           <p:cNvPr id="55" name="Google Shape;177;p3">
             <a:extLst>
               <a:ext uri="{FF2B5EF4-FFF2-40B4-BE49-F238E27FC236}">
-                <a16:creationId xmlns:a16="http://schemas.microsoft.com/office/drawing/2014/main" xmlns="" id="{3FF105E1-8915-47A5-8C34-4FE19C0E1ED6}"/>
+                <a16:creationId xmlns:a16="http://schemas.microsoft.com/office/drawing/2014/main" id="{3FF105E1-8915-47A5-8C34-4FE19C0E1ED6}"/>
               </a:ext>
             </a:extLst>
           </p:cNvPr>
@@ -28245,7 +29008,7 @@
             <p:cNvPr id="56" name="Google Shape;178;p3">
               <a:extLst>
                 <a:ext uri="{FF2B5EF4-FFF2-40B4-BE49-F238E27FC236}">
-                  <a16:creationId xmlns:a16="http://schemas.microsoft.com/office/drawing/2014/main" xmlns="" id="{E34A763D-D516-481A-B77E-4DB3301CB433}"/>
+                  <a16:creationId xmlns:a16="http://schemas.microsoft.com/office/drawing/2014/main" id="{E34A763D-D516-481A-B77E-4DB3301CB433}"/>
                 </a:ext>
               </a:extLst>
             </p:cNvPr>
@@ -28310,7 +29073,7 @@
             <p:cNvPr id="57" name="Google Shape;179;p3">
               <a:extLst>
                 <a:ext uri="{FF2B5EF4-FFF2-40B4-BE49-F238E27FC236}">
-                  <a16:creationId xmlns:a16="http://schemas.microsoft.com/office/drawing/2014/main" xmlns="" id="{8BA0D066-E53B-414A-8D7D-7FC58881D77D}"/>
+                  <a16:creationId xmlns:a16="http://schemas.microsoft.com/office/drawing/2014/main" id="{8BA0D066-E53B-414A-8D7D-7FC58881D77D}"/>
                 </a:ext>
               </a:extLst>
             </p:cNvPr>
@@ -28375,7 +29138,7 @@
             <p:cNvPr id="58" name="Google Shape;180;p3">
               <a:extLst>
                 <a:ext uri="{FF2B5EF4-FFF2-40B4-BE49-F238E27FC236}">
-                  <a16:creationId xmlns:a16="http://schemas.microsoft.com/office/drawing/2014/main" xmlns="" id="{E1E90CFE-0313-4CE8-887F-615C8C113C8B}"/>
+                  <a16:creationId xmlns:a16="http://schemas.microsoft.com/office/drawing/2014/main" id="{E1E90CFE-0313-4CE8-887F-615C8C113C8B}"/>
                 </a:ext>
               </a:extLst>
             </p:cNvPr>
@@ -28440,7 +29203,7 @@
             <p:cNvPr id="59" name="Google Shape;181;p3">
               <a:extLst>
                 <a:ext uri="{FF2B5EF4-FFF2-40B4-BE49-F238E27FC236}">
-                  <a16:creationId xmlns:a16="http://schemas.microsoft.com/office/drawing/2014/main" xmlns="" id="{7BD17487-0D4C-4958-A19A-BB7AE1B0B9B4}"/>
+                  <a16:creationId xmlns:a16="http://schemas.microsoft.com/office/drawing/2014/main" id="{7BD17487-0D4C-4958-A19A-BB7AE1B0B9B4}"/>
                 </a:ext>
               </a:extLst>
             </p:cNvPr>
@@ -28502,7 +29265,7 @@
             <p:cNvPr id="60" name="Google Shape;182;p3">
               <a:extLst>
                 <a:ext uri="{FF2B5EF4-FFF2-40B4-BE49-F238E27FC236}">
-                  <a16:creationId xmlns:a16="http://schemas.microsoft.com/office/drawing/2014/main" xmlns="" id="{28A60444-34BE-4255-A549-0A49C1465952}"/>
+                  <a16:creationId xmlns:a16="http://schemas.microsoft.com/office/drawing/2014/main" id="{28A60444-34BE-4255-A549-0A49C1465952}"/>
                 </a:ext>
               </a:extLst>
             </p:cNvPr>
@@ -28567,7 +29330,7 @@
             <p:cNvPr id="61" name="Google Shape;183;p3">
               <a:extLst>
                 <a:ext uri="{FF2B5EF4-FFF2-40B4-BE49-F238E27FC236}">
-                  <a16:creationId xmlns:a16="http://schemas.microsoft.com/office/drawing/2014/main" xmlns="" id="{F32FAB47-3345-4C5B-9A42-DDC5F7C44452}"/>
+                  <a16:creationId xmlns:a16="http://schemas.microsoft.com/office/drawing/2014/main" id="{F32FAB47-3345-4C5B-9A42-DDC5F7C44452}"/>
                 </a:ext>
               </a:extLst>
             </p:cNvPr>
@@ -28630,7 +29393,7 @@
           <p:cNvPr id="62" name="Google Shape;199;p3">
             <a:extLst>
               <a:ext uri="{FF2B5EF4-FFF2-40B4-BE49-F238E27FC236}">
-                <a16:creationId xmlns:a16="http://schemas.microsoft.com/office/drawing/2014/main" xmlns="" id="{BE31818E-0E3E-4269-89BA-F1C874CF2D09}"/>
+                <a16:creationId xmlns:a16="http://schemas.microsoft.com/office/drawing/2014/main" id="{BE31818E-0E3E-4269-89BA-F1C874CF2D09}"/>
               </a:ext>
             </a:extLst>
           </p:cNvPr>
@@ -28736,7 +29499,7 @@
           <p:cNvPr id="63" name="Google Shape;200;p3">
             <a:extLst>
               <a:ext uri="{FF2B5EF4-FFF2-40B4-BE49-F238E27FC236}">
-                <a16:creationId xmlns:a16="http://schemas.microsoft.com/office/drawing/2014/main" xmlns="" id="{0A2CCDE7-2A8B-45C5-B711-113F99524CF8}"/>
+                <a16:creationId xmlns:a16="http://schemas.microsoft.com/office/drawing/2014/main" id="{0A2CCDE7-2A8B-45C5-B711-113F99524CF8}"/>
               </a:ext>
             </a:extLst>
           </p:cNvPr>
@@ -28825,7 +29588,7 @@
           <p:cNvPr id="64" name="Google Shape;202;p3">
             <a:extLst>
               <a:ext uri="{FF2B5EF4-FFF2-40B4-BE49-F238E27FC236}">
-                <a16:creationId xmlns:a16="http://schemas.microsoft.com/office/drawing/2014/main" xmlns="" id="{CF22479A-6026-4DFD-B5CE-D9AB77185134}"/>
+                <a16:creationId xmlns:a16="http://schemas.microsoft.com/office/drawing/2014/main" id="{CF22479A-6026-4DFD-B5CE-D9AB77185134}"/>
               </a:ext>
             </a:extLst>
           </p:cNvPr>
@@ -28893,7 +29656,7 @@
           <p:cNvPr id="65" name="Google Shape;203;p3">
             <a:extLst>
               <a:ext uri="{FF2B5EF4-FFF2-40B4-BE49-F238E27FC236}">
-                <a16:creationId xmlns:a16="http://schemas.microsoft.com/office/drawing/2014/main" xmlns="" id="{4640EE5E-486C-4591-8BD3-67F9A8F91ECF}"/>
+                <a16:creationId xmlns:a16="http://schemas.microsoft.com/office/drawing/2014/main" id="{4640EE5E-486C-4591-8BD3-67F9A8F91ECF}"/>
               </a:ext>
             </a:extLst>
           </p:cNvPr>
@@ -28913,7 +29676,7 @@
             <p:cNvPr id="66" name="Google Shape;204;p3">
               <a:extLst>
                 <a:ext uri="{FF2B5EF4-FFF2-40B4-BE49-F238E27FC236}">
-                  <a16:creationId xmlns:a16="http://schemas.microsoft.com/office/drawing/2014/main" xmlns="" id="{21C1FE22-963D-42ED-8A2C-36A106325378}"/>
+                  <a16:creationId xmlns:a16="http://schemas.microsoft.com/office/drawing/2014/main" id="{21C1FE22-963D-42ED-8A2C-36A106325378}"/>
                 </a:ext>
               </a:extLst>
             </p:cNvPr>
@@ -28978,7 +29741,7 @@
             <p:cNvPr id="67" name="Google Shape;205;p3">
               <a:extLst>
                 <a:ext uri="{FF2B5EF4-FFF2-40B4-BE49-F238E27FC236}">
-                  <a16:creationId xmlns:a16="http://schemas.microsoft.com/office/drawing/2014/main" xmlns="" id="{472D6B0E-65E5-43BD-99E4-9ABA94BD97DA}"/>
+                  <a16:creationId xmlns:a16="http://schemas.microsoft.com/office/drawing/2014/main" id="{472D6B0E-65E5-43BD-99E4-9ABA94BD97DA}"/>
                 </a:ext>
               </a:extLst>
             </p:cNvPr>
@@ -29043,7 +29806,7 @@
             <p:cNvPr id="68" name="Google Shape;206;p3">
               <a:extLst>
                 <a:ext uri="{FF2B5EF4-FFF2-40B4-BE49-F238E27FC236}">
-                  <a16:creationId xmlns:a16="http://schemas.microsoft.com/office/drawing/2014/main" xmlns="" id="{2A81CB49-FBCB-4664-ADB4-623334465376}"/>
+                  <a16:creationId xmlns:a16="http://schemas.microsoft.com/office/drawing/2014/main" id="{2A81CB49-FBCB-4664-ADB4-623334465376}"/>
                 </a:ext>
               </a:extLst>
             </p:cNvPr>
@@ -29108,7 +29871,7 @@
             <p:cNvPr id="69" name="Google Shape;207;p3">
               <a:extLst>
                 <a:ext uri="{FF2B5EF4-FFF2-40B4-BE49-F238E27FC236}">
-                  <a16:creationId xmlns:a16="http://schemas.microsoft.com/office/drawing/2014/main" xmlns="" id="{E7AAF2FD-36E1-42EF-B148-A4ED8BB3B911}"/>
+                  <a16:creationId xmlns:a16="http://schemas.microsoft.com/office/drawing/2014/main" id="{E7AAF2FD-36E1-42EF-B148-A4ED8BB3B911}"/>
                 </a:ext>
               </a:extLst>
             </p:cNvPr>
@@ -29170,7 +29933,7 @@
             <p:cNvPr id="70" name="Google Shape;208;p3">
               <a:extLst>
                 <a:ext uri="{FF2B5EF4-FFF2-40B4-BE49-F238E27FC236}">
-                  <a16:creationId xmlns:a16="http://schemas.microsoft.com/office/drawing/2014/main" xmlns="" id="{270CA44A-AF7C-4C7F-91C7-9DAA5ADE10F9}"/>
+                  <a16:creationId xmlns:a16="http://schemas.microsoft.com/office/drawing/2014/main" id="{270CA44A-AF7C-4C7F-91C7-9DAA5ADE10F9}"/>
                 </a:ext>
               </a:extLst>
             </p:cNvPr>
@@ -29235,7 +29998,7 @@
             <p:cNvPr id="71" name="Google Shape;209;p3">
               <a:extLst>
                 <a:ext uri="{FF2B5EF4-FFF2-40B4-BE49-F238E27FC236}">
-                  <a16:creationId xmlns:a16="http://schemas.microsoft.com/office/drawing/2014/main" xmlns="" id="{475554B4-AE93-4AAC-9D3C-5FE7EEE3A0F5}"/>
+                  <a16:creationId xmlns:a16="http://schemas.microsoft.com/office/drawing/2014/main" id="{475554B4-AE93-4AAC-9D3C-5FE7EEE3A0F5}"/>
                 </a:ext>
               </a:extLst>
             </p:cNvPr>
@@ -29298,7 +30061,7 @@
           <p:cNvPr id="72" name="Google Shape;158;p3">
             <a:extLst>
               <a:ext uri="{FF2B5EF4-FFF2-40B4-BE49-F238E27FC236}">
-                <a16:creationId xmlns:a16="http://schemas.microsoft.com/office/drawing/2014/main" xmlns="" id="{B317176D-FA30-4772-B8FF-A1108DC6D0AC}"/>
+                <a16:creationId xmlns:a16="http://schemas.microsoft.com/office/drawing/2014/main" id="{B317176D-FA30-4772-B8FF-A1108DC6D0AC}"/>
               </a:ext>
             </a:extLst>
           </p:cNvPr>
@@ -29392,7 +30155,7 @@
           <p:cNvPr id="2" name="Title 1">
             <a:extLst>
               <a:ext uri="{FF2B5EF4-FFF2-40B4-BE49-F238E27FC236}">
-                <a16:creationId xmlns:a16="http://schemas.microsoft.com/office/drawing/2014/main" xmlns="" id="{C31AACFF-E6A0-4256-8D35-4113225D4BB1}"/>
+                <a16:creationId xmlns:a16="http://schemas.microsoft.com/office/drawing/2014/main" id="{C31AACFF-E6A0-4256-8D35-4113225D4BB1}"/>
               </a:ext>
             </a:extLst>
           </p:cNvPr>
@@ -29477,7 +30240,7 @@
           <p:cNvPr id="3" name="Text Placeholder 2">
             <a:extLst>
               <a:ext uri="{FF2B5EF4-FFF2-40B4-BE49-F238E27FC236}">
-                <a16:creationId xmlns:a16="http://schemas.microsoft.com/office/drawing/2014/main" xmlns="" id="{EB0FED39-D7F7-46D4-81ED-6EDD34268DF5}"/>
+                <a16:creationId xmlns:a16="http://schemas.microsoft.com/office/drawing/2014/main" id="{EB0FED39-D7F7-46D4-81ED-6EDD34268DF5}"/>
               </a:ext>
             </a:extLst>
           </p:cNvPr>
@@ -29505,10 +30268,10 @@
               <a:buChar char="q"/>
             </a:pPr>
             <a:r>
-              <a:rPr lang="en-US" b="1" i="1" u="sng" dirty="0" smtClean="0"/>
+              <a:rPr lang="en-US" b="1" i="1" u="sng" dirty="0"/>
               <a:t>Actor</a:t>
             </a:r>
-            <a:endParaRPr lang="vi-VN" b="1" i="1" u="sng" dirty="0" smtClean="0"/>
+            <a:endParaRPr lang="vi-VN" b="1" i="1" u="sng" dirty="0"/>
           </a:p>
         </p:txBody>
       </p:sp>
@@ -29517,7 +30280,7 @@
           <p:cNvPr id="4" name="Text Placeholder 2">
             <a:extLst>
               <a:ext uri="{FF2B5EF4-FFF2-40B4-BE49-F238E27FC236}">
-                <a16:creationId xmlns:a16="http://schemas.microsoft.com/office/drawing/2014/main" xmlns="" id="{B98D1857-0561-411C-BD5D-5E661010EFD7}"/>
+                <a16:creationId xmlns:a16="http://schemas.microsoft.com/office/drawing/2014/main" id="{B98D1857-0561-411C-BD5D-5E661010EFD7}"/>
               </a:ext>
             </a:extLst>
           </p:cNvPr>
@@ -29796,10 +30559,9 @@
               <a:buNone/>
             </a:pPr>
             <a:r>
-              <a:rPr lang="vi-VN" sz="2400" dirty="0" smtClean="0"/>
+              <a:rPr lang="vi-VN" sz="2400" dirty="0"/>
               <a:t>Có thể là một người, một hệ thống, hoặc các kích hoạt thời gian hoặc sự kiện đứng ben ngoài hệ thống tương tác với hệ thống, sử dụng hệ thống cần phát triển</a:t>
             </a:r>
-            <a:endParaRPr lang="vi-VN" sz="2400" dirty="0" smtClean="0"/>
           </a:p>
         </p:txBody>
       </p:sp>
@@ -29847,7 +30609,7 @@
           <p:cNvPr id="8" name="Text Placeholder 2">
             <a:extLst>
               <a:ext uri="{FF2B5EF4-FFF2-40B4-BE49-F238E27FC236}">
-                <a16:creationId xmlns:a16="http://schemas.microsoft.com/office/drawing/2014/main" xmlns="" id="{B98D1857-0561-411C-BD5D-5E661010EFD7}"/>
+                <a16:creationId xmlns:a16="http://schemas.microsoft.com/office/drawing/2014/main" id="{B98D1857-0561-411C-BD5D-5E661010EFD7}"/>
               </a:ext>
             </a:extLst>
           </p:cNvPr>
@@ -30126,7 +30888,7 @@
               <a:buNone/>
             </a:pPr>
             <a:r>
-              <a:rPr lang="vi-VN" sz="2400" dirty="0" smtClean="0"/>
+              <a:rPr lang="vi-VN" sz="2400" dirty="0"/>
               <a:t>Tác nhân thực hiện hay tương tác với các ca sử dụng </a:t>
             </a:r>
           </a:p>
@@ -30136,12 +30898,12 @@
               <a:buNone/>
             </a:pPr>
             <a:r>
-              <a:rPr lang="vi-VN" sz="2400" dirty="0" smtClean="0">
+              <a:rPr lang="vi-VN" sz="2400" dirty="0">
                 <a:sym typeface="Wingdings" panose="05000000000000000000" pitchFamily="2" charset="2"/>
               </a:rPr>
               <a:t> gửi/nhận các thông điệp, thay đổi thông tin</a:t>
             </a:r>
-            <a:endParaRPr lang="vi-VN" sz="2400" dirty="0" smtClean="0"/>
+            <a:endParaRPr lang="vi-VN" sz="2400" dirty="0"/>
           </a:p>
         </p:txBody>
       </p:sp>
@@ -30150,7 +30912,7 @@
           <p:cNvPr id="9" name="Text Placeholder 2">
             <a:extLst>
               <a:ext uri="{FF2B5EF4-FFF2-40B4-BE49-F238E27FC236}">
-                <a16:creationId xmlns:a16="http://schemas.microsoft.com/office/drawing/2014/main" xmlns="" id="{B98D1857-0561-411C-BD5D-5E661010EFD7}"/>
+                <a16:creationId xmlns:a16="http://schemas.microsoft.com/office/drawing/2014/main" id="{B98D1857-0561-411C-BD5D-5E661010EFD7}"/>
               </a:ext>
             </a:extLst>
           </p:cNvPr>
@@ -30429,7 +31191,7 @@
               <a:buNone/>
             </a:pPr>
             <a:r>
-              <a:rPr lang="vi-VN" sz="2400" dirty="0" smtClean="0"/>
+              <a:rPr lang="vi-VN" sz="2400" dirty="0"/>
               <a:t>Đặt tên: danh từ, phản ánh vai trò của tác nhân trong hệ thống</a:t>
             </a:r>
           </a:p>
@@ -30440,7 +31202,7 @@
           <p:cNvPr id="10" name="Text Placeholder 2">
             <a:extLst>
               <a:ext uri="{FF2B5EF4-FFF2-40B4-BE49-F238E27FC236}">
-                <a16:creationId xmlns:a16="http://schemas.microsoft.com/office/drawing/2014/main" xmlns="" id="{B98D1857-0561-411C-BD5D-5E661010EFD7}"/>
+                <a16:creationId xmlns:a16="http://schemas.microsoft.com/office/drawing/2014/main" id="{B98D1857-0561-411C-BD5D-5E661010EFD7}"/>
               </a:ext>
             </a:extLst>
           </p:cNvPr>
@@ -30719,7 +31481,7 @@
               <a:buNone/>
             </a:pPr>
             <a:r>
-              <a:rPr lang="vi-VN" sz="2400" dirty="0" smtClean="0"/>
+              <a:rPr lang="vi-VN" sz="2400" dirty="0"/>
               <a:t>Gồm 2 loại: tác nhân chính (primary actor) và tác nhân phụ (secondary actor)</a:t>
             </a:r>
           </a:p>
@@ -30760,7 +31522,7 @@
           <p:cNvPr id="2" name="Title 1">
             <a:extLst>
               <a:ext uri="{FF2B5EF4-FFF2-40B4-BE49-F238E27FC236}">
-                <a16:creationId xmlns:a16="http://schemas.microsoft.com/office/drawing/2014/main" xmlns="" id="{06B9761D-23C7-4AD0-88CA-BE64B32E2D69}"/>
+                <a16:creationId xmlns:a16="http://schemas.microsoft.com/office/drawing/2014/main" id="{06B9761D-23C7-4AD0-88CA-BE64B32E2D69}"/>
               </a:ext>
             </a:extLst>
           </p:cNvPr>
@@ -30845,7 +31607,7 @@
           <p:cNvPr id="3" name="Text Placeholder 2">
             <a:extLst>
               <a:ext uri="{FF2B5EF4-FFF2-40B4-BE49-F238E27FC236}">
-                <a16:creationId xmlns:a16="http://schemas.microsoft.com/office/drawing/2014/main" xmlns="" id="{1FFFFD45-EA13-49A4-B259-FFBA3D9EFCEE}"/>
+                <a16:creationId xmlns:a16="http://schemas.microsoft.com/office/drawing/2014/main" id="{1FFFFD45-EA13-49A4-B259-FFBA3D9EFCEE}"/>
               </a:ext>
             </a:extLst>
           </p:cNvPr>
@@ -30910,11 +31672,7 @@
             </a:r>
             <a:r>
               <a:rPr lang="vi-VN" sz="2400" dirty="0"/>
-              <a:t>mới sẽ tiến hành đăng kí thông tin cho nhân viên gồm (mã nhân viên, tên nhân viên, số điện thoại, địa chỉ, ngày bắt đầu làm việc lương, trạng thái (đang làm – nghỉ) và gmail</a:t>
-            </a:r>
-            <a:r>
-              <a:rPr lang="vi-VN" sz="2400" dirty="0" smtClean="0"/>
-              <a:t>)</a:t>
+              <a:t>mới sẽ tiến hành đăng kí thông tin cho nhân viên gồm (mã nhân viên, tên nhân viên, số điện thoại, địa chỉ, ngày bắt đầu làm việc lương, trạng thái (đang làm – nghỉ) và gmail)</a:t>
             </a:r>
           </a:p>
           <a:p>
@@ -31071,7 +31829,7 @@
           <p:cNvPr id="2" name="Title 1">
             <a:extLst>
               <a:ext uri="{FF2B5EF4-FFF2-40B4-BE49-F238E27FC236}">
-                <a16:creationId xmlns:a16="http://schemas.microsoft.com/office/drawing/2014/main" xmlns="" id="{06B9761D-23C7-4AD0-88CA-BE64B32E2D69}"/>
+                <a16:creationId xmlns:a16="http://schemas.microsoft.com/office/drawing/2014/main" id="{06B9761D-23C7-4AD0-88CA-BE64B32E2D69}"/>
               </a:ext>
             </a:extLst>
           </p:cNvPr>
@@ -31156,7 +31914,7 @@
           <p:cNvPr id="3" name="Text Placeholder 2">
             <a:extLst>
               <a:ext uri="{FF2B5EF4-FFF2-40B4-BE49-F238E27FC236}">
-                <a16:creationId xmlns:a16="http://schemas.microsoft.com/office/drawing/2014/main" xmlns="" id="{1FFFFD45-EA13-49A4-B259-FFBA3D9EFCEE}"/>
+                <a16:creationId xmlns:a16="http://schemas.microsoft.com/office/drawing/2014/main" id="{1FFFFD45-EA13-49A4-B259-FFBA3D9EFCEE}"/>
               </a:ext>
             </a:extLst>
           </p:cNvPr>
@@ -31336,11 +32094,11 @@
               <a:t>. </a:t>
             </a:r>
             <a:r>
-              <a:rPr lang="en-US" sz="2400" b="1" dirty="0" err="1" smtClean="0"/>
+              <a:rPr lang="en-US" sz="2400" b="1" dirty="0" err="1"/>
               <a:t>Quản</a:t>
             </a:r>
             <a:r>
-              <a:rPr lang="en-US" sz="2400" b="1" dirty="0" smtClean="0"/>
+              <a:rPr lang="en-US" sz="2400" b="1" dirty="0"/>
               <a:t> </a:t>
             </a:r>
             <a:r>
@@ -31649,19 +32407,19 @@
               <a:t>: </a:t>
             </a:r>
             <a:r>
-              <a:rPr lang="vi-VN" sz="2400" b="1" dirty="0" smtClean="0">
+              <a:rPr lang="vi-VN" sz="2400" b="1" dirty="0">
                 <a:sym typeface="Wingdings" panose="05000000000000000000" pitchFamily="2" charset="2"/>
               </a:rPr>
               <a:t>khách hàng</a:t>
             </a:r>
             <a:r>
-              <a:rPr lang="en-US" sz="2400" dirty="0" smtClean="0">
+              <a:rPr lang="en-US" sz="2400" dirty="0">
                 <a:sym typeface="Wingdings" panose="05000000000000000000" pitchFamily="2" charset="2"/>
               </a:rPr>
               <a:t>, </a:t>
             </a:r>
             <a:r>
-              <a:rPr lang="vi-VN" sz="2400" b="1" dirty="0" smtClean="0">
+              <a:rPr lang="vi-VN" sz="2400" b="1" dirty="0">
                 <a:sym typeface="Wingdings" panose="05000000000000000000" pitchFamily="2" charset="2"/>
               </a:rPr>
               <a:t>quản trị viên</a:t>
@@ -31673,13 +32431,13 @@
               <a:buChar char="à"/>
             </a:pPr>
             <a:r>
-              <a:rPr lang="vi-VN" sz="2400" dirty="0" smtClean="0">
+              <a:rPr lang="vi-VN" sz="2400" dirty="0">
                 <a:sym typeface="Wingdings" panose="05000000000000000000" pitchFamily="2" charset="2"/>
               </a:rPr>
               <a:t>Tác nhân phụ: </a:t>
             </a:r>
             <a:r>
-              <a:rPr lang="vi-VN" sz="2400" b="1" dirty="0" smtClean="0">
+              <a:rPr lang="vi-VN" sz="2400" b="1" dirty="0">
                 <a:sym typeface="Wingdings" panose="05000000000000000000" pitchFamily="2" charset="2"/>
               </a:rPr>
               <a:t>cổng thanh toán</a:t>

--- a/Slide.pptx
+++ b/Slide.pptx
@@ -267,7 +267,7 @@
       <p15:sldGuideLst xmlns:p15="http://schemas.microsoft.com/office/powerpoint/2012/main"/>
     </p:ext>
     <p:ext uri="GoogleSlidesCustomDataVersion2">
-      <go:slidesCustomData xmlns="" xmlns:mc="http://schemas.openxmlformats.org/markup-compatibility/2006" xmlns:mv="urn:schemas-microsoft-com:mac:vml" xmlns:c="http://schemas.openxmlformats.org/drawingml/2006/chart" xmlns:dgm="http://schemas.openxmlformats.org/drawingml/2006/diagram" xmlns:o="urn:schemas-microsoft-com:office:office" xmlns:v="urn:schemas-microsoft-com:vml" xmlns:pvml="urn:schemas-microsoft-com:office:powerpoint" xmlns:com="http://schemas.openxmlformats.org/drawingml/2006/compatibility" xmlns:p14="http://schemas.microsoft.com/office/powerpoint/2010/main" xmlns:p15="http://schemas.microsoft.com/office/powerpoint/2012/main" xmlns:ahyp="http://schemas.microsoft.com/office/drawing/2018/hyperlinkcolor" xmlns:go="http://customooxmlschemas.google.com/" r:id="rId34" roundtripDataSignature="AMtx7mgzalF4DGvfEshU7BVqSP7oz0qtVA=="/>
+      <go:slidesCustomData xmlns:go="http://customooxmlschemas.google.com/" xmlns:ahyp="http://schemas.microsoft.com/office/drawing/2018/hyperlinkcolor" xmlns:p15="http://schemas.microsoft.com/office/powerpoint/2012/main" xmlns:p14="http://schemas.microsoft.com/office/powerpoint/2010/main" xmlns:com="http://schemas.openxmlformats.org/drawingml/2006/compatibility" xmlns:pvml="urn:schemas-microsoft-com:office:powerpoint" xmlns:v="urn:schemas-microsoft-com:vml" xmlns:o="urn:schemas-microsoft-com:office:office" xmlns:dgm="http://schemas.openxmlformats.org/drawingml/2006/diagram" xmlns:c="http://schemas.openxmlformats.org/drawingml/2006/chart" xmlns:mv="urn:schemas-microsoft-com:mac:vml" xmlns:mc="http://schemas.openxmlformats.org/markup-compatibility/2006" xmlns="" r:id="rId34" roundtripDataSignature="AMtx7mgzalF4DGvfEshU7BVqSP7oz0qtVA=="/>
     </p:ext>
   </p:extLst>
 </p:presentation>
@@ -17522,7 +17522,9 @@
         </p:nvSpPr>
         <p:spPr/>
         <p:txBody>
-          <a:bodyPr/>
+          <a:bodyPr>
+            <a:normAutofit lnSpcReduction="10000"/>
+          </a:bodyPr>
           <a:lstStyle/>
           <a:p>
             <a:pPr>
@@ -17567,24 +17569,7 @@
             </a:r>
             <a:r>
               <a:rPr lang="en-US" b="1" dirty="0"/>
-              <a:t> </a:t>
-            </a:r>
-          </a:p>
-          <a:p>
-            <a:pPr marL="114300" indent="0">
-              <a:buNone/>
-            </a:pPr>
-            <a:r>
-              <a:rPr lang="en-US" dirty="0"/>
-              <a:t>	</a:t>
-            </a:r>
-            <a:r>
-              <a:rPr lang="en-US" dirty="0" err="1"/>
-              <a:t>Cần</a:t>
-            </a:r>
-            <a:r>
-              <a:rPr lang="en-US" dirty="0"/>
-              <a:t> </a:t>
+              <a:t>: </a:t>
             </a:r>
             <a:r>
               <a:rPr lang="en-US" dirty="0" err="1"/>
@@ -17621,216 +17606,6 @@
             <a:r>
               <a:rPr lang="en-US" dirty="0" err="1"/>
               <a:t>hỏi</a:t>
-            </a:r>
-            <a:r>
-              <a:rPr lang="en-US" dirty="0"/>
-              <a:t>:</a:t>
-            </a:r>
-          </a:p>
-          <a:p>
-            <a:pPr>
-              <a:buFont typeface="Arial" panose="020B0604020202020204" pitchFamily="34" charset="0"/>
-              <a:buChar char="•"/>
-            </a:pPr>
-            <a:r>
-              <a:rPr lang="en-US" dirty="0"/>
-              <a:t>Ai </a:t>
-            </a:r>
-            <a:r>
-              <a:rPr lang="en-US" dirty="0" err="1"/>
-              <a:t>sẽ</a:t>
-            </a:r>
-            <a:r>
-              <a:rPr lang="en-US" dirty="0"/>
-              <a:t> </a:t>
-            </a:r>
-            <a:r>
-              <a:rPr lang="en-US" dirty="0" err="1"/>
-              <a:t>cung</a:t>
-            </a:r>
-            <a:r>
-              <a:rPr lang="en-US" dirty="0"/>
-              <a:t> </a:t>
-            </a:r>
-            <a:r>
-              <a:rPr lang="en-US" dirty="0" err="1"/>
-              <a:t>cấp</a:t>
-            </a:r>
-            <a:r>
-              <a:rPr lang="en-US" dirty="0"/>
-              <a:t>, </a:t>
-            </a:r>
-            <a:r>
-              <a:rPr lang="en-US" dirty="0" err="1"/>
-              <a:t>sử</a:t>
-            </a:r>
-            <a:r>
-              <a:rPr lang="en-US" dirty="0"/>
-              <a:t> </a:t>
-            </a:r>
-            <a:r>
-              <a:rPr lang="en-US" dirty="0" err="1"/>
-              <a:t>dụng</a:t>
-            </a:r>
-            <a:r>
-              <a:rPr lang="en-US" dirty="0"/>
-              <a:t>, </a:t>
-            </a:r>
-            <a:r>
-              <a:rPr lang="en-US" dirty="0" err="1"/>
-              <a:t>hoặc</a:t>
-            </a:r>
-            <a:r>
-              <a:rPr lang="en-US" dirty="0"/>
-              <a:t> </a:t>
-            </a:r>
-            <a:r>
-              <a:rPr lang="en-US" dirty="0" err="1"/>
-              <a:t>loại</a:t>
-            </a:r>
-            <a:r>
-              <a:rPr lang="en-US" dirty="0"/>
-              <a:t> </a:t>
-            </a:r>
-            <a:r>
-              <a:rPr lang="en-US" dirty="0" err="1"/>
-              <a:t>bỏ</a:t>
-            </a:r>
-            <a:r>
-              <a:rPr lang="en-US" dirty="0"/>
-              <a:t> </a:t>
-            </a:r>
-            <a:r>
-              <a:rPr lang="en-US" dirty="0" err="1"/>
-              <a:t>thông</a:t>
-            </a:r>
-            <a:r>
-              <a:rPr lang="en-US" dirty="0"/>
-              <a:t> tin </a:t>
-            </a:r>
-            <a:r>
-              <a:rPr lang="en-US" dirty="0" err="1"/>
-              <a:t>trong</a:t>
-            </a:r>
-            <a:r>
-              <a:rPr lang="en-US" dirty="0"/>
-              <a:t> </a:t>
-            </a:r>
-            <a:r>
-              <a:rPr lang="en-US" dirty="0" err="1"/>
-              <a:t>hệ</a:t>
-            </a:r>
-            <a:r>
-              <a:rPr lang="en-US" dirty="0"/>
-              <a:t> </a:t>
-            </a:r>
-            <a:r>
-              <a:rPr lang="en-US" dirty="0" err="1"/>
-              <a:t>thống</a:t>
-            </a:r>
-            <a:r>
-              <a:rPr lang="en-US" dirty="0"/>
-              <a:t>?</a:t>
-            </a:r>
-          </a:p>
-          <a:p>
-            <a:pPr>
-              <a:buFont typeface="Arial" panose="020B0604020202020204" pitchFamily="34" charset="0"/>
-              <a:buChar char="•"/>
-            </a:pPr>
-            <a:r>
-              <a:rPr lang="en-US" dirty="0"/>
-              <a:t>Ai </a:t>
-            </a:r>
-            <a:r>
-              <a:rPr lang="en-US" dirty="0" err="1"/>
-              <a:t>sẽ</a:t>
-            </a:r>
-            <a:r>
-              <a:rPr lang="en-US" dirty="0"/>
-              <a:t> </a:t>
-            </a:r>
-            <a:r>
-              <a:rPr lang="en-US" dirty="0" err="1"/>
-              <a:t>sử</a:t>
-            </a:r>
-            <a:r>
-              <a:rPr lang="en-US" dirty="0"/>
-              <a:t> </a:t>
-            </a:r>
-            <a:r>
-              <a:rPr lang="en-US" dirty="0" err="1"/>
-              <a:t>dụng</a:t>
-            </a:r>
-            <a:r>
-              <a:rPr lang="en-US" dirty="0"/>
-              <a:t> </a:t>
-            </a:r>
-            <a:r>
-              <a:rPr lang="en-US" dirty="0" err="1"/>
-              <a:t>các</a:t>
-            </a:r>
-            <a:r>
-              <a:rPr lang="en-US" dirty="0"/>
-              <a:t> </a:t>
-            </a:r>
-            <a:r>
-              <a:rPr lang="en-US" dirty="0" err="1"/>
-              <a:t>chức</a:t>
-            </a:r>
-            <a:r>
-              <a:rPr lang="en-US" dirty="0"/>
-              <a:t> </a:t>
-            </a:r>
-            <a:r>
-              <a:rPr lang="en-US" dirty="0" err="1"/>
-              <a:t>năng</a:t>
-            </a:r>
-            <a:r>
-              <a:rPr lang="en-US" dirty="0"/>
-              <a:t> </a:t>
-            </a:r>
-            <a:r>
-              <a:rPr lang="en-US" dirty="0" err="1"/>
-              <a:t>này</a:t>
-            </a:r>
-            <a:r>
-              <a:rPr lang="en-US" dirty="0"/>
-              <a:t> </a:t>
-            </a:r>
-            <a:r>
-              <a:rPr lang="en-US" dirty="0" err="1"/>
-              <a:t>của</a:t>
-            </a:r>
-            <a:r>
-              <a:rPr lang="en-US" dirty="0"/>
-              <a:t> </a:t>
-            </a:r>
-            <a:r>
-              <a:rPr lang="en-US" dirty="0" err="1"/>
-              <a:t>hệ</a:t>
-            </a:r>
-            <a:r>
-              <a:rPr lang="en-US" dirty="0"/>
-              <a:t> </a:t>
-            </a:r>
-            <a:r>
-              <a:rPr lang="en-US" dirty="0" err="1"/>
-              <a:t>thống</a:t>
-            </a:r>
-            <a:r>
-              <a:rPr lang="en-US" dirty="0"/>
-              <a:t>?</a:t>
-            </a:r>
-          </a:p>
-          <a:p>
-            <a:pPr>
-              <a:buFont typeface="Arial" panose="020B0604020202020204" pitchFamily="34" charset="0"/>
-              <a:buChar char="•"/>
-            </a:pPr>
-            <a:r>
-              <a:rPr lang="vi-VN" dirty="0"/>
-              <a:t>Hệ thống được sử dụng ở đâu trong tổ chức?</a:t>
             </a:r>
             <a:endParaRPr lang="en-US" dirty="0"/>
           </a:p>
@@ -17840,8 +17615,100 @@
               <a:buChar char="•"/>
             </a:pPr>
             <a:r>
-              <a:rPr lang="vi-VN" dirty="0"/>
-              <a:t>Ai là người bảo trì, quản trị và đảm bảo cho hệ thống hoạt động</a:t>
+              <a:rPr lang="en-US" dirty="0"/>
+              <a:t>Ai </a:t>
+            </a:r>
+            <a:r>
+              <a:rPr lang="en-US" dirty="0" err="1"/>
+              <a:t>sẽ</a:t>
+            </a:r>
+            <a:r>
+              <a:rPr lang="en-US" dirty="0"/>
+              <a:t> </a:t>
+            </a:r>
+            <a:r>
+              <a:rPr lang="en-US" dirty="0" err="1"/>
+              <a:t>cung</a:t>
+            </a:r>
+            <a:r>
+              <a:rPr lang="en-US" dirty="0"/>
+              <a:t> </a:t>
+            </a:r>
+            <a:r>
+              <a:rPr lang="en-US" dirty="0" err="1"/>
+              <a:t>cấp</a:t>
+            </a:r>
+            <a:r>
+              <a:rPr lang="en-US" dirty="0"/>
+              <a:t>, </a:t>
+            </a:r>
+            <a:r>
+              <a:rPr lang="en-US" dirty="0" err="1"/>
+              <a:t>sử</a:t>
+            </a:r>
+            <a:r>
+              <a:rPr lang="en-US" dirty="0"/>
+              <a:t> </a:t>
+            </a:r>
+            <a:r>
+              <a:rPr lang="en-US" dirty="0" err="1"/>
+              <a:t>dụng</a:t>
+            </a:r>
+            <a:r>
+              <a:rPr lang="en-US" dirty="0"/>
+              <a:t>, </a:t>
+            </a:r>
+            <a:r>
+              <a:rPr lang="en-US" dirty="0" err="1"/>
+              <a:t>hoặc</a:t>
+            </a:r>
+            <a:r>
+              <a:rPr lang="en-US" dirty="0"/>
+              <a:t> </a:t>
+            </a:r>
+            <a:r>
+              <a:rPr lang="en-US" dirty="0" err="1"/>
+              <a:t>loại</a:t>
+            </a:r>
+            <a:r>
+              <a:rPr lang="en-US" dirty="0"/>
+              <a:t> </a:t>
+            </a:r>
+            <a:r>
+              <a:rPr lang="en-US" dirty="0" err="1"/>
+              <a:t>bỏ</a:t>
+            </a:r>
+            <a:r>
+              <a:rPr lang="en-US" dirty="0"/>
+              <a:t> </a:t>
+            </a:r>
+            <a:r>
+              <a:rPr lang="en-US" dirty="0" err="1"/>
+              <a:t>thông</a:t>
+            </a:r>
+            <a:r>
+              <a:rPr lang="en-US" dirty="0"/>
+              <a:t> tin </a:t>
+            </a:r>
+            <a:r>
+              <a:rPr lang="en-US" dirty="0" err="1"/>
+              <a:t>trong</a:t>
+            </a:r>
+            <a:r>
+              <a:rPr lang="en-US" dirty="0"/>
+              <a:t> </a:t>
+            </a:r>
+            <a:r>
+              <a:rPr lang="en-US" dirty="0" err="1"/>
+              <a:t>hệ</a:t>
+            </a:r>
+            <a:r>
+              <a:rPr lang="en-US" dirty="0"/>
+              <a:t> </a:t>
+            </a:r>
+            <a:r>
+              <a:rPr lang="en-US" dirty="0" err="1"/>
+              <a:t>thống</a:t>
             </a:r>
             <a:r>
               <a:rPr lang="en-US" dirty="0"/>
@@ -17854,8 +17721,12 @@
               <a:buChar char="•"/>
             </a:pPr>
             <a:r>
+              <a:rPr lang="en-US" dirty="0"/>
+              <a:t>Ai </a:t>
+            </a:r>
+            <a:r>
               <a:rPr lang="en-US" dirty="0" err="1"/>
-              <a:t>Cần</a:t>
+              <a:t>sẽ</a:t>
             </a:r>
             <a:r>
               <a:rPr lang="en-US" dirty="0"/>
@@ -17863,7 +17734,224 @@
             </a:r>
             <a:r>
               <a:rPr lang="en-US" dirty="0" err="1"/>
-              <a:t>xác</a:t>
+              <a:t>sử</a:t>
+            </a:r>
+            <a:r>
+              <a:rPr lang="en-US" dirty="0"/>
+              <a:t> </a:t>
+            </a:r>
+            <a:r>
+              <a:rPr lang="en-US" dirty="0" err="1"/>
+              <a:t>dụng</a:t>
+            </a:r>
+            <a:r>
+              <a:rPr lang="en-US" dirty="0"/>
+              <a:t> </a:t>
+            </a:r>
+            <a:r>
+              <a:rPr lang="en-US" dirty="0" err="1"/>
+              <a:t>các</a:t>
+            </a:r>
+            <a:r>
+              <a:rPr lang="en-US" dirty="0"/>
+              <a:t> </a:t>
+            </a:r>
+            <a:r>
+              <a:rPr lang="en-US" dirty="0" err="1"/>
+              <a:t>chức</a:t>
+            </a:r>
+            <a:r>
+              <a:rPr lang="en-US" dirty="0"/>
+              <a:t> </a:t>
+            </a:r>
+            <a:r>
+              <a:rPr lang="en-US" dirty="0" err="1"/>
+              <a:t>năng</a:t>
+            </a:r>
+            <a:r>
+              <a:rPr lang="en-US" dirty="0"/>
+              <a:t> </a:t>
+            </a:r>
+            <a:r>
+              <a:rPr lang="en-US" dirty="0" err="1"/>
+              <a:t>này</a:t>
+            </a:r>
+            <a:r>
+              <a:rPr lang="en-US" dirty="0"/>
+              <a:t> </a:t>
+            </a:r>
+            <a:r>
+              <a:rPr lang="en-US" dirty="0" err="1"/>
+              <a:t>của</a:t>
+            </a:r>
+            <a:r>
+              <a:rPr lang="en-US" dirty="0"/>
+              <a:t> </a:t>
+            </a:r>
+            <a:r>
+              <a:rPr lang="en-US" dirty="0" err="1"/>
+              <a:t>hệ</a:t>
+            </a:r>
+            <a:r>
+              <a:rPr lang="en-US" dirty="0"/>
+              <a:t> </a:t>
+            </a:r>
+            <a:r>
+              <a:rPr lang="en-US" dirty="0" err="1"/>
+              <a:t>thống</a:t>
+            </a:r>
+            <a:r>
+              <a:rPr lang="en-US" dirty="0"/>
+              <a:t>?</a:t>
+            </a:r>
+          </a:p>
+          <a:p>
+            <a:pPr>
+              <a:buFont typeface="Arial" panose="020B0604020202020204" pitchFamily="34" charset="0"/>
+              <a:buChar char="•"/>
+            </a:pPr>
+            <a:r>
+              <a:rPr lang="en-US" dirty="0"/>
+              <a:t>Ai </a:t>
+            </a:r>
+            <a:r>
+              <a:rPr lang="en-US" dirty="0" err="1"/>
+              <a:t>quan</a:t>
+            </a:r>
+            <a:r>
+              <a:rPr lang="en-US" dirty="0"/>
+              <a:t> </a:t>
+            </a:r>
+            <a:r>
+              <a:rPr lang="en-US" dirty="0" err="1"/>
+              <a:t>tâm</a:t>
+            </a:r>
+            <a:r>
+              <a:rPr lang="en-US" dirty="0"/>
+              <a:t> </a:t>
+            </a:r>
+            <a:r>
+              <a:rPr lang="en-US" dirty="0" err="1"/>
+              <a:t>đến</a:t>
+            </a:r>
+            <a:r>
+              <a:rPr lang="en-US" dirty="0"/>
+              <a:t> </a:t>
+            </a:r>
+            <a:r>
+              <a:rPr lang="en-US" dirty="0" err="1"/>
+              <a:t>các</a:t>
+            </a:r>
+            <a:r>
+              <a:rPr lang="en-US" dirty="0"/>
+              <a:t> </a:t>
+            </a:r>
+            <a:r>
+              <a:rPr lang="en-US" dirty="0" err="1"/>
+              <a:t>yêu</a:t>
+            </a:r>
+            <a:r>
+              <a:rPr lang="en-US" dirty="0"/>
+              <a:t> </a:t>
+            </a:r>
+            <a:r>
+              <a:rPr lang="en-US" dirty="0" err="1"/>
+              <a:t>cầu</a:t>
+            </a:r>
+            <a:r>
+              <a:rPr lang="en-US" dirty="0"/>
+              <a:t> </a:t>
+            </a:r>
+            <a:r>
+              <a:rPr lang="en-US" dirty="0" err="1"/>
+              <a:t>cụ</a:t>
+            </a:r>
+            <a:r>
+              <a:rPr lang="en-US" dirty="0"/>
+              <a:t> </a:t>
+            </a:r>
+            <a:r>
+              <a:rPr lang="en-US" dirty="0" err="1"/>
+              <a:t>thể</a:t>
+            </a:r>
+            <a:r>
+              <a:rPr lang="en-US" dirty="0"/>
+              <a:t> </a:t>
+            </a:r>
+            <a:r>
+              <a:rPr lang="en-US" dirty="0" err="1"/>
+              <a:t>của</a:t>
+            </a:r>
+            <a:r>
+              <a:rPr lang="en-US" dirty="0"/>
+              <a:t> </a:t>
+            </a:r>
+            <a:r>
+              <a:rPr lang="en-US" dirty="0" err="1"/>
+              <a:t>hệ</a:t>
+            </a:r>
+            <a:r>
+              <a:rPr lang="en-US" dirty="0"/>
+              <a:t> </a:t>
+            </a:r>
+            <a:r>
+              <a:rPr lang="en-US" dirty="0" err="1"/>
+              <a:t>thống</a:t>
+            </a:r>
+            <a:r>
+              <a:rPr lang="en-US" dirty="0"/>
+              <a:t>?</a:t>
+            </a:r>
+          </a:p>
+          <a:p>
+            <a:pPr>
+              <a:buFont typeface="Arial" panose="020B0604020202020204" pitchFamily="34" charset="0"/>
+              <a:buChar char="•"/>
+            </a:pPr>
+            <a:r>
+              <a:rPr lang="vi-VN" dirty="0"/>
+              <a:t>Hệ thống được sử dụng ở đâu trong tổ chức?</a:t>
+            </a:r>
+            <a:endParaRPr lang="en-US" dirty="0"/>
+          </a:p>
+          <a:p>
+            <a:pPr>
+              <a:buFont typeface="Arial" panose="020B0604020202020204" pitchFamily="34" charset="0"/>
+              <a:buChar char="•"/>
+            </a:pPr>
+            <a:r>
+              <a:rPr lang="vi-VN" dirty="0"/>
+              <a:t>Ai là người bảo trì, quản trị</a:t>
+            </a:r>
+            <a:r>
+              <a:rPr lang="en-US" dirty="0"/>
+              <a:t> </a:t>
+            </a:r>
+            <a:r>
+              <a:rPr lang="en-US" dirty="0" err="1"/>
+              <a:t>hệ</a:t>
+            </a:r>
+            <a:r>
+              <a:rPr lang="en-US" dirty="0"/>
+              <a:t> </a:t>
+            </a:r>
+            <a:r>
+              <a:rPr lang="en-US" dirty="0" err="1"/>
+              <a:t>thống</a:t>
+            </a:r>
+            <a:r>
+              <a:rPr lang="en-US" dirty="0"/>
+              <a:t>?</a:t>
+            </a:r>
+          </a:p>
+          <a:p>
+            <a:pPr>
+              <a:buFont typeface="Arial" panose="020B0604020202020204" pitchFamily="34" charset="0"/>
+              <a:buChar char="•"/>
+            </a:pPr>
+            <a:r>
+              <a:rPr lang="en-US" dirty="0" err="1"/>
+              <a:t>Xác</a:t>
             </a:r>
             <a:r>
               <a:rPr lang="en-US" dirty="0"/>
@@ -17879,7 +17967,67 @@
             </a:r>
             <a:r>
               <a:rPr lang="en-US" dirty="0" err="1"/>
-              <a:t>rõ</a:t>
+              <a:t>các</a:t>
+            </a:r>
+            <a:r>
+              <a:rPr lang="en-US" dirty="0"/>
+              <a:t> </a:t>
+            </a:r>
+            <a:r>
+              <a:rPr lang="en-US" dirty="0" err="1"/>
+              <a:t>hệ</a:t>
+            </a:r>
+            <a:r>
+              <a:rPr lang="en-US" dirty="0"/>
+              <a:t> </a:t>
+            </a:r>
+            <a:r>
+              <a:rPr lang="en-US" dirty="0" err="1"/>
+              <a:t>thống</a:t>
+            </a:r>
+            <a:r>
+              <a:rPr lang="en-US" dirty="0"/>
+              <a:t> </a:t>
+            </a:r>
+            <a:r>
+              <a:rPr lang="en-US" dirty="0" err="1"/>
+              <a:t>khác</a:t>
+            </a:r>
+            <a:r>
+              <a:rPr lang="en-US" dirty="0"/>
+              <a:t> </a:t>
+            </a:r>
+            <a:r>
+              <a:rPr lang="en-US" dirty="0" err="1"/>
+              <a:t>cần</a:t>
+            </a:r>
+            <a:r>
+              <a:rPr lang="en-US" dirty="0"/>
+              <a:t> t</a:t>
+            </a:r>
+            <a:r>
+              <a:rPr lang="vi-VN" dirty="0"/>
+              <a:t>ư</a:t>
+            </a:r>
+            <a:r>
+              <a:rPr lang="en-US" dirty="0" err="1"/>
+              <a:t>ơng</a:t>
+            </a:r>
+            <a:r>
+              <a:rPr lang="en-US" dirty="0"/>
+              <a:t> </a:t>
+            </a:r>
+            <a:r>
+              <a:rPr lang="en-US" dirty="0" err="1"/>
+              <a:t>tác</a:t>
+            </a:r>
+            <a:r>
+              <a:rPr lang="en-US" dirty="0"/>
+              <a:t> </a:t>
+            </a:r>
+            <a:r>
+              <a:rPr lang="en-US" dirty="0" err="1"/>
+              <a:t>và</a:t>
             </a:r>
             <a:r>
               <a:rPr lang="en-US" dirty="0"/>
@@ -17927,7 +18075,7 @@
             </a:r>
             <a:r>
               <a:rPr lang="en-US" dirty="0" err="1"/>
-              <a:t>yêu</a:t>
+              <a:t>mới</a:t>
             </a:r>
             <a:r>
               <a:rPr lang="en-US" dirty="0"/>
@@ -17935,7 +18083,7 @@
             </a:r>
             <a:r>
               <a:rPr lang="en-US" dirty="0" err="1"/>
-              <a:t>cầu</a:t>
+              <a:t>và</a:t>
             </a:r>
             <a:r>
               <a:rPr lang="en-US" dirty="0"/>
@@ -17943,23 +18091,7 @@
             </a:r>
             <a:r>
               <a:rPr lang="en-US" dirty="0" err="1"/>
-              <a:t>xây</a:t>
-            </a:r>
-            <a:r>
-              <a:rPr lang="en-US" dirty="0"/>
-              <a:t> </a:t>
-            </a:r>
-            <a:r>
-              <a:rPr lang="en-US" dirty="0" err="1"/>
-              <a:t>dựng</a:t>
-            </a:r>
-            <a:r>
-              <a:rPr lang="en-US" dirty="0"/>
-              <a:t> </a:t>
-            </a:r>
-            <a:r>
-              <a:rPr lang="en-US" dirty="0" err="1"/>
-              <a:t>với</a:t>
+              <a:t>các</a:t>
             </a:r>
             <a:r>
               <a:rPr lang="en-US" dirty="0"/>
@@ -17983,11 +18115,19 @@
             </a:r>
             <a:r>
               <a:rPr lang="en-US" dirty="0" err="1"/>
-              <a:t>khác</a:t>
+              <a:t>hiện</a:t>
             </a:r>
             <a:r>
               <a:rPr lang="en-US" dirty="0"/>
-              <a:t>, … </a:t>
+              <a:t> </a:t>
+            </a:r>
+            <a:r>
+              <a:rPr lang="en-US" dirty="0" err="1"/>
+              <a:t>có</a:t>
+            </a:r>
+            <a:r>
+              <a:rPr lang="en-US" dirty="0"/>
+              <a:t> …</a:t>
             </a:r>
           </a:p>
           <a:p>
@@ -18152,23 +18292,17 @@
             </a:r>
           </a:p>
           <a:p>
-            <a:pPr marL="114300" indent="0">
-              <a:buNone/>
-            </a:pPr>
+            <a:r>
+              <a:rPr lang="en-US" dirty="0"/>
+              <a:t>X</a:t>
+            </a:r>
             <a:r>
               <a:rPr lang="vi-VN" dirty="0"/>
-              <a:t>	Hành động của tác nhân, hành động của hệ thống, các hành động bên ngoài, các sự kiện có thể được gây ra</a:t>
+              <a:t>ác định ca sử dụng của hệ thống dựa trên các chức năng cần thiết, yêu cầu truy cập và lưu trữ thông tin, các thông báo cần thiết, các sự kiện bên ngoài, và việc đơn giản hóa công việc cho tác nhân.</a:t>
             </a:r>
             <a:endParaRPr lang="en-US" dirty="0"/>
           </a:p>
           <a:p>
-            <a:pPr marL="114300" indent="0">
-              <a:buNone/>
-            </a:pPr>
-            <a:r>
-              <a:rPr lang="en-US" dirty="0"/>
-              <a:t>	</a:t>
-            </a:r>
             <a:r>
               <a:rPr lang="en-US" dirty="0" err="1"/>
               <a:t>Lưu</a:t>
@@ -18416,7 +18550,9 @@
         </p:nvSpPr>
         <p:spPr/>
         <p:txBody>
-          <a:bodyPr/>
+          <a:bodyPr>
+            <a:normAutofit fontScale="92500" lnSpcReduction="10000"/>
+          </a:bodyPr>
           <a:lstStyle/>
           <a:p>
             <a:pPr>
@@ -18517,6 +18653,243 @@
             </a:r>
             <a:r>
               <a:rPr lang="en-US" b="1" dirty="0"/>
+              <a:t>:</a:t>
+            </a:r>
+          </a:p>
+          <a:p>
+            <a:r>
+              <a:rPr lang="en-US" dirty="0" err="1"/>
+              <a:t>Các</a:t>
+            </a:r>
+            <a:r>
+              <a:rPr lang="en-US" dirty="0"/>
+              <a:t> </a:t>
+            </a:r>
+            <a:r>
+              <a:rPr lang="en-US" dirty="0" err="1"/>
+              <a:t>dạng</a:t>
+            </a:r>
+            <a:r>
+              <a:rPr lang="en-US" dirty="0"/>
+              <a:t> </a:t>
+            </a:r>
+            <a:r>
+              <a:rPr lang="en-US" dirty="0" err="1"/>
+              <a:t>quan</a:t>
+            </a:r>
+            <a:r>
+              <a:rPr lang="en-US" dirty="0"/>
+              <a:t> </a:t>
+            </a:r>
+            <a:r>
+              <a:rPr lang="en-US" dirty="0" err="1"/>
+              <a:t>hệ</a:t>
+            </a:r>
+            <a:r>
+              <a:rPr lang="en-US" dirty="0"/>
+              <a:t> </a:t>
+            </a:r>
+            <a:r>
+              <a:rPr lang="en-US" dirty="0" err="1"/>
+              <a:t>trong</a:t>
+            </a:r>
+            <a:r>
+              <a:rPr lang="en-US" dirty="0"/>
+              <a:t> </a:t>
+            </a:r>
+            <a:r>
+              <a:rPr lang="en-US" dirty="0" err="1"/>
+              <a:t>biểu</a:t>
+            </a:r>
+            <a:r>
+              <a:rPr lang="en-US" dirty="0"/>
+              <a:t> </a:t>
+            </a:r>
+            <a:r>
+              <a:rPr lang="en-US" dirty="0" err="1"/>
+              <a:t>đồ</a:t>
+            </a:r>
+            <a:r>
+              <a:rPr lang="en-US" dirty="0"/>
+              <a:t> ca </a:t>
+            </a:r>
+            <a:r>
+              <a:rPr lang="en-US" dirty="0" err="1"/>
+              <a:t>sử</a:t>
+            </a:r>
+            <a:r>
+              <a:rPr lang="en-US" dirty="0"/>
+              <a:t> </a:t>
+            </a:r>
+            <a:r>
+              <a:rPr lang="en-US" dirty="0" err="1"/>
+              <a:t>dụng</a:t>
+            </a:r>
+            <a:r>
+              <a:rPr lang="en-US" dirty="0"/>
+              <a:t>:</a:t>
+            </a:r>
+          </a:p>
+          <a:p>
+            <a:pPr marL="114300" indent="0">
+              <a:buNone/>
+            </a:pPr>
+            <a:r>
+              <a:rPr lang="en-US" dirty="0"/>
+              <a:t>	+ Quan </a:t>
+            </a:r>
+            <a:r>
+              <a:rPr lang="en-US" dirty="0" err="1"/>
+              <a:t>hệ</a:t>
+            </a:r>
+            <a:r>
+              <a:rPr lang="en-US" dirty="0"/>
+              <a:t> </a:t>
+            </a:r>
+            <a:r>
+              <a:rPr lang="en-US" dirty="0" err="1"/>
+              <a:t>kết</a:t>
+            </a:r>
+            <a:r>
+              <a:rPr lang="en-US" dirty="0"/>
+              <a:t> </a:t>
+            </a:r>
+            <a:r>
+              <a:rPr lang="en-US" dirty="0" err="1"/>
+              <a:t>hợp</a:t>
+            </a:r>
+            <a:endParaRPr lang="en-US" dirty="0"/>
+          </a:p>
+          <a:p>
+            <a:pPr marL="114300" indent="0">
+              <a:buNone/>
+            </a:pPr>
+            <a:r>
+              <a:rPr lang="en-US" dirty="0"/>
+              <a:t>	+ Quan </a:t>
+            </a:r>
+            <a:r>
+              <a:rPr lang="en-US" dirty="0" err="1"/>
+              <a:t>hệ</a:t>
+            </a:r>
+            <a:r>
+              <a:rPr lang="en-US" dirty="0"/>
+              <a:t> &lt;&lt;include&gt;&gt;</a:t>
+            </a:r>
+          </a:p>
+          <a:p>
+            <a:pPr marL="114300" indent="0">
+              <a:buNone/>
+            </a:pPr>
+            <a:r>
+              <a:rPr lang="en-US" dirty="0"/>
+              <a:t>	+ Quan </a:t>
+            </a:r>
+            <a:r>
+              <a:rPr lang="en-US" dirty="0" err="1"/>
+              <a:t>hệ</a:t>
+            </a:r>
+            <a:r>
+              <a:rPr lang="en-US" dirty="0"/>
+              <a:t> </a:t>
+            </a:r>
+            <a:r>
+              <a:rPr lang="en-US" dirty="0" err="1"/>
+              <a:t>mở</a:t>
+            </a:r>
+            <a:r>
+              <a:rPr lang="en-US" dirty="0"/>
+              <a:t> </a:t>
+            </a:r>
+            <a:r>
+              <a:rPr lang="en-US" dirty="0" err="1"/>
+              <a:t>rộng</a:t>
+            </a:r>
+            <a:r>
+              <a:rPr lang="en-US" dirty="0"/>
+              <a:t> &lt;&lt;extend&gt;&gt;</a:t>
+            </a:r>
+          </a:p>
+          <a:p>
+            <a:pPr marL="114300" indent="0">
+              <a:buNone/>
+            </a:pPr>
+            <a:r>
+              <a:rPr lang="en-US" dirty="0"/>
+              <a:t>	+ Quan </a:t>
+            </a:r>
+            <a:r>
+              <a:rPr lang="en-US" dirty="0" err="1"/>
+              <a:t>hệ</a:t>
+            </a:r>
+            <a:r>
+              <a:rPr lang="en-US" dirty="0"/>
+              <a:t> </a:t>
+            </a:r>
+            <a:r>
+              <a:rPr lang="en-US" dirty="0" err="1"/>
+              <a:t>kế</a:t>
+            </a:r>
+            <a:r>
+              <a:rPr lang="en-US" dirty="0"/>
+              <a:t> </a:t>
+            </a:r>
+            <a:r>
+              <a:rPr lang="en-US" dirty="0" err="1"/>
+              <a:t>thừa</a:t>
+            </a:r>
+            <a:r>
+              <a:rPr lang="en-US" dirty="0"/>
+              <a:t> generalization</a:t>
+            </a:r>
+          </a:p>
+          <a:p>
+            <a:r>
+              <a:rPr lang="en-US" dirty="0" err="1"/>
+              <a:t>Nguyên</a:t>
+            </a:r>
+            <a:r>
+              <a:rPr lang="en-US" dirty="0"/>
+              <a:t> </a:t>
+            </a:r>
+            <a:r>
+              <a:rPr lang="en-US" dirty="0" err="1"/>
+              <a:t>tắc</a:t>
+            </a:r>
+            <a:r>
+              <a:rPr lang="en-US" dirty="0"/>
+              <a:t> </a:t>
+            </a:r>
+            <a:r>
+              <a:rPr lang="en-US" dirty="0" err="1"/>
+              <a:t>phân</a:t>
+            </a:r>
+            <a:r>
+              <a:rPr lang="en-US" dirty="0"/>
+              <a:t> </a:t>
+            </a:r>
+            <a:r>
+              <a:rPr lang="en-US" dirty="0" err="1"/>
+              <a:t>rã</a:t>
+            </a:r>
+            <a:r>
+              <a:rPr lang="en-US" dirty="0"/>
+              <a:t> </a:t>
+            </a:r>
+            <a:r>
+              <a:rPr lang="en-US" dirty="0" err="1"/>
+              <a:t>biểu</a:t>
+            </a:r>
+            <a:r>
+              <a:rPr lang="en-US" dirty="0"/>
+              <a:t> </a:t>
+            </a:r>
+            <a:r>
+              <a:rPr lang="en-US" dirty="0" err="1"/>
+              <a:t>đồ</a:t>
+            </a:r>
+            <a:r>
+              <a:rPr lang="en-US" dirty="0"/>
               <a:t>:</a:t>
             </a:r>
           </a:p>
@@ -18892,7 +19265,7 @@
         <p:spPr/>
         <p:txBody>
           <a:bodyPr>
-            <a:normAutofit/>
+            <a:normAutofit lnSpcReduction="10000"/>
           </a:bodyPr>
           <a:lstStyle/>
           <a:p>
@@ -19104,7 +19477,95 @@
             </a:r>
             <a:r>
               <a:rPr lang="vi-VN" dirty="0"/>
-              <a:t>kiện. </a:t>
+              <a:t>kiện</a:t>
+            </a:r>
+            <a:r>
+              <a:rPr lang="en-US" dirty="0"/>
+              <a:t> (</a:t>
+            </a:r>
+            <a:r>
+              <a:rPr lang="en-US" dirty="0" err="1"/>
+              <a:t>luồng</a:t>
+            </a:r>
+            <a:r>
+              <a:rPr lang="en-US" dirty="0"/>
+              <a:t> </a:t>
+            </a:r>
+            <a:r>
+              <a:rPr lang="en-US" dirty="0" err="1"/>
+              <a:t>sự</a:t>
+            </a:r>
+            <a:r>
+              <a:rPr lang="en-US" dirty="0"/>
+              <a:t> </a:t>
+            </a:r>
+            <a:r>
+              <a:rPr lang="en-US" dirty="0" err="1"/>
+              <a:t>kiện</a:t>
+            </a:r>
+            <a:r>
+              <a:rPr lang="en-US" dirty="0"/>
+              <a:t> </a:t>
+            </a:r>
+            <a:r>
+              <a:rPr lang="en-US" dirty="0" err="1"/>
+              <a:t>chính</a:t>
+            </a:r>
+            <a:r>
+              <a:rPr lang="en-US" dirty="0"/>
+              <a:t> </a:t>
+            </a:r>
+            <a:r>
+              <a:rPr lang="en-US" dirty="0" err="1"/>
+              <a:t>và</a:t>
+            </a:r>
+            <a:r>
+              <a:rPr lang="en-US" dirty="0"/>
+              <a:t> </a:t>
+            </a:r>
+            <a:r>
+              <a:rPr lang="en-US" dirty="0" err="1"/>
+              <a:t>luồng</a:t>
+            </a:r>
+            <a:r>
+              <a:rPr lang="en-US" dirty="0"/>
+              <a:t> </a:t>
+            </a:r>
+            <a:r>
+              <a:rPr lang="en-US" dirty="0" err="1"/>
+              <a:t>sự</a:t>
+            </a:r>
+            <a:r>
+              <a:rPr lang="en-US" dirty="0"/>
+              <a:t> </a:t>
+            </a:r>
+            <a:r>
+              <a:rPr lang="en-US" dirty="0" err="1"/>
+              <a:t>kiện</a:t>
+            </a:r>
+            <a:r>
+              <a:rPr lang="en-US" dirty="0"/>
+              <a:t> </a:t>
+            </a:r>
+            <a:r>
+              <a:rPr lang="en-US" dirty="0" err="1"/>
+              <a:t>thay</a:t>
+            </a:r>
+            <a:r>
+              <a:rPr lang="en-US" dirty="0"/>
+              <a:t> </a:t>
+            </a:r>
+            <a:r>
+              <a:rPr lang="en-US" dirty="0" err="1"/>
+              <a:t>thế</a:t>
+            </a:r>
+            <a:r>
+              <a:rPr lang="en-US" dirty="0"/>
+              <a:t>)</a:t>
+            </a:r>
+            <a:r>
+              <a:rPr lang="vi-VN" dirty="0"/>
+              <a:t>. </a:t>
             </a:r>
             <a:endParaRPr lang="en-US" dirty="0"/>
           </a:p>
@@ -19247,7 +19708,9 @@
         </p:nvSpPr>
         <p:spPr/>
         <p:txBody>
-          <a:bodyPr/>
+          <a:bodyPr>
+            <a:normAutofit lnSpcReduction="10000"/>
+          </a:bodyPr>
           <a:lstStyle/>
           <a:p>
             <a:pPr>
@@ -19277,25 +19740,777 @@
             <a:endParaRPr lang="en-US" b="1" dirty="0"/>
           </a:p>
           <a:p>
-            <a:pPr marL="114300" indent="0">
-              <a:buNone/>
+            <a:pPr>
+              <a:buFont typeface="Arial" panose="020B0604020202020204" pitchFamily="34" charset="0"/>
+              <a:buChar char="•"/>
             </a:pPr>
             <a:r>
-              <a:rPr lang="en-US" b="1" dirty="0"/>
-              <a:t>	</a:t>
+              <a:rPr lang="en-US" sz="2400" dirty="0" err="1"/>
+              <a:t>Mục</a:t>
+            </a:r>
+            <a:r>
+              <a:rPr lang="en-US" sz="2400" dirty="0"/>
+              <a:t> </a:t>
+            </a:r>
+            <a:r>
+              <a:rPr lang="en-US" sz="2400" dirty="0" err="1"/>
+              <a:t>đích</a:t>
+            </a:r>
+            <a:r>
+              <a:rPr lang="en-US" sz="2400" dirty="0"/>
+              <a:t>: </a:t>
+            </a:r>
+            <a:r>
+              <a:rPr lang="en-US" sz="2400" dirty="0" err="1"/>
+              <a:t>đảm</a:t>
+            </a:r>
+            <a:r>
+              <a:rPr lang="en-US" sz="2400" dirty="0"/>
+              <a:t> </a:t>
+            </a:r>
+            <a:r>
+              <a:rPr lang="en-US" sz="2400" dirty="0" err="1"/>
+              <a:t>bảo</a:t>
+            </a:r>
+            <a:r>
+              <a:rPr lang="en-US" sz="2400" dirty="0"/>
+              <a:t> </a:t>
+            </a:r>
+            <a:r>
+              <a:rPr lang="en-US" sz="2400" dirty="0" err="1"/>
+              <a:t>biểu</a:t>
+            </a:r>
+            <a:r>
+              <a:rPr lang="en-US" sz="2400" dirty="0"/>
+              <a:t> </a:t>
+            </a:r>
+            <a:r>
+              <a:rPr lang="en-US" sz="2400" dirty="0" err="1"/>
+              <a:t>đồ</a:t>
+            </a:r>
+            <a:r>
+              <a:rPr lang="en-US" sz="2400" dirty="0"/>
+              <a:t> ca </a:t>
+            </a:r>
+            <a:r>
+              <a:rPr lang="en-US" sz="2400" dirty="0" err="1"/>
+              <a:t>sử</a:t>
+            </a:r>
+            <a:r>
+              <a:rPr lang="en-US" sz="2400" dirty="0"/>
+              <a:t> </a:t>
+            </a:r>
+            <a:r>
+              <a:rPr lang="en-US" sz="2400" dirty="0" err="1"/>
+              <a:t>dụng</a:t>
+            </a:r>
+            <a:r>
+              <a:rPr lang="en-US" sz="2400" dirty="0"/>
+              <a:t> </a:t>
+            </a:r>
+            <a:r>
+              <a:rPr lang="en-US" sz="2400" dirty="0" err="1"/>
+              <a:t>và</a:t>
+            </a:r>
+            <a:r>
+              <a:rPr lang="en-US" sz="2400" dirty="0"/>
+              <a:t> </a:t>
+            </a:r>
+            <a:r>
+              <a:rPr lang="en-US" sz="2400" dirty="0" err="1"/>
+              <a:t>các</a:t>
+            </a:r>
+            <a:r>
+              <a:rPr lang="en-US" sz="2400" dirty="0"/>
+              <a:t> </a:t>
+            </a:r>
+            <a:r>
+              <a:rPr lang="en-US" sz="2400" dirty="0" err="1"/>
+              <a:t>tài</a:t>
+            </a:r>
+            <a:r>
+              <a:rPr lang="en-US" sz="2400" dirty="0"/>
+              <a:t> </a:t>
+            </a:r>
+            <a:r>
+              <a:rPr lang="en-US" sz="2400" dirty="0" err="1"/>
+              <a:t>liệu</a:t>
+            </a:r>
+            <a:r>
+              <a:rPr lang="en-US" sz="2400" dirty="0"/>
+              <a:t> </a:t>
+            </a:r>
+            <a:r>
+              <a:rPr lang="en-US" sz="2400" dirty="0" err="1"/>
+              <a:t>liên</a:t>
+            </a:r>
+            <a:r>
+              <a:rPr lang="en-US" sz="2400" dirty="0"/>
+              <a:t> </a:t>
+            </a:r>
+            <a:r>
+              <a:rPr lang="en-US" sz="2400" dirty="0" err="1"/>
+              <a:t>quan</a:t>
+            </a:r>
+            <a:r>
+              <a:rPr lang="en-US" sz="2400" dirty="0"/>
+              <a:t> </a:t>
+            </a:r>
+            <a:r>
+              <a:rPr lang="en-US" sz="2400" dirty="0" err="1"/>
+              <a:t>đều</a:t>
+            </a:r>
+            <a:r>
+              <a:rPr lang="en-US" sz="2400" dirty="0"/>
+              <a:t> </a:t>
+            </a:r>
+            <a:r>
+              <a:rPr lang="en-US" sz="2400" dirty="0" err="1"/>
+              <a:t>chính</a:t>
+            </a:r>
+            <a:r>
+              <a:rPr lang="en-US" sz="2400" dirty="0"/>
+              <a:t> </a:t>
+            </a:r>
+            <a:r>
+              <a:rPr lang="en-US" sz="2400" dirty="0" err="1"/>
+              <a:t>xác</a:t>
+            </a:r>
+            <a:r>
+              <a:rPr lang="en-US" sz="2400" dirty="0"/>
+              <a:t>, </a:t>
+            </a:r>
+            <a:r>
+              <a:rPr lang="en-US" sz="2400" dirty="0" err="1"/>
+              <a:t>hoàn</a:t>
+            </a:r>
+            <a:r>
+              <a:rPr lang="en-US" sz="2400" dirty="0"/>
+              <a:t> </a:t>
+            </a:r>
+            <a:r>
+              <a:rPr lang="en-US" sz="2400" dirty="0" err="1"/>
+              <a:t>chỉnh</a:t>
+            </a:r>
+            <a:endParaRPr lang="en-US" sz="2400" dirty="0"/>
+          </a:p>
+          <a:p>
+            <a:pPr>
+              <a:buFont typeface="Arial" panose="020B0604020202020204" pitchFamily="34" charset="0"/>
+              <a:buChar char="•"/>
+            </a:pPr>
+            <a:r>
+              <a:rPr lang="en-US" sz="2400" dirty="0" err="1"/>
+              <a:t>Quy</a:t>
+            </a:r>
+            <a:r>
+              <a:rPr lang="en-US" sz="2400" dirty="0"/>
+              <a:t> </a:t>
+            </a:r>
+            <a:r>
+              <a:rPr lang="en-US" sz="2400" dirty="0" err="1"/>
+              <a:t>trình</a:t>
+            </a:r>
+            <a:r>
+              <a:rPr lang="en-US" sz="2400" dirty="0"/>
+              <a:t>:</a:t>
+            </a:r>
+          </a:p>
+          <a:p>
+            <a:pPr marL="571500" lvl="1" indent="0">
+              <a:buNone/>
+            </a:pPr>
+            <a:r>
+              <a:rPr lang="en-US" dirty="0"/>
+              <a:t>+ </a:t>
+            </a:r>
+            <a:r>
+              <a:rPr lang="en-US" dirty="0" err="1"/>
+              <a:t>Kiểm</a:t>
+            </a:r>
+            <a:r>
+              <a:rPr lang="en-US" dirty="0"/>
+              <a:t> </a:t>
+            </a:r>
+            <a:r>
+              <a:rPr lang="en-US" dirty="0" err="1"/>
+              <a:t>tra</a:t>
+            </a:r>
+            <a:r>
+              <a:rPr lang="en-US" dirty="0"/>
+              <a:t> </a:t>
+            </a:r>
+            <a:r>
+              <a:rPr lang="en-US" dirty="0" err="1"/>
+              <a:t>lại</a:t>
+            </a:r>
+            <a:r>
+              <a:rPr lang="en-US" dirty="0"/>
+              <a:t> </a:t>
+            </a:r>
+            <a:r>
+              <a:rPr lang="en-US" dirty="0" err="1"/>
+              <a:t>toàn</a:t>
+            </a:r>
+            <a:r>
+              <a:rPr lang="en-US" dirty="0"/>
+              <a:t> </a:t>
+            </a:r>
+            <a:r>
+              <a:rPr lang="en-US" dirty="0" err="1"/>
+              <a:t>bộ</a:t>
+            </a:r>
+            <a:r>
+              <a:rPr lang="en-US" dirty="0"/>
+              <a:t> </a:t>
+            </a:r>
+            <a:r>
+              <a:rPr lang="en-US" dirty="0" err="1"/>
+              <a:t>biểu</a:t>
+            </a:r>
+            <a:r>
+              <a:rPr lang="en-US" dirty="0"/>
+              <a:t> </a:t>
+            </a:r>
+            <a:r>
+              <a:rPr lang="en-US" dirty="0" err="1"/>
+              <a:t>đồ</a:t>
+            </a:r>
+            <a:r>
+              <a:rPr lang="en-US" dirty="0"/>
+              <a:t> ca </a:t>
+            </a:r>
+            <a:r>
+              <a:rPr lang="en-US" dirty="0" err="1"/>
+              <a:t>sử</a:t>
+            </a:r>
+            <a:r>
+              <a:rPr lang="en-US" dirty="0"/>
+              <a:t> </a:t>
+            </a:r>
+            <a:r>
+              <a:rPr lang="en-US" dirty="0" err="1"/>
+              <a:t>dụng</a:t>
+            </a:r>
+            <a:endParaRPr lang="en-US" dirty="0"/>
+          </a:p>
+          <a:p>
+            <a:pPr marL="571500" lvl="1" indent="0">
+              <a:buNone/>
+            </a:pPr>
+            <a:r>
+              <a:rPr lang="en-US" dirty="0"/>
+              <a:t>+ </a:t>
+            </a:r>
+            <a:r>
+              <a:rPr lang="en-US" dirty="0" err="1"/>
+              <a:t>Bổ</a:t>
+            </a:r>
+            <a:r>
+              <a:rPr lang="en-US" dirty="0"/>
+              <a:t> sung </a:t>
+            </a:r>
+            <a:r>
+              <a:rPr lang="en-US" dirty="0" err="1"/>
+              <a:t>hoặc</a:t>
+            </a:r>
+            <a:r>
+              <a:rPr lang="en-US" dirty="0"/>
+              <a:t> </a:t>
+            </a:r>
+            <a:r>
+              <a:rPr lang="en-US" dirty="0" err="1"/>
+              <a:t>thay</a:t>
+            </a:r>
+            <a:r>
+              <a:rPr lang="en-US" dirty="0"/>
+              <a:t> </a:t>
+            </a:r>
+            <a:r>
+              <a:rPr lang="en-US" dirty="0" err="1"/>
+              <a:t>đổi</a:t>
+            </a:r>
+            <a:r>
+              <a:rPr lang="en-US" dirty="0"/>
+              <a:t> </a:t>
+            </a:r>
+            <a:r>
+              <a:rPr lang="en-US" dirty="0" err="1"/>
+              <a:t>thông</a:t>
+            </a:r>
+            <a:r>
+              <a:rPr lang="en-US" dirty="0"/>
+              <a:t> tin </a:t>
+            </a:r>
+            <a:r>
+              <a:rPr lang="en-US" dirty="0" err="1"/>
+              <a:t>ch</a:t>
             </a:r>
             <a:r>
               <a:rPr lang="vi-VN" dirty="0"/>
-              <a:t>Bước này thực hiện kiểm tra lại toàn bộ biểu đồ ca sử dụng, bổ sung</a:t>
+              <a:t>ư</a:t>
             </a:r>
             <a:r>
               <a:rPr lang="en-US" dirty="0"/>
-              <a:t> </a:t>
+              <a:t>a </a:t>
+            </a:r>
+            <a:r>
+              <a:rPr lang="en-US" dirty="0" err="1"/>
+              <a:t>phù</a:t>
+            </a:r>
+            <a:r>
+              <a:rPr lang="en-US" dirty="0"/>
+              <a:t> </a:t>
+            </a:r>
+            <a:r>
+              <a:rPr lang="en-US" dirty="0" err="1"/>
+              <a:t>hợp</a:t>
+            </a:r>
+            <a:endParaRPr lang="en-US" dirty="0"/>
+          </a:p>
+          <a:p>
+            <a:pPr marL="571500" lvl="1" indent="0">
+              <a:buNone/>
+            </a:pPr>
+            <a:r>
+              <a:rPr lang="en-US" dirty="0"/>
+              <a:t>+ </a:t>
+            </a:r>
+            <a:r>
+              <a:rPr lang="en-US" dirty="0" err="1"/>
+              <a:t>Chuyển</a:t>
+            </a:r>
+            <a:r>
+              <a:rPr lang="en-US" dirty="0"/>
+              <a:t> </a:t>
+            </a:r>
+            <a:r>
+              <a:rPr lang="en-US" dirty="0" err="1"/>
+              <a:t>tài</a:t>
+            </a:r>
+            <a:r>
+              <a:rPr lang="en-US" dirty="0"/>
+              <a:t> </a:t>
+            </a:r>
+            <a:r>
+              <a:rPr lang="en-US" dirty="0" err="1"/>
+              <a:t>liệu</a:t>
+            </a:r>
+            <a:r>
+              <a:rPr lang="en-US" dirty="0"/>
+              <a:t> </a:t>
+            </a:r>
+            <a:r>
+              <a:rPr lang="en-US" dirty="0" err="1"/>
+              <a:t>cho</a:t>
+            </a:r>
+            <a:r>
+              <a:rPr lang="en-US" dirty="0"/>
+              <a:t> </a:t>
+            </a:r>
+            <a:r>
+              <a:rPr lang="en-US" dirty="0" err="1"/>
+              <a:t>khách</a:t>
+            </a:r>
+            <a:r>
+              <a:rPr lang="en-US" dirty="0"/>
+              <a:t> </a:t>
+            </a:r>
+            <a:r>
+              <a:rPr lang="en-US" dirty="0" err="1"/>
+              <a:t>hàng</a:t>
+            </a:r>
+            <a:r>
+              <a:rPr lang="en-US" dirty="0"/>
+              <a:t> (</a:t>
+            </a:r>
+            <a:r>
+              <a:rPr lang="en-US" dirty="0" err="1"/>
+              <a:t>biểu</a:t>
+            </a:r>
+            <a:r>
+              <a:rPr lang="en-US" dirty="0"/>
+              <a:t> </a:t>
+            </a:r>
+            <a:r>
+              <a:rPr lang="en-US" dirty="0" err="1"/>
+              <a:t>đồ</a:t>
+            </a:r>
+            <a:r>
+              <a:rPr lang="en-US" dirty="0"/>
+              <a:t> ca </a:t>
+            </a:r>
+            <a:r>
+              <a:rPr lang="en-US" dirty="0" err="1"/>
+              <a:t>sử</a:t>
+            </a:r>
+            <a:r>
+              <a:rPr lang="en-US" dirty="0"/>
+              <a:t> </a:t>
+            </a:r>
+            <a:r>
+              <a:rPr lang="en-US" dirty="0" err="1"/>
+              <a:t>dụng</a:t>
+            </a:r>
+            <a:r>
+              <a:rPr lang="en-US" dirty="0"/>
+              <a:t>, </a:t>
+            </a:r>
+            <a:r>
+              <a:rPr lang="en-US" dirty="0" err="1"/>
+              <a:t>các</a:t>
+            </a:r>
+            <a:r>
+              <a:rPr lang="en-US" dirty="0"/>
+              <a:t> scenario, </a:t>
+            </a:r>
+            <a:r>
+              <a:rPr lang="en-US" dirty="0" err="1"/>
+              <a:t>tài</a:t>
+            </a:r>
+            <a:r>
+              <a:rPr lang="en-US" dirty="0"/>
+              <a:t> </a:t>
+            </a:r>
+            <a:r>
+              <a:rPr lang="en-US" dirty="0" err="1"/>
+              <a:t>liệu</a:t>
+            </a:r>
+            <a:r>
+              <a:rPr lang="en-US" dirty="0"/>
+              <a:t> </a:t>
+            </a:r>
+            <a:r>
+              <a:rPr lang="en-US" dirty="0" err="1"/>
+              <a:t>liên</a:t>
+            </a:r>
+            <a:r>
+              <a:rPr lang="en-US" dirty="0"/>
+              <a:t> </a:t>
+            </a:r>
+            <a:r>
+              <a:rPr lang="en-US" dirty="0" err="1"/>
+              <a:t>quan</a:t>
+            </a:r>
+            <a:r>
+              <a:rPr lang="en-US" dirty="0"/>
+              <a:t>)</a:t>
+            </a:r>
+          </a:p>
+          <a:p>
+            <a:pPr marL="571500" lvl="1" indent="0">
+              <a:buNone/>
+            </a:pPr>
+            <a:r>
+              <a:rPr lang="en-US" dirty="0"/>
+              <a:t>+ </a:t>
+            </a:r>
+            <a:r>
+              <a:rPr lang="en-US" dirty="0" err="1"/>
+              <a:t>Lắng</a:t>
+            </a:r>
+            <a:r>
+              <a:rPr lang="en-US" dirty="0"/>
+              <a:t> </a:t>
+            </a:r>
+            <a:r>
+              <a:rPr lang="en-US" dirty="0" err="1"/>
+              <a:t>nghe</a:t>
+            </a:r>
+            <a:r>
+              <a:rPr lang="en-US" dirty="0"/>
+              <a:t> </a:t>
+            </a:r>
+            <a:r>
+              <a:rPr lang="en-US" dirty="0" err="1"/>
+              <a:t>phản</a:t>
+            </a:r>
+            <a:r>
+              <a:rPr lang="en-US" dirty="0"/>
+              <a:t> </a:t>
+            </a:r>
+            <a:r>
+              <a:rPr lang="en-US" dirty="0" err="1"/>
+              <a:t>hồi</a:t>
+            </a:r>
+            <a:r>
+              <a:rPr lang="en-US" dirty="0"/>
+              <a:t> </a:t>
+            </a:r>
+            <a:r>
+              <a:rPr lang="en-US" dirty="0" err="1"/>
+              <a:t>từ</a:t>
+            </a:r>
+            <a:r>
+              <a:rPr lang="en-US" dirty="0"/>
+              <a:t> </a:t>
+            </a:r>
+            <a:r>
+              <a:rPr lang="en-US" dirty="0" err="1"/>
+              <a:t>khách</a:t>
+            </a:r>
+            <a:r>
+              <a:rPr lang="en-US" dirty="0"/>
+              <a:t> </a:t>
+            </a:r>
+            <a:r>
+              <a:rPr lang="en-US" dirty="0" err="1"/>
+              <a:t>hàng</a:t>
+            </a:r>
+            <a:endParaRPr lang="en-US" dirty="0"/>
+          </a:p>
+          <a:p>
+            <a:pPr marL="571500" lvl="1" indent="0">
+              <a:buNone/>
+            </a:pPr>
+            <a:r>
+              <a:rPr lang="en-US" dirty="0"/>
+              <a:t>+ </a:t>
+            </a:r>
+            <a:r>
+              <a:rPr lang="en-US" dirty="0" err="1"/>
+              <a:t>Sửa</a:t>
+            </a:r>
+            <a:r>
+              <a:rPr lang="en-US" dirty="0"/>
+              <a:t> </a:t>
+            </a:r>
+            <a:r>
+              <a:rPr lang="en-US" dirty="0" err="1"/>
+              <a:t>đổi</a:t>
+            </a:r>
+            <a:r>
+              <a:rPr lang="en-US" dirty="0"/>
+              <a:t> </a:t>
+            </a:r>
+            <a:r>
+              <a:rPr lang="en-US" dirty="0" err="1"/>
+              <a:t>biểu</a:t>
+            </a:r>
+            <a:r>
+              <a:rPr lang="en-US" dirty="0"/>
+              <a:t> </a:t>
+            </a:r>
+            <a:r>
+              <a:rPr lang="en-US" dirty="0" err="1"/>
+              <a:t>đồ</a:t>
+            </a:r>
+            <a:r>
+              <a:rPr lang="en-US" dirty="0"/>
+              <a:t> ca </a:t>
+            </a:r>
+            <a:r>
+              <a:rPr lang="en-US" dirty="0" err="1"/>
+              <a:t>sử</a:t>
+            </a:r>
+            <a:r>
+              <a:rPr lang="en-US" dirty="0"/>
+              <a:t> </a:t>
+            </a:r>
+            <a:r>
+              <a:rPr lang="en-US" dirty="0" err="1"/>
+              <a:t>dụng</a:t>
+            </a:r>
+            <a:r>
+              <a:rPr lang="en-US" dirty="0"/>
+              <a:t> </a:t>
+            </a:r>
+            <a:r>
+              <a:rPr lang="en-US" dirty="0" err="1"/>
+              <a:t>theo</a:t>
+            </a:r>
+            <a:r>
+              <a:rPr lang="en-US" dirty="0"/>
+              <a:t> </a:t>
+            </a:r>
+            <a:r>
+              <a:rPr lang="en-US" dirty="0" err="1"/>
+              <a:t>yêu</a:t>
+            </a:r>
+            <a:r>
+              <a:rPr lang="en-US" dirty="0"/>
+              <a:t> </a:t>
+            </a:r>
+            <a:r>
+              <a:rPr lang="en-US" dirty="0" err="1"/>
+              <a:t>cầu</a:t>
+            </a:r>
+            <a:r>
+              <a:rPr lang="en-US" dirty="0"/>
+              <a:t> </a:t>
+            </a:r>
+            <a:r>
+              <a:rPr lang="en-US" dirty="0" err="1"/>
+              <a:t>khách</a:t>
+            </a:r>
+            <a:r>
+              <a:rPr lang="en-US" dirty="0"/>
+              <a:t> </a:t>
+            </a:r>
+            <a:r>
+              <a:rPr lang="en-US" dirty="0" err="1"/>
+              <a:t>hàng</a:t>
+            </a:r>
+            <a:endParaRPr lang="en-US" dirty="0"/>
+          </a:p>
+          <a:p>
+            <a:pPr marL="571500" lvl="1" indent="0">
+              <a:buNone/>
+            </a:pPr>
+            <a:r>
+              <a:rPr lang="en-US" dirty="0"/>
+              <a:t>+ </a:t>
+            </a:r>
+            <a:r>
+              <a:rPr lang="en-US" dirty="0" err="1"/>
+              <a:t>Hoàn</a:t>
+            </a:r>
+            <a:r>
+              <a:rPr lang="en-US" dirty="0"/>
+              <a:t> </a:t>
+            </a:r>
+            <a:r>
+              <a:rPr lang="en-US" dirty="0" err="1"/>
+              <a:t>tất</a:t>
+            </a:r>
+            <a:r>
+              <a:rPr lang="en-US" dirty="0"/>
+              <a:t> b</a:t>
             </a:r>
             <a:r>
               <a:rPr lang="vi-VN" dirty="0"/>
-              <a:t>hoặc thay đổi các thông tin nếu cần thiết.</a:t>
-            </a:r>
+              <a:t>ư</a:t>
+            </a:r>
+            <a:r>
+              <a:rPr lang="en-US" dirty="0" err="1"/>
+              <a:t>ớc</a:t>
+            </a:r>
+            <a:r>
+              <a:rPr lang="en-US" dirty="0"/>
+              <a:t> </a:t>
+            </a:r>
+            <a:r>
+              <a:rPr lang="en-US" dirty="0" err="1"/>
+              <a:t>xác</a:t>
+            </a:r>
+            <a:r>
+              <a:rPr lang="en-US" dirty="0"/>
+              <a:t> </a:t>
+            </a:r>
+            <a:r>
+              <a:rPr lang="en-US" dirty="0" err="1"/>
+              <a:t>nhận</a:t>
+            </a:r>
+            <a:r>
+              <a:rPr lang="en-US" dirty="0"/>
+              <a:t> (</a:t>
+            </a:r>
+            <a:r>
+              <a:rPr lang="en-US" dirty="0" err="1"/>
+              <a:t>khách</a:t>
+            </a:r>
+            <a:r>
+              <a:rPr lang="en-US" dirty="0"/>
+              <a:t> </a:t>
+            </a:r>
+            <a:r>
+              <a:rPr lang="en-US" dirty="0" err="1"/>
+              <a:t>hàng</a:t>
+            </a:r>
+            <a:r>
+              <a:rPr lang="en-US" dirty="0"/>
+              <a:t> </a:t>
+            </a:r>
+            <a:r>
+              <a:rPr lang="en-US" dirty="0" err="1"/>
+              <a:t>và</a:t>
+            </a:r>
+            <a:r>
+              <a:rPr lang="en-US" dirty="0"/>
+              <a:t> </a:t>
+            </a:r>
+            <a:r>
+              <a:rPr lang="en-US" dirty="0" err="1"/>
+              <a:t>nhà</a:t>
+            </a:r>
+            <a:r>
+              <a:rPr lang="en-US" dirty="0"/>
+              <a:t> </a:t>
+            </a:r>
+            <a:r>
+              <a:rPr lang="en-US" dirty="0" err="1"/>
+              <a:t>phát</a:t>
+            </a:r>
+            <a:r>
+              <a:rPr lang="en-US" dirty="0"/>
+              <a:t> </a:t>
+            </a:r>
+            <a:r>
+              <a:rPr lang="en-US" dirty="0" err="1"/>
+              <a:t>triển</a:t>
+            </a:r>
+            <a:r>
+              <a:rPr lang="en-US" dirty="0"/>
+              <a:t> </a:t>
+            </a:r>
+            <a:r>
+              <a:rPr lang="en-US" dirty="0" err="1"/>
+              <a:t>đã</a:t>
+            </a:r>
+            <a:r>
+              <a:rPr lang="en-US" dirty="0"/>
+              <a:t> </a:t>
+            </a:r>
+            <a:r>
+              <a:rPr lang="en-US" dirty="0" err="1"/>
+              <a:t>đạt</a:t>
+            </a:r>
+            <a:r>
+              <a:rPr lang="en-US" dirty="0"/>
+              <a:t> đ</a:t>
+            </a:r>
+            <a:r>
+              <a:rPr lang="vi-VN" dirty="0"/>
+              <a:t>ư</a:t>
+            </a:r>
+            <a:r>
+              <a:rPr lang="en-US" dirty="0" err="1"/>
+              <a:t>ợc</a:t>
+            </a:r>
+            <a:r>
+              <a:rPr lang="en-US" dirty="0"/>
+              <a:t> </a:t>
+            </a:r>
+            <a:r>
+              <a:rPr lang="en-US" dirty="0" err="1"/>
+              <a:t>sự</a:t>
+            </a:r>
+            <a:r>
+              <a:rPr lang="en-US" dirty="0"/>
+              <a:t> </a:t>
+            </a:r>
+            <a:r>
+              <a:rPr lang="en-US" dirty="0" err="1"/>
+              <a:t>thống</a:t>
+            </a:r>
+            <a:r>
+              <a:rPr lang="en-US" dirty="0"/>
+              <a:t> </a:t>
+            </a:r>
+            <a:r>
+              <a:rPr lang="en-US" dirty="0" err="1"/>
+              <a:t>nhất</a:t>
+            </a:r>
+            <a:r>
+              <a:rPr lang="en-US" dirty="0"/>
+              <a:t>)</a:t>
+            </a:r>
+          </a:p>
+          <a:p>
+            <a:pPr>
+              <a:buFont typeface="Arial" panose="020B0604020202020204" pitchFamily="34" charset="0"/>
+              <a:buChar char="•"/>
+            </a:pPr>
             <a:endParaRPr lang="en-US" dirty="0"/>
           </a:p>
           <a:p>

--- a/Slide.pptx
+++ b/Slide.pptx
@@ -5,7 +5,7 @@
     <p:sldMasterId id="2147483648" r:id="rId1"/>
   </p:sldMasterIdLst>
   <p:notesMasterIdLst>
-    <p:notesMasterId r:id="rId22"/>
+    <p:notesMasterId r:id="rId25"/>
   </p:notesMasterIdLst>
   <p:sldIdLst>
     <p:sldId id="256" r:id="rId2"/>
@@ -20,14 +20,17 @@
     <p:sldId id="265" r:id="rId11"/>
     <p:sldId id="266" r:id="rId12"/>
     <p:sldId id="267" r:id="rId13"/>
-    <p:sldId id="272" r:id="rId14"/>
-    <p:sldId id="268" r:id="rId15"/>
-    <p:sldId id="269" r:id="rId16"/>
-    <p:sldId id="270" r:id="rId17"/>
-    <p:sldId id="273" r:id="rId18"/>
-    <p:sldId id="274" r:id="rId19"/>
-    <p:sldId id="260" r:id="rId20"/>
-    <p:sldId id="261" r:id="rId21"/>
+    <p:sldId id="278" r:id="rId14"/>
+    <p:sldId id="272" r:id="rId15"/>
+    <p:sldId id="268" r:id="rId16"/>
+    <p:sldId id="276" r:id="rId17"/>
+    <p:sldId id="269" r:id="rId18"/>
+    <p:sldId id="270" r:id="rId19"/>
+    <p:sldId id="277" r:id="rId20"/>
+    <p:sldId id="273" r:id="rId21"/>
+    <p:sldId id="274" r:id="rId22"/>
+    <p:sldId id="260" r:id="rId23"/>
+    <p:sldId id="261" r:id="rId24"/>
   </p:sldIdLst>
   <p:sldSz cx="9144000" cy="6858000" type="screen4x3"/>
   <p:notesSz cx="6858000" cy="9144000"/>
@@ -265,7 +268,7 @@
       <p15:sldGuideLst xmlns:p15="http://schemas.microsoft.com/office/powerpoint/2012/main"/>
     </p:ext>
     <p:ext uri="GoogleSlidesCustomDataVersion2">
-      <go:slidesCustomData xmlns:go="http://customooxmlschemas.google.com/" xmlns:ahyp="http://schemas.microsoft.com/office/drawing/2018/hyperlinkcolor" xmlns:p15="http://schemas.microsoft.com/office/powerpoint/2012/main" xmlns:p14="http://schemas.microsoft.com/office/powerpoint/2010/main" xmlns:com="http://schemas.openxmlformats.org/drawingml/2006/compatibility" xmlns:pvml="urn:schemas-microsoft-com:office:powerpoint" xmlns:v="urn:schemas-microsoft-com:vml" xmlns:o="urn:schemas-microsoft-com:office:office" xmlns:dgm="http://schemas.openxmlformats.org/drawingml/2006/diagram" xmlns:c="http://schemas.openxmlformats.org/drawingml/2006/chart" xmlns:mv="urn:schemas-microsoft-com:mac:vml" xmlns:mc="http://schemas.openxmlformats.org/markup-compatibility/2006" xmlns="" r:id="rId34" roundtripDataSignature="AMtx7mgzalF4DGvfEshU7BVqSP7oz0qtVA=="/>
+      <go:slidesCustomData xmlns="" xmlns:mc="http://schemas.openxmlformats.org/markup-compatibility/2006" xmlns:mv="urn:schemas-microsoft-com:mac:vml" xmlns:c="http://schemas.openxmlformats.org/drawingml/2006/chart" xmlns:dgm="http://schemas.openxmlformats.org/drawingml/2006/diagram" xmlns:o="urn:schemas-microsoft-com:office:office" xmlns:v="urn:schemas-microsoft-com:vml" xmlns:pvml="urn:schemas-microsoft-com:office:powerpoint" xmlns:com="http://schemas.openxmlformats.org/drawingml/2006/compatibility" xmlns:p14="http://schemas.microsoft.com/office/powerpoint/2010/main" xmlns:p15="http://schemas.microsoft.com/office/powerpoint/2012/main" xmlns:ahyp="http://schemas.microsoft.com/office/drawing/2018/hyperlinkcolor" xmlns:go="http://customooxmlschemas.google.com/" r:id="rId34" roundtripDataSignature="AMtx7mgzalF4DGvfEshU7BVqSP7oz0qtVA=="/>
     </p:ext>
   </p:extLst>
 </p:presentation>
@@ -2062,7 +2065,7 @@
                 <a:cs typeface="Arial"/>
                 <a:sym typeface="Arial"/>
               </a:rPr>
-              <a:t>19</a:t>
+              <a:t>22</a:t>
             </a:fld>
             <a:endParaRPr sz="1300">
               <a:solidFill>
@@ -12576,7 +12579,7 @@
         <p:spPr>
           <a:xfrm>
             <a:off x="0" y="3024553"/>
-            <a:ext cx="6011857" cy="1283677"/>
+            <a:ext cx="9144000" cy="1283677"/>
           </a:xfrm>
           <a:prstGeom prst="rect">
             <a:avLst/>
@@ -12709,7 +12712,7 @@
         <p:spPr>
           <a:xfrm>
             <a:off x="369278" y="4450080"/>
-            <a:ext cx="4848765" cy="1185790"/>
+            <a:ext cx="5247751" cy="1185790"/>
           </a:xfrm>
           <a:prstGeom prst="rect">
             <a:avLst/>
@@ -12953,6 +12956,13 @@
   <p:clrMapOvr>
     <a:masterClrMapping/>
   </p:clrMapOvr>
+  <p:timing>
+    <p:tnLst>
+      <p:par>
+        <p:cTn id="1" dur="indefinite" restart="never" nodeType="tmRoot"/>
+      </p:par>
+    </p:tnLst>
+  </p:timing>
 </p:sld>
 </file>
 
@@ -12978,7 +12988,7 @@
           <p:cNvPr id="2" name="Title 1">
             <a:extLst>
               <a:ext uri="{FF2B5EF4-FFF2-40B4-BE49-F238E27FC236}">
-                <a16:creationId xmlns:a16="http://schemas.microsoft.com/office/drawing/2014/main" xmlns="" id="{64B95BEF-5974-42F7-A3AF-C837355F8573}"/>
+                <a16:creationId xmlns="" xmlns:a16="http://schemas.microsoft.com/office/drawing/2014/main" id="{64B95BEF-5974-42F7-A3AF-C837355F8573}"/>
               </a:ext>
             </a:extLst>
           </p:cNvPr>
@@ -13063,7 +13073,7 @@
           <p:cNvPr id="3" name="Text Placeholder 2">
             <a:extLst>
               <a:ext uri="{FF2B5EF4-FFF2-40B4-BE49-F238E27FC236}">
-                <a16:creationId xmlns:a16="http://schemas.microsoft.com/office/drawing/2014/main" xmlns="" id="{AB3C6A4E-919D-4DEC-8253-297B1861DCC8}"/>
+                <a16:creationId xmlns="" xmlns:a16="http://schemas.microsoft.com/office/drawing/2014/main" id="{AB3C6A4E-919D-4DEC-8253-297B1861DCC8}"/>
               </a:ext>
             </a:extLst>
           </p:cNvPr>
@@ -13076,8 +13086,8 @@
         </p:nvSpPr>
         <p:spPr>
           <a:xfrm>
-            <a:off x="211769" y="691828"/>
-            <a:ext cx="2296300" cy="697188"/>
+            <a:off x="211769" y="585653"/>
+            <a:ext cx="2296300" cy="640079"/>
           </a:xfrm>
         </p:spPr>
         <p:txBody>
@@ -13105,7 +13115,7 @@
           <p:cNvPr id="5" name="Text Placeholder 2">
             <a:extLst>
               <a:ext uri="{FF2B5EF4-FFF2-40B4-BE49-F238E27FC236}">
-                <a16:creationId xmlns:a16="http://schemas.microsoft.com/office/drawing/2014/main" xmlns="" id="{B98D1857-0561-411C-BD5D-5E661010EFD7}"/>
+                <a16:creationId xmlns="" xmlns:a16="http://schemas.microsoft.com/office/drawing/2014/main" id="{B98D1857-0561-411C-BD5D-5E661010EFD7}"/>
               </a:ext>
             </a:extLst>
           </p:cNvPr>
@@ -13116,7 +13126,7 @@
         </p:nvSpPr>
         <p:spPr>
           <a:xfrm>
-            <a:off x="211769" y="1373778"/>
+            <a:off x="211769" y="1147983"/>
             <a:ext cx="8592597" cy="2290354"/>
           </a:xfrm>
           <a:prstGeom prst="rect">
@@ -13397,7 +13407,6 @@
               <a:rPr lang="vi-VN" sz="2400" dirty="0" smtClean="0"/>
               <a:t>Một ca sử dụng phải là một chuỗi các hoạt động hoàn chỉnh theo góc nhìn của tác nhân mà cung cấp giá trị cho tác nhân</a:t>
             </a:r>
-            <a:endParaRPr lang="vi-VN" sz="2400" dirty="0" smtClean="0"/>
           </a:p>
         </p:txBody>
       </p:sp>
@@ -13424,8 +13433,8 @@
         </p:blipFill>
         <p:spPr bwMode="auto">
           <a:xfrm>
-            <a:off x="5643154" y="3997235"/>
-            <a:ext cx="3161212" cy="2465174"/>
+            <a:off x="5886994" y="3997235"/>
+            <a:ext cx="2917372" cy="2465174"/>
           </a:xfrm>
           <a:prstGeom prst="rect">
             <a:avLst/>
@@ -13447,7 +13456,7 @@
           <p:cNvPr id="9" name="Text Placeholder 2">
             <a:extLst>
               <a:ext uri="{FF2B5EF4-FFF2-40B4-BE49-F238E27FC236}">
-                <a16:creationId xmlns:a16="http://schemas.microsoft.com/office/drawing/2014/main" xmlns="" id="{B98D1857-0561-411C-BD5D-5E661010EFD7}"/>
+                <a16:creationId xmlns="" xmlns:a16="http://schemas.microsoft.com/office/drawing/2014/main" id="{B98D1857-0561-411C-BD5D-5E661010EFD7}"/>
               </a:ext>
             </a:extLst>
           </p:cNvPr>
@@ -13458,7 +13467,7 @@
         </p:nvSpPr>
         <p:spPr>
           <a:xfrm>
-            <a:off x="290146" y="3664132"/>
+            <a:off x="211769" y="3438337"/>
             <a:ext cx="5296402" cy="936171"/>
           </a:xfrm>
           <a:prstGeom prst="rect">
@@ -13729,7 +13738,6 @@
               <a:rPr lang="vi-VN" sz="2400" dirty="0" smtClean="0"/>
               <a:t>Đặt tên: cụm động danh từ (động từ + danh từ)</a:t>
             </a:r>
-            <a:endParaRPr lang="vi-VN" sz="2400" dirty="0" smtClean="0"/>
           </a:p>
         </p:txBody>
       </p:sp>
@@ -13738,7 +13746,7 @@
           <p:cNvPr id="10" name="Text Placeholder 2">
             <a:extLst>
               <a:ext uri="{FF2B5EF4-FFF2-40B4-BE49-F238E27FC236}">
-                <a16:creationId xmlns:a16="http://schemas.microsoft.com/office/drawing/2014/main" xmlns="" id="{B98D1857-0561-411C-BD5D-5E661010EFD7}"/>
+                <a16:creationId xmlns="" xmlns:a16="http://schemas.microsoft.com/office/drawing/2014/main" id="{B98D1857-0561-411C-BD5D-5E661010EFD7}"/>
               </a:ext>
             </a:extLst>
           </p:cNvPr>
@@ -13749,7 +13757,7 @@
         </p:nvSpPr>
         <p:spPr>
           <a:xfrm>
-            <a:off x="290146" y="4600303"/>
+            <a:off x="211769" y="4287443"/>
             <a:ext cx="5296402" cy="2174966"/>
           </a:xfrm>
           <a:prstGeom prst="rect">
@@ -14107,6 +14115,13 @@
   <p:clrMapOvr>
     <a:masterClrMapping/>
   </p:clrMapOvr>
+  <p:timing>
+    <p:tnLst>
+      <p:par>
+        <p:cTn id="1" dur="indefinite" restart="never" nodeType="tmRoot"/>
+      </p:par>
+    </p:tnLst>
+  </p:timing>
 </p:sld>
 </file>
 
@@ -14132,7 +14147,7 @@
           <p:cNvPr id="2" name="Title 1">
             <a:extLst>
               <a:ext uri="{FF2B5EF4-FFF2-40B4-BE49-F238E27FC236}">
-                <a16:creationId xmlns:a16="http://schemas.microsoft.com/office/drawing/2014/main" xmlns="" id="{21455DAE-BD5C-4A55-8025-75D2C7C7A9FE}"/>
+                <a16:creationId xmlns="" xmlns:a16="http://schemas.microsoft.com/office/drawing/2014/main" id="{21455DAE-BD5C-4A55-8025-75D2C7C7A9FE}"/>
               </a:ext>
             </a:extLst>
           </p:cNvPr>
@@ -14217,7 +14232,7 @@
           <p:cNvPr id="3" name="Text Placeholder 2">
             <a:extLst>
               <a:ext uri="{FF2B5EF4-FFF2-40B4-BE49-F238E27FC236}">
-                <a16:creationId xmlns:a16="http://schemas.microsoft.com/office/drawing/2014/main" xmlns="" id="{8C8E4A19-149C-474C-B372-724710A41EDB}"/>
+                <a16:creationId xmlns="" xmlns:a16="http://schemas.microsoft.com/office/drawing/2014/main" id="{8C8E4A19-149C-474C-B372-724710A41EDB}"/>
               </a:ext>
             </a:extLst>
           </p:cNvPr>
@@ -14399,6 +14414,13 @@
   <p:clrMapOvr>
     <a:masterClrMapping/>
   </p:clrMapOvr>
+  <p:timing>
+    <p:tnLst>
+      <p:par>
+        <p:cTn id="1" dur="indefinite" restart="never" nodeType="tmRoot"/>
+      </p:par>
+    </p:tnLst>
+  </p:timing>
 </p:sld>
 </file>
 
@@ -14424,7 +14446,7 @@
           <p:cNvPr id="2" name="Title 1">
             <a:extLst>
               <a:ext uri="{FF2B5EF4-FFF2-40B4-BE49-F238E27FC236}">
-                <a16:creationId xmlns:a16="http://schemas.microsoft.com/office/drawing/2014/main" xmlns="" id="{D6C95B60-48C6-4F01-A08F-533FC7622445}"/>
+                <a16:creationId xmlns="" xmlns:a16="http://schemas.microsoft.com/office/drawing/2014/main" id="{D6C95B60-48C6-4F01-A08F-533FC7622445}"/>
               </a:ext>
             </a:extLst>
           </p:cNvPr>
@@ -14509,7 +14531,7 @@
           <p:cNvPr id="3" name="Text Placeholder 2">
             <a:extLst>
               <a:ext uri="{FF2B5EF4-FFF2-40B4-BE49-F238E27FC236}">
-                <a16:creationId xmlns:a16="http://schemas.microsoft.com/office/drawing/2014/main" xmlns="" id="{43E4F237-9968-496E-9496-56500A3FC989}"/>
+                <a16:creationId xmlns="" xmlns:a16="http://schemas.microsoft.com/office/drawing/2014/main" id="{43E4F237-9968-496E-9496-56500A3FC989}"/>
               </a:ext>
             </a:extLst>
           </p:cNvPr>
@@ -14552,7 +14574,7 @@
           <p:nvPr>
             <p:extLst>
               <p:ext uri="{D42A27DB-BD31-4B8C-83A1-F6EECF244321}">
-                <p14:modId xmlns:p14="http://schemas.microsoft.com/office/powerpoint/2010/main" val="2299098872"/>
+                <p14:modId xmlns:p14="http://schemas.microsoft.com/office/powerpoint/2010/main" val="2705371104"/>
               </p:ext>
             </p:extLst>
           </p:nvPr>
@@ -14677,7 +14699,7 @@
                   <a:tcPr/>
                 </a:tc>
               </a:tr>
-              <a:tr h="1262743">
+              <a:tr h="1184366">
                 <a:tc>
                   <a:txBody>
                     <a:bodyPr/>
@@ -14867,7 +14889,7 @@
         </p:blipFill>
         <p:spPr>
           <a:xfrm>
-            <a:off x="2809627" y="3527297"/>
+            <a:off x="2809627" y="3347976"/>
             <a:ext cx="2152950" cy="457264"/>
           </a:xfrm>
           <a:prstGeom prst="rect">
@@ -14932,6 +14954,13 @@
   <p:clrMapOvr>
     <a:masterClrMapping/>
   </p:clrMapOvr>
+  <p:timing>
+    <p:tnLst>
+      <p:par>
+        <p:cTn id="1" dur="indefinite" restart="never" nodeType="tmRoot"/>
+      </p:par>
+    </p:tnLst>
+  </p:timing>
 </p:sld>
 </file>
 
@@ -14957,7 +14986,7 @@
           <p:cNvPr id="2" name="Title 1">
             <a:extLst>
               <a:ext uri="{FF2B5EF4-FFF2-40B4-BE49-F238E27FC236}">
-                <a16:creationId xmlns:a16="http://schemas.microsoft.com/office/drawing/2014/main" xmlns="" id="{C640EACF-5B41-4EAC-B109-4A0E229C72B9}"/>
+                <a16:creationId xmlns="" xmlns:a16="http://schemas.microsoft.com/office/drawing/2014/main" id="{D6C95B60-48C6-4F01-A08F-533FC7622445}"/>
               </a:ext>
             </a:extLst>
           </p:cNvPr>
@@ -14975,6 +15004,186 @@
           <a:p>
             <a:r>
               <a:rPr lang="en-US" dirty="0" err="1"/>
+              <a:t>Các</a:t>
+            </a:r>
+            <a:r>
+              <a:rPr lang="en-US" dirty="0"/>
+              <a:t> </a:t>
+            </a:r>
+            <a:r>
+              <a:rPr lang="en-US" dirty="0" err="1"/>
+              <a:t>ký</a:t>
+            </a:r>
+            <a:r>
+              <a:rPr lang="en-US" dirty="0"/>
+              <a:t> </a:t>
+            </a:r>
+            <a:r>
+              <a:rPr lang="en-US" dirty="0" err="1"/>
+              <a:t>pháp</a:t>
+            </a:r>
+            <a:r>
+              <a:rPr lang="en-US" dirty="0"/>
+              <a:t> </a:t>
+            </a:r>
+            <a:r>
+              <a:rPr lang="en-US" dirty="0" err="1"/>
+              <a:t>của</a:t>
+            </a:r>
+            <a:r>
+              <a:rPr lang="en-US" dirty="0"/>
+              <a:t> </a:t>
+            </a:r>
+            <a:r>
+              <a:rPr lang="en-US" dirty="0" err="1"/>
+              <a:t>biểu</a:t>
+            </a:r>
+            <a:r>
+              <a:rPr lang="en-US" dirty="0"/>
+              <a:t> </a:t>
+            </a:r>
+            <a:r>
+              <a:rPr lang="en-US" dirty="0" err="1"/>
+              <a:t>đồ</a:t>
+            </a:r>
+            <a:r>
+              <a:rPr lang="en-US" dirty="0"/>
+              <a:t> ca </a:t>
+            </a:r>
+            <a:r>
+              <a:rPr lang="en-US" dirty="0" err="1"/>
+              <a:t>sử</a:t>
+            </a:r>
+            <a:r>
+              <a:rPr lang="en-US" dirty="0"/>
+              <a:t> </a:t>
+            </a:r>
+            <a:r>
+              <a:rPr lang="en-US" dirty="0" err="1"/>
+              <a:t>dụng</a:t>
+            </a:r>
+            <a:endParaRPr lang="en-US" dirty="0"/>
+          </a:p>
+        </p:txBody>
+      </p:sp>
+      <p:sp>
+        <p:nvSpPr>
+          <p:cNvPr id="3" name="Text Placeholder 2">
+            <a:extLst>
+              <a:ext uri="{FF2B5EF4-FFF2-40B4-BE49-F238E27FC236}">
+                <a16:creationId xmlns="" xmlns:a16="http://schemas.microsoft.com/office/drawing/2014/main" id="{43E4F237-9968-496E-9496-56500A3FC989}"/>
+              </a:ext>
+            </a:extLst>
+          </p:cNvPr>
+          <p:cNvSpPr>
+            <a:spLocks noGrp="1"/>
+          </p:cNvSpPr>
+          <p:nvPr>
+            <p:ph type="body" idx="1"/>
+          </p:nvPr>
+        </p:nvSpPr>
+        <p:spPr/>
+        <p:txBody>
+          <a:bodyPr/>
+          <a:lstStyle/>
+          <a:p>
+            <a:pPr marL="114300" indent="0">
+              <a:buNone/>
+            </a:pPr>
+            <a:endParaRPr lang="en-US" dirty="0"/>
+          </a:p>
+        </p:txBody>
+      </p:sp>
+      <p:pic>
+        <p:nvPicPr>
+          <p:cNvPr id="8" name="Picture 7"/>
+          <p:cNvPicPr>
+            <a:picLocks noChangeAspect="1"/>
+          </p:cNvPicPr>
+          <p:nvPr/>
+        </p:nvPicPr>
+        <p:blipFill>
+          <a:blip r:embed="rId2">
+            <a:extLst>
+              <a:ext uri="{28A0092B-C50C-407E-A947-70E740481C1C}">
+                <a14:useLocalDpi xmlns:a14="http://schemas.microsoft.com/office/drawing/2010/main" val="0"/>
+              </a:ext>
+            </a:extLst>
+          </a:blip>
+          <a:stretch>
+            <a:fillRect/>
+          </a:stretch>
+        </p:blipFill>
+        <p:spPr>
+          <a:xfrm>
+            <a:off x="440233" y="1338994"/>
+            <a:ext cx="8272326" cy="4505325"/>
+          </a:xfrm>
+          <a:prstGeom prst="rect">
+            <a:avLst/>
+          </a:prstGeom>
+        </p:spPr>
+      </p:pic>
+    </p:spTree>
+    <p:extLst>
+      <p:ext uri="{BB962C8B-B14F-4D97-AF65-F5344CB8AC3E}">
+        <p14:creationId xmlns:p14="http://schemas.microsoft.com/office/powerpoint/2010/main" val="2089296354"/>
+      </p:ext>
+    </p:extLst>
+  </p:cSld>
+  <p:clrMapOvr>
+    <a:masterClrMapping/>
+  </p:clrMapOvr>
+  <p:timing>
+    <p:tnLst>
+      <p:par>
+        <p:cTn id="1" dur="indefinite" restart="never" nodeType="tmRoot"/>
+      </p:par>
+    </p:tnLst>
+  </p:timing>
+</p:sld>
+</file>
+
+<file path=ppt/slides/slide14.xml><?xml version="1.0" encoding="utf-8"?>
+<p:sld xmlns:a="http://schemas.openxmlformats.org/drawingml/2006/main" xmlns:r="http://schemas.openxmlformats.org/officeDocument/2006/relationships" xmlns:p="http://schemas.openxmlformats.org/presentationml/2006/main">
+  <p:cSld>
+    <p:spTree>
+      <p:nvGrpSpPr>
+        <p:cNvPr id="1" name=""/>
+        <p:cNvGrpSpPr/>
+        <p:nvPr/>
+      </p:nvGrpSpPr>
+      <p:grpSpPr>
+        <a:xfrm>
+          <a:off x="0" y="0"/>
+          <a:ext cx="0" cy="0"/>
+          <a:chOff x="0" y="0"/>
+          <a:chExt cx="0" cy="0"/>
+        </a:xfrm>
+      </p:grpSpPr>
+      <p:sp>
+        <p:nvSpPr>
+          <p:cNvPr id="2" name="Title 1">
+            <a:extLst>
+              <a:ext uri="{FF2B5EF4-FFF2-40B4-BE49-F238E27FC236}">
+                <a16:creationId xmlns="" xmlns:a16="http://schemas.microsoft.com/office/drawing/2014/main" id="{C640EACF-5B41-4EAC-B109-4A0E229C72B9}"/>
+              </a:ext>
+            </a:extLst>
+          </p:cNvPr>
+          <p:cNvSpPr>
+            <a:spLocks noGrp="1"/>
+          </p:cNvSpPr>
+          <p:nvPr>
+            <p:ph type="title"/>
+          </p:nvPr>
+        </p:nvSpPr>
+        <p:spPr/>
+        <p:txBody>
+          <a:bodyPr/>
+          <a:lstStyle/>
+          <a:p>
+            <a:r>
+              <a:rPr lang="en-US" dirty="0" err="1"/>
               <a:t>Nội</a:t>
             </a:r>
             <a:r>
@@ -14989,7 +15198,7 @@
           <p:cNvPr id="5" name="Google Shape;160;p3">
             <a:extLst>
               <a:ext uri="{FF2B5EF4-FFF2-40B4-BE49-F238E27FC236}">
-                <a16:creationId xmlns:a16="http://schemas.microsoft.com/office/drawing/2014/main" xmlns="" id="{8A27A72E-21CB-41E5-9508-4ED75CFB27B1}"/>
+                <a16:creationId xmlns="" xmlns:a16="http://schemas.microsoft.com/office/drawing/2014/main" id="{8A27A72E-21CB-41E5-9508-4ED75CFB27B1}"/>
               </a:ext>
             </a:extLst>
           </p:cNvPr>
@@ -15173,7 +15382,7 @@
           <p:cNvPr id="6" name="Google Shape;161;p3">
             <a:extLst>
               <a:ext uri="{FF2B5EF4-FFF2-40B4-BE49-F238E27FC236}">
-                <a16:creationId xmlns:a16="http://schemas.microsoft.com/office/drawing/2014/main" xmlns="" id="{6A442AFE-A857-4B15-AD91-CE89C9E14C0F}"/>
+                <a16:creationId xmlns="" xmlns:a16="http://schemas.microsoft.com/office/drawing/2014/main" id="{6A442AFE-A857-4B15-AD91-CE89C9E14C0F}"/>
               </a:ext>
             </a:extLst>
           </p:cNvPr>
@@ -15381,7 +15590,7 @@
           <p:cNvPr id="7" name="Google Shape;162;p3">
             <a:extLst>
               <a:ext uri="{FF2B5EF4-FFF2-40B4-BE49-F238E27FC236}">
-                <a16:creationId xmlns:a16="http://schemas.microsoft.com/office/drawing/2014/main" xmlns="" id="{D08B6B76-09DF-417A-A11D-3AF5C0058E1E}"/>
+                <a16:creationId xmlns="" xmlns:a16="http://schemas.microsoft.com/office/drawing/2014/main" id="{D08B6B76-09DF-417A-A11D-3AF5C0058E1E}"/>
               </a:ext>
             </a:extLst>
           </p:cNvPr>
@@ -15469,7 +15678,7 @@
           <p:cNvPr id="8" name="Google Shape;163;p3">
             <a:extLst>
               <a:ext uri="{FF2B5EF4-FFF2-40B4-BE49-F238E27FC236}">
-                <a16:creationId xmlns:a16="http://schemas.microsoft.com/office/drawing/2014/main" xmlns="" id="{3AF95ED6-E057-494C-BAF9-BA4A987EA999}"/>
+                <a16:creationId xmlns="" xmlns:a16="http://schemas.microsoft.com/office/drawing/2014/main" id="{3AF95ED6-E057-494C-BAF9-BA4A987EA999}"/>
               </a:ext>
             </a:extLst>
           </p:cNvPr>
@@ -15489,7 +15698,7 @@
             <p:cNvPr id="9" name="Google Shape;164;p3">
               <a:extLst>
                 <a:ext uri="{FF2B5EF4-FFF2-40B4-BE49-F238E27FC236}">
-                  <a16:creationId xmlns:a16="http://schemas.microsoft.com/office/drawing/2014/main" xmlns="" id="{DB95E9E9-E075-400D-ADD9-9E13FF178743}"/>
+                  <a16:creationId xmlns="" xmlns:a16="http://schemas.microsoft.com/office/drawing/2014/main" id="{DB95E9E9-E075-400D-ADD9-9E13FF178743}"/>
                 </a:ext>
               </a:extLst>
             </p:cNvPr>
@@ -15554,7 +15763,7 @@
             <p:cNvPr id="10" name="Google Shape;165;p3">
               <a:extLst>
                 <a:ext uri="{FF2B5EF4-FFF2-40B4-BE49-F238E27FC236}">
-                  <a16:creationId xmlns:a16="http://schemas.microsoft.com/office/drawing/2014/main" xmlns="" id="{49F78CF2-B0AA-43A1-8CA0-A014D7E01443}"/>
+                  <a16:creationId xmlns="" xmlns:a16="http://schemas.microsoft.com/office/drawing/2014/main" id="{49F78CF2-B0AA-43A1-8CA0-A014D7E01443}"/>
                 </a:ext>
               </a:extLst>
             </p:cNvPr>
@@ -15619,7 +15828,7 @@
             <p:cNvPr id="11" name="Google Shape;166;p3">
               <a:extLst>
                 <a:ext uri="{FF2B5EF4-FFF2-40B4-BE49-F238E27FC236}">
-                  <a16:creationId xmlns:a16="http://schemas.microsoft.com/office/drawing/2014/main" xmlns="" id="{869802C9-C440-4D81-8DCF-E05E2A05B165}"/>
+                  <a16:creationId xmlns="" xmlns:a16="http://schemas.microsoft.com/office/drawing/2014/main" id="{869802C9-C440-4D81-8DCF-E05E2A05B165}"/>
                 </a:ext>
               </a:extLst>
             </p:cNvPr>
@@ -15684,7 +15893,7 @@
             <p:cNvPr id="12" name="Google Shape;167;p3">
               <a:extLst>
                 <a:ext uri="{FF2B5EF4-FFF2-40B4-BE49-F238E27FC236}">
-                  <a16:creationId xmlns:a16="http://schemas.microsoft.com/office/drawing/2014/main" xmlns="" id="{AE283430-AED0-41CD-8530-A35C59B958F4}"/>
+                  <a16:creationId xmlns="" xmlns:a16="http://schemas.microsoft.com/office/drawing/2014/main" id="{AE283430-AED0-41CD-8530-A35C59B958F4}"/>
                 </a:ext>
               </a:extLst>
             </p:cNvPr>
@@ -15746,7 +15955,7 @@
             <p:cNvPr id="13" name="Google Shape;168;p3">
               <a:extLst>
                 <a:ext uri="{FF2B5EF4-FFF2-40B4-BE49-F238E27FC236}">
-                  <a16:creationId xmlns:a16="http://schemas.microsoft.com/office/drawing/2014/main" xmlns="" id="{73218BA6-1E20-4737-A20E-14D1A03BE459}"/>
+                  <a16:creationId xmlns="" xmlns:a16="http://schemas.microsoft.com/office/drawing/2014/main" id="{73218BA6-1E20-4737-A20E-14D1A03BE459}"/>
                 </a:ext>
               </a:extLst>
             </p:cNvPr>
@@ -15811,7 +16020,7 @@
             <p:cNvPr id="14" name="Google Shape;169;p3">
               <a:extLst>
                 <a:ext uri="{FF2B5EF4-FFF2-40B4-BE49-F238E27FC236}">
-                  <a16:creationId xmlns:a16="http://schemas.microsoft.com/office/drawing/2014/main" xmlns="" id="{8FB95EB2-9389-439C-B647-D222D273FECC}"/>
+                  <a16:creationId xmlns="" xmlns:a16="http://schemas.microsoft.com/office/drawing/2014/main" id="{8FB95EB2-9389-439C-B647-D222D273FECC}"/>
                 </a:ext>
               </a:extLst>
             </p:cNvPr>
@@ -15874,7 +16083,7 @@
           <p:cNvPr id="15" name="Google Shape;170;p3">
             <a:extLst>
               <a:ext uri="{FF2B5EF4-FFF2-40B4-BE49-F238E27FC236}">
-                <a16:creationId xmlns:a16="http://schemas.microsoft.com/office/drawing/2014/main" xmlns="" id="{026C221F-8E70-4C6D-931E-50EB29F5CAE3}"/>
+                <a16:creationId xmlns="" xmlns:a16="http://schemas.microsoft.com/office/drawing/2014/main" id="{026C221F-8E70-4C6D-931E-50EB29F5CAE3}"/>
               </a:ext>
             </a:extLst>
           </p:cNvPr>
@@ -15894,7 +16103,7 @@
             <p:cNvPr id="16" name="Google Shape;171;p3">
               <a:extLst>
                 <a:ext uri="{FF2B5EF4-FFF2-40B4-BE49-F238E27FC236}">
-                  <a16:creationId xmlns:a16="http://schemas.microsoft.com/office/drawing/2014/main" xmlns="" id="{EA12685C-0535-4C21-9B77-13487D252F89}"/>
+                  <a16:creationId xmlns="" xmlns:a16="http://schemas.microsoft.com/office/drawing/2014/main" id="{EA12685C-0535-4C21-9B77-13487D252F89}"/>
                 </a:ext>
               </a:extLst>
             </p:cNvPr>
@@ -15959,7 +16168,7 @@
             <p:cNvPr id="17" name="Google Shape;172;p3">
               <a:extLst>
                 <a:ext uri="{FF2B5EF4-FFF2-40B4-BE49-F238E27FC236}">
-                  <a16:creationId xmlns:a16="http://schemas.microsoft.com/office/drawing/2014/main" xmlns="" id="{D0528977-706F-477D-B1A7-4D73D35C6EFE}"/>
+                  <a16:creationId xmlns="" xmlns:a16="http://schemas.microsoft.com/office/drawing/2014/main" id="{D0528977-706F-477D-B1A7-4D73D35C6EFE}"/>
                 </a:ext>
               </a:extLst>
             </p:cNvPr>
@@ -16024,7 +16233,7 @@
             <p:cNvPr id="18" name="Google Shape;173;p3">
               <a:extLst>
                 <a:ext uri="{FF2B5EF4-FFF2-40B4-BE49-F238E27FC236}">
-                  <a16:creationId xmlns:a16="http://schemas.microsoft.com/office/drawing/2014/main" xmlns="" id="{46C2E202-AC04-4CB0-AB26-B9EC976F2C80}"/>
+                  <a16:creationId xmlns="" xmlns:a16="http://schemas.microsoft.com/office/drawing/2014/main" id="{46C2E202-AC04-4CB0-AB26-B9EC976F2C80}"/>
                 </a:ext>
               </a:extLst>
             </p:cNvPr>
@@ -16089,7 +16298,7 @@
             <p:cNvPr id="19" name="Google Shape;174;p3">
               <a:extLst>
                 <a:ext uri="{FF2B5EF4-FFF2-40B4-BE49-F238E27FC236}">
-                  <a16:creationId xmlns:a16="http://schemas.microsoft.com/office/drawing/2014/main" xmlns="" id="{C5B7D7A3-5BC2-46CC-ADC5-50B2B858EB85}"/>
+                  <a16:creationId xmlns="" xmlns:a16="http://schemas.microsoft.com/office/drawing/2014/main" id="{C5B7D7A3-5BC2-46CC-ADC5-50B2B858EB85}"/>
                 </a:ext>
               </a:extLst>
             </p:cNvPr>
@@ -16151,7 +16360,7 @@
             <p:cNvPr id="20" name="Google Shape;175;p3">
               <a:extLst>
                 <a:ext uri="{FF2B5EF4-FFF2-40B4-BE49-F238E27FC236}">
-                  <a16:creationId xmlns:a16="http://schemas.microsoft.com/office/drawing/2014/main" xmlns="" id="{B5F75C77-FD66-40CD-9962-9671674FFACA}"/>
+                  <a16:creationId xmlns="" xmlns:a16="http://schemas.microsoft.com/office/drawing/2014/main" id="{B5F75C77-FD66-40CD-9962-9671674FFACA}"/>
                 </a:ext>
               </a:extLst>
             </p:cNvPr>
@@ -16216,7 +16425,7 @@
             <p:cNvPr id="21" name="Google Shape;176;p3">
               <a:extLst>
                 <a:ext uri="{FF2B5EF4-FFF2-40B4-BE49-F238E27FC236}">
-                  <a16:creationId xmlns:a16="http://schemas.microsoft.com/office/drawing/2014/main" xmlns="" id="{1FF3FAE7-EE1D-43A2-9D53-031478C9C0E9}"/>
+                  <a16:creationId xmlns="" xmlns:a16="http://schemas.microsoft.com/office/drawing/2014/main" id="{1FF3FAE7-EE1D-43A2-9D53-031478C9C0E9}"/>
                 </a:ext>
               </a:extLst>
             </p:cNvPr>
@@ -16279,7 +16488,7 @@
           <p:cNvPr id="22" name="Google Shape;177;p3">
             <a:extLst>
               <a:ext uri="{FF2B5EF4-FFF2-40B4-BE49-F238E27FC236}">
-                <a16:creationId xmlns:a16="http://schemas.microsoft.com/office/drawing/2014/main" xmlns="" id="{84AC31BD-94DA-4135-8997-406B1A8768EB}"/>
+                <a16:creationId xmlns="" xmlns:a16="http://schemas.microsoft.com/office/drawing/2014/main" id="{84AC31BD-94DA-4135-8997-406B1A8768EB}"/>
               </a:ext>
             </a:extLst>
           </p:cNvPr>
@@ -16299,7 +16508,7 @@
             <p:cNvPr id="23" name="Google Shape;178;p3">
               <a:extLst>
                 <a:ext uri="{FF2B5EF4-FFF2-40B4-BE49-F238E27FC236}">
-                  <a16:creationId xmlns:a16="http://schemas.microsoft.com/office/drawing/2014/main" xmlns="" id="{254A14FF-43D7-422E-A352-C65E7FB17B56}"/>
+                  <a16:creationId xmlns="" xmlns:a16="http://schemas.microsoft.com/office/drawing/2014/main" id="{254A14FF-43D7-422E-A352-C65E7FB17B56}"/>
                 </a:ext>
               </a:extLst>
             </p:cNvPr>
@@ -16364,7 +16573,7 @@
             <p:cNvPr id="24" name="Google Shape;179;p3">
               <a:extLst>
                 <a:ext uri="{FF2B5EF4-FFF2-40B4-BE49-F238E27FC236}">
-                  <a16:creationId xmlns:a16="http://schemas.microsoft.com/office/drawing/2014/main" xmlns="" id="{6D5215C4-D188-46DB-A524-2BBEB1E74D67}"/>
+                  <a16:creationId xmlns="" xmlns:a16="http://schemas.microsoft.com/office/drawing/2014/main" id="{6D5215C4-D188-46DB-A524-2BBEB1E74D67}"/>
                 </a:ext>
               </a:extLst>
             </p:cNvPr>
@@ -16429,7 +16638,7 @@
             <p:cNvPr id="25" name="Google Shape;180;p3">
               <a:extLst>
                 <a:ext uri="{FF2B5EF4-FFF2-40B4-BE49-F238E27FC236}">
-                  <a16:creationId xmlns:a16="http://schemas.microsoft.com/office/drawing/2014/main" xmlns="" id="{66E66CBF-C36E-4559-B774-38FFFC0B750F}"/>
+                  <a16:creationId xmlns="" xmlns:a16="http://schemas.microsoft.com/office/drawing/2014/main" id="{66E66CBF-C36E-4559-B774-38FFFC0B750F}"/>
                 </a:ext>
               </a:extLst>
             </p:cNvPr>
@@ -16494,7 +16703,7 @@
             <p:cNvPr id="26" name="Google Shape;181;p3">
               <a:extLst>
                 <a:ext uri="{FF2B5EF4-FFF2-40B4-BE49-F238E27FC236}">
-                  <a16:creationId xmlns:a16="http://schemas.microsoft.com/office/drawing/2014/main" xmlns="" id="{88A5F05E-B239-49BA-A4F3-1136CDA69D44}"/>
+                  <a16:creationId xmlns="" xmlns:a16="http://schemas.microsoft.com/office/drawing/2014/main" id="{88A5F05E-B239-49BA-A4F3-1136CDA69D44}"/>
                 </a:ext>
               </a:extLst>
             </p:cNvPr>
@@ -16556,7 +16765,7 @@
             <p:cNvPr id="27" name="Google Shape;182;p3">
               <a:extLst>
                 <a:ext uri="{FF2B5EF4-FFF2-40B4-BE49-F238E27FC236}">
-                  <a16:creationId xmlns:a16="http://schemas.microsoft.com/office/drawing/2014/main" xmlns="" id="{69406EFD-AED6-4778-B91E-A9E7D844DDF8}"/>
+                  <a16:creationId xmlns="" xmlns:a16="http://schemas.microsoft.com/office/drawing/2014/main" id="{69406EFD-AED6-4778-B91E-A9E7D844DDF8}"/>
                 </a:ext>
               </a:extLst>
             </p:cNvPr>
@@ -16621,7 +16830,7 @@
             <p:cNvPr id="28" name="Google Shape;183;p3">
               <a:extLst>
                 <a:ext uri="{FF2B5EF4-FFF2-40B4-BE49-F238E27FC236}">
-                  <a16:creationId xmlns:a16="http://schemas.microsoft.com/office/drawing/2014/main" xmlns="" id="{9BBDC2A1-EF58-4B00-80AF-689CB635CCB1}"/>
+                  <a16:creationId xmlns="" xmlns:a16="http://schemas.microsoft.com/office/drawing/2014/main" id="{9BBDC2A1-EF58-4B00-80AF-689CB635CCB1}"/>
                 </a:ext>
               </a:extLst>
             </p:cNvPr>
@@ -16684,7 +16893,7 @@
           <p:cNvPr id="29" name="Google Shape;199;p3">
             <a:extLst>
               <a:ext uri="{FF2B5EF4-FFF2-40B4-BE49-F238E27FC236}">
-                <a16:creationId xmlns:a16="http://schemas.microsoft.com/office/drawing/2014/main" xmlns="" id="{FC3D87FF-5281-4ECD-BE9E-3D87E89DC773}"/>
+                <a16:creationId xmlns="" xmlns:a16="http://schemas.microsoft.com/office/drawing/2014/main" id="{FC3D87FF-5281-4ECD-BE9E-3D87E89DC773}"/>
               </a:ext>
             </a:extLst>
           </p:cNvPr>
@@ -16790,7 +16999,7 @@
           <p:cNvPr id="30" name="Google Shape;200;p3">
             <a:extLst>
               <a:ext uri="{FF2B5EF4-FFF2-40B4-BE49-F238E27FC236}">
-                <a16:creationId xmlns:a16="http://schemas.microsoft.com/office/drawing/2014/main" xmlns="" id="{F4063545-6FCD-4437-BD07-C85F54566E52}"/>
+                <a16:creationId xmlns="" xmlns:a16="http://schemas.microsoft.com/office/drawing/2014/main" id="{F4063545-6FCD-4437-BD07-C85F54566E52}"/>
               </a:ext>
             </a:extLst>
           </p:cNvPr>
@@ -16879,7 +17088,7 @@
           <p:cNvPr id="31" name="Google Shape;202;p3">
             <a:extLst>
               <a:ext uri="{FF2B5EF4-FFF2-40B4-BE49-F238E27FC236}">
-                <a16:creationId xmlns:a16="http://schemas.microsoft.com/office/drawing/2014/main" xmlns="" id="{4CE7BF19-21C2-4342-AB4F-244641422EA7}"/>
+                <a16:creationId xmlns="" xmlns:a16="http://schemas.microsoft.com/office/drawing/2014/main" id="{4CE7BF19-21C2-4342-AB4F-244641422EA7}"/>
               </a:ext>
             </a:extLst>
           </p:cNvPr>
@@ -16947,7 +17156,7 @@
           <p:cNvPr id="32" name="Google Shape;203;p3">
             <a:extLst>
               <a:ext uri="{FF2B5EF4-FFF2-40B4-BE49-F238E27FC236}">
-                <a16:creationId xmlns:a16="http://schemas.microsoft.com/office/drawing/2014/main" xmlns="" id="{D0CFE224-CABA-49AD-BB4F-B6A4F4347AE8}"/>
+                <a16:creationId xmlns="" xmlns:a16="http://schemas.microsoft.com/office/drawing/2014/main" id="{D0CFE224-CABA-49AD-BB4F-B6A4F4347AE8}"/>
               </a:ext>
             </a:extLst>
           </p:cNvPr>
@@ -16967,7 +17176,7 @@
             <p:cNvPr id="33" name="Google Shape;204;p3">
               <a:extLst>
                 <a:ext uri="{FF2B5EF4-FFF2-40B4-BE49-F238E27FC236}">
-                  <a16:creationId xmlns:a16="http://schemas.microsoft.com/office/drawing/2014/main" xmlns="" id="{ADA77C57-B344-43CC-9E82-257EA5707193}"/>
+                  <a16:creationId xmlns="" xmlns:a16="http://schemas.microsoft.com/office/drawing/2014/main" id="{ADA77C57-B344-43CC-9E82-257EA5707193}"/>
                 </a:ext>
               </a:extLst>
             </p:cNvPr>
@@ -17032,7 +17241,7 @@
             <p:cNvPr id="34" name="Google Shape;205;p3">
               <a:extLst>
                 <a:ext uri="{FF2B5EF4-FFF2-40B4-BE49-F238E27FC236}">
-                  <a16:creationId xmlns:a16="http://schemas.microsoft.com/office/drawing/2014/main" xmlns="" id="{FD4FC7CC-69D9-4410-B9C4-AB4335D04A65}"/>
+                  <a16:creationId xmlns="" xmlns:a16="http://schemas.microsoft.com/office/drawing/2014/main" id="{FD4FC7CC-69D9-4410-B9C4-AB4335D04A65}"/>
                 </a:ext>
               </a:extLst>
             </p:cNvPr>
@@ -17097,7 +17306,7 @@
             <p:cNvPr id="35" name="Google Shape;206;p3">
               <a:extLst>
                 <a:ext uri="{FF2B5EF4-FFF2-40B4-BE49-F238E27FC236}">
-                  <a16:creationId xmlns:a16="http://schemas.microsoft.com/office/drawing/2014/main" xmlns="" id="{9AEA99E7-8B39-4104-B7C3-5CCC6B5F9EB8}"/>
+                  <a16:creationId xmlns="" xmlns:a16="http://schemas.microsoft.com/office/drawing/2014/main" id="{9AEA99E7-8B39-4104-B7C3-5CCC6B5F9EB8}"/>
                 </a:ext>
               </a:extLst>
             </p:cNvPr>
@@ -17162,7 +17371,7 @@
             <p:cNvPr id="36" name="Google Shape;207;p3">
               <a:extLst>
                 <a:ext uri="{FF2B5EF4-FFF2-40B4-BE49-F238E27FC236}">
-                  <a16:creationId xmlns:a16="http://schemas.microsoft.com/office/drawing/2014/main" xmlns="" id="{7414FFEC-C057-4B16-966C-A05FF1F93B7A}"/>
+                  <a16:creationId xmlns="" xmlns:a16="http://schemas.microsoft.com/office/drawing/2014/main" id="{7414FFEC-C057-4B16-966C-A05FF1F93B7A}"/>
                 </a:ext>
               </a:extLst>
             </p:cNvPr>
@@ -17224,7 +17433,7 @@
             <p:cNvPr id="37" name="Google Shape;208;p3">
               <a:extLst>
                 <a:ext uri="{FF2B5EF4-FFF2-40B4-BE49-F238E27FC236}">
-                  <a16:creationId xmlns:a16="http://schemas.microsoft.com/office/drawing/2014/main" xmlns="" id="{DC2A015A-C3CD-4B80-81E4-232189F525AB}"/>
+                  <a16:creationId xmlns="" xmlns:a16="http://schemas.microsoft.com/office/drawing/2014/main" id="{DC2A015A-C3CD-4B80-81E4-232189F525AB}"/>
                 </a:ext>
               </a:extLst>
             </p:cNvPr>
@@ -17289,7 +17498,7 @@
             <p:cNvPr id="38" name="Google Shape;209;p3">
               <a:extLst>
                 <a:ext uri="{FF2B5EF4-FFF2-40B4-BE49-F238E27FC236}">
-                  <a16:creationId xmlns:a16="http://schemas.microsoft.com/office/drawing/2014/main" xmlns="" id="{36F55875-6EDF-41F7-8F76-01E3A9490B33}"/>
+                  <a16:creationId xmlns="" xmlns:a16="http://schemas.microsoft.com/office/drawing/2014/main" id="{36F55875-6EDF-41F7-8F76-01E3A9490B33}"/>
                 </a:ext>
               </a:extLst>
             </p:cNvPr>
@@ -17357,286 +17566,13 @@
   <p:clrMapOvr>
     <a:masterClrMapping/>
   </p:clrMapOvr>
-</p:sld>
-</file>
-
-<file path=ppt/slides/slide14.xml><?xml version="1.0" encoding="utf-8"?>
-<p:sld xmlns:a="http://schemas.openxmlformats.org/drawingml/2006/main" xmlns:r="http://schemas.openxmlformats.org/officeDocument/2006/relationships" xmlns:p="http://schemas.openxmlformats.org/presentationml/2006/main">
-  <p:cSld>
-    <p:spTree>
-      <p:nvGrpSpPr>
-        <p:cNvPr id="1" name=""/>
-        <p:cNvGrpSpPr/>
-        <p:nvPr/>
-      </p:nvGrpSpPr>
-      <p:grpSpPr>
-        <a:xfrm>
-          <a:off x="0" y="0"/>
-          <a:ext cx="0" cy="0"/>
-          <a:chOff x="0" y="0"/>
-          <a:chExt cx="0" cy="0"/>
-        </a:xfrm>
-      </p:grpSpPr>
-      <p:sp>
-        <p:nvSpPr>
-          <p:cNvPr id="2" name="Title 1">
-            <a:extLst>
-              <a:ext uri="{FF2B5EF4-FFF2-40B4-BE49-F238E27FC236}">
-                <a16:creationId xmlns:a16="http://schemas.microsoft.com/office/drawing/2014/main" xmlns="" id="{4E9981E3-C5D5-4789-BFD0-B96ED31C3361}"/>
-              </a:ext>
-            </a:extLst>
-          </p:cNvPr>
-          <p:cNvSpPr>
-            <a:spLocks noGrp="1"/>
-          </p:cNvSpPr>
-          <p:nvPr>
-            <p:ph type="title"/>
-          </p:nvPr>
-        </p:nvSpPr>
-        <p:spPr/>
-        <p:txBody>
-          <a:bodyPr/>
-          <a:lstStyle/>
-          <a:p>
-            <a:r>
-              <a:rPr lang="en-US" dirty="0" err="1"/>
-              <a:t>Các</a:t>
-            </a:r>
-            <a:r>
-              <a:rPr lang="en-US" dirty="0"/>
-              <a:t> b</a:t>
-            </a:r>
-            <a:r>
-              <a:rPr lang="vi-VN" dirty="0"/>
-              <a:t>ư</a:t>
-            </a:r>
-            <a:r>
-              <a:rPr lang="en-US" dirty="0" err="1"/>
-              <a:t>ớc</a:t>
-            </a:r>
-            <a:r>
-              <a:rPr lang="en-US" dirty="0"/>
-              <a:t> </a:t>
-            </a:r>
-            <a:r>
-              <a:rPr lang="en-US" dirty="0" err="1"/>
-              <a:t>xây</a:t>
-            </a:r>
-            <a:r>
-              <a:rPr lang="en-US" dirty="0"/>
-              <a:t> </a:t>
-            </a:r>
-            <a:r>
-              <a:rPr lang="en-US" dirty="0" err="1"/>
-              <a:t>dựng</a:t>
-            </a:r>
-            <a:r>
-              <a:rPr lang="en-US" dirty="0"/>
-              <a:t> </a:t>
-            </a:r>
-            <a:r>
-              <a:rPr lang="en-US" dirty="0" err="1"/>
-              <a:t>biểu</a:t>
-            </a:r>
-            <a:r>
-              <a:rPr lang="en-US" dirty="0"/>
-              <a:t> </a:t>
-            </a:r>
-            <a:r>
-              <a:rPr lang="en-US" dirty="0" err="1"/>
-              <a:t>đồ</a:t>
-            </a:r>
-            <a:r>
-              <a:rPr lang="en-US" dirty="0"/>
-              <a:t> ca </a:t>
-            </a:r>
-            <a:r>
-              <a:rPr lang="en-US" dirty="0" err="1"/>
-              <a:t>sử</a:t>
-            </a:r>
-            <a:r>
-              <a:rPr lang="en-US" dirty="0"/>
-              <a:t> </a:t>
-            </a:r>
-            <a:r>
-              <a:rPr lang="en-US" dirty="0" err="1"/>
-              <a:t>dụng</a:t>
-            </a:r>
-            <a:endParaRPr lang="en-US" dirty="0"/>
-          </a:p>
-        </p:txBody>
-      </p:sp>
-      <p:sp>
-        <p:nvSpPr>
-          <p:cNvPr id="3" name="Text Placeholder 2">
-            <a:extLst>
-              <a:ext uri="{FF2B5EF4-FFF2-40B4-BE49-F238E27FC236}">
-                <a16:creationId xmlns:a16="http://schemas.microsoft.com/office/drawing/2014/main" xmlns="" id="{04E19840-75A0-4F77-8941-BED6C7332C8E}"/>
-              </a:ext>
-            </a:extLst>
-          </p:cNvPr>
-          <p:cNvSpPr>
-            <a:spLocks noGrp="1"/>
-          </p:cNvSpPr>
-          <p:nvPr>
-            <p:ph type="body" idx="1"/>
-          </p:nvPr>
-        </p:nvSpPr>
-        <p:spPr/>
-        <p:txBody>
-          <a:bodyPr/>
-          <a:lstStyle/>
-          <a:p>
-            <a:pPr>
-              <a:buFontTx/>
-              <a:buChar char="-"/>
-            </a:pPr>
-            <a:r>
-              <a:rPr lang="en-US" b="1" dirty="0"/>
-              <a:t>B</a:t>
-            </a:r>
-            <a:r>
-              <a:rPr lang="vi-VN" b="1" dirty="0"/>
-              <a:t>ư</a:t>
-            </a:r>
-            <a:r>
-              <a:rPr lang="en-US" b="1" dirty="0" err="1"/>
-              <a:t>ớc</a:t>
-            </a:r>
-            <a:r>
-              <a:rPr lang="en-US" b="1" dirty="0"/>
-              <a:t> 1: </a:t>
-            </a:r>
-            <a:r>
-              <a:rPr lang="en-US" b="1" dirty="0" err="1"/>
-              <a:t>Tìm</a:t>
-            </a:r>
-            <a:r>
-              <a:rPr lang="en-US" b="1" dirty="0"/>
-              <a:t> </a:t>
-            </a:r>
-            <a:r>
-              <a:rPr lang="en-US" b="1" dirty="0" err="1"/>
-              <a:t>tác</a:t>
-            </a:r>
-            <a:r>
-              <a:rPr lang="en-US" b="1" dirty="0"/>
-              <a:t> </a:t>
-            </a:r>
-            <a:r>
-              <a:rPr lang="en-US" b="1" dirty="0" err="1"/>
-              <a:t>nhân</a:t>
-            </a:r>
-            <a:r>
-              <a:rPr lang="en-US" b="1" dirty="0"/>
-              <a:t> </a:t>
-            </a:r>
-          </a:p>
-          <a:p>
-            <a:pPr marL="114300" indent="0">
-              <a:buNone/>
-            </a:pPr>
-            <a:r>
-              <a:rPr lang="en-US" dirty="0"/>
-              <a:t>	</a:t>
-            </a:r>
-            <a:r>
-              <a:rPr lang="en-US" dirty="0" err="1"/>
-              <a:t>Trả</a:t>
-            </a:r>
-            <a:r>
-              <a:rPr lang="en-US" dirty="0"/>
-              <a:t> </a:t>
-            </a:r>
-            <a:r>
-              <a:rPr lang="en-US" dirty="0" err="1"/>
-              <a:t>lời</a:t>
-            </a:r>
-            <a:r>
-              <a:rPr lang="en-US" dirty="0"/>
-              <a:t> </a:t>
-            </a:r>
-            <a:r>
-              <a:rPr lang="en-US" dirty="0" err="1"/>
-              <a:t>câu</a:t>
-            </a:r>
-            <a:r>
-              <a:rPr lang="en-US" dirty="0"/>
-              <a:t> </a:t>
-            </a:r>
-            <a:r>
-              <a:rPr lang="en-US" dirty="0" err="1"/>
-              <a:t>hỏi</a:t>
-            </a:r>
-            <a:r>
-              <a:rPr lang="en-US" dirty="0"/>
-              <a:t> “Ai?”, </a:t>
-            </a:r>
-            <a:r>
-              <a:rPr lang="vi-VN" dirty="0"/>
-              <a:t>ngoài ra xác định rõ hệ thống nào khác bên ngoài cần tương tác với hệ thống</a:t>
-            </a:r>
-            <a:endParaRPr lang="en-US" dirty="0"/>
-          </a:p>
-          <a:p>
-            <a:pPr marL="114300" indent="0">
-              <a:buNone/>
-            </a:pPr>
-            <a:endParaRPr lang="en-US" dirty="0"/>
-          </a:p>
-          <a:p>
-            <a:pPr>
-              <a:buFontTx/>
-              <a:buChar char="-"/>
-            </a:pPr>
-            <a:r>
-              <a:rPr lang="en-US" b="1" dirty="0"/>
-              <a:t>B</a:t>
-            </a:r>
-            <a:r>
-              <a:rPr lang="vi-VN" b="1" dirty="0"/>
-              <a:t>ư</a:t>
-            </a:r>
-            <a:r>
-              <a:rPr lang="en-US" b="1" dirty="0" err="1"/>
-              <a:t>ớc</a:t>
-            </a:r>
-            <a:r>
-              <a:rPr lang="en-US" b="1" dirty="0"/>
-              <a:t> 2: </a:t>
-            </a:r>
-            <a:r>
-              <a:rPr lang="vi-VN" b="1" dirty="0"/>
-              <a:t>Tìm ca sử dụng</a:t>
-            </a:r>
-            <a:endParaRPr lang="en-US" b="1" dirty="0"/>
-          </a:p>
-          <a:p>
-            <a:pPr marL="114300" indent="0">
-              <a:buNone/>
-            </a:pPr>
-            <a:r>
-              <a:rPr lang="en-US" dirty="0"/>
-              <a:t>	H</a:t>
-            </a:r>
-            <a:r>
-              <a:rPr lang="vi-VN" dirty="0"/>
-              <a:t>ành động của tác nhân, hành động của hệ thống, các hành động bên ngoài, các sự kiện có thể được gây ra</a:t>
-            </a:r>
-            <a:endParaRPr lang="en-US" dirty="0"/>
-          </a:p>
-        </p:txBody>
-      </p:sp>
-    </p:spTree>
-    <p:extLst>
-      <p:ext uri="{BB962C8B-B14F-4D97-AF65-F5344CB8AC3E}">
-        <p14:creationId xmlns:p14="http://schemas.microsoft.com/office/powerpoint/2010/main" val="1481304256"/>
-      </p:ext>
-    </p:extLst>
-  </p:cSld>
-  <p:clrMapOvr>
-    <a:masterClrMapping/>
-  </p:clrMapOvr>
+  <p:timing>
+    <p:tnLst>
+      <p:par>
+        <p:cTn id="1" dur="indefinite" restart="never" nodeType="tmRoot"/>
+      </p:par>
+    </p:tnLst>
+  </p:timing>
 </p:sld>
 </file>
 
@@ -17662,7 +17598,7 @@
           <p:cNvPr id="2" name="Title 1">
             <a:extLst>
               <a:ext uri="{FF2B5EF4-FFF2-40B4-BE49-F238E27FC236}">
-                <a16:creationId xmlns:a16="http://schemas.microsoft.com/office/drawing/2014/main" xmlns="" id="{3A51F162-21A5-4A7E-BEA1-6FC982984606}"/>
+                <a16:creationId xmlns="" xmlns:a16="http://schemas.microsoft.com/office/drawing/2014/main" id="{4E9981E3-C5D5-4789-BFD0-B96ED31C3361}"/>
               </a:ext>
             </a:extLst>
           </p:cNvPr>
@@ -17751,7 +17687,7 @@
           <p:cNvPr id="3" name="Text Placeholder 2">
             <a:extLst>
               <a:ext uri="{FF2B5EF4-FFF2-40B4-BE49-F238E27FC236}">
-                <a16:creationId xmlns:a16="http://schemas.microsoft.com/office/drawing/2014/main" xmlns="" id="{18D3A6EF-1462-4B1D-975B-CB4318CBCFAB}"/>
+                <a16:creationId xmlns="" xmlns:a16="http://schemas.microsoft.com/office/drawing/2014/main" id="{04E19840-75A0-4F77-8941-BED6C7332C8E}"/>
               </a:ext>
             </a:extLst>
           </p:cNvPr>
@@ -17762,356 +17698,106 @@
             <p:ph type="body" idx="1"/>
           </p:nvPr>
         </p:nvSpPr>
-        <p:spPr/>
+        <p:spPr>
+          <a:xfrm>
+            <a:off x="290146" y="861646"/>
+            <a:ext cx="8418425" cy="5460023"/>
+          </a:xfrm>
+        </p:spPr>
         <p:txBody>
-          <a:bodyPr/>
+          <a:bodyPr>
+            <a:normAutofit/>
+          </a:bodyPr>
           <a:lstStyle/>
+          <a:p>
+            <a:pPr marL="114300" indent="0">
+              <a:buNone/>
+            </a:pPr>
+            <a:r>
+              <a:rPr lang="vi-VN" sz="2400" b="1" dirty="0"/>
+              <a:t>Bước 1: Tìm tác nhân: trả lời các câu hỏi</a:t>
+            </a:r>
+          </a:p>
           <a:p>
             <a:pPr>
               <a:buFontTx/>
               <a:buChar char="-"/>
             </a:pPr>
             <a:r>
-              <a:rPr lang="en-US" b="1" dirty="0"/>
-              <a:t>B</a:t>
-            </a:r>
-            <a:r>
-              <a:rPr lang="vi-VN" b="1" dirty="0"/>
-              <a:t>ư</a:t>
-            </a:r>
-            <a:r>
-              <a:rPr lang="en-US" b="1" dirty="0" err="1"/>
-              <a:t>ớc</a:t>
-            </a:r>
-            <a:r>
-              <a:rPr lang="en-US" b="1" dirty="0"/>
-              <a:t> 3: </a:t>
-            </a:r>
-            <a:r>
-              <a:rPr lang="en-US" b="1" dirty="0" err="1"/>
-              <a:t>Cấu</a:t>
-            </a:r>
-            <a:r>
-              <a:rPr lang="en-US" b="1" dirty="0"/>
-              <a:t> </a:t>
-            </a:r>
-            <a:r>
-              <a:rPr lang="en-US" b="1" dirty="0" err="1"/>
-              <a:t>trúc</a:t>
-            </a:r>
-            <a:r>
-              <a:rPr lang="en-US" b="1" dirty="0"/>
-              <a:t> </a:t>
-            </a:r>
-            <a:r>
-              <a:rPr lang="en-US" b="1" dirty="0" err="1"/>
-              <a:t>hóa</a:t>
-            </a:r>
-            <a:r>
-              <a:rPr lang="en-US" b="1" dirty="0"/>
-              <a:t> </a:t>
-            </a:r>
-            <a:r>
-              <a:rPr lang="en-US" b="1" dirty="0" err="1"/>
-              <a:t>biểu</a:t>
-            </a:r>
-            <a:r>
-              <a:rPr lang="en-US" b="1" dirty="0"/>
-              <a:t> </a:t>
-            </a:r>
-            <a:r>
-              <a:rPr lang="en-US" b="1" dirty="0" err="1"/>
-              <a:t>đồ</a:t>
-            </a:r>
-            <a:r>
-              <a:rPr lang="en-US" b="1" dirty="0"/>
-              <a:t> </a:t>
-            </a:r>
-            <a:r>
-              <a:rPr lang="en-US" b="1" dirty="0" err="1"/>
-              <a:t>bằng</a:t>
-            </a:r>
-            <a:r>
-              <a:rPr lang="en-US" b="1" dirty="0"/>
-              <a:t> </a:t>
-            </a:r>
-            <a:r>
-              <a:rPr lang="en-US" b="1" dirty="0" err="1"/>
-              <a:t>mối</a:t>
-            </a:r>
-            <a:r>
-              <a:rPr lang="en-US" b="1" dirty="0"/>
-              <a:t> </a:t>
-            </a:r>
-            <a:r>
-              <a:rPr lang="en-US" b="1" dirty="0" err="1"/>
-              <a:t>quan</a:t>
-            </a:r>
-            <a:r>
-              <a:rPr lang="en-US" b="1" dirty="0"/>
-              <a:t> </a:t>
-            </a:r>
-            <a:r>
-              <a:rPr lang="en-US" b="1" dirty="0" err="1"/>
-              <a:t>hệ</a:t>
-            </a:r>
-            <a:r>
-              <a:rPr lang="en-US" b="1" dirty="0"/>
-              <a:t> </a:t>
-            </a:r>
-            <a:r>
-              <a:rPr lang="en-US" b="1" dirty="0" err="1"/>
-              <a:t>gồm</a:t>
-            </a:r>
-            <a:r>
-              <a:rPr lang="en-US" b="1" dirty="0"/>
-              <a:t>:</a:t>
+              <a:rPr lang="vi-VN" sz="2400" dirty="0" smtClean="0"/>
+              <a:t>Ai sẽ cung cấp, sử dụng, hoặc loại bỏ thông tin trong hệ thống?</a:t>
             </a:r>
           </a:p>
           <a:p>
-            <a:pPr marL="114300" indent="0">
-              <a:buNone/>
+            <a:pPr>
+              <a:buFontTx/>
+              <a:buChar char="-"/>
             </a:pPr>
             <a:r>
-              <a:rPr lang="en-US" dirty="0"/>
-              <a:t>	+ </a:t>
-            </a:r>
-            <a:r>
-              <a:rPr lang="en-US" dirty="0" err="1"/>
-              <a:t>Xác</a:t>
-            </a:r>
-            <a:r>
-              <a:rPr lang="en-US" dirty="0"/>
-              <a:t> </a:t>
-            </a:r>
-            <a:r>
-              <a:rPr lang="en-US" dirty="0" err="1"/>
-              <a:t>định</a:t>
-            </a:r>
-            <a:r>
-              <a:rPr lang="en-US" dirty="0"/>
-              <a:t> </a:t>
-            </a:r>
-            <a:r>
-              <a:rPr lang="en-US" dirty="0" err="1"/>
-              <a:t>biểu</a:t>
-            </a:r>
-            <a:r>
-              <a:rPr lang="en-US" dirty="0"/>
-              <a:t> </a:t>
-            </a:r>
-            <a:r>
-              <a:rPr lang="en-US" dirty="0" err="1"/>
-              <a:t>đồ</a:t>
-            </a:r>
-            <a:r>
-              <a:rPr lang="en-US" dirty="0"/>
-              <a:t> ca </a:t>
-            </a:r>
-            <a:r>
-              <a:rPr lang="en-US" dirty="0" err="1"/>
-              <a:t>sử</a:t>
-            </a:r>
-            <a:r>
-              <a:rPr lang="en-US" dirty="0"/>
-              <a:t> </a:t>
-            </a:r>
-            <a:r>
-              <a:rPr lang="en-US" dirty="0" err="1"/>
-              <a:t>dụng</a:t>
-            </a:r>
-            <a:r>
-              <a:rPr lang="en-US" dirty="0"/>
-              <a:t> </a:t>
-            </a:r>
-            <a:r>
-              <a:rPr lang="en-US" dirty="0" err="1"/>
-              <a:t>mức</a:t>
-            </a:r>
-            <a:r>
-              <a:rPr lang="en-US" dirty="0"/>
-              <a:t> </a:t>
-            </a:r>
-            <a:r>
-              <a:rPr lang="en-US" dirty="0" err="1"/>
-              <a:t>tổng</a:t>
-            </a:r>
-            <a:r>
-              <a:rPr lang="en-US" dirty="0"/>
-              <a:t> </a:t>
-            </a:r>
-            <a:r>
-              <a:rPr lang="en-US" dirty="0" err="1"/>
-              <a:t>quát</a:t>
-            </a:r>
-            <a:endParaRPr lang="en-US" dirty="0"/>
+              <a:rPr lang="vi-VN" sz="2400" dirty="0" smtClean="0"/>
+              <a:t>Ai sẽ sử dụng các chức năng này của hệ thống?</a:t>
+            </a:r>
           </a:p>
           <a:p>
-            <a:pPr marL="114300" indent="0">
-              <a:buNone/>
+            <a:pPr>
+              <a:buFontTx/>
+              <a:buChar char="-"/>
             </a:pPr>
             <a:r>
-              <a:rPr lang="en-US" dirty="0"/>
-              <a:t>	+ </a:t>
-            </a:r>
-            <a:r>
-              <a:rPr lang="en-US" dirty="0" err="1"/>
-              <a:t>Phân</a:t>
-            </a:r>
-            <a:r>
-              <a:rPr lang="en-US" dirty="0"/>
-              <a:t> </a:t>
-            </a:r>
-            <a:r>
-              <a:rPr lang="en-US" dirty="0" err="1"/>
-              <a:t>rã</a:t>
-            </a:r>
-            <a:r>
-              <a:rPr lang="en-US" dirty="0"/>
-              <a:t> </a:t>
-            </a:r>
-            <a:r>
-              <a:rPr lang="en-US" dirty="0" err="1"/>
-              <a:t>mức</a:t>
-            </a:r>
-            <a:r>
-              <a:rPr lang="en-US" dirty="0"/>
-              <a:t> </a:t>
-            </a:r>
-            <a:r>
-              <a:rPr lang="en-US" dirty="0" err="1"/>
-              <a:t>cao</a:t>
-            </a:r>
-            <a:endParaRPr lang="en-US" dirty="0"/>
+              <a:rPr lang="vi-VN" sz="2400" dirty="0" smtClean="0"/>
+              <a:t>Ai quan tâm đến các yêu cầu cụ thể của hệ thống?</a:t>
+            </a:r>
           </a:p>
           <a:p>
-            <a:pPr marL="114300" indent="0">
-              <a:buNone/>
+            <a:pPr>
+              <a:buFontTx/>
+              <a:buChar char="-"/>
             </a:pPr>
             <a:r>
-              <a:rPr lang="en-US" dirty="0"/>
-              <a:t>	+ </a:t>
-            </a:r>
-            <a:r>
-              <a:rPr lang="en-US" dirty="0" err="1"/>
-              <a:t>Phân</a:t>
-            </a:r>
-            <a:r>
-              <a:rPr lang="en-US" dirty="0"/>
-              <a:t> </a:t>
-            </a:r>
-            <a:r>
-              <a:rPr lang="en-US" dirty="0" err="1"/>
-              <a:t>rã</a:t>
-            </a:r>
-            <a:r>
-              <a:rPr lang="en-US" dirty="0"/>
-              <a:t> </a:t>
-            </a:r>
-            <a:r>
-              <a:rPr lang="en-US" dirty="0" err="1"/>
-              <a:t>đến</a:t>
-            </a:r>
-            <a:r>
-              <a:rPr lang="en-US" dirty="0"/>
-              <a:t> </a:t>
-            </a:r>
-            <a:r>
-              <a:rPr lang="en-US" dirty="0" err="1"/>
-              <a:t>khi</a:t>
-            </a:r>
-            <a:r>
-              <a:rPr lang="en-US" dirty="0"/>
-              <a:t> </a:t>
-            </a:r>
-            <a:r>
-              <a:rPr lang="en-US" dirty="0" err="1"/>
-              <a:t>gặp</a:t>
-            </a:r>
-            <a:r>
-              <a:rPr lang="en-US" dirty="0"/>
-              <a:t> ca </a:t>
-            </a:r>
-            <a:r>
-              <a:rPr lang="en-US" dirty="0" err="1"/>
-              <a:t>sử</a:t>
-            </a:r>
-            <a:r>
-              <a:rPr lang="en-US" dirty="0"/>
-              <a:t> </a:t>
-            </a:r>
-            <a:r>
-              <a:rPr lang="en-US" dirty="0" err="1"/>
-              <a:t>dụng</a:t>
-            </a:r>
-            <a:r>
-              <a:rPr lang="en-US" dirty="0"/>
-              <a:t> ở </a:t>
-            </a:r>
-            <a:r>
-              <a:rPr lang="en-US" dirty="0" err="1"/>
-              <a:t>nút</a:t>
-            </a:r>
-            <a:r>
-              <a:rPr lang="en-US" dirty="0"/>
-              <a:t> </a:t>
-            </a:r>
-            <a:r>
-              <a:rPr lang="en-US" dirty="0" err="1"/>
-              <a:t>lá</a:t>
-            </a:r>
-            <a:endParaRPr lang="en-US" dirty="0"/>
+              <a:rPr lang="vi-VN" sz="2400" dirty="0" smtClean="0"/>
+              <a:t>Hệ thống được sử dụng ở đâu trong tổ chức?</a:t>
+            </a:r>
           </a:p>
           <a:p>
-            <a:pPr marL="114300" indent="0">
-              <a:buNone/>
+            <a:pPr>
+              <a:buFontTx/>
+              <a:buChar char="-"/>
             </a:pPr>
             <a:r>
-              <a:rPr lang="en-US" dirty="0"/>
-              <a:t>	+ </a:t>
-            </a:r>
-            <a:r>
-              <a:rPr lang="en-US" dirty="0" err="1"/>
-              <a:t>Hoàn</a:t>
-            </a:r>
-            <a:r>
-              <a:rPr lang="en-US" dirty="0"/>
-              <a:t> </a:t>
-            </a:r>
-            <a:r>
-              <a:rPr lang="en-US" dirty="0" err="1"/>
-              <a:t>thiện</a:t>
-            </a:r>
-            <a:r>
-              <a:rPr lang="en-US" dirty="0"/>
-              <a:t> </a:t>
-            </a:r>
-            <a:r>
-              <a:rPr lang="en-US" dirty="0" err="1"/>
-              <a:t>biểu</a:t>
-            </a:r>
-            <a:r>
-              <a:rPr lang="en-US" dirty="0"/>
-              <a:t> </a:t>
-            </a:r>
-            <a:r>
-              <a:rPr lang="en-US" dirty="0" err="1"/>
-              <a:t>đồ</a:t>
-            </a:r>
-            <a:endParaRPr lang="en-US" dirty="0"/>
+              <a:rPr lang="vi-VN" sz="2400" dirty="0" smtClean="0"/>
+              <a:t>Ai là người bảo trì, quản trị hệ thống?</a:t>
+            </a:r>
+          </a:p>
+          <a:p>
+            <a:pPr>
+              <a:buFontTx/>
+              <a:buChar char="-"/>
+            </a:pPr>
+            <a:r>
+              <a:rPr lang="vi-VN" sz="2400" dirty="0" smtClean="0"/>
+              <a:t>Xác định các hệ thống khác cần tương tác và biên giới giữa hệ thống mới và các hệ thống hiện có …</a:t>
+            </a:r>
+            <a:endParaRPr lang="en-US" sz="2400" dirty="0" smtClean="0"/>
           </a:p>
         </p:txBody>
       </p:sp>
     </p:spTree>
     <p:extLst>
       <p:ext uri="{BB962C8B-B14F-4D97-AF65-F5344CB8AC3E}">
-        <p14:creationId xmlns:p14="http://schemas.microsoft.com/office/powerpoint/2010/main" val="1975319774"/>
+        <p14:creationId xmlns:p14="http://schemas.microsoft.com/office/powerpoint/2010/main" val="1481304256"/>
       </p:ext>
     </p:extLst>
   </p:cSld>
   <p:clrMapOvr>
     <a:masterClrMapping/>
   </p:clrMapOvr>
+  <p:timing>
+    <p:tnLst>
+      <p:par>
+        <p:cTn id="1" dur="indefinite" restart="never" nodeType="tmRoot"/>
+      </p:par>
+    </p:tnLst>
+  </p:timing>
 </p:sld>
 </file>
 
@@ -18137,7 +17823,7 @@
           <p:cNvPr id="2" name="Title 1">
             <a:extLst>
               <a:ext uri="{FF2B5EF4-FFF2-40B4-BE49-F238E27FC236}">
-                <a16:creationId xmlns:a16="http://schemas.microsoft.com/office/drawing/2014/main" xmlns="" id="{116DFACF-02F6-4DA1-B480-E710AB0CA9BE}"/>
+                <a16:creationId xmlns="" xmlns:a16="http://schemas.microsoft.com/office/drawing/2014/main" id="{4E9981E3-C5D5-4789-BFD0-B96ED31C3361}"/>
               </a:ext>
             </a:extLst>
           </p:cNvPr>
@@ -18226,7 +17912,7 @@
           <p:cNvPr id="3" name="Text Placeholder 2">
             <a:extLst>
               <a:ext uri="{FF2B5EF4-FFF2-40B4-BE49-F238E27FC236}">
-                <a16:creationId xmlns:a16="http://schemas.microsoft.com/office/drawing/2014/main" xmlns="" id="{39CD1093-197B-4827-8F7B-5396F002D546}"/>
+                <a16:creationId xmlns="" xmlns:a16="http://schemas.microsoft.com/office/drawing/2014/main" id="{04E19840-75A0-4F77-8941-BED6C7332C8E}"/>
               </a:ext>
             </a:extLst>
           </p:cNvPr>
@@ -18237,310 +17923,91 @@
             <p:ph type="body" idx="1"/>
           </p:nvPr>
         </p:nvSpPr>
-        <p:spPr/>
+        <p:spPr>
+          <a:xfrm>
+            <a:off x="400594" y="861646"/>
+            <a:ext cx="8247017" cy="5460023"/>
+          </a:xfrm>
+        </p:spPr>
         <p:txBody>
-          <a:bodyPr/>
+          <a:bodyPr>
+            <a:normAutofit/>
+          </a:bodyPr>
           <a:lstStyle/>
           <a:p>
-            <a:pPr>
-              <a:buFontTx/>
-              <a:buChar char="-"/>
+            <a:pPr marL="114300" indent="0">
+              <a:buNone/>
             </a:pPr>
             <a:r>
-              <a:rPr lang="en-US" b="1" dirty="0" err="1"/>
-              <a:t>Bước</a:t>
-            </a:r>
-            <a:r>
-              <a:rPr lang="en-US" b="1" dirty="0"/>
-              <a:t> 4: </a:t>
-            </a:r>
-            <a:r>
-              <a:rPr lang="en-US" b="1" dirty="0" err="1"/>
-              <a:t>Mô</a:t>
-            </a:r>
-            <a:r>
-              <a:rPr lang="en-US" b="1" dirty="0"/>
-              <a:t> </a:t>
-            </a:r>
-            <a:r>
-              <a:rPr lang="en-US" b="1" dirty="0" err="1"/>
-              <a:t>tả</a:t>
-            </a:r>
-            <a:r>
-              <a:rPr lang="en-US" b="1" dirty="0"/>
-              <a:t> </a:t>
-            </a:r>
-            <a:r>
-              <a:rPr lang="en-US" b="1" dirty="0" err="1"/>
-              <a:t>luồng</a:t>
-            </a:r>
-            <a:r>
-              <a:rPr lang="en-US" b="1" dirty="0"/>
-              <a:t> </a:t>
-            </a:r>
-            <a:r>
-              <a:rPr lang="en-US" b="1" dirty="0" err="1"/>
-              <a:t>sự</a:t>
-            </a:r>
-            <a:r>
-              <a:rPr lang="en-US" b="1" dirty="0"/>
-              <a:t> </a:t>
-            </a:r>
-            <a:r>
-              <a:rPr lang="en-US" b="1" dirty="0" err="1"/>
-              <a:t>kiện</a:t>
-            </a:r>
-            <a:r>
-              <a:rPr lang="en-US" b="1" dirty="0"/>
-              <a:t>: </a:t>
-            </a:r>
+              <a:rPr lang="en-US" sz="2400" b="1" dirty="0" smtClean="0"/>
+              <a:t>B</a:t>
+            </a:r>
+            <a:r>
+              <a:rPr lang="vi-VN" sz="2400" b="1" dirty="0"/>
+              <a:t>ư</a:t>
+            </a:r>
+            <a:r>
+              <a:rPr lang="en-US" sz="2400" b="1" dirty="0" err="1"/>
+              <a:t>ớc</a:t>
+            </a:r>
+            <a:r>
+              <a:rPr lang="en-US" sz="2400" b="1" dirty="0"/>
+              <a:t> 2: </a:t>
+            </a:r>
+            <a:r>
+              <a:rPr lang="vi-VN" sz="2400" b="1" dirty="0"/>
+              <a:t>Tìm ca sử </a:t>
+            </a:r>
+            <a:r>
+              <a:rPr lang="vi-VN" sz="2400" b="1" dirty="0" smtClean="0"/>
+              <a:t>dụng</a:t>
+            </a:r>
+            <a:endParaRPr lang="en-US" sz="2400" b="1" dirty="0" smtClean="0"/>
           </a:p>
           <a:p>
-            <a:pPr marL="114300" indent="0">
-              <a:buNone/>
+            <a:pPr>
+              <a:buFont typeface="Wingdings" panose="05000000000000000000" pitchFamily="2" charset="2"/>
+              <a:buChar char="§"/>
             </a:pPr>
             <a:r>
-              <a:rPr lang="en-US" dirty="0"/>
-              <a:t>	</a:t>
-            </a:r>
-            <a:r>
-              <a:rPr lang="en-US" dirty="0" err="1"/>
-              <a:t>Mục</a:t>
-            </a:r>
-            <a:r>
-              <a:rPr lang="en-US" dirty="0"/>
-              <a:t> </a:t>
-            </a:r>
-            <a:r>
-              <a:rPr lang="en-US" dirty="0" err="1"/>
-              <a:t>đính</a:t>
-            </a:r>
-            <a:r>
-              <a:rPr lang="en-US" dirty="0"/>
-              <a:t>, </a:t>
-            </a:r>
-            <a:r>
-              <a:rPr lang="en-US" dirty="0" err="1"/>
-              <a:t>chạy</a:t>
-            </a:r>
-            <a:r>
-              <a:rPr lang="en-US" dirty="0"/>
-              <a:t> </a:t>
-            </a:r>
-            <a:r>
-              <a:rPr lang="en-US" dirty="0" err="1"/>
-              <a:t>ntn</a:t>
-            </a:r>
-            <a:r>
-              <a:rPr lang="en-US" dirty="0"/>
-              <a:t>, </a:t>
-            </a:r>
-            <a:r>
-              <a:rPr lang="en-US" dirty="0" err="1"/>
-              <a:t>chuỗi</a:t>
-            </a:r>
-            <a:r>
-              <a:rPr lang="en-US" dirty="0"/>
-              <a:t> </a:t>
-            </a:r>
-            <a:r>
-              <a:rPr lang="en-US" dirty="0" err="1"/>
-              <a:t>thông</a:t>
-            </a:r>
-            <a:r>
-              <a:rPr lang="en-US" dirty="0"/>
-              <a:t> </a:t>
-            </a:r>
-            <a:r>
-              <a:rPr lang="en-US" dirty="0" err="1"/>
-              <a:t>điệp</a:t>
-            </a:r>
-            <a:r>
-              <a:rPr lang="en-US" dirty="0"/>
-              <a:t> </a:t>
-            </a:r>
-            <a:r>
-              <a:rPr lang="en-US" dirty="0" err="1"/>
-              <a:t>tác</a:t>
-            </a:r>
-            <a:r>
-              <a:rPr lang="en-US" dirty="0"/>
-              <a:t> </a:t>
-            </a:r>
-            <a:r>
-              <a:rPr lang="en-US" dirty="0" err="1"/>
-              <a:t>nhân</a:t>
-            </a:r>
-            <a:r>
-              <a:rPr lang="en-US" dirty="0"/>
-              <a:t> vs ca </a:t>
-            </a:r>
-            <a:r>
-              <a:rPr lang="en-US" dirty="0" err="1"/>
-              <a:t>sử</a:t>
-            </a:r>
-            <a:r>
-              <a:rPr lang="en-US" dirty="0"/>
-              <a:t> </a:t>
-            </a:r>
-            <a:r>
-              <a:rPr lang="en-US" dirty="0" err="1"/>
-              <a:t>dụng</a:t>
-            </a:r>
-            <a:r>
-              <a:rPr lang="en-US" dirty="0"/>
-              <a:t>,  </a:t>
-            </a:r>
-            <a:r>
-              <a:rPr lang="en-US" dirty="0" err="1"/>
-              <a:t>luồng</a:t>
-            </a:r>
-            <a:r>
-              <a:rPr lang="en-US" dirty="0"/>
-              <a:t> </a:t>
-            </a:r>
-            <a:r>
-              <a:rPr lang="en-US" dirty="0" err="1"/>
-              <a:t>thay</a:t>
-            </a:r>
-            <a:r>
-              <a:rPr lang="en-US" dirty="0"/>
-              <a:t> </a:t>
-            </a:r>
-            <a:r>
-              <a:rPr lang="en-US" dirty="0" err="1"/>
-              <a:t>thế</a:t>
-            </a:r>
-            <a:r>
-              <a:rPr lang="en-US" dirty="0"/>
-              <a:t>, </a:t>
-            </a:r>
-            <a:r>
-              <a:rPr lang="en-US" dirty="0" err="1"/>
-              <a:t>kết</a:t>
-            </a:r>
-            <a:r>
-              <a:rPr lang="en-US" dirty="0"/>
-              <a:t> </a:t>
-            </a:r>
-            <a:r>
-              <a:rPr lang="en-US" dirty="0" err="1"/>
-              <a:t>thúc</a:t>
-            </a:r>
-            <a:r>
-              <a:rPr lang="en-US" dirty="0"/>
-              <a:t> </a:t>
-            </a:r>
-            <a:r>
-              <a:rPr lang="en-US" dirty="0" err="1"/>
-              <a:t>với</a:t>
-            </a:r>
-            <a:r>
-              <a:rPr lang="en-US" dirty="0"/>
-              <a:t> </a:t>
-            </a:r>
-            <a:r>
-              <a:rPr lang="en-US" dirty="0" err="1"/>
-              <a:t>một</a:t>
-            </a:r>
-            <a:r>
-              <a:rPr lang="en-US" dirty="0"/>
-              <a:t> </a:t>
-            </a:r>
-            <a:r>
-              <a:rPr lang="en-US" dirty="0" err="1"/>
-              <a:t>giá</a:t>
-            </a:r>
-            <a:r>
-              <a:rPr lang="en-US" dirty="0"/>
-              <a:t> </a:t>
-            </a:r>
-            <a:r>
-              <a:rPr lang="en-US" dirty="0" err="1"/>
-              <a:t>trị</a:t>
-            </a:r>
-            <a:r>
-              <a:rPr lang="en-US" dirty="0"/>
-              <a:t> </a:t>
-            </a:r>
-            <a:r>
-              <a:rPr lang="en-US" dirty="0" err="1"/>
-              <a:t>đối</a:t>
-            </a:r>
-            <a:r>
-              <a:rPr lang="en-US" dirty="0"/>
-              <a:t> </a:t>
-            </a:r>
-            <a:r>
-              <a:rPr lang="en-US" dirty="0" err="1"/>
-              <a:t>với</a:t>
-            </a:r>
-            <a:r>
-              <a:rPr lang="en-US" dirty="0"/>
-              <a:t> </a:t>
-            </a:r>
-            <a:r>
-              <a:rPr lang="en-US" dirty="0" err="1"/>
-              <a:t>tác</a:t>
-            </a:r>
-            <a:r>
-              <a:rPr lang="en-US" dirty="0"/>
-              <a:t> </a:t>
-            </a:r>
-            <a:r>
-              <a:rPr lang="en-US" dirty="0" err="1"/>
-              <a:t>nhân</a:t>
-            </a:r>
-            <a:endParaRPr lang="en-US" dirty="0"/>
+              <a:rPr lang="vi-VN" sz="2400" dirty="0" smtClean="0"/>
+              <a:t>Xác định ca sử dụng của hệ thống dựa trên các chức năng cần thiết, yêu cầu truy cập và lưu trữ thông tin, các thông báo cần thiết, các sự kiện bên ngoài, và việc đơn giản hóa công việc cho tác nhân.</a:t>
+            </a:r>
           </a:p>
           <a:p>
-            <a:pPr marL="114300" indent="0">
-              <a:buNone/>
+            <a:pPr>
+              <a:buFont typeface="Wingdings" panose="05000000000000000000" pitchFamily="2" charset="2"/>
+              <a:buChar char="§"/>
             </a:pPr>
-            <a:endParaRPr lang="en-US" dirty="0"/>
-          </a:p>
-          <a:p>
-            <a:pPr marL="114300" indent="0">
-              <a:buNone/>
-            </a:pPr>
-            <a:r>
-              <a:rPr lang="en-US" dirty="0"/>
-              <a:t>- </a:t>
-            </a:r>
-            <a:r>
-              <a:rPr lang="en-US" b="1" dirty="0"/>
-              <a:t>B</a:t>
-            </a:r>
-            <a:r>
-              <a:rPr lang="vi-VN" b="1" dirty="0"/>
-              <a:t>ư</a:t>
-            </a:r>
-            <a:r>
-              <a:rPr lang="en-US" b="1" dirty="0" err="1"/>
-              <a:t>ớc</a:t>
-            </a:r>
-            <a:r>
-              <a:rPr lang="en-US" b="1" dirty="0"/>
-              <a:t> 5: H</a:t>
-            </a:r>
-            <a:r>
-              <a:rPr lang="vi-VN" b="1" dirty="0"/>
-              <a:t>iệu chỉnh mô hình</a:t>
-            </a:r>
-            <a:endParaRPr lang="en-US" b="1" dirty="0"/>
+            <a:r>
+              <a:rPr lang="vi-VN" sz="2400" dirty="0" smtClean="0"/>
+              <a:t>Lưu </a:t>
+            </a:r>
+            <a:r>
+              <a:rPr lang="vi-VN" sz="2400" dirty="0"/>
+              <a:t>ý, một ca sử dụng bao giờ cũng phải liên kết với một tác nhân</a:t>
+            </a:r>
+            <a:endParaRPr lang="en-US" sz="2400" dirty="0"/>
           </a:p>
         </p:txBody>
       </p:sp>
     </p:spTree>
     <p:extLst>
       <p:ext uri="{BB962C8B-B14F-4D97-AF65-F5344CB8AC3E}">
-        <p14:creationId xmlns:p14="http://schemas.microsoft.com/office/powerpoint/2010/main" val="1994838007"/>
+        <p14:creationId xmlns:p14="http://schemas.microsoft.com/office/powerpoint/2010/main" val="3912459415"/>
       </p:ext>
     </p:extLst>
   </p:cSld>
   <p:clrMapOvr>
     <a:masterClrMapping/>
   </p:clrMapOvr>
+  <p:timing>
+    <p:tnLst>
+      <p:par>
+        <p:cTn id="1" dur="indefinite" restart="never" nodeType="tmRoot"/>
+      </p:par>
+    </p:tnLst>
+  </p:timing>
 </p:sld>
 </file>
 
@@ -18566,7 +18033,7 @@
           <p:cNvPr id="2" name="Title 1">
             <a:extLst>
               <a:ext uri="{FF2B5EF4-FFF2-40B4-BE49-F238E27FC236}">
-                <a16:creationId xmlns:a16="http://schemas.microsoft.com/office/drawing/2014/main" xmlns="" id="{F8E5B976-DFB9-4BCF-909B-AD7402CB5834}"/>
+                <a16:creationId xmlns="" xmlns:a16="http://schemas.microsoft.com/office/drawing/2014/main" id="{3A51F162-21A5-4A7E-BEA1-6FC982984606}"/>
               </a:ext>
             </a:extLst>
           </p:cNvPr>
@@ -18584,2375 +18051,716 @@
           <a:p>
             <a:r>
               <a:rPr lang="en-US" dirty="0" err="1"/>
-              <a:t>Nội</a:t>
+              <a:t>Các</a:t>
             </a:r>
             <a:r>
               <a:rPr lang="en-US" dirty="0"/>
-              <a:t> dung</a:t>
-            </a:r>
+              <a:t> b</a:t>
+            </a:r>
+            <a:r>
+              <a:rPr lang="vi-VN" dirty="0"/>
+              <a:t>ư</a:t>
+            </a:r>
+            <a:r>
+              <a:rPr lang="en-US" dirty="0" err="1"/>
+              <a:t>ớc</a:t>
+            </a:r>
+            <a:r>
+              <a:rPr lang="en-US" dirty="0"/>
+              <a:t> </a:t>
+            </a:r>
+            <a:r>
+              <a:rPr lang="en-US" dirty="0" err="1"/>
+              <a:t>xây</a:t>
+            </a:r>
+            <a:r>
+              <a:rPr lang="en-US" dirty="0"/>
+              <a:t> </a:t>
+            </a:r>
+            <a:r>
+              <a:rPr lang="en-US" dirty="0" err="1"/>
+              <a:t>dựng</a:t>
+            </a:r>
+            <a:r>
+              <a:rPr lang="en-US" dirty="0"/>
+              <a:t> </a:t>
+            </a:r>
+            <a:r>
+              <a:rPr lang="en-US" dirty="0" err="1"/>
+              <a:t>biểu</a:t>
+            </a:r>
+            <a:r>
+              <a:rPr lang="en-US" dirty="0"/>
+              <a:t> </a:t>
+            </a:r>
+            <a:r>
+              <a:rPr lang="en-US" dirty="0" err="1"/>
+              <a:t>đồ</a:t>
+            </a:r>
+            <a:r>
+              <a:rPr lang="en-US" dirty="0"/>
+              <a:t> ca </a:t>
+            </a:r>
+            <a:r>
+              <a:rPr lang="en-US" dirty="0" err="1"/>
+              <a:t>sử</a:t>
+            </a:r>
+            <a:r>
+              <a:rPr lang="en-US" dirty="0"/>
+              <a:t> </a:t>
+            </a:r>
+            <a:r>
+              <a:rPr lang="en-US" dirty="0" err="1"/>
+              <a:t>dụng</a:t>
+            </a:r>
+            <a:endParaRPr lang="en-US" dirty="0"/>
           </a:p>
         </p:txBody>
       </p:sp>
       <p:sp>
         <p:nvSpPr>
-          <p:cNvPr id="4" name="Google Shape;160;p3">
+          <p:cNvPr id="3" name="Text Placeholder 2">
             <a:extLst>
               <a:ext uri="{FF2B5EF4-FFF2-40B4-BE49-F238E27FC236}">
-                <a16:creationId xmlns:a16="http://schemas.microsoft.com/office/drawing/2014/main" xmlns="" id="{C3677F29-6316-4C3E-BED2-FCC858D52B85}"/>
+                <a16:creationId xmlns="" xmlns:a16="http://schemas.microsoft.com/office/drawing/2014/main" id="{18D3A6EF-1462-4B1D-975B-CB4318CBCFAB}"/>
               </a:ext>
             </a:extLst>
           </p:cNvPr>
-          <p:cNvSpPr/>
-          <p:nvPr/>
+          <p:cNvSpPr>
+            <a:spLocks noGrp="1"/>
+          </p:cNvSpPr>
+          <p:nvPr>
+            <p:ph type="body" idx="1"/>
+          </p:nvPr>
         </p:nvSpPr>
-        <p:spPr>
-          <a:xfrm>
-            <a:off x="2884185" y="3954632"/>
-            <a:ext cx="5612567" cy="508000"/>
-          </a:xfrm>
-          <a:prstGeom prst="roundRect">
-            <a:avLst>
-              <a:gd name="adj" fmla="val 50000"/>
-            </a:avLst>
-          </a:prstGeom>
-          <a:noFill/>
-          <a:ln w="28575" cap="flat" cmpd="sng">
-            <a:solidFill>
-              <a:schemeClr val="lt2"/>
-            </a:solidFill>
-            <a:prstDash val="solid"/>
-            <a:round/>
-            <a:headEnd type="none" w="sm" len="sm"/>
-            <a:tailEnd type="none" w="sm" len="sm"/>
-          </a:ln>
-        </p:spPr>
+        <p:spPr/>
         <p:txBody>
-          <a:bodyPr spcFirstLastPara="1" wrap="square" lIns="91425" tIns="45700" rIns="91425" bIns="45700" anchor="ctr" anchorCtr="0">
-            <a:noAutofit/>
+          <a:bodyPr>
+            <a:normAutofit/>
           </a:bodyPr>
           <a:lstStyle/>
           <a:p>
-            <a:pPr marL="0" marR="0" lvl="0" indent="0" algn="l" rtl="0">
-              <a:spcBef>
-                <a:spcPts val="0"/>
-              </a:spcBef>
-              <a:spcAft>
-                <a:spcPts val="0"/>
-              </a:spcAft>
+            <a:pPr marL="114300" indent="0">
               <a:buNone/>
             </a:pPr>
             <a:r>
-              <a:rPr lang="en-US" sz="1800" b="1" dirty="0" err="1">
-                <a:solidFill>
-                  <a:srgbClr val="D0CECE"/>
-                </a:solidFill>
-              </a:rPr>
+              <a:rPr lang="en-US" sz="2400" b="1" dirty="0"/>
+              <a:t>B</a:t>
+            </a:r>
+            <a:r>
+              <a:rPr lang="vi-VN" sz="2400" b="1" dirty="0"/>
+              <a:t>ư</a:t>
+            </a:r>
+            <a:r>
+              <a:rPr lang="en-US" sz="2400" b="1" dirty="0" err="1"/>
+              <a:t>ớc</a:t>
+            </a:r>
+            <a:r>
+              <a:rPr lang="en-US" sz="2400" b="1" dirty="0"/>
+              <a:t> 3: </a:t>
+            </a:r>
+            <a:r>
+              <a:rPr lang="en-US" sz="2400" b="1" dirty="0" err="1"/>
+              <a:t>Cấu</a:t>
+            </a:r>
+            <a:r>
+              <a:rPr lang="en-US" sz="2400" b="1" dirty="0"/>
+              <a:t> </a:t>
+            </a:r>
+            <a:r>
+              <a:rPr lang="en-US" sz="2400" b="1" dirty="0" err="1"/>
+              <a:t>trúc</a:t>
+            </a:r>
+            <a:r>
+              <a:rPr lang="en-US" sz="2400" b="1" dirty="0"/>
+              <a:t> </a:t>
+            </a:r>
+            <a:r>
+              <a:rPr lang="en-US" sz="2400" b="1" dirty="0" err="1"/>
+              <a:t>hóa</a:t>
+            </a:r>
+            <a:r>
+              <a:rPr lang="en-US" sz="2400" b="1" dirty="0"/>
+              <a:t> </a:t>
+            </a:r>
+            <a:r>
+              <a:rPr lang="en-US" sz="2400" b="1" dirty="0" err="1"/>
+              <a:t>biểu</a:t>
+            </a:r>
+            <a:r>
+              <a:rPr lang="en-US" sz="2400" b="1" dirty="0"/>
+              <a:t> </a:t>
+            </a:r>
+            <a:r>
+              <a:rPr lang="en-US" sz="2400" b="1" dirty="0" err="1"/>
+              <a:t>đồ</a:t>
+            </a:r>
+            <a:r>
+              <a:rPr lang="en-US" sz="2400" b="1" dirty="0"/>
+              <a:t> </a:t>
+            </a:r>
+            <a:r>
+              <a:rPr lang="en-US" sz="2400" b="1" dirty="0" err="1"/>
+              <a:t>bằng</a:t>
+            </a:r>
+            <a:r>
+              <a:rPr lang="en-US" sz="2400" b="1" dirty="0"/>
+              <a:t> </a:t>
+            </a:r>
+            <a:r>
+              <a:rPr lang="en-US" sz="2400" b="1" dirty="0" err="1"/>
+              <a:t>mối</a:t>
+            </a:r>
+            <a:r>
+              <a:rPr lang="en-US" sz="2400" b="1" dirty="0"/>
+              <a:t> </a:t>
+            </a:r>
+            <a:r>
+              <a:rPr lang="en-US" sz="2400" b="1" dirty="0" err="1"/>
+              <a:t>quan</a:t>
+            </a:r>
+            <a:r>
+              <a:rPr lang="en-US" sz="2400" b="1" dirty="0"/>
+              <a:t> </a:t>
+            </a:r>
+            <a:r>
+              <a:rPr lang="en-US" sz="2400" b="1" dirty="0" err="1"/>
+              <a:t>hệ</a:t>
+            </a:r>
+            <a:r>
+              <a:rPr lang="en-US" sz="2400" b="1" dirty="0"/>
+              <a:t> </a:t>
+            </a:r>
+            <a:r>
+              <a:rPr lang="en-US" sz="2400" b="1" dirty="0" err="1"/>
+              <a:t>gồm</a:t>
+            </a:r>
+            <a:r>
+              <a:rPr lang="en-US" sz="2400" b="1" dirty="0"/>
+              <a:t>:</a:t>
+            </a:r>
+          </a:p>
+          <a:p>
+            <a:pPr marL="114300" indent="0">
+              <a:buNone/>
+            </a:pPr>
+            <a:r>
+              <a:rPr lang="en-US" sz="2400" dirty="0" smtClean="0"/>
+              <a:t>- </a:t>
+            </a:r>
+            <a:r>
+              <a:rPr lang="en-US" sz="2400" dirty="0" err="1"/>
               <a:t>Các</a:t>
             </a:r>
             <a:r>
-              <a:rPr lang="en-US" sz="1800" b="1" dirty="0">
-                <a:solidFill>
-                  <a:srgbClr val="D0CECE"/>
-                </a:solidFill>
-              </a:rPr>
-              <a:t> b</a:t>
-            </a:r>
-            <a:r>
-              <a:rPr lang="vi-VN" sz="1800" b="1" dirty="0">
-                <a:solidFill>
-                  <a:srgbClr val="D0CECE"/>
-                </a:solidFill>
-              </a:rPr>
-              <a:t>ư</a:t>
-            </a:r>
-            <a:r>
-              <a:rPr lang="en-US" sz="1800" b="1" dirty="0" err="1">
-                <a:solidFill>
-                  <a:srgbClr val="D0CECE"/>
-                </a:solidFill>
-              </a:rPr>
-              <a:t>ớc</a:t>
-            </a:r>
-            <a:r>
-              <a:rPr lang="en-US" sz="1800" b="1" dirty="0">
-                <a:solidFill>
-                  <a:srgbClr val="D0CECE"/>
-                </a:solidFill>
-              </a:rPr>
+              <a:rPr lang="en-US" sz="2400" dirty="0"/>
               <a:t> </a:t>
             </a:r>
             <a:r>
-              <a:rPr lang="en-US" sz="1800" b="1" dirty="0" err="1">
-                <a:solidFill>
-                  <a:srgbClr val="D0CECE"/>
-                </a:solidFill>
-              </a:rPr>
-              <a:t>xây</a:t>
-            </a:r>
-            <a:r>
-              <a:rPr lang="en-US" sz="1800" b="1" dirty="0">
-                <a:solidFill>
-                  <a:srgbClr val="D0CECE"/>
-                </a:solidFill>
-              </a:rPr>
+              <a:rPr lang="en-US" sz="2400" dirty="0" err="1"/>
+              <a:t>dạng</a:t>
+            </a:r>
+            <a:r>
+              <a:rPr lang="en-US" sz="2400" dirty="0"/>
               <a:t> </a:t>
             </a:r>
             <a:r>
-              <a:rPr lang="en-US" sz="1800" b="1" dirty="0" err="1">
-                <a:solidFill>
-                  <a:srgbClr val="D0CECE"/>
-                </a:solidFill>
-              </a:rPr>
-              <a:t>dựng</a:t>
-            </a:r>
-            <a:r>
-              <a:rPr lang="en-US" sz="1800" b="1" dirty="0">
-                <a:solidFill>
-                  <a:srgbClr val="D0CECE"/>
-                </a:solidFill>
-              </a:rPr>
+              <a:rPr lang="en-US" sz="2400" dirty="0" err="1"/>
+              <a:t>quan</a:t>
+            </a:r>
+            <a:r>
+              <a:rPr lang="en-US" sz="2400" dirty="0"/>
               <a:t> </a:t>
             </a:r>
             <a:r>
-              <a:rPr lang="en-US" sz="1800" b="1" dirty="0" err="1">
-                <a:solidFill>
-                  <a:srgbClr val="D0CECE"/>
-                </a:solidFill>
-              </a:rPr>
+              <a:rPr lang="en-US" sz="2400" dirty="0" err="1"/>
+              <a:t>hệ</a:t>
+            </a:r>
+            <a:r>
+              <a:rPr lang="en-US" sz="2400" dirty="0"/>
+              <a:t> </a:t>
+            </a:r>
+            <a:r>
+              <a:rPr lang="en-US" sz="2400" dirty="0" err="1"/>
+              <a:t>trong</a:t>
+            </a:r>
+            <a:r>
+              <a:rPr lang="en-US" sz="2400" dirty="0"/>
+              <a:t> </a:t>
+            </a:r>
+            <a:r>
+              <a:rPr lang="en-US" sz="2400" dirty="0" err="1"/>
               <a:t>biểu</a:t>
             </a:r>
             <a:r>
-              <a:rPr lang="en-US" sz="1800" b="1" dirty="0">
-                <a:solidFill>
-                  <a:srgbClr val="D0CECE"/>
-                </a:solidFill>
-              </a:rPr>
+              <a:rPr lang="en-US" sz="2400" dirty="0"/>
               <a:t> </a:t>
             </a:r>
             <a:r>
-              <a:rPr lang="en-US" sz="1800" b="1" dirty="0" err="1">
-                <a:solidFill>
-                  <a:srgbClr val="D0CECE"/>
-                </a:solidFill>
-              </a:rPr>
+              <a:rPr lang="en-US" sz="2400" dirty="0" err="1"/>
               <a:t>đồ</a:t>
             </a:r>
             <a:r>
-              <a:rPr lang="en-US" sz="1800" b="1" dirty="0">
-                <a:solidFill>
-                  <a:srgbClr val="D0CECE"/>
-                </a:solidFill>
-              </a:rPr>
+              <a:rPr lang="en-US" sz="2400" dirty="0"/>
               <a:t> ca </a:t>
             </a:r>
             <a:r>
-              <a:rPr lang="en-US" sz="1800" b="1" dirty="0" err="1">
-                <a:solidFill>
-                  <a:srgbClr val="D0CECE"/>
-                </a:solidFill>
-              </a:rPr>
+              <a:rPr lang="en-US" sz="2400" dirty="0" err="1"/>
               <a:t>sử</a:t>
             </a:r>
             <a:r>
-              <a:rPr lang="en-US" sz="1800" b="1" dirty="0">
-                <a:solidFill>
-                  <a:srgbClr val="D0CECE"/>
-                </a:solidFill>
-              </a:rPr>
+              <a:rPr lang="en-US" sz="2400" dirty="0"/>
               <a:t> </a:t>
             </a:r>
             <a:r>
-              <a:rPr lang="en-US" sz="1800" b="1" dirty="0" err="1">
-                <a:solidFill>
-                  <a:srgbClr val="D0CECE"/>
-                </a:solidFill>
-              </a:rPr>
+              <a:rPr lang="en-US" sz="2400" dirty="0" err="1"/>
               <a:t>dụng</a:t>
             </a:r>
-            <a:endParaRPr dirty="0"/>
+            <a:r>
+              <a:rPr lang="en-US" sz="2400" dirty="0"/>
+              <a:t>:</a:t>
+            </a:r>
+          </a:p>
+          <a:p>
+            <a:pPr marL="114300" indent="0">
+              <a:buNone/>
+            </a:pPr>
+            <a:r>
+              <a:rPr lang="en-US" sz="2400" dirty="0"/>
+              <a:t>	+ </a:t>
+            </a:r>
+            <a:r>
+              <a:rPr lang="en-US" sz="2400" dirty="0" err="1"/>
+              <a:t>Quan</a:t>
+            </a:r>
+            <a:r>
+              <a:rPr lang="en-US" sz="2400" dirty="0"/>
+              <a:t> </a:t>
+            </a:r>
+            <a:r>
+              <a:rPr lang="en-US" sz="2400" dirty="0" err="1"/>
+              <a:t>hệ</a:t>
+            </a:r>
+            <a:r>
+              <a:rPr lang="en-US" sz="2400" dirty="0"/>
+              <a:t> </a:t>
+            </a:r>
+            <a:r>
+              <a:rPr lang="en-US" sz="2400" dirty="0" err="1"/>
+              <a:t>kết</a:t>
+            </a:r>
+            <a:r>
+              <a:rPr lang="en-US" sz="2400" dirty="0"/>
+              <a:t> </a:t>
+            </a:r>
+            <a:r>
+              <a:rPr lang="en-US" sz="2400" dirty="0" err="1"/>
+              <a:t>hợp</a:t>
+            </a:r>
+            <a:endParaRPr lang="en-US" sz="2400" dirty="0"/>
+          </a:p>
+          <a:p>
+            <a:pPr marL="114300" indent="0">
+              <a:buNone/>
+            </a:pPr>
+            <a:r>
+              <a:rPr lang="en-US" sz="2400" dirty="0"/>
+              <a:t>	+ </a:t>
+            </a:r>
+            <a:r>
+              <a:rPr lang="en-US" sz="2400" dirty="0" err="1"/>
+              <a:t>Quan</a:t>
+            </a:r>
+            <a:r>
+              <a:rPr lang="en-US" sz="2400" dirty="0"/>
+              <a:t> </a:t>
+            </a:r>
+            <a:r>
+              <a:rPr lang="en-US" sz="2400" dirty="0" err="1"/>
+              <a:t>hệ</a:t>
+            </a:r>
+            <a:r>
+              <a:rPr lang="en-US" sz="2400" dirty="0"/>
+              <a:t> &lt;&lt;include&gt;&gt;</a:t>
+            </a:r>
+          </a:p>
+          <a:p>
+            <a:pPr marL="114300" indent="0">
+              <a:buNone/>
+            </a:pPr>
+            <a:r>
+              <a:rPr lang="en-US" sz="2400" dirty="0"/>
+              <a:t>	+ </a:t>
+            </a:r>
+            <a:r>
+              <a:rPr lang="en-US" sz="2400" dirty="0" err="1"/>
+              <a:t>Quan</a:t>
+            </a:r>
+            <a:r>
+              <a:rPr lang="en-US" sz="2400" dirty="0"/>
+              <a:t> </a:t>
+            </a:r>
+            <a:r>
+              <a:rPr lang="en-US" sz="2400" dirty="0" err="1"/>
+              <a:t>hệ</a:t>
+            </a:r>
+            <a:r>
+              <a:rPr lang="en-US" sz="2400" dirty="0"/>
+              <a:t> </a:t>
+            </a:r>
+            <a:r>
+              <a:rPr lang="en-US" sz="2400" dirty="0" err="1"/>
+              <a:t>mở</a:t>
+            </a:r>
+            <a:r>
+              <a:rPr lang="en-US" sz="2400" dirty="0"/>
+              <a:t> </a:t>
+            </a:r>
+            <a:r>
+              <a:rPr lang="en-US" sz="2400" dirty="0" err="1"/>
+              <a:t>rộng</a:t>
+            </a:r>
+            <a:r>
+              <a:rPr lang="en-US" sz="2400" dirty="0"/>
+              <a:t> &lt;&lt;extend&gt;&gt;</a:t>
+            </a:r>
+          </a:p>
+          <a:p>
+            <a:pPr marL="114300" indent="0">
+              <a:buNone/>
+            </a:pPr>
+            <a:r>
+              <a:rPr lang="en-US" sz="2400" dirty="0"/>
+              <a:t>	+ </a:t>
+            </a:r>
+            <a:r>
+              <a:rPr lang="en-US" sz="2400" dirty="0" err="1"/>
+              <a:t>Quan</a:t>
+            </a:r>
+            <a:r>
+              <a:rPr lang="en-US" sz="2400" dirty="0"/>
+              <a:t> </a:t>
+            </a:r>
+            <a:r>
+              <a:rPr lang="en-US" sz="2400" dirty="0" err="1"/>
+              <a:t>hệ</a:t>
+            </a:r>
+            <a:r>
+              <a:rPr lang="en-US" sz="2400" dirty="0"/>
+              <a:t> </a:t>
+            </a:r>
+            <a:r>
+              <a:rPr lang="en-US" sz="2400" dirty="0" err="1"/>
+              <a:t>kế</a:t>
+            </a:r>
+            <a:r>
+              <a:rPr lang="en-US" sz="2400" dirty="0"/>
+              <a:t> </a:t>
+            </a:r>
+            <a:r>
+              <a:rPr lang="en-US" sz="2400" dirty="0" err="1"/>
+              <a:t>thừa</a:t>
+            </a:r>
+            <a:r>
+              <a:rPr lang="en-US" sz="2400" dirty="0"/>
+              <a:t> generalization</a:t>
+            </a:r>
+          </a:p>
+          <a:p>
+            <a:pPr marL="114300" indent="0">
+              <a:buNone/>
+            </a:pPr>
+            <a:r>
+              <a:rPr lang="en-US" sz="2400" dirty="0"/>
+              <a:t>- </a:t>
+            </a:r>
+            <a:r>
+              <a:rPr lang="en-US" sz="2400" dirty="0" err="1"/>
+              <a:t>Nguyên</a:t>
+            </a:r>
+            <a:r>
+              <a:rPr lang="en-US" sz="2400" dirty="0"/>
+              <a:t> </a:t>
+            </a:r>
+            <a:r>
+              <a:rPr lang="en-US" sz="2400" dirty="0" err="1"/>
+              <a:t>tắc</a:t>
+            </a:r>
+            <a:r>
+              <a:rPr lang="en-US" sz="2400" dirty="0"/>
+              <a:t> </a:t>
+            </a:r>
+            <a:r>
+              <a:rPr lang="en-US" sz="2400" dirty="0" err="1"/>
+              <a:t>phân</a:t>
+            </a:r>
+            <a:r>
+              <a:rPr lang="en-US" sz="2400" dirty="0"/>
+              <a:t> </a:t>
+            </a:r>
+            <a:r>
+              <a:rPr lang="en-US" sz="2400" dirty="0" err="1"/>
+              <a:t>rã</a:t>
+            </a:r>
+            <a:r>
+              <a:rPr lang="en-US" sz="2400" dirty="0"/>
+              <a:t> </a:t>
+            </a:r>
+            <a:r>
+              <a:rPr lang="en-US" sz="2400" dirty="0" err="1"/>
+              <a:t>biểu</a:t>
+            </a:r>
+            <a:r>
+              <a:rPr lang="en-US" sz="2400" dirty="0"/>
+              <a:t> </a:t>
+            </a:r>
+            <a:r>
+              <a:rPr lang="en-US" sz="2400" dirty="0" err="1"/>
+              <a:t>đồ</a:t>
+            </a:r>
+            <a:r>
+              <a:rPr lang="en-US" sz="2400" dirty="0"/>
+              <a:t>:</a:t>
+            </a:r>
+          </a:p>
+          <a:p>
+            <a:pPr marL="114300" indent="0">
+              <a:buNone/>
+            </a:pPr>
+            <a:r>
+              <a:rPr lang="en-US" sz="2400" dirty="0"/>
+              <a:t>	+ </a:t>
+            </a:r>
+            <a:r>
+              <a:rPr lang="en-US" sz="2400" dirty="0" err="1"/>
+              <a:t>Xác</a:t>
+            </a:r>
+            <a:r>
+              <a:rPr lang="en-US" sz="2400" dirty="0"/>
+              <a:t> </a:t>
+            </a:r>
+            <a:r>
+              <a:rPr lang="en-US" sz="2400" dirty="0" err="1"/>
+              <a:t>định</a:t>
+            </a:r>
+            <a:r>
+              <a:rPr lang="en-US" sz="2400" dirty="0"/>
+              <a:t> </a:t>
+            </a:r>
+            <a:r>
+              <a:rPr lang="en-US" sz="2400" dirty="0" err="1"/>
+              <a:t>biểu</a:t>
+            </a:r>
+            <a:r>
+              <a:rPr lang="en-US" sz="2400" dirty="0"/>
+              <a:t> </a:t>
+            </a:r>
+            <a:r>
+              <a:rPr lang="en-US" sz="2400" dirty="0" err="1"/>
+              <a:t>đồ</a:t>
+            </a:r>
+            <a:r>
+              <a:rPr lang="en-US" sz="2400" dirty="0"/>
+              <a:t> ca </a:t>
+            </a:r>
+            <a:r>
+              <a:rPr lang="en-US" sz="2400" dirty="0" err="1"/>
+              <a:t>sử</a:t>
+            </a:r>
+            <a:r>
+              <a:rPr lang="en-US" sz="2400" dirty="0"/>
+              <a:t> </a:t>
+            </a:r>
+            <a:r>
+              <a:rPr lang="en-US" sz="2400" dirty="0" err="1"/>
+              <a:t>dụng</a:t>
+            </a:r>
+            <a:r>
+              <a:rPr lang="en-US" sz="2400" dirty="0"/>
+              <a:t> </a:t>
+            </a:r>
+            <a:r>
+              <a:rPr lang="en-US" sz="2400" dirty="0" err="1"/>
+              <a:t>mức</a:t>
+            </a:r>
+            <a:r>
+              <a:rPr lang="en-US" sz="2400" dirty="0"/>
+              <a:t> </a:t>
+            </a:r>
+            <a:r>
+              <a:rPr lang="en-US" sz="2400" dirty="0" err="1"/>
+              <a:t>tổng</a:t>
+            </a:r>
+            <a:r>
+              <a:rPr lang="en-US" sz="2400" dirty="0"/>
+              <a:t> </a:t>
+            </a:r>
+            <a:r>
+              <a:rPr lang="en-US" sz="2400" dirty="0" err="1"/>
+              <a:t>quát</a:t>
+            </a:r>
+            <a:endParaRPr lang="en-US" sz="2400" dirty="0"/>
+          </a:p>
+          <a:p>
+            <a:pPr marL="114300" indent="0">
+              <a:buNone/>
+            </a:pPr>
+            <a:r>
+              <a:rPr lang="en-US" sz="2400" dirty="0"/>
+              <a:t>	+ </a:t>
+            </a:r>
+            <a:r>
+              <a:rPr lang="en-US" sz="2400" dirty="0" err="1"/>
+              <a:t>Phân</a:t>
+            </a:r>
+            <a:r>
+              <a:rPr lang="en-US" sz="2400" dirty="0"/>
+              <a:t> </a:t>
+            </a:r>
+            <a:r>
+              <a:rPr lang="en-US" sz="2400" dirty="0" err="1"/>
+              <a:t>rã</a:t>
+            </a:r>
+            <a:r>
+              <a:rPr lang="en-US" sz="2400" dirty="0"/>
+              <a:t> </a:t>
+            </a:r>
+            <a:r>
+              <a:rPr lang="en-US" sz="2400" dirty="0" err="1"/>
+              <a:t>mức</a:t>
+            </a:r>
+            <a:r>
+              <a:rPr lang="en-US" sz="2400" dirty="0"/>
+              <a:t> </a:t>
+            </a:r>
+            <a:r>
+              <a:rPr lang="en-US" sz="2400" dirty="0" err="1"/>
+              <a:t>cao</a:t>
+            </a:r>
+            <a:endParaRPr lang="en-US" sz="2400" dirty="0"/>
+          </a:p>
+          <a:p>
+            <a:pPr marL="114300" indent="0">
+              <a:buNone/>
+            </a:pPr>
+            <a:r>
+              <a:rPr lang="en-US" sz="2400" dirty="0"/>
+              <a:t>	+ </a:t>
+            </a:r>
+            <a:r>
+              <a:rPr lang="en-US" sz="2400" dirty="0" err="1"/>
+              <a:t>Phân</a:t>
+            </a:r>
+            <a:r>
+              <a:rPr lang="en-US" sz="2400" dirty="0"/>
+              <a:t> </a:t>
+            </a:r>
+            <a:r>
+              <a:rPr lang="en-US" sz="2400" dirty="0" err="1"/>
+              <a:t>rã</a:t>
+            </a:r>
+            <a:r>
+              <a:rPr lang="en-US" sz="2400" dirty="0"/>
+              <a:t> </a:t>
+            </a:r>
+            <a:r>
+              <a:rPr lang="en-US" sz="2400" dirty="0" err="1"/>
+              <a:t>đến</a:t>
+            </a:r>
+            <a:r>
+              <a:rPr lang="en-US" sz="2400" dirty="0"/>
+              <a:t> </a:t>
+            </a:r>
+            <a:r>
+              <a:rPr lang="en-US" sz="2400" dirty="0" err="1"/>
+              <a:t>khi</a:t>
+            </a:r>
+            <a:r>
+              <a:rPr lang="en-US" sz="2400" dirty="0"/>
+              <a:t> </a:t>
+            </a:r>
+            <a:r>
+              <a:rPr lang="en-US" sz="2400" dirty="0" err="1"/>
+              <a:t>gặp</a:t>
+            </a:r>
+            <a:r>
+              <a:rPr lang="en-US" sz="2400" dirty="0"/>
+              <a:t> ca </a:t>
+            </a:r>
+            <a:r>
+              <a:rPr lang="en-US" sz="2400" dirty="0" err="1"/>
+              <a:t>sử</a:t>
+            </a:r>
+            <a:r>
+              <a:rPr lang="en-US" sz="2400" dirty="0"/>
+              <a:t> </a:t>
+            </a:r>
+            <a:r>
+              <a:rPr lang="en-US" sz="2400" dirty="0" err="1"/>
+              <a:t>dụng</a:t>
+            </a:r>
+            <a:r>
+              <a:rPr lang="en-US" sz="2400" dirty="0"/>
+              <a:t> ở </a:t>
+            </a:r>
+            <a:r>
+              <a:rPr lang="en-US" sz="2400" dirty="0" err="1"/>
+              <a:t>nút</a:t>
+            </a:r>
+            <a:r>
+              <a:rPr lang="en-US" sz="2400" dirty="0"/>
+              <a:t> </a:t>
+            </a:r>
+            <a:r>
+              <a:rPr lang="en-US" sz="2400" dirty="0" err="1"/>
+              <a:t>lá</a:t>
+            </a:r>
+            <a:endParaRPr lang="en-US" sz="2400" dirty="0"/>
+          </a:p>
+          <a:p>
+            <a:pPr marL="114300" indent="0">
+              <a:buNone/>
+            </a:pPr>
+            <a:r>
+              <a:rPr lang="en-US" sz="2400" dirty="0"/>
+              <a:t>	+ </a:t>
+            </a:r>
+            <a:r>
+              <a:rPr lang="en-US" sz="2400" dirty="0" err="1"/>
+              <a:t>Hoàn</a:t>
+            </a:r>
+            <a:r>
+              <a:rPr lang="en-US" sz="2400" dirty="0"/>
+              <a:t> </a:t>
+            </a:r>
+            <a:r>
+              <a:rPr lang="en-US" sz="2400" dirty="0" err="1"/>
+              <a:t>thiện</a:t>
+            </a:r>
+            <a:r>
+              <a:rPr lang="en-US" sz="2400" dirty="0"/>
+              <a:t> </a:t>
+            </a:r>
+            <a:r>
+              <a:rPr lang="en-US" sz="2400" dirty="0" err="1"/>
+              <a:t>biểu</a:t>
+            </a:r>
+            <a:r>
+              <a:rPr lang="en-US" sz="2400" dirty="0"/>
+              <a:t> </a:t>
+            </a:r>
+            <a:r>
+              <a:rPr lang="en-US" sz="2400" dirty="0" err="1"/>
+              <a:t>đồ</a:t>
+            </a:r>
+            <a:endParaRPr lang="en-US" sz="2400" dirty="0"/>
           </a:p>
         </p:txBody>
       </p:sp>
-      <p:sp>
-        <p:nvSpPr>
-          <p:cNvPr id="5" name="Google Shape;161;p3">
-            <a:extLst>
-              <a:ext uri="{FF2B5EF4-FFF2-40B4-BE49-F238E27FC236}">
-                <a16:creationId xmlns:a16="http://schemas.microsoft.com/office/drawing/2014/main" xmlns="" id="{928356A9-A7B0-4595-9DD3-4C75ECB6C5C6}"/>
-              </a:ext>
-            </a:extLst>
-          </p:cNvPr>
-          <p:cNvSpPr/>
-          <p:nvPr/>
-        </p:nvSpPr>
-        <p:spPr>
-          <a:xfrm>
-            <a:off x="2823719" y="2402081"/>
-            <a:ext cx="5424985" cy="508000"/>
-          </a:xfrm>
-          <a:prstGeom prst="roundRect">
-            <a:avLst>
-              <a:gd name="adj" fmla="val 50000"/>
-            </a:avLst>
-          </a:prstGeom>
-          <a:noFill/>
-          <a:ln w="28575" cap="flat" cmpd="sng">
-            <a:solidFill>
-              <a:schemeClr val="lt2"/>
-            </a:solidFill>
-            <a:prstDash val="solid"/>
-            <a:round/>
-            <a:headEnd type="none" w="sm" len="sm"/>
-            <a:tailEnd type="none" w="sm" len="sm"/>
-          </a:ln>
-        </p:spPr>
-        <p:txBody>
-          <a:bodyPr spcFirstLastPara="1" wrap="square" lIns="91425" tIns="45700" rIns="91425" bIns="45700" anchor="ctr" anchorCtr="0">
-            <a:noAutofit/>
-          </a:bodyPr>
-          <a:lstStyle/>
-          <a:p>
-            <a:pPr marL="0" marR="0" lvl="0" indent="0" algn="l" rtl="0">
-              <a:spcBef>
-                <a:spcPts val="0"/>
-              </a:spcBef>
-              <a:spcAft>
-                <a:spcPts val="0"/>
-              </a:spcAft>
-              <a:buNone/>
-            </a:pPr>
-            <a:r>
-              <a:rPr lang="en-US" sz="1800" b="1" dirty="0" err="1">
-                <a:solidFill>
-                  <a:schemeClr val="bg1">
-                    <a:lumMod val="75000"/>
-                  </a:schemeClr>
-                </a:solidFill>
-              </a:rPr>
-              <a:t>Các</a:t>
-            </a:r>
-            <a:r>
-              <a:rPr lang="en-US" sz="1800" b="1" dirty="0">
-                <a:solidFill>
-                  <a:schemeClr val="bg1">
-                    <a:lumMod val="75000"/>
-                  </a:schemeClr>
-                </a:solidFill>
-              </a:rPr>
-              <a:t> </a:t>
-            </a:r>
-            <a:r>
-              <a:rPr lang="en-US" sz="1800" b="1" dirty="0" err="1">
-                <a:solidFill>
-                  <a:schemeClr val="bg1">
-                    <a:lumMod val="75000"/>
-                  </a:schemeClr>
-                </a:solidFill>
-              </a:rPr>
-              <a:t>ký</a:t>
-            </a:r>
-            <a:r>
-              <a:rPr lang="en-US" sz="1800" b="1" dirty="0">
-                <a:solidFill>
-                  <a:schemeClr val="bg1">
-                    <a:lumMod val="75000"/>
-                  </a:schemeClr>
-                </a:solidFill>
-              </a:rPr>
-              <a:t> </a:t>
-            </a:r>
-            <a:r>
-              <a:rPr lang="en-US" sz="1800" b="1" dirty="0" err="1">
-                <a:solidFill>
-                  <a:schemeClr val="bg1">
-                    <a:lumMod val="75000"/>
-                  </a:schemeClr>
-                </a:solidFill>
-              </a:rPr>
-              <a:t>pháp</a:t>
-            </a:r>
-            <a:r>
-              <a:rPr lang="en-US" sz="1800" b="1" dirty="0">
-                <a:solidFill>
-                  <a:schemeClr val="bg1">
-                    <a:lumMod val="75000"/>
-                  </a:schemeClr>
-                </a:solidFill>
-              </a:rPr>
-              <a:t> </a:t>
-            </a:r>
-            <a:r>
-              <a:rPr lang="en-US" sz="1800" b="1" dirty="0" err="1">
-                <a:solidFill>
-                  <a:schemeClr val="bg1">
-                    <a:lumMod val="75000"/>
-                  </a:schemeClr>
-                </a:solidFill>
-              </a:rPr>
-              <a:t>của</a:t>
-            </a:r>
-            <a:r>
-              <a:rPr lang="en-US" sz="1800" b="1" dirty="0">
-                <a:solidFill>
-                  <a:schemeClr val="bg1">
-                    <a:lumMod val="75000"/>
-                  </a:schemeClr>
-                </a:solidFill>
-              </a:rPr>
-              <a:t> </a:t>
-            </a:r>
-            <a:r>
-              <a:rPr lang="en-US" sz="1800" b="1" dirty="0" err="1">
-                <a:solidFill>
-                  <a:schemeClr val="bg1">
-                    <a:lumMod val="75000"/>
-                  </a:schemeClr>
-                </a:solidFill>
-              </a:rPr>
-              <a:t>biểu</a:t>
-            </a:r>
-            <a:r>
-              <a:rPr lang="en-US" sz="1800" b="1" dirty="0">
-                <a:solidFill>
-                  <a:schemeClr val="bg1">
-                    <a:lumMod val="75000"/>
-                  </a:schemeClr>
-                </a:solidFill>
-              </a:rPr>
-              <a:t> </a:t>
-            </a:r>
-            <a:r>
-              <a:rPr lang="en-US" sz="1800" b="1" dirty="0" err="1">
-                <a:solidFill>
-                  <a:schemeClr val="bg1">
-                    <a:lumMod val="75000"/>
-                  </a:schemeClr>
-                </a:solidFill>
-              </a:rPr>
-              <a:t>đồ</a:t>
-            </a:r>
-            <a:r>
-              <a:rPr lang="en-US" sz="1800" b="1" dirty="0">
-                <a:solidFill>
-                  <a:schemeClr val="bg1">
-                    <a:lumMod val="75000"/>
-                  </a:schemeClr>
-                </a:solidFill>
-              </a:rPr>
-              <a:t> ca </a:t>
-            </a:r>
-            <a:r>
-              <a:rPr lang="en-US" sz="1800" b="1" dirty="0" err="1">
-                <a:solidFill>
-                  <a:schemeClr val="bg1">
-                    <a:lumMod val="75000"/>
-                  </a:schemeClr>
-                </a:solidFill>
-              </a:rPr>
-              <a:t>sử</a:t>
-            </a:r>
-            <a:r>
-              <a:rPr lang="en-US" sz="1800" b="1" dirty="0">
-                <a:solidFill>
-                  <a:schemeClr val="bg1">
-                    <a:lumMod val="75000"/>
-                  </a:schemeClr>
-                </a:solidFill>
-              </a:rPr>
-              <a:t> </a:t>
-            </a:r>
-            <a:r>
-              <a:rPr lang="en-US" sz="1800" b="1" dirty="0" err="1">
-                <a:solidFill>
-                  <a:schemeClr val="bg1">
-                    <a:lumMod val="75000"/>
-                  </a:schemeClr>
-                </a:solidFill>
-              </a:rPr>
-              <a:t>dụng</a:t>
-            </a:r>
-            <a:endParaRPr dirty="0">
-              <a:solidFill>
-                <a:schemeClr val="bg1">
-                  <a:lumMod val="75000"/>
-                </a:schemeClr>
-              </a:solidFill>
-            </a:endParaRPr>
-          </a:p>
-        </p:txBody>
-      </p:sp>
-      <p:sp>
-        <p:nvSpPr>
-          <p:cNvPr id="6" name="Google Shape;162;p3">
-            <a:extLst>
-              <a:ext uri="{FF2B5EF4-FFF2-40B4-BE49-F238E27FC236}">
-                <a16:creationId xmlns:a16="http://schemas.microsoft.com/office/drawing/2014/main" xmlns="" id="{8346D467-0818-4BB1-B738-520AB69689D2}"/>
-              </a:ext>
-            </a:extLst>
-          </p:cNvPr>
-          <p:cNvSpPr/>
-          <p:nvPr/>
-        </p:nvSpPr>
-        <p:spPr>
-          <a:xfrm>
-            <a:off x="1871782" y="1108747"/>
-            <a:ext cx="5168900" cy="508000"/>
-          </a:xfrm>
-          <a:prstGeom prst="roundRect">
-            <a:avLst>
-              <a:gd name="adj" fmla="val 50000"/>
-            </a:avLst>
-          </a:prstGeom>
-          <a:noFill/>
-          <a:ln w="28575" cap="flat" cmpd="sng">
-            <a:solidFill>
-              <a:schemeClr val="lt2"/>
-            </a:solidFill>
-            <a:prstDash val="solid"/>
-            <a:round/>
-            <a:headEnd type="none" w="sm" len="sm"/>
-            <a:tailEnd type="none" w="sm" len="sm"/>
-          </a:ln>
-        </p:spPr>
-        <p:txBody>
-          <a:bodyPr spcFirstLastPara="1" wrap="square" lIns="91425" tIns="45700" rIns="91425" bIns="45700" anchor="ctr" anchorCtr="0">
-            <a:noAutofit/>
-          </a:bodyPr>
-          <a:lstStyle/>
-          <a:p>
-            <a:pPr marL="0" marR="0" lvl="0" indent="0" algn="l" rtl="0">
-              <a:spcBef>
-                <a:spcPts val="0"/>
-              </a:spcBef>
-              <a:spcAft>
-                <a:spcPts val="0"/>
-              </a:spcAft>
-              <a:buNone/>
-            </a:pPr>
-            <a:r>
-              <a:rPr lang="en-US" sz="1800" b="1" dirty="0" err="1">
-                <a:solidFill>
-                  <a:schemeClr val="bg1">
-                    <a:lumMod val="85000"/>
-                  </a:schemeClr>
-                </a:solidFill>
-              </a:rPr>
-              <a:t>Khái</a:t>
-            </a:r>
-            <a:r>
-              <a:rPr lang="en-US" sz="1800" b="1" dirty="0">
-                <a:solidFill>
-                  <a:schemeClr val="bg1">
-                    <a:lumMod val="85000"/>
-                  </a:schemeClr>
-                </a:solidFill>
-              </a:rPr>
-              <a:t> </a:t>
-            </a:r>
-            <a:r>
-              <a:rPr lang="en-US" sz="1800" b="1" dirty="0" err="1">
-                <a:solidFill>
-                  <a:schemeClr val="bg1">
-                    <a:lumMod val="85000"/>
-                  </a:schemeClr>
-                </a:solidFill>
-              </a:rPr>
-              <a:t>niệm</a:t>
-            </a:r>
-            <a:endParaRPr dirty="0">
-              <a:solidFill>
-                <a:schemeClr val="bg1">
-                  <a:lumMod val="85000"/>
-                </a:schemeClr>
-              </a:solidFill>
-            </a:endParaRPr>
-          </a:p>
-        </p:txBody>
-      </p:sp>
-      <p:grpSp>
-        <p:nvGrpSpPr>
-          <p:cNvPr id="7" name="Google Shape;163;p3">
-            <a:extLst>
-              <a:ext uri="{FF2B5EF4-FFF2-40B4-BE49-F238E27FC236}">
-                <a16:creationId xmlns:a16="http://schemas.microsoft.com/office/drawing/2014/main" xmlns="" id="{E6817529-B90C-413A-9AC9-DEF483BD0901}"/>
-              </a:ext>
-            </a:extLst>
-          </p:cNvPr>
-          <p:cNvGrpSpPr/>
-          <p:nvPr/>
-        </p:nvGrpSpPr>
-        <p:grpSpPr>
-          <a:xfrm>
-            <a:off x="1472079" y="1154995"/>
-            <a:ext cx="381000" cy="381000"/>
-            <a:chOff x="2078" y="1680"/>
-            <a:chExt cx="1615" cy="1615"/>
-          </a:xfrm>
-        </p:grpSpPr>
-        <p:sp>
-          <p:nvSpPr>
-            <p:cNvPr id="8" name="Google Shape;164;p3">
-              <a:extLst>
-                <a:ext uri="{FF2B5EF4-FFF2-40B4-BE49-F238E27FC236}">
-                  <a16:creationId xmlns:a16="http://schemas.microsoft.com/office/drawing/2014/main" xmlns="" id="{CD8DC5DD-3B99-41B2-A229-89BF2B48B3EF}"/>
-                </a:ext>
-              </a:extLst>
-            </p:cNvPr>
-            <p:cNvSpPr/>
-            <p:nvPr/>
-          </p:nvSpPr>
-          <p:spPr>
-            <a:xfrm>
-              <a:off x="2078" y="1680"/>
-              <a:ext cx="1615" cy="1615"/>
-            </a:xfrm>
-            <a:prstGeom prst="ellipse">
-              <a:avLst/>
-            </a:prstGeom>
-            <a:gradFill>
-              <a:gsLst>
-                <a:gs pos="0">
-                  <a:srgbClr val="B3B3B3"/>
-                </a:gs>
-                <a:gs pos="50000">
-                  <a:srgbClr val="FFFFFF"/>
-                </a:gs>
-                <a:gs pos="100000">
-                  <a:srgbClr val="B3B3B3"/>
-                </a:gs>
-              </a:gsLst>
-              <a:lin ang="5400000" scaled="0"/>
-            </a:gradFill>
-            <a:ln>
-              <a:noFill/>
-            </a:ln>
-          </p:spPr>
-          <p:txBody>
-            <a:bodyPr spcFirstLastPara="1" wrap="square" lIns="91425" tIns="45700" rIns="91425" bIns="45700" anchor="ctr" anchorCtr="0">
-              <a:noAutofit/>
-            </a:bodyPr>
-            <a:lstStyle/>
-            <a:p>
-              <a:pPr marL="0" marR="0" lvl="0" indent="0" algn="l" rtl="0">
-                <a:spcBef>
-                  <a:spcPts val="0"/>
-                </a:spcBef>
-                <a:spcAft>
-                  <a:spcPts val="0"/>
-                </a:spcAft>
-                <a:buNone/>
-              </a:pPr>
-              <a:endParaRPr sz="1800">
-                <a:solidFill>
-                  <a:schemeClr val="dk1"/>
-                </a:solidFill>
-                <a:latin typeface="Calibri"/>
-                <a:ea typeface="Calibri"/>
-                <a:cs typeface="Calibri"/>
-                <a:sym typeface="Calibri"/>
-              </a:endParaRPr>
-            </a:p>
-          </p:txBody>
-        </p:sp>
-        <p:sp>
-          <p:nvSpPr>
-            <p:cNvPr id="9" name="Google Shape;165;p3">
-              <a:extLst>
-                <a:ext uri="{FF2B5EF4-FFF2-40B4-BE49-F238E27FC236}">
-                  <a16:creationId xmlns:a16="http://schemas.microsoft.com/office/drawing/2014/main" xmlns="" id="{C017C226-E0AD-4882-849A-AA8CC8981B64}"/>
-                </a:ext>
-              </a:extLst>
-            </p:cNvPr>
-            <p:cNvSpPr/>
-            <p:nvPr/>
-          </p:nvSpPr>
-          <p:spPr>
-            <a:xfrm>
-              <a:off x="2170" y="1771"/>
-              <a:ext cx="1430" cy="1430"/>
-            </a:xfrm>
-            <a:prstGeom prst="ellipse">
-              <a:avLst/>
-            </a:prstGeom>
-            <a:gradFill>
-              <a:gsLst>
-                <a:gs pos="0">
-                  <a:srgbClr val="CFCFCF"/>
-                </a:gs>
-                <a:gs pos="50000">
-                  <a:srgbClr val="FFFFFF"/>
-                </a:gs>
-                <a:gs pos="100000">
-                  <a:srgbClr val="CFCFCF"/>
-                </a:gs>
-              </a:gsLst>
-              <a:lin ang="0" scaled="0"/>
-            </a:gradFill>
-            <a:ln>
-              <a:noFill/>
-            </a:ln>
-          </p:spPr>
-          <p:txBody>
-            <a:bodyPr spcFirstLastPara="1" wrap="square" lIns="91425" tIns="45700" rIns="91425" bIns="45700" anchor="ctr" anchorCtr="0">
-              <a:noAutofit/>
-            </a:bodyPr>
-            <a:lstStyle/>
-            <a:p>
-              <a:pPr marL="0" marR="0" lvl="0" indent="0" algn="l" rtl="0">
-                <a:spcBef>
-                  <a:spcPts val="0"/>
-                </a:spcBef>
-                <a:spcAft>
-                  <a:spcPts val="0"/>
-                </a:spcAft>
-                <a:buNone/>
-              </a:pPr>
-              <a:endParaRPr sz="1800">
-                <a:solidFill>
-                  <a:schemeClr val="dk1"/>
-                </a:solidFill>
-                <a:latin typeface="Calibri"/>
-                <a:ea typeface="Calibri"/>
-                <a:cs typeface="Calibri"/>
-                <a:sym typeface="Calibri"/>
-              </a:endParaRPr>
-            </a:p>
-          </p:txBody>
-        </p:sp>
-        <p:sp>
-          <p:nvSpPr>
-            <p:cNvPr id="10" name="Google Shape;166;p3">
-              <a:extLst>
-                <a:ext uri="{FF2B5EF4-FFF2-40B4-BE49-F238E27FC236}">
-                  <a16:creationId xmlns:a16="http://schemas.microsoft.com/office/drawing/2014/main" xmlns="" id="{75F9A301-236C-4C49-BCCB-53175FC5D4E5}"/>
-                </a:ext>
-              </a:extLst>
-            </p:cNvPr>
-            <p:cNvSpPr/>
-            <p:nvPr/>
-          </p:nvSpPr>
-          <p:spPr>
-            <a:xfrm>
-              <a:off x="2254" y="1856"/>
-              <a:ext cx="1262" cy="1264"/>
-            </a:xfrm>
-            <a:prstGeom prst="ellipse">
-              <a:avLst/>
-            </a:prstGeom>
-            <a:gradFill>
-              <a:gsLst>
-                <a:gs pos="0">
-                  <a:srgbClr val="FFFFFF"/>
-                </a:gs>
-                <a:gs pos="50000">
-                  <a:schemeClr val="hlink"/>
-                </a:gs>
-                <a:gs pos="100000">
-                  <a:srgbClr val="FFFFFF"/>
-                </a:gs>
-              </a:gsLst>
-              <a:lin ang="2700000" scaled="0"/>
-            </a:gradFill>
-            <a:ln>
-              <a:noFill/>
-            </a:ln>
-          </p:spPr>
-          <p:txBody>
-            <a:bodyPr spcFirstLastPara="1" wrap="square" lIns="91425" tIns="45700" rIns="91425" bIns="45700" anchor="ctr" anchorCtr="0">
-              <a:spAutoFit/>
-            </a:bodyPr>
-            <a:lstStyle/>
-            <a:p>
-              <a:pPr marL="0" marR="0" lvl="0" indent="0" algn="l" rtl="0">
-                <a:spcBef>
-                  <a:spcPts val="0"/>
-                </a:spcBef>
-                <a:spcAft>
-                  <a:spcPts val="0"/>
-                </a:spcAft>
-                <a:buNone/>
-              </a:pPr>
-              <a:endParaRPr sz="1800">
-                <a:solidFill>
-                  <a:schemeClr val="dk1"/>
-                </a:solidFill>
-                <a:latin typeface="Calibri"/>
-                <a:ea typeface="Calibri"/>
-                <a:cs typeface="Calibri"/>
-                <a:sym typeface="Calibri"/>
-              </a:endParaRPr>
-            </a:p>
-          </p:txBody>
-        </p:sp>
-        <p:sp>
-          <p:nvSpPr>
-            <p:cNvPr id="11" name="Google Shape;167;p3">
-              <a:extLst>
-                <a:ext uri="{FF2B5EF4-FFF2-40B4-BE49-F238E27FC236}">
-                  <a16:creationId xmlns:a16="http://schemas.microsoft.com/office/drawing/2014/main" xmlns="" id="{F77C696C-2CEC-402A-8806-BB4568020B0F}"/>
-                </a:ext>
-              </a:extLst>
-            </p:cNvPr>
-            <p:cNvSpPr/>
-            <p:nvPr/>
-          </p:nvSpPr>
-          <p:spPr>
-            <a:xfrm>
-              <a:off x="2254" y="1856"/>
-              <a:ext cx="1262" cy="1264"/>
-            </a:xfrm>
-            <a:prstGeom prst="ellipse">
-              <a:avLst/>
-            </a:prstGeom>
-            <a:gradFill>
-              <a:gsLst>
-                <a:gs pos="0">
-                  <a:srgbClr val="000000"/>
-                </a:gs>
-                <a:gs pos="100000">
-                  <a:srgbClr val="FFCC00"/>
-                </a:gs>
-              </a:gsLst>
-              <a:lin ang="2700000" scaled="0"/>
-            </a:gradFill>
-            <a:ln>
-              <a:noFill/>
-            </a:ln>
-          </p:spPr>
-          <p:txBody>
-            <a:bodyPr spcFirstLastPara="1" wrap="square" lIns="91425" tIns="45700" rIns="91425" bIns="45700" anchor="ctr" anchorCtr="0">
-              <a:spAutoFit/>
-            </a:bodyPr>
-            <a:lstStyle/>
-            <a:p>
-              <a:pPr marL="0" marR="0" lvl="0" indent="0" algn="l" rtl="0">
-                <a:spcBef>
-                  <a:spcPts val="0"/>
-                </a:spcBef>
-                <a:spcAft>
-                  <a:spcPts val="0"/>
-                </a:spcAft>
-                <a:buNone/>
-              </a:pPr>
-              <a:endParaRPr sz="1800">
-                <a:solidFill>
-                  <a:schemeClr val="dk1"/>
-                </a:solidFill>
-                <a:latin typeface="Calibri"/>
-                <a:ea typeface="Calibri"/>
-                <a:cs typeface="Calibri"/>
-                <a:sym typeface="Calibri"/>
-              </a:endParaRPr>
-            </a:p>
-          </p:txBody>
-        </p:sp>
-        <p:sp>
-          <p:nvSpPr>
-            <p:cNvPr id="12" name="Google Shape;168;p3">
-              <a:extLst>
-                <a:ext uri="{FF2B5EF4-FFF2-40B4-BE49-F238E27FC236}">
-                  <a16:creationId xmlns:a16="http://schemas.microsoft.com/office/drawing/2014/main" xmlns="" id="{FC3AA40F-CC6D-443D-AC0B-D1924CDC946A}"/>
-                </a:ext>
-              </a:extLst>
-            </p:cNvPr>
-            <p:cNvSpPr/>
-            <p:nvPr/>
-          </p:nvSpPr>
-          <p:spPr>
-            <a:xfrm>
-              <a:off x="2337" y="1939"/>
-              <a:ext cx="1096" cy="1098"/>
-            </a:xfrm>
-            <a:prstGeom prst="ellipse">
-              <a:avLst/>
-            </a:prstGeom>
-            <a:gradFill>
-              <a:gsLst>
-                <a:gs pos="0">
-                  <a:srgbClr val="034A91"/>
-                </a:gs>
-                <a:gs pos="50000">
-                  <a:schemeClr val="hlink"/>
-                </a:gs>
-                <a:gs pos="100000">
-                  <a:srgbClr val="034A91"/>
-                </a:gs>
-              </a:gsLst>
-              <a:lin ang="18900000" scaled="0"/>
-            </a:gradFill>
-            <a:ln>
-              <a:noFill/>
-            </a:ln>
-          </p:spPr>
-          <p:txBody>
-            <a:bodyPr spcFirstLastPara="1" wrap="square" lIns="91425" tIns="45700" rIns="91425" bIns="45700" anchor="ctr" anchorCtr="0">
-              <a:spAutoFit/>
-            </a:bodyPr>
-            <a:lstStyle/>
-            <a:p>
-              <a:pPr marL="0" marR="0" lvl="0" indent="0" algn="l" rtl="0">
-                <a:spcBef>
-                  <a:spcPts val="0"/>
-                </a:spcBef>
-                <a:spcAft>
-                  <a:spcPts val="0"/>
-                </a:spcAft>
-                <a:buNone/>
-              </a:pPr>
-              <a:endParaRPr sz="1800">
-                <a:solidFill>
-                  <a:schemeClr val="dk1"/>
-                </a:solidFill>
-                <a:latin typeface="Calibri"/>
-                <a:ea typeface="Calibri"/>
-                <a:cs typeface="Calibri"/>
-                <a:sym typeface="Calibri"/>
-              </a:endParaRPr>
-            </a:p>
-          </p:txBody>
-        </p:sp>
-        <p:sp>
-          <p:nvSpPr>
-            <p:cNvPr id="13" name="Google Shape;169;p3">
-              <a:extLst>
-                <a:ext uri="{FF2B5EF4-FFF2-40B4-BE49-F238E27FC236}">
-                  <a16:creationId xmlns:a16="http://schemas.microsoft.com/office/drawing/2014/main" xmlns="" id="{7D710282-E9D5-4F6D-B0AB-FECCD670DAB3}"/>
-                </a:ext>
-              </a:extLst>
-            </p:cNvPr>
-            <p:cNvSpPr/>
-            <p:nvPr/>
-          </p:nvSpPr>
-          <p:spPr>
-            <a:xfrm>
-              <a:off x="2337" y="1939"/>
-              <a:ext cx="1096" cy="1098"/>
-            </a:xfrm>
-            <a:prstGeom prst="ellipse">
-              <a:avLst/>
-            </a:prstGeom>
-            <a:gradFill>
-              <a:gsLst>
-                <a:gs pos="0">
-                  <a:srgbClr val="FFCC00"/>
-                </a:gs>
-                <a:gs pos="100000">
-                  <a:srgbClr val="B79200"/>
-                </a:gs>
-              </a:gsLst>
-              <a:lin ang="2700000" scaled="0"/>
-            </a:gradFill>
-            <a:ln>
-              <a:noFill/>
-            </a:ln>
-          </p:spPr>
-          <p:txBody>
-            <a:bodyPr spcFirstLastPara="1" wrap="square" lIns="91425" tIns="45700" rIns="91425" bIns="45700" anchor="ctr" anchorCtr="0">
-              <a:spAutoFit/>
-            </a:bodyPr>
-            <a:lstStyle/>
-            <a:p>
-              <a:pPr marL="0" marR="0" lvl="0" indent="0" algn="l" rtl="0">
-                <a:spcBef>
-                  <a:spcPts val="0"/>
-                </a:spcBef>
-                <a:spcAft>
-                  <a:spcPts val="0"/>
-                </a:spcAft>
-                <a:buNone/>
-              </a:pPr>
-              <a:endParaRPr sz="1800">
-                <a:solidFill>
-                  <a:schemeClr val="dk1"/>
-                </a:solidFill>
-                <a:latin typeface="Calibri"/>
-                <a:ea typeface="Calibri"/>
-                <a:cs typeface="Calibri"/>
-                <a:sym typeface="Calibri"/>
-              </a:endParaRPr>
-            </a:p>
-          </p:txBody>
-        </p:sp>
-      </p:grpSp>
-      <p:grpSp>
-        <p:nvGrpSpPr>
-          <p:cNvPr id="14" name="Google Shape;170;p3">
-            <a:extLst>
-              <a:ext uri="{FF2B5EF4-FFF2-40B4-BE49-F238E27FC236}">
-                <a16:creationId xmlns:a16="http://schemas.microsoft.com/office/drawing/2014/main" xmlns="" id="{35CBE95F-DF17-4BFB-B9A1-8484F5E5DA71}"/>
-              </a:ext>
-            </a:extLst>
-          </p:cNvPr>
-          <p:cNvGrpSpPr/>
-          <p:nvPr/>
-        </p:nvGrpSpPr>
-        <p:grpSpPr>
-          <a:xfrm>
-            <a:off x="2344698" y="2467986"/>
-            <a:ext cx="381000" cy="381000"/>
-            <a:chOff x="2078" y="1680"/>
-            <a:chExt cx="1615" cy="1615"/>
-          </a:xfrm>
-        </p:grpSpPr>
-        <p:sp>
-          <p:nvSpPr>
-            <p:cNvPr id="15" name="Google Shape;171;p3">
-              <a:extLst>
-                <a:ext uri="{FF2B5EF4-FFF2-40B4-BE49-F238E27FC236}">
-                  <a16:creationId xmlns:a16="http://schemas.microsoft.com/office/drawing/2014/main" xmlns="" id="{97D024F6-9B4B-40B8-B5AB-6A7A00073769}"/>
-                </a:ext>
-              </a:extLst>
-            </p:cNvPr>
-            <p:cNvSpPr/>
-            <p:nvPr/>
-          </p:nvSpPr>
-          <p:spPr>
-            <a:xfrm>
-              <a:off x="2078" y="1680"/>
-              <a:ext cx="1615" cy="1615"/>
-            </a:xfrm>
-            <a:prstGeom prst="ellipse">
-              <a:avLst/>
-            </a:prstGeom>
-            <a:gradFill>
-              <a:gsLst>
-                <a:gs pos="0">
-                  <a:srgbClr val="B3B3B3"/>
-                </a:gs>
-                <a:gs pos="50000">
-                  <a:srgbClr val="FFFFFF"/>
-                </a:gs>
-                <a:gs pos="100000">
-                  <a:srgbClr val="B3B3B3"/>
-                </a:gs>
-              </a:gsLst>
-              <a:lin ang="5400000" scaled="0"/>
-            </a:gradFill>
-            <a:ln>
-              <a:noFill/>
-            </a:ln>
-          </p:spPr>
-          <p:txBody>
-            <a:bodyPr spcFirstLastPara="1" wrap="square" lIns="91425" tIns="45700" rIns="91425" bIns="45700" anchor="ctr" anchorCtr="0">
-              <a:noAutofit/>
-            </a:bodyPr>
-            <a:lstStyle/>
-            <a:p>
-              <a:pPr marL="0" marR="0" lvl="0" indent="0" algn="l" rtl="0">
-                <a:spcBef>
-                  <a:spcPts val="0"/>
-                </a:spcBef>
-                <a:spcAft>
-                  <a:spcPts val="0"/>
-                </a:spcAft>
-                <a:buNone/>
-              </a:pPr>
-              <a:endParaRPr sz="1800">
-                <a:solidFill>
-                  <a:schemeClr val="dk1"/>
-                </a:solidFill>
-                <a:latin typeface="Calibri"/>
-                <a:ea typeface="Calibri"/>
-                <a:cs typeface="Calibri"/>
-                <a:sym typeface="Calibri"/>
-              </a:endParaRPr>
-            </a:p>
-          </p:txBody>
-        </p:sp>
-        <p:sp>
-          <p:nvSpPr>
-            <p:cNvPr id="16" name="Google Shape;172;p3">
-              <a:extLst>
-                <a:ext uri="{FF2B5EF4-FFF2-40B4-BE49-F238E27FC236}">
-                  <a16:creationId xmlns:a16="http://schemas.microsoft.com/office/drawing/2014/main" xmlns="" id="{38C7AB3B-C1DA-42E8-B39A-50CEB18A7FD3}"/>
-                </a:ext>
-              </a:extLst>
-            </p:cNvPr>
-            <p:cNvSpPr/>
-            <p:nvPr/>
-          </p:nvSpPr>
-          <p:spPr>
-            <a:xfrm>
-              <a:off x="2170" y="1771"/>
-              <a:ext cx="1430" cy="1430"/>
-            </a:xfrm>
-            <a:prstGeom prst="ellipse">
-              <a:avLst/>
-            </a:prstGeom>
-            <a:gradFill>
-              <a:gsLst>
-                <a:gs pos="0">
-                  <a:srgbClr val="CFCFCF"/>
-                </a:gs>
-                <a:gs pos="50000">
-                  <a:srgbClr val="FFFFFF"/>
-                </a:gs>
-                <a:gs pos="100000">
-                  <a:srgbClr val="CFCFCF"/>
-                </a:gs>
-              </a:gsLst>
-              <a:lin ang="0" scaled="0"/>
-            </a:gradFill>
-            <a:ln>
-              <a:noFill/>
-            </a:ln>
-          </p:spPr>
-          <p:txBody>
-            <a:bodyPr spcFirstLastPara="1" wrap="square" lIns="91425" tIns="45700" rIns="91425" bIns="45700" anchor="ctr" anchorCtr="0">
-              <a:noAutofit/>
-            </a:bodyPr>
-            <a:lstStyle/>
-            <a:p>
-              <a:pPr marL="0" marR="0" lvl="0" indent="0" algn="l" rtl="0">
-                <a:spcBef>
-                  <a:spcPts val="0"/>
-                </a:spcBef>
-                <a:spcAft>
-                  <a:spcPts val="0"/>
-                </a:spcAft>
-                <a:buNone/>
-              </a:pPr>
-              <a:endParaRPr sz="1800">
-                <a:solidFill>
-                  <a:schemeClr val="dk1"/>
-                </a:solidFill>
-                <a:latin typeface="Calibri"/>
-                <a:ea typeface="Calibri"/>
-                <a:cs typeface="Calibri"/>
-                <a:sym typeface="Calibri"/>
-              </a:endParaRPr>
-            </a:p>
-          </p:txBody>
-        </p:sp>
-        <p:sp>
-          <p:nvSpPr>
-            <p:cNvPr id="17" name="Google Shape;173;p3">
-              <a:extLst>
-                <a:ext uri="{FF2B5EF4-FFF2-40B4-BE49-F238E27FC236}">
-                  <a16:creationId xmlns:a16="http://schemas.microsoft.com/office/drawing/2014/main" xmlns="" id="{788C0B6D-3B41-4DB0-A5A3-2ECF5752D173}"/>
-                </a:ext>
-              </a:extLst>
-            </p:cNvPr>
-            <p:cNvSpPr/>
-            <p:nvPr/>
-          </p:nvSpPr>
-          <p:spPr>
-            <a:xfrm>
-              <a:off x="2254" y="1856"/>
-              <a:ext cx="1262" cy="1264"/>
-            </a:xfrm>
-            <a:prstGeom prst="ellipse">
-              <a:avLst/>
-            </a:prstGeom>
-            <a:gradFill>
-              <a:gsLst>
-                <a:gs pos="0">
-                  <a:srgbClr val="FFFFFF"/>
-                </a:gs>
-                <a:gs pos="50000">
-                  <a:schemeClr val="hlink"/>
-                </a:gs>
-                <a:gs pos="100000">
-                  <a:srgbClr val="FFFFFF"/>
-                </a:gs>
-              </a:gsLst>
-              <a:lin ang="2700000" scaled="0"/>
-            </a:gradFill>
-            <a:ln>
-              <a:noFill/>
-            </a:ln>
-          </p:spPr>
-          <p:txBody>
-            <a:bodyPr spcFirstLastPara="1" wrap="square" lIns="91425" tIns="45700" rIns="91425" bIns="45700" anchor="ctr" anchorCtr="0">
-              <a:spAutoFit/>
-            </a:bodyPr>
-            <a:lstStyle/>
-            <a:p>
-              <a:pPr marL="0" marR="0" lvl="0" indent="0" algn="l" rtl="0">
-                <a:spcBef>
-                  <a:spcPts val="0"/>
-                </a:spcBef>
-                <a:spcAft>
-                  <a:spcPts val="0"/>
-                </a:spcAft>
-                <a:buNone/>
-              </a:pPr>
-              <a:endParaRPr sz="1800">
-                <a:solidFill>
-                  <a:schemeClr val="dk1"/>
-                </a:solidFill>
-                <a:latin typeface="Calibri"/>
-                <a:ea typeface="Calibri"/>
-                <a:cs typeface="Calibri"/>
-                <a:sym typeface="Calibri"/>
-              </a:endParaRPr>
-            </a:p>
-          </p:txBody>
-        </p:sp>
-        <p:sp>
-          <p:nvSpPr>
-            <p:cNvPr id="18" name="Google Shape;174;p3">
-              <a:extLst>
-                <a:ext uri="{FF2B5EF4-FFF2-40B4-BE49-F238E27FC236}">
-                  <a16:creationId xmlns:a16="http://schemas.microsoft.com/office/drawing/2014/main" xmlns="" id="{F448598D-8D67-49F6-9398-10E03BE88126}"/>
-                </a:ext>
-              </a:extLst>
-            </p:cNvPr>
-            <p:cNvSpPr/>
-            <p:nvPr/>
-          </p:nvSpPr>
-          <p:spPr>
-            <a:xfrm>
-              <a:off x="2254" y="1856"/>
-              <a:ext cx="1262" cy="1264"/>
-            </a:xfrm>
-            <a:prstGeom prst="ellipse">
-              <a:avLst/>
-            </a:prstGeom>
-            <a:gradFill>
-              <a:gsLst>
-                <a:gs pos="0">
-                  <a:srgbClr val="000000"/>
-                </a:gs>
-                <a:gs pos="100000">
-                  <a:srgbClr val="48BE67"/>
-                </a:gs>
-              </a:gsLst>
-              <a:lin ang="2700000" scaled="0"/>
-            </a:gradFill>
-            <a:ln>
-              <a:noFill/>
-            </a:ln>
-          </p:spPr>
-          <p:txBody>
-            <a:bodyPr spcFirstLastPara="1" wrap="square" lIns="91425" tIns="45700" rIns="91425" bIns="45700" anchor="ctr" anchorCtr="0">
-              <a:spAutoFit/>
-            </a:bodyPr>
-            <a:lstStyle/>
-            <a:p>
-              <a:pPr marL="0" marR="0" lvl="0" indent="0" algn="l" rtl="0">
-                <a:spcBef>
-                  <a:spcPts val="0"/>
-                </a:spcBef>
-                <a:spcAft>
-                  <a:spcPts val="0"/>
-                </a:spcAft>
-                <a:buNone/>
-              </a:pPr>
-              <a:endParaRPr sz="1800">
-                <a:solidFill>
-                  <a:schemeClr val="dk1"/>
-                </a:solidFill>
-                <a:latin typeface="Calibri"/>
-                <a:ea typeface="Calibri"/>
-                <a:cs typeface="Calibri"/>
-                <a:sym typeface="Calibri"/>
-              </a:endParaRPr>
-            </a:p>
-          </p:txBody>
-        </p:sp>
-        <p:sp>
-          <p:nvSpPr>
-            <p:cNvPr id="19" name="Google Shape;175;p3">
-              <a:extLst>
-                <a:ext uri="{FF2B5EF4-FFF2-40B4-BE49-F238E27FC236}">
-                  <a16:creationId xmlns:a16="http://schemas.microsoft.com/office/drawing/2014/main" xmlns="" id="{FE3DB652-DBB6-428F-AF8F-FE4E6E47FCDA}"/>
-                </a:ext>
-              </a:extLst>
-            </p:cNvPr>
-            <p:cNvSpPr/>
-            <p:nvPr/>
-          </p:nvSpPr>
-          <p:spPr>
-            <a:xfrm>
-              <a:off x="2337" y="1939"/>
-              <a:ext cx="1096" cy="1098"/>
-            </a:xfrm>
-            <a:prstGeom prst="ellipse">
-              <a:avLst/>
-            </a:prstGeom>
-            <a:gradFill>
-              <a:gsLst>
-                <a:gs pos="0">
-                  <a:srgbClr val="034A91"/>
-                </a:gs>
-                <a:gs pos="50000">
-                  <a:schemeClr val="hlink"/>
-                </a:gs>
-                <a:gs pos="100000">
-                  <a:srgbClr val="034A91"/>
-                </a:gs>
-              </a:gsLst>
-              <a:lin ang="18900000" scaled="0"/>
-            </a:gradFill>
-            <a:ln>
-              <a:noFill/>
-            </a:ln>
-          </p:spPr>
-          <p:txBody>
-            <a:bodyPr spcFirstLastPara="1" wrap="square" lIns="91425" tIns="45700" rIns="91425" bIns="45700" anchor="ctr" anchorCtr="0">
-              <a:spAutoFit/>
-            </a:bodyPr>
-            <a:lstStyle/>
-            <a:p>
-              <a:pPr marL="0" marR="0" lvl="0" indent="0" algn="l" rtl="0">
-                <a:spcBef>
-                  <a:spcPts val="0"/>
-                </a:spcBef>
-                <a:spcAft>
-                  <a:spcPts val="0"/>
-                </a:spcAft>
-                <a:buNone/>
-              </a:pPr>
-              <a:endParaRPr sz="1800">
-                <a:solidFill>
-                  <a:schemeClr val="dk1"/>
-                </a:solidFill>
-                <a:latin typeface="Calibri"/>
-                <a:ea typeface="Calibri"/>
-                <a:cs typeface="Calibri"/>
-                <a:sym typeface="Calibri"/>
-              </a:endParaRPr>
-            </a:p>
-          </p:txBody>
-        </p:sp>
-        <p:sp>
-          <p:nvSpPr>
-            <p:cNvPr id="20" name="Google Shape;176;p3">
-              <a:extLst>
-                <a:ext uri="{FF2B5EF4-FFF2-40B4-BE49-F238E27FC236}">
-                  <a16:creationId xmlns:a16="http://schemas.microsoft.com/office/drawing/2014/main" xmlns="" id="{C63266FA-6470-4ABD-ABB4-CC199C4B6724}"/>
-                </a:ext>
-              </a:extLst>
-            </p:cNvPr>
-            <p:cNvSpPr/>
-            <p:nvPr/>
-          </p:nvSpPr>
-          <p:spPr>
-            <a:xfrm>
-              <a:off x="2337" y="1939"/>
-              <a:ext cx="1096" cy="1098"/>
-            </a:xfrm>
-            <a:prstGeom prst="ellipse">
-              <a:avLst/>
-            </a:prstGeom>
-            <a:gradFill>
-              <a:gsLst>
-                <a:gs pos="0">
-                  <a:srgbClr val="48BE67"/>
-                </a:gs>
-                <a:gs pos="100000">
-                  <a:srgbClr val="33884A"/>
-                </a:gs>
-              </a:gsLst>
-              <a:lin ang="2700000" scaled="0"/>
-            </a:gradFill>
-            <a:ln>
-              <a:noFill/>
-            </a:ln>
-          </p:spPr>
-          <p:txBody>
-            <a:bodyPr spcFirstLastPara="1" wrap="square" lIns="91425" tIns="45700" rIns="91425" bIns="45700" anchor="ctr" anchorCtr="0">
-              <a:spAutoFit/>
-            </a:bodyPr>
-            <a:lstStyle/>
-            <a:p>
-              <a:pPr marL="0" marR="0" lvl="0" indent="0" algn="l" rtl="0">
-                <a:spcBef>
-                  <a:spcPts val="0"/>
-                </a:spcBef>
-                <a:spcAft>
-                  <a:spcPts val="0"/>
-                </a:spcAft>
-                <a:buNone/>
-              </a:pPr>
-              <a:endParaRPr sz="1800">
-                <a:solidFill>
-                  <a:schemeClr val="dk1"/>
-                </a:solidFill>
-                <a:latin typeface="Calibri"/>
-                <a:ea typeface="Calibri"/>
-                <a:cs typeface="Calibri"/>
-                <a:sym typeface="Calibri"/>
-              </a:endParaRPr>
-            </a:p>
-          </p:txBody>
-        </p:sp>
-      </p:grpSp>
-      <p:grpSp>
-        <p:nvGrpSpPr>
-          <p:cNvPr id="21" name="Google Shape;177;p3">
-            <a:extLst>
-              <a:ext uri="{FF2B5EF4-FFF2-40B4-BE49-F238E27FC236}">
-                <a16:creationId xmlns:a16="http://schemas.microsoft.com/office/drawing/2014/main" xmlns="" id="{D22B314E-6F17-4411-98CA-618F32D92BB9}"/>
-              </a:ext>
-            </a:extLst>
-          </p:cNvPr>
-          <p:cNvGrpSpPr/>
-          <p:nvPr/>
-        </p:nvGrpSpPr>
-        <p:grpSpPr>
-          <a:xfrm>
-            <a:off x="2448345" y="4018486"/>
-            <a:ext cx="381000" cy="381000"/>
-            <a:chOff x="2078" y="1680"/>
-            <a:chExt cx="1615" cy="1615"/>
-          </a:xfrm>
-        </p:grpSpPr>
-        <p:sp>
-          <p:nvSpPr>
-            <p:cNvPr id="22" name="Google Shape;178;p3">
-              <a:extLst>
-                <a:ext uri="{FF2B5EF4-FFF2-40B4-BE49-F238E27FC236}">
-                  <a16:creationId xmlns:a16="http://schemas.microsoft.com/office/drawing/2014/main" xmlns="" id="{55CB81FB-1632-4874-819B-EB6190CE7AE1}"/>
-                </a:ext>
-              </a:extLst>
-            </p:cNvPr>
-            <p:cNvSpPr/>
-            <p:nvPr/>
-          </p:nvSpPr>
-          <p:spPr>
-            <a:xfrm>
-              <a:off x="2078" y="1680"/>
-              <a:ext cx="1615" cy="1615"/>
-            </a:xfrm>
-            <a:prstGeom prst="ellipse">
-              <a:avLst/>
-            </a:prstGeom>
-            <a:gradFill>
-              <a:gsLst>
-                <a:gs pos="0">
-                  <a:srgbClr val="B3B3B3"/>
-                </a:gs>
-                <a:gs pos="50000">
-                  <a:srgbClr val="FFFFFF"/>
-                </a:gs>
-                <a:gs pos="100000">
-                  <a:srgbClr val="B3B3B3"/>
-                </a:gs>
-              </a:gsLst>
-              <a:lin ang="5400000" scaled="0"/>
-            </a:gradFill>
-            <a:ln>
-              <a:noFill/>
-            </a:ln>
-          </p:spPr>
-          <p:txBody>
-            <a:bodyPr spcFirstLastPara="1" wrap="square" lIns="91425" tIns="45700" rIns="91425" bIns="45700" anchor="ctr" anchorCtr="0">
-              <a:noAutofit/>
-            </a:bodyPr>
-            <a:lstStyle/>
-            <a:p>
-              <a:pPr marL="0" marR="0" lvl="0" indent="0" algn="l" rtl="0">
-                <a:spcBef>
-                  <a:spcPts val="0"/>
-                </a:spcBef>
-                <a:spcAft>
-                  <a:spcPts val="0"/>
-                </a:spcAft>
-                <a:buNone/>
-              </a:pPr>
-              <a:endParaRPr sz="1800">
-                <a:solidFill>
-                  <a:schemeClr val="dk1"/>
-                </a:solidFill>
-                <a:latin typeface="Calibri"/>
-                <a:ea typeface="Calibri"/>
-                <a:cs typeface="Calibri"/>
-                <a:sym typeface="Calibri"/>
-              </a:endParaRPr>
-            </a:p>
-          </p:txBody>
-        </p:sp>
-        <p:sp>
-          <p:nvSpPr>
-            <p:cNvPr id="23" name="Google Shape;179;p3">
-              <a:extLst>
-                <a:ext uri="{FF2B5EF4-FFF2-40B4-BE49-F238E27FC236}">
-                  <a16:creationId xmlns:a16="http://schemas.microsoft.com/office/drawing/2014/main" xmlns="" id="{FFB13F36-BE45-4401-90AD-EAB139E228C3}"/>
-                </a:ext>
-              </a:extLst>
-            </p:cNvPr>
-            <p:cNvSpPr/>
-            <p:nvPr/>
-          </p:nvSpPr>
-          <p:spPr>
-            <a:xfrm>
-              <a:off x="2170" y="1771"/>
-              <a:ext cx="1430" cy="1430"/>
-            </a:xfrm>
-            <a:prstGeom prst="ellipse">
-              <a:avLst/>
-            </a:prstGeom>
-            <a:gradFill>
-              <a:gsLst>
-                <a:gs pos="0">
-                  <a:srgbClr val="CFCFCF"/>
-                </a:gs>
-                <a:gs pos="50000">
-                  <a:srgbClr val="FFFFFF"/>
-                </a:gs>
-                <a:gs pos="100000">
-                  <a:srgbClr val="CFCFCF"/>
-                </a:gs>
-              </a:gsLst>
-              <a:lin ang="0" scaled="0"/>
-            </a:gradFill>
-            <a:ln>
-              <a:noFill/>
-            </a:ln>
-          </p:spPr>
-          <p:txBody>
-            <a:bodyPr spcFirstLastPara="1" wrap="square" lIns="91425" tIns="45700" rIns="91425" bIns="45700" anchor="ctr" anchorCtr="0">
-              <a:noAutofit/>
-            </a:bodyPr>
-            <a:lstStyle/>
-            <a:p>
-              <a:pPr marL="0" marR="0" lvl="0" indent="0" algn="l" rtl="0">
-                <a:spcBef>
-                  <a:spcPts val="0"/>
-                </a:spcBef>
-                <a:spcAft>
-                  <a:spcPts val="0"/>
-                </a:spcAft>
-                <a:buNone/>
-              </a:pPr>
-              <a:endParaRPr sz="1800">
-                <a:solidFill>
-                  <a:schemeClr val="dk1"/>
-                </a:solidFill>
-                <a:latin typeface="Calibri"/>
-                <a:ea typeface="Calibri"/>
-                <a:cs typeface="Calibri"/>
-                <a:sym typeface="Calibri"/>
-              </a:endParaRPr>
-            </a:p>
-          </p:txBody>
-        </p:sp>
-        <p:sp>
-          <p:nvSpPr>
-            <p:cNvPr id="24" name="Google Shape;180;p3">
-              <a:extLst>
-                <a:ext uri="{FF2B5EF4-FFF2-40B4-BE49-F238E27FC236}">
-                  <a16:creationId xmlns:a16="http://schemas.microsoft.com/office/drawing/2014/main" xmlns="" id="{167838BC-4629-4DA4-A2EF-7FBE40EF9E33}"/>
-                </a:ext>
-              </a:extLst>
-            </p:cNvPr>
-            <p:cNvSpPr/>
-            <p:nvPr/>
-          </p:nvSpPr>
-          <p:spPr>
-            <a:xfrm>
-              <a:off x="2254" y="1856"/>
-              <a:ext cx="1262" cy="1264"/>
-            </a:xfrm>
-            <a:prstGeom prst="ellipse">
-              <a:avLst/>
-            </a:prstGeom>
-            <a:gradFill>
-              <a:gsLst>
-                <a:gs pos="0">
-                  <a:srgbClr val="FFFFFF"/>
-                </a:gs>
-                <a:gs pos="50000">
-                  <a:schemeClr val="hlink"/>
-                </a:gs>
-                <a:gs pos="100000">
-                  <a:srgbClr val="FFFFFF"/>
-                </a:gs>
-              </a:gsLst>
-              <a:lin ang="2700000" scaled="0"/>
-            </a:gradFill>
-            <a:ln>
-              <a:noFill/>
-            </a:ln>
-          </p:spPr>
-          <p:txBody>
-            <a:bodyPr spcFirstLastPara="1" wrap="square" lIns="91425" tIns="45700" rIns="91425" bIns="45700" anchor="ctr" anchorCtr="0">
-              <a:spAutoFit/>
-            </a:bodyPr>
-            <a:lstStyle/>
-            <a:p>
-              <a:pPr marL="0" marR="0" lvl="0" indent="0" algn="l" rtl="0">
-                <a:spcBef>
-                  <a:spcPts val="0"/>
-                </a:spcBef>
-                <a:spcAft>
-                  <a:spcPts val="0"/>
-                </a:spcAft>
-                <a:buNone/>
-              </a:pPr>
-              <a:endParaRPr sz="1800">
-                <a:solidFill>
-                  <a:schemeClr val="dk1"/>
-                </a:solidFill>
-                <a:latin typeface="Calibri"/>
-                <a:ea typeface="Calibri"/>
-                <a:cs typeface="Calibri"/>
-                <a:sym typeface="Calibri"/>
-              </a:endParaRPr>
-            </a:p>
-          </p:txBody>
-        </p:sp>
-        <p:sp>
-          <p:nvSpPr>
-            <p:cNvPr id="25" name="Google Shape;181;p3">
-              <a:extLst>
-                <a:ext uri="{FF2B5EF4-FFF2-40B4-BE49-F238E27FC236}">
-                  <a16:creationId xmlns:a16="http://schemas.microsoft.com/office/drawing/2014/main" xmlns="" id="{90DF401D-45EA-4FA4-B159-3EADC52B144D}"/>
-                </a:ext>
-              </a:extLst>
-            </p:cNvPr>
-            <p:cNvSpPr/>
-            <p:nvPr/>
-          </p:nvSpPr>
-          <p:spPr>
-            <a:xfrm>
-              <a:off x="2254" y="1856"/>
-              <a:ext cx="1262" cy="1264"/>
-            </a:xfrm>
-            <a:prstGeom prst="ellipse">
-              <a:avLst/>
-            </a:prstGeom>
-            <a:gradFill>
-              <a:gsLst>
-                <a:gs pos="0">
-                  <a:srgbClr val="21B3E1"/>
-                </a:gs>
-                <a:gs pos="100000">
-                  <a:srgbClr val="177E9E"/>
-                </a:gs>
-              </a:gsLst>
-              <a:lin ang="5400000" scaled="0"/>
-            </a:gradFill>
-            <a:ln>
-              <a:noFill/>
-            </a:ln>
-          </p:spPr>
-          <p:txBody>
-            <a:bodyPr spcFirstLastPara="1" wrap="square" lIns="91425" tIns="45700" rIns="91425" bIns="45700" anchor="ctr" anchorCtr="0">
-              <a:spAutoFit/>
-            </a:bodyPr>
-            <a:lstStyle/>
-            <a:p>
-              <a:pPr marL="0" marR="0" lvl="0" indent="0" algn="l" rtl="0">
-                <a:spcBef>
-                  <a:spcPts val="0"/>
-                </a:spcBef>
-                <a:spcAft>
-                  <a:spcPts val="0"/>
-                </a:spcAft>
-                <a:buNone/>
-              </a:pPr>
-              <a:endParaRPr sz="1800">
-                <a:solidFill>
-                  <a:schemeClr val="dk1"/>
-                </a:solidFill>
-                <a:latin typeface="Calibri"/>
-                <a:ea typeface="Calibri"/>
-                <a:cs typeface="Calibri"/>
-                <a:sym typeface="Calibri"/>
-              </a:endParaRPr>
-            </a:p>
-          </p:txBody>
-        </p:sp>
-        <p:sp>
-          <p:nvSpPr>
-            <p:cNvPr id="26" name="Google Shape;182;p3">
-              <a:extLst>
-                <a:ext uri="{FF2B5EF4-FFF2-40B4-BE49-F238E27FC236}">
-                  <a16:creationId xmlns:a16="http://schemas.microsoft.com/office/drawing/2014/main" xmlns="" id="{171CDBCF-F3A3-4965-9EE0-8429AB84555F}"/>
-                </a:ext>
-              </a:extLst>
-            </p:cNvPr>
-            <p:cNvSpPr/>
-            <p:nvPr/>
-          </p:nvSpPr>
-          <p:spPr>
-            <a:xfrm>
-              <a:off x="2337" y="1939"/>
-              <a:ext cx="1096" cy="1098"/>
-            </a:xfrm>
-            <a:prstGeom prst="ellipse">
-              <a:avLst/>
-            </a:prstGeom>
-            <a:gradFill>
-              <a:gsLst>
-                <a:gs pos="0">
-                  <a:srgbClr val="034A91"/>
-                </a:gs>
-                <a:gs pos="50000">
-                  <a:schemeClr val="hlink"/>
-                </a:gs>
-                <a:gs pos="100000">
-                  <a:srgbClr val="034A91"/>
-                </a:gs>
-              </a:gsLst>
-              <a:lin ang="18900000" scaled="0"/>
-            </a:gradFill>
-            <a:ln>
-              <a:noFill/>
-            </a:ln>
-          </p:spPr>
-          <p:txBody>
-            <a:bodyPr spcFirstLastPara="1" wrap="square" lIns="91425" tIns="45700" rIns="91425" bIns="45700" anchor="ctr" anchorCtr="0">
-              <a:spAutoFit/>
-            </a:bodyPr>
-            <a:lstStyle/>
-            <a:p>
-              <a:pPr marL="0" marR="0" lvl="0" indent="0" algn="l" rtl="0">
-                <a:spcBef>
-                  <a:spcPts val="0"/>
-                </a:spcBef>
-                <a:spcAft>
-                  <a:spcPts val="0"/>
-                </a:spcAft>
-                <a:buNone/>
-              </a:pPr>
-              <a:endParaRPr sz="1800">
-                <a:solidFill>
-                  <a:schemeClr val="dk1"/>
-                </a:solidFill>
-                <a:latin typeface="Calibri"/>
-                <a:ea typeface="Calibri"/>
-                <a:cs typeface="Calibri"/>
-                <a:sym typeface="Calibri"/>
-              </a:endParaRPr>
-            </a:p>
-          </p:txBody>
-        </p:sp>
-        <p:sp>
-          <p:nvSpPr>
-            <p:cNvPr id="27" name="Google Shape;183;p3">
-              <a:extLst>
-                <a:ext uri="{FF2B5EF4-FFF2-40B4-BE49-F238E27FC236}">
-                  <a16:creationId xmlns:a16="http://schemas.microsoft.com/office/drawing/2014/main" xmlns="" id="{23DA7BEE-153D-4848-BA56-48B79E5315C5}"/>
-                </a:ext>
-              </a:extLst>
-            </p:cNvPr>
-            <p:cNvSpPr/>
-            <p:nvPr/>
-          </p:nvSpPr>
-          <p:spPr>
-            <a:xfrm>
-              <a:off x="2337" y="1939"/>
-              <a:ext cx="1096" cy="1098"/>
-            </a:xfrm>
-            <a:prstGeom prst="ellipse">
-              <a:avLst/>
-            </a:prstGeom>
-            <a:gradFill>
-              <a:gsLst>
-                <a:gs pos="0">
-                  <a:srgbClr val="21B3E1"/>
-                </a:gs>
-                <a:gs pos="100000">
-                  <a:srgbClr val="1780A2"/>
-                </a:gs>
-              </a:gsLst>
-              <a:lin ang="2700000" scaled="0"/>
-            </a:gradFill>
-            <a:ln>
-              <a:noFill/>
-            </a:ln>
-          </p:spPr>
-          <p:txBody>
-            <a:bodyPr spcFirstLastPara="1" wrap="square" lIns="91425" tIns="45700" rIns="91425" bIns="45700" anchor="ctr" anchorCtr="0">
-              <a:spAutoFit/>
-            </a:bodyPr>
-            <a:lstStyle/>
-            <a:p>
-              <a:pPr marL="0" marR="0" lvl="0" indent="0" algn="l" rtl="0">
-                <a:spcBef>
-                  <a:spcPts val="0"/>
-                </a:spcBef>
-                <a:spcAft>
-                  <a:spcPts val="0"/>
-                </a:spcAft>
-                <a:buNone/>
-              </a:pPr>
-              <a:endParaRPr sz="1800">
-                <a:solidFill>
-                  <a:schemeClr val="dk1"/>
-                </a:solidFill>
-                <a:latin typeface="Calibri"/>
-                <a:ea typeface="Calibri"/>
-                <a:cs typeface="Calibri"/>
-                <a:sym typeface="Calibri"/>
-              </a:endParaRPr>
-            </a:p>
-          </p:txBody>
-        </p:sp>
-      </p:grpSp>
-      <p:sp>
-        <p:nvSpPr>
-          <p:cNvPr id="28" name="Google Shape;199;p3">
-            <a:extLst>
-              <a:ext uri="{FF2B5EF4-FFF2-40B4-BE49-F238E27FC236}">
-                <a16:creationId xmlns:a16="http://schemas.microsoft.com/office/drawing/2014/main" xmlns="" id="{37D92122-4633-40DD-958E-272CE043A043}"/>
-              </a:ext>
-            </a:extLst>
-          </p:cNvPr>
-          <p:cNvSpPr/>
-          <p:nvPr/>
-        </p:nvSpPr>
-        <p:spPr>
-          <a:xfrm rot="5400000">
-            <a:off x="-2403921" y="1239529"/>
-            <a:ext cx="4824413" cy="4770438"/>
-          </a:xfrm>
-          <a:custGeom>
-            <a:avLst/>
-            <a:gdLst/>
-            <a:ahLst/>
-            <a:cxnLst/>
-            <a:rect l="l" t="t" r="r" b="b"/>
-            <a:pathLst>
-              <a:path w="21600" h="21600" extrusionOk="0">
-                <a:moveTo>
-                  <a:pt x="323" y="10641"/>
-                </a:moveTo>
-                <a:cubicBezTo>
-                  <a:pt x="410" y="4916"/>
-                  <a:pt x="5075" y="321"/>
-                  <a:pt x="10800" y="322"/>
-                </a:cubicBezTo>
-                <a:cubicBezTo>
-                  <a:pt x="16524" y="322"/>
-                  <a:pt x="21189" y="4916"/>
-                  <a:pt x="21276" y="10641"/>
-                </a:cubicBezTo>
-                <a:lnTo>
-                  <a:pt x="21598" y="10636"/>
-                </a:lnTo>
-                <a:cubicBezTo>
-                  <a:pt x="21509" y="4736"/>
-                  <a:pt x="16700" y="-1"/>
-                  <a:pt x="10799" y="0"/>
-                </a:cubicBezTo>
-                <a:cubicBezTo>
-                  <a:pt x="4899" y="0"/>
-                  <a:pt x="90" y="4736"/>
-                  <a:pt x="1" y="10636"/>
-                </a:cubicBezTo>
-                <a:close/>
-              </a:path>
-            </a:pathLst>
-          </a:custGeom>
-          <a:gradFill>
-            <a:gsLst>
-              <a:gs pos="0">
-                <a:srgbClr val="F4F4F4"/>
-              </a:gs>
-              <a:gs pos="50000">
-                <a:schemeClr val="lt2"/>
-              </a:gs>
-              <a:gs pos="100000">
-                <a:srgbClr val="F4F4F4"/>
-              </a:gs>
-            </a:gsLst>
-            <a:lin ang="0" scaled="0"/>
-          </a:gradFill>
-          <a:ln w="9525" cap="flat" cmpd="sng">
-            <a:solidFill>
-              <a:srgbClr val="B3ABEF"/>
-            </a:solidFill>
-            <a:prstDash val="solid"/>
-            <a:miter lim="800000"/>
-            <a:headEnd type="none" w="sm" len="sm"/>
-            <a:tailEnd type="none" w="sm" len="sm"/>
-          </a:ln>
-        </p:spPr>
-        <p:txBody>
-          <a:bodyPr spcFirstLastPara="1" wrap="square" lIns="91425" tIns="45700" rIns="91425" bIns="45700" anchor="ctr" anchorCtr="0">
-            <a:noAutofit/>
-          </a:bodyPr>
-          <a:lstStyle/>
-          <a:p>
-            <a:pPr marL="0" marR="0" lvl="0" indent="0" algn="l" rtl="0">
-              <a:spcBef>
-                <a:spcPts val="0"/>
-              </a:spcBef>
-              <a:spcAft>
-                <a:spcPts val="0"/>
-              </a:spcAft>
-              <a:buNone/>
-            </a:pPr>
-            <a:endParaRPr sz="1800">
-              <a:solidFill>
-                <a:schemeClr val="dk1"/>
-              </a:solidFill>
-              <a:latin typeface="Calibri"/>
-              <a:ea typeface="Calibri"/>
-              <a:cs typeface="Calibri"/>
-              <a:sym typeface="Calibri"/>
-            </a:endParaRPr>
-          </a:p>
-        </p:txBody>
-      </p:sp>
-      <p:sp>
-        <p:nvSpPr>
-          <p:cNvPr id="29" name="Google Shape;200;p3">
-            <a:extLst>
-              <a:ext uri="{FF2B5EF4-FFF2-40B4-BE49-F238E27FC236}">
-                <a16:creationId xmlns:a16="http://schemas.microsoft.com/office/drawing/2014/main" xmlns="" id="{3FC5D8DF-CC66-44E6-8FE8-FE3EED0F2244}"/>
-              </a:ext>
-            </a:extLst>
-          </p:cNvPr>
-          <p:cNvSpPr/>
-          <p:nvPr/>
-        </p:nvSpPr>
-        <p:spPr>
-          <a:xfrm rot="5400000" flipH="1">
-            <a:off x="-1998313" y="1675297"/>
-            <a:ext cx="4032250" cy="3929063"/>
-          </a:xfrm>
-          <a:custGeom>
-            <a:avLst/>
-            <a:gdLst/>
-            <a:ahLst/>
-            <a:cxnLst/>
-            <a:rect l="l" t="t" r="r" b="b"/>
-            <a:pathLst>
-              <a:path w="21600" h="21600" extrusionOk="0">
-                <a:moveTo>
-                  <a:pt x="10744" y="10800"/>
-                </a:moveTo>
-                <a:cubicBezTo>
-                  <a:pt x="10744" y="10769"/>
-                  <a:pt x="10769" y="10744"/>
-                  <a:pt x="10800" y="10744"/>
-                </a:cubicBezTo>
-                <a:cubicBezTo>
-                  <a:pt x="10830" y="10743"/>
-                  <a:pt x="10855" y="10769"/>
-                  <a:pt x="10856" y="10799"/>
-                </a:cubicBezTo>
-                <a:lnTo>
-                  <a:pt x="21600" y="10800"/>
-                </a:lnTo>
-                <a:cubicBezTo>
-                  <a:pt x="21600" y="4835"/>
-                  <a:pt x="16764" y="0"/>
-                  <a:pt x="10800" y="0"/>
-                </a:cubicBezTo>
-                <a:cubicBezTo>
-                  <a:pt x="4835" y="0"/>
-                  <a:pt x="0" y="4835"/>
-                  <a:pt x="0" y="10800"/>
-                </a:cubicBezTo>
-                <a:close/>
-              </a:path>
-            </a:pathLst>
-          </a:custGeom>
-          <a:solidFill>
-            <a:srgbClr val="C1DBED"/>
-          </a:solidFill>
-          <a:ln>
-            <a:noFill/>
-          </a:ln>
-        </p:spPr>
-        <p:txBody>
-          <a:bodyPr spcFirstLastPara="1" wrap="square" lIns="91425" tIns="45700" rIns="91425" bIns="45700" anchor="ctr" anchorCtr="0">
-            <a:noAutofit/>
-          </a:bodyPr>
-          <a:lstStyle/>
-          <a:p>
-            <a:pPr marL="0" marR="0" lvl="0" indent="0" algn="l" rtl="0">
-              <a:spcBef>
-                <a:spcPts val="0"/>
-              </a:spcBef>
-              <a:spcAft>
-                <a:spcPts val="0"/>
-              </a:spcAft>
-              <a:buNone/>
-            </a:pPr>
-            <a:endParaRPr sz="1800">
-              <a:solidFill>
-                <a:schemeClr val="dk1"/>
-              </a:solidFill>
-              <a:latin typeface="Calibri"/>
-              <a:ea typeface="Calibri"/>
-              <a:cs typeface="Calibri"/>
-              <a:sym typeface="Calibri"/>
-            </a:endParaRPr>
-          </a:p>
-        </p:txBody>
-      </p:sp>
-      <p:sp>
-        <p:nvSpPr>
-          <p:cNvPr id="30" name="Google Shape;202;p3">
-            <a:extLst>
-              <a:ext uri="{FF2B5EF4-FFF2-40B4-BE49-F238E27FC236}">
-                <a16:creationId xmlns:a16="http://schemas.microsoft.com/office/drawing/2014/main" xmlns="" id="{A58F5BE4-9475-4CCE-A3DE-E52DDB496817}"/>
-              </a:ext>
-            </a:extLst>
-          </p:cNvPr>
-          <p:cNvSpPr/>
-          <p:nvPr/>
-        </p:nvSpPr>
-        <p:spPr>
-          <a:xfrm>
-            <a:off x="2173341" y="5401954"/>
-            <a:ext cx="5168900" cy="508000"/>
-          </a:xfrm>
-          <a:prstGeom prst="roundRect">
-            <a:avLst>
-              <a:gd name="adj" fmla="val 50000"/>
-            </a:avLst>
-          </a:prstGeom>
-          <a:noFill/>
-          <a:ln w="28575" cap="flat" cmpd="sng">
-            <a:solidFill>
-              <a:schemeClr val="lt2"/>
-            </a:solidFill>
-            <a:prstDash val="solid"/>
-            <a:round/>
-            <a:headEnd type="none" w="sm" len="sm"/>
-            <a:tailEnd type="none" w="sm" len="sm"/>
-          </a:ln>
-        </p:spPr>
-        <p:txBody>
-          <a:bodyPr spcFirstLastPara="1" wrap="square" lIns="91425" tIns="45700" rIns="91425" bIns="45700" anchor="ctr" anchorCtr="0">
-            <a:noAutofit/>
-          </a:bodyPr>
-          <a:lstStyle/>
-          <a:p>
-            <a:pPr marL="0" marR="0" lvl="0" indent="0" algn="l" rtl="0">
-              <a:spcBef>
-                <a:spcPts val="0"/>
-              </a:spcBef>
-              <a:spcAft>
-                <a:spcPts val="0"/>
-              </a:spcAft>
-              <a:buNone/>
-            </a:pPr>
-            <a:r>
-              <a:rPr lang="en-US" sz="1800" b="1" dirty="0">
-                <a:solidFill>
-                  <a:schemeClr val="tx1"/>
-                </a:solidFill>
-              </a:rPr>
-              <a:t>Demo</a:t>
-            </a:r>
-            <a:endParaRPr sz="1800" b="1" dirty="0">
-              <a:solidFill>
-                <a:schemeClr val="tx1"/>
-              </a:solidFill>
-              <a:sym typeface="Arial"/>
-            </a:endParaRPr>
-          </a:p>
-        </p:txBody>
-      </p:sp>
-      <p:grpSp>
-        <p:nvGrpSpPr>
-          <p:cNvPr id="31" name="Google Shape;203;p3">
-            <a:extLst>
-              <a:ext uri="{FF2B5EF4-FFF2-40B4-BE49-F238E27FC236}">
-                <a16:creationId xmlns:a16="http://schemas.microsoft.com/office/drawing/2014/main" xmlns="" id="{446591B6-1443-41C3-87C2-2552F70D319D}"/>
-              </a:ext>
-            </a:extLst>
-          </p:cNvPr>
-          <p:cNvGrpSpPr/>
-          <p:nvPr/>
-        </p:nvGrpSpPr>
-        <p:grpSpPr>
-          <a:xfrm>
-            <a:off x="1740657" y="5456586"/>
-            <a:ext cx="381000" cy="381000"/>
-            <a:chOff x="2078" y="1680"/>
-            <a:chExt cx="1615" cy="1615"/>
-          </a:xfrm>
-        </p:grpSpPr>
-        <p:sp>
-          <p:nvSpPr>
-            <p:cNvPr id="32" name="Google Shape;204;p3">
-              <a:extLst>
-                <a:ext uri="{FF2B5EF4-FFF2-40B4-BE49-F238E27FC236}">
-                  <a16:creationId xmlns:a16="http://schemas.microsoft.com/office/drawing/2014/main" xmlns="" id="{E8858A6C-A42F-4F8A-ACA5-DEB8FCCF31D8}"/>
-                </a:ext>
-              </a:extLst>
-            </p:cNvPr>
-            <p:cNvSpPr/>
-            <p:nvPr/>
-          </p:nvSpPr>
-          <p:spPr>
-            <a:xfrm>
-              <a:off x="2078" y="1680"/>
-              <a:ext cx="1615" cy="1615"/>
-            </a:xfrm>
-            <a:prstGeom prst="ellipse">
-              <a:avLst/>
-            </a:prstGeom>
-            <a:gradFill>
-              <a:gsLst>
-                <a:gs pos="0">
-                  <a:srgbClr val="B3B3B3"/>
-                </a:gs>
-                <a:gs pos="50000">
-                  <a:srgbClr val="FFFFFF"/>
-                </a:gs>
-                <a:gs pos="100000">
-                  <a:srgbClr val="B3B3B3"/>
-                </a:gs>
-              </a:gsLst>
-              <a:lin ang="5400000" scaled="0"/>
-            </a:gradFill>
-            <a:ln>
-              <a:noFill/>
-            </a:ln>
-          </p:spPr>
-          <p:txBody>
-            <a:bodyPr spcFirstLastPara="1" wrap="square" lIns="91425" tIns="45700" rIns="91425" bIns="45700" anchor="ctr" anchorCtr="0">
-              <a:noAutofit/>
-            </a:bodyPr>
-            <a:lstStyle/>
-            <a:p>
-              <a:pPr marL="0" marR="0" lvl="0" indent="0" algn="l" rtl="0">
-                <a:spcBef>
-                  <a:spcPts val="0"/>
-                </a:spcBef>
-                <a:spcAft>
-                  <a:spcPts val="0"/>
-                </a:spcAft>
-                <a:buNone/>
-              </a:pPr>
-              <a:endParaRPr sz="1800">
-                <a:solidFill>
-                  <a:schemeClr val="dk1"/>
-                </a:solidFill>
-                <a:latin typeface="Calibri"/>
-                <a:ea typeface="Calibri"/>
-                <a:cs typeface="Calibri"/>
-                <a:sym typeface="Calibri"/>
-              </a:endParaRPr>
-            </a:p>
-          </p:txBody>
-        </p:sp>
-        <p:sp>
-          <p:nvSpPr>
-            <p:cNvPr id="33" name="Google Shape;205;p3">
-              <a:extLst>
-                <a:ext uri="{FF2B5EF4-FFF2-40B4-BE49-F238E27FC236}">
-                  <a16:creationId xmlns:a16="http://schemas.microsoft.com/office/drawing/2014/main" xmlns="" id="{F11A9FCB-AF73-453A-8EB6-3768D35994C3}"/>
-                </a:ext>
-              </a:extLst>
-            </p:cNvPr>
-            <p:cNvSpPr/>
-            <p:nvPr/>
-          </p:nvSpPr>
-          <p:spPr>
-            <a:xfrm>
-              <a:off x="2170" y="1771"/>
-              <a:ext cx="1430" cy="1430"/>
-            </a:xfrm>
-            <a:prstGeom prst="ellipse">
-              <a:avLst/>
-            </a:prstGeom>
-            <a:gradFill>
-              <a:gsLst>
-                <a:gs pos="0">
-                  <a:srgbClr val="CFCFCF"/>
-                </a:gs>
-                <a:gs pos="50000">
-                  <a:srgbClr val="FFFFFF"/>
-                </a:gs>
-                <a:gs pos="100000">
-                  <a:srgbClr val="CFCFCF"/>
-                </a:gs>
-              </a:gsLst>
-              <a:lin ang="0" scaled="0"/>
-            </a:gradFill>
-            <a:ln>
-              <a:noFill/>
-            </a:ln>
-          </p:spPr>
-          <p:txBody>
-            <a:bodyPr spcFirstLastPara="1" wrap="square" lIns="91425" tIns="45700" rIns="91425" bIns="45700" anchor="ctr" anchorCtr="0">
-              <a:noAutofit/>
-            </a:bodyPr>
-            <a:lstStyle/>
-            <a:p>
-              <a:pPr marL="0" marR="0" lvl="0" indent="0" algn="l" rtl="0">
-                <a:spcBef>
-                  <a:spcPts val="0"/>
-                </a:spcBef>
-                <a:spcAft>
-                  <a:spcPts val="0"/>
-                </a:spcAft>
-                <a:buNone/>
-              </a:pPr>
-              <a:endParaRPr sz="1800">
-                <a:solidFill>
-                  <a:schemeClr val="dk1"/>
-                </a:solidFill>
-                <a:latin typeface="Calibri"/>
-                <a:ea typeface="Calibri"/>
-                <a:cs typeface="Calibri"/>
-                <a:sym typeface="Calibri"/>
-              </a:endParaRPr>
-            </a:p>
-          </p:txBody>
-        </p:sp>
-        <p:sp>
-          <p:nvSpPr>
-            <p:cNvPr id="34" name="Google Shape;206;p3">
-              <a:extLst>
-                <a:ext uri="{FF2B5EF4-FFF2-40B4-BE49-F238E27FC236}">
-                  <a16:creationId xmlns:a16="http://schemas.microsoft.com/office/drawing/2014/main" xmlns="" id="{29DEFA5E-63AF-4D0E-B169-7145282F0F9E}"/>
-                </a:ext>
-              </a:extLst>
-            </p:cNvPr>
-            <p:cNvSpPr/>
-            <p:nvPr/>
-          </p:nvSpPr>
-          <p:spPr>
-            <a:xfrm>
-              <a:off x="2254" y="1856"/>
-              <a:ext cx="1262" cy="1264"/>
-            </a:xfrm>
-            <a:prstGeom prst="ellipse">
-              <a:avLst/>
-            </a:prstGeom>
-            <a:gradFill>
-              <a:gsLst>
-                <a:gs pos="0">
-                  <a:srgbClr val="FFFFFF"/>
-                </a:gs>
-                <a:gs pos="50000">
-                  <a:schemeClr val="hlink"/>
-                </a:gs>
-                <a:gs pos="100000">
-                  <a:srgbClr val="FFFFFF"/>
-                </a:gs>
-              </a:gsLst>
-              <a:lin ang="2700000" scaled="0"/>
-            </a:gradFill>
-            <a:ln>
-              <a:noFill/>
-            </a:ln>
-          </p:spPr>
-          <p:txBody>
-            <a:bodyPr spcFirstLastPara="1" wrap="square" lIns="91425" tIns="45700" rIns="91425" bIns="45700" anchor="ctr" anchorCtr="0">
-              <a:spAutoFit/>
-            </a:bodyPr>
-            <a:lstStyle/>
-            <a:p>
-              <a:pPr marL="0" marR="0" lvl="0" indent="0" algn="l" rtl="0">
-                <a:spcBef>
-                  <a:spcPts val="0"/>
-                </a:spcBef>
-                <a:spcAft>
-                  <a:spcPts val="0"/>
-                </a:spcAft>
-                <a:buNone/>
-              </a:pPr>
-              <a:endParaRPr sz="1800">
-                <a:solidFill>
-                  <a:schemeClr val="dk1"/>
-                </a:solidFill>
-                <a:latin typeface="Calibri"/>
-                <a:ea typeface="Calibri"/>
-                <a:cs typeface="Calibri"/>
-                <a:sym typeface="Calibri"/>
-              </a:endParaRPr>
-            </a:p>
-          </p:txBody>
-        </p:sp>
-        <p:sp>
-          <p:nvSpPr>
-            <p:cNvPr id="35" name="Google Shape;207;p3">
-              <a:extLst>
-                <a:ext uri="{FF2B5EF4-FFF2-40B4-BE49-F238E27FC236}">
-                  <a16:creationId xmlns:a16="http://schemas.microsoft.com/office/drawing/2014/main" xmlns="" id="{983DDB1E-3C76-4ED6-85A4-2AD91D898644}"/>
-                </a:ext>
-              </a:extLst>
-            </p:cNvPr>
-            <p:cNvSpPr/>
-            <p:nvPr/>
-          </p:nvSpPr>
-          <p:spPr>
-            <a:xfrm>
-              <a:off x="2254" y="1856"/>
-              <a:ext cx="1262" cy="1264"/>
-            </a:xfrm>
-            <a:prstGeom prst="ellipse">
-              <a:avLst/>
-            </a:prstGeom>
-            <a:gradFill>
-              <a:gsLst>
-                <a:gs pos="0">
-                  <a:srgbClr val="000000"/>
-                </a:gs>
-                <a:gs pos="100000">
-                  <a:srgbClr val="FFCC00"/>
-                </a:gs>
-              </a:gsLst>
-              <a:lin ang="2700000" scaled="0"/>
-            </a:gradFill>
-            <a:ln>
-              <a:noFill/>
-            </a:ln>
-          </p:spPr>
-          <p:txBody>
-            <a:bodyPr spcFirstLastPara="1" wrap="square" lIns="91425" tIns="45700" rIns="91425" bIns="45700" anchor="ctr" anchorCtr="0">
-              <a:spAutoFit/>
-            </a:bodyPr>
-            <a:lstStyle/>
-            <a:p>
-              <a:pPr marL="0" marR="0" lvl="0" indent="0" algn="l" rtl="0">
-                <a:spcBef>
-                  <a:spcPts val="0"/>
-                </a:spcBef>
-                <a:spcAft>
-                  <a:spcPts val="0"/>
-                </a:spcAft>
-                <a:buNone/>
-              </a:pPr>
-              <a:endParaRPr sz="1800">
-                <a:solidFill>
-                  <a:schemeClr val="dk1"/>
-                </a:solidFill>
-                <a:latin typeface="Calibri"/>
-                <a:ea typeface="Calibri"/>
-                <a:cs typeface="Calibri"/>
-                <a:sym typeface="Calibri"/>
-              </a:endParaRPr>
-            </a:p>
-          </p:txBody>
-        </p:sp>
-        <p:sp>
-          <p:nvSpPr>
-            <p:cNvPr id="36" name="Google Shape;208;p3">
-              <a:extLst>
-                <a:ext uri="{FF2B5EF4-FFF2-40B4-BE49-F238E27FC236}">
-                  <a16:creationId xmlns:a16="http://schemas.microsoft.com/office/drawing/2014/main" xmlns="" id="{AC43F410-DCFA-49F1-8174-5698BFADB792}"/>
-                </a:ext>
-              </a:extLst>
-            </p:cNvPr>
-            <p:cNvSpPr/>
-            <p:nvPr/>
-          </p:nvSpPr>
-          <p:spPr>
-            <a:xfrm>
-              <a:off x="2337" y="1939"/>
-              <a:ext cx="1096" cy="1098"/>
-            </a:xfrm>
-            <a:prstGeom prst="ellipse">
-              <a:avLst/>
-            </a:prstGeom>
-            <a:gradFill>
-              <a:gsLst>
-                <a:gs pos="0">
-                  <a:srgbClr val="034A91"/>
-                </a:gs>
-                <a:gs pos="50000">
-                  <a:schemeClr val="hlink"/>
-                </a:gs>
-                <a:gs pos="100000">
-                  <a:srgbClr val="034A91"/>
-                </a:gs>
-              </a:gsLst>
-              <a:lin ang="18900000" scaled="0"/>
-            </a:gradFill>
-            <a:ln>
-              <a:noFill/>
-            </a:ln>
-          </p:spPr>
-          <p:txBody>
-            <a:bodyPr spcFirstLastPara="1" wrap="square" lIns="91425" tIns="45700" rIns="91425" bIns="45700" anchor="ctr" anchorCtr="0">
-              <a:spAutoFit/>
-            </a:bodyPr>
-            <a:lstStyle/>
-            <a:p>
-              <a:pPr marL="0" marR="0" lvl="0" indent="0" algn="l" rtl="0">
-                <a:spcBef>
-                  <a:spcPts val="0"/>
-                </a:spcBef>
-                <a:spcAft>
-                  <a:spcPts val="0"/>
-                </a:spcAft>
-                <a:buNone/>
-              </a:pPr>
-              <a:endParaRPr sz="1800">
-                <a:solidFill>
-                  <a:schemeClr val="dk1"/>
-                </a:solidFill>
-                <a:latin typeface="Calibri"/>
-                <a:ea typeface="Calibri"/>
-                <a:cs typeface="Calibri"/>
-                <a:sym typeface="Calibri"/>
-              </a:endParaRPr>
-            </a:p>
-          </p:txBody>
-        </p:sp>
-        <p:sp>
-          <p:nvSpPr>
-            <p:cNvPr id="37" name="Google Shape;209;p3">
-              <a:extLst>
-                <a:ext uri="{FF2B5EF4-FFF2-40B4-BE49-F238E27FC236}">
-                  <a16:creationId xmlns:a16="http://schemas.microsoft.com/office/drawing/2014/main" xmlns="" id="{DBBE192F-4A80-4D5B-B0C9-2A8488FECF79}"/>
-                </a:ext>
-              </a:extLst>
-            </p:cNvPr>
-            <p:cNvSpPr/>
-            <p:nvPr/>
-          </p:nvSpPr>
-          <p:spPr>
-            <a:xfrm>
-              <a:off x="2337" y="1939"/>
-              <a:ext cx="1096" cy="1098"/>
-            </a:xfrm>
-            <a:prstGeom prst="ellipse">
-              <a:avLst/>
-            </a:prstGeom>
-            <a:gradFill>
-              <a:gsLst>
-                <a:gs pos="0">
-                  <a:srgbClr val="FFCC00"/>
-                </a:gs>
-                <a:gs pos="100000">
-                  <a:srgbClr val="B79200"/>
-                </a:gs>
-              </a:gsLst>
-              <a:lin ang="2700000" scaled="0"/>
-            </a:gradFill>
-            <a:ln>
-              <a:noFill/>
-            </a:ln>
-          </p:spPr>
-          <p:txBody>
-            <a:bodyPr spcFirstLastPara="1" wrap="square" lIns="91425" tIns="45700" rIns="91425" bIns="45700" anchor="ctr" anchorCtr="0">
-              <a:spAutoFit/>
-            </a:bodyPr>
-            <a:lstStyle/>
-            <a:p>
-              <a:pPr marL="0" marR="0" lvl="0" indent="0" algn="l" rtl="0">
-                <a:spcBef>
-                  <a:spcPts val="0"/>
-                </a:spcBef>
-                <a:spcAft>
-                  <a:spcPts val="0"/>
-                </a:spcAft>
-                <a:buNone/>
-              </a:pPr>
-              <a:endParaRPr sz="1800">
-                <a:solidFill>
-                  <a:schemeClr val="dk1"/>
-                </a:solidFill>
-                <a:latin typeface="Calibri"/>
-                <a:ea typeface="Calibri"/>
-                <a:cs typeface="Calibri"/>
-                <a:sym typeface="Calibri"/>
-              </a:endParaRPr>
-            </a:p>
-          </p:txBody>
-        </p:sp>
-      </p:grpSp>
     </p:spTree>
     <p:extLst>
       <p:ext uri="{BB962C8B-B14F-4D97-AF65-F5344CB8AC3E}">
-        <p14:creationId xmlns:p14="http://schemas.microsoft.com/office/powerpoint/2010/main" val="2701524402"/>
+        <p14:creationId xmlns:p14="http://schemas.microsoft.com/office/powerpoint/2010/main" val="1975319774"/>
       </p:ext>
     </p:extLst>
   </p:cSld>
@@ -20984,7 +18792,7 @@
           <p:cNvPr id="2" name="Title 1">
             <a:extLst>
               <a:ext uri="{FF2B5EF4-FFF2-40B4-BE49-F238E27FC236}">
-                <a16:creationId xmlns:a16="http://schemas.microsoft.com/office/drawing/2014/main" xmlns="" id="{BD5D9F2A-405C-4783-8BF2-9B2DAEEB5A11}"/>
+                <a16:creationId xmlns="" xmlns:a16="http://schemas.microsoft.com/office/drawing/2014/main" id="{116DFACF-02F6-4DA1-B480-E710AB0CA9BE}"/>
               </a:ext>
             </a:extLst>
           </p:cNvPr>
@@ -21001,9 +18809,70 @@
           <a:lstStyle/>
           <a:p>
             <a:r>
+              <a:rPr lang="en-US" dirty="0" err="1"/>
+              <a:t>Các</a:t>
+            </a:r>
+            <a:r>
               <a:rPr lang="en-US" dirty="0"/>
-              <a:t>Demo</a:t>
-            </a:r>
+              <a:t> b</a:t>
+            </a:r>
+            <a:r>
+              <a:rPr lang="vi-VN" dirty="0"/>
+              <a:t>ư</a:t>
+            </a:r>
+            <a:r>
+              <a:rPr lang="en-US" dirty="0" err="1"/>
+              <a:t>ớc</a:t>
+            </a:r>
+            <a:r>
+              <a:rPr lang="en-US" dirty="0"/>
+              <a:t> </a:t>
+            </a:r>
+            <a:r>
+              <a:rPr lang="en-US" dirty="0" err="1"/>
+              <a:t>xây</a:t>
+            </a:r>
+            <a:r>
+              <a:rPr lang="en-US" dirty="0"/>
+              <a:t> </a:t>
+            </a:r>
+            <a:r>
+              <a:rPr lang="en-US" dirty="0" err="1"/>
+              <a:t>dựng</a:t>
+            </a:r>
+            <a:r>
+              <a:rPr lang="en-US" dirty="0"/>
+              <a:t> </a:t>
+            </a:r>
+            <a:r>
+              <a:rPr lang="en-US" dirty="0" err="1"/>
+              <a:t>biểu</a:t>
+            </a:r>
+            <a:r>
+              <a:rPr lang="en-US" dirty="0"/>
+              <a:t> </a:t>
+            </a:r>
+            <a:r>
+              <a:rPr lang="en-US" dirty="0" err="1"/>
+              <a:t>đồ</a:t>
+            </a:r>
+            <a:r>
+              <a:rPr lang="en-US" dirty="0"/>
+              <a:t> ca </a:t>
+            </a:r>
+            <a:r>
+              <a:rPr lang="en-US" dirty="0" err="1"/>
+              <a:t>sử</a:t>
+            </a:r>
+            <a:r>
+              <a:rPr lang="en-US" dirty="0"/>
+              <a:t> </a:t>
+            </a:r>
+            <a:r>
+              <a:rPr lang="en-US" dirty="0" err="1"/>
+              <a:t>dụng</a:t>
+            </a:r>
+            <a:endParaRPr lang="en-US" dirty="0"/>
           </a:p>
         </p:txBody>
       </p:sp>
@@ -21012,7 +18881,7 @@
           <p:cNvPr id="3" name="Text Placeholder 2">
             <a:extLst>
               <a:ext uri="{FF2B5EF4-FFF2-40B4-BE49-F238E27FC236}">
-                <a16:creationId xmlns:a16="http://schemas.microsoft.com/office/drawing/2014/main" xmlns="" id="{FC3107FD-E101-4B2B-B229-5DE38F79634D}"/>
+                <a16:creationId xmlns="" xmlns:a16="http://schemas.microsoft.com/office/drawing/2014/main" id="{39CD1093-197B-4827-8F7B-5396F002D546}"/>
               </a:ext>
             </a:extLst>
           </p:cNvPr>
@@ -21023,197 +18892,99 @@
             <p:ph type="body" idx="1"/>
           </p:nvPr>
         </p:nvSpPr>
-        <p:spPr/>
+        <p:spPr>
+          <a:xfrm>
+            <a:off x="290146" y="861646"/>
+            <a:ext cx="8331340" cy="5460023"/>
+          </a:xfrm>
+        </p:spPr>
         <p:txBody>
-          <a:bodyPr/>
+          <a:bodyPr>
+            <a:normAutofit/>
+          </a:bodyPr>
           <a:lstStyle/>
           <a:p>
             <a:pPr marL="114300" indent="0">
               <a:buNone/>
             </a:pPr>
             <a:r>
-              <a:rPr lang="en-US" dirty="0"/>
-              <a:t>	Demo </a:t>
-            </a:r>
-            <a:r>
-              <a:rPr lang="en-US" dirty="0" err="1"/>
-              <a:t>trên</a:t>
-            </a:r>
-            <a:r>
-              <a:rPr lang="en-US" dirty="0"/>
+              <a:rPr lang="en-US" sz="2400" b="1" dirty="0" err="1"/>
+              <a:t>Bước</a:t>
+            </a:r>
+            <a:r>
+              <a:rPr lang="en-US" sz="2400" b="1" dirty="0"/>
+              <a:t> 4: </a:t>
+            </a:r>
+            <a:r>
+              <a:rPr lang="en-US" sz="2400" b="1" dirty="0" err="1"/>
+              <a:t>Mô</a:t>
+            </a:r>
+            <a:r>
+              <a:rPr lang="en-US" sz="2400" b="1" dirty="0"/>
               <a:t> </a:t>
             </a:r>
             <a:r>
-              <a:rPr lang="en-US" dirty="0" err="1"/>
-              <a:t>bài</a:t>
-            </a:r>
-            <a:r>
-              <a:rPr lang="en-US" dirty="0"/>
+              <a:rPr lang="en-US" sz="2400" b="1" dirty="0" err="1"/>
+              <a:t>tả</a:t>
+            </a:r>
+            <a:r>
+              <a:rPr lang="en-US" sz="2400" b="1" dirty="0"/>
               <a:t> </a:t>
             </a:r>
             <a:r>
-              <a:rPr lang="en-US" dirty="0" err="1"/>
-              <a:t>tập</a:t>
-            </a:r>
-            <a:r>
-              <a:rPr lang="en-US" dirty="0"/>
+              <a:rPr lang="en-US" sz="2400" b="1" dirty="0" err="1"/>
+              <a:t>luồng</a:t>
+            </a:r>
+            <a:r>
+              <a:rPr lang="en-US" sz="2400" b="1" dirty="0"/>
               <a:t> </a:t>
             </a:r>
             <a:r>
-              <a:rPr lang="en-US" dirty="0" err="1"/>
-              <a:t>lớn</a:t>
-            </a:r>
-            <a:r>
-              <a:rPr lang="en-US" dirty="0"/>
+              <a:rPr lang="en-US" sz="2400" b="1" dirty="0" err="1"/>
+              <a:t>sự</a:t>
+            </a:r>
+            <a:r>
+              <a:rPr lang="en-US" sz="2400" b="1" dirty="0"/>
               <a:t> </a:t>
             </a:r>
             <a:r>
-              <a:rPr lang="en-US" i="1" dirty="0"/>
-              <a:t>“</a:t>
-            </a:r>
-            <a:r>
-              <a:rPr lang="en-US" i="1" dirty="0" err="1"/>
-              <a:t>Phân</a:t>
-            </a:r>
-            <a:r>
-              <a:rPr lang="en-US" i="1" dirty="0"/>
-              <a:t> </a:t>
-            </a:r>
-            <a:r>
-              <a:rPr lang="en-US" i="1" dirty="0" err="1"/>
-              <a:t>tích</a:t>
-            </a:r>
-            <a:r>
-              <a:rPr lang="en-US" i="1" dirty="0"/>
-              <a:t> </a:t>
-            </a:r>
-            <a:r>
-              <a:rPr lang="en-US" i="1" dirty="0" err="1"/>
-              <a:t>thiết</a:t>
-            </a:r>
-            <a:r>
-              <a:rPr lang="en-US" i="1" dirty="0"/>
-              <a:t> </a:t>
-            </a:r>
-            <a:r>
-              <a:rPr lang="en-US" i="1" dirty="0" err="1"/>
-              <a:t>kế</a:t>
-            </a:r>
-            <a:r>
-              <a:rPr lang="en-US" i="1" dirty="0"/>
-              <a:t> </a:t>
-            </a:r>
-            <a:r>
-              <a:rPr lang="en-US" i="1" dirty="0" err="1"/>
-              <a:t>và</a:t>
-            </a:r>
-            <a:r>
-              <a:rPr lang="en-US" i="1" dirty="0"/>
-              <a:t> </a:t>
-            </a:r>
-            <a:r>
-              <a:rPr lang="en-US" i="1" dirty="0" err="1"/>
-              <a:t>xây</a:t>
-            </a:r>
-            <a:r>
-              <a:rPr lang="en-US" i="1" dirty="0"/>
-              <a:t> </a:t>
-            </a:r>
-            <a:r>
-              <a:rPr lang="en-US" i="1" dirty="0" err="1"/>
-              <a:t>dựng</a:t>
-            </a:r>
-            <a:r>
-              <a:rPr lang="en-US" i="1" dirty="0"/>
-              <a:t> </a:t>
-            </a:r>
-            <a:r>
-              <a:rPr lang="en-US" i="1" dirty="0" err="1"/>
-              <a:t>phần</a:t>
-            </a:r>
-            <a:r>
-              <a:rPr lang="en-US" i="1" dirty="0"/>
-              <a:t> </a:t>
-            </a:r>
-            <a:r>
-              <a:rPr lang="en-US" i="1" dirty="0" err="1"/>
-              <a:t>mềm</a:t>
-            </a:r>
-            <a:r>
-              <a:rPr lang="en-US" i="1" dirty="0"/>
-              <a:t> </a:t>
-            </a:r>
-            <a:r>
-              <a:rPr lang="en-US" i="1" dirty="0" err="1"/>
-              <a:t>quản</a:t>
-            </a:r>
-            <a:r>
-              <a:rPr lang="en-US" i="1" dirty="0"/>
-              <a:t> </a:t>
-            </a:r>
-            <a:r>
-              <a:rPr lang="en-US" i="1" dirty="0" err="1"/>
-              <a:t>lý</a:t>
-            </a:r>
-            <a:r>
-              <a:rPr lang="en-US" i="1" dirty="0"/>
-              <a:t> </a:t>
-            </a:r>
-            <a:r>
-              <a:rPr lang="en-US" i="1" dirty="0" err="1"/>
-              <a:t>cửa</a:t>
-            </a:r>
-            <a:r>
-              <a:rPr lang="en-US" i="1" dirty="0"/>
-              <a:t> </a:t>
-            </a:r>
-            <a:r>
-              <a:rPr lang="en-US" i="1" dirty="0" err="1"/>
-              <a:t>hàng</a:t>
-            </a:r>
-            <a:r>
-              <a:rPr lang="en-US" i="1" dirty="0"/>
-              <a:t> </a:t>
-            </a:r>
-            <a:r>
-              <a:rPr lang="en-US" i="1" dirty="0" err="1"/>
-              <a:t>văn</a:t>
-            </a:r>
-            <a:r>
-              <a:rPr lang="en-US" i="1" dirty="0"/>
-              <a:t> </a:t>
-            </a:r>
-            <a:r>
-              <a:rPr lang="en-US" i="1" dirty="0" err="1"/>
-              <a:t>phòng</a:t>
-            </a:r>
-            <a:r>
-              <a:rPr lang="en-US" i="1" dirty="0"/>
-              <a:t> </a:t>
-            </a:r>
-            <a:r>
-              <a:rPr lang="en-US" i="1" dirty="0" err="1"/>
-              <a:t>văn</a:t>
-            </a:r>
-            <a:r>
-              <a:rPr lang="en-US" i="1" dirty="0"/>
-              <a:t> </a:t>
-            </a:r>
-            <a:r>
-              <a:rPr lang="en-US" i="1" dirty="0" err="1"/>
-              <a:t>phòng</a:t>
-            </a:r>
-            <a:r>
-              <a:rPr lang="en-US" i="1" dirty="0"/>
-              <a:t> </a:t>
-            </a:r>
-            <a:r>
-              <a:rPr lang="en-US" i="1" dirty="0" err="1"/>
-              <a:t>phẩm</a:t>
-            </a:r>
-            <a:r>
-              <a:rPr lang="en-US" i="1" dirty="0"/>
-              <a:t>”</a:t>
+              <a:rPr lang="en-US" sz="2400" b="1" dirty="0" err="1"/>
+              <a:t>kiện</a:t>
+            </a:r>
+            <a:r>
+              <a:rPr lang="en-US" sz="2400" b="1" dirty="0"/>
+              <a:t>: </a:t>
+            </a:r>
+          </a:p>
+          <a:p>
+            <a:pPr marL="114300" indent="0">
+              <a:buNone/>
+            </a:pPr>
+            <a:r>
+              <a:rPr lang="en-US" sz="2400" dirty="0"/>
+              <a:t>	</a:t>
+            </a:r>
+            <a:r>
+              <a:rPr lang="vi-VN" sz="2400" dirty="0"/>
+              <a:t>Một mẫu mô tả ca sử dụng thường có 2 phần:</a:t>
+            </a:r>
+          </a:p>
+          <a:p>
+            <a:pPr marL="114300" indent="0">
+              <a:buNone/>
+            </a:pPr>
+            <a:r>
+              <a:rPr lang="vi-VN" sz="2400" dirty="0"/>
+              <a:t>- Các trường thông tin mô tả chung của ca sử dụng như tên ca sử dụng (name), tác nhân chính (primary actors), tác nhân phụ (secondary actors), tiền điều kiện (precondition), hậu điều kiện (post condition)</a:t>
+            </a:r>
+          </a:p>
+          <a:p>
+            <a:pPr marL="114300" indent="0">
+              <a:buNone/>
+            </a:pPr>
+            <a:r>
+              <a:rPr lang="vi-VN" sz="2400" dirty="0"/>
+              <a:t>- Phần mô tả chi tiết của các kịch bản tương tác của ca sử dụng được mô tả trong các luồng sự kiện (luồng sự kiện chính và luồng sự kiện thay thế). </a:t>
             </a:r>
           </a:p>
         </p:txBody>
@@ -21221,7 +18992,7 @@
     </p:spTree>
     <p:extLst>
       <p:ext uri="{BB962C8B-B14F-4D97-AF65-F5344CB8AC3E}">
-        <p14:creationId xmlns:p14="http://schemas.microsoft.com/office/powerpoint/2010/main" val="3539807095"/>
+        <p14:creationId xmlns:p14="http://schemas.microsoft.com/office/powerpoint/2010/main" val="1994838007"/>
       </p:ext>
     </p:extLst>
   </p:cSld>
@@ -21236,7 +19007,7 @@
   <p:cSld>
     <p:spTree>
       <p:nvGrpSpPr>
-        <p:cNvPr id="1" name="Shape 227"/>
+        <p:cNvPr id="1" name=""/>
         <p:cNvGrpSpPr/>
         <p:nvPr/>
       </p:nvGrpSpPr>
@@ -21250,274 +19021,238 @@
       </p:grpSpPr>
       <p:sp>
         <p:nvSpPr>
-          <p:cNvPr id="228" name="Google Shape;228;p5"/>
-          <p:cNvSpPr txBox="1">
+          <p:cNvPr id="2" name="Title 1">
+            <a:extLst>
+              <a:ext uri="{FF2B5EF4-FFF2-40B4-BE49-F238E27FC236}">
+                <a16:creationId xmlns="" xmlns:a16="http://schemas.microsoft.com/office/drawing/2014/main" id="{116DFACF-02F6-4DA1-B480-E710AB0CA9BE}"/>
+              </a:ext>
+            </a:extLst>
+          </p:cNvPr>
+          <p:cNvSpPr>
             <a:spLocks noGrp="1"/>
           </p:cNvSpPr>
           <p:nvPr>
             <p:ph type="title"/>
           </p:nvPr>
         </p:nvSpPr>
-        <p:spPr>
-          <a:xfrm>
-            <a:off x="290146" y="0"/>
-            <a:ext cx="7658100" cy="589085"/>
-          </a:xfrm>
-          <a:prstGeom prst="rect">
-            <a:avLst/>
-          </a:prstGeom>
-          <a:noFill/>
-          <a:ln>
-            <a:noFill/>
-          </a:ln>
-        </p:spPr>
+        <p:spPr/>
         <p:txBody>
-          <a:bodyPr spcFirstLastPara="1" wrap="square" lIns="91425" tIns="45700" rIns="91425" bIns="45700" anchor="ctr" anchorCtr="0">
-            <a:noAutofit/>
-          </a:bodyPr>
+          <a:bodyPr/>
           <a:lstStyle/>
           <a:p>
-            <a:pPr marL="0" lvl="0" indent="0" algn="l" rtl="0">
-              <a:lnSpc>
-                <a:spcPct val="90000"/>
-              </a:lnSpc>
-              <a:spcBef>
-                <a:spcPts val="0"/>
-              </a:spcBef>
-              <a:spcAft>
-                <a:spcPts val="0"/>
-              </a:spcAft>
-              <a:buClr>
-                <a:schemeClr val="lt1"/>
-              </a:buClr>
-              <a:buSzPts val="3600"/>
-              <a:buFont typeface="Calibri"/>
-              <a:buNone/>
-            </a:pPr>
-            <a:r>
-              <a:rPr lang="en-US"/>
-              <a:t>Tài liệu tham khảo</a:t>
-            </a:r>
-            <a:endParaRPr/>
+            <a:r>
+              <a:rPr lang="en-US" dirty="0" err="1"/>
+              <a:t>Các</a:t>
+            </a:r>
+            <a:r>
+              <a:rPr lang="en-US" dirty="0"/>
+              <a:t> b</a:t>
+            </a:r>
+            <a:r>
+              <a:rPr lang="vi-VN" dirty="0"/>
+              <a:t>ư</a:t>
+            </a:r>
+            <a:r>
+              <a:rPr lang="en-US" dirty="0" err="1"/>
+              <a:t>ớc</a:t>
+            </a:r>
+            <a:r>
+              <a:rPr lang="en-US" dirty="0"/>
+              <a:t> </a:t>
+            </a:r>
+            <a:r>
+              <a:rPr lang="en-US" dirty="0" err="1"/>
+              <a:t>xây</a:t>
+            </a:r>
+            <a:r>
+              <a:rPr lang="en-US" dirty="0"/>
+              <a:t> </a:t>
+            </a:r>
+            <a:r>
+              <a:rPr lang="en-US" dirty="0" err="1"/>
+              <a:t>dựng</a:t>
+            </a:r>
+            <a:r>
+              <a:rPr lang="en-US" dirty="0"/>
+              <a:t> </a:t>
+            </a:r>
+            <a:r>
+              <a:rPr lang="en-US" dirty="0" err="1"/>
+              <a:t>biểu</a:t>
+            </a:r>
+            <a:r>
+              <a:rPr lang="en-US" dirty="0"/>
+              <a:t> </a:t>
+            </a:r>
+            <a:r>
+              <a:rPr lang="en-US" dirty="0" err="1"/>
+              <a:t>đồ</a:t>
+            </a:r>
+            <a:r>
+              <a:rPr lang="en-US" dirty="0"/>
+              <a:t> ca </a:t>
+            </a:r>
+            <a:r>
+              <a:rPr lang="en-US" dirty="0" err="1"/>
+              <a:t>sử</a:t>
+            </a:r>
+            <a:r>
+              <a:rPr lang="en-US" dirty="0"/>
+              <a:t> </a:t>
+            </a:r>
+            <a:r>
+              <a:rPr lang="en-US" dirty="0" err="1"/>
+              <a:t>dụng</a:t>
+            </a:r>
+            <a:endParaRPr lang="en-US" dirty="0"/>
           </a:p>
         </p:txBody>
       </p:sp>
       <p:sp>
         <p:nvSpPr>
-          <p:cNvPr id="229" name="Google Shape;229;p5"/>
-          <p:cNvSpPr txBox="1">
+          <p:cNvPr id="3" name="Text Placeholder 2">
+            <a:extLst>
+              <a:ext uri="{FF2B5EF4-FFF2-40B4-BE49-F238E27FC236}">
+                <a16:creationId xmlns="" xmlns:a16="http://schemas.microsoft.com/office/drawing/2014/main" id="{39CD1093-197B-4827-8F7B-5396F002D546}"/>
+              </a:ext>
+            </a:extLst>
+          </p:cNvPr>
+          <p:cNvSpPr>
             <a:spLocks noGrp="1"/>
           </p:cNvSpPr>
           <p:nvPr>
-            <p:ph type="sldNum" idx="12"/>
+            <p:ph type="body" idx="1"/>
           </p:nvPr>
         </p:nvSpPr>
         <p:spPr>
           <a:xfrm>
-            <a:off x="8159262" y="6550271"/>
-            <a:ext cx="703384" cy="298937"/>
+            <a:off x="290146" y="861646"/>
+            <a:ext cx="8514220" cy="5460023"/>
           </a:xfrm>
-          <a:prstGeom prst="rect">
-            <a:avLst/>
-          </a:prstGeom>
-          <a:noFill/>
-          <a:ln>
-            <a:noFill/>
-          </a:ln>
         </p:spPr>
         <p:txBody>
-          <a:bodyPr spcFirstLastPara="1" wrap="square" lIns="91425" tIns="45700" rIns="91425" bIns="45700" anchor="ctr" anchorCtr="0">
-            <a:noAutofit/>
+          <a:bodyPr>
+            <a:normAutofit/>
           </a:bodyPr>
           <a:lstStyle/>
           <a:p>
-            <a:pPr marL="0" marR="0" lvl="0" indent="0" algn="r" rtl="0">
-              <a:spcBef>
-                <a:spcPts val="0"/>
-              </a:spcBef>
-              <a:spcAft>
-                <a:spcPts val="0"/>
-              </a:spcAft>
-              <a:buClr>
-                <a:schemeClr val="dk1"/>
-              </a:buClr>
-              <a:buSzPts val="1108"/>
-              <a:buFont typeface="Noto Sans Symbols"/>
+            <a:pPr marL="114300" indent="0">
               <a:buNone/>
             </a:pPr>
-            <a:fld id="{00000000-1234-1234-1234-123412341234}" type="slidenum">
-              <a:rPr lang="en-US" sz="1108">
-                <a:solidFill>
-                  <a:schemeClr val="dk1"/>
-                </a:solidFill>
-                <a:latin typeface="Garamond"/>
-                <a:ea typeface="Garamond"/>
-                <a:cs typeface="Garamond"/>
-                <a:sym typeface="Garamond"/>
-              </a:rPr>
-              <a:t>19</a:t>
-            </a:fld>
-            <a:endParaRPr sz="1108">
-              <a:solidFill>
-                <a:schemeClr val="dk1"/>
-              </a:solidFill>
-              <a:latin typeface="Garamond"/>
-              <a:ea typeface="Garamond"/>
-              <a:cs typeface="Garamond"/>
-              <a:sym typeface="Garamond"/>
-            </a:endParaRPr>
-          </a:p>
-        </p:txBody>
-      </p:sp>
-      <p:sp>
-        <p:nvSpPr>
-          <p:cNvPr id="230" name="Google Shape;230;p5"/>
-          <p:cNvSpPr txBox="1"/>
-          <p:nvPr/>
-        </p:nvSpPr>
-        <p:spPr>
-          <a:xfrm>
-            <a:off x="562708" y="1600200"/>
-            <a:ext cx="8088923" cy="4472354"/>
-          </a:xfrm>
-          <a:prstGeom prst="rect">
-            <a:avLst/>
-          </a:prstGeom>
-          <a:noFill/>
-          <a:ln>
-            <a:noFill/>
-          </a:ln>
-        </p:spPr>
-        <p:txBody>
-          <a:bodyPr spcFirstLastPara="1" wrap="square" lIns="91425" tIns="45700" rIns="91425" bIns="45700" anchor="t" anchorCtr="0">
-            <a:noAutofit/>
-          </a:bodyPr>
-          <a:lstStyle/>
-          <a:p>
-            <a:pPr marL="457200" marR="0" lvl="0" indent="-457200" algn="just" rtl="0">
-              <a:lnSpc>
-                <a:spcPct val="150000"/>
-              </a:lnSpc>
-              <a:spcBef>
-                <a:spcPts val="0"/>
-              </a:spcBef>
-              <a:spcAft>
-                <a:spcPts val="0"/>
-              </a:spcAft>
-              <a:buClr>
-                <a:schemeClr val="accent1"/>
-              </a:buClr>
-              <a:buSzPts val="1080"/>
-              <a:buFont typeface="Century Schoolbook"/>
-              <a:buAutoNum type="arabicPeriod"/>
-            </a:pPr>
-            <a:r>
-              <a:rPr lang="en-US" sz="1662" u="sng">
-                <a:solidFill>
-                  <a:schemeClr val="dk1"/>
-                </a:solidFill>
-                <a:latin typeface="Arial"/>
-                <a:ea typeface="Arial"/>
-                <a:cs typeface="Arial"/>
-                <a:sym typeface="Arial"/>
-                <a:hlinkClick r:id="rId3">
-                  <a:extLst>
-                    <a:ext uri="{A12FA001-AC4F-418D-AE19-62706E023703}">
-                      <ahyp:hlinkClr xmlns:ahyp="http://schemas.microsoft.com/office/drawing/2018/hyperlinkcolor" xmlns="" val="tx"/>
-                    </a:ext>
-                  </a:extLst>
-                </a:hlinkClick>
-              </a:rPr>
-              <a:t>https://viblo.asia/p/cau-truc-du-lieu-va-giai-thuat-search-924lJYzWZPM</a:t>
-            </a:r>
-            <a:endParaRPr sz="1662">
-              <a:solidFill>
-                <a:schemeClr val="dk1"/>
-              </a:solidFill>
-              <a:latin typeface="Arial"/>
-              <a:ea typeface="Arial"/>
-              <a:cs typeface="Arial"/>
-              <a:sym typeface="Arial"/>
-            </a:endParaRPr>
+            <a:r>
+              <a:rPr lang="en-US" sz="2400" b="1" dirty="0" smtClean="0"/>
+              <a:t>B</a:t>
+            </a:r>
+            <a:r>
+              <a:rPr lang="vi-VN" sz="2400" b="1" dirty="0"/>
+              <a:t>ư</a:t>
+            </a:r>
+            <a:r>
+              <a:rPr lang="en-US" sz="2400" b="1" dirty="0" err="1"/>
+              <a:t>ớc</a:t>
+            </a:r>
+            <a:r>
+              <a:rPr lang="en-US" sz="2400" b="1" dirty="0"/>
+              <a:t> 5: </a:t>
+            </a:r>
+            <a:r>
+              <a:rPr lang="en-US" sz="2400" b="1" dirty="0" smtClean="0"/>
+              <a:t>H</a:t>
+            </a:r>
+            <a:r>
+              <a:rPr lang="vi-VN" sz="2400" b="1" dirty="0" smtClean="0"/>
+              <a:t>iệu </a:t>
+            </a:r>
+            <a:r>
+              <a:rPr lang="vi-VN" sz="2400" b="1" dirty="0"/>
+              <a:t>chỉnh mô </a:t>
+            </a:r>
+            <a:r>
+              <a:rPr lang="vi-VN" sz="2400" b="1" dirty="0" smtClean="0"/>
+              <a:t>hình</a:t>
+            </a:r>
           </a:p>
           <a:p>
-            <a:pPr marL="457200" marR="0" lvl="0" indent="-457200" algn="just" rtl="0">
-              <a:lnSpc>
-                <a:spcPct val="150000"/>
-              </a:lnSpc>
-              <a:spcBef>
-                <a:spcPts val="332"/>
-              </a:spcBef>
-              <a:spcAft>
-                <a:spcPts val="0"/>
-              </a:spcAft>
-              <a:buClr>
-                <a:schemeClr val="accent1"/>
-              </a:buClr>
-              <a:buSzPts val="1080"/>
-              <a:buFont typeface="Century Schoolbook"/>
-              <a:buAutoNum type="arabicPeriod"/>
+            <a:pPr marL="114300" indent="0">
+              <a:buNone/>
             </a:pPr>
             <a:r>
-              <a:rPr lang="en-US" sz="1662" u="sng">
-                <a:solidFill>
-                  <a:schemeClr val="dk1"/>
-                </a:solidFill>
-                <a:latin typeface="Arial"/>
-                <a:ea typeface="Arial"/>
-                <a:cs typeface="Arial"/>
-                <a:sym typeface="Arial"/>
-                <a:hlinkClick r:id="rId4">
-                  <a:extLst>
-                    <a:ext uri="{A12FA001-AC4F-418D-AE19-62706E023703}">
-                      <ahyp:hlinkClr xmlns:ahyp="http://schemas.microsoft.com/office/drawing/2018/hyperlinkcolor" xmlns="" val="tx"/>
-                    </a:ext>
-                  </a:extLst>
-                </a:hlinkClick>
-              </a:rPr>
-              <a:t>https://github.com/pqhuy87it/MonthlyReport/tree/master/SearchAlgorithms</a:t>
-            </a:r>
-            <a:endParaRPr sz="1662">
-              <a:solidFill>
-                <a:schemeClr val="dk1"/>
-              </a:solidFill>
-              <a:latin typeface="Arial"/>
-              <a:ea typeface="Arial"/>
-              <a:cs typeface="Arial"/>
-              <a:sym typeface="Arial"/>
-            </a:endParaRPr>
+              <a:rPr lang="vi-VN" sz="2400" dirty="0"/>
+              <a:t>- Mục đích: đảm bảo biểu đồ ca sử dụng và các tài liệu liên quan đều chính xác, hoàn chỉnh</a:t>
+            </a:r>
           </a:p>
           <a:p>
-            <a:pPr marL="457200" marR="0" lvl="0" indent="-388600" algn="just" rtl="0">
-              <a:lnSpc>
-                <a:spcPct val="150000"/>
-              </a:lnSpc>
-              <a:spcBef>
-                <a:spcPts val="332"/>
-              </a:spcBef>
-              <a:spcAft>
-                <a:spcPts val="0"/>
-              </a:spcAft>
-              <a:buClr>
-                <a:schemeClr val="accent1"/>
-              </a:buClr>
-              <a:buSzPts val="1080"/>
-              <a:buFont typeface="Century Schoolbook"/>
+            <a:pPr marL="114300" indent="0">
               <a:buNone/>
             </a:pPr>
-            <a:endParaRPr sz="1662">
-              <a:solidFill>
-                <a:schemeClr val="dk1"/>
-              </a:solidFill>
-              <a:latin typeface="Arial"/>
-              <a:ea typeface="Arial"/>
-              <a:cs typeface="Arial"/>
-              <a:sym typeface="Arial"/>
-            </a:endParaRPr>
+            <a:r>
+              <a:rPr lang="vi-VN" sz="2400" dirty="0"/>
+              <a:t>- Quy trình:</a:t>
+            </a:r>
+          </a:p>
+          <a:p>
+            <a:pPr marL="114300" indent="0">
+              <a:buNone/>
+            </a:pPr>
+            <a:r>
+              <a:rPr lang="vi-VN" sz="2400" dirty="0"/>
+              <a:t>+ Kiểm tra lại toàn bộ biểu đồ ca sử dụng</a:t>
+            </a:r>
+          </a:p>
+          <a:p>
+            <a:pPr marL="114300" indent="0">
+              <a:buNone/>
+            </a:pPr>
+            <a:r>
+              <a:rPr lang="vi-VN" sz="2400" dirty="0"/>
+              <a:t>+ Bổ sung hoặc thay đổi thông tin chưa phù hợp</a:t>
+            </a:r>
+          </a:p>
+          <a:p>
+            <a:pPr marL="114300" indent="0">
+              <a:buNone/>
+            </a:pPr>
+            <a:r>
+              <a:rPr lang="vi-VN" sz="2400" dirty="0"/>
+              <a:t>+ Chuyển tài liệu cho khách hàng (biểu đồ ca sử dụng, các scenario, tài liệu liên quan)</a:t>
+            </a:r>
+          </a:p>
+          <a:p>
+            <a:pPr marL="114300" indent="0">
+              <a:buNone/>
+            </a:pPr>
+            <a:r>
+              <a:rPr lang="vi-VN" sz="2400" dirty="0"/>
+              <a:t>+ Lắng nghe phản hồi từ khách hàng</a:t>
+            </a:r>
+          </a:p>
+          <a:p>
+            <a:pPr marL="114300" indent="0">
+              <a:buNone/>
+            </a:pPr>
+            <a:r>
+              <a:rPr lang="vi-VN" sz="2400" dirty="0"/>
+              <a:t>+ Sửa đổi biểu đồ ca sử dụng theo yêu cầu khách hàng</a:t>
+            </a:r>
+          </a:p>
+          <a:p>
+            <a:pPr marL="114300" indent="0">
+              <a:buNone/>
+            </a:pPr>
+            <a:r>
+              <a:rPr lang="vi-VN" sz="2400" dirty="0"/>
+              <a:t>+ Hoàn tất bước xác nhận (khách hàng và nhà phát triển đã đạt được sự thống nhất)</a:t>
+            </a:r>
+            <a:endParaRPr lang="en-US" sz="2400" dirty="0"/>
           </a:p>
         </p:txBody>
       </p:sp>
     </p:spTree>
+    <p:extLst>
+      <p:ext uri="{BB962C8B-B14F-4D97-AF65-F5344CB8AC3E}">
+        <p14:creationId xmlns:p14="http://schemas.microsoft.com/office/powerpoint/2010/main" val="2934279387"/>
+      </p:ext>
+    </p:extLst>
   </p:cSld>
   <p:clrMapOvr>
     <a:masterClrMapping/>
@@ -23708,10 +21443,2998 @@
   <p:clrMapOvr>
     <a:masterClrMapping/>
   </p:clrMapOvr>
+  <p:timing>
+    <p:tnLst>
+      <p:par>
+        <p:cTn id="1" dur="indefinite" restart="never" nodeType="tmRoot"/>
+      </p:par>
+    </p:tnLst>
+  </p:timing>
 </p:sld>
 </file>
 
 <file path=ppt/slides/slide20.xml><?xml version="1.0" encoding="utf-8"?>
+<p:sld xmlns:a="http://schemas.openxmlformats.org/drawingml/2006/main" xmlns:r="http://schemas.openxmlformats.org/officeDocument/2006/relationships" xmlns:p="http://schemas.openxmlformats.org/presentationml/2006/main">
+  <p:cSld>
+    <p:spTree>
+      <p:nvGrpSpPr>
+        <p:cNvPr id="1" name=""/>
+        <p:cNvGrpSpPr/>
+        <p:nvPr/>
+      </p:nvGrpSpPr>
+      <p:grpSpPr>
+        <a:xfrm>
+          <a:off x="0" y="0"/>
+          <a:ext cx="0" cy="0"/>
+          <a:chOff x="0" y="0"/>
+          <a:chExt cx="0" cy="0"/>
+        </a:xfrm>
+      </p:grpSpPr>
+      <p:sp>
+        <p:nvSpPr>
+          <p:cNvPr id="2" name="Title 1">
+            <a:extLst>
+              <a:ext uri="{FF2B5EF4-FFF2-40B4-BE49-F238E27FC236}">
+                <a16:creationId xmlns="" xmlns:a16="http://schemas.microsoft.com/office/drawing/2014/main" id="{F8E5B976-DFB9-4BCF-909B-AD7402CB5834}"/>
+              </a:ext>
+            </a:extLst>
+          </p:cNvPr>
+          <p:cNvSpPr>
+            <a:spLocks noGrp="1"/>
+          </p:cNvSpPr>
+          <p:nvPr>
+            <p:ph type="title"/>
+          </p:nvPr>
+        </p:nvSpPr>
+        <p:spPr/>
+        <p:txBody>
+          <a:bodyPr/>
+          <a:lstStyle/>
+          <a:p>
+            <a:r>
+              <a:rPr lang="en-US" dirty="0" err="1"/>
+              <a:t>Nội</a:t>
+            </a:r>
+            <a:r>
+              <a:rPr lang="en-US" dirty="0"/>
+              <a:t> dung</a:t>
+            </a:r>
+          </a:p>
+        </p:txBody>
+      </p:sp>
+      <p:sp>
+        <p:nvSpPr>
+          <p:cNvPr id="4" name="Google Shape;160;p3">
+            <a:extLst>
+              <a:ext uri="{FF2B5EF4-FFF2-40B4-BE49-F238E27FC236}">
+                <a16:creationId xmlns="" xmlns:a16="http://schemas.microsoft.com/office/drawing/2014/main" id="{C3677F29-6316-4C3E-BED2-FCC858D52B85}"/>
+              </a:ext>
+            </a:extLst>
+          </p:cNvPr>
+          <p:cNvSpPr/>
+          <p:nvPr/>
+        </p:nvSpPr>
+        <p:spPr>
+          <a:xfrm>
+            <a:off x="2884185" y="3954632"/>
+            <a:ext cx="5612567" cy="508000"/>
+          </a:xfrm>
+          <a:prstGeom prst="roundRect">
+            <a:avLst>
+              <a:gd name="adj" fmla="val 50000"/>
+            </a:avLst>
+          </a:prstGeom>
+          <a:noFill/>
+          <a:ln w="28575" cap="flat" cmpd="sng">
+            <a:solidFill>
+              <a:schemeClr val="lt2"/>
+            </a:solidFill>
+            <a:prstDash val="solid"/>
+            <a:round/>
+            <a:headEnd type="none" w="sm" len="sm"/>
+            <a:tailEnd type="none" w="sm" len="sm"/>
+          </a:ln>
+        </p:spPr>
+        <p:txBody>
+          <a:bodyPr spcFirstLastPara="1" wrap="square" lIns="91425" tIns="45700" rIns="91425" bIns="45700" anchor="ctr" anchorCtr="0">
+            <a:noAutofit/>
+          </a:bodyPr>
+          <a:lstStyle/>
+          <a:p>
+            <a:pPr marL="0" marR="0" lvl="0" indent="0" algn="l" rtl="0">
+              <a:spcBef>
+                <a:spcPts val="0"/>
+              </a:spcBef>
+              <a:spcAft>
+                <a:spcPts val="0"/>
+              </a:spcAft>
+              <a:buNone/>
+            </a:pPr>
+            <a:r>
+              <a:rPr lang="en-US" sz="1800" b="1" dirty="0" err="1">
+                <a:solidFill>
+                  <a:srgbClr val="D0CECE"/>
+                </a:solidFill>
+              </a:rPr>
+              <a:t>Các</a:t>
+            </a:r>
+            <a:r>
+              <a:rPr lang="en-US" sz="1800" b="1" dirty="0">
+                <a:solidFill>
+                  <a:srgbClr val="D0CECE"/>
+                </a:solidFill>
+              </a:rPr>
+              <a:t> b</a:t>
+            </a:r>
+            <a:r>
+              <a:rPr lang="vi-VN" sz="1800" b="1" dirty="0">
+                <a:solidFill>
+                  <a:srgbClr val="D0CECE"/>
+                </a:solidFill>
+              </a:rPr>
+              <a:t>ư</a:t>
+            </a:r>
+            <a:r>
+              <a:rPr lang="en-US" sz="1800" b="1" dirty="0" err="1">
+                <a:solidFill>
+                  <a:srgbClr val="D0CECE"/>
+                </a:solidFill>
+              </a:rPr>
+              <a:t>ớc</a:t>
+            </a:r>
+            <a:r>
+              <a:rPr lang="en-US" sz="1800" b="1" dirty="0">
+                <a:solidFill>
+                  <a:srgbClr val="D0CECE"/>
+                </a:solidFill>
+              </a:rPr>
+              <a:t> </a:t>
+            </a:r>
+            <a:r>
+              <a:rPr lang="en-US" sz="1800" b="1" dirty="0" err="1">
+                <a:solidFill>
+                  <a:srgbClr val="D0CECE"/>
+                </a:solidFill>
+              </a:rPr>
+              <a:t>xây</a:t>
+            </a:r>
+            <a:r>
+              <a:rPr lang="en-US" sz="1800" b="1" dirty="0">
+                <a:solidFill>
+                  <a:srgbClr val="D0CECE"/>
+                </a:solidFill>
+              </a:rPr>
+              <a:t> </a:t>
+            </a:r>
+            <a:r>
+              <a:rPr lang="en-US" sz="1800" b="1" dirty="0" err="1">
+                <a:solidFill>
+                  <a:srgbClr val="D0CECE"/>
+                </a:solidFill>
+              </a:rPr>
+              <a:t>dựng</a:t>
+            </a:r>
+            <a:r>
+              <a:rPr lang="en-US" sz="1800" b="1" dirty="0">
+                <a:solidFill>
+                  <a:srgbClr val="D0CECE"/>
+                </a:solidFill>
+              </a:rPr>
+              <a:t> </a:t>
+            </a:r>
+            <a:r>
+              <a:rPr lang="en-US" sz="1800" b="1" dirty="0" err="1">
+                <a:solidFill>
+                  <a:srgbClr val="D0CECE"/>
+                </a:solidFill>
+              </a:rPr>
+              <a:t>biểu</a:t>
+            </a:r>
+            <a:r>
+              <a:rPr lang="en-US" sz="1800" b="1" dirty="0">
+                <a:solidFill>
+                  <a:srgbClr val="D0CECE"/>
+                </a:solidFill>
+              </a:rPr>
+              <a:t> </a:t>
+            </a:r>
+            <a:r>
+              <a:rPr lang="en-US" sz="1800" b="1" dirty="0" err="1">
+                <a:solidFill>
+                  <a:srgbClr val="D0CECE"/>
+                </a:solidFill>
+              </a:rPr>
+              <a:t>đồ</a:t>
+            </a:r>
+            <a:r>
+              <a:rPr lang="en-US" sz="1800" b="1" dirty="0">
+                <a:solidFill>
+                  <a:srgbClr val="D0CECE"/>
+                </a:solidFill>
+              </a:rPr>
+              <a:t> ca </a:t>
+            </a:r>
+            <a:r>
+              <a:rPr lang="en-US" sz="1800" b="1" dirty="0" err="1">
+                <a:solidFill>
+                  <a:srgbClr val="D0CECE"/>
+                </a:solidFill>
+              </a:rPr>
+              <a:t>sử</a:t>
+            </a:r>
+            <a:r>
+              <a:rPr lang="en-US" sz="1800" b="1" dirty="0">
+                <a:solidFill>
+                  <a:srgbClr val="D0CECE"/>
+                </a:solidFill>
+              </a:rPr>
+              <a:t> </a:t>
+            </a:r>
+            <a:r>
+              <a:rPr lang="en-US" sz="1800" b="1" dirty="0" err="1">
+                <a:solidFill>
+                  <a:srgbClr val="D0CECE"/>
+                </a:solidFill>
+              </a:rPr>
+              <a:t>dụng</a:t>
+            </a:r>
+            <a:endParaRPr dirty="0"/>
+          </a:p>
+        </p:txBody>
+      </p:sp>
+      <p:sp>
+        <p:nvSpPr>
+          <p:cNvPr id="5" name="Google Shape;161;p3">
+            <a:extLst>
+              <a:ext uri="{FF2B5EF4-FFF2-40B4-BE49-F238E27FC236}">
+                <a16:creationId xmlns="" xmlns:a16="http://schemas.microsoft.com/office/drawing/2014/main" id="{928356A9-A7B0-4595-9DD3-4C75ECB6C5C6}"/>
+              </a:ext>
+            </a:extLst>
+          </p:cNvPr>
+          <p:cNvSpPr/>
+          <p:nvPr/>
+        </p:nvSpPr>
+        <p:spPr>
+          <a:xfrm>
+            <a:off x="2823719" y="2402081"/>
+            <a:ext cx="5424985" cy="508000"/>
+          </a:xfrm>
+          <a:prstGeom prst="roundRect">
+            <a:avLst>
+              <a:gd name="adj" fmla="val 50000"/>
+            </a:avLst>
+          </a:prstGeom>
+          <a:noFill/>
+          <a:ln w="28575" cap="flat" cmpd="sng">
+            <a:solidFill>
+              <a:schemeClr val="lt2"/>
+            </a:solidFill>
+            <a:prstDash val="solid"/>
+            <a:round/>
+            <a:headEnd type="none" w="sm" len="sm"/>
+            <a:tailEnd type="none" w="sm" len="sm"/>
+          </a:ln>
+        </p:spPr>
+        <p:txBody>
+          <a:bodyPr spcFirstLastPara="1" wrap="square" lIns="91425" tIns="45700" rIns="91425" bIns="45700" anchor="ctr" anchorCtr="0">
+            <a:noAutofit/>
+          </a:bodyPr>
+          <a:lstStyle/>
+          <a:p>
+            <a:pPr marL="0" marR="0" lvl="0" indent="0" algn="l" rtl="0">
+              <a:spcBef>
+                <a:spcPts val="0"/>
+              </a:spcBef>
+              <a:spcAft>
+                <a:spcPts val="0"/>
+              </a:spcAft>
+              <a:buNone/>
+            </a:pPr>
+            <a:r>
+              <a:rPr lang="en-US" sz="1800" b="1" dirty="0" err="1">
+                <a:solidFill>
+                  <a:schemeClr val="bg1">
+                    <a:lumMod val="75000"/>
+                  </a:schemeClr>
+                </a:solidFill>
+              </a:rPr>
+              <a:t>Các</a:t>
+            </a:r>
+            <a:r>
+              <a:rPr lang="en-US" sz="1800" b="1" dirty="0">
+                <a:solidFill>
+                  <a:schemeClr val="bg1">
+                    <a:lumMod val="75000"/>
+                  </a:schemeClr>
+                </a:solidFill>
+              </a:rPr>
+              <a:t> </a:t>
+            </a:r>
+            <a:r>
+              <a:rPr lang="en-US" sz="1800" b="1" dirty="0" err="1">
+                <a:solidFill>
+                  <a:schemeClr val="bg1">
+                    <a:lumMod val="75000"/>
+                  </a:schemeClr>
+                </a:solidFill>
+              </a:rPr>
+              <a:t>ký</a:t>
+            </a:r>
+            <a:r>
+              <a:rPr lang="en-US" sz="1800" b="1" dirty="0">
+                <a:solidFill>
+                  <a:schemeClr val="bg1">
+                    <a:lumMod val="75000"/>
+                  </a:schemeClr>
+                </a:solidFill>
+              </a:rPr>
+              <a:t> </a:t>
+            </a:r>
+            <a:r>
+              <a:rPr lang="en-US" sz="1800" b="1" dirty="0" err="1">
+                <a:solidFill>
+                  <a:schemeClr val="bg1">
+                    <a:lumMod val="75000"/>
+                  </a:schemeClr>
+                </a:solidFill>
+              </a:rPr>
+              <a:t>pháp</a:t>
+            </a:r>
+            <a:r>
+              <a:rPr lang="en-US" sz="1800" b="1" dirty="0">
+                <a:solidFill>
+                  <a:schemeClr val="bg1">
+                    <a:lumMod val="75000"/>
+                  </a:schemeClr>
+                </a:solidFill>
+              </a:rPr>
+              <a:t> </a:t>
+            </a:r>
+            <a:r>
+              <a:rPr lang="en-US" sz="1800" b="1" dirty="0" err="1">
+                <a:solidFill>
+                  <a:schemeClr val="bg1">
+                    <a:lumMod val="75000"/>
+                  </a:schemeClr>
+                </a:solidFill>
+              </a:rPr>
+              <a:t>của</a:t>
+            </a:r>
+            <a:r>
+              <a:rPr lang="en-US" sz="1800" b="1" dirty="0">
+                <a:solidFill>
+                  <a:schemeClr val="bg1">
+                    <a:lumMod val="75000"/>
+                  </a:schemeClr>
+                </a:solidFill>
+              </a:rPr>
+              <a:t> </a:t>
+            </a:r>
+            <a:r>
+              <a:rPr lang="en-US" sz="1800" b="1" dirty="0" err="1">
+                <a:solidFill>
+                  <a:schemeClr val="bg1">
+                    <a:lumMod val="75000"/>
+                  </a:schemeClr>
+                </a:solidFill>
+              </a:rPr>
+              <a:t>biểu</a:t>
+            </a:r>
+            <a:r>
+              <a:rPr lang="en-US" sz="1800" b="1" dirty="0">
+                <a:solidFill>
+                  <a:schemeClr val="bg1">
+                    <a:lumMod val="75000"/>
+                  </a:schemeClr>
+                </a:solidFill>
+              </a:rPr>
+              <a:t> </a:t>
+            </a:r>
+            <a:r>
+              <a:rPr lang="en-US" sz="1800" b="1" dirty="0" err="1">
+                <a:solidFill>
+                  <a:schemeClr val="bg1">
+                    <a:lumMod val="75000"/>
+                  </a:schemeClr>
+                </a:solidFill>
+              </a:rPr>
+              <a:t>đồ</a:t>
+            </a:r>
+            <a:r>
+              <a:rPr lang="en-US" sz="1800" b="1" dirty="0">
+                <a:solidFill>
+                  <a:schemeClr val="bg1">
+                    <a:lumMod val="75000"/>
+                  </a:schemeClr>
+                </a:solidFill>
+              </a:rPr>
+              <a:t> ca </a:t>
+            </a:r>
+            <a:r>
+              <a:rPr lang="en-US" sz="1800" b="1" dirty="0" err="1">
+                <a:solidFill>
+                  <a:schemeClr val="bg1">
+                    <a:lumMod val="75000"/>
+                  </a:schemeClr>
+                </a:solidFill>
+              </a:rPr>
+              <a:t>sử</a:t>
+            </a:r>
+            <a:r>
+              <a:rPr lang="en-US" sz="1800" b="1" dirty="0">
+                <a:solidFill>
+                  <a:schemeClr val="bg1">
+                    <a:lumMod val="75000"/>
+                  </a:schemeClr>
+                </a:solidFill>
+              </a:rPr>
+              <a:t> </a:t>
+            </a:r>
+            <a:r>
+              <a:rPr lang="en-US" sz="1800" b="1" dirty="0" err="1">
+                <a:solidFill>
+                  <a:schemeClr val="bg1">
+                    <a:lumMod val="75000"/>
+                  </a:schemeClr>
+                </a:solidFill>
+              </a:rPr>
+              <a:t>dụng</a:t>
+            </a:r>
+            <a:endParaRPr dirty="0">
+              <a:solidFill>
+                <a:schemeClr val="bg1">
+                  <a:lumMod val="75000"/>
+                </a:schemeClr>
+              </a:solidFill>
+            </a:endParaRPr>
+          </a:p>
+        </p:txBody>
+      </p:sp>
+      <p:sp>
+        <p:nvSpPr>
+          <p:cNvPr id="6" name="Google Shape;162;p3">
+            <a:extLst>
+              <a:ext uri="{FF2B5EF4-FFF2-40B4-BE49-F238E27FC236}">
+                <a16:creationId xmlns="" xmlns:a16="http://schemas.microsoft.com/office/drawing/2014/main" id="{8346D467-0818-4BB1-B738-520AB69689D2}"/>
+              </a:ext>
+            </a:extLst>
+          </p:cNvPr>
+          <p:cNvSpPr/>
+          <p:nvPr/>
+        </p:nvSpPr>
+        <p:spPr>
+          <a:xfrm>
+            <a:off x="1871782" y="1108747"/>
+            <a:ext cx="5168900" cy="508000"/>
+          </a:xfrm>
+          <a:prstGeom prst="roundRect">
+            <a:avLst>
+              <a:gd name="adj" fmla="val 50000"/>
+            </a:avLst>
+          </a:prstGeom>
+          <a:noFill/>
+          <a:ln w="28575" cap="flat" cmpd="sng">
+            <a:solidFill>
+              <a:schemeClr val="lt2"/>
+            </a:solidFill>
+            <a:prstDash val="solid"/>
+            <a:round/>
+            <a:headEnd type="none" w="sm" len="sm"/>
+            <a:tailEnd type="none" w="sm" len="sm"/>
+          </a:ln>
+        </p:spPr>
+        <p:txBody>
+          <a:bodyPr spcFirstLastPara="1" wrap="square" lIns="91425" tIns="45700" rIns="91425" bIns="45700" anchor="ctr" anchorCtr="0">
+            <a:noAutofit/>
+          </a:bodyPr>
+          <a:lstStyle/>
+          <a:p>
+            <a:pPr marL="0" marR="0" lvl="0" indent="0" algn="l" rtl="0">
+              <a:spcBef>
+                <a:spcPts val="0"/>
+              </a:spcBef>
+              <a:spcAft>
+                <a:spcPts val="0"/>
+              </a:spcAft>
+              <a:buNone/>
+            </a:pPr>
+            <a:r>
+              <a:rPr lang="en-US" sz="1800" b="1" dirty="0" err="1">
+                <a:solidFill>
+                  <a:schemeClr val="bg1">
+                    <a:lumMod val="85000"/>
+                  </a:schemeClr>
+                </a:solidFill>
+              </a:rPr>
+              <a:t>Khái</a:t>
+            </a:r>
+            <a:r>
+              <a:rPr lang="en-US" sz="1800" b="1" dirty="0">
+                <a:solidFill>
+                  <a:schemeClr val="bg1">
+                    <a:lumMod val="85000"/>
+                  </a:schemeClr>
+                </a:solidFill>
+              </a:rPr>
+              <a:t> </a:t>
+            </a:r>
+            <a:r>
+              <a:rPr lang="en-US" sz="1800" b="1" dirty="0" err="1">
+                <a:solidFill>
+                  <a:schemeClr val="bg1">
+                    <a:lumMod val="85000"/>
+                  </a:schemeClr>
+                </a:solidFill>
+              </a:rPr>
+              <a:t>niệm</a:t>
+            </a:r>
+            <a:endParaRPr dirty="0">
+              <a:solidFill>
+                <a:schemeClr val="bg1">
+                  <a:lumMod val="85000"/>
+                </a:schemeClr>
+              </a:solidFill>
+            </a:endParaRPr>
+          </a:p>
+        </p:txBody>
+      </p:sp>
+      <p:grpSp>
+        <p:nvGrpSpPr>
+          <p:cNvPr id="7" name="Google Shape;163;p3">
+            <a:extLst>
+              <a:ext uri="{FF2B5EF4-FFF2-40B4-BE49-F238E27FC236}">
+                <a16:creationId xmlns="" xmlns:a16="http://schemas.microsoft.com/office/drawing/2014/main" id="{E6817529-B90C-413A-9AC9-DEF483BD0901}"/>
+              </a:ext>
+            </a:extLst>
+          </p:cNvPr>
+          <p:cNvGrpSpPr/>
+          <p:nvPr/>
+        </p:nvGrpSpPr>
+        <p:grpSpPr>
+          <a:xfrm>
+            <a:off x="1472079" y="1154995"/>
+            <a:ext cx="381000" cy="381000"/>
+            <a:chOff x="2078" y="1680"/>
+            <a:chExt cx="1615" cy="1615"/>
+          </a:xfrm>
+        </p:grpSpPr>
+        <p:sp>
+          <p:nvSpPr>
+            <p:cNvPr id="8" name="Google Shape;164;p3">
+              <a:extLst>
+                <a:ext uri="{FF2B5EF4-FFF2-40B4-BE49-F238E27FC236}">
+                  <a16:creationId xmlns="" xmlns:a16="http://schemas.microsoft.com/office/drawing/2014/main" id="{CD8DC5DD-3B99-41B2-A229-89BF2B48B3EF}"/>
+                </a:ext>
+              </a:extLst>
+            </p:cNvPr>
+            <p:cNvSpPr/>
+            <p:nvPr/>
+          </p:nvSpPr>
+          <p:spPr>
+            <a:xfrm>
+              <a:off x="2078" y="1680"/>
+              <a:ext cx="1615" cy="1615"/>
+            </a:xfrm>
+            <a:prstGeom prst="ellipse">
+              <a:avLst/>
+            </a:prstGeom>
+            <a:gradFill>
+              <a:gsLst>
+                <a:gs pos="0">
+                  <a:srgbClr val="B3B3B3"/>
+                </a:gs>
+                <a:gs pos="50000">
+                  <a:srgbClr val="FFFFFF"/>
+                </a:gs>
+                <a:gs pos="100000">
+                  <a:srgbClr val="B3B3B3"/>
+                </a:gs>
+              </a:gsLst>
+              <a:lin ang="5400000" scaled="0"/>
+            </a:gradFill>
+            <a:ln>
+              <a:noFill/>
+            </a:ln>
+          </p:spPr>
+          <p:txBody>
+            <a:bodyPr spcFirstLastPara="1" wrap="square" lIns="91425" tIns="45700" rIns="91425" bIns="45700" anchor="ctr" anchorCtr="0">
+              <a:noAutofit/>
+            </a:bodyPr>
+            <a:lstStyle/>
+            <a:p>
+              <a:pPr marL="0" marR="0" lvl="0" indent="0" algn="l" rtl="0">
+                <a:spcBef>
+                  <a:spcPts val="0"/>
+                </a:spcBef>
+                <a:spcAft>
+                  <a:spcPts val="0"/>
+                </a:spcAft>
+                <a:buNone/>
+              </a:pPr>
+              <a:endParaRPr sz="1800">
+                <a:solidFill>
+                  <a:schemeClr val="dk1"/>
+                </a:solidFill>
+                <a:latin typeface="Calibri"/>
+                <a:ea typeface="Calibri"/>
+                <a:cs typeface="Calibri"/>
+                <a:sym typeface="Calibri"/>
+              </a:endParaRPr>
+            </a:p>
+          </p:txBody>
+        </p:sp>
+        <p:sp>
+          <p:nvSpPr>
+            <p:cNvPr id="9" name="Google Shape;165;p3">
+              <a:extLst>
+                <a:ext uri="{FF2B5EF4-FFF2-40B4-BE49-F238E27FC236}">
+                  <a16:creationId xmlns="" xmlns:a16="http://schemas.microsoft.com/office/drawing/2014/main" id="{C017C226-E0AD-4882-849A-AA8CC8981B64}"/>
+                </a:ext>
+              </a:extLst>
+            </p:cNvPr>
+            <p:cNvSpPr/>
+            <p:nvPr/>
+          </p:nvSpPr>
+          <p:spPr>
+            <a:xfrm>
+              <a:off x="2170" y="1771"/>
+              <a:ext cx="1430" cy="1430"/>
+            </a:xfrm>
+            <a:prstGeom prst="ellipse">
+              <a:avLst/>
+            </a:prstGeom>
+            <a:gradFill>
+              <a:gsLst>
+                <a:gs pos="0">
+                  <a:srgbClr val="CFCFCF"/>
+                </a:gs>
+                <a:gs pos="50000">
+                  <a:srgbClr val="FFFFFF"/>
+                </a:gs>
+                <a:gs pos="100000">
+                  <a:srgbClr val="CFCFCF"/>
+                </a:gs>
+              </a:gsLst>
+              <a:lin ang="0" scaled="0"/>
+            </a:gradFill>
+            <a:ln>
+              <a:noFill/>
+            </a:ln>
+          </p:spPr>
+          <p:txBody>
+            <a:bodyPr spcFirstLastPara="1" wrap="square" lIns="91425" tIns="45700" rIns="91425" bIns="45700" anchor="ctr" anchorCtr="0">
+              <a:noAutofit/>
+            </a:bodyPr>
+            <a:lstStyle/>
+            <a:p>
+              <a:pPr marL="0" marR="0" lvl="0" indent="0" algn="l" rtl="0">
+                <a:spcBef>
+                  <a:spcPts val="0"/>
+                </a:spcBef>
+                <a:spcAft>
+                  <a:spcPts val="0"/>
+                </a:spcAft>
+                <a:buNone/>
+              </a:pPr>
+              <a:endParaRPr sz="1800">
+                <a:solidFill>
+                  <a:schemeClr val="dk1"/>
+                </a:solidFill>
+                <a:latin typeface="Calibri"/>
+                <a:ea typeface="Calibri"/>
+                <a:cs typeface="Calibri"/>
+                <a:sym typeface="Calibri"/>
+              </a:endParaRPr>
+            </a:p>
+          </p:txBody>
+        </p:sp>
+        <p:sp>
+          <p:nvSpPr>
+            <p:cNvPr id="10" name="Google Shape;166;p3">
+              <a:extLst>
+                <a:ext uri="{FF2B5EF4-FFF2-40B4-BE49-F238E27FC236}">
+                  <a16:creationId xmlns="" xmlns:a16="http://schemas.microsoft.com/office/drawing/2014/main" id="{75F9A301-236C-4C49-BCCB-53175FC5D4E5}"/>
+                </a:ext>
+              </a:extLst>
+            </p:cNvPr>
+            <p:cNvSpPr/>
+            <p:nvPr/>
+          </p:nvSpPr>
+          <p:spPr>
+            <a:xfrm>
+              <a:off x="2254" y="1856"/>
+              <a:ext cx="1262" cy="1264"/>
+            </a:xfrm>
+            <a:prstGeom prst="ellipse">
+              <a:avLst/>
+            </a:prstGeom>
+            <a:gradFill>
+              <a:gsLst>
+                <a:gs pos="0">
+                  <a:srgbClr val="FFFFFF"/>
+                </a:gs>
+                <a:gs pos="50000">
+                  <a:schemeClr val="hlink"/>
+                </a:gs>
+                <a:gs pos="100000">
+                  <a:srgbClr val="FFFFFF"/>
+                </a:gs>
+              </a:gsLst>
+              <a:lin ang="2700000" scaled="0"/>
+            </a:gradFill>
+            <a:ln>
+              <a:noFill/>
+            </a:ln>
+          </p:spPr>
+          <p:txBody>
+            <a:bodyPr spcFirstLastPara="1" wrap="square" lIns="91425" tIns="45700" rIns="91425" bIns="45700" anchor="ctr" anchorCtr="0">
+              <a:spAutoFit/>
+            </a:bodyPr>
+            <a:lstStyle/>
+            <a:p>
+              <a:pPr marL="0" marR="0" lvl="0" indent="0" algn="l" rtl="0">
+                <a:spcBef>
+                  <a:spcPts val="0"/>
+                </a:spcBef>
+                <a:spcAft>
+                  <a:spcPts val="0"/>
+                </a:spcAft>
+                <a:buNone/>
+              </a:pPr>
+              <a:endParaRPr sz="1800">
+                <a:solidFill>
+                  <a:schemeClr val="dk1"/>
+                </a:solidFill>
+                <a:latin typeface="Calibri"/>
+                <a:ea typeface="Calibri"/>
+                <a:cs typeface="Calibri"/>
+                <a:sym typeface="Calibri"/>
+              </a:endParaRPr>
+            </a:p>
+          </p:txBody>
+        </p:sp>
+        <p:sp>
+          <p:nvSpPr>
+            <p:cNvPr id="11" name="Google Shape;167;p3">
+              <a:extLst>
+                <a:ext uri="{FF2B5EF4-FFF2-40B4-BE49-F238E27FC236}">
+                  <a16:creationId xmlns="" xmlns:a16="http://schemas.microsoft.com/office/drawing/2014/main" id="{F77C696C-2CEC-402A-8806-BB4568020B0F}"/>
+                </a:ext>
+              </a:extLst>
+            </p:cNvPr>
+            <p:cNvSpPr/>
+            <p:nvPr/>
+          </p:nvSpPr>
+          <p:spPr>
+            <a:xfrm>
+              <a:off x="2254" y="1856"/>
+              <a:ext cx="1262" cy="1264"/>
+            </a:xfrm>
+            <a:prstGeom prst="ellipse">
+              <a:avLst/>
+            </a:prstGeom>
+            <a:gradFill>
+              <a:gsLst>
+                <a:gs pos="0">
+                  <a:srgbClr val="000000"/>
+                </a:gs>
+                <a:gs pos="100000">
+                  <a:srgbClr val="FFCC00"/>
+                </a:gs>
+              </a:gsLst>
+              <a:lin ang="2700000" scaled="0"/>
+            </a:gradFill>
+            <a:ln>
+              <a:noFill/>
+            </a:ln>
+          </p:spPr>
+          <p:txBody>
+            <a:bodyPr spcFirstLastPara="1" wrap="square" lIns="91425" tIns="45700" rIns="91425" bIns="45700" anchor="ctr" anchorCtr="0">
+              <a:spAutoFit/>
+            </a:bodyPr>
+            <a:lstStyle/>
+            <a:p>
+              <a:pPr marL="0" marR="0" lvl="0" indent="0" algn="l" rtl="0">
+                <a:spcBef>
+                  <a:spcPts val="0"/>
+                </a:spcBef>
+                <a:spcAft>
+                  <a:spcPts val="0"/>
+                </a:spcAft>
+                <a:buNone/>
+              </a:pPr>
+              <a:endParaRPr sz="1800">
+                <a:solidFill>
+                  <a:schemeClr val="dk1"/>
+                </a:solidFill>
+                <a:latin typeface="Calibri"/>
+                <a:ea typeface="Calibri"/>
+                <a:cs typeface="Calibri"/>
+                <a:sym typeface="Calibri"/>
+              </a:endParaRPr>
+            </a:p>
+          </p:txBody>
+        </p:sp>
+        <p:sp>
+          <p:nvSpPr>
+            <p:cNvPr id="12" name="Google Shape;168;p3">
+              <a:extLst>
+                <a:ext uri="{FF2B5EF4-FFF2-40B4-BE49-F238E27FC236}">
+                  <a16:creationId xmlns="" xmlns:a16="http://schemas.microsoft.com/office/drawing/2014/main" id="{FC3AA40F-CC6D-443D-AC0B-D1924CDC946A}"/>
+                </a:ext>
+              </a:extLst>
+            </p:cNvPr>
+            <p:cNvSpPr/>
+            <p:nvPr/>
+          </p:nvSpPr>
+          <p:spPr>
+            <a:xfrm>
+              <a:off x="2337" y="1939"/>
+              <a:ext cx="1096" cy="1098"/>
+            </a:xfrm>
+            <a:prstGeom prst="ellipse">
+              <a:avLst/>
+            </a:prstGeom>
+            <a:gradFill>
+              <a:gsLst>
+                <a:gs pos="0">
+                  <a:srgbClr val="034A91"/>
+                </a:gs>
+                <a:gs pos="50000">
+                  <a:schemeClr val="hlink"/>
+                </a:gs>
+                <a:gs pos="100000">
+                  <a:srgbClr val="034A91"/>
+                </a:gs>
+              </a:gsLst>
+              <a:lin ang="18900000" scaled="0"/>
+            </a:gradFill>
+            <a:ln>
+              <a:noFill/>
+            </a:ln>
+          </p:spPr>
+          <p:txBody>
+            <a:bodyPr spcFirstLastPara="1" wrap="square" lIns="91425" tIns="45700" rIns="91425" bIns="45700" anchor="ctr" anchorCtr="0">
+              <a:spAutoFit/>
+            </a:bodyPr>
+            <a:lstStyle/>
+            <a:p>
+              <a:pPr marL="0" marR="0" lvl="0" indent="0" algn="l" rtl="0">
+                <a:spcBef>
+                  <a:spcPts val="0"/>
+                </a:spcBef>
+                <a:spcAft>
+                  <a:spcPts val="0"/>
+                </a:spcAft>
+                <a:buNone/>
+              </a:pPr>
+              <a:endParaRPr sz="1800">
+                <a:solidFill>
+                  <a:schemeClr val="dk1"/>
+                </a:solidFill>
+                <a:latin typeface="Calibri"/>
+                <a:ea typeface="Calibri"/>
+                <a:cs typeface="Calibri"/>
+                <a:sym typeface="Calibri"/>
+              </a:endParaRPr>
+            </a:p>
+          </p:txBody>
+        </p:sp>
+        <p:sp>
+          <p:nvSpPr>
+            <p:cNvPr id="13" name="Google Shape;169;p3">
+              <a:extLst>
+                <a:ext uri="{FF2B5EF4-FFF2-40B4-BE49-F238E27FC236}">
+                  <a16:creationId xmlns="" xmlns:a16="http://schemas.microsoft.com/office/drawing/2014/main" id="{7D710282-E9D5-4F6D-B0AB-FECCD670DAB3}"/>
+                </a:ext>
+              </a:extLst>
+            </p:cNvPr>
+            <p:cNvSpPr/>
+            <p:nvPr/>
+          </p:nvSpPr>
+          <p:spPr>
+            <a:xfrm>
+              <a:off x="2337" y="1939"/>
+              <a:ext cx="1096" cy="1098"/>
+            </a:xfrm>
+            <a:prstGeom prst="ellipse">
+              <a:avLst/>
+            </a:prstGeom>
+            <a:gradFill>
+              <a:gsLst>
+                <a:gs pos="0">
+                  <a:srgbClr val="FFCC00"/>
+                </a:gs>
+                <a:gs pos="100000">
+                  <a:srgbClr val="B79200"/>
+                </a:gs>
+              </a:gsLst>
+              <a:lin ang="2700000" scaled="0"/>
+            </a:gradFill>
+            <a:ln>
+              <a:noFill/>
+            </a:ln>
+          </p:spPr>
+          <p:txBody>
+            <a:bodyPr spcFirstLastPara="1" wrap="square" lIns="91425" tIns="45700" rIns="91425" bIns="45700" anchor="ctr" anchorCtr="0">
+              <a:spAutoFit/>
+            </a:bodyPr>
+            <a:lstStyle/>
+            <a:p>
+              <a:pPr marL="0" marR="0" lvl="0" indent="0" algn="l" rtl="0">
+                <a:spcBef>
+                  <a:spcPts val="0"/>
+                </a:spcBef>
+                <a:spcAft>
+                  <a:spcPts val="0"/>
+                </a:spcAft>
+                <a:buNone/>
+              </a:pPr>
+              <a:endParaRPr sz="1800">
+                <a:solidFill>
+                  <a:schemeClr val="dk1"/>
+                </a:solidFill>
+                <a:latin typeface="Calibri"/>
+                <a:ea typeface="Calibri"/>
+                <a:cs typeface="Calibri"/>
+                <a:sym typeface="Calibri"/>
+              </a:endParaRPr>
+            </a:p>
+          </p:txBody>
+        </p:sp>
+      </p:grpSp>
+      <p:grpSp>
+        <p:nvGrpSpPr>
+          <p:cNvPr id="14" name="Google Shape;170;p3">
+            <a:extLst>
+              <a:ext uri="{FF2B5EF4-FFF2-40B4-BE49-F238E27FC236}">
+                <a16:creationId xmlns="" xmlns:a16="http://schemas.microsoft.com/office/drawing/2014/main" id="{35CBE95F-DF17-4BFB-B9A1-8484F5E5DA71}"/>
+              </a:ext>
+            </a:extLst>
+          </p:cNvPr>
+          <p:cNvGrpSpPr/>
+          <p:nvPr/>
+        </p:nvGrpSpPr>
+        <p:grpSpPr>
+          <a:xfrm>
+            <a:off x="2344698" y="2467986"/>
+            <a:ext cx="381000" cy="381000"/>
+            <a:chOff x="2078" y="1680"/>
+            <a:chExt cx="1615" cy="1615"/>
+          </a:xfrm>
+        </p:grpSpPr>
+        <p:sp>
+          <p:nvSpPr>
+            <p:cNvPr id="15" name="Google Shape;171;p3">
+              <a:extLst>
+                <a:ext uri="{FF2B5EF4-FFF2-40B4-BE49-F238E27FC236}">
+                  <a16:creationId xmlns="" xmlns:a16="http://schemas.microsoft.com/office/drawing/2014/main" id="{97D024F6-9B4B-40B8-B5AB-6A7A00073769}"/>
+                </a:ext>
+              </a:extLst>
+            </p:cNvPr>
+            <p:cNvSpPr/>
+            <p:nvPr/>
+          </p:nvSpPr>
+          <p:spPr>
+            <a:xfrm>
+              <a:off x="2078" y="1680"/>
+              <a:ext cx="1615" cy="1615"/>
+            </a:xfrm>
+            <a:prstGeom prst="ellipse">
+              <a:avLst/>
+            </a:prstGeom>
+            <a:gradFill>
+              <a:gsLst>
+                <a:gs pos="0">
+                  <a:srgbClr val="B3B3B3"/>
+                </a:gs>
+                <a:gs pos="50000">
+                  <a:srgbClr val="FFFFFF"/>
+                </a:gs>
+                <a:gs pos="100000">
+                  <a:srgbClr val="B3B3B3"/>
+                </a:gs>
+              </a:gsLst>
+              <a:lin ang="5400000" scaled="0"/>
+            </a:gradFill>
+            <a:ln>
+              <a:noFill/>
+            </a:ln>
+          </p:spPr>
+          <p:txBody>
+            <a:bodyPr spcFirstLastPara="1" wrap="square" lIns="91425" tIns="45700" rIns="91425" bIns="45700" anchor="ctr" anchorCtr="0">
+              <a:noAutofit/>
+            </a:bodyPr>
+            <a:lstStyle/>
+            <a:p>
+              <a:pPr marL="0" marR="0" lvl="0" indent="0" algn="l" rtl="0">
+                <a:spcBef>
+                  <a:spcPts val="0"/>
+                </a:spcBef>
+                <a:spcAft>
+                  <a:spcPts val="0"/>
+                </a:spcAft>
+                <a:buNone/>
+              </a:pPr>
+              <a:endParaRPr sz="1800">
+                <a:solidFill>
+                  <a:schemeClr val="dk1"/>
+                </a:solidFill>
+                <a:latin typeface="Calibri"/>
+                <a:ea typeface="Calibri"/>
+                <a:cs typeface="Calibri"/>
+                <a:sym typeface="Calibri"/>
+              </a:endParaRPr>
+            </a:p>
+          </p:txBody>
+        </p:sp>
+        <p:sp>
+          <p:nvSpPr>
+            <p:cNvPr id="16" name="Google Shape;172;p3">
+              <a:extLst>
+                <a:ext uri="{FF2B5EF4-FFF2-40B4-BE49-F238E27FC236}">
+                  <a16:creationId xmlns="" xmlns:a16="http://schemas.microsoft.com/office/drawing/2014/main" id="{38C7AB3B-C1DA-42E8-B39A-50CEB18A7FD3}"/>
+                </a:ext>
+              </a:extLst>
+            </p:cNvPr>
+            <p:cNvSpPr/>
+            <p:nvPr/>
+          </p:nvSpPr>
+          <p:spPr>
+            <a:xfrm>
+              <a:off x="2170" y="1771"/>
+              <a:ext cx="1430" cy="1430"/>
+            </a:xfrm>
+            <a:prstGeom prst="ellipse">
+              <a:avLst/>
+            </a:prstGeom>
+            <a:gradFill>
+              <a:gsLst>
+                <a:gs pos="0">
+                  <a:srgbClr val="CFCFCF"/>
+                </a:gs>
+                <a:gs pos="50000">
+                  <a:srgbClr val="FFFFFF"/>
+                </a:gs>
+                <a:gs pos="100000">
+                  <a:srgbClr val="CFCFCF"/>
+                </a:gs>
+              </a:gsLst>
+              <a:lin ang="0" scaled="0"/>
+            </a:gradFill>
+            <a:ln>
+              <a:noFill/>
+            </a:ln>
+          </p:spPr>
+          <p:txBody>
+            <a:bodyPr spcFirstLastPara="1" wrap="square" lIns="91425" tIns="45700" rIns="91425" bIns="45700" anchor="ctr" anchorCtr="0">
+              <a:noAutofit/>
+            </a:bodyPr>
+            <a:lstStyle/>
+            <a:p>
+              <a:pPr marL="0" marR="0" lvl="0" indent="0" algn="l" rtl="0">
+                <a:spcBef>
+                  <a:spcPts val="0"/>
+                </a:spcBef>
+                <a:spcAft>
+                  <a:spcPts val="0"/>
+                </a:spcAft>
+                <a:buNone/>
+              </a:pPr>
+              <a:endParaRPr sz="1800">
+                <a:solidFill>
+                  <a:schemeClr val="dk1"/>
+                </a:solidFill>
+                <a:latin typeface="Calibri"/>
+                <a:ea typeface="Calibri"/>
+                <a:cs typeface="Calibri"/>
+                <a:sym typeface="Calibri"/>
+              </a:endParaRPr>
+            </a:p>
+          </p:txBody>
+        </p:sp>
+        <p:sp>
+          <p:nvSpPr>
+            <p:cNvPr id="17" name="Google Shape;173;p3">
+              <a:extLst>
+                <a:ext uri="{FF2B5EF4-FFF2-40B4-BE49-F238E27FC236}">
+                  <a16:creationId xmlns="" xmlns:a16="http://schemas.microsoft.com/office/drawing/2014/main" id="{788C0B6D-3B41-4DB0-A5A3-2ECF5752D173}"/>
+                </a:ext>
+              </a:extLst>
+            </p:cNvPr>
+            <p:cNvSpPr/>
+            <p:nvPr/>
+          </p:nvSpPr>
+          <p:spPr>
+            <a:xfrm>
+              <a:off x="2254" y="1856"/>
+              <a:ext cx="1262" cy="1264"/>
+            </a:xfrm>
+            <a:prstGeom prst="ellipse">
+              <a:avLst/>
+            </a:prstGeom>
+            <a:gradFill>
+              <a:gsLst>
+                <a:gs pos="0">
+                  <a:srgbClr val="FFFFFF"/>
+                </a:gs>
+                <a:gs pos="50000">
+                  <a:schemeClr val="hlink"/>
+                </a:gs>
+                <a:gs pos="100000">
+                  <a:srgbClr val="FFFFFF"/>
+                </a:gs>
+              </a:gsLst>
+              <a:lin ang="2700000" scaled="0"/>
+            </a:gradFill>
+            <a:ln>
+              <a:noFill/>
+            </a:ln>
+          </p:spPr>
+          <p:txBody>
+            <a:bodyPr spcFirstLastPara="1" wrap="square" lIns="91425" tIns="45700" rIns="91425" bIns="45700" anchor="ctr" anchorCtr="0">
+              <a:spAutoFit/>
+            </a:bodyPr>
+            <a:lstStyle/>
+            <a:p>
+              <a:pPr marL="0" marR="0" lvl="0" indent="0" algn="l" rtl="0">
+                <a:spcBef>
+                  <a:spcPts val="0"/>
+                </a:spcBef>
+                <a:spcAft>
+                  <a:spcPts val="0"/>
+                </a:spcAft>
+                <a:buNone/>
+              </a:pPr>
+              <a:endParaRPr sz="1800">
+                <a:solidFill>
+                  <a:schemeClr val="dk1"/>
+                </a:solidFill>
+                <a:latin typeface="Calibri"/>
+                <a:ea typeface="Calibri"/>
+                <a:cs typeface="Calibri"/>
+                <a:sym typeface="Calibri"/>
+              </a:endParaRPr>
+            </a:p>
+          </p:txBody>
+        </p:sp>
+        <p:sp>
+          <p:nvSpPr>
+            <p:cNvPr id="18" name="Google Shape;174;p3">
+              <a:extLst>
+                <a:ext uri="{FF2B5EF4-FFF2-40B4-BE49-F238E27FC236}">
+                  <a16:creationId xmlns="" xmlns:a16="http://schemas.microsoft.com/office/drawing/2014/main" id="{F448598D-8D67-49F6-9398-10E03BE88126}"/>
+                </a:ext>
+              </a:extLst>
+            </p:cNvPr>
+            <p:cNvSpPr/>
+            <p:nvPr/>
+          </p:nvSpPr>
+          <p:spPr>
+            <a:xfrm>
+              <a:off x="2254" y="1856"/>
+              <a:ext cx="1262" cy="1264"/>
+            </a:xfrm>
+            <a:prstGeom prst="ellipse">
+              <a:avLst/>
+            </a:prstGeom>
+            <a:gradFill>
+              <a:gsLst>
+                <a:gs pos="0">
+                  <a:srgbClr val="000000"/>
+                </a:gs>
+                <a:gs pos="100000">
+                  <a:srgbClr val="48BE67"/>
+                </a:gs>
+              </a:gsLst>
+              <a:lin ang="2700000" scaled="0"/>
+            </a:gradFill>
+            <a:ln>
+              <a:noFill/>
+            </a:ln>
+          </p:spPr>
+          <p:txBody>
+            <a:bodyPr spcFirstLastPara="1" wrap="square" lIns="91425" tIns="45700" rIns="91425" bIns="45700" anchor="ctr" anchorCtr="0">
+              <a:spAutoFit/>
+            </a:bodyPr>
+            <a:lstStyle/>
+            <a:p>
+              <a:pPr marL="0" marR="0" lvl="0" indent="0" algn="l" rtl="0">
+                <a:spcBef>
+                  <a:spcPts val="0"/>
+                </a:spcBef>
+                <a:spcAft>
+                  <a:spcPts val="0"/>
+                </a:spcAft>
+                <a:buNone/>
+              </a:pPr>
+              <a:endParaRPr sz="1800">
+                <a:solidFill>
+                  <a:schemeClr val="dk1"/>
+                </a:solidFill>
+                <a:latin typeface="Calibri"/>
+                <a:ea typeface="Calibri"/>
+                <a:cs typeface="Calibri"/>
+                <a:sym typeface="Calibri"/>
+              </a:endParaRPr>
+            </a:p>
+          </p:txBody>
+        </p:sp>
+        <p:sp>
+          <p:nvSpPr>
+            <p:cNvPr id="19" name="Google Shape;175;p3">
+              <a:extLst>
+                <a:ext uri="{FF2B5EF4-FFF2-40B4-BE49-F238E27FC236}">
+                  <a16:creationId xmlns="" xmlns:a16="http://schemas.microsoft.com/office/drawing/2014/main" id="{FE3DB652-DBB6-428F-AF8F-FE4E6E47FCDA}"/>
+                </a:ext>
+              </a:extLst>
+            </p:cNvPr>
+            <p:cNvSpPr/>
+            <p:nvPr/>
+          </p:nvSpPr>
+          <p:spPr>
+            <a:xfrm>
+              <a:off x="2337" y="1939"/>
+              <a:ext cx="1096" cy="1098"/>
+            </a:xfrm>
+            <a:prstGeom prst="ellipse">
+              <a:avLst/>
+            </a:prstGeom>
+            <a:gradFill>
+              <a:gsLst>
+                <a:gs pos="0">
+                  <a:srgbClr val="034A91"/>
+                </a:gs>
+                <a:gs pos="50000">
+                  <a:schemeClr val="hlink"/>
+                </a:gs>
+                <a:gs pos="100000">
+                  <a:srgbClr val="034A91"/>
+                </a:gs>
+              </a:gsLst>
+              <a:lin ang="18900000" scaled="0"/>
+            </a:gradFill>
+            <a:ln>
+              <a:noFill/>
+            </a:ln>
+          </p:spPr>
+          <p:txBody>
+            <a:bodyPr spcFirstLastPara="1" wrap="square" lIns="91425" tIns="45700" rIns="91425" bIns="45700" anchor="ctr" anchorCtr="0">
+              <a:spAutoFit/>
+            </a:bodyPr>
+            <a:lstStyle/>
+            <a:p>
+              <a:pPr marL="0" marR="0" lvl="0" indent="0" algn="l" rtl="0">
+                <a:spcBef>
+                  <a:spcPts val="0"/>
+                </a:spcBef>
+                <a:spcAft>
+                  <a:spcPts val="0"/>
+                </a:spcAft>
+                <a:buNone/>
+              </a:pPr>
+              <a:endParaRPr sz="1800">
+                <a:solidFill>
+                  <a:schemeClr val="dk1"/>
+                </a:solidFill>
+                <a:latin typeface="Calibri"/>
+                <a:ea typeface="Calibri"/>
+                <a:cs typeface="Calibri"/>
+                <a:sym typeface="Calibri"/>
+              </a:endParaRPr>
+            </a:p>
+          </p:txBody>
+        </p:sp>
+        <p:sp>
+          <p:nvSpPr>
+            <p:cNvPr id="20" name="Google Shape;176;p3">
+              <a:extLst>
+                <a:ext uri="{FF2B5EF4-FFF2-40B4-BE49-F238E27FC236}">
+                  <a16:creationId xmlns="" xmlns:a16="http://schemas.microsoft.com/office/drawing/2014/main" id="{C63266FA-6470-4ABD-ABB4-CC199C4B6724}"/>
+                </a:ext>
+              </a:extLst>
+            </p:cNvPr>
+            <p:cNvSpPr/>
+            <p:nvPr/>
+          </p:nvSpPr>
+          <p:spPr>
+            <a:xfrm>
+              <a:off x="2337" y="1939"/>
+              <a:ext cx="1096" cy="1098"/>
+            </a:xfrm>
+            <a:prstGeom prst="ellipse">
+              <a:avLst/>
+            </a:prstGeom>
+            <a:gradFill>
+              <a:gsLst>
+                <a:gs pos="0">
+                  <a:srgbClr val="48BE67"/>
+                </a:gs>
+                <a:gs pos="100000">
+                  <a:srgbClr val="33884A"/>
+                </a:gs>
+              </a:gsLst>
+              <a:lin ang="2700000" scaled="0"/>
+            </a:gradFill>
+            <a:ln>
+              <a:noFill/>
+            </a:ln>
+          </p:spPr>
+          <p:txBody>
+            <a:bodyPr spcFirstLastPara="1" wrap="square" lIns="91425" tIns="45700" rIns="91425" bIns="45700" anchor="ctr" anchorCtr="0">
+              <a:spAutoFit/>
+            </a:bodyPr>
+            <a:lstStyle/>
+            <a:p>
+              <a:pPr marL="0" marR="0" lvl="0" indent="0" algn="l" rtl="0">
+                <a:spcBef>
+                  <a:spcPts val="0"/>
+                </a:spcBef>
+                <a:spcAft>
+                  <a:spcPts val="0"/>
+                </a:spcAft>
+                <a:buNone/>
+              </a:pPr>
+              <a:endParaRPr sz="1800">
+                <a:solidFill>
+                  <a:schemeClr val="dk1"/>
+                </a:solidFill>
+                <a:latin typeface="Calibri"/>
+                <a:ea typeface="Calibri"/>
+                <a:cs typeface="Calibri"/>
+                <a:sym typeface="Calibri"/>
+              </a:endParaRPr>
+            </a:p>
+          </p:txBody>
+        </p:sp>
+      </p:grpSp>
+      <p:grpSp>
+        <p:nvGrpSpPr>
+          <p:cNvPr id="21" name="Google Shape;177;p3">
+            <a:extLst>
+              <a:ext uri="{FF2B5EF4-FFF2-40B4-BE49-F238E27FC236}">
+                <a16:creationId xmlns="" xmlns:a16="http://schemas.microsoft.com/office/drawing/2014/main" id="{D22B314E-6F17-4411-98CA-618F32D92BB9}"/>
+              </a:ext>
+            </a:extLst>
+          </p:cNvPr>
+          <p:cNvGrpSpPr/>
+          <p:nvPr/>
+        </p:nvGrpSpPr>
+        <p:grpSpPr>
+          <a:xfrm>
+            <a:off x="2448345" y="4018486"/>
+            <a:ext cx="381000" cy="381000"/>
+            <a:chOff x="2078" y="1680"/>
+            <a:chExt cx="1615" cy="1615"/>
+          </a:xfrm>
+        </p:grpSpPr>
+        <p:sp>
+          <p:nvSpPr>
+            <p:cNvPr id="22" name="Google Shape;178;p3">
+              <a:extLst>
+                <a:ext uri="{FF2B5EF4-FFF2-40B4-BE49-F238E27FC236}">
+                  <a16:creationId xmlns="" xmlns:a16="http://schemas.microsoft.com/office/drawing/2014/main" id="{55CB81FB-1632-4874-819B-EB6190CE7AE1}"/>
+                </a:ext>
+              </a:extLst>
+            </p:cNvPr>
+            <p:cNvSpPr/>
+            <p:nvPr/>
+          </p:nvSpPr>
+          <p:spPr>
+            <a:xfrm>
+              <a:off x="2078" y="1680"/>
+              <a:ext cx="1615" cy="1615"/>
+            </a:xfrm>
+            <a:prstGeom prst="ellipse">
+              <a:avLst/>
+            </a:prstGeom>
+            <a:gradFill>
+              <a:gsLst>
+                <a:gs pos="0">
+                  <a:srgbClr val="B3B3B3"/>
+                </a:gs>
+                <a:gs pos="50000">
+                  <a:srgbClr val="FFFFFF"/>
+                </a:gs>
+                <a:gs pos="100000">
+                  <a:srgbClr val="B3B3B3"/>
+                </a:gs>
+              </a:gsLst>
+              <a:lin ang="5400000" scaled="0"/>
+            </a:gradFill>
+            <a:ln>
+              <a:noFill/>
+            </a:ln>
+          </p:spPr>
+          <p:txBody>
+            <a:bodyPr spcFirstLastPara="1" wrap="square" lIns="91425" tIns="45700" rIns="91425" bIns="45700" anchor="ctr" anchorCtr="0">
+              <a:noAutofit/>
+            </a:bodyPr>
+            <a:lstStyle/>
+            <a:p>
+              <a:pPr marL="0" marR="0" lvl="0" indent="0" algn="l" rtl="0">
+                <a:spcBef>
+                  <a:spcPts val="0"/>
+                </a:spcBef>
+                <a:spcAft>
+                  <a:spcPts val="0"/>
+                </a:spcAft>
+                <a:buNone/>
+              </a:pPr>
+              <a:endParaRPr sz="1800">
+                <a:solidFill>
+                  <a:schemeClr val="dk1"/>
+                </a:solidFill>
+                <a:latin typeface="Calibri"/>
+                <a:ea typeface="Calibri"/>
+                <a:cs typeface="Calibri"/>
+                <a:sym typeface="Calibri"/>
+              </a:endParaRPr>
+            </a:p>
+          </p:txBody>
+        </p:sp>
+        <p:sp>
+          <p:nvSpPr>
+            <p:cNvPr id="23" name="Google Shape;179;p3">
+              <a:extLst>
+                <a:ext uri="{FF2B5EF4-FFF2-40B4-BE49-F238E27FC236}">
+                  <a16:creationId xmlns="" xmlns:a16="http://schemas.microsoft.com/office/drawing/2014/main" id="{FFB13F36-BE45-4401-90AD-EAB139E228C3}"/>
+                </a:ext>
+              </a:extLst>
+            </p:cNvPr>
+            <p:cNvSpPr/>
+            <p:nvPr/>
+          </p:nvSpPr>
+          <p:spPr>
+            <a:xfrm>
+              <a:off x="2170" y="1771"/>
+              <a:ext cx="1430" cy="1430"/>
+            </a:xfrm>
+            <a:prstGeom prst="ellipse">
+              <a:avLst/>
+            </a:prstGeom>
+            <a:gradFill>
+              <a:gsLst>
+                <a:gs pos="0">
+                  <a:srgbClr val="CFCFCF"/>
+                </a:gs>
+                <a:gs pos="50000">
+                  <a:srgbClr val="FFFFFF"/>
+                </a:gs>
+                <a:gs pos="100000">
+                  <a:srgbClr val="CFCFCF"/>
+                </a:gs>
+              </a:gsLst>
+              <a:lin ang="0" scaled="0"/>
+            </a:gradFill>
+            <a:ln>
+              <a:noFill/>
+            </a:ln>
+          </p:spPr>
+          <p:txBody>
+            <a:bodyPr spcFirstLastPara="1" wrap="square" lIns="91425" tIns="45700" rIns="91425" bIns="45700" anchor="ctr" anchorCtr="0">
+              <a:noAutofit/>
+            </a:bodyPr>
+            <a:lstStyle/>
+            <a:p>
+              <a:pPr marL="0" marR="0" lvl="0" indent="0" algn="l" rtl="0">
+                <a:spcBef>
+                  <a:spcPts val="0"/>
+                </a:spcBef>
+                <a:spcAft>
+                  <a:spcPts val="0"/>
+                </a:spcAft>
+                <a:buNone/>
+              </a:pPr>
+              <a:endParaRPr sz="1800">
+                <a:solidFill>
+                  <a:schemeClr val="dk1"/>
+                </a:solidFill>
+                <a:latin typeface="Calibri"/>
+                <a:ea typeface="Calibri"/>
+                <a:cs typeface="Calibri"/>
+                <a:sym typeface="Calibri"/>
+              </a:endParaRPr>
+            </a:p>
+          </p:txBody>
+        </p:sp>
+        <p:sp>
+          <p:nvSpPr>
+            <p:cNvPr id="24" name="Google Shape;180;p3">
+              <a:extLst>
+                <a:ext uri="{FF2B5EF4-FFF2-40B4-BE49-F238E27FC236}">
+                  <a16:creationId xmlns="" xmlns:a16="http://schemas.microsoft.com/office/drawing/2014/main" id="{167838BC-4629-4DA4-A2EF-7FBE40EF9E33}"/>
+                </a:ext>
+              </a:extLst>
+            </p:cNvPr>
+            <p:cNvSpPr/>
+            <p:nvPr/>
+          </p:nvSpPr>
+          <p:spPr>
+            <a:xfrm>
+              <a:off x="2254" y="1856"/>
+              <a:ext cx="1262" cy="1264"/>
+            </a:xfrm>
+            <a:prstGeom prst="ellipse">
+              <a:avLst/>
+            </a:prstGeom>
+            <a:gradFill>
+              <a:gsLst>
+                <a:gs pos="0">
+                  <a:srgbClr val="FFFFFF"/>
+                </a:gs>
+                <a:gs pos="50000">
+                  <a:schemeClr val="hlink"/>
+                </a:gs>
+                <a:gs pos="100000">
+                  <a:srgbClr val="FFFFFF"/>
+                </a:gs>
+              </a:gsLst>
+              <a:lin ang="2700000" scaled="0"/>
+            </a:gradFill>
+            <a:ln>
+              <a:noFill/>
+            </a:ln>
+          </p:spPr>
+          <p:txBody>
+            <a:bodyPr spcFirstLastPara="1" wrap="square" lIns="91425" tIns="45700" rIns="91425" bIns="45700" anchor="ctr" anchorCtr="0">
+              <a:spAutoFit/>
+            </a:bodyPr>
+            <a:lstStyle/>
+            <a:p>
+              <a:pPr marL="0" marR="0" lvl="0" indent="0" algn="l" rtl="0">
+                <a:spcBef>
+                  <a:spcPts val="0"/>
+                </a:spcBef>
+                <a:spcAft>
+                  <a:spcPts val="0"/>
+                </a:spcAft>
+                <a:buNone/>
+              </a:pPr>
+              <a:endParaRPr sz="1800">
+                <a:solidFill>
+                  <a:schemeClr val="dk1"/>
+                </a:solidFill>
+                <a:latin typeface="Calibri"/>
+                <a:ea typeface="Calibri"/>
+                <a:cs typeface="Calibri"/>
+                <a:sym typeface="Calibri"/>
+              </a:endParaRPr>
+            </a:p>
+          </p:txBody>
+        </p:sp>
+        <p:sp>
+          <p:nvSpPr>
+            <p:cNvPr id="25" name="Google Shape;181;p3">
+              <a:extLst>
+                <a:ext uri="{FF2B5EF4-FFF2-40B4-BE49-F238E27FC236}">
+                  <a16:creationId xmlns="" xmlns:a16="http://schemas.microsoft.com/office/drawing/2014/main" id="{90DF401D-45EA-4FA4-B159-3EADC52B144D}"/>
+                </a:ext>
+              </a:extLst>
+            </p:cNvPr>
+            <p:cNvSpPr/>
+            <p:nvPr/>
+          </p:nvSpPr>
+          <p:spPr>
+            <a:xfrm>
+              <a:off x="2254" y="1856"/>
+              <a:ext cx="1262" cy="1264"/>
+            </a:xfrm>
+            <a:prstGeom prst="ellipse">
+              <a:avLst/>
+            </a:prstGeom>
+            <a:gradFill>
+              <a:gsLst>
+                <a:gs pos="0">
+                  <a:srgbClr val="21B3E1"/>
+                </a:gs>
+                <a:gs pos="100000">
+                  <a:srgbClr val="177E9E"/>
+                </a:gs>
+              </a:gsLst>
+              <a:lin ang="5400000" scaled="0"/>
+            </a:gradFill>
+            <a:ln>
+              <a:noFill/>
+            </a:ln>
+          </p:spPr>
+          <p:txBody>
+            <a:bodyPr spcFirstLastPara="1" wrap="square" lIns="91425" tIns="45700" rIns="91425" bIns="45700" anchor="ctr" anchorCtr="0">
+              <a:spAutoFit/>
+            </a:bodyPr>
+            <a:lstStyle/>
+            <a:p>
+              <a:pPr marL="0" marR="0" lvl="0" indent="0" algn="l" rtl="0">
+                <a:spcBef>
+                  <a:spcPts val="0"/>
+                </a:spcBef>
+                <a:spcAft>
+                  <a:spcPts val="0"/>
+                </a:spcAft>
+                <a:buNone/>
+              </a:pPr>
+              <a:endParaRPr sz="1800">
+                <a:solidFill>
+                  <a:schemeClr val="dk1"/>
+                </a:solidFill>
+                <a:latin typeface="Calibri"/>
+                <a:ea typeface="Calibri"/>
+                <a:cs typeface="Calibri"/>
+                <a:sym typeface="Calibri"/>
+              </a:endParaRPr>
+            </a:p>
+          </p:txBody>
+        </p:sp>
+        <p:sp>
+          <p:nvSpPr>
+            <p:cNvPr id="26" name="Google Shape;182;p3">
+              <a:extLst>
+                <a:ext uri="{FF2B5EF4-FFF2-40B4-BE49-F238E27FC236}">
+                  <a16:creationId xmlns="" xmlns:a16="http://schemas.microsoft.com/office/drawing/2014/main" id="{171CDBCF-F3A3-4965-9EE0-8429AB84555F}"/>
+                </a:ext>
+              </a:extLst>
+            </p:cNvPr>
+            <p:cNvSpPr/>
+            <p:nvPr/>
+          </p:nvSpPr>
+          <p:spPr>
+            <a:xfrm>
+              <a:off x="2337" y="1939"/>
+              <a:ext cx="1096" cy="1098"/>
+            </a:xfrm>
+            <a:prstGeom prst="ellipse">
+              <a:avLst/>
+            </a:prstGeom>
+            <a:gradFill>
+              <a:gsLst>
+                <a:gs pos="0">
+                  <a:srgbClr val="034A91"/>
+                </a:gs>
+                <a:gs pos="50000">
+                  <a:schemeClr val="hlink"/>
+                </a:gs>
+                <a:gs pos="100000">
+                  <a:srgbClr val="034A91"/>
+                </a:gs>
+              </a:gsLst>
+              <a:lin ang="18900000" scaled="0"/>
+            </a:gradFill>
+            <a:ln>
+              <a:noFill/>
+            </a:ln>
+          </p:spPr>
+          <p:txBody>
+            <a:bodyPr spcFirstLastPara="1" wrap="square" lIns="91425" tIns="45700" rIns="91425" bIns="45700" anchor="ctr" anchorCtr="0">
+              <a:spAutoFit/>
+            </a:bodyPr>
+            <a:lstStyle/>
+            <a:p>
+              <a:pPr marL="0" marR="0" lvl="0" indent="0" algn="l" rtl="0">
+                <a:spcBef>
+                  <a:spcPts val="0"/>
+                </a:spcBef>
+                <a:spcAft>
+                  <a:spcPts val="0"/>
+                </a:spcAft>
+                <a:buNone/>
+              </a:pPr>
+              <a:endParaRPr sz="1800">
+                <a:solidFill>
+                  <a:schemeClr val="dk1"/>
+                </a:solidFill>
+                <a:latin typeface="Calibri"/>
+                <a:ea typeface="Calibri"/>
+                <a:cs typeface="Calibri"/>
+                <a:sym typeface="Calibri"/>
+              </a:endParaRPr>
+            </a:p>
+          </p:txBody>
+        </p:sp>
+        <p:sp>
+          <p:nvSpPr>
+            <p:cNvPr id="27" name="Google Shape;183;p3">
+              <a:extLst>
+                <a:ext uri="{FF2B5EF4-FFF2-40B4-BE49-F238E27FC236}">
+                  <a16:creationId xmlns="" xmlns:a16="http://schemas.microsoft.com/office/drawing/2014/main" id="{23DA7BEE-153D-4848-BA56-48B79E5315C5}"/>
+                </a:ext>
+              </a:extLst>
+            </p:cNvPr>
+            <p:cNvSpPr/>
+            <p:nvPr/>
+          </p:nvSpPr>
+          <p:spPr>
+            <a:xfrm>
+              <a:off x="2337" y="1939"/>
+              <a:ext cx="1096" cy="1098"/>
+            </a:xfrm>
+            <a:prstGeom prst="ellipse">
+              <a:avLst/>
+            </a:prstGeom>
+            <a:gradFill>
+              <a:gsLst>
+                <a:gs pos="0">
+                  <a:srgbClr val="21B3E1"/>
+                </a:gs>
+                <a:gs pos="100000">
+                  <a:srgbClr val="1780A2"/>
+                </a:gs>
+              </a:gsLst>
+              <a:lin ang="2700000" scaled="0"/>
+            </a:gradFill>
+            <a:ln>
+              <a:noFill/>
+            </a:ln>
+          </p:spPr>
+          <p:txBody>
+            <a:bodyPr spcFirstLastPara="1" wrap="square" lIns="91425" tIns="45700" rIns="91425" bIns="45700" anchor="ctr" anchorCtr="0">
+              <a:spAutoFit/>
+            </a:bodyPr>
+            <a:lstStyle/>
+            <a:p>
+              <a:pPr marL="0" marR="0" lvl="0" indent="0" algn="l" rtl="0">
+                <a:spcBef>
+                  <a:spcPts val="0"/>
+                </a:spcBef>
+                <a:spcAft>
+                  <a:spcPts val="0"/>
+                </a:spcAft>
+                <a:buNone/>
+              </a:pPr>
+              <a:endParaRPr sz="1800">
+                <a:solidFill>
+                  <a:schemeClr val="dk1"/>
+                </a:solidFill>
+                <a:latin typeface="Calibri"/>
+                <a:ea typeface="Calibri"/>
+                <a:cs typeface="Calibri"/>
+                <a:sym typeface="Calibri"/>
+              </a:endParaRPr>
+            </a:p>
+          </p:txBody>
+        </p:sp>
+      </p:grpSp>
+      <p:sp>
+        <p:nvSpPr>
+          <p:cNvPr id="28" name="Google Shape;199;p3">
+            <a:extLst>
+              <a:ext uri="{FF2B5EF4-FFF2-40B4-BE49-F238E27FC236}">
+                <a16:creationId xmlns="" xmlns:a16="http://schemas.microsoft.com/office/drawing/2014/main" id="{37D92122-4633-40DD-958E-272CE043A043}"/>
+              </a:ext>
+            </a:extLst>
+          </p:cNvPr>
+          <p:cNvSpPr/>
+          <p:nvPr/>
+        </p:nvSpPr>
+        <p:spPr>
+          <a:xfrm rot="5400000">
+            <a:off x="-2403921" y="1239529"/>
+            <a:ext cx="4824413" cy="4770438"/>
+          </a:xfrm>
+          <a:custGeom>
+            <a:avLst/>
+            <a:gdLst/>
+            <a:ahLst/>
+            <a:cxnLst/>
+            <a:rect l="l" t="t" r="r" b="b"/>
+            <a:pathLst>
+              <a:path w="21600" h="21600" extrusionOk="0">
+                <a:moveTo>
+                  <a:pt x="323" y="10641"/>
+                </a:moveTo>
+                <a:cubicBezTo>
+                  <a:pt x="410" y="4916"/>
+                  <a:pt x="5075" y="321"/>
+                  <a:pt x="10800" y="322"/>
+                </a:cubicBezTo>
+                <a:cubicBezTo>
+                  <a:pt x="16524" y="322"/>
+                  <a:pt x="21189" y="4916"/>
+                  <a:pt x="21276" y="10641"/>
+                </a:cubicBezTo>
+                <a:lnTo>
+                  <a:pt x="21598" y="10636"/>
+                </a:lnTo>
+                <a:cubicBezTo>
+                  <a:pt x="21509" y="4736"/>
+                  <a:pt x="16700" y="-1"/>
+                  <a:pt x="10799" y="0"/>
+                </a:cubicBezTo>
+                <a:cubicBezTo>
+                  <a:pt x="4899" y="0"/>
+                  <a:pt x="90" y="4736"/>
+                  <a:pt x="1" y="10636"/>
+                </a:cubicBezTo>
+                <a:close/>
+              </a:path>
+            </a:pathLst>
+          </a:custGeom>
+          <a:gradFill>
+            <a:gsLst>
+              <a:gs pos="0">
+                <a:srgbClr val="F4F4F4"/>
+              </a:gs>
+              <a:gs pos="50000">
+                <a:schemeClr val="lt2"/>
+              </a:gs>
+              <a:gs pos="100000">
+                <a:srgbClr val="F4F4F4"/>
+              </a:gs>
+            </a:gsLst>
+            <a:lin ang="0" scaled="0"/>
+          </a:gradFill>
+          <a:ln w="9525" cap="flat" cmpd="sng">
+            <a:solidFill>
+              <a:srgbClr val="B3ABEF"/>
+            </a:solidFill>
+            <a:prstDash val="solid"/>
+            <a:miter lim="800000"/>
+            <a:headEnd type="none" w="sm" len="sm"/>
+            <a:tailEnd type="none" w="sm" len="sm"/>
+          </a:ln>
+        </p:spPr>
+        <p:txBody>
+          <a:bodyPr spcFirstLastPara="1" wrap="square" lIns="91425" tIns="45700" rIns="91425" bIns="45700" anchor="ctr" anchorCtr="0">
+            <a:noAutofit/>
+          </a:bodyPr>
+          <a:lstStyle/>
+          <a:p>
+            <a:pPr marL="0" marR="0" lvl="0" indent="0" algn="l" rtl="0">
+              <a:spcBef>
+                <a:spcPts val="0"/>
+              </a:spcBef>
+              <a:spcAft>
+                <a:spcPts val="0"/>
+              </a:spcAft>
+              <a:buNone/>
+            </a:pPr>
+            <a:endParaRPr sz="1800">
+              <a:solidFill>
+                <a:schemeClr val="dk1"/>
+              </a:solidFill>
+              <a:latin typeface="Calibri"/>
+              <a:ea typeface="Calibri"/>
+              <a:cs typeface="Calibri"/>
+              <a:sym typeface="Calibri"/>
+            </a:endParaRPr>
+          </a:p>
+        </p:txBody>
+      </p:sp>
+      <p:sp>
+        <p:nvSpPr>
+          <p:cNvPr id="29" name="Google Shape;200;p3">
+            <a:extLst>
+              <a:ext uri="{FF2B5EF4-FFF2-40B4-BE49-F238E27FC236}">
+                <a16:creationId xmlns="" xmlns:a16="http://schemas.microsoft.com/office/drawing/2014/main" id="{3FC5D8DF-CC66-44E6-8FE8-FE3EED0F2244}"/>
+              </a:ext>
+            </a:extLst>
+          </p:cNvPr>
+          <p:cNvSpPr/>
+          <p:nvPr/>
+        </p:nvSpPr>
+        <p:spPr>
+          <a:xfrm rot="5400000" flipH="1">
+            <a:off x="-1998313" y="1675297"/>
+            <a:ext cx="4032250" cy="3929063"/>
+          </a:xfrm>
+          <a:custGeom>
+            <a:avLst/>
+            <a:gdLst/>
+            <a:ahLst/>
+            <a:cxnLst/>
+            <a:rect l="l" t="t" r="r" b="b"/>
+            <a:pathLst>
+              <a:path w="21600" h="21600" extrusionOk="0">
+                <a:moveTo>
+                  <a:pt x="10744" y="10800"/>
+                </a:moveTo>
+                <a:cubicBezTo>
+                  <a:pt x="10744" y="10769"/>
+                  <a:pt x="10769" y="10744"/>
+                  <a:pt x="10800" y="10744"/>
+                </a:cubicBezTo>
+                <a:cubicBezTo>
+                  <a:pt x="10830" y="10743"/>
+                  <a:pt x="10855" y="10769"/>
+                  <a:pt x="10856" y="10799"/>
+                </a:cubicBezTo>
+                <a:lnTo>
+                  <a:pt x="21600" y="10800"/>
+                </a:lnTo>
+                <a:cubicBezTo>
+                  <a:pt x="21600" y="4835"/>
+                  <a:pt x="16764" y="0"/>
+                  <a:pt x="10800" y="0"/>
+                </a:cubicBezTo>
+                <a:cubicBezTo>
+                  <a:pt x="4835" y="0"/>
+                  <a:pt x="0" y="4835"/>
+                  <a:pt x="0" y="10800"/>
+                </a:cubicBezTo>
+                <a:close/>
+              </a:path>
+            </a:pathLst>
+          </a:custGeom>
+          <a:solidFill>
+            <a:srgbClr val="C1DBED"/>
+          </a:solidFill>
+          <a:ln>
+            <a:noFill/>
+          </a:ln>
+        </p:spPr>
+        <p:txBody>
+          <a:bodyPr spcFirstLastPara="1" wrap="square" lIns="91425" tIns="45700" rIns="91425" bIns="45700" anchor="ctr" anchorCtr="0">
+            <a:noAutofit/>
+          </a:bodyPr>
+          <a:lstStyle/>
+          <a:p>
+            <a:pPr marL="0" marR="0" lvl="0" indent="0" algn="l" rtl="0">
+              <a:spcBef>
+                <a:spcPts val="0"/>
+              </a:spcBef>
+              <a:spcAft>
+                <a:spcPts val="0"/>
+              </a:spcAft>
+              <a:buNone/>
+            </a:pPr>
+            <a:endParaRPr sz="1800">
+              <a:solidFill>
+                <a:schemeClr val="dk1"/>
+              </a:solidFill>
+              <a:latin typeface="Calibri"/>
+              <a:ea typeface="Calibri"/>
+              <a:cs typeface="Calibri"/>
+              <a:sym typeface="Calibri"/>
+            </a:endParaRPr>
+          </a:p>
+        </p:txBody>
+      </p:sp>
+      <p:sp>
+        <p:nvSpPr>
+          <p:cNvPr id="30" name="Google Shape;202;p3">
+            <a:extLst>
+              <a:ext uri="{FF2B5EF4-FFF2-40B4-BE49-F238E27FC236}">
+                <a16:creationId xmlns="" xmlns:a16="http://schemas.microsoft.com/office/drawing/2014/main" id="{A58F5BE4-9475-4CCE-A3DE-E52DDB496817}"/>
+              </a:ext>
+            </a:extLst>
+          </p:cNvPr>
+          <p:cNvSpPr/>
+          <p:nvPr/>
+        </p:nvSpPr>
+        <p:spPr>
+          <a:xfrm>
+            <a:off x="2173341" y="5401954"/>
+            <a:ext cx="5168900" cy="508000"/>
+          </a:xfrm>
+          <a:prstGeom prst="roundRect">
+            <a:avLst>
+              <a:gd name="adj" fmla="val 50000"/>
+            </a:avLst>
+          </a:prstGeom>
+          <a:noFill/>
+          <a:ln w="28575" cap="flat" cmpd="sng">
+            <a:solidFill>
+              <a:schemeClr val="lt2"/>
+            </a:solidFill>
+            <a:prstDash val="solid"/>
+            <a:round/>
+            <a:headEnd type="none" w="sm" len="sm"/>
+            <a:tailEnd type="none" w="sm" len="sm"/>
+          </a:ln>
+        </p:spPr>
+        <p:txBody>
+          <a:bodyPr spcFirstLastPara="1" wrap="square" lIns="91425" tIns="45700" rIns="91425" bIns="45700" anchor="ctr" anchorCtr="0">
+            <a:noAutofit/>
+          </a:bodyPr>
+          <a:lstStyle/>
+          <a:p>
+            <a:pPr marL="0" marR="0" lvl="0" indent="0" algn="l" rtl="0">
+              <a:spcBef>
+                <a:spcPts val="0"/>
+              </a:spcBef>
+              <a:spcAft>
+                <a:spcPts val="0"/>
+              </a:spcAft>
+              <a:buNone/>
+            </a:pPr>
+            <a:r>
+              <a:rPr lang="en-US" sz="1800" b="1" dirty="0">
+                <a:solidFill>
+                  <a:schemeClr val="tx1"/>
+                </a:solidFill>
+              </a:rPr>
+              <a:t>Demo</a:t>
+            </a:r>
+            <a:endParaRPr sz="1800" b="1" dirty="0">
+              <a:solidFill>
+                <a:schemeClr val="tx1"/>
+              </a:solidFill>
+              <a:sym typeface="Arial"/>
+            </a:endParaRPr>
+          </a:p>
+        </p:txBody>
+      </p:sp>
+      <p:grpSp>
+        <p:nvGrpSpPr>
+          <p:cNvPr id="31" name="Google Shape;203;p3">
+            <a:extLst>
+              <a:ext uri="{FF2B5EF4-FFF2-40B4-BE49-F238E27FC236}">
+                <a16:creationId xmlns="" xmlns:a16="http://schemas.microsoft.com/office/drawing/2014/main" id="{446591B6-1443-41C3-87C2-2552F70D319D}"/>
+              </a:ext>
+            </a:extLst>
+          </p:cNvPr>
+          <p:cNvGrpSpPr/>
+          <p:nvPr/>
+        </p:nvGrpSpPr>
+        <p:grpSpPr>
+          <a:xfrm>
+            <a:off x="1740657" y="5456586"/>
+            <a:ext cx="381000" cy="381000"/>
+            <a:chOff x="2078" y="1680"/>
+            <a:chExt cx="1615" cy="1615"/>
+          </a:xfrm>
+        </p:grpSpPr>
+        <p:sp>
+          <p:nvSpPr>
+            <p:cNvPr id="32" name="Google Shape;204;p3">
+              <a:extLst>
+                <a:ext uri="{FF2B5EF4-FFF2-40B4-BE49-F238E27FC236}">
+                  <a16:creationId xmlns="" xmlns:a16="http://schemas.microsoft.com/office/drawing/2014/main" id="{E8858A6C-A42F-4F8A-ACA5-DEB8FCCF31D8}"/>
+                </a:ext>
+              </a:extLst>
+            </p:cNvPr>
+            <p:cNvSpPr/>
+            <p:nvPr/>
+          </p:nvSpPr>
+          <p:spPr>
+            <a:xfrm>
+              <a:off x="2078" y="1680"/>
+              <a:ext cx="1615" cy="1615"/>
+            </a:xfrm>
+            <a:prstGeom prst="ellipse">
+              <a:avLst/>
+            </a:prstGeom>
+            <a:gradFill>
+              <a:gsLst>
+                <a:gs pos="0">
+                  <a:srgbClr val="B3B3B3"/>
+                </a:gs>
+                <a:gs pos="50000">
+                  <a:srgbClr val="FFFFFF"/>
+                </a:gs>
+                <a:gs pos="100000">
+                  <a:srgbClr val="B3B3B3"/>
+                </a:gs>
+              </a:gsLst>
+              <a:lin ang="5400000" scaled="0"/>
+            </a:gradFill>
+            <a:ln>
+              <a:noFill/>
+            </a:ln>
+          </p:spPr>
+          <p:txBody>
+            <a:bodyPr spcFirstLastPara="1" wrap="square" lIns="91425" tIns="45700" rIns="91425" bIns="45700" anchor="ctr" anchorCtr="0">
+              <a:noAutofit/>
+            </a:bodyPr>
+            <a:lstStyle/>
+            <a:p>
+              <a:pPr marL="0" marR="0" lvl="0" indent="0" algn="l" rtl="0">
+                <a:spcBef>
+                  <a:spcPts val="0"/>
+                </a:spcBef>
+                <a:spcAft>
+                  <a:spcPts val="0"/>
+                </a:spcAft>
+                <a:buNone/>
+              </a:pPr>
+              <a:endParaRPr sz="1800">
+                <a:solidFill>
+                  <a:schemeClr val="dk1"/>
+                </a:solidFill>
+                <a:latin typeface="Calibri"/>
+                <a:ea typeface="Calibri"/>
+                <a:cs typeface="Calibri"/>
+                <a:sym typeface="Calibri"/>
+              </a:endParaRPr>
+            </a:p>
+          </p:txBody>
+        </p:sp>
+        <p:sp>
+          <p:nvSpPr>
+            <p:cNvPr id="33" name="Google Shape;205;p3">
+              <a:extLst>
+                <a:ext uri="{FF2B5EF4-FFF2-40B4-BE49-F238E27FC236}">
+                  <a16:creationId xmlns="" xmlns:a16="http://schemas.microsoft.com/office/drawing/2014/main" id="{F11A9FCB-AF73-453A-8EB6-3768D35994C3}"/>
+                </a:ext>
+              </a:extLst>
+            </p:cNvPr>
+            <p:cNvSpPr/>
+            <p:nvPr/>
+          </p:nvSpPr>
+          <p:spPr>
+            <a:xfrm>
+              <a:off x="2170" y="1771"/>
+              <a:ext cx="1430" cy="1430"/>
+            </a:xfrm>
+            <a:prstGeom prst="ellipse">
+              <a:avLst/>
+            </a:prstGeom>
+            <a:gradFill>
+              <a:gsLst>
+                <a:gs pos="0">
+                  <a:srgbClr val="CFCFCF"/>
+                </a:gs>
+                <a:gs pos="50000">
+                  <a:srgbClr val="FFFFFF"/>
+                </a:gs>
+                <a:gs pos="100000">
+                  <a:srgbClr val="CFCFCF"/>
+                </a:gs>
+              </a:gsLst>
+              <a:lin ang="0" scaled="0"/>
+            </a:gradFill>
+            <a:ln>
+              <a:noFill/>
+            </a:ln>
+          </p:spPr>
+          <p:txBody>
+            <a:bodyPr spcFirstLastPara="1" wrap="square" lIns="91425" tIns="45700" rIns="91425" bIns="45700" anchor="ctr" anchorCtr="0">
+              <a:noAutofit/>
+            </a:bodyPr>
+            <a:lstStyle/>
+            <a:p>
+              <a:pPr marL="0" marR="0" lvl="0" indent="0" algn="l" rtl="0">
+                <a:spcBef>
+                  <a:spcPts val="0"/>
+                </a:spcBef>
+                <a:spcAft>
+                  <a:spcPts val="0"/>
+                </a:spcAft>
+                <a:buNone/>
+              </a:pPr>
+              <a:endParaRPr sz="1800">
+                <a:solidFill>
+                  <a:schemeClr val="dk1"/>
+                </a:solidFill>
+                <a:latin typeface="Calibri"/>
+                <a:ea typeface="Calibri"/>
+                <a:cs typeface="Calibri"/>
+                <a:sym typeface="Calibri"/>
+              </a:endParaRPr>
+            </a:p>
+          </p:txBody>
+        </p:sp>
+        <p:sp>
+          <p:nvSpPr>
+            <p:cNvPr id="34" name="Google Shape;206;p3">
+              <a:extLst>
+                <a:ext uri="{FF2B5EF4-FFF2-40B4-BE49-F238E27FC236}">
+                  <a16:creationId xmlns="" xmlns:a16="http://schemas.microsoft.com/office/drawing/2014/main" id="{29DEFA5E-63AF-4D0E-B169-7145282F0F9E}"/>
+                </a:ext>
+              </a:extLst>
+            </p:cNvPr>
+            <p:cNvSpPr/>
+            <p:nvPr/>
+          </p:nvSpPr>
+          <p:spPr>
+            <a:xfrm>
+              <a:off x="2254" y="1856"/>
+              <a:ext cx="1262" cy="1264"/>
+            </a:xfrm>
+            <a:prstGeom prst="ellipse">
+              <a:avLst/>
+            </a:prstGeom>
+            <a:gradFill>
+              <a:gsLst>
+                <a:gs pos="0">
+                  <a:srgbClr val="FFFFFF"/>
+                </a:gs>
+                <a:gs pos="50000">
+                  <a:schemeClr val="hlink"/>
+                </a:gs>
+                <a:gs pos="100000">
+                  <a:srgbClr val="FFFFFF"/>
+                </a:gs>
+              </a:gsLst>
+              <a:lin ang="2700000" scaled="0"/>
+            </a:gradFill>
+            <a:ln>
+              <a:noFill/>
+            </a:ln>
+          </p:spPr>
+          <p:txBody>
+            <a:bodyPr spcFirstLastPara="1" wrap="square" lIns="91425" tIns="45700" rIns="91425" bIns="45700" anchor="ctr" anchorCtr="0">
+              <a:spAutoFit/>
+            </a:bodyPr>
+            <a:lstStyle/>
+            <a:p>
+              <a:pPr marL="0" marR="0" lvl="0" indent="0" algn="l" rtl="0">
+                <a:spcBef>
+                  <a:spcPts val="0"/>
+                </a:spcBef>
+                <a:spcAft>
+                  <a:spcPts val="0"/>
+                </a:spcAft>
+                <a:buNone/>
+              </a:pPr>
+              <a:endParaRPr sz="1800">
+                <a:solidFill>
+                  <a:schemeClr val="dk1"/>
+                </a:solidFill>
+                <a:latin typeface="Calibri"/>
+                <a:ea typeface="Calibri"/>
+                <a:cs typeface="Calibri"/>
+                <a:sym typeface="Calibri"/>
+              </a:endParaRPr>
+            </a:p>
+          </p:txBody>
+        </p:sp>
+        <p:sp>
+          <p:nvSpPr>
+            <p:cNvPr id="35" name="Google Shape;207;p3">
+              <a:extLst>
+                <a:ext uri="{FF2B5EF4-FFF2-40B4-BE49-F238E27FC236}">
+                  <a16:creationId xmlns="" xmlns:a16="http://schemas.microsoft.com/office/drawing/2014/main" id="{983DDB1E-3C76-4ED6-85A4-2AD91D898644}"/>
+                </a:ext>
+              </a:extLst>
+            </p:cNvPr>
+            <p:cNvSpPr/>
+            <p:nvPr/>
+          </p:nvSpPr>
+          <p:spPr>
+            <a:xfrm>
+              <a:off x="2254" y="1856"/>
+              <a:ext cx="1262" cy="1264"/>
+            </a:xfrm>
+            <a:prstGeom prst="ellipse">
+              <a:avLst/>
+            </a:prstGeom>
+            <a:gradFill>
+              <a:gsLst>
+                <a:gs pos="0">
+                  <a:srgbClr val="000000"/>
+                </a:gs>
+                <a:gs pos="100000">
+                  <a:srgbClr val="FFCC00"/>
+                </a:gs>
+              </a:gsLst>
+              <a:lin ang="2700000" scaled="0"/>
+            </a:gradFill>
+            <a:ln>
+              <a:noFill/>
+            </a:ln>
+          </p:spPr>
+          <p:txBody>
+            <a:bodyPr spcFirstLastPara="1" wrap="square" lIns="91425" tIns="45700" rIns="91425" bIns="45700" anchor="ctr" anchorCtr="0">
+              <a:spAutoFit/>
+            </a:bodyPr>
+            <a:lstStyle/>
+            <a:p>
+              <a:pPr marL="0" marR="0" lvl="0" indent="0" algn="l" rtl="0">
+                <a:spcBef>
+                  <a:spcPts val="0"/>
+                </a:spcBef>
+                <a:spcAft>
+                  <a:spcPts val="0"/>
+                </a:spcAft>
+                <a:buNone/>
+              </a:pPr>
+              <a:endParaRPr sz="1800">
+                <a:solidFill>
+                  <a:schemeClr val="dk1"/>
+                </a:solidFill>
+                <a:latin typeface="Calibri"/>
+                <a:ea typeface="Calibri"/>
+                <a:cs typeface="Calibri"/>
+                <a:sym typeface="Calibri"/>
+              </a:endParaRPr>
+            </a:p>
+          </p:txBody>
+        </p:sp>
+        <p:sp>
+          <p:nvSpPr>
+            <p:cNvPr id="36" name="Google Shape;208;p3">
+              <a:extLst>
+                <a:ext uri="{FF2B5EF4-FFF2-40B4-BE49-F238E27FC236}">
+                  <a16:creationId xmlns="" xmlns:a16="http://schemas.microsoft.com/office/drawing/2014/main" id="{AC43F410-DCFA-49F1-8174-5698BFADB792}"/>
+                </a:ext>
+              </a:extLst>
+            </p:cNvPr>
+            <p:cNvSpPr/>
+            <p:nvPr/>
+          </p:nvSpPr>
+          <p:spPr>
+            <a:xfrm>
+              <a:off x="2337" y="1939"/>
+              <a:ext cx="1096" cy="1098"/>
+            </a:xfrm>
+            <a:prstGeom prst="ellipse">
+              <a:avLst/>
+            </a:prstGeom>
+            <a:gradFill>
+              <a:gsLst>
+                <a:gs pos="0">
+                  <a:srgbClr val="034A91"/>
+                </a:gs>
+                <a:gs pos="50000">
+                  <a:schemeClr val="hlink"/>
+                </a:gs>
+                <a:gs pos="100000">
+                  <a:srgbClr val="034A91"/>
+                </a:gs>
+              </a:gsLst>
+              <a:lin ang="18900000" scaled="0"/>
+            </a:gradFill>
+            <a:ln>
+              <a:noFill/>
+            </a:ln>
+          </p:spPr>
+          <p:txBody>
+            <a:bodyPr spcFirstLastPara="1" wrap="square" lIns="91425" tIns="45700" rIns="91425" bIns="45700" anchor="ctr" anchorCtr="0">
+              <a:spAutoFit/>
+            </a:bodyPr>
+            <a:lstStyle/>
+            <a:p>
+              <a:pPr marL="0" marR="0" lvl="0" indent="0" algn="l" rtl="0">
+                <a:spcBef>
+                  <a:spcPts val="0"/>
+                </a:spcBef>
+                <a:spcAft>
+                  <a:spcPts val="0"/>
+                </a:spcAft>
+                <a:buNone/>
+              </a:pPr>
+              <a:endParaRPr sz="1800">
+                <a:solidFill>
+                  <a:schemeClr val="dk1"/>
+                </a:solidFill>
+                <a:latin typeface="Calibri"/>
+                <a:ea typeface="Calibri"/>
+                <a:cs typeface="Calibri"/>
+                <a:sym typeface="Calibri"/>
+              </a:endParaRPr>
+            </a:p>
+          </p:txBody>
+        </p:sp>
+        <p:sp>
+          <p:nvSpPr>
+            <p:cNvPr id="37" name="Google Shape;209;p3">
+              <a:extLst>
+                <a:ext uri="{FF2B5EF4-FFF2-40B4-BE49-F238E27FC236}">
+                  <a16:creationId xmlns="" xmlns:a16="http://schemas.microsoft.com/office/drawing/2014/main" id="{DBBE192F-4A80-4D5B-B0C9-2A8488FECF79}"/>
+                </a:ext>
+              </a:extLst>
+            </p:cNvPr>
+            <p:cNvSpPr/>
+            <p:nvPr/>
+          </p:nvSpPr>
+          <p:spPr>
+            <a:xfrm>
+              <a:off x="2337" y="1939"/>
+              <a:ext cx="1096" cy="1098"/>
+            </a:xfrm>
+            <a:prstGeom prst="ellipse">
+              <a:avLst/>
+            </a:prstGeom>
+            <a:gradFill>
+              <a:gsLst>
+                <a:gs pos="0">
+                  <a:srgbClr val="FFCC00"/>
+                </a:gs>
+                <a:gs pos="100000">
+                  <a:srgbClr val="B79200"/>
+                </a:gs>
+              </a:gsLst>
+              <a:lin ang="2700000" scaled="0"/>
+            </a:gradFill>
+            <a:ln>
+              <a:noFill/>
+            </a:ln>
+          </p:spPr>
+          <p:txBody>
+            <a:bodyPr spcFirstLastPara="1" wrap="square" lIns="91425" tIns="45700" rIns="91425" bIns="45700" anchor="ctr" anchorCtr="0">
+              <a:spAutoFit/>
+            </a:bodyPr>
+            <a:lstStyle/>
+            <a:p>
+              <a:pPr marL="0" marR="0" lvl="0" indent="0" algn="l" rtl="0">
+                <a:spcBef>
+                  <a:spcPts val="0"/>
+                </a:spcBef>
+                <a:spcAft>
+                  <a:spcPts val="0"/>
+                </a:spcAft>
+                <a:buNone/>
+              </a:pPr>
+              <a:endParaRPr sz="1800">
+                <a:solidFill>
+                  <a:schemeClr val="dk1"/>
+                </a:solidFill>
+                <a:latin typeface="Calibri"/>
+                <a:ea typeface="Calibri"/>
+                <a:cs typeface="Calibri"/>
+                <a:sym typeface="Calibri"/>
+              </a:endParaRPr>
+            </a:p>
+          </p:txBody>
+        </p:sp>
+      </p:grpSp>
+    </p:spTree>
+    <p:extLst>
+      <p:ext uri="{BB962C8B-B14F-4D97-AF65-F5344CB8AC3E}">
+        <p14:creationId xmlns:p14="http://schemas.microsoft.com/office/powerpoint/2010/main" val="2701524402"/>
+      </p:ext>
+    </p:extLst>
+  </p:cSld>
+  <p:clrMapOvr>
+    <a:masterClrMapping/>
+  </p:clrMapOvr>
+</p:sld>
+</file>
+
+<file path=ppt/slides/slide21.xml><?xml version="1.0" encoding="utf-8"?>
+<p:sld xmlns:a="http://schemas.openxmlformats.org/drawingml/2006/main" xmlns:r="http://schemas.openxmlformats.org/officeDocument/2006/relationships" xmlns:p="http://schemas.openxmlformats.org/presentationml/2006/main">
+  <p:cSld>
+    <p:spTree>
+      <p:nvGrpSpPr>
+        <p:cNvPr id="1" name=""/>
+        <p:cNvGrpSpPr/>
+        <p:nvPr/>
+      </p:nvGrpSpPr>
+      <p:grpSpPr>
+        <a:xfrm>
+          <a:off x="0" y="0"/>
+          <a:ext cx="0" cy="0"/>
+          <a:chOff x="0" y="0"/>
+          <a:chExt cx="0" cy="0"/>
+        </a:xfrm>
+      </p:grpSpPr>
+      <p:sp>
+        <p:nvSpPr>
+          <p:cNvPr id="2" name="Title 1">
+            <a:extLst>
+              <a:ext uri="{FF2B5EF4-FFF2-40B4-BE49-F238E27FC236}">
+                <a16:creationId xmlns="" xmlns:a16="http://schemas.microsoft.com/office/drawing/2014/main" id="{BD5D9F2A-405C-4783-8BF2-9B2DAEEB5A11}"/>
+              </a:ext>
+            </a:extLst>
+          </p:cNvPr>
+          <p:cNvSpPr>
+            <a:spLocks noGrp="1"/>
+          </p:cNvSpPr>
+          <p:nvPr>
+            <p:ph type="title"/>
+          </p:nvPr>
+        </p:nvSpPr>
+        <p:spPr/>
+        <p:txBody>
+          <a:bodyPr/>
+          <a:lstStyle/>
+          <a:p>
+            <a:r>
+              <a:rPr lang="en-US" dirty="0"/>
+              <a:t>Demo</a:t>
+            </a:r>
+          </a:p>
+        </p:txBody>
+      </p:sp>
+      <p:sp>
+        <p:nvSpPr>
+          <p:cNvPr id="3" name="Text Placeholder 2">
+            <a:extLst>
+              <a:ext uri="{FF2B5EF4-FFF2-40B4-BE49-F238E27FC236}">
+                <a16:creationId xmlns="" xmlns:a16="http://schemas.microsoft.com/office/drawing/2014/main" id="{FC3107FD-E101-4B2B-B229-5DE38F79634D}"/>
+              </a:ext>
+            </a:extLst>
+          </p:cNvPr>
+          <p:cNvSpPr>
+            <a:spLocks noGrp="1"/>
+          </p:cNvSpPr>
+          <p:nvPr>
+            <p:ph type="body" idx="1"/>
+          </p:nvPr>
+        </p:nvSpPr>
+        <p:spPr/>
+        <p:txBody>
+          <a:bodyPr/>
+          <a:lstStyle/>
+          <a:p>
+            <a:pPr marL="114300" indent="0">
+              <a:buNone/>
+            </a:pPr>
+            <a:r>
+              <a:rPr lang="en-US" dirty="0"/>
+              <a:t>	Demo </a:t>
+            </a:r>
+            <a:r>
+              <a:rPr lang="en-US" dirty="0" err="1"/>
+              <a:t>trên</a:t>
+            </a:r>
+            <a:r>
+              <a:rPr lang="en-US" dirty="0"/>
+              <a:t> </a:t>
+            </a:r>
+            <a:r>
+              <a:rPr lang="en-US" dirty="0" err="1"/>
+              <a:t>bài</a:t>
+            </a:r>
+            <a:r>
+              <a:rPr lang="en-US" dirty="0"/>
+              <a:t> </a:t>
+            </a:r>
+            <a:r>
+              <a:rPr lang="en-US" dirty="0" err="1"/>
+              <a:t>tập</a:t>
+            </a:r>
+            <a:r>
+              <a:rPr lang="en-US" dirty="0"/>
+              <a:t> </a:t>
+            </a:r>
+            <a:r>
+              <a:rPr lang="en-US" dirty="0" err="1"/>
+              <a:t>lớn</a:t>
+            </a:r>
+            <a:r>
+              <a:rPr lang="en-US" dirty="0"/>
+              <a:t> </a:t>
+            </a:r>
+            <a:r>
+              <a:rPr lang="en-US" i="1" dirty="0"/>
+              <a:t>“</a:t>
+            </a:r>
+            <a:r>
+              <a:rPr lang="en-US" i="1" dirty="0" err="1"/>
+              <a:t>Phân</a:t>
+            </a:r>
+            <a:r>
+              <a:rPr lang="en-US" i="1" dirty="0"/>
+              <a:t> </a:t>
+            </a:r>
+            <a:r>
+              <a:rPr lang="en-US" i="1" dirty="0" err="1"/>
+              <a:t>tích</a:t>
+            </a:r>
+            <a:r>
+              <a:rPr lang="en-US" i="1" dirty="0"/>
+              <a:t> </a:t>
+            </a:r>
+            <a:r>
+              <a:rPr lang="en-US" i="1" dirty="0" err="1"/>
+              <a:t>thiết</a:t>
+            </a:r>
+            <a:r>
+              <a:rPr lang="en-US" i="1" dirty="0"/>
+              <a:t> </a:t>
+            </a:r>
+            <a:r>
+              <a:rPr lang="en-US" i="1" dirty="0" err="1"/>
+              <a:t>kế</a:t>
+            </a:r>
+            <a:r>
+              <a:rPr lang="en-US" i="1" dirty="0"/>
+              <a:t> </a:t>
+            </a:r>
+            <a:r>
+              <a:rPr lang="en-US" i="1" dirty="0" err="1"/>
+              <a:t>và</a:t>
+            </a:r>
+            <a:r>
+              <a:rPr lang="en-US" i="1" dirty="0"/>
+              <a:t> </a:t>
+            </a:r>
+            <a:r>
+              <a:rPr lang="en-US" i="1" dirty="0" err="1"/>
+              <a:t>xây</a:t>
+            </a:r>
+            <a:r>
+              <a:rPr lang="en-US" i="1" dirty="0"/>
+              <a:t> </a:t>
+            </a:r>
+            <a:r>
+              <a:rPr lang="en-US" i="1" dirty="0" err="1"/>
+              <a:t>dựng</a:t>
+            </a:r>
+            <a:r>
+              <a:rPr lang="en-US" i="1" dirty="0"/>
+              <a:t> </a:t>
+            </a:r>
+            <a:r>
+              <a:rPr lang="en-US" i="1" dirty="0" err="1"/>
+              <a:t>phần</a:t>
+            </a:r>
+            <a:r>
+              <a:rPr lang="en-US" i="1" dirty="0"/>
+              <a:t> </a:t>
+            </a:r>
+            <a:r>
+              <a:rPr lang="en-US" i="1" dirty="0" err="1"/>
+              <a:t>mềm</a:t>
+            </a:r>
+            <a:r>
+              <a:rPr lang="en-US" i="1" dirty="0"/>
+              <a:t> </a:t>
+            </a:r>
+            <a:r>
+              <a:rPr lang="en-US" i="1" dirty="0" err="1"/>
+              <a:t>quản</a:t>
+            </a:r>
+            <a:r>
+              <a:rPr lang="en-US" i="1" dirty="0"/>
+              <a:t> </a:t>
+            </a:r>
+            <a:r>
+              <a:rPr lang="en-US" i="1" dirty="0" err="1"/>
+              <a:t>lý</a:t>
+            </a:r>
+            <a:r>
+              <a:rPr lang="en-US" i="1" dirty="0"/>
+              <a:t> </a:t>
+            </a:r>
+            <a:r>
+              <a:rPr lang="en-US" i="1" dirty="0" err="1"/>
+              <a:t>cửa</a:t>
+            </a:r>
+            <a:r>
+              <a:rPr lang="en-US" i="1" dirty="0"/>
+              <a:t> </a:t>
+            </a:r>
+            <a:r>
+              <a:rPr lang="en-US" i="1" dirty="0" err="1"/>
+              <a:t>hàng</a:t>
+            </a:r>
+            <a:r>
+              <a:rPr lang="en-US" i="1" dirty="0"/>
+              <a:t> </a:t>
+            </a:r>
+            <a:r>
+              <a:rPr lang="en-US" i="1" dirty="0" err="1"/>
+              <a:t>văn</a:t>
+            </a:r>
+            <a:r>
+              <a:rPr lang="en-US" i="1" dirty="0"/>
+              <a:t> </a:t>
+            </a:r>
+            <a:r>
+              <a:rPr lang="en-US" i="1" dirty="0" err="1"/>
+              <a:t>phòng</a:t>
+            </a:r>
+            <a:r>
+              <a:rPr lang="en-US" i="1" dirty="0"/>
+              <a:t> </a:t>
+            </a:r>
+            <a:r>
+              <a:rPr lang="en-US" i="1" dirty="0" err="1"/>
+              <a:t>văn</a:t>
+            </a:r>
+            <a:r>
+              <a:rPr lang="en-US" i="1" dirty="0"/>
+              <a:t> </a:t>
+            </a:r>
+            <a:r>
+              <a:rPr lang="en-US" i="1" dirty="0" err="1"/>
+              <a:t>phòng</a:t>
+            </a:r>
+            <a:r>
+              <a:rPr lang="en-US" i="1" dirty="0"/>
+              <a:t> </a:t>
+            </a:r>
+            <a:r>
+              <a:rPr lang="en-US" i="1" dirty="0" err="1"/>
+              <a:t>phẩm</a:t>
+            </a:r>
+            <a:r>
+              <a:rPr lang="en-US" i="1" dirty="0"/>
+              <a:t>”</a:t>
+            </a:r>
+          </a:p>
+        </p:txBody>
+      </p:sp>
+    </p:spTree>
+    <p:extLst>
+      <p:ext uri="{BB962C8B-B14F-4D97-AF65-F5344CB8AC3E}">
+        <p14:creationId xmlns:p14="http://schemas.microsoft.com/office/powerpoint/2010/main" val="3539807095"/>
+      </p:ext>
+    </p:extLst>
+  </p:cSld>
+  <p:clrMapOvr>
+    <a:masterClrMapping/>
+  </p:clrMapOvr>
+</p:sld>
+</file>
+
+<file path=ppt/slides/slide22.xml><?xml version="1.0" encoding="utf-8"?>
+<p:sld xmlns:a="http://schemas.openxmlformats.org/drawingml/2006/main" xmlns:r="http://schemas.openxmlformats.org/officeDocument/2006/relationships" xmlns:p="http://schemas.openxmlformats.org/presentationml/2006/main">
+  <p:cSld>
+    <p:spTree>
+      <p:nvGrpSpPr>
+        <p:cNvPr id="1" name="Shape 227"/>
+        <p:cNvGrpSpPr/>
+        <p:nvPr/>
+      </p:nvGrpSpPr>
+      <p:grpSpPr>
+        <a:xfrm>
+          <a:off x="0" y="0"/>
+          <a:ext cx="0" cy="0"/>
+          <a:chOff x="0" y="0"/>
+          <a:chExt cx="0" cy="0"/>
+        </a:xfrm>
+      </p:grpSpPr>
+      <p:sp>
+        <p:nvSpPr>
+          <p:cNvPr id="228" name="Google Shape;228;p5"/>
+          <p:cNvSpPr txBox="1">
+            <a:spLocks noGrp="1"/>
+          </p:cNvSpPr>
+          <p:nvPr>
+            <p:ph type="title"/>
+          </p:nvPr>
+        </p:nvSpPr>
+        <p:spPr>
+          <a:xfrm>
+            <a:off x="290146" y="0"/>
+            <a:ext cx="7658100" cy="589085"/>
+          </a:xfrm>
+          <a:prstGeom prst="rect">
+            <a:avLst/>
+          </a:prstGeom>
+          <a:noFill/>
+          <a:ln>
+            <a:noFill/>
+          </a:ln>
+        </p:spPr>
+        <p:txBody>
+          <a:bodyPr spcFirstLastPara="1" wrap="square" lIns="91425" tIns="45700" rIns="91425" bIns="45700" anchor="ctr" anchorCtr="0">
+            <a:noAutofit/>
+          </a:bodyPr>
+          <a:lstStyle/>
+          <a:p>
+            <a:pPr marL="0" lvl="0" indent="0" algn="l" rtl="0">
+              <a:lnSpc>
+                <a:spcPct val="90000"/>
+              </a:lnSpc>
+              <a:spcBef>
+                <a:spcPts val="0"/>
+              </a:spcBef>
+              <a:spcAft>
+                <a:spcPts val="0"/>
+              </a:spcAft>
+              <a:buClr>
+                <a:schemeClr val="lt1"/>
+              </a:buClr>
+              <a:buSzPts val="3600"/>
+              <a:buFont typeface="Calibri"/>
+              <a:buNone/>
+            </a:pPr>
+            <a:r>
+              <a:rPr lang="en-US"/>
+              <a:t>Tài liệu tham khảo</a:t>
+            </a:r>
+            <a:endParaRPr/>
+          </a:p>
+        </p:txBody>
+      </p:sp>
+      <p:sp>
+        <p:nvSpPr>
+          <p:cNvPr id="229" name="Google Shape;229;p5"/>
+          <p:cNvSpPr txBox="1">
+            <a:spLocks noGrp="1"/>
+          </p:cNvSpPr>
+          <p:nvPr>
+            <p:ph type="sldNum" idx="12"/>
+          </p:nvPr>
+        </p:nvSpPr>
+        <p:spPr>
+          <a:xfrm>
+            <a:off x="8159262" y="6550271"/>
+            <a:ext cx="703384" cy="298937"/>
+          </a:xfrm>
+          <a:prstGeom prst="rect">
+            <a:avLst/>
+          </a:prstGeom>
+          <a:noFill/>
+          <a:ln>
+            <a:noFill/>
+          </a:ln>
+        </p:spPr>
+        <p:txBody>
+          <a:bodyPr spcFirstLastPara="1" wrap="square" lIns="91425" tIns="45700" rIns="91425" bIns="45700" anchor="ctr" anchorCtr="0">
+            <a:noAutofit/>
+          </a:bodyPr>
+          <a:lstStyle/>
+          <a:p>
+            <a:pPr marL="0" marR="0" lvl="0" indent="0" algn="r" rtl="0">
+              <a:spcBef>
+                <a:spcPts val="0"/>
+              </a:spcBef>
+              <a:spcAft>
+                <a:spcPts val="0"/>
+              </a:spcAft>
+              <a:buClr>
+                <a:schemeClr val="dk1"/>
+              </a:buClr>
+              <a:buSzPts val="1108"/>
+              <a:buFont typeface="Noto Sans Symbols"/>
+              <a:buNone/>
+            </a:pPr>
+            <a:fld id="{00000000-1234-1234-1234-123412341234}" type="slidenum">
+              <a:rPr lang="en-US" sz="1108">
+                <a:solidFill>
+                  <a:schemeClr val="dk1"/>
+                </a:solidFill>
+                <a:latin typeface="Garamond"/>
+                <a:ea typeface="Garamond"/>
+                <a:cs typeface="Garamond"/>
+                <a:sym typeface="Garamond"/>
+              </a:rPr>
+              <a:t>22</a:t>
+            </a:fld>
+            <a:endParaRPr sz="1108">
+              <a:solidFill>
+                <a:schemeClr val="dk1"/>
+              </a:solidFill>
+              <a:latin typeface="Garamond"/>
+              <a:ea typeface="Garamond"/>
+              <a:cs typeface="Garamond"/>
+              <a:sym typeface="Garamond"/>
+            </a:endParaRPr>
+          </a:p>
+        </p:txBody>
+      </p:sp>
+      <p:sp>
+        <p:nvSpPr>
+          <p:cNvPr id="230" name="Google Shape;230;p5"/>
+          <p:cNvSpPr txBox="1"/>
+          <p:nvPr/>
+        </p:nvSpPr>
+        <p:spPr>
+          <a:xfrm>
+            <a:off x="562708" y="1600200"/>
+            <a:ext cx="8088923" cy="4472354"/>
+          </a:xfrm>
+          <a:prstGeom prst="rect">
+            <a:avLst/>
+          </a:prstGeom>
+          <a:noFill/>
+          <a:ln>
+            <a:noFill/>
+          </a:ln>
+        </p:spPr>
+        <p:txBody>
+          <a:bodyPr spcFirstLastPara="1" wrap="square" lIns="91425" tIns="45700" rIns="91425" bIns="45700" anchor="t" anchorCtr="0">
+            <a:noAutofit/>
+          </a:bodyPr>
+          <a:lstStyle/>
+          <a:p>
+            <a:pPr marL="457200" marR="0" lvl="0" indent="-457200" algn="just" rtl="0">
+              <a:lnSpc>
+                <a:spcPct val="150000"/>
+              </a:lnSpc>
+              <a:spcBef>
+                <a:spcPts val="0"/>
+              </a:spcBef>
+              <a:spcAft>
+                <a:spcPts val="0"/>
+              </a:spcAft>
+              <a:buClr>
+                <a:schemeClr val="accent1"/>
+              </a:buClr>
+              <a:buSzPts val="1080"/>
+              <a:buFont typeface="Century Schoolbook"/>
+              <a:buAutoNum type="arabicPeriod"/>
+            </a:pPr>
+            <a:r>
+              <a:rPr lang="en-US" sz="1662" u="sng">
+                <a:solidFill>
+                  <a:schemeClr val="dk1"/>
+                </a:solidFill>
+                <a:latin typeface="Arial"/>
+                <a:ea typeface="Arial"/>
+                <a:cs typeface="Arial"/>
+                <a:sym typeface="Arial"/>
+                <a:hlinkClick r:id="rId3">
+                  <a:extLst>
+                    <a:ext uri="{A12FA001-AC4F-418D-AE19-62706E023703}">
+                      <ahyp:hlinkClr xmlns="" xmlns:ahyp="http://schemas.microsoft.com/office/drawing/2018/hyperlinkcolor" val="tx"/>
+                    </a:ext>
+                  </a:extLst>
+                </a:hlinkClick>
+              </a:rPr>
+              <a:t>https://viblo.asia/p/cau-truc-du-lieu-va-giai-thuat-search-924lJYzWZPM</a:t>
+            </a:r>
+            <a:endParaRPr sz="1662">
+              <a:solidFill>
+                <a:schemeClr val="dk1"/>
+              </a:solidFill>
+              <a:latin typeface="Arial"/>
+              <a:ea typeface="Arial"/>
+              <a:cs typeface="Arial"/>
+              <a:sym typeface="Arial"/>
+            </a:endParaRPr>
+          </a:p>
+          <a:p>
+            <a:pPr marL="457200" marR="0" lvl="0" indent="-457200" algn="just" rtl="0">
+              <a:lnSpc>
+                <a:spcPct val="150000"/>
+              </a:lnSpc>
+              <a:spcBef>
+                <a:spcPts val="332"/>
+              </a:spcBef>
+              <a:spcAft>
+                <a:spcPts val="0"/>
+              </a:spcAft>
+              <a:buClr>
+                <a:schemeClr val="accent1"/>
+              </a:buClr>
+              <a:buSzPts val="1080"/>
+              <a:buFont typeface="Century Schoolbook"/>
+              <a:buAutoNum type="arabicPeriod"/>
+            </a:pPr>
+            <a:r>
+              <a:rPr lang="en-US" sz="1662" u="sng">
+                <a:solidFill>
+                  <a:schemeClr val="dk1"/>
+                </a:solidFill>
+                <a:latin typeface="Arial"/>
+                <a:ea typeface="Arial"/>
+                <a:cs typeface="Arial"/>
+                <a:sym typeface="Arial"/>
+                <a:hlinkClick r:id="rId4">
+                  <a:extLst>
+                    <a:ext uri="{A12FA001-AC4F-418D-AE19-62706E023703}">
+                      <ahyp:hlinkClr xmlns="" xmlns:ahyp="http://schemas.microsoft.com/office/drawing/2018/hyperlinkcolor" val="tx"/>
+                    </a:ext>
+                  </a:extLst>
+                </a:hlinkClick>
+              </a:rPr>
+              <a:t>https://github.com/pqhuy87it/MonthlyReport/tree/master/SearchAlgorithms</a:t>
+            </a:r>
+            <a:endParaRPr sz="1662">
+              <a:solidFill>
+                <a:schemeClr val="dk1"/>
+              </a:solidFill>
+              <a:latin typeface="Arial"/>
+              <a:ea typeface="Arial"/>
+              <a:cs typeface="Arial"/>
+              <a:sym typeface="Arial"/>
+            </a:endParaRPr>
+          </a:p>
+          <a:p>
+            <a:pPr marL="457200" marR="0" lvl="0" indent="-388600" algn="just" rtl="0">
+              <a:lnSpc>
+                <a:spcPct val="150000"/>
+              </a:lnSpc>
+              <a:spcBef>
+                <a:spcPts val="332"/>
+              </a:spcBef>
+              <a:spcAft>
+                <a:spcPts val="0"/>
+              </a:spcAft>
+              <a:buClr>
+                <a:schemeClr val="accent1"/>
+              </a:buClr>
+              <a:buSzPts val="1080"/>
+              <a:buFont typeface="Century Schoolbook"/>
+              <a:buNone/>
+            </a:pPr>
+            <a:endParaRPr sz="1662">
+              <a:solidFill>
+                <a:schemeClr val="dk1"/>
+              </a:solidFill>
+              <a:latin typeface="Arial"/>
+              <a:ea typeface="Arial"/>
+              <a:cs typeface="Arial"/>
+              <a:sym typeface="Arial"/>
+            </a:endParaRPr>
+          </a:p>
+        </p:txBody>
+      </p:sp>
+    </p:spTree>
+  </p:cSld>
+  <p:clrMapOvr>
+    <a:masterClrMapping/>
+  </p:clrMapOvr>
+</p:sld>
+</file>
+
+<file path=ppt/slides/slide23.xml><?xml version="1.0" encoding="utf-8"?>
 <p:sld xmlns:a="http://schemas.openxmlformats.org/drawingml/2006/main" xmlns:r="http://schemas.openxmlformats.org/officeDocument/2006/relationships" xmlns:p="http://schemas.openxmlformats.org/presentationml/2006/main">
   <p:cSld>
     <p:spTree>
@@ -25977,6 +26700,13 @@
   <p:clrMapOvr>
     <a:masterClrMapping/>
   </p:clrMapOvr>
+  <p:timing>
+    <p:tnLst>
+      <p:par>
+        <p:cTn id="1" dur="indefinite" restart="never" nodeType="tmRoot"/>
+      </p:par>
+    </p:tnLst>
+  </p:timing>
 </p:sld>
 </file>
 
@@ -26428,7 +27158,7 @@
       </p:sp>
       <p:pic>
         <p:nvPicPr>
-          <p:cNvPr id="2" name="Picture 1"/>
+          <p:cNvPr id="3" name="Picture 2"/>
           <p:cNvPicPr>
             <a:picLocks noChangeAspect="1"/>
           </p:cNvPicPr>
@@ -26448,8 +27178,8 @@
         </p:blipFill>
         <p:spPr>
           <a:xfrm>
-            <a:off x="3416042" y="1925274"/>
-            <a:ext cx="5143940" cy="4510359"/>
+            <a:off x="3622766" y="1890440"/>
+            <a:ext cx="5239880" cy="4505325"/>
           </a:xfrm>
           <a:prstGeom prst="rect">
             <a:avLst/>
@@ -26461,6 +27191,13 @@
   <p:clrMapOvr>
     <a:masterClrMapping/>
   </p:clrMapOvr>
+  <p:timing>
+    <p:tnLst>
+      <p:par>
+        <p:cTn id="1" dur="indefinite" restart="never" nodeType="tmRoot"/>
+      </p:par>
+    </p:tnLst>
+  </p:timing>
 </p:sld>
 </file>
 
@@ -26486,7 +27223,7 @@
           <p:cNvPr id="2" name="Title 1">
             <a:extLst>
               <a:ext uri="{FF2B5EF4-FFF2-40B4-BE49-F238E27FC236}">
-                <a16:creationId xmlns:a16="http://schemas.microsoft.com/office/drawing/2014/main" xmlns="" id="{E62AEDBE-6551-445D-AAA8-D79B8398BB83}"/>
+                <a16:creationId xmlns="" xmlns:a16="http://schemas.microsoft.com/office/drawing/2014/main" id="{E62AEDBE-6551-445D-AAA8-D79B8398BB83}"/>
               </a:ext>
             </a:extLst>
           </p:cNvPr>
@@ -26523,7 +27260,7 @@
           <p:cNvPr id="3" name="Text Placeholder 2">
             <a:extLst>
               <a:ext uri="{FF2B5EF4-FFF2-40B4-BE49-F238E27FC236}">
-                <a16:creationId xmlns:a16="http://schemas.microsoft.com/office/drawing/2014/main" xmlns="" id="{B98D1857-0561-411C-BD5D-5E661010EFD7}"/>
+                <a16:creationId xmlns="" xmlns:a16="http://schemas.microsoft.com/office/drawing/2014/main" id="{B98D1857-0561-411C-BD5D-5E661010EFD7}"/>
               </a:ext>
             </a:extLst>
           </p:cNvPr>
@@ -26946,6 +27683,13 @@
   <p:clrMapOvr>
     <a:masterClrMapping/>
   </p:clrMapOvr>
+  <p:timing>
+    <p:tnLst>
+      <p:par>
+        <p:cTn id="1" dur="indefinite" restart="never" nodeType="tmRoot"/>
+      </p:par>
+    </p:tnLst>
+  </p:timing>
 </p:sld>
 </file>
 
@@ -26971,7 +27715,7 @@
           <p:cNvPr id="38" name="Google Shape;160;p3">
             <a:extLst>
               <a:ext uri="{FF2B5EF4-FFF2-40B4-BE49-F238E27FC236}">
-                <a16:creationId xmlns:a16="http://schemas.microsoft.com/office/drawing/2014/main" xmlns="" id="{9CA7A4B2-6E91-4217-92B4-68872B81FC48}"/>
+                <a16:creationId xmlns="" xmlns:a16="http://schemas.microsoft.com/office/drawing/2014/main" id="{9CA7A4B2-6E91-4217-92B4-68872B81FC48}"/>
               </a:ext>
             </a:extLst>
           </p:cNvPr>
@@ -27151,7 +27895,7 @@
           <p:cNvPr id="39" name="Google Shape;161;p3">
             <a:extLst>
               <a:ext uri="{FF2B5EF4-FFF2-40B4-BE49-F238E27FC236}">
-                <a16:creationId xmlns:a16="http://schemas.microsoft.com/office/drawing/2014/main" xmlns="" id="{91A4F115-4525-4C11-A1B3-6973BF1BFFF4}"/>
+                <a16:creationId xmlns="" xmlns:a16="http://schemas.microsoft.com/office/drawing/2014/main" id="{91A4F115-4525-4C11-A1B3-6973BF1BFFF4}"/>
               </a:ext>
             </a:extLst>
           </p:cNvPr>
@@ -27327,7 +28071,7 @@
           <p:cNvPr id="40" name="Google Shape;162;p3">
             <a:extLst>
               <a:ext uri="{FF2B5EF4-FFF2-40B4-BE49-F238E27FC236}">
-                <a16:creationId xmlns:a16="http://schemas.microsoft.com/office/drawing/2014/main" xmlns="" id="{19651886-856A-47EC-AD00-1095ACA104D9}"/>
+                <a16:creationId xmlns="" xmlns:a16="http://schemas.microsoft.com/office/drawing/2014/main" id="{19651886-856A-47EC-AD00-1095ACA104D9}"/>
               </a:ext>
             </a:extLst>
           </p:cNvPr>
@@ -27415,7 +28159,7 @@
           <p:cNvPr id="41" name="Google Shape;163;p3">
             <a:extLst>
               <a:ext uri="{FF2B5EF4-FFF2-40B4-BE49-F238E27FC236}">
-                <a16:creationId xmlns:a16="http://schemas.microsoft.com/office/drawing/2014/main" xmlns="" id="{384739BC-5866-43D5-A9B3-8BF14A8F779C}"/>
+                <a16:creationId xmlns="" xmlns:a16="http://schemas.microsoft.com/office/drawing/2014/main" id="{384739BC-5866-43D5-A9B3-8BF14A8F779C}"/>
               </a:ext>
             </a:extLst>
           </p:cNvPr>
@@ -27435,7 +28179,7 @@
             <p:cNvPr id="42" name="Google Shape;164;p3">
               <a:extLst>
                 <a:ext uri="{FF2B5EF4-FFF2-40B4-BE49-F238E27FC236}">
-                  <a16:creationId xmlns:a16="http://schemas.microsoft.com/office/drawing/2014/main" xmlns="" id="{B1CEF79A-D92A-4C0C-A6C1-586CC7EB9403}"/>
+                  <a16:creationId xmlns="" xmlns:a16="http://schemas.microsoft.com/office/drawing/2014/main" id="{B1CEF79A-D92A-4C0C-A6C1-586CC7EB9403}"/>
                 </a:ext>
               </a:extLst>
             </p:cNvPr>
@@ -27500,7 +28244,7 @@
             <p:cNvPr id="43" name="Google Shape;165;p3">
               <a:extLst>
                 <a:ext uri="{FF2B5EF4-FFF2-40B4-BE49-F238E27FC236}">
-                  <a16:creationId xmlns:a16="http://schemas.microsoft.com/office/drawing/2014/main" xmlns="" id="{0FA55039-D9CF-421E-941B-F62A8A40DE7A}"/>
+                  <a16:creationId xmlns="" xmlns:a16="http://schemas.microsoft.com/office/drawing/2014/main" id="{0FA55039-D9CF-421E-941B-F62A8A40DE7A}"/>
                 </a:ext>
               </a:extLst>
             </p:cNvPr>
@@ -27565,7 +28309,7 @@
             <p:cNvPr id="44" name="Google Shape;166;p3">
               <a:extLst>
                 <a:ext uri="{FF2B5EF4-FFF2-40B4-BE49-F238E27FC236}">
-                  <a16:creationId xmlns:a16="http://schemas.microsoft.com/office/drawing/2014/main" xmlns="" id="{16991CD3-1F1E-430C-8636-C3BD5A642DD0}"/>
+                  <a16:creationId xmlns="" xmlns:a16="http://schemas.microsoft.com/office/drawing/2014/main" id="{16991CD3-1F1E-430C-8636-C3BD5A642DD0}"/>
                 </a:ext>
               </a:extLst>
             </p:cNvPr>
@@ -27630,7 +28374,7 @@
             <p:cNvPr id="45" name="Google Shape;167;p3">
               <a:extLst>
                 <a:ext uri="{FF2B5EF4-FFF2-40B4-BE49-F238E27FC236}">
-                  <a16:creationId xmlns:a16="http://schemas.microsoft.com/office/drawing/2014/main" xmlns="" id="{AD69F6AF-364C-4683-B04E-146EFF43D9BC}"/>
+                  <a16:creationId xmlns="" xmlns:a16="http://schemas.microsoft.com/office/drawing/2014/main" id="{AD69F6AF-364C-4683-B04E-146EFF43D9BC}"/>
                 </a:ext>
               </a:extLst>
             </p:cNvPr>
@@ -27692,7 +28436,7 @@
             <p:cNvPr id="46" name="Google Shape;168;p3">
               <a:extLst>
                 <a:ext uri="{FF2B5EF4-FFF2-40B4-BE49-F238E27FC236}">
-                  <a16:creationId xmlns:a16="http://schemas.microsoft.com/office/drawing/2014/main" xmlns="" id="{9BA2D550-F896-483A-9C84-C2ADD15F7579}"/>
+                  <a16:creationId xmlns="" xmlns:a16="http://schemas.microsoft.com/office/drawing/2014/main" id="{9BA2D550-F896-483A-9C84-C2ADD15F7579}"/>
                 </a:ext>
               </a:extLst>
             </p:cNvPr>
@@ -27757,7 +28501,7 @@
             <p:cNvPr id="47" name="Google Shape;169;p3">
               <a:extLst>
                 <a:ext uri="{FF2B5EF4-FFF2-40B4-BE49-F238E27FC236}">
-                  <a16:creationId xmlns:a16="http://schemas.microsoft.com/office/drawing/2014/main" xmlns="" id="{0F58DF80-0A0E-443F-B975-8DD6DE1A8E2D}"/>
+                  <a16:creationId xmlns="" xmlns:a16="http://schemas.microsoft.com/office/drawing/2014/main" id="{0F58DF80-0A0E-443F-B975-8DD6DE1A8E2D}"/>
                 </a:ext>
               </a:extLst>
             </p:cNvPr>
@@ -27820,7 +28564,7 @@
           <p:cNvPr id="48" name="Google Shape;170;p3">
             <a:extLst>
               <a:ext uri="{FF2B5EF4-FFF2-40B4-BE49-F238E27FC236}">
-                <a16:creationId xmlns:a16="http://schemas.microsoft.com/office/drawing/2014/main" xmlns="" id="{D72014F9-CAEB-41DF-8C25-1FA61A126D97}"/>
+                <a16:creationId xmlns="" xmlns:a16="http://schemas.microsoft.com/office/drawing/2014/main" id="{D72014F9-CAEB-41DF-8C25-1FA61A126D97}"/>
               </a:ext>
             </a:extLst>
           </p:cNvPr>
@@ -27840,7 +28584,7 @@
             <p:cNvPr id="49" name="Google Shape;171;p3">
               <a:extLst>
                 <a:ext uri="{FF2B5EF4-FFF2-40B4-BE49-F238E27FC236}">
-                  <a16:creationId xmlns:a16="http://schemas.microsoft.com/office/drawing/2014/main" xmlns="" id="{29C1CB3E-F7A5-43D1-A177-97F2B8D30819}"/>
+                  <a16:creationId xmlns="" xmlns:a16="http://schemas.microsoft.com/office/drawing/2014/main" id="{29C1CB3E-F7A5-43D1-A177-97F2B8D30819}"/>
                 </a:ext>
               </a:extLst>
             </p:cNvPr>
@@ -27905,7 +28649,7 @@
             <p:cNvPr id="50" name="Google Shape;172;p3">
               <a:extLst>
                 <a:ext uri="{FF2B5EF4-FFF2-40B4-BE49-F238E27FC236}">
-                  <a16:creationId xmlns:a16="http://schemas.microsoft.com/office/drawing/2014/main" xmlns="" id="{4637AF86-1DD4-4678-9981-89AE9098C888}"/>
+                  <a16:creationId xmlns="" xmlns:a16="http://schemas.microsoft.com/office/drawing/2014/main" id="{4637AF86-1DD4-4678-9981-89AE9098C888}"/>
                 </a:ext>
               </a:extLst>
             </p:cNvPr>
@@ -27970,7 +28714,7 @@
             <p:cNvPr id="51" name="Google Shape;173;p3">
               <a:extLst>
                 <a:ext uri="{FF2B5EF4-FFF2-40B4-BE49-F238E27FC236}">
-                  <a16:creationId xmlns:a16="http://schemas.microsoft.com/office/drawing/2014/main" xmlns="" id="{18D0AE4D-EAAF-4488-A66B-9FCA73E65D42}"/>
+                  <a16:creationId xmlns="" xmlns:a16="http://schemas.microsoft.com/office/drawing/2014/main" id="{18D0AE4D-EAAF-4488-A66B-9FCA73E65D42}"/>
                 </a:ext>
               </a:extLst>
             </p:cNvPr>
@@ -28035,7 +28779,7 @@
             <p:cNvPr id="52" name="Google Shape;174;p3">
               <a:extLst>
                 <a:ext uri="{FF2B5EF4-FFF2-40B4-BE49-F238E27FC236}">
-                  <a16:creationId xmlns:a16="http://schemas.microsoft.com/office/drawing/2014/main" xmlns="" id="{7B8E4A56-CCEC-45B3-ACCC-B4A4358EB788}"/>
+                  <a16:creationId xmlns="" xmlns:a16="http://schemas.microsoft.com/office/drawing/2014/main" id="{7B8E4A56-CCEC-45B3-ACCC-B4A4358EB788}"/>
                 </a:ext>
               </a:extLst>
             </p:cNvPr>
@@ -28097,7 +28841,7 @@
             <p:cNvPr id="53" name="Google Shape;175;p3">
               <a:extLst>
                 <a:ext uri="{FF2B5EF4-FFF2-40B4-BE49-F238E27FC236}">
-                  <a16:creationId xmlns:a16="http://schemas.microsoft.com/office/drawing/2014/main" xmlns="" id="{C7A678D3-8080-49E8-89F2-DD3C808AB117}"/>
+                  <a16:creationId xmlns="" xmlns:a16="http://schemas.microsoft.com/office/drawing/2014/main" id="{C7A678D3-8080-49E8-89F2-DD3C808AB117}"/>
                 </a:ext>
               </a:extLst>
             </p:cNvPr>
@@ -28162,7 +28906,7 @@
             <p:cNvPr id="54" name="Google Shape;176;p3">
               <a:extLst>
                 <a:ext uri="{FF2B5EF4-FFF2-40B4-BE49-F238E27FC236}">
-                  <a16:creationId xmlns:a16="http://schemas.microsoft.com/office/drawing/2014/main" xmlns="" id="{294A50A5-B148-404E-B048-85759EEF881A}"/>
+                  <a16:creationId xmlns="" xmlns:a16="http://schemas.microsoft.com/office/drawing/2014/main" id="{294A50A5-B148-404E-B048-85759EEF881A}"/>
                 </a:ext>
               </a:extLst>
             </p:cNvPr>
@@ -28225,7 +28969,7 @@
           <p:cNvPr id="55" name="Google Shape;177;p3">
             <a:extLst>
               <a:ext uri="{FF2B5EF4-FFF2-40B4-BE49-F238E27FC236}">
-                <a16:creationId xmlns:a16="http://schemas.microsoft.com/office/drawing/2014/main" xmlns="" id="{3FF105E1-8915-47A5-8C34-4FE19C0E1ED6}"/>
+                <a16:creationId xmlns="" xmlns:a16="http://schemas.microsoft.com/office/drawing/2014/main" id="{3FF105E1-8915-47A5-8C34-4FE19C0E1ED6}"/>
               </a:ext>
             </a:extLst>
           </p:cNvPr>
@@ -28245,7 +28989,7 @@
             <p:cNvPr id="56" name="Google Shape;178;p3">
               <a:extLst>
                 <a:ext uri="{FF2B5EF4-FFF2-40B4-BE49-F238E27FC236}">
-                  <a16:creationId xmlns:a16="http://schemas.microsoft.com/office/drawing/2014/main" xmlns="" id="{E34A763D-D516-481A-B77E-4DB3301CB433}"/>
+                  <a16:creationId xmlns="" xmlns:a16="http://schemas.microsoft.com/office/drawing/2014/main" id="{E34A763D-D516-481A-B77E-4DB3301CB433}"/>
                 </a:ext>
               </a:extLst>
             </p:cNvPr>
@@ -28310,7 +29054,7 @@
             <p:cNvPr id="57" name="Google Shape;179;p3">
               <a:extLst>
                 <a:ext uri="{FF2B5EF4-FFF2-40B4-BE49-F238E27FC236}">
-                  <a16:creationId xmlns:a16="http://schemas.microsoft.com/office/drawing/2014/main" xmlns="" id="{8BA0D066-E53B-414A-8D7D-7FC58881D77D}"/>
+                  <a16:creationId xmlns="" xmlns:a16="http://schemas.microsoft.com/office/drawing/2014/main" id="{8BA0D066-E53B-414A-8D7D-7FC58881D77D}"/>
                 </a:ext>
               </a:extLst>
             </p:cNvPr>
@@ -28375,7 +29119,7 @@
             <p:cNvPr id="58" name="Google Shape;180;p3">
               <a:extLst>
                 <a:ext uri="{FF2B5EF4-FFF2-40B4-BE49-F238E27FC236}">
-                  <a16:creationId xmlns:a16="http://schemas.microsoft.com/office/drawing/2014/main" xmlns="" id="{E1E90CFE-0313-4CE8-887F-615C8C113C8B}"/>
+                  <a16:creationId xmlns="" xmlns:a16="http://schemas.microsoft.com/office/drawing/2014/main" id="{E1E90CFE-0313-4CE8-887F-615C8C113C8B}"/>
                 </a:ext>
               </a:extLst>
             </p:cNvPr>
@@ -28440,7 +29184,7 @@
             <p:cNvPr id="59" name="Google Shape;181;p3">
               <a:extLst>
                 <a:ext uri="{FF2B5EF4-FFF2-40B4-BE49-F238E27FC236}">
-                  <a16:creationId xmlns:a16="http://schemas.microsoft.com/office/drawing/2014/main" xmlns="" id="{7BD17487-0D4C-4958-A19A-BB7AE1B0B9B4}"/>
+                  <a16:creationId xmlns="" xmlns:a16="http://schemas.microsoft.com/office/drawing/2014/main" id="{7BD17487-0D4C-4958-A19A-BB7AE1B0B9B4}"/>
                 </a:ext>
               </a:extLst>
             </p:cNvPr>
@@ -28502,7 +29246,7 @@
             <p:cNvPr id="60" name="Google Shape;182;p3">
               <a:extLst>
                 <a:ext uri="{FF2B5EF4-FFF2-40B4-BE49-F238E27FC236}">
-                  <a16:creationId xmlns:a16="http://schemas.microsoft.com/office/drawing/2014/main" xmlns="" id="{28A60444-34BE-4255-A549-0A49C1465952}"/>
+                  <a16:creationId xmlns="" xmlns:a16="http://schemas.microsoft.com/office/drawing/2014/main" id="{28A60444-34BE-4255-A549-0A49C1465952}"/>
                 </a:ext>
               </a:extLst>
             </p:cNvPr>
@@ -28567,7 +29311,7 @@
             <p:cNvPr id="61" name="Google Shape;183;p3">
               <a:extLst>
                 <a:ext uri="{FF2B5EF4-FFF2-40B4-BE49-F238E27FC236}">
-                  <a16:creationId xmlns:a16="http://schemas.microsoft.com/office/drawing/2014/main" xmlns="" id="{F32FAB47-3345-4C5B-9A42-DDC5F7C44452}"/>
+                  <a16:creationId xmlns="" xmlns:a16="http://schemas.microsoft.com/office/drawing/2014/main" id="{F32FAB47-3345-4C5B-9A42-DDC5F7C44452}"/>
                 </a:ext>
               </a:extLst>
             </p:cNvPr>
@@ -28630,7 +29374,7 @@
           <p:cNvPr id="62" name="Google Shape;199;p3">
             <a:extLst>
               <a:ext uri="{FF2B5EF4-FFF2-40B4-BE49-F238E27FC236}">
-                <a16:creationId xmlns:a16="http://schemas.microsoft.com/office/drawing/2014/main" xmlns="" id="{BE31818E-0E3E-4269-89BA-F1C874CF2D09}"/>
+                <a16:creationId xmlns="" xmlns:a16="http://schemas.microsoft.com/office/drawing/2014/main" id="{BE31818E-0E3E-4269-89BA-F1C874CF2D09}"/>
               </a:ext>
             </a:extLst>
           </p:cNvPr>
@@ -28736,7 +29480,7 @@
           <p:cNvPr id="63" name="Google Shape;200;p3">
             <a:extLst>
               <a:ext uri="{FF2B5EF4-FFF2-40B4-BE49-F238E27FC236}">
-                <a16:creationId xmlns:a16="http://schemas.microsoft.com/office/drawing/2014/main" xmlns="" id="{0A2CCDE7-2A8B-45C5-B711-113F99524CF8}"/>
+                <a16:creationId xmlns="" xmlns:a16="http://schemas.microsoft.com/office/drawing/2014/main" id="{0A2CCDE7-2A8B-45C5-B711-113F99524CF8}"/>
               </a:ext>
             </a:extLst>
           </p:cNvPr>
@@ -28825,7 +29569,7 @@
           <p:cNvPr id="64" name="Google Shape;202;p3">
             <a:extLst>
               <a:ext uri="{FF2B5EF4-FFF2-40B4-BE49-F238E27FC236}">
-                <a16:creationId xmlns:a16="http://schemas.microsoft.com/office/drawing/2014/main" xmlns="" id="{CF22479A-6026-4DFD-B5CE-D9AB77185134}"/>
+                <a16:creationId xmlns="" xmlns:a16="http://schemas.microsoft.com/office/drawing/2014/main" id="{CF22479A-6026-4DFD-B5CE-D9AB77185134}"/>
               </a:ext>
             </a:extLst>
           </p:cNvPr>
@@ -28893,7 +29637,7 @@
           <p:cNvPr id="65" name="Google Shape;203;p3">
             <a:extLst>
               <a:ext uri="{FF2B5EF4-FFF2-40B4-BE49-F238E27FC236}">
-                <a16:creationId xmlns:a16="http://schemas.microsoft.com/office/drawing/2014/main" xmlns="" id="{4640EE5E-486C-4591-8BD3-67F9A8F91ECF}"/>
+                <a16:creationId xmlns="" xmlns:a16="http://schemas.microsoft.com/office/drawing/2014/main" id="{4640EE5E-486C-4591-8BD3-67F9A8F91ECF}"/>
               </a:ext>
             </a:extLst>
           </p:cNvPr>
@@ -28913,7 +29657,7 @@
             <p:cNvPr id="66" name="Google Shape;204;p3">
               <a:extLst>
                 <a:ext uri="{FF2B5EF4-FFF2-40B4-BE49-F238E27FC236}">
-                  <a16:creationId xmlns:a16="http://schemas.microsoft.com/office/drawing/2014/main" xmlns="" id="{21C1FE22-963D-42ED-8A2C-36A106325378}"/>
+                  <a16:creationId xmlns="" xmlns:a16="http://schemas.microsoft.com/office/drawing/2014/main" id="{21C1FE22-963D-42ED-8A2C-36A106325378}"/>
                 </a:ext>
               </a:extLst>
             </p:cNvPr>
@@ -28978,7 +29722,7 @@
             <p:cNvPr id="67" name="Google Shape;205;p3">
               <a:extLst>
                 <a:ext uri="{FF2B5EF4-FFF2-40B4-BE49-F238E27FC236}">
-                  <a16:creationId xmlns:a16="http://schemas.microsoft.com/office/drawing/2014/main" xmlns="" id="{472D6B0E-65E5-43BD-99E4-9ABA94BD97DA}"/>
+                  <a16:creationId xmlns="" xmlns:a16="http://schemas.microsoft.com/office/drawing/2014/main" id="{472D6B0E-65E5-43BD-99E4-9ABA94BD97DA}"/>
                 </a:ext>
               </a:extLst>
             </p:cNvPr>
@@ -29043,7 +29787,7 @@
             <p:cNvPr id="68" name="Google Shape;206;p3">
               <a:extLst>
                 <a:ext uri="{FF2B5EF4-FFF2-40B4-BE49-F238E27FC236}">
-                  <a16:creationId xmlns:a16="http://schemas.microsoft.com/office/drawing/2014/main" xmlns="" id="{2A81CB49-FBCB-4664-ADB4-623334465376}"/>
+                  <a16:creationId xmlns="" xmlns:a16="http://schemas.microsoft.com/office/drawing/2014/main" id="{2A81CB49-FBCB-4664-ADB4-623334465376}"/>
                 </a:ext>
               </a:extLst>
             </p:cNvPr>
@@ -29108,7 +29852,7 @@
             <p:cNvPr id="69" name="Google Shape;207;p3">
               <a:extLst>
                 <a:ext uri="{FF2B5EF4-FFF2-40B4-BE49-F238E27FC236}">
-                  <a16:creationId xmlns:a16="http://schemas.microsoft.com/office/drawing/2014/main" xmlns="" id="{E7AAF2FD-36E1-42EF-B148-A4ED8BB3B911}"/>
+                  <a16:creationId xmlns="" xmlns:a16="http://schemas.microsoft.com/office/drawing/2014/main" id="{E7AAF2FD-36E1-42EF-B148-A4ED8BB3B911}"/>
                 </a:ext>
               </a:extLst>
             </p:cNvPr>
@@ -29170,7 +29914,7 @@
             <p:cNvPr id="70" name="Google Shape;208;p3">
               <a:extLst>
                 <a:ext uri="{FF2B5EF4-FFF2-40B4-BE49-F238E27FC236}">
-                  <a16:creationId xmlns:a16="http://schemas.microsoft.com/office/drawing/2014/main" xmlns="" id="{270CA44A-AF7C-4C7F-91C7-9DAA5ADE10F9}"/>
+                  <a16:creationId xmlns="" xmlns:a16="http://schemas.microsoft.com/office/drawing/2014/main" id="{270CA44A-AF7C-4C7F-91C7-9DAA5ADE10F9}"/>
                 </a:ext>
               </a:extLst>
             </p:cNvPr>
@@ -29235,7 +29979,7 @@
             <p:cNvPr id="71" name="Google Shape;209;p3">
               <a:extLst>
                 <a:ext uri="{FF2B5EF4-FFF2-40B4-BE49-F238E27FC236}">
-                  <a16:creationId xmlns:a16="http://schemas.microsoft.com/office/drawing/2014/main" xmlns="" id="{475554B4-AE93-4AAC-9D3C-5FE7EEE3A0F5}"/>
+                  <a16:creationId xmlns="" xmlns:a16="http://schemas.microsoft.com/office/drawing/2014/main" id="{475554B4-AE93-4AAC-9D3C-5FE7EEE3A0F5}"/>
                 </a:ext>
               </a:extLst>
             </p:cNvPr>
@@ -29298,7 +30042,7 @@
           <p:cNvPr id="72" name="Google Shape;158;p3">
             <a:extLst>
               <a:ext uri="{FF2B5EF4-FFF2-40B4-BE49-F238E27FC236}">
-                <a16:creationId xmlns:a16="http://schemas.microsoft.com/office/drawing/2014/main" xmlns="" id="{B317176D-FA30-4772-B8FF-A1108DC6D0AC}"/>
+                <a16:creationId xmlns="" xmlns:a16="http://schemas.microsoft.com/office/drawing/2014/main" id="{B317176D-FA30-4772-B8FF-A1108DC6D0AC}"/>
               </a:ext>
             </a:extLst>
           </p:cNvPr>
@@ -29367,6 +30111,13 @@
   <p:clrMapOvr>
     <a:masterClrMapping/>
   </p:clrMapOvr>
+  <p:timing>
+    <p:tnLst>
+      <p:par>
+        <p:cTn id="1" dur="indefinite" restart="never" nodeType="tmRoot"/>
+      </p:par>
+    </p:tnLst>
+  </p:timing>
 </p:sld>
 </file>
 
@@ -29392,7 +30143,7 @@
           <p:cNvPr id="2" name="Title 1">
             <a:extLst>
               <a:ext uri="{FF2B5EF4-FFF2-40B4-BE49-F238E27FC236}">
-                <a16:creationId xmlns:a16="http://schemas.microsoft.com/office/drawing/2014/main" xmlns="" id="{C31AACFF-E6A0-4256-8D35-4113225D4BB1}"/>
+                <a16:creationId xmlns="" xmlns:a16="http://schemas.microsoft.com/office/drawing/2014/main" id="{C31AACFF-E6A0-4256-8D35-4113225D4BB1}"/>
               </a:ext>
             </a:extLst>
           </p:cNvPr>
@@ -29477,7 +30228,7 @@
           <p:cNvPr id="3" name="Text Placeholder 2">
             <a:extLst>
               <a:ext uri="{FF2B5EF4-FFF2-40B4-BE49-F238E27FC236}">
-                <a16:creationId xmlns:a16="http://schemas.microsoft.com/office/drawing/2014/main" xmlns="" id="{EB0FED39-D7F7-46D4-81ED-6EDD34268DF5}"/>
+                <a16:creationId xmlns="" xmlns:a16="http://schemas.microsoft.com/office/drawing/2014/main" id="{EB0FED39-D7F7-46D4-81ED-6EDD34268DF5}"/>
               </a:ext>
             </a:extLst>
           </p:cNvPr>
@@ -29517,7 +30268,7 @@
           <p:cNvPr id="4" name="Text Placeholder 2">
             <a:extLst>
               <a:ext uri="{FF2B5EF4-FFF2-40B4-BE49-F238E27FC236}">
-                <a16:creationId xmlns:a16="http://schemas.microsoft.com/office/drawing/2014/main" xmlns="" id="{B98D1857-0561-411C-BD5D-5E661010EFD7}"/>
+                <a16:creationId xmlns="" xmlns:a16="http://schemas.microsoft.com/office/drawing/2014/main" id="{B98D1857-0561-411C-BD5D-5E661010EFD7}"/>
               </a:ext>
             </a:extLst>
           </p:cNvPr>
@@ -29797,9 +30548,16 @@
             </a:pPr>
             <a:r>
               <a:rPr lang="vi-VN" sz="2400" dirty="0" smtClean="0"/>
-              <a:t>Có thể là một người, một hệ thống, hoặc các kích hoạt thời gian hoặc sự kiện đứng ben ngoài hệ thống tương tác với hệ thống, sử dụng hệ thống cần phát triển</a:t>
-            </a:r>
-            <a:endParaRPr lang="vi-VN" sz="2400" dirty="0" smtClean="0"/>
+              <a:t>Có thể là một người, một hệ thống, hoặc các kích hoạt thời gian hoặc sự kiện đứng </a:t>
+            </a:r>
+            <a:r>
+              <a:rPr lang="vi-VN" sz="2400" dirty="0" smtClean="0"/>
+              <a:t>bên </a:t>
+            </a:r>
+            <a:r>
+              <a:rPr lang="vi-VN" sz="2400" dirty="0" smtClean="0"/>
+              <a:t>ngoài hệ thống tương tác với hệ thống, sử dụng hệ thống cần phát triển</a:t>
+            </a:r>
           </a:p>
         </p:txBody>
       </p:sp>
@@ -29847,7 +30605,7 @@
           <p:cNvPr id="8" name="Text Placeholder 2">
             <a:extLst>
               <a:ext uri="{FF2B5EF4-FFF2-40B4-BE49-F238E27FC236}">
-                <a16:creationId xmlns:a16="http://schemas.microsoft.com/office/drawing/2014/main" xmlns="" id="{B98D1857-0561-411C-BD5D-5E661010EFD7}"/>
+                <a16:creationId xmlns="" xmlns:a16="http://schemas.microsoft.com/office/drawing/2014/main" id="{B98D1857-0561-411C-BD5D-5E661010EFD7}"/>
               </a:ext>
             </a:extLst>
           </p:cNvPr>
@@ -30150,7 +30908,7 @@
           <p:cNvPr id="9" name="Text Placeholder 2">
             <a:extLst>
               <a:ext uri="{FF2B5EF4-FFF2-40B4-BE49-F238E27FC236}">
-                <a16:creationId xmlns:a16="http://schemas.microsoft.com/office/drawing/2014/main" xmlns="" id="{B98D1857-0561-411C-BD5D-5E661010EFD7}"/>
+                <a16:creationId xmlns="" xmlns:a16="http://schemas.microsoft.com/office/drawing/2014/main" id="{B98D1857-0561-411C-BD5D-5E661010EFD7}"/>
               </a:ext>
             </a:extLst>
           </p:cNvPr>
@@ -30440,7 +31198,7 @@
           <p:cNvPr id="10" name="Text Placeholder 2">
             <a:extLst>
               <a:ext uri="{FF2B5EF4-FFF2-40B4-BE49-F238E27FC236}">
-                <a16:creationId xmlns:a16="http://schemas.microsoft.com/office/drawing/2014/main" xmlns="" id="{B98D1857-0561-411C-BD5D-5E661010EFD7}"/>
+                <a16:creationId xmlns="" xmlns:a16="http://schemas.microsoft.com/office/drawing/2014/main" id="{B98D1857-0561-411C-BD5D-5E661010EFD7}"/>
               </a:ext>
             </a:extLst>
           </p:cNvPr>
@@ -30735,6 +31493,13 @@
   <p:clrMapOvr>
     <a:masterClrMapping/>
   </p:clrMapOvr>
+  <p:timing>
+    <p:tnLst>
+      <p:par>
+        <p:cTn id="1" dur="indefinite" restart="never" nodeType="tmRoot"/>
+      </p:par>
+    </p:tnLst>
+  </p:timing>
 </p:sld>
 </file>
 
@@ -30760,7 +31525,7 @@
           <p:cNvPr id="2" name="Title 1">
             <a:extLst>
               <a:ext uri="{FF2B5EF4-FFF2-40B4-BE49-F238E27FC236}">
-                <a16:creationId xmlns:a16="http://schemas.microsoft.com/office/drawing/2014/main" xmlns="" id="{06B9761D-23C7-4AD0-88CA-BE64B32E2D69}"/>
+                <a16:creationId xmlns="" xmlns:a16="http://schemas.microsoft.com/office/drawing/2014/main" id="{06B9761D-23C7-4AD0-88CA-BE64B32E2D69}"/>
               </a:ext>
             </a:extLst>
           </p:cNvPr>
@@ -30845,7 +31610,7 @@
           <p:cNvPr id="3" name="Text Placeholder 2">
             <a:extLst>
               <a:ext uri="{FF2B5EF4-FFF2-40B4-BE49-F238E27FC236}">
-                <a16:creationId xmlns:a16="http://schemas.microsoft.com/office/drawing/2014/main" xmlns="" id="{1FFFFD45-EA13-49A4-B259-FFBA3D9EFCEE}"/>
+                <a16:creationId xmlns="" xmlns:a16="http://schemas.microsoft.com/office/drawing/2014/main" id="{1FFFFD45-EA13-49A4-B259-FFBA3D9EFCEE}"/>
               </a:ext>
             </a:extLst>
           </p:cNvPr>
@@ -31046,6 +31811,13 @@
   <p:clrMapOvr>
     <a:masterClrMapping/>
   </p:clrMapOvr>
+  <p:timing>
+    <p:tnLst>
+      <p:par>
+        <p:cTn id="1" dur="indefinite" restart="never" nodeType="tmRoot"/>
+      </p:par>
+    </p:tnLst>
+  </p:timing>
 </p:sld>
 </file>
 
@@ -31071,7 +31843,7 @@
           <p:cNvPr id="2" name="Title 1">
             <a:extLst>
               <a:ext uri="{FF2B5EF4-FFF2-40B4-BE49-F238E27FC236}">
-                <a16:creationId xmlns:a16="http://schemas.microsoft.com/office/drawing/2014/main" xmlns="" id="{06B9761D-23C7-4AD0-88CA-BE64B32E2D69}"/>
+                <a16:creationId xmlns="" xmlns:a16="http://schemas.microsoft.com/office/drawing/2014/main" id="{06B9761D-23C7-4AD0-88CA-BE64B32E2D69}"/>
               </a:ext>
             </a:extLst>
           </p:cNvPr>
@@ -31156,7 +31928,7 @@
           <p:cNvPr id="3" name="Text Placeholder 2">
             <a:extLst>
               <a:ext uri="{FF2B5EF4-FFF2-40B4-BE49-F238E27FC236}">
-                <a16:creationId xmlns:a16="http://schemas.microsoft.com/office/drawing/2014/main" xmlns="" id="{1FFFFD45-EA13-49A4-B259-FFBA3D9EFCEE}"/>
+                <a16:creationId xmlns="" xmlns:a16="http://schemas.microsoft.com/office/drawing/2014/main" id="{1FFFFD45-EA13-49A4-B259-FFBA3D9EFCEE}"/>
               </a:ext>
             </a:extLst>
           </p:cNvPr>
@@ -31706,6 +32478,13 @@
   <p:clrMapOvr>
     <a:masterClrMapping/>
   </p:clrMapOvr>
+  <p:timing>
+    <p:tnLst>
+      <p:par>
+        <p:cTn id="1" dur="indefinite" restart="never" nodeType="tmRoot"/>
+      </p:par>
+    </p:tnLst>
+  </p:timing>
 </p:sld>
 </file>
 

--- a/Slide.pptx
+++ b/Slide.pptx
@@ -268,7 +268,7 @@
       <p15:sldGuideLst xmlns:p15="http://schemas.microsoft.com/office/powerpoint/2012/main"/>
     </p:ext>
     <p:ext uri="GoogleSlidesCustomDataVersion2">
-      <go:slidesCustomData xmlns="" xmlns:mc="http://schemas.openxmlformats.org/markup-compatibility/2006" xmlns:mv="urn:schemas-microsoft-com:mac:vml" xmlns:c="http://schemas.openxmlformats.org/drawingml/2006/chart" xmlns:dgm="http://schemas.openxmlformats.org/drawingml/2006/diagram" xmlns:o="urn:schemas-microsoft-com:office:office" xmlns:v="urn:schemas-microsoft-com:vml" xmlns:pvml="urn:schemas-microsoft-com:office:powerpoint" xmlns:com="http://schemas.openxmlformats.org/drawingml/2006/compatibility" xmlns:p14="http://schemas.microsoft.com/office/powerpoint/2010/main" xmlns:p15="http://schemas.microsoft.com/office/powerpoint/2012/main" xmlns:ahyp="http://schemas.microsoft.com/office/drawing/2018/hyperlinkcolor" xmlns:go="http://customooxmlschemas.google.com/" r:id="rId34" roundtripDataSignature="AMtx7mgzalF4DGvfEshU7BVqSP7oz0qtVA=="/>
+      <go:slidesCustomData xmlns:go="http://customooxmlschemas.google.com/" xmlns:ahyp="http://schemas.microsoft.com/office/drawing/2018/hyperlinkcolor" xmlns:p15="http://schemas.microsoft.com/office/powerpoint/2012/main" xmlns:p14="http://schemas.microsoft.com/office/powerpoint/2010/main" xmlns:com="http://schemas.openxmlformats.org/drawingml/2006/compatibility" xmlns:pvml="urn:schemas-microsoft-com:office:powerpoint" xmlns:v="urn:schemas-microsoft-com:vml" xmlns:o="urn:schemas-microsoft-com:office:office" xmlns:dgm="http://schemas.openxmlformats.org/drawingml/2006/diagram" xmlns:c="http://schemas.openxmlformats.org/drawingml/2006/chart" xmlns:mv="urn:schemas-microsoft-com:mac:vml" xmlns:mc="http://schemas.openxmlformats.org/markup-compatibility/2006" xmlns="" r:id="rId34" roundtripDataSignature="AMtx7mgzalF4DGvfEshU7BVqSP7oz0qtVA=="/>
     </p:ext>
   </p:extLst>
 </p:presentation>
@@ -12988,7 +12988,7 @@
           <p:cNvPr id="2" name="Title 1">
             <a:extLst>
               <a:ext uri="{FF2B5EF4-FFF2-40B4-BE49-F238E27FC236}">
-                <a16:creationId xmlns="" xmlns:a16="http://schemas.microsoft.com/office/drawing/2014/main" id="{64B95BEF-5974-42F7-A3AF-C837355F8573}"/>
+                <a16:creationId xmlns:a16="http://schemas.microsoft.com/office/drawing/2014/main" xmlns="" id="{64B95BEF-5974-42F7-A3AF-C837355F8573}"/>
               </a:ext>
             </a:extLst>
           </p:cNvPr>
@@ -13073,7 +13073,7 @@
           <p:cNvPr id="3" name="Text Placeholder 2">
             <a:extLst>
               <a:ext uri="{FF2B5EF4-FFF2-40B4-BE49-F238E27FC236}">
-                <a16:creationId xmlns="" xmlns:a16="http://schemas.microsoft.com/office/drawing/2014/main" id="{AB3C6A4E-919D-4DEC-8253-297B1861DCC8}"/>
+                <a16:creationId xmlns:a16="http://schemas.microsoft.com/office/drawing/2014/main" xmlns="" id="{AB3C6A4E-919D-4DEC-8253-297B1861DCC8}"/>
               </a:ext>
             </a:extLst>
           </p:cNvPr>
@@ -13115,7 +13115,7 @@
           <p:cNvPr id="5" name="Text Placeholder 2">
             <a:extLst>
               <a:ext uri="{FF2B5EF4-FFF2-40B4-BE49-F238E27FC236}">
-                <a16:creationId xmlns="" xmlns:a16="http://schemas.microsoft.com/office/drawing/2014/main" id="{B98D1857-0561-411C-BD5D-5E661010EFD7}"/>
+                <a16:creationId xmlns:a16="http://schemas.microsoft.com/office/drawing/2014/main" xmlns="" id="{B98D1857-0561-411C-BD5D-5E661010EFD7}"/>
               </a:ext>
             </a:extLst>
           </p:cNvPr>
@@ -13456,7 +13456,7 @@
           <p:cNvPr id="9" name="Text Placeholder 2">
             <a:extLst>
               <a:ext uri="{FF2B5EF4-FFF2-40B4-BE49-F238E27FC236}">
-                <a16:creationId xmlns="" xmlns:a16="http://schemas.microsoft.com/office/drawing/2014/main" id="{B98D1857-0561-411C-BD5D-5E661010EFD7}"/>
+                <a16:creationId xmlns:a16="http://schemas.microsoft.com/office/drawing/2014/main" xmlns="" id="{B98D1857-0561-411C-BD5D-5E661010EFD7}"/>
               </a:ext>
             </a:extLst>
           </p:cNvPr>
@@ -13746,7 +13746,7 @@
           <p:cNvPr id="10" name="Text Placeholder 2">
             <a:extLst>
               <a:ext uri="{FF2B5EF4-FFF2-40B4-BE49-F238E27FC236}">
-                <a16:creationId xmlns="" xmlns:a16="http://schemas.microsoft.com/office/drawing/2014/main" id="{B98D1857-0561-411C-BD5D-5E661010EFD7}"/>
+                <a16:creationId xmlns:a16="http://schemas.microsoft.com/office/drawing/2014/main" xmlns="" id="{B98D1857-0561-411C-BD5D-5E661010EFD7}"/>
               </a:ext>
             </a:extLst>
           </p:cNvPr>
@@ -14147,7 +14147,7 @@
           <p:cNvPr id="2" name="Title 1">
             <a:extLst>
               <a:ext uri="{FF2B5EF4-FFF2-40B4-BE49-F238E27FC236}">
-                <a16:creationId xmlns="" xmlns:a16="http://schemas.microsoft.com/office/drawing/2014/main" id="{21455DAE-BD5C-4A55-8025-75D2C7C7A9FE}"/>
+                <a16:creationId xmlns:a16="http://schemas.microsoft.com/office/drawing/2014/main" xmlns="" id="{21455DAE-BD5C-4A55-8025-75D2C7C7A9FE}"/>
               </a:ext>
             </a:extLst>
           </p:cNvPr>
@@ -14232,7 +14232,7 @@
           <p:cNvPr id="3" name="Text Placeholder 2">
             <a:extLst>
               <a:ext uri="{FF2B5EF4-FFF2-40B4-BE49-F238E27FC236}">
-                <a16:creationId xmlns="" xmlns:a16="http://schemas.microsoft.com/office/drawing/2014/main" id="{8C8E4A19-149C-474C-B372-724710A41EDB}"/>
+                <a16:creationId xmlns:a16="http://schemas.microsoft.com/office/drawing/2014/main" xmlns="" id="{8C8E4A19-149C-474C-B372-724710A41EDB}"/>
               </a:ext>
             </a:extLst>
           </p:cNvPr>
@@ -14446,7 +14446,7 @@
           <p:cNvPr id="2" name="Title 1">
             <a:extLst>
               <a:ext uri="{FF2B5EF4-FFF2-40B4-BE49-F238E27FC236}">
-                <a16:creationId xmlns="" xmlns:a16="http://schemas.microsoft.com/office/drawing/2014/main" id="{D6C95B60-48C6-4F01-A08F-533FC7622445}"/>
+                <a16:creationId xmlns:a16="http://schemas.microsoft.com/office/drawing/2014/main" xmlns="" id="{D6C95B60-48C6-4F01-A08F-533FC7622445}"/>
               </a:ext>
             </a:extLst>
           </p:cNvPr>
@@ -14531,7 +14531,7 @@
           <p:cNvPr id="3" name="Text Placeholder 2">
             <a:extLst>
               <a:ext uri="{FF2B5EF4-FFF2-40B4-BE49-F238E27FC236}">
-                <a16:creationId xmlns="" xmlns:a16="http://schemas.microsoft.com/office/drawing/2014/main" id="{43E4F237-9968-496E-9496-56500A3FC989}"/>
+                <a16:creationId xmlns:a16="http://schemas.microsoft.com/office/drawing/2014/main" xmlns="" id="{43E4F237-9968-496E-9496-56500A3FC989}"/>
               </a:ext>
             </a:extLst>
           </p:cNvPr>
@@ -14581,7 +14581,7 @@
         </p:nvGraphicFramePr>
         <p:xfrm>
           <a:off x="290145" y="1396998"/>
-          <a:ext cx="8572500" cy="4816484"/>
+          <a:ext cx="8572500" cy="4935864"/>
         </p:xfrm>
         <a:graphic>
           <a:graphicData uri="http://schemas.openxmlformats.org/drawingml/2006/table">
@@ -14986,7 +14986,7 @@
           <p:cNvPr id="2" name="Title 1">
             <a:extLst>
               <a:ext uri="{FF2B5EF4-FFF2-40B4-BE49-F238E27FC236}">
-                <a16:creationId xmlns="" xmlns:a16="http://schemas.microsoft.com/office/drawing/2014/main" id="{D6C95B60-48C6-4F01-A08F-533FC7622445}"/>
+                <a16:creationId xmlns:a16="http://schemas.microsoft.com/office/drawing/2014/main" xmlns="" id="{D6C95B60-48C6-4F01-A08F-533FC7622445}"/>
               </a:ext>
             </a:extLst>
           </p:cNvPr>
@@ -15071,7 +15071,7 @@
           <p:cNvPr id="3" name="Text Placeholder 2">
             <a:extLst>
               <a:ext uri="{FF2B5EF4-FFF2-40B4-BE49-F238E27FC236}">
-                <a16:creationId xmlns="" xmlns:a16="http://schemas.microsoft.com/office/drawing/2014/main" id="{43E4F237-9968-496E-9496-56500A3FC989}"/>
+                <a16:creationId xmlns:a16="http://schemas.microsoft.com/office/drawing/2014/main" xmlns="" id="{43E4F237-9968-496E-9496-56500A3FC989}"/>
               </a:ext>
             </a:extLst>
           </p:cNvPr>
@@ -15096,7 +15096,7 @@
       </p:sp>
       <p:pic>
         <p:nvPicPr>
-          <p:cNvPr id="8" name="Picture 7"/>
+          <p:cNvPr id="4" name="Picture 3"/>
           <p:cNvPicPr>
             <a:picLocks noChangeAspect="1"/>
           </p:cNvPicPr>
@@ -15116,8 +15116,8 @@
         </p:blipFill>
         <p:spPr>
           <a:xfrm>
-            <a:off x="440233" y="1338994"/>
-            <a:ext cx="8272326" cy="4505325"/>
+            <a:off x="161558" y="1455011"/>
+            <a:ext cx="8829675" cy="4505325"/>
           </a:xfrm>
           <a:prstGeom prst="rect">
             <a:avLst/>
@@ -15166,7 +15166,7 @@
           <p:cNvPr id="2" name="Title 1">
             <a:extLst>
               <a:ext uri="{FF2B5EF4-FFF2-40B4-BE49-F238E27FC236}">
-                <a16:creationId xmlns="" xmlns:a16="http://schemas.microsoft.com/office/drawing/2014/main" id="{C640EACF-5B41-4EAC-B109-4A0E229C72B9}"/>
+                <a16:creationId xmlns:a16="http://schemas.microsoft.com/office/drawing/2014/main" xmlns="" id="{C640EACF-5B41-4EAC-B109-4A0E229C72B9}"/>
               </a:ext>
             </a:extLst>
           </p:cNvPr>
@@ -15198,7 +15198,7 @@
           <p:cNvPr id="5" name="Google Shape;160;p3">
             <a:extLst>
               <a:ext uri="{FF2B5EF4-FFF2-40B4-BE49-F238E27FC236}">
-                <a16:creationId xmlns="" xmlns:a16="http://schemas.microsoft.com/office/drawing/2014/main" id="{8A27A72E-21CB-41E5-9508-4ED75CFB27B1}"/>
+                <a16:creationId xmlns:a16="http://schemas.microsoft.com/office/drawing/2014/main" xmlns="" id="{8A27A72E-21CB-41E5-9508-4ED75CFB27B1}"/>
               </a:ext>
             </a:extLst>
           </p:cNvPr>
@@ -15382,7 +15382,7 @@
           <p:cNvPr id="6" name="Google Shape;161;p3">
             <a:extLst>
               <a:ext uri="{FF2B5EF4-FFF2-40B4-BE49-F238E27FC236}">
-                <a16:creationId xmlns="" xmlns:a16="http://schemas.microsoft.com/office/drawing/2014/main" id="{6A442AFE-A857-4B15-AD91-CE89C9E14C0F}"/>
+                <a16:creationId xmlns:a16="http://schemas.microsoft.com/office/drawing/2014/main" xmlns="" id="{6A442AFE-A857-4B15-AD91-CE89C9E14C0F}"/>
               </a:ext>
             </a:extLst>
           </p:cNvPr>
@@ -15590,7 +15590,7 @@
           <p:cNvPr id="7" name="Google Shape;162;p3">
             <a:extLst>
               <a:ext uri="{FF2B5EF4-FFF2-40B4-BE49-F238E27FC236}">
-                <a16:creationId xmlns="" xmlns:a16="http://schemas.microsoft.com/office/drawing/2014/main" id="{D08B6B76-09DF-417A-A11D-3AF5C0058E1E}"/>
+                <a16:creationId xmlns:a16="http://schemas.microsoft.com/office/drawing/2014/main" xmlns="" id="{D08B6B76-09DF-417A-A11D-3AF5C0058E1E}"/>
               </a:ext>
             </a:extLst>
           </p:cNvPr>
@@ -15678,7 +15678,7 @@
           <p:cNvPr id="8" name="Google Shape;163;p3">
             <a:extLst>
               <a:ext uri="{FF2B5EF4-FFF2-40B4-BE49-F238E27FC236}">
-                <a16:creationId xmlns="" xmlns:a16="http://schemas.microsoft.com/office/drawing/2014/main" id="{3AF95ED6-E057-494C-BAF9-BA4A987EA999}"/>
+                <a16:creationId xmlns:a16="http://schemas.microsoft.com/office/drawing/2014/main" xmlns="" id="{3AF95ED6-E057-494C-BAF9-BA4A987EA999}"/>
               </a:ext>
             </a:extLst>
           </p:cNvPr>
@@ -15698,7 +15698,7 @@
             <p:cNvPr id="9" name="Google Shape;164;p3">
               <a:extLst>
                 <a:ext uri="{FF2B5EF4-FFF2-40B4-BE49-F238E27FC236}">
-                  <a16:creationId xmlns="" xmlns:a16="http://schemas.microsoft.com/office/drawing/2014/main" id="{DB95E9E9-E075-400D-ADD9-9E13FF178743}"/>
+                  <a16:creationId xmlns:a16="http://schemas.microsoft.com/office/drawing/2014/main" xmlns="" id="{DB95E9E9-E075-400D-ADD9-9E13FF178743}"/>
                 </a:ext>
               </a:extLst>
             </p:cNvPr>
@@ -15763,7 +15763,7 @@
             <p:cNvPr id="10" name="Google Shape;165;p3">
               <a:extLst>
                 <a:ext uri="{FF2B5EF4-FFF2-40B4-BE49-F238E27FC236}">
-                  <a16:creationId xmlns="" xmlns:a16="http://schemas.microsoft.com/office/drawing/2014/main" id="{49F78CF2-B0AA-43A1-8CA0-A014D7E01443}"/>
+                  <a16:creationId xmlns:a16="http://schemas.microsoft.com/office/drawing/2014/main" xmlns="" id="{49F78CF2-B0AA-43A1-8CA0-A014D7E01443}"/>
                 </a:ext>
               </a:extLst>
             </p:cNvPr>
@@ -15828,7 +15828,7 @@
             <p:cNvPr id="11" name="Google Shape;166;p3">
               <a:extLst>
                 <a:ext uri="{FF2B5EF4-FFF2-40B4-BE49-F238E27FC236}">
-                  <a16:creationId xmlns="" xmlns:a16="http://schemas.microsoft.com/office/drawing/2014/main" id="{869802C9-C440-4D81-8DCF-E05E2A05B165}"/>
+                  <a16:creationId xmlns:a16="http://schemas.microsoft.com/office/drawing/2014/main" xmlns="" id="{869802C9-C440-4D81-8DCF-E05E2A05B165}"/>
                 </a:ext>
               </a:extLst>
             </p:cNvPr>
@@ -15893,7 +15893,7 @@
             <p:cNvPr id="12" name="Google Shape;167;p3">
               <a:extLst>
                 <a:ext uri="{FF2B5EF4-FFF2-40B4-BE49-F238E27FC236}">
-                  <a16:creationId xmlns="" xmlns:a16="http://schemas.microsoft.com/office/drawing/2014/main" id="{AE283430-AED0-41CD-8530-A35C59B958F4}"/>
+                  <a16:creationId xmlns:a16="http://schemas.microsoft.com/office/drawing/2014/main" xmlns="" id="{AE283430-AED0-41CD-8530-A35C59B958F4}"/>
                 </a:ext>
               </a:extLst>
             </p:cNvPr>
@@ -15955,7 +15955,7 @@
             <p:cNvPr id="13" name="Google Shape;168;p3">
               <a:extLst>
                 <a:ext uri="{FF2B5EF4-FFF2-40B4-BE49-F238E27FC236}">
-                  <a16:creationId xmlns="" xmlns:a16="http://schemas.microsoft.com/office/drawing/2014/main" id="{73218BA6-1E20-4737-A20E-14D1A03BE459}"/>
+                  <a16:creationId xmlns:a16="http://schemas.microsoft.com/office/drawing/2014/main" xmlns="" id="{73218BA6-1E20-4737-A20E-14D1A03BE459}"/>
                 </a:ext>
               </a:extLst>
             </p:cNvPr>
@@ -16020,7 +16020,7 @@
             <p:cNvPr id="14" name="Google Shape;169;p3">
               <a:extLst>
                 <a:ext uri="{FF2B5EF4-FFF2-40B4-BE49-F238E27FC236}">
-                  <a16:creationId xmlns="" xmlns:a16="http://schemas.microsoft.com/office/drawing/2014/main" id="{8FB95EB2-9389-439C-B647-D222D273FECC}"/>
+                  <a16:creationId xmlns:a16="http://schemas.microsoft.com/office/drawing/2014/main" xmlns="" id="{8FB95EB2-9389-439C-B647-D222D273FECC}"/>
                 </a:ext>
               </a:extLst>
             </p:cNvPr>
@@ -16083,7 +16083,7 @@
           <p:cNvPr id="15" name="Google Shape;170;p3">
             <a:extLst>
               <a:ext uri="{FF2B5EF4-FFF2-40B4-BE49-F238E27FC236}">
-                <a16:creationId xmlns="" xmlns:a16="http://schemas.microsoft.com/office/drawing/2014/main" id="{026C221F-8E70-4C6D-931E-50EB29F5CAE3}"/>
+                <a16:creationId xmlns:a16="http://schemas.microsoft.com/office/drawing/2014/main" xmlns="" id="{026C221F-8E70-4C6D-931E-50EB29F5CAE3}"/>
               </a:ext>
             </a:extLst>
           </p:cNvPr>
@@ -16103,7 +16103,7 @@
             <p:cNvPr id="16" name="Google Shape;171;p3">
               <a:extLst>
                 <a:ext uri="{FF2B5EF4-FFF2-40B4-BE49-F238E27FC236}">
-                  <a16:creationId xmlns="" xmlns:a16="http://schemas.microsoft.com/office/drawing/2014/main" id="{EA12685C-0535-4C21-9B77-13487D252F89}"/>
+                  <a16:creationId xmlns:a16="http://schemas.microsoft.com/office/drawing/2014/main" xmlns="" id="{EA12685C-0535-4C21-9B77-13487D252F89}"/>
                 </a:ext>
               </a:extLst>
             </p:cNvPr>
@@ -16168,7 +16168,7 @@
             <p:cNvPr id="17" name="Google Shape;172;p3">
               <a:extLst>
                 <a:ext uri="{FF2B5EF4-FFF2-40B4-BE49-F238E27FC236}">
-                  <a16:creationId xmlns="" xmlns:a16="http://schemas.microsoft.com/office/drawing/2014/main" id="{D0528977-706F-477D-B1A7-4D73D35C6EFE}"/>
+                  <a16:creationId xmlns:a16="http://schemas.microsoft.com/office/drawing/2014/main" xmlns="" id="{D0528977-706F-477D-B1A7-4D73D35C6EFE}"/>
                 </a:ext>
               </a:extLst>
             </p:cNvPr>
@@ -16233,7 +16233,7 @@
             <p:cNvPr id="18" name="Google Shape;173;p3">
               <a:extLst>
                 <a:ext uri="{FF2B5EF4-FFF2-40B4-BE49-F238E27FC236}">
-                  <a16:creationId xmlns="" xmlns:a16="http://schemas.microsoft.com/office/drawing/2014/main" id="{46C2E202-AC04-4CB0-AB26-B9EC976F2C80}"/>
+                  <a16:creationId xmlns:a16="http://schemas.microsoft.com/office/drawing/2014/main" xmlns="" id="{46C2E202-AC04-4CB0-AB26-B9EC976F2C80}"/>
                 </a:ext>
               </a:extLst>
             </p:cNvPr>
@@ -16298,7 +16298,7 @@
             <p:cNvPr id="19" name="Google Shape;174;p3">
               <a:extLst>
                 <a:ext uri="{FF2B5EF4-FFF2-40B4-BE49-F238E27FC236}">
-                  <a16:creationId xmlns="" xmlns:a16="http://schemas.microsoft.com/office/drawing/2014/main" id="{C5B7D7A3-5BC2-46CC-ADC5-50B2B858EB85}"/>
+                  <a16:creationId xmlns:a16="http://schemas.microsoft.com/office/drawing/2014/main" xmlns="" id="{C5B7D7A3-5BC2-46CC-ADC5-50B2B858EB85}"/>
                 </a:ext>
               </a:extLst>
             </p:cNvPr>
@@ -16360,7 +16360,7 @@
             <p:cNvPr id="20" name="Google Shape;175;p3">
               <a:extLst>
                 <a:ext uri="{FF2B5EF4-FFF2-40B4-BE49-F238E27FC236}">
-                  <a16:creationId xmlns="" xmlns:a16="http://schemas.microsoft.com/office/drawing/2014/main" id="{B5F75C77-FD66-40CD-9962-9671674FFACA}"/>
+                  <a16:creationId xmlns:a16="http://schemas.microsoft.com/office/drawing/2014/main" xmlns="" id="{B5F75C77-FD66-40CD-9962-9671674FFACA}"/>
                 </a:ext>
               </a:extLst>
             </p:cNvPr>
@@ -16425,7 +16425,7 @@
             <p:cNvPr id="21" name="Google Shape;176;p3">
               <a:extLst>
                 <a:ext uri="{FF2B5EF4-FFF2-40B4-BE49-F238E27FC236}">
-                  <a16:creationId xmlns="" xmlns:a16="http://schemas.microsoft.com/office/drawing/2014/main" id="{1FF3FAE7-EE1D-43A2-9D53-031478C9C0E9}"/>
+                  <a16:creationId xmlns:a16="http://schemas.microsoft.com/office/drawing/2014/main" xmlns="" id="{1FF3FAE7-EE1D-43A2-9D53-031478C9C0E9}"/>
                 </a:ext>
               </a:extLst>
             </p:cNvPr>
@@ -16488,7 +16488,7 @@
           <p:cNvPr id="22" name="Google Shape;177;p3">
             <a:extLst>
               <a:ext uri="{FF2B5EF4-FFF2-40B4-BE49-F238E27FC236}">
-                <a16:creationId xmlns="" xmlns:a16="http://schemas.microsoft.com/office/drawing/2014/main" id="{84AC31BD-94DA-4135-8997-406B1A8768EB}"/>
+                <a16:creationId xmlns:a16="http://schemas.microsoft.com/office/drawing/2014/main" xmlns="" id="{84AC31BD-94DA-4135-8997-406B1A8768EB}"/>
               </a:ext>
             </a:extLst>
           </p:cNvPr>
@@ -16508,7 +16508,7 @@
             <p:cNvPr id="23" name="Google Shape;178;p3">
               <a:extLst>
                 <a:ext uri="{FF2B5EF4-FFF2-40B4-BE49-F238E27FC236}">
-                  <a16:creationId xmlns="" xmlns:a16="http://schemas.microsoft.com/office/drawing/2014/main" id="{254A14FF-43D7-422E-A352-C65E7FB17B56}"/>
+                  <a16:creationId xmlns:a16="http://schemas.microsoft.com/office/drawing/2014/main" xmlns="" id="{254A14FF-43D7-422E-A352-C65E7FB17B56}"/>
                 </a:ext>
               </a:extLst>
             </p:cNvPr>
@@ -16573,7 +16573,7 @@
             <p:cNvPr id="24" name="Google Shape;179;p3">
               <a:extLst>
                 <a:ext uri="{FF2B5EF4-FFF2-40B4-BE49-F238E27FC236}">
-                  <a16:creationId xmlns="" xmlns:a16="http://schemas.microsoft.com/office/drawing/2014/main" id="{6D5215C4-D188-46DB-A524-2BBEB1E74D67}"/>
+                  <a16:creationId xmlns:a16="http://schemas.microsoft.com/office/drawing/2014/main" xmlns="" id="{6D5215C4-D188-46DB-A524-2BBEB1E74D67}"/>
                 </a:ext>
               </a:extLst>
             </p:cNvPr>
@@ -16638,7 +16638,7 @@
             <p:cNvPr id="25" name="Google Shape;180;p3">
               <a:extLst>
                 <a:ext uri="{FF2B5EF4-FFF2-40B4-BE49-F238E27FC236}">
-                  <a16:creationId xmlns="" xmlns:a16="http://schemas.microsoft.com/office/drawing/2014/main" id="{66E66CBF-C36E-4559-B774-38FFFC0B750F}"/>
+                  <a16:creationId xmlns:a16="http://schemas.microsoft.com/office/drawing/2014/main" xmlns="" id="{66E66CBF-C36E-4559-B774-38FFFC0B750F}"/>
                 </a:ext>
               </a:extLst>
             </p:cNvPr>
@@ -16703,7 +16703,7 @@
             <p:cNvPr id="26" name="Google Shape;181;p3">
               <a:extLst>
                 <a:ext uri="{FF2B5EF4-FFF2-40B4-BE49-F238E27FC236}">
-                  <a16:creationId xmlns="" xmlns:a16="http://schemas.microsoft.com/office/drawing/2014/main" id="{88A5F05E-B239-49BA-A4F3-1136CDA69D44}"/>
+                  <a16:creationId xmlns:a16="http://schemas.microsoft.com/office/drawing/2014/main" xmlns="" id="{88A5F05E-B239-49BA-A4F3-1136CDA69D44}"/>
                 </a:ext>
               </a:extLst>
             </p:cNvPr>
@@ -16765,7 +16765,7 @@
             <p:cNvPr id="27" name="Google Shape;182;p3">
               <a:extLst>
                 <a:ext uri="{FF2B5EF4-FFF2-40B4-BE49-F238E27FC236}">
-                  <a16:creationId xmlns="" xmlns:a16="http://schemas.microsoft.com/office/drawing/2014/main" id="{69406EFD-AED6-4778-B91E-A9E7D844DDF8}"/>
+                  <a16:creationId xmlns:a16="http://schemas.microsoft.com/office/drawing/2014/main" xmlns="" id="{69406EFD-AED6-4778-B91E-A9E7D844DDF8}"/>
                 </a:ext>
               </a:extLst>
             </p:cNvPr>
@@ -16830,7 +16830,7 @@
             <p:cNvPr id="28" name="Google Shape;183;p3">
               <a:extLst>
                 <a:ext uri="{FF2B5EF4-FFF2-40B4-BE49-F238E27FC236}">
-                  <a16:creationId xmlns="" xmlns:a16="http://schemas.microsoft.com/office/drawing/2014/main" id="{9BBDC2A1-EF58-4B00-80AF-689CB635CCB1}"/>
+                  <a16:creationId xmlns:a16="http://schemas.microsoft.com/office/drawing/2014/main" xmlns="" id="{9BBDC2A1-EF58-4B00-80AF-689CB635CCB1}"/>
                 </a:ext>
               </a:extLst>
             </p:cNvPr>
@@ -16893,7 +16893,7 @@
           <p:cNvPr id="29" name="Google Shape;199;p3">
             <a:extLst>
               <a:ext uri="{FF2B5EF4-FFF2-40B4-BE49-F238E27FC236}">
-                <a16:creationId xmlns="" xmlns:a16="http://schemas.microsoft.com/office/drawing/2014/main" id="{FC3D87FF-5281-4ECD-BE9E-3D87E89DC773}"/>
+                <a16:creationId xmlns:a16="http://schemas.microsoft.com/office/drawing/2014/main" xmlns="" id="{FC3D87FF-5281-4ECD-BE9E-3D87E89DC773}"/>
               </a:ext>
             </a:extLst>
           </p:cNvPr>
@@ -16999,7 +16999,7 @@
           <p:cNvPr id="30" name="Google Shape;200;p3">
             <a:extLst>
               <a:ext uri="{FF2B5EF4-FFF2-40B4-BE49-F238E27FC236}">
-                <a16:creationId xmlns="" xmlns:a16="http://schemas.microsoft.com/office/drawing/2014/main" id="{F4063545-6FCD-4437-BD07-C85F54566E52}"/>
+                <a16:creationId xmlns:a16="http://schemas.microsoft.com/office/drawing/2014/main" xmlns="" id="{F4063545-6FCD-4437-BD07-C85F54566E52}"/>
               </a:ext>
             </a:extLst>
           </p:cNvPr>
@@ -17088,7 +17088,7 @@
           <p:cNvPr id="31" name="Google Shape;202;p3">
             <a:extLst>
               <a:ext uri="{FF2B5EF4-FFF2-40B4-BE49-F238E27FC236}">
-                <a16:creationId xmlns="" xmlns:a16="http://schemas.microsoft.com/office/drawing/2014/main" id="{4CE7BF19-21C2-4342-AB4F-244641422EA7}"/>
+                <a16:creationId xmlns:a16="http://schemas.microsoft.com/office/drawing/2014/main" xmlns="" id="{4CE7BF19-21C2-4342-AB4F-244641422EA7}"/>
               </a:ext>
             </a:extLst>
           </p:cNvPr>
@@ -17156,7 +17156,7 @@
           <p:cNvPr id="32" name="Google Shape;203;p3">
             <a:extLst>
               <a:ext uri="{FF2B5EF4-FFF2-40B4-BE49-F238E27FC236}">
-                <a16:creationId xmlns="" xmlns:a16="http://schemas.microsoft.com/office/drawing/2014/main" id="{D0CFE224-CABA-49AD-BB4F-B6A4F4347AE8}"/>
+                <a16:creationId xmlns:a16="http://schemas.microsoft.com/office/drawing/2014/main" xmlns="" id="{D0CFE224-CABA-49AD-BB4F-B6A4F4347AE8}"/>
               </a:ext>
             </a:extLst>
           </p:cNvPr>
@@ -17176,7 +17176,7 @@
             <p:cNvPr id="33" name="Google Shape;204;p3">
               <a:extLst>
                 <a:ext uri="{FF2B5EF4-FFF2-40B4-BE49-F238E27FC236}">
-                  <a16:creationId xmlns="" xmlns:a16="http://schemas.microsoft.com/office/drawing/2014/main" id="{ADA77C57-B344-43CC-9E82-257EA5707193}"/>
+                  <a16:creationId xmlns:a16="http://schemas.microsoft.com/office/drawing/2014/main" xmlns="" id="{ADA77C57-B344-43CC-9E82-257EA5707193}"/>
                 </a:ext>
               </a:extLst>
             </p:cNvPr>
@@ -17241,7 +17241,7 @@
             <p:cNvPr id="34" name="Google Shape;205;p3">
               <a:extLst>
                 <a:ext uri="{FF2B5EF4-FFF2-40B4-BE49-F238E27FC236}">
-                  <a16:creationId xmlns="" xmlns:a16="http://schemas.microsoft.com/office/drawing/2014/main" id="{FD4FC7CC-69D9-4410-B9C4-AB4335D04A65}"/>
+                  <a16:creationId xmlns:a16="http://schemas.microsoft.com/office/drawing/2014/main" xmlns="" id="{FD4FC7CC-69D9-4410-B9C4-AB4335D04A65}"/>
                 </a:ext>
               </a:extLst>
             </p:cNvPr>
@@ -17306,7 +17306,7 @@
             <p:cNvPr id="35" name="Google Shape;206;p3">
               <a:extLst>
                 <a:ext uri="{FF2B5EF4-FFF2-40B4-BE49-F238E27FC236}">
-                  <a16:creationId xmlns="" xmlns:a16="http://schemas.microsoft.com/office/drawing/2014/main" id="{9AEA99E7-8B39-4104-B7C3-5CCC6B5F9EB8}"/>
+                  <a16:creationId xmlns:a16="http://schemas.microsoft.com/office/drawing/2014/main" xmlns="" id="{9AEA99E7-8B39-4104-B7C3-5CCC6B5F9EB8}"/>
                 </a:ext>
               </a:extLst>
             </p:cNvPr>
@@ -17371,7 +17371,7 @@
             <p:cNvPr id="36" name="Google Shape;207;p3">
               <a:extLst>
                 <a:ext uri="{FF2B5EF4-FFF2-40B4-BE49-F238E27FC236}">
-                  <a16:creationId xmlns="" xmlns:a16="http://schemas.microsoft.com/office/drawing/2014/main" id="{7414FFEC-C057-4B16-966C-A05FF1F93B7A}"/>
+                  <a16:creationId xmlns:a16="http://schemas.microsoft.com/office/drawing/2014/main" xmlns="" id="{7414FFEC-C057-4B16-966C-A05FF1F93B7A}"/>
                 </a:ext>
               </a:extLst>
             </p:cNvPr>
@@ -17433,7 +17433,7 @@
             <p:cNvPr id="37" name="Google Shape;208;p3">
               <a:extLst>
                 <a:ext uri="{FF2B5EF4-FFF2-40B4-BE49-F238E27FC236}">
-                  <a16:creationId xmlns="" xmlns:a16="http://schemas.microsoft.com/office/drawing/2014/main" id="{DC2A015A-C3CD-4B80-81E4-232189F525AB}"/>
+                  <a16:creationId xmlns:a16="http://schemas.microsoft.com/office/drawing/2014/main" xmlns="" id="{DC2A015A-C3CD-4B80-81E4-232189F525AB}"/>
                 </a:ext>
               </a:extLst>
             </p:cNvPr>
@@ -17498,7 +17498,7 @@
             <p:cNvPr id="38" name="Google Shape;209;p3">
               <a:extLst>
                 <a:ext uri="{FF2B5EF4-FFF2-40B4-BE49-F238E27FC236}">
-                  <a16:creationId xmlns="" xmlns:a16="http://schemas.microsoft.com/office/drawing/2014/main" id="{36F55875-6EDF-41F7-8F76-01E3A9490B33}"/>
+                  <a16:creationId xmlns:a16="http://schemas.microsoft.com/office/drawing/2014/main" xmlns="" id="{36F55875-6EDF-41F7-8F76-01E3A9490B33}"/>
                 </a:ext>
               </a:extLst>
             </p:cNvPr>
@@ -17598,7 +17598,7 @@
           <p:cNvPr id="2" name="Title 1">
             <a:extLst>
               <a:ext uri="{FF2B5EF4-FFF2-40B4-BE49-F238E27FC236}">
-                <a16:creationId xmlns="" xmlns:a16="http://schemas.microsoft.com/office/drawing/2014/main" id="{4E9981E3-C5D5-4789-BFD0-B96ED31C3361}"/>
+                <a16:creationId xmlns:a16="http://schemas.microsoft.com/office/drawing/2014/main" xmlns="" id="{4E9981E3-C5D5-4789-BFD0-B96ED31C3361}"/>
               </a:ext>
             </a:extLst>
           </p:cNvPr>
@@ -17687,7 +17687,7 @@
           <p:cNvPr id="3" name="Text Placeholder 2">
             <a:extLst>
               <a:ext uri="{FF2B5EF4-FFF2-40B4-BE49-F238E27FC236}">
-                <a16:creationId xmlns="" xmlns:a16="http://schemas.microsoft.com/office/drawing/2014/main" id="{04E19840-75A0-4F77-8941-BED6C7332C8E}"/>
+                <a16:creationId xmlns:a16="http://schemas.microsoft.com/office/drawing/2014/main" xmlns="" id="{04E19840-75A0-4F77-8941-BED6C7332C8E}"/>
               </a:ext>
             </a:extLst>
           </p:cNvPr>
@@ -17823,7 +17823,7 @@
           <p:cNvPr id="2" name="Title 1">
             <a:extLst>
               <a:ext uri="{FF2B5EF4-FFF2-40B4-BE49-F238E27FC236}">
-                <a16:creationId xmlns="" xmlns:a16="http://schemas.microsoft.com/office/drawing/2014/main" id="{4E9981E3-C5D5-4789-BFD0-B96ED31C3361}"/>
+                <a16:creationId xmlns:a16="http://schemas.microsoft.com/office/drawing/2014/main" xmlns="" id="{4E9981E3-C5D5-4789-BFD0-B96ED31C3361}"/>
               </a:ext>
             </a:extLst>
           </p:cNvPr>
@@ -17912,7 +17912,7 @@
           <p:cNvPr id="3" name="Text Placeholder 2">
             <a:extLst>
               <a:ext uri="{FF2B5EF4-FFF2-40B4-BE49-F238E27FC236}">
-                <a16:creationId xmlns="" xmlns:a16="http://schemas.microsoft.com/office/drawing/2014/main" id="{04E19840-75A0-4F77-8941-BED6C7332C8E}"/>
+                <a16:creationId xmlns:a16="http://schemas.microsoft.com/office/drawing/2014/main" xmlns="" id="{04E19840-75A0-4F77-8941-BED6C7332C8E}"/>
               </a:ext>
             </a:extLst>
           </p:cNvPr>
@@ -18033,7 +18033,7 @@
           <p:cNvPr id="2" name="Title 1">
             <a:extLst>
               <a:ext uri="{FF2B5EF4-FFF2-40B4-BE49-F238E27FC236}">
-                <a16:creationId xmlns="" xmlns:a16="http://schemas.microsoft.com/office/drawing/2014/main" id="{3A51F162-21A5-4A7E-BEA1-6FC982984606}"/>
+                <a16:creationId xmlns:a16="http://schemas.microsoft.com/office/drawing/2014/main" xmlns="" id="{3A51F162-21A5-4A7E-BEA1-6FC982984606}"/>
               </a:ext>
             </a:extLst>
           </p:cNvPr>
@@ -18122,7 +18122,7 @@
           <p:cNvPr id="3" name="Text Placeholder 2">
             <a:extLst>
               <a:ext uri="{FF2B5EF4-FFF2-40B4-BE49-F238E27FC236}">
-                <a16:creationId xmlns="" xmlns:a16="http://schemas.microsoft.com/office/drawing/2014/main" id="{18D3A6EF-1462-4B1D-975B-CB4318CBCFAB}"/>
+                <a16:creationId xmlns:a16="http://schemas.microsoft.com/office/drawing/2014/main" xmlns="" id="{18D3A6EF-1462-4B1D-975B-CB4318CBCFAB}"/>
               </a:ext>
             </a:extLst>
           </p:cNvPr>
@@ -18792,7 +18792,7 @@
           <p:cNvPr id="2" name="Title 1">
             <a:extLst>
               <a:ext uri="{FF2B5EF4-FFF2-40B4-BE49-F238E27FC236}">
-                <a16:creationId xmlns="" xmlns:a16="http://schemas.microsoft.com/office/drawing/2014/main" id="{116DFACF-02F6-4DA1-B480-E710AB0CA9BE}"/>
+                <a16:creationId xmlns:a16="http://schemas.microsoft.com/office/drawing/2014/main" xmlns="" id="{116DFACF-02F6-4DA1-B480-E710AB0CA9BE}"/>
               </a:ext>
             </a:extLst>
           </p:cNvPr>
@@ -18881,7 +18881,7 @@
           <p:cNvPr id="3" name="Text Placeholder 2">
             <a:extLst>
               <a:ext uri="{FF2B5EF4-FFF2-40B4-BE49-F238E27FC236}">
-                <a16:creationId xmlns="" xmlns:a16="http://schemas.microsoft.com/office/drawing/2014/main" id="{39CD1093-197B-4827-8F7B-5396F002D546}"/>
+                <a16:creationId xmlns:a16="http://schemas.microsoft.com/office/drawing/2014/main" xmlns="" id="{39CD1093-197B-4827-8F7B-5396F002D546}"/>
               </a:ext>
             </a:extLst>
           </p:cNvPr>
@@ -19024,7 +19024,7 @@
           <p:cNvPr id="2" name="Title 1">
             <a:extLst>
               <a:ext uri="{FF2B5EF4-FFF2-40B4-BE49-F238E27FC236}">
-                <a16:creationId xmlns="" xmlns:a16="http://schemas.microsoft.com/office/drawing/2014/main" id="{116DFACF-02F6-4DA1-B480-E710AB0CA9BE}"/>
+                <a16:creationId xmlns:a16="http://schemas.microsoft.com/office/drawing/2014/main" xmlns="" id="{116DFACF-02F6-4DA1-B480-E710AB0CA9BE}"/>
               </a:ext>
             </a:extLst>
           </p:cNvPr>
@@ -19113,7 +19113,7 @@
           <p:cNvPr id="3" name="Text Placeholder 2">
             <a:extLst>
               <a:ext uri="{FF2B5EF4-FFF2-40B4-BE49-F238E27FC236}">
-                <a16:creationId xmlns="" xmlns:a16="http://schemas.microsoft.com/office/drawing/2014/main" id="{39CD1093-197B-4827-8F7B-5396F002D546}"/>
+                <a16:creationId xmlns:a16="http://schemas.microsoft.com/office/drawing/2014/main" xmlns="" id="{39CD1093-197B-4827-8F7B-5396F002D546}"/>
               </a:ext>
             </a:extLst>
           </p:cNvPr>
@@ -21475,7 +21475,7 @@
           <p:cNvPr id="2" name="Title 1">
             <a:extLst>
               <a:ext uri="{FF2B5EF4-FFF2-40B4-BE49-F238E27FC236}">
-                <a16:creationId xmlns="" xmlns:a16="http://schemas.microsoft.com/office/drawing/2014/main" id="{F8E5B976-DFB9-4BCF-909B-AD7402CB5834}"/>
+                <a16:creationId xmlns:a16="http://schemas.microsoft.com/office/drawing/2014/main" xmlns="" id="{F8E5B976-DFB9-4BCF-909B-AD7402CB5834}"/>
               </a:ext>
             </a:extLst>
           </p:cNvPr>
@@ -21507,7 +21507,7 @@
           <p:cNvPr id="4" name="Google Shape;160;p3">
             <a:extLst>
               <a:ext uri="{FF2B5EF4-FFF2-40B4-BE49-F238E27FC236}">
-                <a16:creationId xmlns="" xmlns:a16="http://schemas.microsoft.com/office/drawing/2014/main" id="{C3677F29-6316-4C3E-BED2-FCC858D52B85}"/>
+                <a16:creationId xmlns:a16="http://schemas.microsoft.com/office/drawing/2014/main" xmlns="" id="{C3677F29-6316-4C3E-BED2-FCC858D52B85}"/>
               </a:ext>
             </a:extLst>
           </p:cNvPr>
@@ -21687,7 +21687,7 @@
           <p:cNvPr id="5" name="Google Shape;161;p3">
             <a:extLst>
               <a:ext uri="{FF2B5EF4-FFF2-40B4-BE49-F238E27FC236}">
-                <a16:creationId xmlns="" xmlns:a16="http://schemas.microsoft.com/office/drawing/2014/main" id="{928356A9-A7B0-4595-9DD3-4C75ECB6C5C6}"/>
+                <a16:creationId xmlns:a16="http://schemas.microsoft.com/office/drawing/2014/main" xmlns="" id="{928356A9-A7B0-4595-9DD3-4C75ECB6C5C6}"/>
               </a:ext>
             </a:extLst>
           </p:cNvPr>
@@ -21895,7 +21895,7 @@
           <p:cNvPr id="6" name="Google Shape;162;p3">
             <a:extLst>
               <a:ext uri="{FF2B5EF4-FFF2-40B4-BE49-F238E27FC236}">
-                <a16:creationId xmlns="" xmlns:a16="http://schemas.microsoft.com/office/drawing/2014/main" id="{8346D467-0818-4BB1-B738-520AB69689D2}"/>
+                <a16:creationId xmlns:a16="http://schemas.microsoft.com/office/drawing/2014/main" xmlns="" id="{8346D467-0818-4BB1-B738-520AB69689D2}"/>
               </a:ext>
             </a:extLst>
           </p:cNvPr>
@@ -21983,7 +21983,7 @@
           <p:cNvPr id="7" name="Google Shape;163;p3">
             <a:extLst>
               <a:ext uri="{FF2B5EF4-FFF2-40B4-BE49-F238E27FC236}">
-                <a16:creationId xmlns="" xmlns:a16="http://schemas.microsoft.com/office/drawing/2014/main" id="{E6817529-B90C-413A-9AC9-DEF483BD0901}"/>
+                <a16:creationId xmlns:a16="http://schemas.microsoft.com/office/drawing/2014/main" xmlns="" id="{E6817529-B90C-413A-9AC9-DEF483BD0901}"/>
               </a:ext>
             </a:extLst>
           </p:cNvPr>
@@ -22003,7 +22003,7 @@
             <p:cNvPr id="8" name="Google Shape;164;p3">
               <a:extLst>
                 <a:ext uri="{FF2B5EF4-FFF2-40B4-BE49-F238E27FC236}">
-                  <a16:creationId xmlns="" xmlns:a16="http://schemas.microsoft.com/office/drawing/2014/main" id="{CD8DC5DD-3B99-41B2-A229-89BF2B48B3EF}"/>
+                  <a16:creationId xmlns:a16="http://schemas.microsoft.com/office/drawing/2014/main" xmlns="" id="{CD8DC5DD-3B99-41B2-A229-89BF2B48B3EF}"/>
                 </a:ext>
               </a:extLst>
             </p:cNvPr>
@@ -22068,7 +22068,7 @@
             <p:cNvPr id="9" name="Google Shape;165;p3">
               <a:extLst>
                 <a:ext uri="{FF2B5EF4-FFF2-40B4-BE49-F238E27FC236}">
-                  <a16:creationId xmlns="" xmlns:a16="http://schemas.microsoft.com/office/drawing/2014/main" id="{C017C226-E0AD-4882-849A-AA8CC8981B64}"/>
+                  <a16:creationId xmlns:a16="http://schemas.microsoft.com/office/drawing/2014/main" xmlns="" id="{C017C226-E0AD-4882-849A-AA8CC8981B64}"/>
                 </a:ext>
               </a:extLst>
             </p:cNvPr>
@@ -22133,7 +22133,7 @@
             <p:cNvPr id="10" name="Google Shape;166;p3">
               <a:extLst>
                 <a:ext uri="{FF2B5EF4-FFF2-40B4-BE49-F238E27FC236}">
-                  <a16:creationId xmlns="" xmlns:a16="http://schemas.microsoft.com/office/drawing/2014/main" id="{75F9A301-236C-4C49-BCCB-53175FC5D4E5}"/>
+                  <a16:creationId xmlns:a16="http://schemas.microsoft.com/office/drawing/2014/main" xmlns="" id="{75F9A301-236C-4C49-BCCB-53175FC5D4E5}"/>
                 </a:ext>
               </a:extLst>
             </p:cNvPr>
@@ -22198,7 +22198,7 @@
             <p:cNvPr id="11" name="Google Shape;167;p3">
               <a:extLst>
                 <a:ext uri="{FF2B5EF4-FFF2-40B4-BE49-F238E27FC236}">
-                  <a16:creationId xmlns="" xmlns:a16="http://schemas.microsoft.com/office/drawing/2014/main" id="{F77C696C-2CEC-402A-8806-BB4568020B0F}"/>
+                  <a16:creationId xmlns:a16="http://schemas.microsoft.com/office/drawing/2014/main" xmlns="" id="{F77C696C-2CEC-402A-8806-BB4568020B0F}"/>
                 </a:ext>
               </a:extLst>
             </p:cNvPr>
@@ -22260,7 +22260,7 @@
             <p:cNvPr id="12" name="Google Shape;168;p3">
               <a:extLst>
                 <a:ext uri="{FF2B5EF4-FFF2-40B4-BE49-F238E27FC236}">
-                  <a16:creationId xmlns="" xmlns:a16="http://schemas.microsoft.com/office/drawing/2014/main" id="{FC3AA40F-CC6D-443D-AC0B-D1924CDC946A}"/>
+                  <a16:creationId xmlns:a16="http://schemas.microsoft.com/office/drawing/2014/main" xmlns="" id="{FC3AA40F-CC6D-443D-AC0B-D1924CDC946A}"/>
                 </a:ext>
               </a:extLst>
             </p:cNvPr>
@@ -22325,7 +22325,7 @@
             <p:cNvPr id="13" name="Google Shape;169;p3">
               <a:extLst>
                 <a:ext uri="{FF2B5EF4-FFF2-40B4-BE49-F238E27FC236}">
-                  <a16:creationId xmlns="" xmlns:a16="http://schemas.microsoft.com/office/drawing/2014/main" id="{7D710282-E9D5-4F6D-B0AB-FECCD670DAB3}"/>
+                  <a16:creationId xmlns:a16="http://schemas.microsoft.com/office/drawing/2014/main" xmlns="" id="{7D710282-E9D5-4F6D-B0AB-FECCD670DAB3}"/>
                 </a:ext>
               </a:extLst>
             </p:cNvPr>
@@ -22388,7 +22388,7 @@
           <p:cNvPr id="14" name="Google Shape;170;p3">
             <a:extLst>
               <a:ext uri="{FF2B5EF4-FFF2-40B4-BE49-F238E27FC236}">
-                <a16:creationId xmlns="" xmlns:a16="http://schemas.microsoft.com/office/drawing/2014/main" id="{35CBE95F-DF17-4BFB-B9A1-8484F5E5DA71}"/>
+                <a16:creationId xmlns:a16="http://schemas.microsoft.com/office/drawing/2014/main" xmlns="" id="{35CBE95F-DF17-4BFB-B9A1-8484F5E5DA71}"/>
               </a:ext>
             </a:extLst>
           </p:cNvPr>
@@ -22408,7 +22408,7 @@
             <p:cNvPr id="15" name="Google Shape;171;p3">
               <a:extLst>
                 <a:ext uri="{FF2B5EF4-FFF2-40B4-BE49-F238E27FC236}">
-                  <a16:creationId xmlns="" xmlns:a16="http://schemas.microsoft.com/office/drawing/2014/main" id="{97D024F6-9B4B-40B8-B5AB-6A7A00073769}"/>
+                  <a16:creationId xmlns:a16="http://schemas.microsoft.com/office/drawing/2014/main" xmlns="" id="{97D024F6-9B4B-40B8-B5AB-6A7A00073769}"/>
                 </a:ext>
               </a:extLst>
             </p:cNvPr>
@@ -22473,7 +22473,7 @@
             <p:cNvPr id="16" name="Google Shape;172;p3">
               <a:extLst>
                 <a:ext uri="{FF2B5EF4-FFF2-40B4-BE49-F238E27FC236}">
-                  <a16:creationId xmlns="" xmlns:a16="http://schemas.microsoft.com/office/drawing/2014/main" id="{38C7AB3B-C1DA-42E8-B39A-50CEB18A7FD3}"/>
+                  <a16:creationId xmlns:a16="http://schemas.microsoft.com/office/drawing/2014/main" xmlns="" id="{38C7AB3B-C1DA-42E8-B39A-50CEB18A7FD3}"/>
                 </a:ext>
               </a:extLst>
             </p:cNvPr>
@@ -22538,7 +22538,7 @@
             <p:cNvPr id="17" name="Google Shape;173;p3">
               <a:extLst>
                 <a:ext uri="{FF2B5EF4-FFF2-40B4-BE49-F238E27FC236}">
-                  <a16:creationId xmlns="" xmlns:a16="http://schemas.microsoft.com/office/drawing/2014/main" id="{788C0B6D-3B41-4DB0-A5A3-2ECF5752D173}"/>
+                  <a16:creationId xmlns:a16="http://schemas.microsoft.com/office/drawing/2014/main" xmlns="" id="{788C0B6D-3B41-4DB0-A5A3-2ECF5752D173}"/>
                 </a:ext>
               </a:extLst>
             </p:cNvPr>
@@ -22603,7 +22603,7 @@
             <p:cNvPr id="18" name="Google Shape;174;p3">
               <a:extLst>
                 <a:ext uri="{FF2B5EF4-FFF2-40B4-BE49-F238E27FC236}">
-                  <a16:creationId xmlns="" xmlns:a16="http://schemas.microsoft.com/office/drawing/2014/main" id="{F448598D-8D67-49F6-9398-10E03BE88126}"/>
+                  <a16:creationId xmlns:a16="http://schemas.microsoft.com/office/drawing/2014/main" xmlns="" id="{F448598D-8D67-49F6-9398-10E03BE88126}"/>
                 </a:ext>
               </a:extLst>
             </p:cNvPr>
@@ -22665,7 +22665,7 @@
             <p:cNvPr id="19" name="Google Shape;175;p3">
               <a:extLst>
                 <a:ext uri="{FF2B5EF4-FFF2-40B4-BE49-F238E27FC236}">
-                  <a16:creationId xmlns="" xmlns:a16="http://schemas.microsoft.com/office/drawing/2014/main" id="{FE3DB652-DBB6-428F-AF8F-FE4E6E47FCDA}"/>
+                  <a16:creationId xmlns:a16="http://schemas.microsoft.com/office/drawing/2014/main" xmlns="" id="{FE3DB652-DBB6-428F-AF8F-FE4E6E47FCDA}"/>
                 </a:ext>
               </a:extLst>
             </p:cNvPr>
@@ -22730,7 +22730,7 @@
             <p:cNvPr id="20" name="Google Shape;176;p3">
               <a:extLst>
                 <a:ext uri="{FF2B5EF4-FFF2-40B4-BE49-F238E27FC236}">
-                  <a16:creationId xmlns="" xmlns:a16="http://schemas.microsoft.com/office/drawing/2014/main" id="{C63266FA-6470-4ABD-ABB4-CC199C4B6724}"/>
+                  <a16:creationId xmlns:a16="http://schemas.microsoft.com/office/drawing/2014/main" xmlns="" id="{C63266FA-6470-4ABD-ABB4-CC199C4B6724}"/>
                 </a:ext>
               </a:extLst>
             </p:cNvPr>
@@ -22793,7 +22793,7 @@
           <p:cNvPr id="21" name="Google Shape;177;p3">
             <a:extLst>
               <a:ext uri="{FF2B5EF4-FFF2-40B4-BE49-F238E27FC236}">
-                <a16:creationId xmlns="" xmlns:a16="http://schemas.microsoft.com/office/drawing/2014/main" id="{D22B314E-6F17-4411-98CA-618F32D92BB9}"/>
+                <a16:creationId xmlns:a16="http://schemas.microsoft.com/office/drawing/2014/main" xmlns="" id="{D22B314E-6F17-4411-98CA-618F32D92BB9}"/>
               </a:ext>
             </a:extLst>
           </p:cNvPr>
@@ -22813,7 +22813,7 @@
             <p:cNvPr id="22" name="Google Shape;178;p3">
               <a:extLst>
                 <a:ext uri="{FF2B5EF4-FFF2-40B4-BE49-F238E27FC236}">
-                  <a16:creationId xmlns="" xmlns:a16="http://schemas.microsoft.com/office/drawing/2014/main" id="{55CB81FB-1632-4874-819B-EB6190CE7AE1}"/>
+                  <a16:creationId xmlns:a16="http://schemas.microsoft.com/office/drawing/2014/main" xmlns="" id="{55CB81FB-1632-4874-819B-EB6190CE7AE1}"/>
                 </a:ext>
               </a:extLst>
             </p:cNvPr>
@@ -22878,7 +22878,7 @@
             <p:cNvPr id="23" name="Google Shape;179;p3">
               <a:extLst>
                 <a:ext uri="{FF2B5EF4-FFF2-40B4-BE49-F238E27FC236}">
-                  <a16:creationId xmlns="" xmlns:a16="http://schemas.microsoft.com/office/drawing/2014/main" id="{FFB13F36-BE45-4401-90AD-EAB139E228C3}"/>
+                  <a16:creationId xmlns:a16="http://schemas.microsoft.com/office/drawing/2014/main" xmlns="" id="{FFB13F36-BE45-4401-90AD-EAB139E228C3}"/>
                 </a:ext>
               </a:extLst>
             </p:cNvPr>
@@ -22943,7 +22943,7 @@
             <p:cNvPr id="24" name="Google Shape;180;p3">
               <a:extLst>
                 <a:ext uri="{FF2B5EF4-FFF2-40B4-BE49-F238E27FC236}">
-                  <a16:creationId xmlns="" xmlns:a16="http://schemas.microsoft.com/office/drawing/2014/main" id="{167838BC-4629-4DA4-A2EF-7FBE40EF9E33}"/>
+                  <a16:creationId xmlns:a16="http://schemas.microsoft.com/office/drawing/2014/main" xmlns="" id="{167838BC-4629-4DA4-A2EF-7FBE40EF9E33}"/>
                 </a:ext>
               </a:extLst>
             </p:cNvPr>
@@ -23008,7 +23008,7 @@
             <p:cNvPr id="25" name="Google Shape;181;p3">
               <a:extLst>
                 <a:ext uri="{FF2B5EF4-FFF2-40B4-BE49-F238E27FC236}">
-                  <a16:creationId xmlns="" xmlns:a16="http://schemas.microsoft.com/office/drawing/2014/main" id="{90DF401D-45EA-4FA4-B159-3EADC52B144D}"/>
+                  <a16:creationId xmlns:a16="http://schemas.microsoft.com/office/drawing/2014/main" xmlns="" id="{90DF401D-45EA-4FA4-B159-3EADC52B144D}"/>
                 </a:ext>
               </a:extLst>
             </p:cNvPr>
@@ -23070,7 +23070,7 @@
             <p:cNvPr id="26" name="Google Shape;182;p3">
               <a:extLst>
                 <a:ext uri="{FF2B5EF4-FFF2-40B4-BE49-F238E27FC236}">
-                  <a16:creationId xmlns="" xmlns:a16="http://schemas.microsoft.com/office/drawing/2014/main" id="{171CDBCF-F3A3-4965-9EE0-8429AB84555F}"/>
+                  <a16:creationId xmlns:a16="http://schemas.microsoft.com/office/drawing/2014/main" xmlns="" id="{171CDBCF-F3A3-4965-9EE0-8429AB84555F}"/>
                 </a:ext>
               </a:extLst>
             </p:cNvPr>
@@ -23135,7 +23135,7 @@
             <p:cNvPr id="27" name="Google Shape;183;p3">
               <a:extLst>
                 <a:ext uri="{FF2B5EF4-FFF2-40B4-BE49-F238E27FC236}">
-                  <a16:creationId xmlns="" xmlns:a16="http://schemas.microsoft.com/office/drawing/2014/main" id="{23DA7BEE-153D-4848-BA56-48B79E5315C5}"/>
+                  <a16:creationId xmlns:a16="http://schemas.microsoft.com/office/drawing/2014/main" xmlns="" id="{23DA7BEE-153D-4848-BA56-48B79E5315C5}"/>
                 </a:ext>
               </a:extLst>
             </p:cNvPr>
@@ -23198,7 +23198,7 @@
           <p:cNvPr id="28" name="Google Shape;199;p3">
             <a:extLst>
               <a:ext uri="{FF2B5EF4-FFF2-40B4-BE49-F238E27FC236}">
-                <a16:creationId xmlns="" xmlns:a16="http://schemas.microsoft.com/office/drawing/2014/main" id="{37D92122-4633-40DD-958E-272CE043A043}"/>
+                <a16:creationId xmlns:a16="http://schemas.microsoft.com/office/drawing/2014/main" xmlns="" id="{37D92122-4633-40DD-958E-272CE043A043}"/>
               </a:ext>
             </a:extLst>
           </p:cNvPr>
@@ -23304,7 +23304,7 @@
           <p:cNvPr id="29" name="Google Shape;200;p3">
             <a:extLst>
               <a:ext uri="{FF2B5EF4-FFF2-40B4-BE49-F238E27FC236}">
-                <a16:creationId xmlns="" xmlns:a16="http://schemas.microsoft.com/office/drawing/2014/main" id="{3FC5D8DF-CC66-44E6-8FE8-FE3EED0F2244}"/>
+                <a16:creationId xmlns:a16="http://schemas.microsoft.com/office/drawing/2014/main" xmlns="" id="{3FC5D8DF-CC66-44E6-8FE8-FE3EED0F2244}"/>
               </a:ext>
             </a:extLst>
           </p:cNvPr>
@@ -23393,7 +23393,7 @@
           <p:cNvPr id="30" name="Google Shape;202;p3">
             <a:extLst>
               <a:ext uri="{FF2B5EF4-FFF2-40B4-BE49-F238E27FC236}">
-                <a16:creationId xmlns="" xmlns:a16="http://schemas.microsoft.com/office/drawing/2014/main" id="{A58F5BE4-9475-4CCE-A3DE-E52DDB496817}"/>
+                <a16:creationId xmlns:a16="http://schemas.microsoft.com/office/drawing/2014/main" xmlns="" id="{A58F5BE4-9475-4CCE-A3DE-E52DDB496817}"/>
               </a:ext>
             </a:extLst>
           </p:cNvPr>
@@ -23458,7 +23458,7 @@
           <p:cNvPr id="31" name="Google Shape;203;p3">
             <a:extLst>
               <a:ext uri="{FF2B5EF4-FFF2-40B4-BE49-F238E27FC236}">
-                <a16:creationId xmlns="" xmlns:a16="http://schemas.microsoft.com/office/drawing/2014/main" id="{446591B6-1443-41C3-87C2-2552F70D319D}"/>
+                <a16:creationId xmlns:a16="http://schemas.microsoft.com/office/drawing/2014/main" xmlns="" id="{446591B6-1443-41C3-87C2-2552F70D319D}"/>
               </a:ext>
             </a:extLst>
           </p:cNvPr>
@@ -23478,7 +23478,7 @@
             <p:cNvPr id="32" name="Google Shape;204;p3">
               <a:extLst>
                 <a:ext uri="{FF2B5EF4-FFF2-40B4-BE49-F238E27FC236}">
-                  <a16:creationId xmlns="" xmlns:a16="http://schemas.microsoft.com/office/drawing/2014/main" id="{E8858A6C-A42F-4F8A-ACA5-DEB8FCCF31D8}"/>
+                  <a16:creationId xmlns:a16="http://schemas.microsoft.com/office/drawing/2014/main" xmlns="" id="{E8858A6C-A42F-4F8A-ACA5-DEB8FCCF31D8}"/>
                 </a:ext>
               </a:extLst>
             </p:cNvPr>
@@ -23543,7 +23543,7 @@
             <p:cNvPr id="33" name="Google Shape;205;p3">
               <a:extLst>
                 <a:ext uri="{FF2B5EF4-FFF2-40B4-BE49-F238E27FC236}">
-                  <a16:creationId xmlns="" xmlns:a16="http://schemas.microsoft.com/office/drawing/2014/main" id="{F11A9FCB-AF73-453A-8EB6-3768D35994C3}"/>
+                  <a16:creationId xmlns:a16="http://schemas.microsoft.com/office/drawing/2014/main" xmlns="" id="{F11A9FCB-AF73-453A-8EB6-3768D35994C3}"/>
                 </a:ext>
               </a:extLst>
             </p:cNvPr>
@@ -23608,7 +23608,7 @@
             <p:cNvPr id="34" name="Google Shape;206;p3">
               <a:extLst>
                 <a:ext uri="{FF2B5EF4-FFF2-40B4-BE49-F238E27FC236}">
-                  <a16:creationId xmlns="" xmlns:a16="http://schemas.microsoft.com/office/drawing/2014/main" id="{29DEFA5E-63AF-4D0E-B169-7145282F0F9E}"/>
+                  <a16:creationId xmlns:a16="http://schemas.microsoft.com/office/drawing/2014/main" xmlns="" id="{29DEFA5E-63AF-4D0E-B169-7145282F0F9E}"/>
                 </a:ext>
               </a:extLst>
             </p:cNvPr>
@@ -23673,7 +23673,7 @@
             <p:cNvPr id="35" name="Google Shape;207;p3">
               <a:extLst>
                 <a:ext uri="{FF2B5EF4-FFF2-40B4-BE49-F238E27FC236}">
-                  <a16:creationId xmlns="" xmlns:a16="http://schemas.microsoft.com/office/drawing/2014/main" id="{983DDB1E-3C76-4ED6-85A4-2AD91D898644}"/>
+                  <a16:creationId xmlns:a16="http://schemas.microsoft.com/office/drawing/2014/main" xmlns="" id="{983DDB1E-3C76-4ED6-85A4-2AD91D898644}"/>
                 </a:ext>
               </a:extLst>
             </p:cNvPr>
@@ -23735,7 +23735,7 @@
             <p:cNvPr id="36" name="Google Shape;208;p3">
               <a:extLst>
                 <a:ext uri="{FF2B5EF4-FFF2-40B4-BE49-F238E27FC236}">
-                  <a16:creationId xmlns="" xmlns:a16="http://schemas.microsoft.com/office/drawing/2014/main" id="{AC43F410-DCFA-49F1-8174-5698BFADB792}"/>
+                  <a16:creationId xmlns:a16="http://schemas.microsoft.com/office/drawing/2014/main" xmlns="" id="{AC43F410-DCFA-49F1-8174-5698BFADB792}"/>
                 </a:ext>
               </a:extLst>
             </p:cNvPr>
@@ -23800,7 +23800,7 @@
             <p:cNvPr id="37" name="Google Shape;209;p3">
               <a:extLst>
                 <a:ext uri="{FF2B5EF4-FFF2-40B4-BE49-F238E27FC236}">
-                  <a16:creationId xmlns="" xmlns:a16="http://schemas.microsoft.com/office/drawing/2014/main" id="{DBBE192F-4A80-4D5B-B0C9-2A8488FECF79}"/>
+                  <a16:creationId xmlns:a16="http://schemas.microsoft.com/office/drawing/2014/main" xmlns="" id="{DBBE192F-4A80-4D5B-B0C9-2A8488FECF79}"/>
                 </a:ext>
               </a:extLst>
             </p:cNvPr>
@@ -23893,7 +23893,7 @@
           <p:cNvPr id="2" name="Title 1">
             <a:extLst>
               <a:ext uri="{FF2B5EF4-FFF2-40B4-BE49-F238E27FC236}">
-                <a16:creationId xmlns="" xmlns:a16="http://schemas.microsoft.com/office/drawing/2014/main" id="{BD5D9F2A-405C-4783-8BF2-9B2DAEEB5A11}"/>
+                <a16:creationId xmlns:a16="http://schemas.microsoft.com/office/drawing/2014/main" xmlns="" id="{BD5D9F2A-405C-4783-8BF2-9B2DAEEB5A11}"/>
               </a:ext>
             </a:extLst>
           </p:cNvPr>
@@ -23921,7 +23921,7 @@
           <p:cNvPr id="3" name="Text Placeholder 2">
             <a:extLst>
               <a:ext uri="{FF2B5EF4-FFF2-40B4-BE49-F238E27FC236}">
-                <a16:creationId xmlns="" xmlns:a16="http://schemas.microsoft.com/office/drawing/2014/main" id="{FC3107FD-E101-4B2B-B229-5DE38F79634D}"/>
+                <a16:creationId xmlns:a16="http://schemas.microsoft.com/office/drawing/2014/main" xmlns="" id="{FC3107FD-E101-4B2B-B229-5DE38F79634D}"/>
               </a:ext>
             </a:extLst>
           </p:cNvPr>
@@ -24332,7 +24332,7 @@
                 <a:hlinkClick r:id="rId3">
                   <a:extLst>
                     <a:ext uri="{A12FA001-AC4F-418D-AE19-62706E023703}">
-                      <ahyp:hlinkClr xmlns="" xmlns:ahyp="http://schemas.microsoft.com/office/drawing/2018/hyperlinkcolor" val="tx"/>
+                      <ahyp:hlinkClr xmlns:ahyp="http://schemas.microsoft.com/office/drawing/2018/hyperlinkcolor" xmlns="" val="tx"/>
                     </a:ext>
                   </a:extLst>
                 </a:hlinkClick>
@@ -24379,7 +24379,7 @@
                 <a:hlinkClick r:id="rId4">
                   <a:extLst>
                     <a:ext uri="{A12FA001-AC4F-418D-AE19-62706E023703}">
-                      <ahyp:hlinkClr xmlns="" xmlns:ahyp="http://schemas.microsoft.com/office/drawing/2018/hyperlinkcolor" val="tx"/>
+                      <ahyp:hlinkClr xmlns:ahyp="http://schemas.microsoft.com/office/drawing/2018/hyperlinkcolor" xmlns="" val="tx"/>
                     </a:ext>
                   </a:extLst>
                 </a:hlinkClick>
@@ -27158,7 +27158,7 @@
       </p:sp>
       <p:pic>
         <p:nvPicPr>
-          <p:cNvPr id="3" name="Picture 2"/>
+          <p:cNvPr id="2" name="Picture 1"/>
           <p:cNvPicPr>
             <a:picLocks noChangeAspect="1"/>
           </p:cNvPicPr>
@@ -27178,8 +27178,8 @@
         </p:blipFill>
         <p:spPr>
           <a:xfrm>
-            <a:off x="3622766" y="1890440"/>
-            <a:ext cx="5239880" cy="4505325"/>
+            <a:off x="3257006" y="2333896"/>
+            <a:ext cx="5755957" cy="3666309"/>
           </a:xfrm>
           <a:prstGeom prst="rect">
             <a:avLst/>
@@ -27223,7 +27223,7 @@
           <p:cNvPr id="2" name="Title 1">
             <a:extLst>
               <a:ext uri="{FF2B5EF4-FFF2-40B4-BE49-F238E27FC236}">
-                <a16:creationId xmlns="" xmlns:a16="http://schemas.microsoft.com/office/drawing/2014/main" id="{E62AEDBE-6551-445D-AAA8-D79B8398BB83}"/>
+                <a16:creationId xmlns:a16="http://schemas.microsoft.com/office/drawing/2014/main" xmlns="" id="{E62AEDBE-6551-445D-AAA8-D79B8398BB83}"/>
               </a:ext>
             </a:extLst>
           </p:cNvPr>
@@ -27260,7 +27260,7 @@
           <p:cNvPr id="3" name="Text Placeholder 2">
             <a:extLst>
               <a:ext uri="{FF2B5EF4-FFF2-40B4-BE49-F238E27FC236}">
-                <a16:creationId xmlns="" xmlns:a16="http://schemas.microsoft.com/office/drawing/2014/main" id="{B98D1857-0561-411C-BD5D-5E661010EFD7}"/>
+                <a16:creationId xmlns:a16="http://schemas.microsoft.com/office/drawing/2014/main" xmlns="" id="{B98D1857-0561-411C-BD5D-5E661010EFD7}"/>
               </a:ext>
             </a:extLst>
           </p:cNvPr>
@@ -27715,7 +27715,7 @@
           <p:cNvPr id="38" name="Google Shape;160;p3">
             <a:extLst>
               <a:ext uri="{FF2B5EF4-FFF2-40B4-BE49-F238E27FC236}">
-                <a16:creationId xmlns="" xmlns:a16="http://schemas.microsoft.com/office/drawing/2014/main" id="{9CA7A4B2-6E91-4217-92B4-68872B81FC48}"/>
+                <a16:creationId xmlns:a16="http://schemas.microsoft.com/office/drawing/2014/main" xmlns="" id="{9CA7A4B2-6E91-4217-92B4-68872B81FC48}"/>
               </a:ext>
             </a:extLst>
           </p:cNvPr>
@@ -27895,7 +27895,7 @@
           <p:cNvPr id="39" name="Google Shape;161;p3">
             <a:extLst>
               <a:ext uri="{FF2B5EF4-FFF2-40B4-BE49-F238E27FC236}">
-                <a16:creationId xmlns="" xmlns:a16="http://schemas.microsoft.com/office/drawing/2014/main" id="{91A4F115-4525-4C11-A1B3-6973BF1BFFF4}"/>
+                <a16:creationId xmlns:a16="http://schemas.microsoft.com/office/drawing/2014/main" xmlns="" id="{91A4F115-4525-4C11-A1B3-6973BF1BFFF4}"/>
               </a:ext>
             </a:extLst>
           </p:cNvPr>
@@ -28071,7 +28071,7 @@
           <p:cNvPr id="40" name="Google Shape;162;p3">
             <a:extLst>
               <a:ext uri="{FF2B5EF4-FFF2-40B4-BE49-F238E27FC236}">
-                <a16:creationId xmlns="" xmlns:a16="http://schemas.microsoft.com/office/drawing/2014/main" id="{19651886-856A-47EC-AD00-1095ACA104D9}"/>
+                <a16:creationId xmlns:a16="http://schemas.microsoft.com/office/drawing/2014/main" xmlns="" id="{19651886-856A-47EC-AD00-1095ACA104D9}"/>
               </a:ext>
             </a:extLst>
           </p:cNvPr>
@@ -28159,7 +28159,7 @@
           <p:cNvPr id="41" name="Google Shape;163;p3">
             <a:extLst>
               <a:ext uri="{FF2B5EF4-FFF2-40B4-BE49-F238E27FC236}">
-                <a16:creationId xmlns="" xmlns:a16="http://schemas.microsoft.com/office/drawing/2014/main" id="{384739BC-5866-43D5-A9B3-8BF14A8F779C}"/>
+                <a16:creationId xmlns:a16="http://schemas.microsoft.com/office/drawing/2014/main" xmlns="" id="{384739BC-5866-43D5-A9B3-8BF14A8F779C}"/>
               </a:ext>
             </a:extLst>
           </p:cNvPr>
@@ -28179,7 +28179,7 @@
             <p:cNvPr id="42" name="Google Shape;164;p3">
               <a:extLst>
                 <a:ext uri="{FF2B5EF4-FFF2-40B4-BE49-F238E27FC236}">
-                  <a16:creationId xmlns="" xmlns:a16="http://schemas.microsoft.com/office/drawing/2014/main" id="{B1CEF79A-D92A-4C0C-A6C1-586CC7EB9403}"/>
+                  <a16:creationId xmlns:a16="http://schemas.microsoft.com/office/drawing/2014/main" xmlns="" id="{B1CEF79A-D92A-4C0C-A6C1-586CC7EB9403}"/>
                 </a:ext>
               </a:extLst>
             </p:cNvPr>
@@ -28244,7 +28244,7 @@
             <p:cNvPr id="43" name="Google Shape;165;p3">
               <a:extLst>
                 <a:ext uri="{FF2B5EF4-FFF2-40B4-BE49-F238E27FC236}">
-                  <a16:creationId xmlns="" xmlns:a16="http://schemas.microsoft.com/office/drawing/2014/main" id="{0FA55039-D9CF-421E-941B-F62A8A40DE7A}"/>
+                  <a16:creationId xmlns:a16="http://schemas.microsoft.com/office/drawing/2014/main" xmlns="" id="{0FA55039-D9CF-421E-941B-F62A8A40DE7A}"/>
                 </a:ext>
               </a:extLst>
             </p:cNvPr>
@@ -28309,7 +28309,7 @@
             <p:cNvPr id="44" name="Google Shape;166;p3">
               <a:extLst>
                 <a:ext uri="{FF2B5EF4-FFF2-40B4-BE49-F238E27FC236}">
-                  <a16:creationId xmlns="" xmlns:a16="http://schemas.microsoft.com/office/drawing/2014/main" id="{16991CD3-1F1E-430C-8636-C3BD5A642DD0}"/>
+                  <a16:creationId xmlns:a16="http://schemas.microsoft.com/office/drawing/2014/main" xmlns="" id="{16991CD3-1F1E-430C-8636-C3BD5A642DD0}"/>
                 </a:ext>
               </a:extLst>
             </p:cNvPr>
@@ -28374,7 +28374,7 @@
             <p:cNvPr id="45" name="Google Shape;167;p3">
               <a:extLst>
                 <a:ext uri="{FF2B5EF4-FFF2-40B4-BE49-F238E27FC236}">
-                  <a16:creationId xmlns="" xmlns:a16="http://schemas.microsoft.com/office/drawing/2014/main" id="{AD69F6AF-364C-4683-B04E-146EFF43D9BC}"/>
+                  <a16:creationId xmlns:a16="http://schemas.microsoft.com/office/drawing/2014/main" xmlns="" id="{AD69F6AF-364C-4683-B04E-146EFF43D9BC}"/>
                 </a:ext>
               </a:extLst>
             </p:cNvPr>
@@ -28436,7 +28436,7 @@
             <p:cNvPr id="46" name="Google Shape;168;p3">
               <a:extLst>
                 <a:ext uri="{FF2B5EF4-FFF2-40B4-BE49-F238E27FC236}">
-                  <a16:creationId xmlns="" xmlns:a16="http://schemas.microsoft.com/office/drawing/2014/main" id="{9BA2D550-F896-483A-9C84-C2ADD15F7579}"/>
+                  <a16:creationId xmlns:a16="http://schemas.microsoft.com/office/drawing/2014/main" xmlns="" id="{9BA2D550-F896-483A-9C84-C2ADD15F7579}"/>
                 </a:ext>
               </a:extLst>
             </p:cNvPr>
@@ -28501,7 +28501,7 @@
             <p:cNvPr id="47" name="Google Shape;169;p3">
               <a:extLst>
                 <a:ext uri="{FF2B5EF4-FFF2-40B4-BE49-F238E27FC236}">
-                  <a16:creationId xmlns="" xmlns:a16="http://schemas.microsoft.com/office/drawing/2014/main" id="{0F58DF80-0A0E-443F-B975-8DD6DE1A8E2D}"/>
+                  <a16:creationId xmlns:a16="http://schemas.microsoft.com/office/drawing/2014/main" xmlns="" id="{0F58DF80-0A0E-443F-B975-8DD6DE1A8E2D}"/>
                 </a:ext>
               </a:extLst>
             </p:cNvPr>
@@ -28564,7 +28564,7 @@
           <p:cNvPr id="48" name="Google Shape;170;p3">
             <a:extLst>
               <a:ext uri="{FF2B5EF4-FFF2-40B4-BE49-F238E27FC236}">
-                <a16:creationId xmlns="" xmlns:a16="http://schemas.microsoft.com/office/drawing/2014/main" id="{D72014F9-CAEB-41DF-8C25-1FA61A126D97}"/>
+                <a16:creationId xmlns:a16="http://schemas.microsoft.com/office/drawing/2014/main" xmlns="" id="{D72014F9-CAEB-41DF-8C25-1FA61A126D97}"/>
               </a:ext>
             </a:extLst>
           </p:cNvPr>
@@ -28584,7 +28584,7 @@
             <p:cNvPr id="49" name="Google Shape;171;p3">
               <a:extLst>
                 <a:ext uri="{FF2B5EF4-FFF2-40B4-BE49-F238E27FC236}">
-                  <a16:creationId xmlns="" xmlns:a16="http://schemas.microsoft.com/office/drawing/2014/main" id="{29C1CB3E-F7A5-43D1-A177-97F2B8D30819}"/>
+                  <a16:creationId xmlns:a16="http://schemas.microsoft.com/office/drawing/2014/main" xmlns="" id="{29C1CB3E-F7A5-43D1-A177-97F2B8D30819}"/>
                 </a:ext>
               </a:extLst>
             </p:cNvPr>
@@ -28649,7 +28649,7 @@
             <p:cNvPr id="50" name="Google Shape;172;p3">
               <a:extLst>
                 <a:ext uri="{FF2B5EF4-FFF2-40B4-BE49-F238E27FC236}">
-                  <a16:creationId xmlns="" xmlns:a16="http://schemas.microsoft.com/office/drawing/2014/main" id="{4637AF86-1DD4-4678-9981-89AE9098C888}"/>
+                  <a16:creationId xmlns:a16="http://schemas.microsoft.com/office/drawing/2014/main" xmlns="" id="{4637AF86-1DD4-4678-9981-89AE9098C888}"/>
                 </a:ext>
               </a:extLst>
             </p:cNvPr>
@@ -28714,7 +28714,7 @@
             <p:cNvPr id="51" name="Google Shape;173;p3">
               <a:extLst>
                 <a:ext uri="{FF2B5EF4-FFF2-40B4-BE49-F238E27FC236}">
-                  <a16:creationId xmlns="" xmlns:a16="http://schemas.microsoft.com/office/drawing/2014/main" id="{18D0AE4D-EAAF-4488-A66B-9FCA73E65D42}"/>
+                  <a16:creationId xmlns:a16="http://schemas.microsoft.com/office/drawing/2014/main" xmlns="" id="{18D0AE4D-EAAF-4488-A66B-9FCA73E65D42}"/>
                 </a:ext>
               </a:extLst>
             </p:cNvPr>
@@ -28779,7 +28779,7 @@
             <p:cNvPr id="52" name="Google Shape;174;p3">
               <a:extLst>
                 <a:ext uri="{FF2B5EF4-FFF2-40B4-BE49-F238E27FC236}">
-                  <a16:creationId xmlns="" xmlns:a16="http://schemas.microsoft.com/office/drawing/2014/main" id="{7B8E4A56-CCEC-45B3-ACCC-B4A4358EB788}"/>
+                  <a16:creationId xmlns:a16="http://schemas.microsoft.com/office/drawing/2014/main" xmlns="" id="{7B8E4A56-CCEC-45B3-ACCC-B4A4358EB788}"/>
                 </a:ext>
               </a:extLst>
             </p:cNvPr>
@@ -28841,7 +28841,7 @@
             <p:cNvPr id="53" name="Google Shape;175;p3">
               <a:extLst>
                 <a:ext uri="{FF2B5EF4-FFF2-40B4-BE49-F238E27FC236}">
-                  <a16:creationId xmlns="" xmlns:a16="http://schemas.microsoft.com/office/drawing/2014/main" id="{C7A678D3-8080-49E8-89F2-DD3C808AB117}"/>
+                  <a16:creationId xmlns:a16="http://schemas.microsoft.com/office/drawing/2014/main" xmlns="" id="{C7A678D3-8080-49E8-89F2-DD3C808AB117}"/>
                 </a:ext>
               </a:extLst>
             </p:cNvPr>
@@ -28906,7 +28906,7 @@
             <p:cNvPr id="54" name="Google Shape;176;p3">
               <a:extLst>
                 <a:ext uri="{FF2B5EF4-FFF2-40B4-BE49-F238E27FC236}">
-                  <a16:creationId xmlns="" xmlns:a16="http://schemas.microsoft.com/office/drawing/2014/main" id="{294A50A5-B148-404E-B048-85759EEF881A}"/>
+                  <a16:creationId xmlns:a16="http://schemas.microsoft.com/office/drawing/2014/main" xmlns="" id="{294A50A5-B148-404E-B048-85759EEF881A}"/>
                 </a:ext>
               </a:extLst>
             </p:cNvPr>
@@ -28969,7 +28969,7 @@
           <p:cNvPr id="55" name="Google Shape;177;p3">
             <a:extLst>
               <a:ext uri="{FF2B5EF4-FFF2-40B4-BE49-F238E27FC236}">
-                <a16:creationId xmlns="" xmlns:a16="http://schemas.microsoft.com/office/drawing/2014/main" id="{3FF105E1-8915-47A5-8C34-4FE19C0E1ED6}"/>
+                <a16:creationId xmlns:a16="http://schemas.microsoft.com/office/drawing/2014/main" xmlns="" id="{3FF105E1-8915-47A5-8C34-4FE19C0E1ED6}"/>
               </a:ext>
             </a:extLst>
           </p:cNvPr>
@@ -28989,7 +28989,7 @@
             <p:cNvPr id="56" name="Google Shape;178;p3">
               <a:extLst>
                 <a:ext uri="{FF2B5EF4-FFF2-40B4-BE49-F238E27FC236}">
-                  <a16:creationId xmlns="" xmlns:a16="http://schemas.microsoft.com/office/drawing/2014/main" id="{E34A763D-D516-481A-B77E-4DB3301CB433}"/>
+                  <a16:creationId xmlns:a16="http://schemas.microsoft.com/office/drawing/2014/main" xmlns="" id="{E34A763D-D516-481A-B77E-4DB3301CB433}"/>
                 </a:ext>
               </a:extLst>
             </p:cNvPr>
@@ -29054,7 +29054,7 @@
             <p:cNvPr id="57" name="Google Shape;179;p3">
               <a:extLst>
                 <a:ext uri="{FF2B5EF4-FFF2-40B4-BE49-F238E27FC236}">
-                  <a16:creationId xmlns="" xmlns:a16="http://schemas.microsoft.com/office/drawing/2014/main" id="{8BA0D066-E53B-414A-8D7D-7FC58881D77D}"/>
+                  <a16:creationId xmlns:a16="http://schemas.microsoft.com/office/drawing/2014/main" xmlns="" id="{8BA0D066-E53B-414A-8D7D-7FC58881D77D}"/>
                 </a:ext>
               </a:extLst>
             </p:cNvPr>
@@ -29119,7 +29119,7 @@
             <p:cNvPr id="58" name="Google Shape;180;p3">
               <a:extLst>
                 <a:ext uri="{FF2B5EF4-FFF2-40B4-BE49-F238E27FC236}">
-                  <a16:creationId xmlns="" xmlns:a16="http://schemas.microsoft.com/office/drawing/2014/main" id="{E1E90CFE-0313-4CE8-887F-615C8C113C8B}"/>
+                  <a16:creationId xmlns:a16="http://schemas.microsoft.com/office/drawing/2014/main" xmlns="" id="{E1E90CFE-0313-4CE8-887F-615C8C113C8B}"/>
                 </a:ext>
               </a:extLst>
             </p:cNvPr>
@@ -29184,7 +29184,7 @@
             <p:cNvPr id="59" name="Google Shape;181;p3">
               <a:extLst>
                 <a:ext uri="{FF2B5EF4-FFF2-40B4-BE49-F238E27FC236}">
-                  <a16:creationId xmlns="" xmlns:a16="http://schemas.microsoft.com/office/drawing/2014/main" id="{7BD17487-0D4C-4958-A19A-BB7AE1B0B9B4}"/>
+                  <a16:creationId xmlns:a16="http://schemas.microsoft.com/office/drawing/2014/main" xmlns="" id="{7BD17487-0D4C-4958-A19A-BB7AE1B0B9B4}"/>
                 </a:ext>
               </a:extLst>
             </p:cNvPr>
@@ -29246,7 +29246,7 @@
             <p:cNvPr id="60" name="Google Shape;182;p3">
               <a:extLst>
                 <a:ext uri="{FF2B5EF4-FFF2-40B4-BE49-F238E27FC236}">
-                  <a16:creationId xmlns="" xmlns:a16="http://schemas.microsoft.com/office/drawing/2014/main" id="{28A60444-34BE-4255-A549-0A49C1465952}"/>
+                  <a16:creationId xmlns:a16="http://schemas.microsoft.com/office/drawing/2014/main" xmlns="" id="{28A60444-34BE-4255-A549-0A49C1465952}"/>
                 </a:ext>
               </a:extLst>
             </p:cNvPr>
@@ -29311,7 +29311,7 @@
             <p:cNvPr id="61" name="Google Shape;183;p3">
               <a:extLst>
                 <a:ext uri="{FF2B5EF4-FFF2-40B4-BE49-F238E27FC236}">
-                  <a16:creationId xmlns="" xmlns:a16="http://schemas.microsoft.com/office/drawing/2014/main" id="{F32FAB47-3345-4C5B-9A42-DDC5F7C44452}"/>
+                  <a16:creationId xmlns:a16="http://schemas.microsoft.com/office/drawing/2014/main" xmlns="" id="{F32FAB47-3345-4C5B-9A42-DDC5F7C44452}"/>
                 </a:ext>
               </a:extLst>
             </p:cNvPr>
@@ -29374,7 +29374,7 @@
           <p:cNvPr id="62" name="Google Shape;199;p3">
             <a:extLst>
               <a:ext uri="{FF2B5EF4-FFF2-40B4-BE49-F238E27FC236}">
-                <a16:creationId xmlns="" xmlns:a16="http://schemas.microsoft.com/office/drawing/2014/main" id="{BE31818E-0E3E-4269-89BA-F1C874CF2D09}"/>
+                <a16:creationId xmlns:a16="http://schemas.microsoft.com/office/drawing/2014/main" xmlns="" id="{BE31818E-0E3E-4269-89BA-F1C874CF2D09}"/>
               </a:ext>
             </a:extLst>
           </p:cNvPr>
@@ -29480,7 +29480,7 @@
           <p:cNvPr id="63" name="Google Shape;200;p3">
             <a:extLst>
               <a:ext uri="{FF2B5EF4-FFF2-40B4-BE49-F238E27FC236}">
-                <a16:creationId xmlns="" xmlns:a16="http://schemas.microsoft.com/office/drawing/2014/main" id="{0A2CCDE7-2A8B-45C5-B711-113F99524CF8}"/>
+                <a16:creationId xmlns:a16="http://schemas.microsoft.com/office/drawing/2014/main" xmlns="" id="{0A2CCDE7-2A8B-45C5-B711-113F99524CF8}"/>
               </a:ext>
             </a:extLst>
           </p:cNvPr>
@@ -29569,7 +29569,7 @@
           <p:cNvPr id="64" name="Google Shape;202;p3">
             <a:extLst>
               <a:ext uri="{FF2B5EF4-FFF2-40B4-BE49-F238E27FC236}">
-                <a16:creationId xmlns="" xmlns:a16="http://schemas.microsoft.com/office/drawing/2014/main" id="{CF22479A-6026-4DFD-B5CE-D9AB77185134}"/>
+                <a16:creationId xmlns:a16="http://schemas.microsoft.com/office/drawing/2014/main" xmlns="" id="{CF22479A-6026-4DFD-B5CE-D9AB77185134}"/>
               </a:ext>
             </a:extLst>
           </p:cNvPr>
@@ -29637,7 +29637,7 @@
           <p:cNvPr id="65" name="Google Shape;203;p3">
             <a:extLst>
               <a:ext uri="{FF2B5EF4-FFF2-40B4-BE49-F238E27FC236}">
-                <a16:creationId xmlns="" xmlns:a16="http://schemas.microsoft.com/office/drawing/2014/main" id="{4640EE5E-486C-4591-8BD3-67F9A8F91ECF}"/>
+                <a16:creationId xmlns:a16="http://schemas.microsoft.com/office/drawing/2014/main" xmlns="" id="{4640EE5E-486C-4591-8BD3-67F9A8F91ECF}"/>
               </a:ext>
             </a:extLst>
           </p:cNvPr>
@@ -29657,7 +29657,7 @@
             <p:cNvPr id="66" name="Google Shape;204;p3">
               <a:extLst>
                 <a:ext uri="{FF2B5EF4-FFF2-40B4-BE49-F238E27FC236}">
-                  <a16:creationId xmlns="" xmlns:a16="http://schemas.microsoft.com/office/drawing/2014/main" id="{21C1FE22-963D-42ED-8A2C-36A106325378}"/>
+                  <a16:creationId xmlns:a16="http://schemas.microsoft.com/office/drawing/2014/main" xmlns="" id="{21C1FE22-963D-42ED-8A2C-36A106325378}"/>
                 </a:ext>
               </a:extLst>
             </p:cNvPr>
@@ -29722,7 +29722,7 @@
             <p:cNvPr id="67" name="Google Shape;205;p3">
               <a:extLst>
                 <a:ext uri="{FF2B5EF4-FFF2-40B4-BE49-F238E27FC236}">
-                  <a16:creationId xmlns="" xmlns:a16="http://schemas.microsoft.com/office/drawing/2014/main" id="{472D6B0E-65E5-43BD-99E4-9ABA94BD97DA}"/>
+                  <a16:creationId xmlns:a16="http://schemas.microsoft.com/office/drawing/2014/main" xmlns="" id="{472D6B0E-65E5-43BD-99E4-9ABA94BD97DA}"/>
                 </a:ext>
               </a:extLst>
             </p:cNvPr>
@@ -29787,7 +29787,7 @@
             <p:cNvPr id="68" name="Google Shape;206;p3">
               <a:extLst>
                 <a:ext uri="{FF2B5EF4-FFF2-40B4-BE49-F238E27FC236}">
-                  <a16:creationId xmlns="" xmlns:a16="http://schemas.microsoft.com/office/drawing/2014/main" id="{2A81CB49-FBCB-4664-ADB4-623334465376}"/>
+                  <a16:creationId xmlns:a16="http://schemas.microsoft.com/office/drawing/2014/main" xmlns="" id="{2A81CB49-FBCB-4664-ADB4-623334465376}"/>
                 </a:ext>
               </a:extLst>
             </p:cNvPr>
@@ -29852,7 +29852,7 @@
             <p:cNvPr id="69" name="Google Shape;207;p3">
               <a:extLst>
                 <a:ext uri="{FF2B5EF4-FFF2-40B4-BE49-F238E27FC236}">
-                  <a16:creationId xmlns="" xmlns:a16="http://schemas.microsoft.com/office/drawing/2014/main" id="{E7AAF2FD-36E1-42EF-B148-A4ED8BB3B911}"/>
+                  <a16:creationId xmlns:a16="http://schemas.microsoft.com/office/drawing/2014/main" xmlns="" id="{E7AAF2FD-36E1-42EF-B148-A4ED8BB3B911}"/>
                 </a:ext>
               </a:extLst>
             </p:cNvPr>
@@ -29914,7 +29914,7 @@
             <p:cNvPr id="70" name="Google Shape;208;p3">
               <a:extLst>
                 <a:ext uri="{FF2B5EF4-FFF2-40B4-BE49-F238E27FC236}">
-                  <a16:creationId xmlns="" xmlns:a16="http://schemas.microsoft.com/office/drawing/2014/main" id="{270CA44A-AF7C-4C7F-91C7-9DAA5ADE10F9}"/>
+                  <a16:creationId xmlns:a16="http://schemas.microsoft.com/office/drawing/2014/main" xmlns="" id="{270CA44A-AF7C-4C7F-91C7-9DAA5ADE10F9}"/>
                 </a:ext>
               </a:extLst>
             </p:cNvPr>
@@ -29979,7 +29979,7 @@
             <p:cNvPr id="71" name="Google Shape;209;p3">
               <a:extLst>
                 <a:ext uri="{FF2B5EF4-FFF2-40B4-BE49-F238E27FC236}">
-                  <a16:creationId xmlns="" xmlns:a16="http://schemas.microsoft.com/office/drawing/2014/main" id="{475554B4-AE93-4AAC-9D3C-5FE7EEE3A0F5}"/>
+                  <a16:creationId xmlns:a16="http://schemas.microsoft.com/office/drawing/2014/main" xmlns="" id="{475554B4-AE93-4AAC-9D3C-5FE7EEE3A0F5}"/>
                 </a:ext>
               </a:extLst>
             </p:cNvPr>
@@ -30042,7 +30042,7 @@
           <p:cNvPr id="72" name="Google Shape;158;p3">
             <a:extLst>
               <a:ext uri="{FF2B5EF4-FFF2-40B4-BE49-F238E27FC236}">
-                <a16:creationId xmlns="" xmlns:a16="http://schemas.microsoft.com/office/drawing/2014/main" id="{B317176D-FA30-4772-B8FF-A1108DC6D0AC}"/>
+                <a16:creationId xmlns:a16="http://schemas.microsoft.com/office/drawing/2014/main" xmlns="" id="{B317176D-FA30-4772-B8FF-A1108DC6D0AC}"/>
               </a:ext>
             </a:extLst>
           </p:cNvPr>
@@ -30143,7 +30143,7 @@
           <p:cNvPr id="2" name="Title 1">
             <a:extLst>
               <a:ext uri="{FF2B5EF4-FFF2-40B4-BE49-F238E27FC236}">
-                <a16:creationId xmlns="" xmlns:a16="http://schemas.microsoft.com/office/drawing/2014/main" id="{C31AACFF-E6A0-4256-8D35-4113225D4BB1}"/>
+                <a16:creationId xmlns:a16="http://schemas.microsoft.com/office/drawing/2014/main" xmlns="" id="{C31AACFF-E6A0-4256-8D35-4113225D4BB1}"/>
               </a:ext>
             </a:extLst>
           </p:cNvPr>
@@ -30228,7 +30228,7 @@
           <p:cNvPr id="3" name="Text Placeholder 2">
             <a:extLst>
               <a:ext uri="{FF2B5EF4-FFF2-40B4-BE49-F238E27FC236}">
-                <a16:creationId xmlns="" xmlns:a16="http://schemas.microsoft.com/office/drawing/2014/main" id="{EB0FED39-D7F7-46D4-81ED-6EDD34268DF5}"/>
+                <a16:creationId xmlns:a16="http://schemas.microsoft.com/office/drawing/2014/main" xmlns="" id="{EB0FED39-D7F7-46D4-81ED-6EDD34268DF5}"/>
               </a:ext>
             </a:extLst>
           </p:cNvPr>
@@ -30268,7 +30268,7 @@
           <p:cNvPr id="4" name="Text Placeholder 2">
             <a:extLst>
               <a:ext uri="{FF2B5EF4-FFF2-40B4-BE49-F238E27FC236}">
-                <a16:creationId xmlns="" xmlns:a16="http://schemas.microsoft.com/office/drawing/2014/main" id="{B98D1857-0561-411C-BD5D-5E661010EFD7}"/>
+                <a16:creationId xmlns:a16="http://schemas.microsoft.com/office/drawing/2014/main" xmlns="" id="{B98D1857-0561-411C-BD5D-5E661010EFD7}"/>
               </a:ext>
             </a:extLst>
           </p:cNvPr>
@@ -30548,15 +30548,7 @@
             </a:pPr>
             <a:r>
               <a:rPr lang="vi-VN" sz="2400" dirty="0" smtClean="0"/>
-              <a:t>Có thể là một người, một hệ thống, hoặc các kích hoạt thời gian hoặc sự kiện đứng </a:t>
-            </a:r>
-            <a:r>
-              <a:rPr lang="vi-VN" sz="2400" dirty="0" smtClean="0"/>
-              <a:t>bên </a:t>
-            </a:r>
-            <a:r>
-              <a:rPr lang="vi-VN" sz="2400" dirty="0" smtClean="0"/>
-              <a:t>ngoài hệ thống tương tác với hệ thống, sử dụng hệ thống cần phát triển</a:t>
+              <a:t>Có thể là một người, một hệ thống, hoặc các kích hoạt thời gian hoặc sự kiện đứng bên ngoài hệ thống tương tác với hệ thống, sử dụng hệ thống cần phát triển</a:t>
             </a:r>
           </a:p>
         </p:txBody>
@@ -30605,7 +30597,7 @@
           <p:cNvPr id="8" name="Text Placeholder 2">
             <a:extLst>
               <a:ext uri="{FF2B5EF4-FFF2-40B4-BE49-F238E27FC236}">
-                <a16:creationId xmlns="" xmlns:a16="http://schemas.microsoft.com/office/drawing/2014/main" id="{B98D1857-0561-411C-BD5D-5E661010EFD7}"/>
+                <a16:creationId xmlns:a16="http://schemas.microsoft.com/office/drawing/2014/main" xmlns="" id="{B98D1857-0561-411C-BD5D-5E661010EFD7}"/>
               </a:ext>
             </a:extLst>
           </p:cNvPr>
@@ -30908,7 +30900,7 @@
           <p:cNvPr id="9" name="Text Placeholder 2">
             <a:extLst>
               <a:ext uri="{FF2B5EF4-FFF2-40B4-BE49-F238E27FC236}">
-                <a16:creationId xmlns="" xmlns:a16="http://schemas.microsoft.com/office/drawing/2014/main" id="{B98D1857-0561-411C-BD5D-5E661010EFD7}"/>
+                <a16:creationId xmlns:a16="http://schemas.microsoft.com/office/drawing/2014/main" xmlns="" id="{B98D1857-0561-411C-BD5D-5E661010EFD7}"/>
               </a:ext>
             </a:extLst>
           </p:cNvPr>
@@ -31198,7 +31190,7 @@
           <p:cNvPr id="10" name="Text Placeholder 2">
             <a:extLst>
               <a:ext uri="{FF2B5EF4-FFF2-40B4-BE49-F238E27FC236}">
-                <a16:creationId xmlns="" xmlns:a16="http://schemas.microsoft.com/office/drawing/2014/main" id="{B98D1857-0561-411C-BD5D-5E661010EFD7}"/>
+                <a16:creationId xmlns:a16="http://schemas.microsoft.com/office/drawing/2014/main" xmlns="" id="{B98D1857-0561-411C-BD5D-5E661010EFD7}"/>
               </a:ext>
             </a:extLst>
           </p:cNvPr>
@@ -31525,7 +31517,7 @@
           <p:cNvPr id="2" name="Title 1">
             <a:extLst>
               <a:ext uri="{FF2B5EF4-FFF2-40B4-BE49-F238E27FC236}">
-                <a16:creationId xmlns="" xmlns:a16="http://schemas.microsoft.com/office/drawing/2014/main" id="{06B9761D-23C7-4AD0-88CA-BE64B32E2D69}"/>
+                <a16:creationId xmlns:a16="http://schemas.microsoft.com/office/drawing/2014/main" xmlns="" id="{06B9761D-23C7-4AD0-88CA-BE64B32E2D69}"/>
               </a:ext>
             </a:extLst>
           </p:cNvPr>
@@ -31610,7 +31602,7 @@
           <p:cNvPr id="3" name="Text Placeholder 2">
             <a:extLst>
               <a:ext uri="{FF2B5EF4-FFF2-40B4-BE49-F238E27FC236}">
-                <a16:creationId xmlns="" xmlns:a16="http://schemas.microsoft.com/office/drawing/2014/main" id="{1FFFFD45-EA13-49A4-B259-FFBA3D9EFCEE}"/>
+                <a16:creationId xmlns:a16="http://schemas.microsoft.com/office/drawing/2014/main" xmlns="" id="{1FFFFD45-EA13-49A4-B259-FFBA3D9EFCEE}"/>
               </a:ext>
             </a:extLst>
           </p:cNvPr>
@@ -31843,7 +31835,7 @@
           <p:cNvPr id="2" name="Title 1">
             <a:extLst>
               <a:ext uri="{FF2B5EF4-FFF2-40B4-BE49-F238E27FC236}">
-                <a16:creationId xmlns="" xmlns:a16="http://schemas.microsoft.com/office/drawing/2014/main" id="{06B9761D-23C7-4AD0-88CA-BE64B32E2D69}"/>
+                <a16:creationId xmlns:a16="http://schemas.microsoft.com/office/drawing/2014/main" xmlns="" id="{06B9761D-23C7-4AD0-88CA-BE64B32E2D69}"/>
               </a:ext>
             </a:extLst>
           </p:cNvPr>
@@ -31928,7 +31920,7 @@
           <p:cNvPr id="3" name="Text Placeholder 2">
             <a:extLst>
               <a:ext uri="{FF2B5EF4-FFF2-40B4-BE49-F238E27FC236}">
-                <a16:creationId xmlns="" xmlns:a16="http://schemas.microsoft.com/office/drawing/2014/main" id="{1FFFFD45-EA13-49A4-B259-FFBA3D9EFCEE}"/>
+                <a16:creationId xmlns:a16="http://schemas.microsoft.com/office/drawing/2014/main" xmlns="" id="{1FFFFD45-EA13-49A4-B259-FFBA3D9EFCEE}"/>
               </a:ext>
             </a:extLst>
           </p:cNvPr>
@@ -31980,396 +31972,40 @@
               <a:t>	</a:t>
             </a:r>
             <a:r>
-              <a:rPr lang="en-US" sz="2400" dirty="0" err="1"/>
+              <a:rPr lang="en-US" sz="2400" dirty="0" err="1" smtClean="0"/>
               <a:t>Hệ</a:t>
             </a:r>
             <a:r>
-              <a:rPr lang="en-US" sz="2400" dirty="0"/>
+              <a:rPr lang="en-US" sz="2400" dirty="0" smtClean="0"/>
               <a:t> </a:t>
             </a:r>
             <a:r>
-              <a:rPr lang="en-US" sz="2400" dirty="0" err="1"/>
-              <a:t>thống</a:t>
-            </a:r>
-            <a:r>
-              <a:rPr lang="en-US" sz="2400" dirty="0"/>
-              <a:t> </a:t>
-            </a:r>
-            <a:r>
-              <a:rPr lang="en-US" sz="2400" dirty="0" err="1"/>
-              <a:t>bán</a:t>
-            </a:r>
-            <a:r>
-              <a:rPr lang="en-US" sz="2400" dirty="0"/>
-              <a:t> </a:t>
-            </a:r>
-            <a:r>
-              <a:rPr lang="en-US" sz="2400" dirty="0" err="1"/>
-              <a:t>hàng</a:t>
-            </a:r>
-            <a:r>
-              <a:rPr lang="en-US" sz="2400" dirty="0"/>
-              <a:t> </a:t>
-            </a:r>
-            <a:r>
-              <a:rPr lang="en-US" sz="2400" dirty="0" err="1"/>
-              <a:t>trực</a:t>
-            </a:r>
-            <a:r>
-              <a:rPr lang="en-US" sz="2400" dirty="0"/>
-              <a:t> </a:t>
-            </a:r>
-            <a:r>
-              <a:rPr lang="en-US" sz="2400" dirty="0" err="1"/>
-              <a:t>tuyến</a:t>
-            </a:r>
-            <a:r>
-              <a:rPr lang="en-US" sz="2400" dirty="0"/>
-              <a:t> </a:t>
-            </a:r>
-            <a:r>
-              <a:rPr lang="en-US" sz="2400" dirty="0" err="1"/>
-              <a:t>cho</a:t>
-            </a:r>
-            <a:r>
-              <a:rPr lang="en-US" sz="2400" dirty="0"/>
-              <a:t> </a:t>
-            </a:r>
-            <a:r>
-              <a:rPr lang="en-US" sz="2400" dirty="0" err="1"/>
-              <a:t>phép</a:t>
-            </a:r>
-            <a:r>
-              <a:rPr lang="en-US" sz="2400" dirty="0"/>
-              <a:t> </a:t>
-            </a:r>
-            <a:r>
-              <a:rPr lang="en-US" sz="2400" b="1" dirty="0" err="1"/>
-              <a:t>khách</a:t>
-            </a:r>
-            <a:r>
-              <a:rPr lang="en-US" sz="2400" b="1" dirty="0"/>
-              <a:t> </a:t>
-            </a:r>
-            <a:r>
-              <a:rPr lang="en-US" sz="2400" b="1" dirty="0" err="1"/>
-              <a:t>hàng</a:t>
-            </a:r>
-            <a:r>
-              <a:rPr lang="en-US" sz="2400" dirty="0"/>
-              <a:t> </a:t>
-            </a:r>
-            <a:r>
-              <a:rPr lang="en-US" sz="2400" dirty="0" err="1"/>
-              <a:t>tìm</a:t>
-            </a:r>
-            <a:r>
-              <a:rPr lang="en-US" sz="2400" dirty="0"/>
-              <a:t> </a:t>
-            </a:r>
-            <a:r>
-              <a:rPr lang="en-US" sz="2400" dirty="0" err="1"/>
-              <a:t>kiếm</a:t>
-            </a:r>
-            <a:r>
-              <a:rPr lang="en-US" sz="2400" dirty="0"/>
-              <a:t> </a:t>
-            </a:r>
-            <a:r>
-              <a:rPr lang="en-US" sz="2400" dirty="0" err="1"/>
-              <a:t>và</a:t>
-            </a:r>
-            <a:r>
-              <a:rPr lang="en-US" sz="2400" dirty="0"/>
-              <a:t> </a:t>
-            </a:r>
-            <a:r>
-              <a:rPr lang="en-US" sz="2400" dirty="0" err="1"/>
-              <a:t>mua</a:t>
-            </a:r>
-            <a:r>
-              <a:rPr lang="en-US" sz="2400" dirty="0"/>
-              <a:t> </a:t>
-            </a:r>
-            <a:r>
-              <a:rPr lang="en-US" sz="2400" dirty="0" err="1"/>
-              <a:t>sản</a:t>
-            </a:r>
-            <a:r>
-              <a:rPr lang="en-US" sz="2400" dirty="0"/>
-              <a:t> </a:t>
-            </a:r>
-            <a:r>
-              <a:rPr lang="en-US" sz="2400" dirty="0" err="1"/>
-              <a:t>phẩm</a:t>
-            </a:r>
-            <a:r>
-              <a:rPr lang="en-US" sz="2400" dirty="0"/>
-              <a:t>. </a:t>
-            </a:r>
-            <a:r>
-              <a:rPr lang="en-US" sz="2400" b="1" dirty="0" err="1" smtClean="0"/>
-              <a:t>Quản</a:t>
-            </a:r>
-            <a:r>
-              <a:rPr lang="en-US" sz="2400" b="1" dirty="0" smtClean="0"/>
-              <a:t> </a:t>
-            </a:r>
-            <a:r>
-              <a:rPr lang="en-US" sz="2400" b="1" dirty="0" err="1"/>
-              <a:t>trị</a:t>
-            </a:r>
-            <a:r>
-              <a:rPr lang="en-US" sz="2400" b="1" dirty="0"/>
-              <a:t> </a:t>
-            </a:r>
-            <a:r>
-              <a:rPr lang="en-US" sz="2400" b="1" dirty="0" err="1"/>
-              <a:t>viên</a:t>
-            </a:r>
-            <a:r>
-              <a:rPr lang="en-US" sz="2400" dirty="0"/>
-              <a:t> </a:t>
-            </a:r>
-            <a:r>
-              <a:rPr lang="en-US" sz="2400" dirty="0" err="1"/>
-              <a:t>có</a:t>
-            </a:r>
-            <a:r>
-              <a:rPr lang="en-US" sz="2400" dirty="0"/>
-              <a:t> </a:t>
-            </a:r>
-            <a:r>
-              <a:rPr lang="en-US" sz="2400" dirty="0" err="1"/>
-              <a:t>thể</a:t>
-            </a:r>
-            <a:r>
-              <a:rPr lang="en-US" sz="2400" dirty="0"/>
-              <a:t> </a:t>
-            </a:r>
-            <a:r>
-              <a:rPr lang="en-US" sz="2400" dirty="0" err="1"/>
-              <a:t>quản</a:t>
-            </a:r>
-            <a:r>
-              <a:rPr lang="en-US" sz="2400" dirty="0"/>
-              <a:t> </a:t>
-            </a:r>
-            <a:r>
-              <a:rPr lang="en-US" sz="2400" dirty="0" err="1"/>
-              <a:t>lý</a:t>
-            </a:r>
-            <a:r>
-              <a:rPr lang="en-US" sz="2400" dirty="0"/>
-              <a:t> </a:t>
-            </a:r>
-            <a:r>
-              <a:rPr lang="en-US" sz="2400" dirty="0" err="1"/>
-              <a:t>các</a:t>
-            </a:r>
-            <a:r>
-              <a:rPr lang="en-US" sz="2400" dirty="0"/>
-              <a:t> </a:t>
-            </a:r>
-            <a:r>
-              <a:rPr lang="en-US" sz="2400" dirty="0" err="1"/>
-              <a:t>sản</a:t>
-            </a:r>
-            <a:r>
-              <a:rPr lang="en-US" sz="2400" dirty="0"/>
-              <a:t> </a:t>
-            </a:r>
-            <a:r>
-              <a:rPr lang="en-US" sz="2400" dirty="0" err="1"/>
-              <a:t>phẩm</a:t>
-            </a:r>
-            <a:r>
-              <a:rPr lang="en-US" sz="2400" dirty="0"/>
-              <a:t> </a:t>
-            </a:r>
-            <a:r>
-              <a:rPr lang="en-US" sz="2400" dirty="0" err="1"/>
-              <a:t>và</a:t>
-            </a:r>
-            <a:r>
-              <a:rPr lang="en-US" sz="2400" dirty="0"/>
-              <a:t> </a:t>
-            </a:r>
-            <a:r>
-              <a:rPr lang="en-US" sz="2400" dirty="0" err="1"/>
-              <a:t>cập</a:t>
-            </a:r>
-            <a:r>
-              <a:rPr lang="en-US" sz="2400" dirty="0"/>
-              <a:t> </a:t>
-            </a:r>
-            <a:r>
-              <a:rPr lang="en-US" sz="2400" dirty="0" err="1"/>
-              <a:t>nhật</a:t>
-            </a:r>
-            <a:r>
-              <a:rPr lang="en-US" sz="2400" dirty="0"/>
-              <a:t> </a:t>
-            </a:r>
-            <a:r>
-              <a:rPr lang="en-US" sz="2400" dirty="0" err="1"/>
-              <a:t>thông</a:t>
-            </a:r>
-            <a:r>
-              <a:rPr lang="en-US" sz="2400" dirty="0"/>
-              <a:t> tin </a:t>
-            </a:r>
-            <a:r>
-              <a:rPr lang="en-US" sz="2400" dirty="0" err="1"/>
-              <a:t>của</a:t>
-            </a:r>
-            <a:r>
-              <a:rPr lang="en-US" sz="2400" dirty="0"/>
-              <a:t> </a:t>
-            </a:r>
-            <a:r>
-              <a:rPr lang="en-US" sz="2400" dirty="0" err="1"/>
-              <a:t>hệ</a:t>
-            </a:r>
-            <a:r>
-              <a:rPr lang="en-US" sz="2400" dirty="0"/>
-              <a:t> </a:t>
-            </a:r>
-            <a:r>
-              <a:rPr lang="en-US" sz="2400" dirty="0" err="1"/>
-              <a:t>thống</a:t>
-            </a:r>
-            <a:r>
-              <a:rPr lang="en-US" sz="2400" dirty="0"/>
-              <a:t>. </a:t>
-            </a:r>
-            <a:r>
-              <a:rPr lang="en-US" sz="2400" dirty="0" err="1"/>
-              <a:t>Hệ</a:t>
-            </a:r>
-            <a:r>
-              <a:rPr lang="en-US" sz="2400" dirty="0"/>
-              <a:t> </a:t>
-            </a:r>
-            <a:r>
-              <a:rPr lang="en-US" sz="2400" dirty="0" err="1"/>
-              <a:t>thống</a:t>
-            </a:r>
-            <a:r>
-              <a:rPr lang="en-US" sz="2400" dirty="0"/>
-              <a:t> </a:t>
-            </a:r>
-            <a:r>
-              <a:rPr lang="en-US" sz="2400" dirty="0" err="1"/>
-              <a:t>cũng</a:t>
-            </a:r>
-            <a:r>
-              <a:rPr lang="en-US" sz="2400" dirty="0"/>
-              <a:t> </a:t>
-            </a:r>
-            <a:r>
-              <a:rPr lang="en-US" sz="2400" dirty="0" err="1"/>
-              <a:t>liên</a:t>
-            </a:r>
-            <a:r>
-              <a:rPr lang="en-US" sz="2400" dirty="0"/>
-              <a:t> </a:t>
-            </a:r>
-            <a:r>
-              <a:rPr lang="en-US" sz="2400" dirty="0" err="1"/>
-              <a:t>kết</a:t>
-            </a:r>
-            <a:r>
-              <a:rPr lang="en-US" sz="2400" dirty="0"/>
-              <a:t> </a:t>
-            </a:r>
-            <a:r>
-              <a:rPr lang="en-US" sz="2400" dirty="0" err="1"/>
-              <a:t>với</a:t>
-            </a:r>
-            <a:r>
-              <a:rPr lang="en-US" sz="2400" dirty="0"/>
-              <a:t> </a:t>
-            </a:r>
-            <a:r>
-              <a:rPr lang="en-US" sz="2400" b="1" dirty="0" err="1"/>
-              <a:t>cổng</a:t>
-            </a:r>
-            <a:r>
-              <a:rPr lang="en-US" sz="2400" b="1" dirty="0"/>
-              <a:t> </a:t>
-            </a:r>
-            <a:r>
-              <a:rPr lang="en-US" sz="2400" b="1" dirty="0" err="1"/>
-              <a:t>thanh</a:t>
-            </a:r>
-            <a:r>
-              <a:rPr lang="en-US" sz="2400" b="1" dirty="0"/>
-              <a:t> </a:t>
-            </a:r>
-            <a:r>
-              <a:rPr lang="en-US" sz="2400" b="1" dirty="0" err="1"/>
-              <a:t>toán</a:t>
-            </a:r>
-            <a:r>
-              <a:rPr lang="en-US" sz="2400" dirty="0"/>
-              <a:t> </a:t>
-            </a:r>
-            <a:r>
-              <a:rPr lang="en-US" sz="2400" dirty="0" err="1"/>
-              <a:t>để</a:t>
-            </a:r>
-            <a:r>
-              <a:rPr lang="en-US" sz="2400" dirty="0"/>
-              <a:t> </a:t>
-            </a:r>
-            <a:r>
-              <a:rPr lang="en-US" sz="2400" dirty="0" err="1"/>
-              <a:t>xử</a:t>
-            </a:r>
-            <a:r>
-              <a:rPr lang="en-US" sz="2400" dirty="0"/>
-              <a:t> </a:t>
-            </a:r>
-            <a:r>
-              <a:rPr lang="en-US" sz="2400" dirty="0" err="1"/>
-              <a:t>lý</a:t>
-            </a:r>
-            <a:r>
-              <a:rPr lang="en-US" sz="2400" dirty="0"/>
-              <a:t> </a:t>
-            </a:r>
-            <a:r>
-              <a:rPr lang="en-US" sz="2400" dirty="0" err="1"/>
-              <a:t>giao</a:t>
-            </a:r>
-            <a:r>
-              <a:rPr lang="en-US" sz="2400" dirty="0"/>
-              <a:t> </a:t>
-            </a:r>
-            <a:r>
-              <a:rPr lang="en-US" sz="2400" dirty="0" err="1"/>
-              <a:t>dịch</a:t>
-            </a:r>
-            <a:r>
-              <a:rPr lang="en-US" sz="2400" dirty="0"/>
-              <a:t> </a:t>
-            </a:r>
-            <a:r>
-              <a:rPr lang="en-US" sz="2400" dirty="0" err="1"/>
-              <a:t>trực</a:t>
-            </a:r>
-            <a:r>
-              <a:rPr lang="en-US" sz="2400" dirty="0"/>
-              <a:t> </a:t>
-            </a:r>
-            <a:r>
-              <a:rPr lang="en-US" sz="2400" dirty="0" err="1"/>
-              <a:t>tuyến</a:t>
-            </a:r>
-            <a:r>
-              <a:rPr lang="en-US" sz="2400" dirty="0"/>
-              <a:t> </a:t>
+              <a:rPr lang="vi-VN" sz="2400" dirty="0" smtClean="0"/>
+              <a:t>thống quản lý cửa hàng văn phòng phẩm cho </a:t>
+            </a:r>
+            <a:r>
+              <a:rPr lang="vi-VN" sz="2400" b="1" dirty="0" smtClean="0"/>
+              <a:t>chủ cửa hàng</a:t>
+            </a:r>
+            <a:r>
+              <a:rPr lang="vi-VN" sz="2400" dirty="0" smtClean="0"/>
+              <a:t> in hóa đơn của đơn hàng bán đã được tạo thành công. </a:t>
+            </a:r>
+            <a:r>
+              <a:rPr lang="vi-VN" sz="2400" b="1" dirty="0" smtClean="0"/>
+              <a:t>Nhân viên </a:t>
+            </a:r>
+            <a:r>
+              <a:rPr lang="vi-VN" sz="2400" dirty="0" smtClean="0"/>
+              <a:t>trong cửa hàng có thể in hóa đơn các đơn hàng do nhân viên đó phụ trách. </a:t>
+            </a:r>
+            <a:r>
+              <a:rPr lang="vi-VN" sz="2400" b="1" dirty="0" smtClean="0"/>
+              <a:t>Máy in </a:t>
+            </a:r>
+            <a:r>
+              <a:rPr lang="vi-VN" sz="2400" dirty="0" smtClean="0"/>
+              <a:t>được kết nối để in hóa đơn cho các đơn hàng.</a:t>
             </a:r>
             <a:endParaRPr lang="vi-VN" sz="2400" dirty="0"/>
           </a:p>
@@ -32409,35 +32045,44 @@
               <a:t> </a:t>
             </a:r>
             <a:r>
-              <a:rPr lang="en-US" sz="2400" dirty="0" err="1">
+              <a:rPr lang="en-US" sz="2400" dirty="0" err="1" smtClean="0">
                 <a:sym typeface="Wingdings" panose="05000000000000000000" pitchFamily="2" charset="2"/>
               </a:rPr>
               <a:t>chính</a:t>
             </a:r>
             <a:r>
-              <a:rPr lang="en-US" sz="2400" dirty="0">
+              <a:rPr lang="en-US" sz="2400" dirty="0" smtClean="0">
                 <a:sym typeface="Wingdings" panose="05000000000000000000" pitchFamily="2" charset="2"/>
               </a:rPr>
-              <a:t>: </a:t>
+              <a:t>:</a:t>
+            </a:r>
+            <a:r>
+              <a:rPr lang="vi-VN" sz="2400" dirty="0">
+                <a:sym typeface="Wingdings" panose="05000000000000000000" pitchFamily="2" charset="2"/>
+              </a:rPr>
+              <a:t> </a:t>
             </a:r>
             <a:r>
               <a:rPr lang="vi-VN" sz="2400" b="1" dirty="0" smtClean="0">
                 <a:sym typeface="Wingdings" panose="05000000000000000000" pitchFamily="2" charset="2"/>
               </a:rPr>
-              <a:t>khách hàng</a:t>
+              <a:t>chủ cửa hàng</a:t>
             </a:r>
             <a:r>
               <a:rPr lang="en-US" sz="2400" dirty="0" smtClean="0">
                 <a:sym typeface="Wingdings" panose="05000000000000000000" pitchFamily="2" charset="2"/>
               </a:rPr>
-              <a:t>, </a:t>
+              <a:t>,</a:t>
             </a:r>
             <a:r>
               <a:rPr lang="vi-VN" sz="2400" b="1" dirty="0" smtClean="0">
                 <a:sym typeface="Wingdings" panose="05000000000000000000" pitchFamily="2" charset="2"/>
               </a:rPr>
-              <a:t>quản trị viên</a:t>
-            </a:r>
+              <a:t> nhân viên</a:t>
+            </a:r>
+            <a:endParaRPr lang="vi-VN" sz="2400" b="1" dirty="0" smtClean="0">
+              <a:sym typeface="Wingdings" panose="05000000000000000000" pitchFamily="2" charset="2"/>
+            </a:endParaRPr>
           </a:p>
           <a:p>
             <a:pPr>
@@ -32448,22 +32093,20 @@
               <a:rPr lang="vi-VN" sz="2400" dirty="0" smtClean="0">
                 <a:sym typeface="Wingdings" panose="05000000000000000000" pitchFamily="2" charset="2"/>
               </a:rPr>
-              <a:t>Tác nhân phụ: </a:t>
+              <a:t>Tác nhân </a:t>
+            </a:r>
+            <a:r>
+              <a:rPr lang="vi-VN" sz="2400" dirty="0" smtClean="0">
+                <a:sym typeface="Wingdings" panose="05000000000000000000" pitchFamily="2" charset="2"/>
+              </a:rPr>
+              <a:t>phụ: </a:t>
             </a:r>
             <a:r>
               <a:rPr lang="vi-VN" sz="2400" b="1" dirty="0" smtClean="0">
                 <a:sym typeface="Wingdings" panose="05000000000000000000" pitchFamily="2" charset="2"/>
               </a:rPr>
-              <a:t>cổng thanh toán</a:t>
-            </a:r>
-            <a:endParaRPr lang="en-US" sz="2400" b="1" dirty="0">
-              <a:sym typeface="Wingdings" panose="05000000000000000000" pitchFamily="2" charset="2"/>
-            </a:endParaRPr>
-          </a:p>
-          <a:p>
-            <a:pPr marL="114300" indent="0">
-              <a:buNone/>
-            </a:pPr>
+              <a:t>máy in</a:t>
+            </a:r>
             <a:endParaRPr lang="en-US" sz="2400" dirty="0"/>
           </a:p>
         </p:txBody>

--- a/Slide.pptx
+++ b/Slide.pptx
@@ -268,7 +268,7 @@
       <p15:sldGuideLst xmlns:p15="http://schemas.microsoft.com/office/powerpoint/2012/main"/>
     </p:ext>
     <p:ext uri="GoogleSlidesCustomDataVersion2">
-      <go:slidesCustomData xmlns:go="http://customooxmlschemas.google.com/" xmlns:ahyp="http://schemas.microsoft.com/office/drawing/2018/hyperlinkcolor" xmlns:p15="http://schemas.microsoft.com/office/powerpoint/2012/main" xmlns:p14="http://schemas.microsoft.com/office/powerpoint/2010/main" xmlns:com="http://schemas.openxmlformats.org/drawingml/2006/compatibility" xmlns:pvml="urn:schemas-microsoft-com:office:powerpoint" xmlns:v="urn:schemas-microsoft-com:vml" xmlns:o="urn:schemas-microsoft-com:office:office" xmlns:dgm="http://schemas.openxmlformats.org/drawingml/2006/diagram" xmlns:c="http://schemas.openxmlformats.org/drawingml/2006/chart" xmlns:mv="urn:schemas-microsoft-com:mac:vml" xmlns:mc="http://schemas.openxmlformats.org/markup-compatibility/2006" xmlns="" r:id="rId34" roundtripDataSignature="AMtx7mgzalF4DGvfEshU7BVqSP7oz0qtVA=="/>
+      <go:slidesCustomData xmlns="" xmlns:mc="http://schemas.openxmlformats.org/markup-compatibility/2006" xmlns:mv="urn:schemas-microsoft-com:mac:vml" xmlns:c="http://schemas.openxmlformats.org/drawingml/2006/chart" xmlns:dgm="http://schemas.openxmlformats.org/drawingml/2006/diagram" xmlns:o="urn:schemas-microsoft-com:office:office" xmlns:v="urn:schemas-microsoft-com:vml" xmlns:pvml="urn:schemas-microsoft-com:office:powerpoint" xmlns:com="http://schemas.openxmlformats.org/drawingml/2006/compatibility" xmlns:p14="http://schemas.microsoft.com/office/powerpoint/2010/main" xmlns:p15="http://schemas.microsoft.com/office/powerpoint/2012/main" xmlns:ahyp="http://schemas.microsoft.com/office/drawing/2018/hyperlinkcolor" xmlns:go="http://customooxmlschemas.google.com/" r:id="rId34" roundtripDataSignature="AMtx7mgzalF4DGvfEshU7BVqSP7oz0qtVA=="/>
     </p:ext>
   </p:extLst>
 </p:presentation>
@@ -12988,7 +12988,7 @@
           <p:cNvPr id="2" name="Title 1">
             <a:extLst>
               <a:ext uri="{FF2B5EF4-FFF2-40B4-BE49-F238E27FC236}">
-                <a16:creationId xmlns:a16="http://schemas.microsoft.com/office/drawing/2014/main" xmlns="" id="{64B95BEF-5974-42F7-A3AF-C837355F8573}"/>
+                <a16:creationId xmlns="" xmlns:a16="http://schemas.microsoft.com/office/drawing/2014/main" id="{64B95BEF-5974-42F7-A3AF-C837355F8573}"/>
               </a:ext>
             </a:extLst>
           </p:cNvPr>
@@ -13073,7 +13073,7 @@
           <p:cNvPr id="3" name="Text Placeholder 2">
             <a:extLst>
               <a:ext uri="{FF2B5EF4-FFF2-40B4-BE49-F238E27FC236}">
-                <a16:creationId xmlns:a16="http://schemas.microsoft.com/office/drawing/2014/main" xmlns="" id="{AB3C6A4E-919D-4DEC-8253-297B1861DCC8}"/>
+                <a16:creationId xmlns="" xmlns:a16="http://schemas.microsoft.com/office/drawing/2014/main" id="{AB3C6A4E-919D-4DEC-8253-297B1861DCC8}"/>
               </a:ext>
             </a:extLst>
           </p:cNvPr>
@@ -13115,7 +13115,7 @@
           <p:cNvPr id="5" name="Text Placeholder 2">
             <a:extLst>
               <a:ext uri="{FF2B5EF4-FFF2-40B4-BE49-F238E27FC236}">
-                <a16:creationId xmlns:a16="http://schemas.microsoft.com/office/drawing/2014/main" xmlns="" id="{B98D1857-0561-411C-BD5D-5E661010EFD7}"/>
+                <a16:creationId xmlns="" xmlns:a16="http://schemas.microsoft.com/office/drawing/2014/main" id="{B98D1857-0561-411C-BD5D-5E661010EFD7}"/>
               </a:ext>
             </a:extLst>
           </p:cNvPr>
@@ -13395,7 +13395,15 @@
             </a:pPr>
             <a:r>
               <a:rPr lang="vi-VN" sz="2400" dirty="0" smtClean="0"/>
-              <a:t>Mô tả một chức năng sử dụng cụ thể của hệ thống bởi một tác nhân, đại diện cho những gì mác tác nhân muốn hệ thống làm.</a:t>
+              <a:t>Mô tả một chức năng sử dụng cụ thể của hệ thống bởi một tác nhân, đại diện cho những gì </a:t>
+            </a:r>
+            <a:r>
+              <a:rPr lang="vi-VN" sz="2400" dirty="0" smtClean="0"/>
+              <a:t>mà </a:t>
+            </a:r>
+            <a:r>
+              <a:rPr lang="vi-VN" sz="2400" dirty="0" smtClean="0"/>
+              <a:t>tác nhân muốn hệ thống làm.</a:t>
             </a:r>
           </a:p>
           <a:p>
@@ -13456,7 +13464,7 @@
           <p:cNvPr id="9" name="Text Placeholder 2">
             <a:extLst>
               <a:ext uri="{FF2B5EF4-FFF2-40B4-BE49-F238E27FC236}">
-                <a16:creationId xmlns:a16="http://schemas.microsoft.com/office/drawing/2014/main" xmlns="" id="{B98D1857-0561-411C-BD5D-5E661010EFD7}"/>
+                <a16:creationId xmlns="" xmlns:a16="http://schemas.microsoft.com/office/drawing/2014/main" id="{B98D1857-0561-411C-BD5D-5E661010EFD7}"/>
               </a:ext>
             </a:extLst>
           </p:cNvPr>
@@ -13746,7 +13754,7 @@
           <p:cNvPr id="10" name="Text Placeholder 2">
             <a:extLst>
               <a:ext uri="{FF2B5EF4-FFF2-40B4-BE49-F238E27FC236}">
-                <a16:creationId xmlns:a16="http://schemas.microsoft.com/office/drawing/2014/main" xmlns="" id="{B98D1857-0561-411C-BD5D-5E661010EFD7}"/>
+                <a16:creationId xmlns="" xmlns:a16="http://schemas.microsoft.com/office/drawing/2014/main" id="{B98D1857-0561-411C-BD5D-5E661010EFD7}"/>
               </a:ext>
             </a:extLst>
           </p:cNvPr>
@@ -14147,7 +14155,7 @@
           <p:cNvPr id="2" name="Title 1">
             <a:extLst>
               <a:ext uri="{FF2B5EF4-FFF2-40B4-BE49-F238E27FC236}">
-                <a16:creationId xmlns:a16="http://schemas.microsoft.com/office/drawing/2014/main" xmlns="" id="{21455DAE-BD5C-4A55-8025-75D2C7C7A9FE}"/>
+                <a16:creationId xmlns="" xmlns:a16="http://schemas.microsoft.com/office/drawing/2014/main" id="{21455DAE-BD5C-4A55-8025-75D2C7C7A9FE}"/>
               </a:ext>
             </a:extLst>
           </p:cNvPr>
@@ -14232,7 +14240,7 @@
           <p:cNvPr id="3" name="Text Placeholder 2">
             <a:extLst>
               <a:ext uri="{FF2B5EF4-FFF2-40B4-BE49-F238E27FC236}">
-                <a16:creationId xmlns:a16="http://schemas.microsoft.com/office/drawing/2014/main" xmlns="" id="{8C8E4A19-149C-474C-B372-724710A41EDB}"/>
+                <a16:creationId xmlns="" xmlns:a16="http://schemas.microsoft.com/office/drawing/2014/main" id="{8C8E4A19-149C-474C-B372-724710A41EDB}"/>
               </a:ext>
             </a:extLst>
           </p:cNvPr>
@@ -14446,7 +14454,7 @@
           <p:cNvPr id="2" name="Title 1">
             <a:extLst>
               <a:ext uri="{FF2B5EF4-FFF2-40B4-BE49-F238E27FC236}">
-                <a16:creationId xmlns:a16="http://schemas.microsoft.com/office/drawing/2014/main" xmlns="" id="{D6C95B60-48C6-4F01-A08F-533FC7622445}"/>
+                <a16:creationId xmlns="" xmlns:a16="http://schemas.microsoft.com/office/drawing/2014/main" id="{D6C95B60-48C6-4F01-A08F-533FC7622445}"/>
               </a:ext>
             </a:extLst>
           </p:cNvPr>
@@ -14531,7 +14539,7 @@
           <p:cNvPr id="3" name="Text Placeholder 2">
             <a:extLst>
               <a:ext uri="{FF2B5EF4-FFF2-40B4-BE49-F238E27FC236}">
-                <a16:creationId xmlns:a16="http://schemas.microsoft.com/office/drawing/2014/main" xmlns="" id="{43E4F237-9968-496E-9496-56500A3FC989}"/>
+                <a16:creationId xmlns="" xmlns:a16="http://schemas.microsoft.com/office/drawing/2014/main" id="{43E4F237-9968-496E-9496-56500A3FC989}"/>
               </a:ext>
             </a:extLst>
           </p:cNvPr>
@@ -14986,7 +14994,7 @@
           <p:cNvPr id="2" name="Title 1">
             <a:extLst>
               <a:ext uri="{FF2B5EF4-FFF2-40B4-BE49-F238E27FC236}">
-                <a16:creationId xmlns:a16="http://schemas.microsoft.com/office/drawing/2014/main" xmlns="" id="{D6C95B60-48C6-4F01-A08F-533FC7622445}"/>
+                <a16:creationId xmlns="" xmlns:a16="http://schemas.microsoft.com/office/drawing/2014/main" id="{D6C95B60-48C6-4F01-A08F-533FC7622445}"/>
               </a:ext>
             </a:extLst>
           </p:cNvPr>
@@ -15071,7 +15079,7 @@
           <p:cNvPr id="3" name="Text Placeholder 2">
             <a:extLst>
               <a:ext uri="{FF2B5EF4-FFF2-40B4-BE49-F238E27FC236}">
-                <a16:creationId xmlns:a16="http://schemas.microsoft.com/office/drawing/2014/main" xmlns="" id="{43E4F237-9968-496E-9496-56500A3FC989}"/>
+                <a16:creationId xmlns="" xmlns:a16="http://schemas.microsoft.com/office/drawing/2014/main" id="{43E4F237-9968-496E-9496-56500A3FC989}"/>
               </a:ext>
             </a:extLst>
           </p:cNvPr>
@@ -15166,7 +15174,7 @@
           <p:cNvPr id="2" name="Title 1">
             <a:extLst>
               <a:ext uri="{FF2B5EF4-FFF2-40B4-BE49-F238E27FC236}">
-                <a16:creationId xmlns:a16="http://schemas.microsoft.com/office/drawing/2014/main" xmlns="" id="{C640EACF-5B41-4EAC-B109-4A0E229C72B9}"/>
+                <a16:creationId xmlns="" xmlns:a16="http://schemas.microsoft.com/office/drawing/2014/main" id="{C640EACF-5B41-4EAC-B109-4A0E229C72B9}"/>
               </a:ext>
             </a:extLst>
           </p:cNvPr>
@@ -15198,7 +15206,7 @@
           <p:cNvPr id="5" name="Google Shape;160;p3">
             <a:extLst>
               <a:ext uri="{FF2B5EF4-FFF2-40B4-BE49-F238E27FC236}">
-                <a16:creationId xmlns:a16="http://schemas.microsoft.com/office/drawing/2014/main" xmlns="" id="{8A27A72E-21CB-41E5-9508-4ED75CFB27B1}"/>
+                <a16:creationId xmlns="" xmlns:a16="http://schemas.microsoft.com/office/drawing/2014/main" id="{8A27A72E-21CB-41E5-9508-4ED75CFB27B1}"/>
               </a:ext>
             </a:extLst>
           </p:cNvPr>
@@ -15382,7 +15390,7 @@
           <p:cNvPr id="6" name="Google Shape;161;p3">
             <a:extLst>
               <a:ext uri="{FF2B5EF4-FFF2-40B4-BE49-F238E27FC236}">
-                <a16:creationId xmlns:a16="http://schemas.microsoft.com/office/drawing/2014/main" xmlns="" id="{6A442AFE-A857-4B15-AD91-CE89C9E14C0F}"/>
+                <a16:creationId xmlns="" xmlns:a16="http://schemas.microsoft.com/office/drawing/2014/main" id="{6A442AFE-A857-4B15-AD91-CE89C9E14C0F}"/>
               </a:ext>
             </a:extLst>
           </p:cNvPr>
@@ -15590,7 +15598,7 @@
           <p:cNvPr id="7" name="Google Shape;162;p3">
             <a:extLst>
               <a:ext uri="{FF2B5EF4-FFF2-40B4-BE49-F238E27FC236}">
-                <a16:creationId xmlns:a16="http://schemas.microsoft.com/office/drawing/2014/main" xmlns="" id="{D08B6B76-09DF-417A-A11D-3AF5C0058E1E}"/>
+                <a16:creationId xmlns="" xmlns:a16="http://schemas.microsoft.com/office/drawing/2014/main" id="{D08B6B76-09DF-417A-A11D-3AF5C0058E1E}"/>
               </a:ext>
             </a:extLst>
           </p:cNvPr>
@@ -15678,7 +15686,7 @@
           <p:cNvPr id="8" name="Google Shape;163;p3">
             <a:extLst>
               <a:ext uri="{FF2B5EF4-FFF2-40B4-BE49-F238E27FC236}">
-                <a16:creationId xmlns:a16="http://schemas.microsoft.com/office/drawing/2014/main" xmlns="" id="{3AF95ED6-E057-494C-BAF9-BA4A987EA999}"/>
+                <a16:creationId xmlns="" xmlns:a16="http://schemas.microsoft.com/office/drawing/2014/main" id="{3AF95ED6-E057-494C-BAF9-BA4A987EA999}"/>
               </a:ext>
             </a:extLst>
           </p:cNvPr>
@@ -15698,7 +15706,7 @@
             <p:cNvPr id="9" name="Google Shape;164;p3">
               <a:extLst>
                 <a:ext uri="{FF2B5EF4-FFF2-40B4-BE49-F238E27FC236}">
-                  <a16:creationId xmlns:a16="http://schemas.microsoft.com/office/drawing/2014/main" xmlns="" id="{DB95E9E9-E075-400D-ADD9-9E13FF178743}"/>
+                  <a16:creationId xmlns="" xmlns:a16="http://schemas.microsoft.com/office/drawing/2014/main" id="{DB95E9E9-E075-400D-ADD9-9E13FF178743}"/>
                 </a:ext>
               </a:extLst>
             </p:cNvPr>
@@ -15763,7 +15771,7 @@
             <p:cNvPr id="10" name="Google Shape;165;p3">
               <a:extLst>
                 <a:ext uri="{FF2B5EF4-FFF2-40B4-BE49-F238E27FC236}">
-                  <a16:creationId xmlns:a16="http://schemas.microsoft.com/office/drawing/2014/main" xmlns="" id="{49F78CF2-B0AA-43A1-8CA0-A014D7E01443}"/>
+                  <a16:creationId xmlns="" xmlns:a16="http://schemas.microsoft.com/office/drawing/2014/main" id="{49F78CF2-B0AA-43A1-8CA0-A014D7E01443}"/>
                 </a:ext>
               </a:extLst>
             </p:cNvPr>
@@ -15828,7 +15836,7 @@
             <p:cNvPr id="11" name="Google Shape;166;p3">
               <a:extLst>
                 <a:ext uri="{FF2B5EF4-FFF2-40B4-BE49-F238E27FC236}">
-                  <a16:creationId xmlns:a16="http://schemas.microsoft.com/office/drawing/2014/main" xmlns="" id="{869802C9-C440-4D81-8DCF-E05E2A05B165}"/>
+                  <a16:creationId xmlns="" xmlns:a16="http://schemas.microsoft.com/office/drawing/2014/main" id="{869802C9-C440-4D81-8DCF-E05E2A05B165}"/>
                 </a:ext>
               </a:extLst>
             </p:cNvPr>
@@ -15893,7 +15901,7 @@
             <p:cNvPr id="12" name="Google Shape;167;p3">
               <a:extLst>
                 <a:ext uri="{FF2B5EF4-FFF2-40B4-BE49-F238E27FC236}">
-                  <a16:creationId xmlns:a16="http://schemas.microsoft.com/office/drawing/2014/main" xmlns="" id="{AE283430-AED0-41CD-8530-A35C59B958F4}"/>
+                  <a16:creationId xmlns="" xmlns:a16="http://schemas.microsoft.com/office/drawing/2014/main" id="{AE283430-AED0-41CD-8530-A35C59B958F4}"/>
                 </a:ext>
               </a:extLst>
             </p:cNvPr>
@@ -15955,7 +15963,7 @@
             <p:cNvPr id="13" name="Google Shape;168;p3">
               <a:extLst>
                 <a:ext uri="{FF2B5EF4-FFF2-40B4-BE49-F238E27FC236}">
-                  <a16:creationId xmlns:a16="http://schemas.microsoft.com/office/drawing/2014/main" xmlns="" id="{73218BA6-1E20-4737-A20E-14D1A03BE459}"/>
+                  <a16:creationId xmlns="" xmlns:a16="http://schemas.microsoft.com/office/drawing/2014/main" id="{73218BA6-1E20-4737-A20E-14D1A03BE459}"/>
                 </a:ext>
               </a:extLst>
             </p:cNvPr>
@@ -16020,7 +16028,7 @@
             <p:cNvPr id="14" name="Google Shape;169;p3">
               <a:extLst>
                 <a:ext uri="{FF2B5EF4-FFF2-40B4-BE49-F238E27FC236}">
-                  <a16:creationId xmlns:a16="http://schemas.microsoft.com/office/drawing/2014/main" xmlns="" id="{8FB95EB2-9389-439C-B647-D222D273FECC}"/>
+                  <a16:creationId xmlns="" xmlns:a16="http://schemas.microsoft.com/office/drawing/2014/main" id="{8FB95EB2-9389-439C-B647-D222D273FECC}"/>
                 </a:ext>
               </a:extLst>
             </p:cNvPr>
@@ -16083,7 +16091,7 @@
           <p:cNvPr id="15" name="Google Shape;170;p3">
             <a:extLst>
               <a:ext uri="{FF2B5EF4-FFF2-40B4-BE49-F238E27FC236}">
-                <a16:creationId xmlns:a16="http://schemas.microsoft.com/office/drawing/2014/main" xmlns="" id="{026C221F-8E70-4C6D-931E-50EB29F5CAE3}"/>
+                <a16:creationId xmlns="" xmlns:a16="http://schemas.microsoft.com/office/drawing/2014/main" id="{026C221F-8E70-4C6D-931E-50EB29F5CAE3}"/>
               </a:ext>
             </a:extLst>
           </p:cNvPr>
@@ -16103,7 +16111,7 @@
             <p:cNvPr id="16" name="Google Shape;171;p3">
               <a:extLst>
                 <a:ext uri="{FF2B5EF4-FFF2-40B4-BE49-F238E27FC236}">
-                  <a16:creationId xmlns:a16="http://schemas.microsoft.com/office/drawing/2014/main" xmlns="" id="{EA12685C-0535-4C21-9B77-13487D252F89}"/>
+                  <a16:creationId xmlns="" xmlns:a16="http://schemas.microsoft.com/office/drawing/2014/main" id="{EA12685C-0535-4C21-9B77-13487D252F89}"/>
                 </a:ext>
               </a:extLst>
             </p:cNvPr>
@@ -16168,7 +16176,7 @@
             <p:cNvPr id="17" name="Google Shape;172;p3">
               <a:extLst>
                 <a:ext uri="{FF2B5EF4-FFF2-40B4-BE49-F238E27FC236}">
-                  <a16:creationId xmlns:a16="http://schemas.microsoft.com/office/drawing/2014/main" xmlns="" id="{D0528977-706F-477D-B1A7-4D73D35C6EFE}"/>
+                  <a16:creationId xmlns="" xmlns:a16="http://schemas.microsoft.com/office/drawing/2014/main" id="{D0528977-706F-477D-B1A7-4D73D35C6EFE}"/>
                 </a:ext>
               </a:extLst>
             </p:cNvPr>
@@ -16233,7 +16241,7 @@
             <p:cNvPr id="18" name="Google Shape;173;p3">
               <a:extLst>
                 <a:ext uri="{FF2B5EF4-FFF2-40B4-BE49-F238E27FC236}">
-                  <a16:creationId xmlns:a16="http://schemas.microsoft.com/office/drawing/2014/main" xmlns="" id="{46C2E202-AC04-4CB0-AB26-B9EC976F2C80}"/>
+                  <a16:creationId xmlns="" xmlns:a16="http://schemas.microsoft.com/office/drawing/2014/main" id="{46C2E202-AC04-4CB0-AB26-B9EC976F2C80}"/>
                 </a:ext>
               </a:extLst>
             </p:cNvPr>
@@ -16298,7 +16306,7 @@
             <p:cNvPr id="19" name="Google Shape;174;p3">
               <a:extLst>
                 <a:ext uri="{FF2B5EF4-FFF2-40B4-BE49-F238E27FC236}">
-                  <a16:creationId xmlns:a16="http://schemas.microsoft.com/office/drawing/2014/main" xmlns="" id="{C5B7D7A3-5BC2-46CC-ADC5-50B2B858EB85}"/>
+                  <a16:creationId xmlns="" xmlns:a16="http://schemas.microsoft.com/office/drawing/2014/main" id="{C5B7D7A3-5BC2-46CC-ADC5-50B2B858EB85}"/>
                 </a:ext>
               </a:extLst>
             </p:cNvPr>
@@ -16360,7 +16368,7 @@
             <p:cNvPr id="20" name="Google Shape;175;p3">
               <a:extLst>
                 <a:ext uri="{FF2B5EF4-FFF2-40B4-BE49-F238E27FC236}">
-                  <a16:creationId xmlns:a16="http://schemas.microsoft.com/office/drawing/2014/main" xmlns="" id="{B5F75C77-FD66-40CD-9962-9671674FFACA}"/>
+                  <a16:creationId xmlns="" xmlns:a16="http://schemas.microsoft.com/office/drawing/2014/main" id="{B5F75C77-FD66-40CD-9962-9671674FFACA}"/>
                 </a:ext>
               </a:extLst>
             </p:cNvPr>
@@ -16425,7 +16433,7 @@
             <p:cNvPr id="21" name="Google Shape;176;p3">
               <a:extLst>
                 <a:ext uri="{FF2B5EF4-FFF2-40B4-BE49-F238E27FC236}">
-                  <a16:creationId xmlns:a16="http://schemas.microsoft.com/office/drawing/2014/main" xmlns="" id="{1FF3FAE7-EE1D-43A2-9D53-031478C9C0E9}"/>
+                  <a16:creationId xmlns="" xmlns:a16="http://schemas.microsoft.com/office/drawing/2014/main" id="{1FF3FAE7-EE1D-43A2-9D53-031478C9C0E9}"/>
                 </a:ext>
               </a:extLst>
             </p:cNvPr>
@@ -16488,7 +16496,7 @@
           <p:cNvPr id="22" name="Google Shape;177;p3">
             <a:extLst>
               <a:ext uri="{FF2B5EF4-FFF2-40B4-BE49-F238E27FC236}">
-                <a16:creationId xmlns:a16="http://schemas.microsoft.com/office/drawing/2014/main" xmlns="" id="{84AC31BD-94DA-4135-8997-406B1A8768EB}"/>
+                <a16:creationId xmlns="" xmlns:a16="http://schemas.microsoft.com/office/drawing/2014/main" id="{84AC31BD-94DA-4135-8997-406B1A8768EB}"/>
               </a:ext>
             </a:extLst>
           </p:cNvPr>
@@ -16508,7 +16516,7 @@
             <p:cNvPr id="23" name="Google Shape;178;p3">
               <a:extLst>
                 <a:ext uri="{FF2B5EF4-FFF2-40B4-BE49-F238E27FC236}">
-                  <a16:creationId xmlns:a16="http://schemas.microsoft.com/office/drawing/2014/main" xmlns="" id="{254A14FF-43D7-422E-A352-C65E7FB17B56}"/>
+                  <a16:creationId xmlns="" xmlns:a16="http://schemas.microsoft.com/office/drawing/2014/main" id="{254A14FF-43D7-422E-A352-C65E7FB17B56}"/>
                 </a:ext>
               </a:extLst>
             </p:cNvPr>
@@ -16573,7 +16581,7 @@
             <p:cNvPr id="24" name="Google Shape;179;p3">
               <a:extLst>
                 <a:ext uri="{FF2B5EF4-FFF2-40B4-BE49-F238E27FC236}">
-                  <a16:creationId xmlns:a16="http://schemas.microsoft.com/office/drawing/2014/main" xmlns="" id="{6D5215C4-D188-46DB-A524-2BBEB1E74D67}"/>
+                  <a16:creationId xmlns="" xmlns:a16="http://schemas.microsoft.com/office/drawing/2014/main" id="{6D5215C4-D188-46DB-A524-2BBEB1E74D67}"/>
                 </a:ext>
               </a:extLst>
             </p:cNvPr>
@@ -16638,7 +16646,7 @@
             <p:cNvPr id="25" name="Google Shape;180;p3">
               <a:extLst>
                 <a:ext uri="{FF2B5EF4-FFF2-40B4-BE49-F238E27FC236}">
-                  <a16:creationId xmlns:a16="http://schemas.microsoft.com/office/drawing/2014/main" xmlns="" id="{66E66CBF-C36E-4559-B774-38FFFC0B750F}"/>
+                  <a16:creationId xmlns="" xmlns:a16="http://schemas.microsoft.com/office/drawing/2014/main" id="{66E66CBF-C36E-4559-B774-38FFFC0B750F}"/>
                 </a:ext>
               </a:extLst>
             </p:cNvPr>
@@ -16703,7 +16711,7 @@
             <p:cNvPr id="26" name="Google Shape;181;p3">
               <a:extLst>
                 <a:ext uri="{FF2B5EF4-FFF2-40B4-BE49-F238E27FC236}">
-                  <a16:creationId xmlns:a16="http://schemas.microsoft.com/office/drawing/2014/main" xmlns="" id="{88A5F05E-B239-49BA-A4F3-1136CDA69D44}"/>
+                  <a16:creationId xmlns="" xmlns:a16="http://schemas.microsoft.com/office/drawing/2014/main" id="{88A5F05E-B239-49BA-A4F3-1136CDA69D44}"/>
                 </a:ext>
               </a:extLst>
             </p:cNvPr>
@@ -16765,7 +16773,7 @@
             <p:cNvPr id="27" name="Google Shape;182;p3">
               <a:extLst>
                 <a:ext uri="{FF2B5EF4-FFF2-40B4-BE49-F238E27FC236}">
-                  <a16:creationId xmlns:a16="http://schemas.microsoft.com/office/drawing/2014/main" xmlns="" id="{69406EFD-AED6-4778-B91E-A9E7D844DDF8}"/>
+                  <a16:creationId xmlns="" xmlns:a16="http://schemas.microsoft.com/office/drawing/2014/main" id="{69406EFD-AED6-4778-B91E-A9E7D844DDF8}"/>
                 </a:ext>
               </a:extLst>
             </p:cNvPr>
@@ -16830,7 +16838,7 @@
             <p:cNvPr id="28" name="Google Shape;183;p3">
               <a:extLst>
                 <a:ext uri="{FF2B5EF4-FFF2-40B4-BE49-F238E27FC236}">
-                  <a16:creationId xmlns:a16="http://schemas.microsoft.com/office/drawing/2014/main" xmlns="" id="{9BBDC2A1-EF58-4B00-80AF-689CB635CCB1}"/>
+                  <a16:creationId xmlns="" xmlns:a16="http://schemas.microsoft.com/office/drawing/2014/main" id="{9BBDC2A1-EF58-4B00-80AF-689CB635CCB1}"/>
                 </a:ext>
               </a:extLst>
             </p:cNvPr>
@@ -16893,7 +16901,7 @@
           <p:cNvPr id="29" name="Google Shape;199;p3">
             <a:extLst>
               <a:ext uri="{FF2B5EF4-FFF2-40B4-BE49-F238E27FC236}">
-                <a16:creationId xmlns:a16="http://schemas.microsoft.com/office/drawing/2014/main" xmlns="" id="{FC3D87FF-5281-4ECD-BE9E-3D87E89DC773}"/>
+                <a16:creationId xmlns="" xmlns:a16="http://schemas.microsoft.com/office/drawing/2014/main" id="{FC3D87FF-5281-4ECD-BE9E-3D87E89DC773}"/>
               </a:ext>
             </a:extLst>
           </p:cNvPr>
@@ -16999,7 +17007,7 @@
           <p:cNvPr id="30" name="Google Shape;200;p3">
             <a:extLst>
               <a:ext uri="{FF2B5EF4-FFF2-40B4-BE49-F238E27FC236}">
-                <a16:creationId xmlns:a16="http://schemas.microsoft.com/office/drawing/2014/main" xmlns="" id="{F4063545-6FCD-4437-BD07-C85F54566E52}"/>
+                <a16:creationId xmlns="" xmlns:a16="http://schemas.microsoft.com/office/drawing/2014/main" id="{F4063545-6FCD-4437-BD07-C85F54566E52}"/>
               </a:ext>
             </a:extLst>
           </p:cNvPr>
@@ -17088,7 +17096,7 @@
           <p:cNvPr id="31" name="Google Shape;202;p3">
             <a:extLst>
               <a:ext uri="{FF2B5EF4-FFF2-40B4-BE49-F238E27FC236}">
-                <a16:creationId xmlns:a16="http://schemas.microsoft.com/office/drawing/2014/main" xmlns="" id="{4CE7BF19-21C2-4342-AB4F-244641422EA7}"/>
+                <a16:creationId xmlns="" xmlns:a16="http://schemas.microsoft.com/office/drawing/2014/main" id="{4CE7BF19-21C2-4342-AB4F-244641422EA7}"/>
               </a:ext>
             </a:extLst>
           </p:cNvPr>
@@ -17156,7 +17164,7 @@
           <p:cNvPr id="32" name="Google Shape;203;p3">
             <a:extLst>
               <a:ext uri="{FF2B5EF4-FFF2-40B4-BE49-F238E27FC236}">
-                <a16:creationId xmlns:a16="http://schemas.microsoft.com/office/drawing/2014/main" xmlns="" id="{D0CFE224-CABA-49AD-BB4F-B6A4F4347AE8}"/>
+                <a16:creationId xmlns="" xmlns:a16="http://schemas.microsoft.com/office/drawing/2014/main" id="{D0CFE224-CABA-49AD-BB4F-B6A4F4347AE8}"/>
               </a:ext>
             </a:extLst>
           </p:cNvPr>
@@ -17176,7 +17184,7 @@
             <p:cNvPr id="33" name="Google Shape;204;p3">
               <a:extLst>
                 <a:ext uri="{FF2B5EF4-FFF2-40B4-BE49-F238E27FC236}">
-                  <a16:creationId xmlns:a16="http://schemas.microsoft.com/office/drawing/2014/main" xmlns="" id="{ADA77C57-B344-43CC-9E82-257EA5707193}"/>
+                  <a16:creationId xmlns="" xmlns:a16="http://schemas.microsoft.com/office/drawing/2014/main" id="{ADA77C57-B344-43CC-9E82-257EA5707193}"/>
                 </a:ext>
               </a:extLst>
             </p:cNvPr>
@@ -17241,7 +17249,7 @@
             <p:cNvPr id="34" name="Google Shape;205;p3">
               <a:extLst>
                 <a:ext uri="{FF2B5EF4-FFF2-40B4-BE49-F238E27FC236}">
-                  <a16:creationId xmlns:a16="http://schemas.microsoft.com/office/drawing/2014/main" xmlns="" id="{FD4FC7CC-69D9-4410-B9C4-AB4335D04A65}"/>
+                  <a16:creationId xmlns="" xmlns:a16="http://schemas.microsoft.com/office/drawing/2014/main" id="{FD4FC7CC-69D9-4410-B9C4-AB4335D04A65}"/>
                 </a:ext>
               </a:extLst>
             </p:cNvPr>
@@ -17306,7 +17314,7 @@
             <p:cNvPr id="35" name="Google Shape;206;p3">
               <a:extLst>
                 <a:ext uri="{FF2B5EF4-FFF2-40B4-BE49-F238E27FC236}">
-                  <a16:creationId xmlns:a16="http://schemas.microsoft.com/office/drawing/2014/main" xmlns="" id="{9AEA99E7-8B39-4104-B7C3-5CCC6B5F9EB8}"/>
+                  <a16:creationId xmlns="" xmlns:a16="http://schemas.microsoft.com/office/drawing/2014/main" id="{9AEA99E7-8B39-4104-B7C3-5CCC6B5F9EB8}"/>
                 </a:ext>
               </a:extLst>
             </p:cNvPr>
@@ -17371,7 +17379,7 @@
             <p:cNvPr id="36" name="Google Shape;207;p3">
               <a:extLst>
                 <a:ext uri="{FF2B5EF4-FFF2-40B4-BE49-F238E27FC236}">
-                  <a16:creationId xmlns:a16="http://schemas.microsoft.com/office/drawing/2014/main" xmlns="" id="{7414FFEC-C057-4B16-966C-A05FF1F93B7A}"/>
+                  <a16:creationId xmlns="" xmlns:a16="http://schemas.microsoft.com/office/drawing/2014/main" id="{7414FFEC-C057-4B16-966C-A05FF1F93B7A}"/>
                 </a:ext>
               </a:extLst>
             </p:cNvPr>
@@ -17433,7 +17441,7 @@
             <p:cNvPr id="37" name="Google Shape;208;p3">
               <a:extLst>
                 <a:ext uri="{FF2B5EF4-FFF2-40B4-BE49-F238E27FC236}">
-                  <a16:creationId xmlns:a16="http://schemas.microsoft.com/office/drawing/2014/main" xmlns="" id="{DC2A015A-C3CD-4B80-81E4-232189F525AB}"/>
+                  <a16:creationId xmlns="" xmlns:a16="http://schemas.microsoft.com/office/drawing/2014/main" id="{DC2A015A-C3CD-4B80-81E4-232189F525AB}"/>
                 </a:ext>
               </a:extLst>
             </p:cNvPr>
@@ -17498,7 +17506,7 @@
             <p:cNvPr id="38" name="Google Shape;209;p3">
               <a:extLst>
                 <a:ext uri="{FF2B5EF4-FFF2-40B4-BE49-F238E27FC236}">
-                  <a16:creationId xmlns:a16="http://schemas.microsoft.com/office/drawing/2014/main" xmlns="" id="{36F55875-6EDF-41F7-8F76-01E3A9490B33}"/>
+                  <a16:creationId xmlns="" xmlns:a16="http://schemas.microsoft.com/office/drawing/2014/main" id="{36F55875-6EDF-41F7-8F76-01E3A9490B33}"/>
                 </a:ext>
               </a:extLst>
             </p:cNvPr>
@@ -17598,7 +17606,7 @@
           <p:cNvPr id="2" name="Title 1">
             <a:extLst>
               <a:ext uri="{FF2B5EF4-FFF2-40B4-BE49-F238E27FC236}">
-                <a16:creationId xmlns:a16="http://schemas.microsoft.com/office/drawing/2014/main" xmlns="" id="{4E9981E3-C5D5-4789-BFD0-B96ED31C3361}"/>
+                <a16:creationId xmlns="" xmlns:a16="http://schemas.microsoft.com/office/drawing/2014/main" id="{4E9981E3-C5D5-4789-BFD0-B96ED31C3361}"/>
               </a:ext>
             </a:extLst>
           </p:cNvPr>
@@ -17687,7 +17695,7 @@
           <p:cNvPr id="3" name="Text Placeholder 2">
             <a:extLst>
               <a:ext uri="{FF2B5EF4-FFF2-40B4-BE49-F238E27FC236}">
-                <a16:creationId xmlns:a16="http://schemas.microsoft.com/office/drawing/2014/main" xmlns="" id="{04E19840-75A0-4F77-8941-BED6C7332C8E}"/>
+                <a16:creationId xmlns="" xmlns:a16="http://schemas.microsoft.com/office/drawing/2014/main" id="{04E19840-75A0-4F77-8941-BED6C7332C8E}"/>
               </a:ext>
             </a:extLst>
           </p:cNvPr>
@@ -17715,8 +17723,13 @@
             </a:pPr>
             <a:r>
               <a:rPr lang="vi-VN" sz="2400" b="1" dirty="0"/>
-              <a:t>Bước 1: Tìm tác nhân: trả lời các câu hỏi</a:t>
-            </a:r>
+              <a:t>Bước 1: Tìm tác nhân</a:t>
+            </a:r>
+            <a:r>
+              <a:rPr lang="vi-VN" sz="2400" b="1" dirty="0" smtClean="0"/>
+              <a:t>:</a:t>
+            </a:r>
+            <a:endParaRPr lang="vi-VN" sz="2400" b="1" dirty="0"/>
           </a:p>
           <a:p>
             <a:pPr>
@@ -17823,7 +17836,7 @@
           <p:cNvPr id="2" name="Title 1">
             <a:extLst>
               <a:ext uri="{FF2B5EF4-FFF2-40B4-BE49-F238E27FC236}">
-                <a16:creationId xmlns:a16="http://schemas.microsoft.com/office/drawing/2014/main" xmlns="" id="{4E9981E3-C5D5-4789-BFD0-B96ED31C3361}"/>
+                <a16:creationId xmlns="" xmlns:a16="http://schemas.microsoft.com/office/drawing/2014/main" id="{4E9981E3-C5D5-4789-BFD0-B96ED31C3361}"/>
               </a:ext>
             </a:extLst>
           </p:cNvPr>
@@ -17912,7 +17925,7 @@
           <p:cNvPr id="3" name="Text Placeholder 2">
             <a:extLst>
               <a:ext uri="{FF2B5EF4-FFF2-40B4-BE49-F238E27FC236}">
-                <a16:creationId xmlns:a16="http://schemas.microsoft.com/office/drawing/2014/main" xmlns="" id="{04E19840-75A0-4F77-8941-BED6C7332C8E}"/>
+                <a16:creationId xmlns="" xmlns:a16="http://schemas.microsoft.com/office/drawing/2014/main" id="{04E19840-75A0-4F77-8941-BED6C7332C8E}"/>
               </a:ext>
             </a:extLst>
           </p:cNvPr>
@@ -17985,7 +17998,15 @@
             </a:r>
             <a:r>
               <a:rPr lang="vi-VN" sz="2400" dirty="0"/>
-              <a:t>ý, một ca sử dụng bao giờ cũng phải liên kết với một tác nhân</a:t>
+              <a:t>ý, một ca sử dụng bao giờ cũng phải liên kết </a:t>
+            </a:r>
+            <a:r>
+              <a:rPr lang="vi-VN" sz="2400" dirty="0" smtClean="0"/>
+              <a:t>với ít nhất </a:t>
+            </a:r>
+            <a:r>
+              <a:rPr lang="vi-VN" sz="2400" dirty="0"/>
+              <a:t>một tác nhân</a:t>
             </a:r>
             <a:endParaRPr lang="en-US" sz="2400" dirty="0"/>
           </a:p>
@@ -18033,7 +18054,7 @@
           <p:cNvPr id="2" name="Title 1">
             <a:extLst>
               <a:ext uri="{FF2B5EF4-FFF2-40B4-BE49-F238E27FC236}">
-                <a16:creationId xmlns:a16="http://schemas.microsoft.com/office/drawing/2014/main" xmlns="" id="{3A51F162-21A5-4A7E-BEA1-6FC982984606}"/>
+                <a16:creationId xmlns="" xmlns:a16="http://schemas.microsoft.com/office/drawing/2014/main" id="{3A51F162-21A5-4A7E-BEA1-6FC982984606}"/>
               </a:ext>
             </a:extLst>
           </p:cNvPr>
@@ -18122,7 +18143,7 @@
           <p:cNvPr id="3" name="Text Placeholder 2">
             <a:extLst>
               <a:ext uri="{FF2B5EF4-FFF2-40B4-BE49-F238E27FC236}">
-                <a16:creationId xmlns:a16="http://schemas.microsoft.com/office/drawing/2014/main" xmlns="" id="{18D3A6EF-1462-4B1D-975B-CB4318CBCFAB}"/>
+                <a16:creationId xmlns="" xmlns:a16="http://schemas.microsoft.com/office/drawing/2014/main" id="{18D3A6EF-1462-4B1D-975B-CB4318CBCFAB}"/>
               </a:ext>
             </a:extLst>
           </p:cNvPr>
@@ -18792,7 +18813,7 @@
           <p:cNvPr id="2" name="Title 1">
             <a:extLst>
               <a:ext uri="{FF2B5EF4-FFF2-40B4-BE49-F238E27FC236}">
-                <a16:creationId xmlns:a16="http://schemas.microsoft.com/office/drawing/2014/main" xmlns="" id="{116DFACF-02F6-4DA1-B480-E710AB0CA9BE}"/>
+                <a16:creationId xmlns="" xmlns:a16="http://schemas.microsoft.com/office/drawing/2014/main" id="{116DFACF-02F6-4DA1-B480-E710AB0CA9BE}"/>
               </a:ext>
             </a:extLst>
           </p:cNvPr>
@@ -18881,7 +18902,7 @@
           <p:cNvPr id="3" name="Text Placeholder 2">
             <a:extLst>
               <a:ext uri="{FF2B5EF4-FFF2-40B4-BE49-F238E27FC236}">
-                <a16:creationId xmlns:a16="http://schemas.microsoft.com/office/drawing/2014/main" xmlns="" id="{39CD1093-197B-4827-8F7B-5396F002D546}"/>
+                <a16:creationId xmlns="" xmlns:a16="http://schemas.microsoft.com/office/drawing/2014/main" id="{39CD1093-197B-4827-8F7B-5396F002D546}"/>
               </a:ext>
             </a:extLst>
           </p:cNvPr>
@@ -19024,7 +19045,7 @@
           <p:cNvPr id="2" name="Title 1">
             <a:extLst>
               <a:ext uri="{FF2B5EF4-FFF2-40B4-BE49-F238E27FC236}">
-                <a16:creationId xmlns:a16="http://schemas.microsoft.com/office/drawing/2014/main" xmlns="" id="{116DFACF-02F6-4DA1-B480-E710AB0CA9BE}"/>
+                <a16:creationId xmlns="" xmlns:a16="http://schemas.microsoft.com/office/drawing/2014/main" id="{116DFACF-02F6-4DA1-B480-E710AB0CA9BE}"/>
               </a:ext>
             </a:extLst>
           </p:cNvPr>
@@ -19113,7 +19134,7 @@
           <p:cNvPr id="3" name="Text Placeholder 2">
             <a:extLst>
               <a:ext uri="{FF2B5EF4-FFF2-40B4-BE49-F238E27FC236}">
-                <a16:creationId xmlns:a16="http://schemas.microsoft.com/office/drawing/2014/main" xmlns="" id="{39CD1093-197B-4827-8F7B-5396F002D546}"/>
+                <a16:creationId xmlns="" xmlns:a16="http://schemas.microsoft.com/office/drawing/2014/main" id="{39CD1093-197B-4827-8F7B-5396F002D546}"/>
               </a:ext>
             </a:extLst>
           </p:cNvPr>
@@ -21475,7 +21496,7 @@
           <p:cNvPr id="2" name="Title 1">
             <a:extLst>
               <a:ext uri="{FF2B5EF4-FFF2-40B4-BE49-F238E27FC236}">
-                <a16:creationId xmlns:a16="http://schemas.microsoft.com/office/drawing/2014/main" xmlns="" id="{F8E5B976-DFB9-4BCF-909B-AD7402CB5834}"/>
+                <a16:creationId xmlns="" xmlns:a16="http://schemas.microsoft.com/office/drawing/2014/main" id="{F8E5B976-DFB9-4BCF-909B-AD7402CB5834}"/>
               </a:ext>
             </a:extLst>
           </p:cNvPr>
@@ -21507,7 +21528,7 @@
           <p:cNvPr id="4" name="Google Shape;160;p3">
             <a:extLst>
               <a:ext uri="{FF2B5EF4-FFF2-40B4-BE49-F238E27FC236}">
-                <a16:creationId xmlns:a16="http://schemas.microsoft.com/office/drawing/2014/main" xmlns="" id="{C3677F29-6316-4C3E-BED2-FCC858D52B85}"/>
+                <a16:creationId xmlns="" xmlns:a16="http://schemas.microsoft.com/office/drawing/2014/main" id="{C3677F29-6316-4C3E-BED2-FCC858D52B85}"/>
               </a:ext>
             </a:extLst>
           </p:cNvPr>
@@ -21687,7 +21708,7 @@
           <p:cNvPr id="5" name="Google Shape;161;p3">
             <a:extLst>
               <a:ext uri="{FF2B5EF4-FFF2-40B4-BE49-F238E27FC236}">
-                <a16:creationId xmlns:a16="http://schemas.microsoft.com/office/drawing/2014/main" xmlns="" id="{928356A9-A7B0-4595-9DD3-4C75ECB6C5C6}"/>
+                <a16:creationId xmlns="" xmlns:a16="http://schemas.microsoft.com/office/drawing/2014/main" id="{928356A9-A7B0-4595-9DD3-4C75ECB6C5C6}"/>
               </a:ext>
             </a:extLst>
           </p:cNvPr>
@@ -21895,7 +21916,7 @@
           <p:cNvPr id="6" name="Google Shape;162;p3">
             <a:extLst>
               <a:ext uri="{FF2B5EF4-FFF2-40B4-BE49-F238E27FC236}">
-                <a16:creationId xmlns:a16="http://schemas.microsoft.com/office/drawing/2014/main" xmlns="" id="{8346D467-0818-4BB1-B738-520AB69689D2}"/>
+                <a16:creationId xmlns="" xmlns:a16="http://schemas.microsoft.com/office/drawing/2014/main" id="{8346D467-0818-4BB1-B738-520AB69689D2}"/>
               </a:ext>
             </a:extLst>
           </p:cNvPr>
@@ -21983,7 +22004,7 @@
           <p:cNvPr id="7" name="Google Shape;163;p3">
             <a:extLst>
               <a:ext uri="{FF2B5EF4-FFF2-40B4-BE49-F238E27FC236}">
-                <a16:creationId xmlns:a16="http://schemas.microsoft.com/office/drawing/2014/main" xmlns="" id="{E6817529-B90C-413A-9AC9-DEF483BD0901}"/>
+                <a16:creationId xmlns="" xmlns:a16="http://schemas.microsoft.com/office/drawing/2014/main" id="{E6817529-B90C-413A-9AC9-DEF483BD0901}"/>
               </a:ext>
             </a:extLst>
           </p:cNvPr>
@@ -22003,7 +22024,7 @@
             <p:cNvPr id="8" name="Google Shape;164;p3">
               <a:extLst>
                 <a:ext uri="{FF2B5EF4-FFF2-40B4-BE49-F238E27FC236}">
-                  <a16:creationId xmlns:a16="http://schemas.microsoft.com/office/drawing/2014/main" xmlns="" id="{CD8DC5DD-3B99-41B2-A229-89BF2B48B3EF}"/>
+                  <a16:creationId xmlns="" xmlns:a16="http://schemas.microsoft.com/office/drawing/2014/main" id="{CD8DC5DD-3B99-41B2-A229-89BF2B48B3EF}"/>
                 </a:ext>
               </a:extLst>
             </p:cNvPr>
@@ -22068,7 +22089,7 @@
             <p:cNvPr id="9" name="Google Shape;165;p3">
               <a:extLst>
                 <a:ext uri="{FF2B5EF4-FFF2-40B4-BE49-F238E27FC236}">
-                  <a16:creationId xmlns:a16="http://schemas.microsoft.com/office/drawing/2014/main" xmlns="" id="{C017C226-E0AD-4882-849A-AA8CC8981B64}"/>
+                  <a16:creationId xmlns="" xmlns:a16="http://schemas.microsoft.com/office/drawing/2014/main" id="{C017C226-E0AD-4882-849A-AA8CC8981B64}"/>
                 </a:ext>
               </a:extLst>
             </p:cNvPr>
@@ -22133,7 +22154,7 @@
             <p:cNvPr id="10" name="Google Shape;166;p3">
               <a:extLst>
                 <a:ext uri="{FF2B5EF4-FFF2-40B4-BE49-F238E27FC236}">
-                  <a16:creationId xmlns:a16="http://schemas.microsoft.com/office/drawing/2014/main" xmlns="" id="{75F9A301-236C-4C49-BCCB-53175FC5D4E5}"/>
+                  <a16:creationId xmlns="" xmlns:a16="http://schemas.microsoft.com/office/drawing/2014/main" id="{75F9A301-236C-4C49-BCCB-53175FC5D4E5}"/>
                 </a:ext>
               </a:extLst>
             </p:cNvPr>
@@ -22198,7 +22219,7 @@
             <p:cNvPr id="11" name="Google Shape;167;p3">
               <a:extLst>
                 <a:ext uri="{FF2B5EF4-FFF2-40B4-BE49-F238E27FC236}">
-                  <a16:creationId xmlns:a16="http://schemas.microsoft.com/office/drawing/2014/main" xmlns="" id="{F77C696C-2CEC-402A-8806-BB4568020B0F}"/>
+                  <a16:creationId xmlns="" xmlns:a16="http://schemas.microsoft.com/office/drawing/2014/main" id="{F77C696C-2CEC-402A-8806-BB4568020B0F}"/>
                 </a:ext>
               </a:extLst>
             </p:cNvPr>
@@ -22260,7 +22281,7 @@
             <p:cNvPr id="12" name="Google Shape;168;p3">
               <a:extLst>
                 <a:ext uri="{FF2B5EF4-FFF2-40B4-BE49-F238E27FC236}">
-                  <a16:creationId xmlns:a16="http://schemas.microsoft.com/office/drawing/2014/main" xmlns="" id="{FC3AA40F-CC6D-443D-AC0B-D1924CDC946A}"/>
+                  <a16:creationId xmlns="" xmlns:a16="http://schemas.microsoft.com/office/drawing/2014/main" id="{FC3AA40F-CC6D-443D-AC0B-D1924CDC946A}"/>
                 </a:ext>
               </a:extLst>
             </p:cNvPr>
@@ -22325,7 +22346,7 @@
             <p:cNvPr id="13" name="Google Shape;169;p3">
               <a:extLst>
                 <a:ext uri="{FF2B5EF4-FFF2-40B4-BE49-F238E27FC236}">
-                  <a16:creationId xmlns:a16="http://schemas.microsoft.com/office/drawing/2014/main" xmlns="" id="{7D710282-E9D5-4F6D-B0AB-FECCD670DAB3}"/>
+                  <a16:creationId xmlns="" xmlns:a16="http://schemas.microsoft.com/office/drawing/2014/main" id="{7D710282-E9D5-4F6D-B0AB-FECCD670DAB3}"/>
                 </a:ext>
               </a:extLst>
             </p:cNvPr>
@@ -22388,7 +22409,7 @@
           <p:cNvPr id="14" name="Google Shape;170;p3">
             <a:extLst>
               <a:ext uri="{FF2B5EF4-FFF2-40B4-BE49-F238E27FC236}">
-                <a16:creationId xmlns:a16="http://schemas.microsoft.com/office/drawing/2014/main" xmlns="" id="{35CBE95F-DF17-4BFB-B9A1-8484F5E5DA71}"/>
+                <a16:creationId xmlns="" xmlns:a16="http://schemas.microsoft.com/office/drawing/2014/main" id="{35CBE95F-DF17-4BFB-B9A1-8484F5E5DA71}"/>
               </a:ext>
             </a:extLst>
           </p:cNvPr>
@@ -22408,7 +22429,7 @@
             <p:cNvPr id="15" name="Google Shape;171;p3">
               <a:extLst>
                 <a:ext uri="{FF2B5EF4-FFF2-40B4-BE49-F238E27FC236}">
-                  <a16:creationId xmlns:a16="http://schemas.microsoft.com/office/drawing/2014/main" xmlns="" id="{97D024F6-9B4B-40B8-B5AB-6A7A00073769}"/>
+                  <a16:creationId xmlns="" xmlns:a16="http://schemas.microsoft.com/office/drawing/2014/main" id="{97D024F6-9B4B-40B8-B5AB-6A7A00073769}"/>
                 </a:ext>
               </a:extLst>
             </p:cNvPr>
@@ -22473,7 +22494,7 @@
             <p:cNvPr id="16" name="Google Shape;172;p3">
               <a:extLst>
                 <a:ext uri="{FF2B5EF4-FFF2-40B4-BE49-F238E27FC236}">
-                  <a16:creationId xmlns:a16="http://schemas.microsoft.com/office/drawing/2014/main" xmlns="" id="{38C7AB3B-C1DA-42E8-B39A-50CEB18A7FD3}"/>
+                  <a16:creationId xmlns="" xmlns:a16="http://schemas.microsoft.com/office/drawing/2014/main" id="{38C7AB3B-C1DA-42E8-B39A-50CEB18A7FD3}"/>
                 </a:ext>
               </a:extLst>
             </p:cNvPr>
@@ -22538,7 +22559,7 @@
             <p:cNvPr id="17" name="Google Shape;173;p3">
               <a:extLst>
                 <a:ext uri="{FF2B5EF4-FFF2-40B4-BE49-F238E27FC236}">
-                  <a16:creationId xmlns:a16="http://schemas.microsoft.com/office/drawing/2014/main" xmlns="" id="{788C0B6D-3B41-4DB0-A5A3-2ECF5752D173}"/>
+                  <a16:creationId xmlns="" xmlns:a16="http://schemas.microsoft.com/office/drawing/2014/main" id="{788C0B6D-3B41-4DB0-A5A3-2ECF5752D173}"/>
                 </a:ext>
               </a:extLst>
             </p:cNvPr>
@@ -22603,7 +22624,7 @@
             <p:cNvPr id="18" name="Google Shape;174;p3">
               <a:extLst>
                 <a:ext uri="{FF2B5EF4-FFF2-40B4-BE49-F238E27FC236}">
-                  <a16:creationId xmlns:a16="http://schemas.microsoft.com/office/drawing/2014/main" xmlns="" id="{F448598D-8D67-49F6-9398-10E03BE88126}"/>
+                  <a16:creationId xmlns="" xmlns:a16="http://schemas.microsoft.com/office/drawing/2014/main" id="{F448598D-8D67-49F6-9398-10E03BE88126}"/>
                 </a:ext>
               </a:extLst>
             </p:cNvPr>
@@ -22665,7 +22686,7 @@
             <p:cNvPr id="19" name="Google Shape;175;p3">
               <a:extLst>
                 <a:ext uri="{FF2B5EF4-FFF2-40B4-BE49-F238E27FC236}">
-                  <a16:creationId xmlns:a16="http://schemas.microsoft.com/office/drawing/2014/main" xmlns="" id="{FE3DB652-DBB6-428F-AF8F-FE4E6E47FCDA}"/>
+                  <a16:creationId xmlns="" xmlns:a16="http://schemas.microsoft.com/office/drawing/2014/main" id="{FE3DB652-DBB6-428F-AF8F-FE4E6E47FCDA}"/>
                 </a:ext>
               </a:extLst>
             </p:cNvPr>
@@ -22730,7 +22751,7 @@
             <p:cNvPr id="20" name="Google Shape;176;p3">
               <a:extLst>
                 <a:ext uri="{FF2B5EF4-FFF2-40B4-BE49-F238E27FC236}">
-                  <a16:creationId xmlns:a16="http://schemas.microsoft.com/office/drawing/2014/main" xmlns="" id="{C63266FA-6470-4ABD-ABB4-CC199C4B6724}"/>
+                  <a16:creationId xmlns="" xmlns:a16="http://schemas.microsoft.com/office/drawing/2014/main" id="{C63266FA-6470-4ABD-ABB4-CC199C4B6724}"/>
                 </a:ext>
               </a:extLst>
             </p:cNvPr>
@@ -22793,7 +22814,7 @@
           <p:cNvPr id="21" name="Google Shape;177;p3">
             <a:extLst>
               <a:ext uri="{FF2B5EF4-FFF2-40B4-BE49-F238E27FC236}">
-                <a16:creationId xmlns:a16="http://schemas.microsoft.com/office/drawing/2014/main" xmlns="" id="{D22B314E-6F17-4411-98CA-618F32D92BB9}"/>
+                <a16:creationId xmlns="" xmlns:a16="http://schemas.microsoft.com/office/drawing/2014/main" id="{D22B314E-6F17-4411-98CA-618F32D92BB9}"/>
               </a:ext>
             </a:extLst>
           </p:cNvPr>
@@ -22813,7 +22834,7 @@
             <p:cNvPr id="22" name="Google Shape;178;p3">
               <a:extLst>
                 <a:ext uri="{FF2B5EF4-FFF2-40B4-BE49-F238E27FC236}">
-                  <a16:creationId xmlns:a16="http://schemas.microsoft.com/office/drawing/2014/main" xmlns="" id="{55CB81FB-1632-4874-819B-EB6190CE7AE1}"/>
+                  <a16:creationId xmlns="" xmlns:a16="http://schemas.microsoft.com/office/drawing/2014/main" id="{55CB81FB-1632-4874-819B-EB6190CE7AE1}"/>
                 </a:ext>
               </a:extLst>
             </p:cNvPr>
@@ -22878,7 +22899,7 @@
             <p:cNvPr id="23" name="Google Shape;179;p3">
               <a:extLst>
                 <a:ext uri="{FF2B5EF4-FFF2-40B4-BE49-F238E27FC236}">
-                  <a16:creationId xmlns:a16="http://schemas.microsoft.com/office/drawing/2014/main" xmlns="" id="{FFB13F36-BE45-4401-90AD-EAB139E228C3}"/>
+                  <a16:creationId xmlns="" xmlns:a16="http://schemas.microsoft.com/office/drawing/2014/main" id="{FFB13F36-BE45-4401-90AD-EAB139E228C3}"/>
                 </a:ext>
               </a:extLst>
             </p:cNvPr>
@@ -22943,7 +22964,7 @@
             <p:cNvPr id="24" name="Google Shape;180;p3">
               <a:extLst>
                 <a:ext uri="{FF2B5EF4-FFF2-40B4-BE49-F238E27FC236}">
-                  <a16:creationId xmlns:a16="http://schemas.microsoft.com/office/drawing/2014/main" xmlns="" id="{167838BC-4629-4DA4-A2EF-7FBE40EF9E33}"/>
+                  <a16:creationId xmlns="" xmlns:a16="http://schemas.microsoft.com/office/drawing/2014/main" id="{167838BC-4629-4DA4-A2EF-7FBE40EF9E33}"/>
                 </a:ext>
               </a:extLst>
             </p:cNvPr>
@@ -23008,7 +23029,7 @@
             <p:cNvPr id="25" name="Google Shape;181;p3">
               <a:extLst>
                 <a:ext uri="{FF2B5EF4-FFF2-40B4-BE49-F238E27FC236}">
-                  <a16:creationId xmlns:a16="http://schemas.microsoft.com/office/drawing/2014/main" xmlns="" id="{90DF401D-45EA-4FA4-B159-3EADC52B144D}"/>
+                  <a16:creationId xmlns="" xmlns:a16="http://schemas.microsoft.com/office/drawing/2014/main" id="{90DF401D-45EA-4FA4-B159-3EADC52B144D}"/>
                 </a:ext>
               </a:extLst>
             </p:cNvPr>
@@ -23070,7 +23091,7 @@
             <p:cNvPr id="26" name="Google Shape;182;p3">
               <a:extLst>
                 <a:ext uri="{FF2B5EF4-FFF2-40B4-BE49-F238E27FC236}">
-                  <a16:creationId xmlns:a16="http://schemas.microsoft.com/office/drawing/2014/main" xmlns="" id="{171CDBCF-F3A3-4965-9EE0-8429AB84555F}"/>
+                  <a16:creationId xmlns="" xmlns:a16="http://schemas.microsoft.com/office/drawing/2014/main" id="{171CDBCF-F3A3-4965-9EE0-8429AB84555F}"/>
                 </a:ext>
               </a:extLst>
             </p:cNvPr>
@@ -23135,7 +23156,7 @@
             <p:cNvPr id="27" name="Google Shape;183;p3">
               <a:extLst>
                 <a:ext uri="{FF2B5EF4-FFF2-40B4-BE49-F238E27FC236}">
-                  <a16:creationId xmlns:a16="http://schemas.microsoft.com/office/drawing/2014/main" xmlns="" id="{23DA7BEE-153D-4848-BA56-48B79E5315C5}"/>
+                  <a16:creationId xmlns="" xmlns:a16="http://schemas.microsoft.com/office/drawing/2014/main" id="{23DA7BEE-153D-4848-BA56-48B79E5315C5}"/>
                 </a:ext>
               </a:extLst>
             </p:cNvPr>
@@ -23198,7 +23219,7 @@
           <p:cNvPr id="28" name="Google Shape;199;p3">
             <a:extLst>
               <a:ext uri="{FF2B5EF4-FFF2-40B4-BE49-F238E27FC236}">
-                <a16:creationId xmlns:a16="http://schemas.microsoft.com/office/drawing/2014/main" xmlns="" id="{37D92122-4633-40DD-958E-272CE043A043}"/>
+                <a16:creationId xmlns="" xmlns:a16="http://schemas.microsoft.com/office/drawing/2014/main" id="{37D92122-4633-40DD-958E-272CE043A043}"/>
               </a:ext>
             </a:extLst>
           </p:cNvPr>
@@ -23304,7 +23325,7 @@
           <p:cNvPr id="29" name="Google Shape;200;p3">
             <a:extLst>
               <a:ext uri="{FF2B5EF4-FFF2-40B4-BE49-F238E27FC236}">
-                <a16:creationId xmlns:a16="http://schemas.microsoft.com/office/drawing/2014/main" xmlns="" id="{3FC5D8DF-CC66-44E6-8FE8-FE3EED0F2244}"/>
+                <a16:creationId xmlns="" xmlns:a16="http://schemas.microsoft.com/office/drawing/2014/main" id="{3FC5D8DF-CC66-44E6-8FE8-FE3EED0F2244}"/>
               </a:ext>
             </a:extLst>
           </p:cNvPr>
@@ -23393,7 +23414,7 @@
           <p:cNvPr id="30" name="Google Shape;202;p3">
             <a:extLst>
               <a:ext uri="{FF2B5EF4-FFF2-40B4-BE49-F238E27FC236}">
-                <a16:creationId xmlns:a16="http://schemas.microsoft.com/office/drawing/2014/main" xmlns="" id="{A58F5BE4-9475-4CCE-A3DE-E52DDB496817}"/>
+                <a16:creationId xmlns="" xmlns:a16="http://schemas.microsoft.com/office/drawing/2014/main" id="{A58F5BE4-9475-4CCE-A3DE-E52DDB496817}"/>
               </a:ext>
             </a:extLst>
           </p:cNvPr>
@@ -23458,7 +23479,7 @@
           <p:cNvPr id="31" name="Google Shape;203;p3">
             <a:extLst>
               <a:ext uri="{FF2B5EF4-FFF2-40B4-BE49-F238E27FC236}">
-                <a16:creationId xmlns:a16="http://schemas.microsoft.com/office/drawing/2014/main" xmlns="" id="{446591B6-1443-41C3-87C2-2552F70D319D}"/>
+                <a16:creationId xmlns="" xmlns:a16="http://schemas.microsoft.com/office/drawing/2014/main" id="{446591B6-1443-41C3-87C2-2552F70D319D}"/>
               </a:ext>
             </a:extLst>
           </p:cNvPr>
@@ -23478,7 +23499,7 @@
             <p:cNvPr id="32" name="Google Shape;204;p3">
               <a:extLst>
                 <a:ext uri="{FF2B5EF4-FFF2-40B4-BE49-F238E27FC236}">
-                  <a16:creationId xmlns:a16="http://schemas.microsoft.com/office/drawing/2014/main" xmlns="" id="{E8858A6C-A42F-4F8A-ACA5-DEB8FCCF31D8}"/>
+                  <a16:creationId xmlns="" xmlns:a16="http://schemas.microsoft.com/office/drawing/2014/main" id="{E8858A6C-A42F-4F8A-ACA5-DEB8FCCF31D8}"/>
                 </a:ext>
               </a:extLst>
             </p:cNvPr>
@@ -23543,7 +23564,7 @@
             <p:cNvPr id="33" name="Google Shape;205;p3">
               <a:extLst>
                 <a:ext uri="{FF2B5EF4-FFF2-40B4-BE49-F238E27FC236}">
-                  <a16:creationId xmlns:a16="http://schemas.microsoft.com/office/drawing/2014/main" xmlns="" id="{F11A9FCB-AF73-453A-8EB6-3768D35994C3}"/>
+                  <a16:creationId xmlns="" xmlns:a16="http://schemas.microsoft.com/office/drawing/2014/main" id="{F11A9FCB-AF73-453A-8EB6-3768D35994C3}"/>
                 </a:ext>
               </a:extLst>
             </p:cNvPr>
@@ -23608,7 +23629,7 @@
             <p:cNvPr id="34" name="Google Shape;206;p3">
               <a:extLst>
                 <a:ext uri="{FF2B5EF4-FFF2-40B4-BE49-F238E27FC236}">
-                  <a16:creationId xmlns:a16="http://schemas.microsoft.com/office/drawing/2014/main" xmlns="" id="{29DEFA5E-63AF-4D0E-B169-7145282F0F9E}"/>
+                  <a16:creationId xmlns="" xmlns:a16="http://schemas.microsoft.com/office/drawing/2014/main" id="{29DEFA5E-63AF-4D0E-B169-7145282F0F9E}"/>
                 </a:ext>
               </a:extLst>
             </p:cNvPr>
@@ -23673,7 +23694,7 @@
             <p:cNvPr id="35" name="Google Shape;207;p3">
               <a:extLst>
                 <a:ext uri="{FF2B5EF4-FFF2-40B4-BE49-F238E27FC236}">
-                  <a16:creationId xmlns:a16="http://schemas.microsoft.com/office/drawing/2014/main" xmlns="" id="{983DDB1E-3C76-4ED6-85A4-2AD91D898644}"/>
+                  <a16:creationId xmlns="" xmlns:a16="http://schemas.microsoft.com/office/drawing/2014/main" id="{983DDB1E-3C76-4ED6-85A4-2AD91D898644}"/>
                 </a:ext>
               </a:extLst>
             </p:cNvPr>
@@ -23735,7 +23756,7 @@
             <p:cNvPr id="36" name="Google Shape;208;p3">
               <a:extLst>
                 <a:ext uri="{FF2B5EF4-FFF2-40B4-BE49-F238E27FC236}">
-                  <a16:creationId xmlns:a16="http://schemas.microsoft.com/office/drawing/2014/main" xmlns="" id="{AC43F410-DCFA-49F1-8174-5698BFADB792}"/>
+                  <a16:creationId xmlns="" xmlns:a16="http://schemas.microsoft.com/office/drawing/2014/main" id="{AC43F410-DCFA-49F1-8174-5698BFADB792}"/>
                 </a:ext>
               </a:extLst>
             </p:cNvPr>
@@ -23800,7 +23821,7 @@
             <p:cNvPr id="37" name="Google Shape;209;p3">
               <a:extLst>
                 <a:ext uri="{FF2B5EF4-FFF2-40B4-BE49-F238E27FC236}">
-                  <a16:creationId xmlns:a16="http://schemas.microsoft.com/office/drawing/2014/main" xmlns="" id="{DBBE192F-4A80-4D5B-B0C9-2A8488FECF79}"/>
+                  <a16:creationId xmlns="" xmlns:a16="http://schemas.microsoft.com/office/drawing/2014/main" id="{DBBE192F-4A80-4D5B-B0C9-2A8488FECF79}"/>
                 </a:ext>
               </a:extLst>
             </p:cNvPr>
@@ -23893,7 +23914,7 @@
           <p:cNvPr id="2" name="Title 1">
             <a:extLst>
               <a:ext uri="{FF2B5EF4-FFF2-40B4-BE49-F238E27FC236}">
-                <a16:creationId xmlns:a16="http://schemas.microsoft.com/office/drawing/2014/main" xmlns="" id="{BD5D9F2A-405C-4783-8BF2-9B2DAEEB5A11}"/>
+                <a16:creationId xmlns="" xmlns:a16="http://schemas.microsoft.com/office/drawing/2014/main" id="{BD5D9F2A-405C-4783-8BF2-9B2DAEEB5A11}"/>
               </a:ext>
             </a:extLst>
           </p:cNvPr>
@@ -23921,7 +23942,7 @@
           <p:cNvPr id="3" name="Text Placeholder 2">
             <a:extLst>
               <a:ext uri="{FF2B5EF4-FFF2-40B4-BE49-F238E27FC236}">
-                <a16:creationId xmlns:a16="http://schemas.microsoft.com/office/drawing/2014/main" xmlns="" id="{FC3107FD-E101-4B2B-B229-5DE38F79634D}"/>
+                <a16:creationId xmlns="" xmlns:a16="http://schemas.microsoft.com/office/drawing/2014/main" id="{FC3107FD-E101-4B2B-B229-5DE38F79634D}"/>
               </a:ext>
             </a:extLst>
           </p:cNvPr>
@@ -24332,7 +24353,7 @@
                 <a:hlinkClick r:id="rId3">
                   <a:extLst>
                     <a:ext uri="{A12FA001-AC4F-418D-AE19-62706E023703}">
-                      <ahyp:hlinkClr xmlns:ahyp="http://schemas.microsoft.com/office/drawing/2018/hyperlinkcolor" xmlns="" val="tx"/>
+                      <ahyp:hlinkClr xmlns="" xmlns:ahyp="http://schemas.microsoft.com/office/drawing/2018/hyperlinkcolor" val="tx"/>
                     </a:ext>
                   </a:extLst>
                 </a:hlinkClick>
@@ -24379,7 +24400,7 @@
                 <a:hlinkClick r:id="rId4">
                   <a:extLst>
                     <a:ext uri="{A12FA001-AC4F-418D-AE19-62706E023703}">
-                      <ahyp:hlinkClr xmlns:ahyp="http://schemas.microsoft.com/office/drawing/2018/hyperlinkcolor" xmlns="" val="tx"/>
+                      <ahyp:hlinkClr xmlns="" xmlns:ahyp="http://schemas.microsoft.com/office/drawing/2018/hyperlinkcolor" val="tx"/>
                     </a:ext>
                   </a:extLst>
                 </a:hlinkClick>
@@ -27223,7 +27244,7 @@
           <p:cNvPr id="2" name="Title 1">
             <a:extLst>
               <a:ext uri="{FF2B5EF4-FFF2-40B4-BE49-F238E27FC236}">
-                <a16:creationId xmlns:a16="http://schemas.microsoft.com/office/drawing/2014/main" xmlns="" id="{E62AEDBE-6551-445D-AAA8-D79B8398BB83}"/>
+                <a16:creationId xmlns="" xmlns:a16="http://schemas.microsoft.com/office/drawing/2014/main" id="{E62AEDBE-6551-445D-AAA8-D79B8398BB83}"/>
               </a:ext>
             </a:extLst>
           </p:cNvPr>
@@ -27260,7 +27281,7 @@
           <p:cNvPr id="3" name="Text Placeholder 2">
             <a:extLst>
               <a:ext uri="{FF2B5EF4-FFF2-40B4-BE49-F238E27FC236}">
-                <a16:creationId xmlns:a16="http://schemas.microsoft.com/office/drawing/2014/main" xmlns="" id="{B98D1857-0561-411C-BD5D-5E661010EFD7}"/>
+                <a16:creationId xmlns="" xmlns:a16="http://schemas.microsoft.com/office/drawing/2014/main" id="{B98D1857-0561-411C-BD5D-5E661010EFD7}"/>
               </a:ext>
             </a:extLst>
           </p:cNvPr>
@@ -27715,7 +27736,7 @@
           <p:cNvPr id="38" name="Google Shape;160;p3">
             <a:extLst>
               <a:ext uri="{FF2B5EF4-FFF2-40B4-BE49-F238E27FC236}">
-                <a16:creationId xmlns:a16="http://schemas.microsoft.com/office/drawing/2014/main" xmlns="" id="{9CA7A4B2-6E91-4217-92B4-68872B81FC48}"/>
+                <a16:creationId xmlns="" xmlns:a16="http://schemas.microsoft.com/office/drawing/2014/main" id="{9CA7A4B2-6E91-4217-92B4-68872B81FC48}"/>
               </a:ext>
             </a:extLst>
           </p:cNvPr>
@@ -27895,7 +27916,7 @@
           <p:cNvPr id="39" name="Google Shape;161;p3">
             <a:extLst>
               <a:ext uri="{FF2B5EF4-FFF2-40B4-BE49-F238E27FC236}">
-                <a16:creationId xmlns:a16="http://schemas.microsoft.com/office/drawing/2014/main" xmlns="" id="{91A4F115-4525-4C11-A1B3-6973BF1BFFF4}"/>
+                <a16:creationId xmlns="" xmlns:a16="http://schemas.microsoft.com/office/drawing/2014/main" id="{91A4F115-4525-4C11-A1B3-6973BF1BFFF4}"/>
               </a:ext>
             </a:extLst>
           </p:cNvPr>
@@ -28071,7 +28092,7 @@
           <p:cNvPr id="40" name="Google Shape;162;p3">
             <a:extLst>
               <a:ext uri="{FF2B5EF4-FFF2-40B4-BE49-F238E27FC236}">
-                <a16:creationId xmlns:a16="http://schemas.microsoft.com/office/drawing/2014/main" xmlns="" id="{19651886-856A-47EC-AD00-1095ACA104D9}"/>
+                <a16:creationId xmlns="" xmlns:a16="http://schemas.microsoft.com/office/drawing/2014/main" id="{19651886-856A-47EC-AD00-1095ACA104D9}"/>
               </a:ext>
             </a:extLst>
           </p:cNvPr>
@@ -28159,7 +28180,7 @@
           <p:cNvPr id="41" name="Google Shape;163;p3">
             <a:extLst>
               <a:ext uri="{FF2B5EF4-FFF2-40B4-BE49-F238E27FC236}">
-                <a16:creationId xmlns:a16="http://schemas.microsoft.com/office/drawing/2014/main" xmlns="" id="{384739BC-5866-43D5-A9B3-8BF14A8F779C}"/>
+                <a16:creationId xmlns="" xmlns:a16="http://schemas.microsoft.com/office/drawing/2014/main" id="{384739BC-5866-43D5-A9B3-8BF14A8F779C}"/>
               </a:ext>
             </a:extLst>
           </p:cNvPr>
@@ -28179,7 +28200,7 @@
             <p:cNvPr id="42" name="Google Shape;164;p3">
               <a:extLst>
                 <a:ext uri="{FF2B5EF4-FFF2-40B4-BE49-F238E27FC236}">
-                  <a16:creationId xmlns:a16="http://schemas.microsoft.com/office/drawing/2014/main" xmlns="" id="{B1CEF79A-D92A-4C0C-A6C1-586CC7EB9403}"/>
+                  <a16:creationId xmlns="" xmlns:a16="http://schemas.microsoft.com/office/drawing/2014/main" id="{B1CEF79A-D92A-4C0C-A6C1-586CC7EB9403}"/>
                 </a:ext>
               </a:extLst>
             </p:cNvPr>
@@ -28244,7 +28265,7 @@
             <p:cNvPr id="43" name="Google Shape;165;p3">
               <a:extLst>
                 <a:ext uri="{FF2B5EF4-FFF2-40B4-BE49-F238E27FC236}">
-                  <a16:creationId xmlns:a16="http://schemas.microsoft.com/office/drawing/2014/main" xmlns="" id="{0FA55039-D9CF-421E-941B-F62A8A40DE7A}"/>
+                  <a16:creationId xmlns="" xmlns:a16="http://schemas.microsoft.com/office/drawing/2014/main" id="{0FA55039-D9CF-421E-941B-F62A8A40DE7A}"/>
                 </a:ext>
               </a:extLst>
             </p:cNvPr>
@@ -28309,7 +28330,7 @@
             <p:cNvPr id="44" name="Google Shape;166;p3">
               <a:extLst>
                 <a:ext uri="{FF2B5EF4-FFF2-40B4-BE49-F238E27FC236}">
-                  <a16:creationId xmlns:a16="http://schemas.microsoft.com/office/drawing/2014/main" xmlns="" id="{16991CD3-1F1E-430C-8636-C3BD5A642DD0}"/>
+                  <a16:creationId xmlns="" xmlns:a16="http://schemas.microsoft.com/office/drawing/2014/main" id="{16991CD3-1F1E-430C-8636-C3BD5A642DD0}"/>
                 </a:ext>
               </a:extLst>
             </p:cNvPr>
@@ -28374,7 +28395,7 @@
             <p:cNvPr id="45" name="Google Shape;167;p3">
               <a:extLst>
                 <a:ext uri="{FF2B5EF4-FFF2-40B4-BE49-F238E27FC236}">
-                  <a16:creationId xmlns:a16="http://schemas.microsoft.com/office/drawing/2014/main" xmlns="" id="{AD69F6AF-364C-4683-B04E-146EFF43D9BC}"/>
+                  <a16:creationId xmlns="" xmlns:a16="http://schemas.microsoft.com/office/drawing/2014/main" id="{AD69F6AF-364C-4683-B04E-146EFF43D9BC}"/>
                 </a:ext>
               </a:extLst>
             </p:cNvPr>
@@ -28436,7 +28457,7 @@
             <p:cNvPr id="46" name="Google Shape;168;p3">
               <a:extLst>
                 <a:ext uri="{FF2B5EF4-FFF2-40B4-BE49-F238E27FC236}">
-                  <a16:creationId xmlns:a16="http://schemas.microsoft.com/office/drawing/2014/main" xmlns="" id="{9BA2D550-F896-483A-9C84-C2ADD15F7579}"/>
+                  <a16:creationId xmlns="" xmlns:a16="http://schemas.microsoft.com/office/drawing/2014/main" id="{9BA2D550-F896-483A-9C84-C2ADD15F7579}"/>
                 </a:ext>
               </a:extLst>
             </p:cNvPr>
@@ -28501,7 +28522,7 @@
             <p:cNvPr id="47" name="Google Shape;169;p3">
               <a:extLst>
                 <a:ext uri="{FF2B5EF4-FFF2-40B4-BE49-F238E27FC236}">
-                  <a16:creationId xmlns:a16="http://schemas.microsoft.com/office/drawing/2014/main" xmlns="" id="{0F58DF80-0A0E-443F-B975-8DD6DE1A8E2D}"/>
+                  <a16:creationId xmlns="" xmlns:a16="http://schemas.microsoft.com/office/drawing/2014/main" id="{0F58DF80-0A0E-443F-B975-8DD6DE1A8E2D}"/>
                 </a:ext>
               </a:extLst>
             </p:cNvPr>
@@ -28564,7 +28585,7 @@
           <p:cNvPr id="48" name="Google Shape;170;p3">
             <a:extLst>
               <a:ext uri="{FF2B5EF4-FFF2-40B4-BE49-F238E27FC236}">
-                <a16:creationId xmlns:a16="http://schemas.microsoft.com/office/drawing/2014/main" xmlns="" id="{D72014F9-CAEB-41DF-8C25-1FA61A126D97}"/>
+                <a16:creationId xmlns="" xmlns:a16="http://schemas.microsoft.com/office/drawing/2014/main" id="{D72014F9-CAEB-41DF-8C25-1FA61A126D97}"/>
               </a:ext>
             </a:extLst>
           </p:cNvPr>
@@ -28584,7 +28605,7 @@
             <p:cNvPr id="49" name="Google Shape;171;p3">
               <a:extLst>
                 <a:ext uri="{FF2B5EF4-FFF2-40B4-BE49-F238E27FC236}">
-                  <a16:creationId xmlns:a16="http://schemas.microsoft.com/office/drawing/2014/main" xmlns="" id="{29C1CB3E-F7A5-43D1-A177-97F2B8D30819}"/>
+                  <a16:creationId xmlns="" xmlns:a16="http://schemas.microsoft.com/office/drawing/2014/main" id="{29C1CB3E-F7A5-43D1-A177-97F2B8D30819}"/>
                 </a:ext>
               </a:extLst>
             </p:cNvPr>
@@ -28649,7 +28670,7 @@
             <p:cNvPr id="50" name="Google Shape;172;p3">
               <a:extLst>
                 <a:ext uri="{FF2B5EF4-FFF2-40B4-BE49-F238E27FC236}">
-                  <a16:creationId xmlns:a16="http://schemas.microsoft.com/office/drawing/2014/main" xmlns="" id="{4637AF86-1DD4-4678-9981-89AE9098C888}"/>
+                  <a16:creationId xmlns="" xmlns:a16="http://schemas.microsoft.com/office/drawing/2014/main" id="{4637AF86-1DD4-4678-9981-89AE9098C888}"/>
                 </a:ext>
               </a:extLst>
             </p:cNvPr>
@@ -28714,7 +28735,7 @@
             <p:cNvPr id="51" name="Google Shape;173;p3">
               <a:extLst>
                 <a:ext uri="{FF2B5EF4-FFF2-40B4-BE49-F238E27FC236}">
-                  <a16:creationId xmlns:a16="http://schemas.microsoft.com/office/drawing/2014/main" xmlns="" id="{18D0AE4D-EAAF-4488-A66B-9FCA73E65D42}"/>
+                  <a16:creationId xmlns="" xmlns:a16="http://schemas.microsoft.com/office/drawing/2014/main" id="{18D0AE4D-EAAF-4488-A66B-9FCA73E65D42}"/>
                 </a:ext>
               </a:extLst>
             </p:cNvPr>
@@ -28779,7 +28800,7 @@
             <p:cNvPr id="52" name="Google Shape;174;p3">
               <a:extLst>
                 <a:ext uri="{FF2B5EF4-FFF2-40B4-BE49-F238E27FC236}">
-                  <a16:creationId xmlns:a16="http://schemas.microsoft.com/office/drawing/2014/main" xmlns="" id="{7B8E4A56-CCEC-45B3-ACCC-B4A4358EB788}"/>
+                  <a16:creationId xmlns="" xmlns:a16="http://schemas.microsoft.com/office/drawing/2014/main" id="{7B8E4A56-CCEC-45B3-ACCC-B4A4358EB788}"/>
                 </a:ext>
               </a:extLst>
             </p:cNvPr>
@@ -28841,7 +28862,7 @@
             <p:cNvPr id="53" name="Google Shape;175;p3">
               <a:extLst>
                 <a:ext uri="{FF2B5EF4-FFF2-40B4-BE49-F238E27FC236}">
-                  <a16:creationId xmlns:a16="http://schemas.microsoft.com/office/drawing/2014/main" xmlns="" id="{C7A678D3-8080-49E8-89F2-DD3C808AB117}"/>
+                  <a16:creationId xmlns="" xmlns:a16="http://schemas.microsoft.com/office/drawing/2014/main" id="{C7A678D3-8080-49E8-89F2-DD3C808AB117}"/>
                 </a:ext>
               </a:extLst>
             </p:cNvPr>
@@ -28906,7 +28927,7 @@
             <p:cNvPr id="54" name="Google Shape;176;p3">
               <a:extLst>
                 <a:ext uri="{FF2B5EF4-FFF2-40B4-BE49-F238E27FC236}">
-                  <a16:creationId xmlns:a16="http://schemas.microsoft.com/office/drawing/2014/main" xmlns="" id="{294A50A5-B148-404E-B048-85759EEF881A}"/>
+                  <a16:creationId xmlns="" xmlns:a16="http://schemas.microsoft.com/office/drawing/2014/main" id="{294A50A5-B148-404E-B048-85759EEF881A}"/>
                 </a:ext>
               </a:extLst>
             </p:cNvPr>
@@ -28969,7 +28990,7 @@
           <p:cNvPr id="55" name="Google Shape;177;p3">
             <a:extLst>
               <a:ext uri="{FF2B5EF4-FFF2-40B4-BE49-F238E27FC236}">
-                <a16:creationId xmlns:a16="http://schemas.microsoft.com/office/drawing/2014/main" xmlns="" id="{3FF105E1-8915-47A5-8C34-4FE19C0E1ED6}"/>
+                <a16:creationId xmlns="" xmlns:a16="http://schemas.microsoft.com/office/drawing/2014/main" id="{3FF105E1-8915-47A5-8C34-4FE19C0E1ED6}"/>
               </a:ext>
             </a:extLst>
           </p:cNvPr>
@@ -28989,7 +29010,7 @@
             <p:cNvPr id="56" name="Google Shape;178;p3">
               <a:extLst>
                 <a:ext uri="{FF2B5EF4-FFF2-40B4-BE49-F238E27FC236}">
-                  <a16:creationId xmlns:a16="http://schemas.microsoft.com/office/drawing/2014/main" xmlns="" id="{E34A763D-D516-481A-B77E-4DB3301CB433}"/>
+                  <a16:creationId xmlns="" xmlns:a16="http://schemas.microsoft.com/office/drawing/2014/main" id="{E34A763D-D516-481A-B77E-4DB3301CB433}"/>
                 </a:ext>
               </a:extLst>
             </p:cNvPr>
@@ -29054,7 +29075,7 @@
             <p:cNvPr id="57" name="Google Shape;179;p3">
               <a:extLst>
                 <a:ext uri="{FF2B5EF4-FFF2-40B4-BE49-F238E27FC236}">
-                  <a16:creationId xmlns:a16="http://schemas.microsoft.com/office/drawing/2014/main" xmlns="" id="{8BA0D066-E53B-414A-8D7D-7FC58881D77D}"/>
+                  <a16:creationId xmlns="" xmlns:a16="http://schemas.microsoft.com/office/drawing/2014/main" id="{8BA0D066-E53B-414A-8D7D-7FC58881D77D}"/>
                 </a:ext>
               </a:extLst>
             </p:cNvPr>
@@ -29119,7 +29140,7 @@
             <p:cNvPr id="58" name="Google Shape;180;p3">
               <a:extLst>
                 <a:ext uri="{FF2B5EF4-FFF2-40B4-BE49-F238E27FC236}">
-                  <a16:creationId xmlns:a16="http://schemas.microsoft.com/office/drawing/2014/main" xmlns="" id="{E1E90CFE-0313-4CE8-887F-615C8C113C8B}"/>
+                  <a16:creationId xmlns="" xmlns:a16="http://schemas.microsoft.com/office/drawing/2014/main" id="{E1E90CFE-0313-4CE8-887F-615C8C113C8B}"/>
                 </a:ext>
               </a:extLst>
             </p:cNvPr>
@@ -29184,7 +29205,7 @@
             <p:cNvPr id="59" name="Google Shape;181;p3">
               <a:extLst>
                 <a:ext uri="{FF2B5EF4-FFF2-40B4-BE49-F238E27FC236}">
-                  <a16:creationId xmlns:a16="http://schemas.microsoft.com/office/drawing/2014/main" xmlns="" id="{7BD17487-0D4C-4958-A19A-BB7AE1B0B9B4}"/>
+                  <a16:creationId xmlns="" xmlns:a16="http://schemas.microsoft.com/office/drawing/2014/main" id="{7BD17487-0D4C-4958-A19A-BB7AE1B0B9B4}"/>
                 </a:ext>
               </a:extLst>
             </p:cNvPr>
@@ -29246,7 +29267,7 @@
             <p:cNvPr id="60" name="Google Shape;182;p3">
               <a:extLst>
                 <a:ext uri="{FF2B5EF4-FFF2-40B4-BE49-F238E27FC236}">
-                  <a16:creationId xmlns:a16="http://schemas.microsoft.com/office/drawing/2014/main" xmlns="" id="{28A60444-34BE-4255-A549-0A49C1465952}"/>
+                  <a16:creationId xmlns="" xmlns:a16="http://schemas.microsoft.com/office/drawing/2014/main" id="{28A60444-34BE-4255-A549-0A49C1465952}"/>
                 </a:ext>
               </a:extLst>
             </p:cNvPr>
@@ -29311,7 +29332,7 @@
             <p:cNvPr id="61" name="Google Shape;183;p3">
               <a:extLst>
                 <a:ext uri="{FF2B5EF4-FFF2-40B4-BE49-F238E27FC236}">
-                  <a16:creationId xmlns:a16="http://schemas.microsoft.com/office/drawing/2014/main" xmlns="" id="{F32FAB47-3345-4C5B-9A42-DDC5F7C44452}"/>
+                  <a16:creationId xmlns="" xmlns:a16="http://schemas.microsoft.com/office/drawing/2014/main" id="{F32FAB47-3345-4C5B-9A42-DDC5F7C44452}"/>
                 </a:ext>
               </a:extLst>
             </p:cNvPr>
@@ -29374,7 +29395,7 @@
           <p:cNvPr id="62" name="Google Shape;199;p3">
             <a:extLst>
               <a:ext uri="{FF2B5EF4-FFF2-40B4-BE49-F238E27FC236}">
-                <a16:creationId xmlns:a16="http://schemas.microsoft.com/office/drawing/2014/main" xmlns="" id="{BE31818E-0E3E-4269-89BA-F1C874CF2D09}"/>
+                <a16:creationId xmlns="" xmlns:a16="http://schemas.microsoft.com/office/drawing/2014/main" id="{BE31818E-0E3E-4269-89BA-F1C874CF2D09}"/>
               </a:ext>
             </a:extLst>
           </p:cNvPr>
@@ -29480,7 +29501,7 @@
           <p:cNvPr id="63" name="Google Shape;200;p3">
             <a:extLst>
               <a:ext uri="{FF2B5EF4-FFF2-40B4-BE49-F238E27FC236}">
-                <a16:creationId xmlns:a16="http://schemas.microsoft.com/office/drawing/2014/main" xmlns="" id="{0A2CCDE7-2A8B-45C5-B711-113F99524CF8}"/>
+                <a16:creationId xmlns="" xmlns:a16="http://schemas.microsoft.com/office/drawing/2014/main" id="{0A2CCDE7-2A8B-45C5-B711-113F99524CF8}"/>
               </a:ext>
             </a:extLst>
           </p:cNvPr>
@@ -29569,7 +29590,7 @@
           <p:cNvPr id="64" name="Google Shape;202;p3">
             <a:extLst>
               <a:ext uri="{FF2B5EF4-FFF2-40B4-BE49-F238E27FC236}">
-                <a16:creationId xmlns:a16="http://schemas.microsoft.com/office/drawing/2014/main" xmlns="" id="{CF22479A-6026-4DFD-B5CE-D9AB77185134}"/>
+                <a16:creationId xmlns="" xmlns:a16="http://schemas.microsoft.com/office/drawing/2014/main" id="{CF22479A-6026-4DFD-B5CE-D9AB77185134}"/>
               </a:ext>
             </a:extLst>
           </p:cNvPr>
@@ -29637,7 +29658,7 @@
           <p:cNvPr id="65" name="Google Shape;203;p3">
             <a:extLst>
               <a:ext uri="{FF2B5EF4-FFF2-40B4-BE49-F238E27FC236}">
-                <a16:creationId xmlns:a16="http://schemas.microsoft.com/office/drawing/2014/main" xmlns="" id="{4640EE5E-486C-4591-8BD3-67F9A8F91ECF}"/>
+                <a16:creationId xmlns="" xmlns:a16="http://schemas.microsoft.com/office/drawing/2014/main" id="{4640EE5E-486C-4591-8BD3-67F9A8F91ECF}"/>
               </a:ext>
             </a:extLst>
           </p:cNvPr>
@@ -29657,7 +29678,7 @@
             <p:cNvPr id="66" name="Google Shape;204;p3">
               <a:extLst>
                 <a:ext uri="{FF2B5EF4-FFF2-40B4-BE49-F238E27FC236}">
-                  <a16:creationId xmlns:a16="http://schemas.microsoft.com/office/drawing/2014/main" xmlns="" id="{21C1FE22-963D-42ED-8A2C-36A106325378}"/>
+                  <a16:creationId xmlns="" xmlns:a16="http://schemas.microsoft.com/office/drawing/2014/main" id="{21C1FE22-963D-42ED-8A2C-36A106325378}"/>
                 </a:ext>
               </a:extLst>
             </p:cNvPr>
@@ -29722,7 +29743,7 @@
             <p:cNvPr id="67" name="Google Shape;205;p3">
               <a:extLst>
                 <a:ext uri="{FF2B5EF4-FFF2-40B4-BE49-F238E27FC236}">
-                  <a16:creationId xmlns:a16="http://schemas.microsoft.com/office/drawing/2014/main" xmlns="" id="{472D6B0E-65E5-43BD-99E4-9ABA94BD97DA}"/>
+                  <a16:creationId xmlns="" xmlns:a16="http://schemas.microsoft.com/office/drawing/2014/main" id="{472D6B0E-65E5-43BD-99E4-9ABA94BD97DA}"/>
                 </a:ext>
               </a:extLst>
             </p:cNvPr>
@@ -29787,7 +29808,7 @@
             <p:cNvPr id="68" name="Google Shape;206;p3">
               <a:extLst>
                 <a:ext uri="{FF2B5EF4-FFF2-40B4-BE49-F238E27FC236}">
-                  <a16:creationId xmlns:a16="http://schemas.microsoft.com/office/drawing/2014/main" xmlns="" id="{2A81CB49-FBCB-4664-ADB4-623334465376}"/>
+                  <a16:creationId xmlns="" xmlns:a16="http://schemas.microsoft.com/office/drawing/2014/main" id="{2A81CB49-FBCB-4664-ADB4-623334465376}"/>
                 </a:ext>
               </a:extLst>
             </p:cNvPr>
@@ -29852,7 +29873,7 @@
             <p:cNvPr id="69" name="Google Shape;207;p3">
               <a:extLst>
                 <a:ext uri="{FF2B5EF4-FFF2-40B4-BE49-F238E27FC236}">
-                  <a16:creationId xmlns:a16="http://schemas.microsoft.com/office/drawing/2014/main" xmlns="" id="{E7AAF2FD-36E1-42EF-B148-A4ED8BB3B911}"/>
+                  <a16:creationId xmlns="" xmlns:a16="http://schemas.microsoft.com/office/drawing/2014/main" id="{E7AAF2FD-36E1-42EF-B148-A4ED8BB3B911}"/>
                 </a:ext>
               </a:extLst>
             </p:cNvPr>
@@ -29914,7 +29935,7 @@
             <p:cNvPr id="70" name="Google Shape;208;p3">
               <a:extLst>
                 <a:ext uri="{FF2B5EF4-FFF2-40B4-BE49-F238E27FC236}">
-                  <a16:creationId xmlns:a16="http://schemas.microsoft.com/office/drawing/2014/main" xmlns="" id="{270CA44A-AF7C-4C7F-91C7-9DAA5ADE10F9}"/>
+                  <a16:creationId xmlns="" xmlns:a16="http://schemas.microsoft.com/office/drawing/2014/main" id="{270CA44A-AF7C-4C7F-91C7-9DAA5ADE10F9}"/>
                 </a:ext>
               </a:extLst>
             </p:cNvPr>
@@ -29979,7 +30000,7 @@
             <p:cNvPr id="71" name="Google Shape;209;p3">
               <a:extLst>
                 <a:ext uri="{FF2B5EF4-FFF2-40B4-BE49-F238E27FC236}">
-                  <a16:creationId xmlns:a16="http://schemas.microsoft.com/office/drawing/2014/main" xmlns="" id="{475554B4-AE93-4AAC-9D3C-5FE7EEE3A0F5}"/>
+                  <a16:creationId xmlns="" xmlns:a16="http://schemas.microsoft.com/office/drawing/2014/main" id="{475554B4-AE93-4AAC-9D3C-5FE7EEE3A0F5}"/>
                 </a:ext>
               </a:extLst>
             </p:cNvPr>
@@ -30042,7 +30063,7 @@
           <p:cNvPr id="72" name="Google Shape;158;p3">
             <a:extLst>
               <a:ext uri="{FF2B5EF4-FFF2-40B4-BE49-F238E27FC236}">
-                <a16:creationId xmlns:a16="http://schemas.microsoft.com/office/drawing/2014/main" xmlns="" id="{B317176D-FA30-4772-B8FF-A1108DC6D0AC}"/>
+                <a16:creationId xmlns="" xmlns:a16="http://schemas.microsoft.com/office/drawing/2014/main" id="{B317176D-FA30-4772-B8FF-A1108DC6D0AC}"/>
               </a:ext>
             </a:extLst>
           </p:cNvPr>
@@ -30143,7 +30164,7 @@
           <p:cNvPr id="2" name="Title 1">
             <a:extLst>
               <a:ext uri="{FF2B5EF4-FFF2-40B4-BE49-F238E27FC236}">
-                <a16:creationId xmlns:a16="http://schemas.microsoft.com/office/drawing/2014/main" xmlns="" id="{C31AACFF-E6A0-4256-8D35-4113225D4BB1}"/>
+                <a16:creationId xmlns="" xmlns:a16="http://schemas.microsoft.com/office/drawing/2014/main" id="{C31AACFF-E6A0-4256-8D35-4113225D4BB1}"/>
               </a:ext>
             </a:extLst>
           </p:cNvPr>
@@ -30228,7 +30249,7 @@
           <p:cNvPr id="3" name="Text Placeholder 2">
             <a:extLst>
               <a:ext uri="{FF2B5EF4-FFF2-40B4-BE49-F238E27FC236}">
-                <a16:creationId xmlns:a16="http://schemas.microsoft.com/office/drawing/2014/main" xmlns="" id="{EB0FED39-D7F7-46D4-81ED-6EDD34268DF5}"/>
+                <a16:creationId xmlns="" xmlns:a16="http://schemas.microsoft.com/office/drawing/2014/main" id="{EB0FED39-D7F7-46D4-81ED-6EDD34268DF5}"/>
               </a:ext>
             </a:extLst>
           </p:cNvPr>
@@ -30268,7 +30289,7 @@
           <p:cNvPr id="4" name="Text Placeholder 2">
             <a:extLst>
               <a:ext uri="{FF2B5EF4-FFF2-40B4-BE49-F238E27FC236}">
-                <a16:creationId xmlns:a16="http://schemas.microsoft.com/office/drawing/2014/main" xmlns="" id="{B98D1857-0561-411C-BD5D-5E661010EFD7}"/>
+                <a16:creationId xmlns="" xmlns:a16="http://schemas.microsoft.com/office/drawing/2014/main" id="{B98D1857-0561-411C-BD5D-5E661010EFD7}"/>
               </a:ext>
             </a:extLst>
           </p:cNvPr>
@@ -30597,7 +30618,7 @@
           <p:cNvPr id="8" name="Text Placeholder 2">
             <a:extLst>
               <a:ext uri="{FF2B5EF4-FFF2-40B4-BE49-F238E27FC236}">
-                <a16:creationId xmlns:a16="http://schemas.microsoft.com/office/drawing/2014/main" xmlns="" id="{B98D1857-0561-411C-BD5D-5E661010EFD7}"/>
+                <a16:creationId xmlns="" xmlns:a16="http://schemas.microsoft.com/office/drawing/2014/main" id="{B98D1857-0561-411C-BD5D-5E661010EFD7}"/>
               </a:ext>
             </a:extLst>
           </p:cNvPr>
@@ -30900,7 +30921,7 @@
           <p:cNvPr id="9" name="Text Placeholder 2">
             <a:extLst>
               <a:ext uri="{FF2B5EF4-FFF2-40B4-BE49-F238E27FC236}">
-                <a16:creationId xmlns:a16="http://schemas.microsoft.com/office/drawing/2014/main" xmlns="" id="{B98D1857-0561-411C-BD5D-5E661010EFD7}"/>
+                <a16:creationId xmlns="" xmlns:a16="http://schemas.microsoft.com/office/drawing/2014/main" id="{B98D1857-0561-411C-BD5D-5E661010EFD7}"/>
               </a:ext>
             </a:extLst>
           </p:cNvPr>
@@ -31190,7 +31211,7 @@
           <p:cNvPr id="10" name="Text Placeholder 2">
             <a:extLst>
               <a:ext uri="{FF2B5EF4-FFF2-40B4-BE49-F238E27FC236}">
-                <a16:creationId xmlns:a16="http://schemas.microsoft.com/office/drawing/2014/main" xmlns="" id="{B98D1857-0561-411C-BD5D-5E661010EFD7}"/>
+                <a16:creationId xmlns="" xmlns:a16="http://schemas.microsoft.com/office/drawing/2014/main" id="{B98D1857-0561-411C-BD5D-5E661010EFD7}"/>
               </a:ext>
             </a:extLst>
           </p:cNvPr>
@@ -31517,7 +31538,7 @@
           <p:cNvPr id="2" name="Title 1">
             <a:extLst>
               <a:ext uri="{FF2B5EF4-FFF2-40B4-BE49-F238E27FC236}">
-                <a16:creationId xmlns:a16="http://schemas.microsoft.com/office/drawing/2014/main" xmlns="" id="{06B9761D-23C7-4AD0-88CA-BE64B32E2D69}"/>
+                <a16:creationId xmlns="" xmlns:a16="http://schemas.microsoft.com/office/drawing/2014/main" id="{06B9761D-23C7-4AD0-88CA-BE64B32E2D69}"/>
               </a:ext>
             </a:extLst>
           </p:cNvPr>
@@ -31602,7 +31623,7 @@
           <p:cNvPr id="3" name="Text Placeholder 2">
             <a:extLst>
               <a:ext uri="{FF2B5EF4-FFF2-40B4-BE49-F238E27FC236}">
-                <a16:creationId xmlns:a16="http://schemas.microsoft.com/office/drawing/2014/main" xmlns="" id="{1FFFFD45-EA13-49A4-B259-FFBA3D9EFCEE}"/>
+                <a16:creationId xmlns="" xmlns:a16="http://schemas.microsoft.com/office/drawing/2014/main" id="{1FFFFD45-EA13-49A4-B259-FFBA3D9EFCEE}"/>
               </a:ext>
             </a:extLst>
           </p:cNvPr>
@@ -31835,7 +31856,7 @@
           <p:cNvPr id="2" name="Title 1">
             <a:extLst>
               <a:ext uri="{FF2B5EF4-FFF2-40B4-BE49-F238E27FC236}">
-                <a16:creationId xmlns:a16="http://schemas.microsoft.com/office/drawing/2014/main" xmlns="" id="{06B9761D-23C7-4AD0-88CA-BE64B32E2D69}"/>
+                <a16:creationId xmlns="" xmlns:a16="http://schemas.microsoft.com/office/drawing/2014/main" id="{06B9761D-23C7-4AD0-88CA-BE64B32E2D69}"/>
               </a:ext>
             </a:extLst>
           </p:cNvPr>
@@ -31920,7 +31941,7 @@
           <p:cNvPr id="3" name="Text Placeholder 2">
             <a:extLst>
               <a:ext uri="{FF2B5EF4-FFF2-40B4-BE49-F238E27FC236}">
-                <a16:creationId xmlns:a16="http://schemas.microsoft.com/office/drawing/2014/main" xmlns="" id="{1FFFFD45-EA13-49A4-B259-FFBA3D9EFCEE}"/>
+                <a16:creationId xmlns="" xmlns:a16="http://schemas.microsoft.com/office/drawing/2014/main" id="{1FFFFD45-EA13-49A4-B259-FFBA3D9EFCEE}"/>
               </a:ext>
             </a:extLst>
           </p:cNvPr>
@@ -32080,9 +32101,6 @@
               </a:rPr>
               <a:t> nhân viên</a:t>
             </a:r>
-            <a:endParaRPr lang="vi-VN" sz="2400" b="1" dirty="0" smtClean="0">
-              <a:sym typeface="Wingdings" panose="05000000000000000000" pitchFamily="2" charset="2"/>
-            </a:endParaRPr>
           </a:p>
           <a:p>
             <a:pPr>
@@ -32093,13 +32111,7 @@
               <a:rPr lang="vi-VN" sz="2400" dirty="0" smtClean="0">
                 <a:sym typeface="Wingdings" panose="05000000000000000000" pitchFamily="2" charset="2"/>
               </a:rPr>
-              <a:t>Tác nhân </a:t>
-            </a:r>
-            <a:r>
-              <a:rPr lang="vi-VN" sz="2400" dirty="0" smtClean="0">
-                <a:sym typeface="Wingdings" panose="05000000000000000000" pitchFamily="2" charset="2"/>
-              </a:rPr>
-              <a:t>phụ: </a:t>
+              <a:t>Tác nhân phụ: </a:t>
             </a:r>
             <a:r>
               <a:rPr lang="vi-VN" sz="2400" b="1" dirty="0" smtClean="0">
